--- a/resources/MTH107-RGuide.pptx
+++ b/resources/MTH107-RGuide.pptx
@@ -1312,7 +1312,7 @@
           </a:ln>
           <a:extLst>
             <a:ext uri="{C572A759-6A51-4108-AA02-DFA0A04FC94B}">
-              <ma14:wrappingTextBoxFlag xmlns:ma14="http://schemas.microsoft.com/office/mac/drawingml/2011/main" xmlns="" val="1"/>
+              <ma14:wrappingTextBoxFlag xmlns="" xmlns:ma14="http://schemas.microsoft.com/office/mac/drawingml/2011/main" val="1"/>
             </a:ext>
           </a:extLst>
         </p:spPr>
@@ -1355,7 +1355,7 @@
           </a:ln>
           <a:extLst>
             <a:ext uri="{C572A759-6A51-4108-AA02-DFA0A04FC94B}">
-              <ma14:wrappingTextBoxFlag xmlns:ma14="http://schemas.microsoft.com/office/mac/drawingml/2011/main" xmlns="" val="1"/>
+              <ma14:wrappingTextBoxFlag xmlns="" xmlns:ma14="http://schemas.microsoft.com/office/mac/drawingml/2011/main" val="1"/>
             </a:ext>
           </a:extLst>
         </p:spPr>
@@ -1760,7 +1760,7 @@
         </p:nvGrpSpPr>
         <p:grpSpPr>
           <a:xfrm>
-            <a:off x="48453" y="3914135"/>
+            <a:off x="63693" y="3936995"/>
             <a:ext cx="2926206" cy="2860208"/>
             <a:chOff x="48453" y="3914135"/>
             <a:chExt cx="2926206" cy="2860208"/>
@@ -2553,7 +2553,13 @@
                 <a:rPr lang="en-US" sz="800" dirty="0" smtClean="0">
                   <a:latin typeface="Source Sans Pro Light"/>
                 </a:rPr>
-                <a:t> and put in a the new </a:t>
+                <a:t> and put </a:t>
+              </a:r>
+              <a:r>
+                <a:rPr lang="en-US" sz="800" dirty="0" smtClean="0">
+                  <a:latin typeface="Source Sans Pro Light"/>
+                </a:rPr>
+                <a:t>in the </a:t>
               </a:r>
               <a:r>
                 <a:rPr lang="en-US" sz="800" dirty="0" err="1" smtClean="0">
@@ -2687,7 +2693,29 @@
                   <a:ea typeface="Microsoft Yi Baiti" panose="03000500000000000000" pitchFamily="66" charset="0"/>
                   <a:cs typeface="Arabic Typesetting" panose="03020402040406030203" pitchFamily="66" charset="-78"/>
                 </a:rPr>
-                <a:t> == value	# equal to</a:t>
+                <a:t> == value	</a:t>
+              </a:r>
+              <a:r>
+                <a:rPr lang="en-US" sz="800" dirty="0" smtClean="0">
+                  <a:solidFill>
+                    <a:srgbClr val="C00000"/>
+                  </a:solidFill>
+                  <a:latin typeface="Source Sans Pro Light"/>
+                  <a:ea typeface="Microsoft Yi Baiti" panose="03000500000000000000" pitchFamily="66" charset="0"/>
+                  <a:cs typeface="Arabic Typesetting" panose="03020402040406030203" pitchFamily="66" charset="-78"/>
+                </a:rPr>
+                <a:t>                     # </a:t>
+              </a:r>
+              <a:r>
+                <a:rPr lang="en-US" sz="800" dirty="0">
+                  <a:solidFill>
+                    <a:srgbClr val="C00000"/>
+                  </a:solidFill>
+                  <a:latin typeface="Source Sans Pro Light"/>
+                  <a:ea typeface="Microsoft Yi Baiti" panose="03000500000000000000" pitchFamily="66" charset="0"/>
+                  <a:cs typeface="Arabic Typesetting" panose="03020402040406030203" pitchFamily="66" charset="-78"/>
+                </a:rPr>
+                <a:t>equal to</a:t>
               </a:r>
             </a:p>
             <a:p>
@@ -2722,7 +2750,29 @@
                   <a:ea typeface="Microsoft Yi Baiti" panose="03000500000000000000" pitchFamily="66" charset="0"/>
                   <a:cs typeface="Arabic Typesetting" panose="03020402040406030203" pitchFamily="66" charset="-78"/>
                 </a:rPr>
-                <a:t> != value 	# not equal to</a:t>
+                <a:t> != value 	</a:t>
+              </a:r>
+              <a:r>
+                <a:rPr lang="en-US" sz="800" dirty="0" smtClean="0">
+                  <a:solidFill>
+                    <a:srgbClr val="C00000"/>
+                  </a:solidFill>
+                  <a:latin typeface="Source Sans Pro Light"/>
+                  <a:ea typeface="Microsoft Yi Baiti" panose="03000500000000000000" pitchFamily="66" charset="0"/>
+                  <a:cs typeface="Arabic Typesetting" panose="03020402040406030203" pitchFamily="66" charset="-78"/>
+                </a:rPr>
+                <a:t>                     # </a:t>
+              </a:r>
+              <a:r>
+                <a:rPr lang="en-US" sz="800" dirty="0">
+                  <a:solidFill>
+                    <a:srgbClr val="C00000"/>
+                  </a:solidFill>
+                  <a:latin typeface="Source Sans Pro Light"/>
+                  <a:ea typeface="Microsoft Yi Baiti" panose="03000500000000000000" pitchFamily="66" charset="0"/>
+                  <a:cs typeface="Arabic Typesetting" panose="03020402040406030203" pitchFamily="66" charset="-78"/>
+                </a:rPr>
+                <a:t>not equal to</a:t>
               </a:r>
             </a:p>
             <a:p>
@@ -2757,7 +2807,29 @@
                   <a:ea typeface="Microsoft Yi Baiti" panose="03000500000000000000" pitchFamily="66" charset="0"/>
                   <a:cs typeface="Arabic Typesetting" panose="03020402040406030203" pitchFamily="66" charset="-78"/>
                 </a:rPr>
-                <a:t> &gt; value	# greater than</a:t>
+                <a:t> &gt; value	</a:t>
+              </a:r>
+              <a:r>
+                <a:rPr lang="en-US" sz="800" dirty="0" smtClean="0">
+                  <a:solidFill>
+                    <a:srgbClr val="C00000"/>
+                  </a:solidFill>
+                  <a:latin typeface="Source Sans Pro Light"/>
+                  <a:ea typeface="Microsoft Yi Baiti" panose="03000500000000000000" pitchFamily="66" charset="0"/>
+                  <a:cs typeface="Arabic Typesetting" panose="03020402040406030203" pitchFamily="66" charset="-78"/>
+                </a:rPr>
+                <a:t>                     # </a:t>
+              </a:r>
+              <a:r>
+                <a:rPr lang="en-US" sz="800" dirty="0">
+                  <a:solidFill>
+                    <a:srgbClr val="C00000"/>
+                  </a:solidFill>
+                  <a:latin typeface="Source Sans Pro Light"/>
+                  <a:ea typeface="Microsoft Yi Baiti" panose="03000500000000000000" pitchFamily="66" charset="0"/>
+                  <a:cs typeface="Arabic Typesetting" panose="03020402040406030203" pitchFamily="66" charset="-78"/>
+                </a:rPr>
+                <a:t>greater than</a:t>
               </a:r>
             </a:p>
             <a:p>
@@ -2792,7 +2864,29 @@
                   <a:ea typeface="Microsoft Yi Baiti" panose="03000500000000000000" pitchFamily="66" charset="0"/>
                   <a:cs typeface="Arabic Typesetting" panose="03020402040406030203" pitchFamily="66" charset="-78"/>
                 </a:rPr>
-                <a:t> &gt;= value 	# greater than or equal</a:t>
+                <a:t> &gt;= value 	</a:t>
+              </a:r>
+              <a:r>
+                <a:rPr lang="en-US" sz="800" dirty="0" smtClean="0">
+                  <a:solidFill>
+                    <a:srgbClr val="C00000"/>
+                  </a:solidFill>
+                  <a:latin typeface="Source Sans Pro Light"/>
+                  <a:ea typeface="Microsoft Yi Baiti" panose="03000500000000000000" pitchFamily="66" charset="0"/>
+                  <a:cs typeface="Arabic Typesetting" panose="03020402040406030203" pitchFamily="66" charset="-78"/>
+                </a:rPr>
+                <a:t>                     # </a:t>
+              </a:r>
+              <a:r>
+                <a:rPr lang="en-US" sz="800" dirty="0">
+                  <a:solidFill>
+                    <a:srgbClr val="C00000"/>
+                  </a:solidFill>
+                  <a:latin typeface="Source Sans Pro Light"/>
+                  <a:ea typeface="Microsoft Yi Baiti" panose="03000500000000000000" pitchFamily="66" charset="0"/>
+                  <a:cs typeface="Arabic Typesetting" panose="03020402040406030203" pitchFamily="66" charset="-78"/>
+                </a:rPr>
+                <a:t>greater than or equal</a:t>
               </a:r>
             </a:p>
             <a:p>
@@ -3043,7 +3137,29 @@
                   <a:ea typeface="Microsoft Yi Baiti" panose="03000500000000000000" pitchFamily="66" charset="0"/>
                   <a:cs typeface="Arabic Typesetting" panose="03020402040406030203" pitchFamily="66" charset="-78"/>
                 </a:rPr>
-                <a:t>	# both conditions met</a:t>
+                <a:t>	</a:t>
+              </a:r>
+              <a:r>
+                <a:rPr lang="en-US" sz="800" dirty="0" smtClean="0">
+                  <a:solidFill>
+                    <a:srgbClr val="C00000"/>
+                  </a:solidFill>
+                  <a:latin typeface="Source Sans Pro Light"/>
+                  <a:ea typeface="Microsoft Yi Baiti" panose="03000500000000000000" pitchFamily="66" charset="0"/>
+                  <a:cs typeface="Arabic Typesetting" panose="03020402040406030203" pitchFamily="66" charset="-78"/>
+                </a:rPr>
+                <a:t>                     # </a:t>
+              </a:r>
+              <a:r>
+                <a:rPr lang="en-US" sz="800" dirty="0">
+                  <a:solidFill>
+                    <a:srgbClr val="C00000"/>
+                  </a:solidFill>
+                  <a:latin typeface="Source Sans Pro Light"/>
+                  <a:ea typeface="Microsoft Yi Baiti" panose="03000500000000000000" pitchFamily="66" charset="0"/>
+                  <a:cs typeface="Arabic Typesetting" panose="03020402040406030203" pitchFamily="66" charset="-78"/>
+                </a:rPr>
+                <a:t>both conditions met</a:t>
               </a:r>
             </a:p>
             <a:p>
@@ -3111,7 +3227,19 @@
                 <a:rPr lang="en-US" sz="800" dirty="0" smtClean="0">
                   <a:latin typeface="Source Sans Pro Light"/>
                 </a:rPr>
-                <a:t> replaced by a number or category level (</a:t>
+                <a:t> replaced by a number or category </a:t>
+              </a:r>
+              <a:r>
+                <a:rPr lang="en-US" sz="800" dirty="0" smtClean="0">
+                  <a:latin typeface="Source Sans Pro Light"/>
+                </a:rPr>
+                <a:t>name </a:t>
+              </a:r>
+              <a:r>
+                <a:rPr lang="en-US" sz="800" dirty="0" smtClean="0">
+                  <a:latin typeface="Source Sans Pro Light"/>
+                </a:rPr>
+                <a:t>(</a:t>
               </a:r>
               <a:r>
                 <a:rPr lang="en-US" sz="800" i="1" dirty="0" smtClean="0">
@@ -3176,7 +3304,7 @@
             </a:ln>
             <a:extLst>
               <a:ext uri="{C572A759-6A51-4108-AA02-DFA0A04FC94B}">
-                <ma14:wrappingTextBoxFlag xmlns:ma14="http://schemas.microsoft.com/office/mac/drawingml/2011/main" xmlns="" val="1"/>
+                <ma14:wrappingTextBoxFlag xmlns="" xmlns:ma14="http://schemas.microsoft.com/office/mac/drawingml/2011/main" val="1"/>
               </a:ext>
             </a:extLst>
           </p:spPr>
@@ -3342,7 +3470,7 @@
         </p:nvGrpSpPr>
         <p:grpSpPr>
           <a:xfrm>
-            <a:off x="43816" y="32700"/>
+            <a:off x="59056" y="55560"/>
             <a:ext cx="2926544" cy="3816391"/>
             <a:chOff x="43816" y="32700"/>
             <a:chExt cx="2926544" cy="3816391"/>
@@ -4249,7 +4377,7 @@
                 <a:defRPr sz="1800"/>
               </a:pPr>
               <a:r>
-                <a:rPr lang="en-US" sz="800" b="1" smtClean="0">
+                <a:rPr lang="en-US" sz="800" b="1" dirty="0" smtClean="0">
                   <a:latin typeface="Source Sans Pro Light"/>
                   <a:ea typeface="Source Sans Pro Light"/>
                   <a:cs typeface="Source Sans Pro Light"/>
@@ -4258,7 +4386,7 @@
                 <a:t>LOAD THE EXTERNAL CSV FILE INTO R:</a:t>
               </a:r>
               <a:r>
-                <a:rPr lang="en-US" sz="800" smtClean="0">
+                <a:rPr lang="en-US" sz="800" dirty="0" smtClean="0">
                   <a:latin typeface="Source Sans Pro Light"/>
                   <a:ea typeface="Source Sans Pro Light"/>
                   <a:cs typeface="Source Sans Pro Light"/>
@@ -4469,7 +4597,7 @@
                   <a:cs typeface="Source Sans Pro Light"/>
                   <a:sym typeface="Source Sans Pro Light"/>
                 </a:rPr>
-                <a:t>to load </a:t>
+                <a:t>to </a:t>
               </a:r>
               <a:r>
                 <a:rPr lang="en-US" sz="800" dirty="0" smtClean="0">
@@ -4478,19 +4606,16 @@
                   <a:cs typeface="Source Sans Pro Light"/>
                   <a:sym typeface="Source Sans Pro Light"/>
                 </a:rPr>
-                <a:t>the data into the </a:t>
-              </a:r>
-              <a:r>
-                <a:rPr lang="en-US" sz="800" dirty="0" err="1" smtClean="0">
-                  <a:solidFill>
-                    <a:srgbClr val="C00000"/>
-                  </a:solidFill>
-                  <a:latin typeface="Source Sans Pro Semibold"/>
+                <a:t>load data in </a:t>
+              </a:r>
+              <a:r>
+                <a:rPr lang="en-US" sz="800" i="1" dirty="0" smtClean="0">
+                  <a:latin typeface="Source Sans Pro Light"/>
                   <a:ea typeface="Source Sans Pro Light"/>
                   <a:cs typeface="Source Sans Pro Light"/>
                   <a:sym typeface="Source Sans Pro Light"/>
                 </a:rPr>
-                <a:t>dfobj</a:t>
+                <a:t>filename.csv</a:t>
               </a:r>
               <a:r>
                 <a:rPr lang="en-US" sz="800" dirty="0" smtClean="0">
@@ -4499,7 +4624,37 @@
                   <a:cs typeface="Source Sans Pro Light"/>
                   <a:sym typeface="Source Sans Pro Light"/>
                 </a:rPr>
-                <a:t> object.</a:t>
+                <a:t> into</a:t>
+              </a:r>
+              <a:r>
+                <a:rPr lang="en-US" sz="800" dirty="0" smtClean="0">
+                  <a:latin typeface="Source Sans Pro Light"/>
+                  <a:ea typeface="Source Sans Pro Light"/>
+                  <a:cs typeface="Source Sans Pro Light"/>
+                  <a:sym typeface="Source Sans Pro Light"/>
+                </a:rPr>
+                <a:t> </a:t>
+              </a:r>
+              <a:r>
+                <a:rPr lang="en-US" sz="800" dirty="0" err="1" smtClean="0">
+                  <a:solidFill>
+                    <a:srgbClr val="C00000"/>
+                  </a:solidFill>
+                  <a:latin typeface="Source Sans Pro Semibold"/>
+                  <a:ea typeface="Source Sans Pro Light"/>
+                  <a:cs typeface="Source Sans Pro Light"/>
+                  <a:sym typeface="Source Sans Pro Light"/>
+                </a:rPr>
+                <a:t>dfobj</a:t>
+              </a:r>
+              <a:r>
+                <a:rPr lang="en-US" sz="800" dirty="0" smtClean="0">
+                  <a:latin typeface="Source Sans Pro Light"/>
+                  <a:ea typeface="Source Sans Pro Light"/>
+                  <a:cs typeface="Source Sans Pro Light"/>
+                  <a:sym typeface="Source Sans Pro Light"/>
+                </a:rPr>
+                <a:t>.</a:t>
               </a:r>
               <a:endParaRPr lang="en-US" sz="800" dirty="0">
                 <a:latin typeface="Source Sans Pro Light"/>
@@ -4567,34 +4722,16 @@
                 <a:t>of </a:t>
               </a:r>
               <a:r>
-                <a:rPr lang="en-US" sz="800" dirty="0" smtClean="0">
-                  <a:latin typeface="Source Sans Pro Light"/>
+                <a:rPr lang="en-US" sz="800" dirty="0" err="1" smtClean="0">
+                  <a:solidFill>
+                    <a:srgbClr val="C00000"/>
+                  </a:solidFill>
+                  <a:latin typeface="Source Sans Pro Semibold"/>
                   <a:ea typeface="Source Sans Pro Light"/>
                   <a:cs typeface="Source Sans Pro Light"/>
                   <a:sym typeface="Source Sans Pro Light"/>
                 </a:rPr>
-                <a:t>the </a:t>
-              </a:r>
-              <a:r>
-                <a:rPr lang="en-US" sz="800" dirty="0" err="1">
-                  <a:solidFill>
-                    <a:srgbClr val="C00000"/>
-                  </a:solidFill>
-                  <a:latin typeface="Source Sans Pro Semibold"/>
-                  <a:ea typeface="Source Sans Pro Light"/>
-                  <a:cs typeface="Source Sans Pro Light"/>
-                  <a:sym typeface="Source Sans Pro Light"/>
-                </a:rPr>
                 <a:t>dfobj</a:t>
-              </a:r>
-              <a:r>
-                <a:rPr lang="en-US" sz="800" dirty="0">
-                  <a:latin typeface="Source Sans Pro Light"/>
-                  <a:ea typeface="Source Sans Pro Light"/>
-                  <a:cs typeface="Source Sans Pro Light"/>
-                  <a:sym typeface="Source Sans Pro Light"/>
-                </a:rPr>
-                <a:t> object</a:t>
               </a:r>
               <a:r>
                 <a:rPr lang="en-US" sz="800" dirty="0" smtClean="0">
@@ -4656,7 +4793,7 @@
             </a:ln>
             <a:extLst>
               <a:ext uri="{C572A759-6A51-4108-AA02-DFA0A04FC94B}">
-                <ma14:wrappingTextBoxFlag xmlns:ma14="http://schemas.microsoft.com/office/mac/drawingml/2011/main" xmlns="" val="1"/>
+                <ma14:wrappingTextBoxFlag xmlns="" xmlns:ma14="http://schemas.microsoft.com/office/mac/drawingml/2011/main" val="1"/>
               </a:ext>
             </a:extLst>
           </p:spPr>
@@ -4943,7 +5080,7 @@
         </p:nvGrpSpPr>
         <p:grpSpPr>
           <a:xfrm>
-            <a:off x="3105426" y="2641022"/>
+            <a:off x="3105426" y="2663882"/>
             <a:ext cx="2926080" cy="2017287"/>
             <a:chOff x="3105426" y="2641022"/>
             <a:chExt cx="2926080" cy="2017287"/>
@@ -4980,6 +5117,83 @@
             <a:p>
               <a:pPr algn="l" latinLnBrk="1"/>
               <a:r>
+                <a:rPr lang="en-US" sz="600" dirty="0">
+                  <a:latin typeface="Courier New" panose="02070309020205020404" pitchFamily="49" charset="0"/>
+                  <a:cs typeface="Courier New" panose="02070309020205020404" pitchFamily="49" charset="0"/>
+                </a:rPr>
+                <a:t>&gt; </a:t>
+              </a:r>
+              <a:r>
+                <a:rPr lang="en-US" sz="600" b="1" dirty="0" err="1">
+                  <a:solidFill>
+                    <a:srgbClr val="C00000"/>
+                  </a:solidFill>
+                  <a:latin typeface="Courier New" panose="02070309020205020404" pitchFamily="49" charset="0"/>
+                  <a:cs typeface="Courier New" panose="02070309020205020404" pitchFamily="49" charset="0"/>
+                </a:rPr>
+                <a:t>hist</a:t>
+              </a:r>
+              <a:r>
+                <a:rPr lang="en-US" sz="600" b="1" dirty="0">
+                  <a:solidFill>
+                    <a:srgbClr val="C00000"/>
+                  </a:solidFill>
+                  <a:latin typeface="Courier New" panose="02070309020205020404" pitchFamily="49" charset="0"/>
+                  <a:cs typeface="Courier New" panose="02070309020205020404" pitchFamily="49" charset="0"/>
+                </a:rPr>
+                <a:t>(~</a:t>
+              </a:r>
+              <a:r>
+                <a:rPr lang="en-US" sz="600" b="1" dirty="0" err="1">
+                  <a:solidFill>
+                    <a:srgbClr val="C00000"/>
+                  </a:solidFill>
+                  <a:latin typeface="Courier New" panose="02070309020205020404" pitchFamily="49" charset="0"/>
+                  <a:cs typeface="Courier New" panose="02070309020205020404" pitchFamily="49" charset="0"/>
+                </a:rPr>
+                <a:t>HMPG,data</a:t>
+              </a:r>
+              <a:r>
+                <a:rPr lang="en-US" sz="600" b="1" dirty="0">
+                  <a:solidFill>
+                    <a:srgbClr val="C00000"/>
+                  </a:solidFill>
+                  <a:latin typeface="Courier New" panose="02070309020205020404" pitchFamily="49" charset="0"/>
+                  <a:cs typeface="Courier New" panose="02070309020205020404" pitchFamily="49" charset="0"/>
+                </a:rPr>
+                <a:t>=</a:t>
+              </a:r>
+              <a:r>
+                <a:rPr lang="en-US" sz="600" b="1" dirty="0" err="1">
+                  <a:solidFill>
+                    <a:srgbClr val="C00000"/>
+                  </a:solidFill>
+                  <a:latin typeface="Courier New" panose="02070309020205020404" pitchFamily="49" charset="0"/>
+                  <a:cs typeface="Courier New" panose="02070309020205020404" pitchFamily="49" charset="0"/>
+                </a:rPr>
+                <a:t>dfcar,xlab</a:t>
+              </a:r>
+              <a:r>
+                <a:rPr lang="en-US" sz="600" b="1" dirty="0">
+                  <a:solidFill>
+                    <a:srgbClr val="C00000"/>
+                  </a:solidFill>
+                  <a:latin typeface="Courier New" panose="02070309020205020404" pitchFamily="49" charset="0"/>
+                  <a:cs typeface="Courier New" panose="02070309020205020404" pitchFamily="49" charset="0"/>
+                </a:rPr>
+                <a:t>="Highway MPG")</a:t>
+              </a:r>
+            </a:p>
+            <a:p>
+              <a:pPr algn="l" latinLnBrk="1"/>
+              <a:endParaRPr lang="en-US" sz="6000" dirty="0" smtClean="0">
+                <a:latin typeface="Courier New" panose="02070309020205020404" pitchFamily="49" charset="0"/>
+                <a:cs typeface="Courier New" panose="02070309020205020404" pitchFamily="49" charset="0"/>
+              </a:endParaRPr>
+            </a:p>
+            <a:p>
+              <a:pPr algn="l" latinLnBrk="1"/>
+              <a:r>
                 <a:rPr lang="en-US" sz="600" dirty="0" smtClean="0">
                   <a:latin typeface="Courier New" panose="02070309020205020404" pitchFamily="49" charset="0"/>
                   <a:cs typeface="Courier New" panose="02070309020205020404" pitchFamily="49" charset="0"/>
@@ -5106,76 +5320,6 @@
                   <a:cs typeface="Courier New" panose="02070309020205020404" pitchFamily="49" charset="0"/>
                 </a:rPr>
                 <a:t>93.0   29.1    5.3   20.0   26.0   28.0   31.0   50.0</a:t>
-              </a:r>
-            </a:p>
-            <a:p>
-              <a:pPr algn="l" latinLnBrk="1"/>
-              <a:r>
-                <a:rPr lang="en-US" sz="600" dirty="0" smtClean="0">
-                  <a:latin typeface="Courier New" panose="02070309020205020404" pitchFamily="49" charset="0"/>
-                  <a:cs typeface="Courier New" panose="02070309020205020404" pitchFamily="49" charset="0"/>
-                </a:rPr>
-                <a:t>&gt; </a:t>
-              </a:r>
-              <a:r>
-                <a:rPr lang="en-US" sz="600" b="1" dirty="0" err="1" smtClean="0">
-                  <a:solidFill>
-                    <a:srgbClr val="C00000"/>
-                  </a:solidFill>
-                  <a:latin typeface="Courier New" panose="02070309020205020404" pitchFamily="49" charset="0"/>
-                  <a:cs typeface="Courier New" panose="02070309020205020404" pitchFamily="49" charset="0"/>
-                </a:rPr>
-                <a:t>hist</a:t>
-              </a:r>
-              <a:r>
-                <a:rPr lang="en-US" sz="600" b="1" dirty="0">
-                  <a:solidFill>
-                    <a:srgbClr val="C00000"/>
-                  </a:solidFill>
-                  <a:latin typeface="Courier New" panose="02070309020205020404" pitchFamily="49" charset="0"/>
-                  <a:cs typeface="Courier New" panose="02070309020205020404" pitchFamily="49" charset="0"/>
-                </a:rPr>
-                <a:t>(~</a:t>
-              </a:r>
-              <a:r>
-                <a:rPr lang="en-US" sz="600" b="1" dirty="0" err="1" smtClean="0">
-                  <a:solidFill>
-                    <a:srgbClr val="C00000"/>
-                  </a:solidFill>
-                  <a:latin typeface="Courier New" panose="02070309020205020404" pitchFamily="49" charset="0"/>
-                  <a:cs typeface="Courier New" panose="02070309020205020404" pitchFamily="49" charset="0"/>
-                </a:rPr>
-                <a:t>HMPG,data</a:t>
-              </a:r>
-              <a:r>
-                <a:rPr lang="en-US" sz="600" b="1" dirty="0" smtClean="0">
-                  <a:solidFill>
-                    <a:srgbClr val="C00000"/>
-                  </a:solidFill>
-                  <a:latin typeface="Courier New" panose="02070309020205020404" pitchFamily="49" charset="0"/>
-                  <a:cs typeface="Courier New" panose="02070309020205020404" pitchFamily="49" charset="0"/>
-                </a:rPr>
-                <a:t>=</a:t>
-              </a:r>
-              <a:r>
-                <a:rPr lang="en-US" sz="600" b="1" dirty="0" err="1" smtClean="0">
-                  <a:solidFill>
-                    <a:srgbClr val="C00000"/>
-                  </a:solidFill>
-                  <a:latin typeface="Courier New" panose="02070309020205020404" pitchFamily="49" charset="0"/>
-                  <a:cs typeface="Courier New" panose="02070309020205020404" pitchFamily="49" charset="0"/>
-                </a:rPr>
-                <a:t>dfcar,xlab</a:t>
-              </a:r>
-              <a:r>
-                <a:rPr lang="en-US" sz="600" b="1" dirty="0">
-                  <a:solidFill>
-                    <a:srgbClr val="C00000"/>
-                  </a:solidFill>
-                  <a:latin typeface="Courier New" panose="02070309020205020404" pitchFamily="49" charset="0"/>
-                  <a:cs typeface="Courier New" panose="02070309020205020404" pitchFamily="49" charset="0"/>
-                </a:rPr>
-                <a:t>="Highway MPG")</a:t>
               </a:r>
             </a:p>
             <a:p>
@@ -5310,7 +5454,43 @@
                   <a:cs typeface="Source Sans Pro Light"/>
                   <a:sym typeface="Source Sans Pro Light"/>
                 </a:rPr>
-                <a:t>Summary statistics (mean, median, SD, IQR, etc.) and a histogram for the </a:t>
+                <a:t>H</a:t>
+              </a:r>
+              <a:r>
+                <a:rPr lang="en-US" sz="800" dirty="0" smtClean="0">
+                  <a:latin typeface="Source Sans Pro Light"/>
+                  <a:ea typeface="Source Sans Pro Light"/>
+                  <a:cs typeface="Source Sans Pro Light"/>
+                  <a:sym typeface="Source Sans Pro Light"/>
+                </a:rPr>
+                <a:t>istogram and summary </a:t>
+              </a:r>
+              <a:r>
+                <a:rPr lang="en-US" sz="800" dirty="0">
+                  <a:latin typeface="Source Sans Pro Light"/>
+                  <a:ea typeface="Source Sans Pro Light"/>
+                  <a:cs typeface="Source Sans Pro Light"/>
+                  <a:sym typeface="Source Sans Pro Light"/>
+                </a:rPr>
+                <a:t>statistics (mean, median, SD, IQR, etc.) </a:t>
+              </a:r>
+              <a:r>
+                <a:rPr lang="en-US" sz="800" dirty="0" smtClean="0">
+                  <a:latin typeface="Source Sans Pro Light"/>
+                  <a:ea typeface="Source Sans Pro Light"/>
+                  <a:cs typeface="Source Sans Pro Light"/>
+                  <a:sym typeface="Source Sans Pro Light"/>
+                </a:rPr>
+                <a:t>for </a:t>
+              </a:r>
+              <a:r>
+                <a:rPr lang="en-US" sz="800" dirty="0">
+                  <a:latin typeface="Source Sans Pro Light"/>
+                  <a:ea typeface="Source Sans Pro Light"/>
+                  <a:cs typeface="Source Sans Pro Light"/>
+                  <a:sym typeface="Source Sans Pro Light"/>
+                </a:rPr>
+                <a:t>the </a:t>
               </a:r>
               <a:r>
                 <a:rPr lang="en-US" sz="800" dirty="0" err="1">
@@ -5488,16 +5668,7 @@
                   </a:solidFill>
                   <a:latin typeface="Source Sans Pro Semibold"/>
                 </a:rPr>
-                <a:t> </a:t>
-              </a:r>
-              <a:r>
-                <a:rPr lang="en-US" sz="800" dirty="0" smtClean="0">
-                  <a:solidFill>
-                    <a:srgbClr val="C00000"/>
-                  </a:solidFill>
-                  <a:latin typeface="Source Sans Pro Semibold"/>
-                </a:rPr>
-                <a:t>label</a:t>
+                <a:t> label</a:t>
               </a:r>
               <a:r>
                 <a:rPr lang="en-US" sz="800" b="1" dirty="0">
@@ -5518,12 +5689,6 @@
                 </a:rPr>
                 <a:t>)</a:t>
               </a:r>
-              <a:endParaRPr lang="en-US" sz="800" dirty="0" smtClean="0">
-                <a:solidFill>
-                  <a:srgbClr val="C00000"/>
-                </a:solidFill>
-                <a:latin typeface="Source Sans Pro Semibold"/>
-              </a:endParaRPr>
             </a:p>
             <a:p>
               <a:pPr algn="l" defTabSz="320174" rtl="0" latinLnBrk="1" hangingPunct="0"/>
@@ -5597,8 +5762,8 @@
           </p:blipFill>
           <p:spPr bwMode="auto">
             <a:xfrm>
-              <a:off x="3953685" y="3826373"/>
-              <a:ext cx="914400" cy="731520"/>
+              <a:off x="3953685" y="3470774"/>
+              <a:ext cx="1028700" cy="822960"/>
             </a:xfrm>
             <a:prstGeom prst="rect">
               <a:avLst/>
@@ -5620,12 +5785,343 @@
         </p:nvGrpSpPr>
         <p:grpSpPr>
           <a:xfrm>
-            <a:off x="3105426" y="32700"/>
-            <a:ext cx="2926080" cy="2476727"/>
+            <a:off x="3105426" y="55560"/>
+            <a:ext cx="2926080" cy="2468261"/>
             <a:chOff x="3105426" y="32700"/>
-            <a:chExt cx="2926080" cy="2476727"/>
+            <a:chExt cx="2926080" cy="2468261"/>
           </a:xfrm>
         </p:grpSpPr>
+        <p:sp>
+          <p:nvSpPr>
+            <p:cNvPr id="41" name="Shape 34"/>
+            <p:cNvSpPr/>
+            <p:nvPr/>
+          </p:nvSpPr>
+          <p:spPr>
+            <a:xfrm>
+              <a:off x="3105426" y="963572"/>
+              <a:ext cx="2926080" cy="1537389"/>
+            </a:xfrm>
+            <a:prstGeom prst="roundRect">
+              <a:avLst>
+                <a:gd name="adj" fmla="val 1194"/>
+              </a:avLst>
+            </a:prstGeom>
+            <a:solidFill>
+              <a:srgbClr val="FCFAEE"/>
+            </a:solidFill>
+            <a:ln w="12700">
+              <a:miter lim="400000"/>
+            </a:ln>
+          </p:spPr>
+          <p:txBody>
+            <a:bodyPr lIns="45720" tIns="45720" rIns="0" bIns="0" anchor="t">
+              <a:noAutofit/>
+            </a:bodyPr>
+            <a:lstStyle/>
+            <a:p>
+              <a:pPr algn="l" latinLnBrk="1"/>
+              <a:r>
+                <a:rPr lang="en-US" sz="600" dirty="0" smtClean="0">
+                  <a:latin typeface="Courier New" panose="02070309020205020404" pitchFamily="49" charset="0"/>
+                  <a:cs typeface="Courier New" panose="02070309020205020404" pitchFamily="49" charset="0"/>
+                </a:rPr>
+                <a:t>&gt; </a:t>
+              </a:r>
+              <a:r>
+                <a:rPr lang="en-US" sz="600" b="1" dirty="0" smtClean="0">
+                  <a:solidFill>
+                    <a:srgbClr val="C00000"/>
+                  </a:solidFill>
+                  <a:latin typeface="Courier New" panose="02070309020205020404" pitchFamily="49" charset="0"/>
+                  <a:cs typeface="Courier New" panose="02070309020205020404" pitchFamily="49" charset="0"/>
+                </a:rPr>
+                <a:t>( </a:t>
+              </a:r>
+              <a:r>
+                <a:rPr lang="en-US" sz="600" b="1" dirty="0">
+                  <a:solidFill>
+                    <a:srgbClr val="C00000"/>
+                  </a:solidFill>
+                  <a:latin typeface="Courier New" panose="02070309020205020404" pitchFamily="49" charset="0"/>
+                  <a:cs typeface="Courier New" panose="02070309020205020404" pitchFamily="49" charset="0"/>
+                </a:rPr>
+                <a:t>freq1 &lt;- </a:t>
+              </a:r>
+              <a:r>
+                <a:rPr lang="en-US" sz="600" b="1" dirty="0" err="1">
+                  <a:solidFill>
+                    <a:srgbClr val="C00000"/>
+                  </a:solidFill>
+                  <a:latin typeface="Courier New" panose="02070309020205020404" pitchFamily="49" charset="0"/>
+                  <a:cs typeface="Courier New" panose="02070309020205020404" pitchFamily="49" charset="0"/>
+                </a:rPr>
+                <a:t>xtabs</a:t>
+              </a:r>
+              <a:r>
+                <a:rPr lang="en-US" sz="600" b="1" dirty="0">
+                  <a:solidFill>
+                    <a:srgbClr val="C00000"/>
+                  </a:solidFill>
+                  <a:latin typeface="Courier New" panose="02070309020205020404" pitchFamily="49" charset="0"/>
+                  <a:cs typeface="Courier New" panose="02070309020205020404" pitchFamily="49" charset="0"/>
+                </a:rPr>
+                <a:t>(~</a:t>
+              </a:r>
+              <a:r>
+                <a:rPr lang="en-US" sz="600" b="1" dirty="0" err="1" smtClean="0">
+                  <a:solidFill>
+                    <a:srgbClr val="C00000"/>
+                  </a:solidFill>
+                  <a:latin typeface="Courier New" panose="02070309020205020404" pitchFamily="49" charset="0"/>
+                  <a:cs typeface="Courier New" panose="02070309020205020404" pitchFamily="49" charset="0"/>
+                </a:rPr>
+                <a:t>Type,data</a:t>
+              </a:r>
+              <a:r>
+                <a:rPr lang="en-US" sz="600" b="1" dirty="0" smtClean="0">
+                  <a:solidFill>
+                    <a:srgbClr val="C00000"/>
+                  </a:solidFill>
+                  <a:latin typeface="Courier New" panose="02070309020205020404" pitchFamily="49" charset="0"/>
+                  <a:cs typeface="Courier New" panose="02070309020205020404" pitchFamily="49" charset="0"/>
+                </a:rPr>
+                <a:t>=</a:t>
+              </a:r>
+              <a:r>
+                <a:rPr lang="en-US" sz="600" b="1" dirty="0" err="1" smtClean="0">
+                  <a:solidFill>
+                    <a:srgbClr val="C00000"/>
+                  </a:solidFill>
+                  <a:latin typeface="Courier New" panose="02070309020205020404" pitchFamily="49" charset="0"/>
+                  <a:cs typeface="Courier New" panose="02070309020205020404" pitchFamily="49" charset="0"/>
+                </a:rPr>
+                <a:t>dfcar</a:t>
+              </a:r>
+              <a:r>
+                <a:rPr lang="en-US" sz="600" b="1" dirty="0" smtClean="0">
+                  <a:solidFill>
+                    <a:srgbClr val="C00000"/>
+                  </a:solidFill>
+                  <a:latin typeface="Courier New" panose="02070309020205020404" pitchFamily="49" charset="0"/>
+                  <a:cs typeface="Courier New" panose="02070309020205020404" pitchFamily="49" charset="0"/>
+                </a:rPr>
+                <a:t>) </a:t>
+              </a:r>
+              <a:r>
+                <a:rPr lang="en-US" sz="600" b="1" dirty="0">
+                  <a:solidFill>
+                    <a:srgbClr val="C00000"/>
+                  </a:solidFill>
+                  <a:latin typeface="Courier New" panose="02070309020205020404" pitchFamily="49" charset="0"/>
+                  <a:cs typeface="Courier New" panose="02070309020205020404" pitchFamily="49" charset="0"/>
+                </a:rPr>
+                <a:t>)</a:t>
+              </a:r>
+            </a:p>
+            <a:p>
+              <a:pPr algn="l" latinLnBrk="1"/>
+              <a:r>
+                <a:rPr lang="en-US" sz="600" dirty="0" smtClean="0">
+                  <a:latin typeface="Courier New" panose="02070309020205020404" pitchFamily="49" charset="0"/>
+                  <a:cs typeface="Courier New" panose="02070309020205020404" pitchFamily="49" charset="0"/>
+                </a:rPr>
+                <a:t> </a:t>
+              </a:r>
+              <a:r>
+                <a:rPr lang="en-US" sz="600" dirty="0">
+                  <a:latin typeface="Courier New" panose="02070309020205020404" pitchFamily="49" charset="0"/>
+                  <a:cs typeface="Courier New" panose="02070309020205020404" pitchFamily="49" charset="0"/>
+                </a:rPr>
+                <a:t>Compact   Large Midsize   Small  Sporty     Van </a:t>
+              </a:r>
+              <a:br>
+                <a:rPr lang="en-US" sz="600" dirty="0">
+                  <a:latin typeface="Courier New" panose="02070309020205020404" pitchFamily="49" charset="0"/>
+                  <a:cs typeface="Courier New" panose="02070309020205020404" pitchFamily="49" charset="0"/>
+                </a:rPr>
+              </a:br>
+              <a:r>
+                <a:rPr lang="en-US" sz="600" dirty="0" smtClean="0">
+                  <a:latin typeface="Courier New" panose="02070309020205020404" pitchFamily="49" charset="0"/>
+                  <a:cs typeface="Courier New" panose="02070309020205020404" pitchFamily="49" charset="0"/>
+                </a:rPr>
+                <a:t>      </a:t>
+              </a:r>
+              <a:r>
+                <a:rPr lang="en-US" sz="600" dirty="0">
+                  <a:latin typeface="Courier New" panose="02070309020205020404" pitchFamily="49" charset="0"/>
+                  <a:cs typeface="Courier New" panose="02070309020205020404" pitchFamily="49" charset="0"/>
+                </a:rPr>
+                <a:t>16      11      22      21      14       9</a:t>
+              </a:r>
+            </a:p>
+            <a:p>
+              <a:pPr algn="l" latinLnBrk="1"/>
+              <a:r>
+                <a:rPr lang="en-US" sz="600" dirty="0" smtClean="0">
+                  <a:latin typeface="Courier New" panose="02070309020205020404" pitchFamily="49" charset="0"/>
+                  <a:cs typeface="Courier New" panose="02070309020205020404" pitchFamily="49" charset="0"/>
+                </a:rPr>
+                <a:t>&gt; </a:t>
+              </a:r>
+              <a:r>
+                <a:rPr lang="en-US" sz="600" b="1" dirty="0" err="1" smtClean="0">
+                  <a:solidFill>
+                    <a:srgbClr val="C00000"/>
+                  </a:solidFill>
+                  <a:latin typeface="Courier New" panose="02070309020205020404" pitchFamily="49" charset="0"/>
+                  <a:cs typeface="Courier New" panose="02070309020205020404" pitchFamily="49" charset="0"/>
+                </a:rPr>
+                <a:t>percTable</a:t>
+              </a:r>
+              <a:r>
+                <a:rPr lang="en-US" sz="600" b="1" dirty="0" smtClean="0">
+                  <a:solidFill>
+                    <a:srgbClr val="C00000"/>
+                  </a:solidFill>
+                  <a:latin typeface="Courier New" panose="02070309020205020404" pitchFamily="49" charset="0"/>
+                  <a:cs typeface="Courier New" panose="02070309020205020404" pitchFamily="49" charset="0"/>
+                </a:rPr>
+                <a:t>(freq1,digits=1)</a:t>
+              </a:r>
+              <a:r>
+                <a:rPr lang="en-US" sz="600" dirty="0">
+                  <a:latin typeface="Courier New" panose="02070309020205020404" pitchFamily="49" charset="0"/>
+                  <a:cs typeface="Courier New" panose="02070309020205020404" pitchFamily="49" charset="0"/>
+                </a:rPr>
+                <a:t/>
+              </a:r>
+              <a:br>
+                <a:rPr lang="en-US" sz="600" dirty="0">
+                  <a:latin typeface="Courier New" panose="02070309020205020404" pitchFamily="49" charset="0"/>
+                  <a:cs typeface="Courier New" panose="02070309020205020404" pitchFamily="49" charset="0"/>
+                </a:rPr>
+              </a:br>
+              <a:r>
+                <a:rPr lang="en-US" sz="600" dirty="0" smtClean="0">
+                  <a:latin typeface="Courier New" panose="02070309020205020404" pitchFamily="49" charset="0"/>
+                  <a:cs typeface="Courier New" panose="02070309020205020404" pitchFamily="49" charset="0"/>
+                </a:rPr>
+                <a:t> </a:t>
+              </a:r>
+              <a:r>
+                <a:rPr lang="en-US" sz="600" dirty="0">
+                  <a:latin typeface="Courier New" panose="02070309020205020404" pitchFamily="49" charset="0"/>
+                  <a:cs typeface="Courier New" panose="02070309020205020404" pitchFamily="49" charset="0"/>
+                </a:rPr>
+                <a:t>Compact   Large Midsize   Small  Sporty     Van     Sum </a:t>
+              </a:r>
+              <a:br>
+                <a:rPr lang="en-US" sz="600" dirty="0">
+                  <a:latin typeface="Courier New" panose="02070309020205020404" pitchFamily="49" charset="0"/>
+                  <a:cs typeface="Courier New" panose="02070309020205020404" pitchFamily="49" charset="0"/>
+                </a:rPr>
+              </a:br>
+              <a:r>
+                <a:rPr lang="en-US" sz="600" dirty="0" smtClean="0">
+                  <a:latin typeface="Courier New" panose="02070309020205020404" pitchFamily="49" charset="0"/>
+                  <a:cs typeface="Courier New" panose="02070309020205020404" pitchFamily="49" charset="0"/>
+                </a:rPr>
+                <a:t>    </a:t>
+              </a:r>
+              <a:r>
+                <a:rPr lang="en-US" sz="600" dirty="0">
+                  <a:latin typeface="Courier New" panose="02070309020205020404" pitchFamily="49" charset="0"/>
+                  <a:cs typeface="Courier New" panose="02070309020205020404" pitchFamily="49" charset="0"/>
+                </a:rPr>
+                <a:t>17.2    11.8    23.7    22.6    15.1     9.7   100.1</a:t>
+              </a:r>
+            </a:p>
+            <a:p>
+              <a:pPr algn="l" latinLnBrk="1"/>
+              <a:r>
+                <a:rPr lang="en-US" sz="600" dirty="0" smtClean="0">
+                  <a:latin typeface="Courier New" panose="02070309020205020404" pitchFamily="49" charset="0"/>
+                  <a:cs typeface="Courier New" panose="02070309020205020404" pitchFamily="49" charset="0"/>
+                </a:rPr>
+                <a:t>&gt; </a:t>
+              </a:r>
+              <a:r>
+                <a:rPr lang="en-US" sz="600" b="1" dirty="0" err="1" smtClean="0">
+                  <a:solidFill>
+                    <a:srgbClr val="C00000"/>
+                  </a:solidFill>
+                  <a:latin typeface="Courier New" panose="02070309020205020404" pitchFamily="49" charset="0"/>
+                  <a:cs typeface="Courier New" panose="02070309020205020404" pitchFamily="49" charset="0"/>
+                </a:rPr>
+                <a:t>barplot</a:t>
+              </a:r>
+              <a:r>
+                <a:rPr lang="en-US" sz="600" b="1" dirty="0" smtClean="0">
+                  <a:solidFill>
+                    <a:srgbClr val="C00000"/>
+                  </a:solidFill>
+                  <a:latin typeface="Courier New" panose="02070309020205020404" pitchFamily="49" charset="0"/>
+                  <a:cs typeface="Courier New" panose="02070309020205020404" pitchFamily="49" charset="0"/>
+                </a:rPr>
+                <a:t>(freq1,xlab</a:t>
+              </a:r>
+              <a:r>
+                <a:rPr lang="en-US" sz="600" b="1" dirty="0">
+                  <a:solidFill>
+                    <a:srgbClr val="C00000"/>
+                  </a:solidFill>
+                  <a:latin typeface="Courier New" panose="02070309020205020404" pitchFamily="49" charset="0"/>
+                  <a:cs typeface="Courier New" panose="02070309020205020404" pitchFamily="49" charset="0"/>
+                </a:rPr>
+                <a:t>="Type of Car",</a:t>
+              </a:r>
+              <a:r>
+                <a:rPr lang="en-US" sz="600" b="1" dirty="0" err="1">
+                  <a:solidFill>
+                    <a:srgbClr val="C00000"/>
+                  </a:solidFill>
+                  <a:latin typeface="Courier New" panose="02070309020205020404" pitchFamily="49" charset="0"/>
+                  <a:cs typeface="Courier New" panose="02070309020205020404" pitchFamily="49" charset="0"/>
+                </a:rPr>
+                <a:t>ylab</a:t>
+              </a:r>
+              <a:r>
+                <a:rPr lang="en-US" sz="600" b="1" dirty="0">
+                  <a:solidFill>
+                    <a:srgbClr val="C00000"/>
+                  </a:solidFill>
+                  <a:latin typeface="Courier New" panose="02070309020205020404" pitchFamily="49" charset="0"/>
+                  <a:cs typeface="Courier New" panose="02070309020205020404" pitchFamily="49" charset="0"/>
+                </a:rPr>
+                <a:t>="Frequency")</a:t>
+              </a:r>
+            </a:p>
+            <a:p>
+              <a:pPr algn="l"/>
+              <a:r>
+                <a:rPr lang="en-US" sz="600" dirty="0">
+                  <a:latin typeface="Cordia New" panose="020B0304020202020204" pitchFamily="34" charset="-34"/>
+                  <a:cs typeface="Cordia New" panose="020B0304020202020204" pitchFamily="34" charset="-34"/>
+                </a:rPr>
+                <a:t/>
+              </a:r>
+              <a:br>
+                <a:rPr lang="en-US" sz="600" dirty="0">
+                  <a:latin typeface="Cordia New" panose="020B0304020202020204" pitchFamily="34" charset="-34"/>
+                  <a:cs typeface="Cordia New" panose="020B0304020202020204" pitchFamily="34" charset="-34"/>
+                </a:rPr>
+              </a:br>
+              <a:endParaRPr lang="en-US" sz="600" dirty="0" smtClean="0">
+                <a:latin typeface="Cordia New" panose="020B0304020202020204" pitchFamily="34" charset="-34"/>
+                <a:cs typeface="Cordia New" panose="020B0304020202020204" pitchFamily="34" charset="-34"/>
+              </a:endParaRPr>
+            </a:p>
+            <a:p>
+              <a:pPr algn="l"/>
+              <a:endParaRPr lang="en-US" sz="600" dirty="0">
+                <a:latin typeface="Cordia New" panose="020B0304020202020204" pitchFamily="34" charset="-34"/>
+                <a:cs typeface="Cordia New" panose="020B0304020202020204" pitchFamily="34" charset="-34"/>
+              </a:endParaRPr>
+            </a:p>
+          </p:txBody>
+        </p:sp>
         <p:sp>
           <p:nvSpPr>
             <p:cNvPr id="29" name="Shape 34"/>
@@ -5786,7 +6282,7 @@
             </a:ln>
             <a:extLst>
               <a:ext uri="{C572A759-6A51-4108-AA02-DFA0A04FC94B}">
-                <ma14:wrappingTextBoxFlag xmlns:ma14="http://schemas.microsoft.com/office/mac/drawingml/2011/main" xmlns="" val="1"/>
+                <ma14:wrappingTextBoxFlag xmlns="" xmlns:ma14="http://schemas.microsoft.com/office/mac/drawingml/2011/main" val="1"/>
               </a:ext>
             </a:extLst>
           </p:spPr>
@@ -5987,7 +6483,7 @@
             <a:p>
               <a:pPr algn="l" defTabSz="320174" rtl="0" latinLnBrk="1" hangingPunct="0"/>
               <a:r>
-                <a:rPr lang="en-US" sz="800" dirty="0" err="1">
+                <a:rPr lang="en-US" sz="800" dirty="0" err="1" smtClean="0">
                   <a:solidFill>
                     <a:srgbClr val="C00000"/>
                   </a:solidFill>
@@ -5996,22 +6492,32 @@
                 <a:t>barplot</a:t>
               </a:r>
               <a:r>
-                <a:rPr lang="en-US" sz="800" dirty="0">
-                  <a:solidFill>
-                    <a:srgbClr val="C00000"/>
-                  </a:solidFill>
-                  <a:latin typeface="Source Sans Pro Semibold"/>
-                </a:rPr>
-                <a:t>(freq1,xlab</a:t>
-              </a:r>
-              <a:r>
-                <a:rPr lang="en-US" sz="800" dirty="0" smtClean="0">
-                  <a:solidFill>
-                    <a:srgbClr val="C00000"/>
-                  </a:solidFill>
-                  <a:latin typeface="Source Sans Pro Semibold"/>
-                </a:rPr>
-                <a:t>=“better </a:t>
+                <a:rPr lang="en-US" sz="800" dirty="0" smtClean="0">
+                  <a:solidFill>
+                    <a:srgbClr val="C00000"/>
+                  </a:solidFill>
+                  <a:latin typeface="Source Sans Pro Semibold"/>
+                </a:rPr>
+                <a:t>(freq1,xlab=</a:t>
+              </a:r>
+              <a:r>
+                <a:rPr lang="en-US" sz="800" b="1" dirty="0">
+                  <a:solidFill>
+                    <a:srgbClr val="C00000"/>
+                  </a:solidFill>
+                  <a:latin typeface="Source Sans Pro Semibold" panose="020B0603030403020204" pitchFamily="34" charset="0"/>
+                  <a:cs typeface="Courier New" panose="02070309020205020404" pitchFamily="49" charset="0"/>
+                </a:rPr>
+                <a:t>"</a:t>
+              </a:r>
+              <a:r>
+                <a:rPr lang="en-US" sz="800" dirty="0" smtClean="0">
+                  <a:solidFill>
+                    <a:srgbClr val="C00000"/>
+                  </a:solidFill>
+                  <a:latin typeface="Source Sans Pro Semibold"/>
+                </a:rPr>
+                <a:t>better </a:t>
               </a:r>
               <a:r>
                 <a:rPr lang="en-US" sz="800" dirty="0" err="1" smtClean="0">
@@ -6032,7 +6538,7 @@
                 <a:t> </a:t>
               </a:r>
               <a:r>
-                <a:rPr lang="en-US" sz="800" dirty="0">
+                <a:rPr lang="en-US" sz="800" dirty="0" smtClean="0">
                   <a:solidFill>
                     <a:srgbClr val="C00000"/>
                   </a:solidFill>
@@ -6041,13 +6547,23 @@
                 <a:t>label</a:t>
               </a:r>
               <a:r>
-                <a:rPr lang="en-US" sz="800" dirty="0" smtClean="0">
-                  <a:solidFill>
-                    <a:srgbClr val="C00000"/>
-                  </a:solidFill>
-                  <a:latin typeface="Source Sans Pro Semibold"/>
-                </a:rPr>
-                <a:t>”, </a:t>
+                <a:rPr lang="en-US" sz="800" b="1" dirty="0" smtClean="0">
+                  <a:solidFill>
+                    <a:srgbClr val="C00000"/>
+                  </a:solidFill>
+                  <a:latin typeface="Source Sans Pro Semibold" panose="020B0603030403020204" pitchFamily="34" charset="0"/>
+                  <a:cs typeface="Courier New" panose="02070309020205020404" pitchFamily="49" charset="0"/>
+                </a:rPr>
+                <a:t>"</a:t>
+              </a:r>
+              <a:r>
+                <a:rPr lang="en-US" sz="800" dirty="0" smtClean="0">
+                  <a:solidFill>
+                    <a:srgbClr val="C00000"/>
+                  </a:solidFill>
+                  <a:latin typeface="Source Sans Pro Semibold"/>
+                </a:rPr>
+                <a:t>, </a:t>
               </a:r>
               <a:r>
                 <a:rPr lang="en-US" sz="800" dirty="0" err="1" smtClean="0">
@@ -6110,337 +6626,6 @@
                   <a:srgbClr val="C00000"/>
                 </a:solidFill>
                 <a:latin typeface="Source Sans Pro Semibold"/>
-              </a:endParaRPr>
-            </a:p>
-          </p:txBody>
-        </p:sp>
-        <p:sp>
-          <p:nvSpPr>
-            <p:cNvPr id="41" name="Shape 34"/>
-            <p:cNvSpPr/>
-            <p:nvPr/>
-          </p:nvSpPr>
-          <p:spPr>
-            <a:xfrm>
-              <a:off x="3105426" y="972038"/>
-              <a:ext cx="2926080" cy="1537389"/>
-            </a:xfrm>
-            <a:prstGeom prst="roundRect">
-              <a:avLst>
-                <a:gd name="adj" fmla="val 1194"/>
-              </a:avLst>
-            </a:prstGeom>
-            <a:solidFill>
-              <a:srgbClr val="FCFAEE"/>
-            </a:solidFill>
-            <a:ln w="12700">
-              <a:miter lim="400000"/>
-            </a:ln>
-          </p:spPr>
-          <p:txBody>
-            <a:bodyPr lIns="45720" tIns="45720" rIns="0" bIns="0" anchor="t">
-              <a:noAutofit/>
-            </a:bodyPr>
-            <a:lstStyle/>
-            <a:p>
-              <a:pPr algn="l" latinLnBrk="1"/>
-              <a:r>
-                <a:rPr lang="en-US" sz="600" dirty="0" smtClean="0">
-                  <a:latin typeface="Courier New" panose="02070309020205020404" pitchFamily="49" charset="0"/>
-                  <a:cs typeface="Courier New" panose="02070309020205020404" pitchFamily="49" charset="0"/>
-                </a:rPr>
-                <a:t>&gt; </a:t>
-              </a:r>
-              <a:r>
-                <a:rPr lang="en-US" sz="600" b="1" dirty="0" smtClean="0">
-                  <a:solidFill>
-                    <a:srgbClr val="C00000"/>
-                  </a:solidFill>
-                  <a:latin typeface="Courier New" panose="02070309020205020404" pitchFamily="49" charset="0"/>
-                  <a:cs typeface="Courier New" panose="02070309020205020404" pitchFamily="49" charset="0"/>
-                </a:rPr>
-                <a:t>( </a:t>
-              </a:r>
-              <a:r>
-                <a:rPr lang="en-US" sz="600" b="1" dirty="0">
-                  <a:solidFill>
-                    <a:srgbClr val="C00000"/>
-                  </a:solidFill>
-                  <a:latin typeface="Courier New" panose="02070309020205020404" pitchFamily="49" charset="0"/>
-                  <a:cs typeface="Courier New" panose="02070309020205020404" pitchFamily="49" charset="0"/>
-                </a:rPr>
-                <a:t>freq1 &lt;- </a:t>
-              </a:r>
-              <a:r>
-                <a:rPr lang="en-US" sz="600" b="1" dirty="0" err="1">
-                  <a:solidFill>
-                    <a:srgbClr val="C00000"/>
-                  </a:solidFill>
-                  <a:latin typeface="Courier New" panose="02070309020205020404" pitchFamily="49" charset="0"/>
-                  <a:cs typeface="Courier New" panose="02070309020205020404" pitchFamily="49" charset="0"/>
-                </a:rPr>
-                <a:t>xtabs</a:t>
-              </a:r>
-              <a:r>
-                <a:rPr lang="en-US" sz="600" b="1" dirty="0">
-                  <a:solidFill>
-                    <a:srgbClr val="C00000"/>
-                  </a:solidFill>
-                  <a:latin typeface="Courier New" panose="02070309020205020404" pitchFamily="49" charset="0"/>
-                  <a:cs typeface="Courier New" panose="02070309020205020404" pitchFamily="49" charset="0"/>
-                </a:rPr>
-                <a:t>(~</a:t>
-              </a:r>
-              <a:r>
-                <a:rPr lang="en-US" sz="600" b="1" dirty="0" err="1" smtClean="0">
-                  <a:solidFill>
-                    <a:srgbClr val="C00000"/>
-                  </a:solidFill>
-                  <a:latin typeface="Courier New" panose="02070309020205020404" pitchFamily="49" charset="0"/>
-                  <a:cs typeface="Courier New" panose="02070309020205020404" pitchFamily="49" charset="0"/>
-                </a:rPr>
-                <a:t>Type,data</a:t>
-              </a:r>
-              <a:r>
-                <a:rPr lang="en-US" sz="600" b="1" dirty="0" smtClean="0">
-                  <a:solidFill>
-                    <a:srgbClr val="C00000"/>
-                  </a:solidFill>
-                  <a:latin typeface="Courier New" panose="02070309020205020404" pitchFamily="49" charset="0"/>
-                  <a:cs typeface="Courier New" panose="02070309020205020404" pitchFamily="49" charset="0"/>
-                </a:rPr>
-                <a:t>=</a:t>
-              </a:r>
-              <a:r>
-                <a:rPr lang="en-US" sz="600" b="1" dirty="0" err="1" smtClean="0">
-                  <a:solidFill>
-                    <a:srgbClr val="C00000"/>
-                  </a:solidFill>
-                  <a:latin typeface="Courier New" panose="02070309020205020404" pitchFamily="49" charset="0"/>
-                  <a:cs typeface="Courier New" panose="02070309020205020404" pitchFamily="49" charset="0"/>
-                </a:rPr>
-                <a:t>dfcar</a:t>
-              </a:r>
-              <a:r>
-                <a:rPr lang="en-US" sz="600" b="1" dirty="0" smtClean="0">
-                  <a:solidFill>
-                    <a:srgbClr val="C00000"/>
-                  </a:solidFill>
-                  <a:latin typeface="Courier New" panose="02070309020205020404" pitchFamily="49" charset="0"/>
-                  <a:cs typeface="Courier New" panose="02070309020205020404" pitchFamily="49" charset="0"/>
-                </a:rPr>
-                <a:t>) </a:t>
-              </a:r>
-              <a:r>
-                <a:rPr lang="en-US" sz="600" b="1" dirty="0">
-                  <a:solidFill>
-                    <a:srgbClr val="C00000"/>
-                  </a:solidFill>
-                  <a:latin typeface="Courier New" panose="02070309020205020404" pitchFamily="49" charset="0"/>
-                  <a:cs typeface="Courier New" panose="02070309020205020404" pitchFamily="49" charset="0"/>
-                </a:rPr>
-                <a:t>)</a:t>
-              </a:r>
-            </a:p>
-            <a:p>
-              <a:pPr algn="l" latinLnBrk="1"/>
-              <a:r>
-                <a:rPr lang="en-US" sz="600" dirty="0" smtClean="0">
-                  <a:latin typeface="Courier New" panose="02070309020205020404" pitchFamily="49" charset="0"/>
-                  <a:cs typeface="Courier New" panose="02070309020205020404" pitchFamily="49" charset="0"/>
-                </a:rPr>
-                <a:t> </a:t>
-              </a:r>
-              <a:r>
-                <a:rPr lang="en-US" sz="600" dirty="0">
-                  <a:latin typeface="Courier New" panose="02070309020205020404" pitchFamily="49" charset="0"/>
-                  <a:cs typeface="Courier New" panose="02070309020205020404" pitchFamily="49" charset="0"/>
-                </a:rPr>
-                <a:t>Compact   Large Midsize   Small  Sporty     Van </a:t>
-              </a:r>
-              <a:br>
-                <a:rPr lang="en-US" sz="600" dirty="0">
-                  <a:latin typeface="Courier New" panose="02070309020205020404" pitchFamily="49" charset="0"/>
-                  <a:cs typeface="Courier New" panose="02070309020205020404" pitchFamily="49" charset="0"/>
-                </a:rPr>
-              </a:br>
-              <a:r>
-                <a:rPr lang="en-US" sz="600" dirty="0" smtClean="0">
-                  <a:latin typeface="Courier New" panose="02070309020205020404" pitchFamily="49" charset="0"/>
-                  <a:cs typeface="Courier New" panose="02070309020205020404" pitchFamily="49" charset="0"/>
-                </a:rPr>
-                <a:t>      </a:t>
-              </a:r>
-              <a:r>
-                <a:rPr lang="en-US" sz="600" dirty="0">
-                  <a:latin typeface="Courier New" panose="02070309020205020404" pitchFamily="49" charset="0"/>
-                  <a:cs typeface="Courier New" panose="02070309020205020404" pitchFamily="49" charset="0"/>
-                </a:rPr>
-                <a:t>16      11      22      21      14       9</a:t>
-              </a:r>
-            </a:p>
-            <a:p>
-              <a:pPr algn="l" latinLnBrk="1"/>
-              <a:r>
-                <a:rPr lang="en-US" sz="600" dirty="0" smtClean="0">
-                  <a:latin typeface="Courier New" panose="02070309020205020404" pitchFamily="49" charset="0"/>
-                  <a:cs typeface="Courier New" panose="02070309020205020404" pitchFamily="49" charset="0"/>
-                </a:rPr>
-                <a:t>&gt; </a:t>
-              </a:r>
-              <a:r>
-                <a:rPr lang="en-US" sz="600" b="1" dirty="0" err="1" smtClean="0">
-                  <a:solidFill>
-                    <a:srgbClr val="C00000"/>
-                  </a:solidFill>
-                  <a:latin typeface="Courier New" panose="02070309020205020404" pitchFamily="49" charset="0"/>
-                  <a:cs typeface="Courier New" panose="02070309020205020404" pitchFamily="49" charset="0"/>
-                </a:rPr>
-                <a:t>percTable</a:t>
-              </a:r>
-              <a:r>
-                <a:rPr lang="en-US" sz="600" b="1" dirty="0" smtClean="0">
-                  <a:solidFill>
-                    <a:srgbClr val="C00000"/>
-                  </a:solidFill>
-                  <a:latin typeface="Courier New" panose="02070309020205020404" pitchFamily="49" charset="0"/>
-                  <a:cs typeface="Courier New" panose="02070309020205020404" pitchFamily="49" charset="0"/>
-                </a:rPr>
-                <a:t>(freq1,digits=1)</a:t>
-              </a:r>
-              <a:r>
-                <a:rPr lang="en-US" sz="600" dirty="0">
-                  <a:latin typeface="Courier New" panose="02070309020205020404" pitchFamily="49" charset="0"/>
-                  <a:cs typeface="Courier New" panose="02070309020205020404" pitchFamily="49" charset="0"/>
-                </a:rPr>
-                <a:t/>
-              </a:r>
-              <a:br>
-                <a:rPr lang="en-US" sz="600" dirty="0">
-                  <a:latin typeface="Courier New" panose="02070309020205020404" pitchFamily="49" charset="0"/>
-                  <a:cs typeface="Courier New" panose="02070309020205020404" pitchFamily="49" charset="0"/>
-                </a:rPr>
-              </a:br>
-              <a:r>
-                <a:rPr lang="en-US" sz="600" dirty="0" smtClean="0">
-                  <a:latin typeface="Courier New" panose="02070309020205020404" pitchFamily="49" charset="0"/>
-                  <a:cs typeface="Courier New" panose="02070309020205020404" pitchFamily="49" charset="0"/>
-                </a:rPr>
-                <a:t> </a:t>
-              </a:r>
-              <a:r>
-                <a:rPr lang="en-US" sz="600" dirty="0">
-                  <a:latin typeface="Courier New" panose="02070309020205020404" pitchFamily="49" charset="0"/>
-                  <a:cs typeface="Courier New" panose="02070309020205020404" pitchFamily="49" charset="0"/>
-                </a:rPr>
-                <a:t>Compact   Large Midsize   Small  Sporty     Van     Sum </a:t>
-              </a:r>
-              <a:br>
-                <a:rPr lang="en-US" sz="600" dirty="0">
-                  <a:latin typeface="Courier New" panose="02070309020205020404" pitchFamily="49" charset="0"/>
-                  <a:cs typeface="Courier New" panose="02070309020205020404" pitchFamily="49" charset="0"/>
-                </a:rPr>
-              </a:br>
-              <a:r>
-                <a:rPr lang="en-US" sz="600" dirty="0" smtClean="0">
-                  <a:latin typeface="Courier New" panose="02070309020205020404" pitchFamily="49" charset="0"/>
-                  <a:cs typeface="Courier New" panose="02070309020205020404" pitchFamily="49" charset="0"/>
-                </a:rPr>
-                <a:t>    </a:t>
-              </a:r>
-              <a:r>
-                <a:rPr lang="en-US" sz="600" dirty="0">
-                  <a:latin typeface="Courier New" panose="02070309020205020404" pitchFamily="49" charset="0"/>
-                  <a:cs typeface="Courier New" panose="02070309020205020404" pitchFamily="49" charset="0"/>
-                </a:rPr>
-                <a:t>17.2    11.8    23.7    22.6    15.1     9.7   100.1</a:t>
-              </a:r>
-            </a:p>
-            <a:p>
-              <a:pPr algn="l" latinLnBrk="1"/>
-              <a:r>
-                <a:rPr lang="en-US" sz="600" dirty="0" smtClean="0">
-                  <a:latin typeface="Courier New" panose="02070309020205020404" pitchFamily="49" charset="0"/>
-                  <a:cs typeface="Courier New" panose="02070309020205020404" pitchFamily="49" charset="0"/>
-                </a:rPr>
-                <a:t>&gt; </a:t>
-              </a:r>
-              <a:r>
-                <a:rPr lang="en-US" sz="600" b="1" dirty="0" err="1" smtClean="0">
-                  <a:solidFill>
-                    <a:srgbClr val="C00000"/>
-                  </a:solidFill>
-                  <a:latin typeface="Courier New" panose="02070309020205020404" pitchFamily="49" charset="0"/>
-                  <a:cs typeface="Courier New" panose="02070309020205020404" pitchFamily="49" charset="0"/>
-                </a:rPr>
-                <a:t>barplot</a:t>
-              </a:r>
-              <a:r>
-                <a:rPr lang="en-US" sz="600" b="1" dirty="0" smtClean="0">
-                  <a:solidFill>
-                    <a:srgbClr val="C00000"/>
-                  </a:solidFill>
-                  <a:latin typeface="Courier New" panose="02070309020205020404" pitchFamily="49" charset="0"/>
-                  <a:cs typeface="Courier New" panose="02070309020205020404" pitchFamily="49" charset="0"/>
-                </a:rPr>
-                <a:t>(freq1,xlab</a:t>
-              </a:r>
-              <a:r>
-                <a:rPr lang="en-US" sz="600" b="1" dirty="0">
-                  <a:solidFill>
-                    <a:srgbClr val="C00000"/>
-                  </a:solidFill>
-                  <a:latin typeface="Courier New" panose="02070309020205020404" pitchFamily="49" charset="0"/>
-                  <a:cs typeface="Courier New" panose="02070309020205020404" pitchFamily="49" charset="0"/>
-                </a:rPr>
-                <a:t>="Type of Car",</a:t>
-              </a:r>
-              <a:r>
-                <a:rPr lang="en-US" sz="600" b="1" dirty="0" err="1">
-                  <a:solidFill>
-                    <a:srgbClr val="C00000"/>
-                  </a:solidFill>
-                  <a:latin typeface="Courier New" panose="02070309020205020404" pitchFamily="49" charset="0"/>
-                  <a:cs typeface="Courier New" panose="02070309020205020404" pitchFamily="49" charset="0"/>
-                </a:rPr>
-                <a:t>ylab</a:t>
-              </a:r>
-              <a:r>
-                <a:rPr lang="en-US" sz="600" b="1" dirty="0">
-                  <a:solidFill>
-                    <a:srgbClr val="C00000"/>
-                  </a:solidFill>
-                  <a:latin typeface="Courier New" panose="02070309020205020404" pitchFamily="49" charset="0"/>
-                  <a:cs typeface="Courier New" panose="02070309020205020404" pitchFamily="49" charset="0"/>
-                </a:rPr>
-                <a:t>="Frequency")</a:t>
-              </a:r>
-            </a:p>
-            <a:p>
-              <a:pPr algn="l"/>
-              <a:r>
-                <a:rPr lang="en-US" sz="600" dirty="0">
-                  <a:latin typeface="Cordia New" panose="020B0304020202020204" pitchFamily="34" charset="-34"/>
-                  <a:cs typeface="Cordia New" panose="020B0304020202020204" pitchFamily="34" charset="-34"/>
-                </a:rPr>
-                <a:t/>
-              </a:r>
-              <a:br>
-                <a:rPr lang="en-US" sz="600" dirty="0">
-                  <a:latin typeface="Cordia New" panose="020B0304020202020204" pitchFamily="34" charset="-34"/>
-                  <a:cs typeface="Cordia New" panose="020B0304020202020204" pitchFamily="34" charset="-34"/>
-                </a:rPr>
-              </a:br>
-              <a:endParaRPr lang="en-US" sz="600" dirty="0" smtClean="0">
-                <a:latin typeface="Cordia New" panose="020B0304020202020204" pitchFamily="34" charset="-34"/>
-                <a:cs typeface="Cordia New" panose="020B0304020202020204" pitchFamily="34" charset="-34"/>
-              </a:endParaRPr>
-            </a:p>
-            <a:p>
-              <a:pPr algn="l"/>
-              <a:endParaRPr lang="en-US" sz="600" dirty="0">
-                <a:latin typeface="Cordia New" panose="020B0304020202020204" pitchFamily="34" charset="-34"/>
-                <a:cs typeface="Cordia New" panose="020B0304020202020204" pitchFamily="34" charset="-34"/>
               </a:endParaRPr>
             </a:p>
           </p:txBody>
@@ -6461,8 +6646,8 @@
           </p:blipFill>
           <p:spPr bwMode="auto">
             <a:xfrm>
-              <a:off x="4094326" y="1688230"/>
-              <a:ext cx="914400" cy="731520"/>
+              <a:off x="4094326" y="1667065"/>
+              <a:ext cx="1028700" cy="822960"/>
             </a:xfrm>
             <a:prstGeom prst="rect">
               <a:avLst/>
@@ -6484,7 +6669,7 @@
         </p:nvGrpSpPr>
         <p:grpSpPr>
           <a:xfrm>
-            <a:off x="6140661" y="38358"/>
+            <a:off x="6140661" y="61218"/>
             <a:ext cx="2931670" cy="3212995"/>
             <a:chOff x="6140661" y="38358"/>
             <a:chExt cx="2931670" cy="3212995"/>
@@ -6842,7 +7027,7 @@
                 <a:t>&gt; </a:t>
               </a:r>
               <a:r>
-                <a:rPr lang="en-US" sz="600" b="1" dirty="0" err="1" smtClean="0">
+                <a:rPr lang="en-US" sz="600" b="1" dirty="0" err="1">
                   <a:solidFill>
                     <a:srgbClr val="C00000"/>
                   </a:solidFill>
@@ -6852,16 +7037,6 @@
                 <a:t>percTable</a:t>
               </a:r>
               <a:r>
-                <a:rPr lang="en-US" sz="600" b="1" dirty="0" smtClean="0">
-                  <a:solidFill>
-                    <a:srgbClr val="C00000"/>
-                  </a:solidFill>
-                  <a:latin typeface="Courier New" panose="02070309020205020404" pitchFamily="49" charset="0"/>
-                  <a:cs typeface="Courier New" panose="02070309020205020404" pitchFamily="49" charset="0"/>
-                </a:rPr>
-                <a:t>(freq2,margin=1,digits=1</a:t>
-              </a:r>
-              <a:r>
                 <a:rPr lang="en-US" sz="600" b="1" dirty="0">
                   <a:solidFill>
                     <a:srgbClr val="C00000"/>
@@ -6869,8 +7044,15 @@
                   <a:latin typeface="Courier New" panose="02070309020205020404" pitchFamily="49" charset="0"/>
                   <a:cs typeface="Courier New" panose="02070309020205020404" pitchFamily="49" charset="0"/>
                 </a:rPr>
-                <a:t>)</a:t>
-              </a:r>
+                <a:t>(freq2,digits=1,margin=1)</a:t>
+              </a:r>
+              <a:endParaRPr lang="en-US" sz="600" b="1" dirty="0">
+                <a:solidFill>
+                  <a:srgbClr val="C00000"/>
+                </a:solidFill>
+                <a:latin typeface="Courier New" panose="02070309020205020404" pitchFamily="49" charset="0"/>
+                <a:cs typeface="Courier New" panose="02070309020205020404" pitchFamily="49" charset="0"/>
+              </a:endParaRPr>
             </a:p>
             <a:p>
               <a:pPr algn="l" latinLnBrk="1"/>
@@ -6959,7 +7141,7 @@
                 <a:t>&gt; </a:t>
               </a:r>
               <a:r>
-                <a:rPr lang="en-US" sz="600" b="1" dirty="0" err="1" smtClean="0">
+                <a:rPr lang="en-US" sz="600" b="1" dirty="0" err="1">
                   <a:solidFill>
                     <a:srgbClr val="C00000"/>
                   </a:solidFill>
@@ -6969,16 +7151,6 @@
                 <a:t>percTable</a:t>
               </a:r>
               <a:r>
-                <a:rPr lang="en-US" sz="600" b="1" dirty="0" smtClean="0">
-                  <a:solidFill>
-                    <a:srgbClr val="C00000"/>
-                  </a:solidFill>
-                  <a:latin typeface="Courier New" panose="02070309020205020404" pitchFamily="49" charset="0"/>
-                  <a:cs typeface="Courier New" panose="02070309020205020404" pitchFamily="49" charset="0"/>
-                </a:rPr>
-                <a:t>(freq2,margin=2,digits=1</a:t>
-              </a:r>
-              <a:r>
                 <a:rPr lang="en-US" sz="600" b="1" dirty="0">
                   <a:solidFill>
                     <a:srgbClr val="C00000"/>
@@ -6986,8 +7158,15 @@
                   <a:latin typeface="Courier New" panose="02070309020205020404" pitchFamily="49" charset="0"/>
                   <a:cs typeface="Courier New" panose="02070309020205020404" pitchFamily="49" charset="0"/>
                 </a:rPr>
-                <a:t>)</a:t>
-              </a:r>
+                <a:t>(freq2,digits=1,margin=2)</a:t>
+              </a:r>
+              <a:endParaRPr lang="en-US" sz="600" b="1" dirty="0">
+                <a:solidFill>
+                  <a:srgbClr val="C00000"/>
+                </a:solidFill>
+                <a:latin typeface="Courier New" panose="02070309020205020404" pitchFamily="49" charset="0"/>
+                <a:cs typeface="Courier New" panose="02070309020205020404" pitchFamily="49" charset="0"/>
+              </a:endParaRPr>
             </a:p>
             <a:p>
               <a:pPr algn="l" latinLnBrk="1"/>
@@ -7308,7 +7487,7 @@
             </a:ln>
             <a:extLst>
               <a:ext uri="{C572A759-6A51-4108-AA02-DFA0A04FC94B}">
-                <ma14:wrappingTextBoxFlag xmlns:ma14="http://schemas.microsoft.com/office/mac/drawingml/2011/main" xmlns="" val="1"/>
+                <ma14:wrappingTextBoxFlag xmlns="" xmlns:ma14="http://schemas.microsoft.com/office/mac/drawingml/2011/main" val="1"/>
               </a:ext>
             </a:extLst>
           </p:spPr>
@@ -7482,7 +7661,16 @@
                   </a:solidFill>
                   <a:latin typeface="Source Sans Pro Semibold"/>
                 </a:rPr>
-                <a:t>(freq2,digits=#1)                               </a:t>
+                <a:t>(freq2,digits=1</a:t>
+              </a:r>
+              <a:r>
+                <a:rPr lang="en-US" sz="800" dirty="0" smtClean="0">
+                  <a:solidFill>
+                    <a:srgbClr val="C00000"/>
+                  </a:solidFill>
+                  <a:latin typeface="Source Sans Pro Semibold"/>
+                </a:rPr>
+                <a:t>)                               </a:t>
               </a:r>
               <a:r>
                 <a:rPr lang="en-US" sz="800" dirty="0">
@@ -7601,7 +7789,7 @@
         </p:nvGrpSpPr>
         <p:grpSpPr>
           <a:xfrm>
-            <a:off x="3105426" y="4781225"/>
+            <a:off x="3105426" y="4804085"/>
             <a:ext cx="2926080" cy="2000638"/>
             <a:chOff x="3105426" y="4794771"/>
             <a:chExt cx="2926080" cy="2000638"/>
@@ -7638,6 +7826,83 @@
             <a:p>
               <a:pPr algn="l" latinLnBrk="1"/>
               <a:r>
+                <a:rPr lang="en-US" sz="600" dirty="0">
+                  <a:latin typeface="Courier New" panose="02070309020205020404" pitchFamily="49" charset="0"/>
+                  <a:cs typeface="Courier New" panose="02070309020205020404" pitchFamily="49" charset="0"/>
+                </a:rPr>
+                <a:t>&gt; </a:t>
+              </a:r>
+              <a:r>
+                <a:rPr lang="en-US" sz="600" b="1" dirty="0" err="1">
+                  <a:solidFill>
+                    <a:srgbClr val="C00000"/>
+                  </a:solidFill>
+                  <a:latin typeface="Courier New" panose="02070309020205020404" pitchFamily="49" charset="0"/>
+                  <a:cs typeface="Courier New" panose="02070309020205020404" pitchFamily="49" charset="0"/>
+                </a:rPr>
+                <a:t>hist</a:t>
+              </a:r>
+              <a:r>
+                <a:rPr lang="en-US" sz="600" b="1" dirty="0">
+                  <a:solidFill>
+                    <a:srgbClr val="C00000"/>
+                  </a:solidFill>
+                  <a:latin typeface="Courier New" panose="02070309020205020404" pitchFamily="49" charset="0"/>
+                  <a:cs typeface="Courier New" panose="02070309020205020404" pitchFamily="49" charset="0"/>
+                </a:rPr>
+                <a:t>(</a:t>
+              </a:r>
+              <a:r>
+                <a:rPr lang="en-US" sz="600" b="1" dirty="0" err="1">
+                  <a:solidFill>
+                    <a:srgbClr val="C00000"/>
+                  </a:solidFill>
+                  <a:latin typeface="Courier New" panose="02070309020205020404" pitchFamily="49" charset="0"/>
+                  <a:cs typeface="Courier New" panose="02070309020205020404" pitchFamily="49" charset="0"/>
+                </a:rPr>
+                <a:t>HMPG~Domestic,data</a:t>
+              </a:r>
+              <a:r>
+                <a:rPr lang="en-US" sz="600" b="1" dirty="0">
+                  <a:solidFill>
+                    <a:srgbClr val="C00000"/>
+                  </a:solidFill>
+                  <a:latin typeface="Courier New" panose="02070309020205020404" pitchFamily="49" charset="0"/>
+                  <a:cs typeface="Courier New" panose="02070309020205020404" pitchFamily="49" charset="0"/>
+                </a:rPr>
+                <a:t>=</a:t>
+              </a:r>
+              <a:r>
+                <a:rPr lang="en-US" sz="600" b="1" dirty="0" err="1">
+                  <a:solidFill>
+                    <a:srgbClr val="C00000"/>
+                  </a:solidFill>
+                  <a:latin typeface="Courier New" panose="02070309020205020404" pitchFamily="49" charset="0"/>
+                  <a:cs typeface="Courier New" panose="02070309020205020404" pitchFamily="49" charset="0"/>
+                </a:rPr>
+                <a:t>dfcar,xlab</a:t>
+              </a:r>
+              <a:r>
+                <a:rPr lang="en-US" sz="600" b="1" dirty="0">
+                  <a:solidFill>
+                    <a:srgbClr val="C00000"/>
+                  </a:solidFill>
+                  <a:latin typeface="Courier New" panose="02070309020205020404" pitchFamily="49" charset="0"/>
+                  <a:cs typeface="Courier New" panose="02070309020205020404" pitchFamily="49" charset="0"/>
+                </a:rPr>
+                <a:t>="Highway MPG")</a:t>
+              </a:r>
+            </a:p>
+            <a:p>
+              <a:pPr algn="l" latinLnBrk="1"/>
+              <a:endParaRPr lang="en-US" sz="5700" dirty="0" smtClean="0">
+                <a:latin typeface="Courier New" panose="02070309020205020404" pitchFamily="49" charset="0"/>
+                <a:cs typeface="Courier New" panose="02070309020205020404" pitchFamily="49" charset="0"/>
+              </a:endParaRPr>
+            </a:p>
+            <a:p>
+              <a:pPr algn="l" latinLnBrk="1"/>
+              <a:r>
                 <a:rPr lang="en-US" sz="600" dirty="0" smtClean="0">
                   <a:latin typeface="Courier New" panose="02070309020205020404" pitchFamily="49" charset="0"/>
                   <a:cs typeface="Courier New" panose="02070309020205020404" pitchFamily="49" charset="0"/>
@@ -7752,92 +8017,16 @@
                   <a:latin typeface="Courier New" panose="02070309020205020404" pitchFamily="49" charset="0"/>
                   <a:cs typeface="Courier New" panose="02070309020205020404" pitchFamily="49" charset="0"/>
                 </a:rPr>
-                <a:t> 2      Yes 48 28.1 4.2  20 26     28 30  41</a:t>
-              </a:r>
-            </a:p>
-            <a:p>
-              <a:pPr algn="l" latinLnBrk="1"/>
-              <a:r>
-                <a:rPr lang="en-US" sz="600" dirty="0">
-                  <a:latin typeface="Courier New" panose="02070309020205020404" pitchFamily="49" charset="0"/>
-                  <a:cs typeface="Courier New" panose="02070309020205020404" pitchFamily="49" charset="0"/>
-                </a:rPr>
-                <a:t>&gt; </a:t>
-              </a:r>
-              <a:r>
-                <a:rPr lang="en-US" sz="600" b="1" dirty="0" err="1" smtClean="0">
-                  <a:solidFill>
-                    <a:srgbClr val="C00000"/>
-                  </a:solidFill>
-                  <a:latin typeface="Courier New" panose="02070309020205020404" pitchFamily="49" charset="0"/>
-                  <a:cs typeface="Courier New" panose="02070309020205020404" pitchFamily="49" charset="0"/>
-                </a:rPr>
-                <a:t>hist</a:t>
-              </a:r>
-              <a:r>
-                <a:rPr lang="en-US" sz="600" b="1" dirty="0" smtClean="0">
-                  <a:solidFill>
-                    <a:srgbClr val="C00000"/>
-                  </a:solidFill>
-                  <a:latin typeface="Courier New" panose="02070309020205020404" pitchFamily="49" charset="0"/>
-                  <a:cs typeface="Courier New" panose="02070309020205020404" pitchFamily="49" charset="0"/>
-                </a:rPr>
-                <a:t>(</a:t>
-              </a:r>
-              <a:r>
-                <a:rPr lang="en-US" sz="600" b="1" dirty="0" err="1" smtClean="0">
-                  <a:solidFill>
-                    <a:srgbClr val="C00000"/>
-                  </a:solidFill>
-                  <a:latin typeface="Courier New" panose="02070309020205020404" pitchFamily="49" charset="0"/>
-                  <a:cs typeface="Courier New" panose="02070309020205020404" pitchFamily="49" charset="0"/>
-                </a:rPr>
-                <a:t>HMPG~Domestic,data</a:t>
-              </a:r>
-              <a:r>
-                <a:rPr lang="en-US" sz="600" b="1" dirty="0" smtClean="0">
-                  <a:solidFill>
-                    <a:srgbClr val="C00000"/>
-                  </a:solidFill>
-                  <a:latin typeface="Courier New" panose="02070309020205020404" pitchFamily="49" charset="0"/>
-                  <a:cs typeface="Courier New" panose="02070309020205020404" pitchFamily="49" charset="0"/>
-                </a:rPr>
-                <a:t>=</a:t>
-              </a:r>
-              <a:r>
-                <a:rPr lang="en-US" sz="600" b="1" dirty="0" err="1" smtClean="0">
-                  <a:solidFill>
-                    <a:srgbClr val="C00000"/>
-                  </a:solidFill>
-                  <a:latin typeface="Courier New" panose="02070309020205020404" pitchFamily="49" charset="0"/>
-                  <a:cs typeface="Courier New" panose="02070309020205020404" pitchFamily="49" charset="0"/>
-                </a:rPr>
-                <a:t>dfcar,xlab</a:t>
-              </a:r>
-              <a:r>
-                <a:rPr lang="en-US" sz="600" b="1" dirty="0">
-                  <a:solidFill>
-                    <a:srgbClr val="C00000"/>
-                  </a:solidFill>
-                  <a:latin typeface="Courier New" panose="02070309020205020404" pitchFamily="49" charset="0"/>
-                  <a:cs typeface="Courier New" panose="02070309020205020404" pitchFamily="49" charset="0"/>
-                </a:rPr>
-                <a:t>="Highway MPG</a:t>
-              </a:r>
-              <a:r>
-                <a:rPr lang="en-US" sz="600" b="1" dirty="0" smtClean="0">
-                  <a:solidFill>
-                    <a:srgbClr val="C00000"/>
-                  </a:solidFill>
-                  <a:latin typeface="Courier New" panose="02070309020205020404" pitchFamily="49" charset="0"/>
-                  <a:cs typeface="Courier New" panose="02070309020205020404" pitchFamily="49" charset="0"/>
-                </a:rPr>
-                <a:t>")</a:t>
-              </a:r>
-              <a:endParaRPr lang="en-US" sz="600" b="1" dirty="0">
-                <a:solidFill>
-                  <a:srgbClr val="C00000"/>
-                </a:solidFill>
+                <a:t> 2      Yes 48 28.1 4.2  20 26     28 30  </a:t>
+              </a:r>
+              <a:r>
+                <a:rPr lang="en-US" sz="600" dirty="0" smtClean="0">
+                  <a:latin typeface="Courier New" panose="02070309020205020404" pitchFamily="49" charset="0"/>
+                  <a:cs typeface="Courier New" panose="02070309020205020404" pitchFamily="49" charset="0"/>
+                </a:rPr>
+                <a:t>41</a:t>
+              </a:r>
+              <a:endParaRPr lang="en-US" sz="600" dirty="0">
                 <a:latin typeface="Courier New" panose="02070309020205020404" pitchFamily="49" charset="0"/>
                 <a:cs typeface="Courier New" panose="02070309020205020404" pitchFamily="49" charset="0"/>
               </a:endParaRPr>
@@ -7900,25 +8089,22 @@
                 <a:t>BY GROUP – </a:t>
               </a:r>
               <a:r>
-                <a:rPr lang="en-US" sz="800" dirty="0">
+                <a:rPr lang="en-US" sz="800" dirty="0" smtClean="0">
                   <a:latin typeface="Source Sans Pro Light"/>
                   <a:ea typeface="Source Sans Pro Light"/>
                   <a:cs typeface="Source Sans Pro Light"/>
                   <a:sym typeface="Source Sans Pro Light"/>
                 </a:rPr>
-                <a:t>Summary statistics and histograms for the </a:t>
-              </a:r>
-              <a:r>
-                <a:rPr lang="en-US" sz="800" dirty="0" err="1">
-                  <a:solidFill>
-                    <a:srgbClr val="C00000"/>
-                  </a:solidFill>
-                  <a:latin typeface="Source Sans Pro Semibold"/>
+                <a:t>Histograms and s</a:t>
+              </a:r>
+              <a:r>
+                <a:rPr lang="en-US" sz="800" dirty="0" smtClean="0">
+                  <a:latin typeface="Source Sans Pro Light"/>
                   <a:ea typeface="Source Sans Pro Light"/>
                   <a:cs typeface="Source Sans Pro Light"/>
                   <a:sym typeface="Source Sans Pro Light"/>
                 </a:rPr>
-                <a:t>qvar</a:t>
+                <a:t>ummary </a:t>
               </a:r>
               <a:r>
                 <a:rPr lang="en-US" sz="800" dirty="0">
@@ -7927,7 +8113,7 @@
                   <a:cs typeface="Source Sans Pro Light"/>
                   <a:sym typeface="Source Sans Pro Light"/>
                 </a:rPr>
-                <a:t> </a:t>
+                <a:t>statistics </a:t>
               </a:r>
               <a:r>
                 <a:rPr lang="en-US" sz="800" dirty="0" smtClean="0">
@@ -7936,16 +8122,55 @@
                   <a:cs typeface="Source Sans Pro Light"/>
                   <a:sym typeface="Source Sans Pro Light"/>
                 </a:rPr>
-                <a:t>separated </a:t>
-              </a:r>
-              <a:r>
-                <a:rPr lang="en-US" sz="800" dirty="0">
-                  <a:latin typeface="Source Sans Pro Light"/>
+                <a:t>for </a:t>
+              </a:r>
+              <a:r>
+                <a:rPr lang="en-US" sz="800" dirty="0" err="1">
+                  <a:solidFill>
+                    <a:srgbClr val="C00000"/>
+                  </a:solidFill>
+                  <a:latin typeface="Source Sans Pro Semibold"/>
                   <a:ea typeface="Source Sans Pro Light"/>
                   <a:cs typeface="Source Sans Pro Light"/>
                   <a:sym typeface="Source Sans Pro Light"/>
                 </a:rPr>
-                <a:t>by groups in the </a:t>
+                <a:t>qvar</a:t>
+              </a:r>
+              <a:r>
+                <a:rPr lang="en-US" sz="800" dirty="0">
+                  <a:latin typeface="Source Sans Pro Light"/>
+                  <a:ea typeface="Source Sans Pro Light"/>
+                  <a:cs typeface="Source Sans Pro Light"/>
+                  <a:sym typeface="Source Sans Pro Light"/>
+                </a:rPr>
+                <a:t> </a:t>
+              </a:r>
+              <a:r>
+                <a:rPr lang="en-US" sz="800" dirty="0" smtClean="0">
+                  <a:latin typeface="Source Sans Pro Light"/>
+                  <a:ea typeface="Source Sans Pro Light"/>
+                  <a:cs typeface="Source Sans Pro Light"/>
+                  <a:sym typeface="Source Sans Pro Light"/>
+                </a:rPr>
+                <a:t>separated </a:t>
+              </a:r>
+              <a:r>
+                <a:rPr lang="en-US" sz="800" dirty="0">
+                  <a:latin typeface="Source Sans Pro Light"/>
+                  <a:ea typeface="Source Sans Pro Light"/>
+                  <a:cs typeface="Source Sans Pro Light"/>
+                  <a:sym typeface="Source Sans Pro Light"/>
+                </a:rPr>
+                <a:t>by groups </a:t>
+              </a:r>
+              <a:r>
+                <a:rPr lang="en-US" sz="800" dirty="0" smtClean="0">
+                  <a:latin typeface="Source Sans Pro Light"/>
+                  <a:ea typeface="Source Sans Pro Light"/>
+                  <a:cs typeface="Source Sans Pro Light"/>
+                  <a:sym typeface="Source Sans Pro Light"/>
+                </a:rPr>
+                <a:t>in </a:t>
               </a:r>
               <a:r>
                 <a:rPr lang="en-US" sz="800" dirty="0" err="1" smtClean="0">
@@ -8108,16 +8333,7 @@
                   </a:solidFill>
                   <a:latin typeface="Source Sans Pro Semibold"/>
                 </a:rPr>
-                <a:t> </a:t>
-              </a:r>
-              <a:r>
-                <a:rPr lang="en-US" sz="800" dirty="0" smtClean="0">
-                  <a:solidFill>
-                    <a:srgbClr val="C00000"/>
-                  </a:solidFill>
-                  <a:latin typeface="Source Sans Pro Semibold"/>
-                </a:rPr>
-                <a:t>label</a:t>
+                <a:t> label</a:t>
               </a:r>
               <a:r>
                 <a:rPr lang="en-US" sz="800" b="1" dirty="0">
@@ -8138,12 +8354,6 @@
                 </a:rPr>
                 <a:t>)</a:t>
               </a:r>
-              <a:endParaRPr lang="en-US" sz="800" dirty="0" smtClean="0">
-                <a:solidFill>
-                  <a:srgbClr val="C00000"/>
-                </a:solidFill>
-                <a:latin typeface="Source Sans Pro Semibold"/>
-              </a:endParaRPr>
             </a:p>
             <a:p>
               <a:pPr algn="l" defTabSz="320174" rtl="0" latinLnBrk="1" hangingPunct="0"/>
@@ -8217,8 +8427,8 @@
           </p:blipFill>
           <p:spPr>
             <a:xfrm>
-              <a:off x="3593845" y="6002037"/>
-              <a:ext cx="1463040" cy="731520"/>
+              <a:off x="3593845" y="5566007"/>
+              <a:ext cx="1645920" cy="822960"/>
             </a:xfrm>
             <a:prstGeom prst="rect">
               <a:avLst/>
@@ -8228,15 +8438,15 @@
       </p:grpSp>
       <p:grpSp>
         <p:nvGrpSpPr>
-          <p:cNvPr id="60" name="Group 59"/>
+          <p:cNvPr id="3" name="Group 2"/>
           <p:cNvGrpSpPr/>
           <p:nvPr/>
         </p:nvGrpSpPr>
         <p:grpSpPr>
           <a:xfrm>
-            <a:off x="6138930" y="3397546"/>
+            <a:off x="6138930" y="3420407"/>
             <a:ext cx="2927811" cy="2077922"/>
-            <a:chOff x="6162399" y="3401796"/>
+            <a:chOff x="6138930" y="3397547"/>
             <a:chExt cx="2927811" cy="2077922"/>
           </a:xfrm>
         </p:grpSpPr>
@@ -8248,8 +8458,8 @@
           </p:nvSpPr>
           <p:spPr>
             <a:xfrm>
-              <a:off x="6164130" y="4218391"/>
-              <a:ext cx="2926080" cy="1261327"/>
+              <a:off x="6140661" y="4125919"/>
+              <a:ext cx="2926080" cy="1349550"/>
             </a:xfrm>
             <a:prstGeom prst="roundRect">
               <a:avLst>
@@ -8315,7 +8525,17 @@
                   <a:latin typeface="Courier New" panose="02070309020205020404" pitchFamily="49" charset="0"/>
                   <a:cs typeface="Courier New" panose="02070309020205020404" pitchFamily="49" charset="0"/>
                 </a:rPr>
-                <a:t>dfcar,ylab</a:t>
+                <a:t>dfcar,pch</a:t>
+              </a:r>
+              <a:r>
+                <a:rPr lang="en-US" sz="600" b="1" dirty="0" smtClean="0">
+                  <a:solidFill>
+                    <a:srgbClr val="C00000"/>
+                  </a:solidFill>
+                  <a:latin typeface="Courier New" panose="02070309020205020404" pitchFamily="49" charset="0"/>
+                  <a:cs typeface="Courier New" panose="02070309020205020404" pitchFamily="49" charset="0"/>
+                </a:rPr>
+                <a:t>=19,ylab</a:t>
               </a:r>
               <a:r>
                 <a:rPr lang="en-US" sz="600" b="1" dirty="0">
@@ -8390,79 +8610,10 @@
                 </a:rPr>
                 <a:t>)")</a:t>
               </a:r>
-              <a:endParaRPr lang="en-US" sz="600" b="1" dirty="0" smtClean="0">
-                <a:solidFill>
-                  <a:srgbClr val="C00000"/>
-                </a:solidFill>
-                <a:latin typeface="Courier New" panose="02070309020205020404" pitchFamily="49" charset="0"/>
-                <a:cs typeface="Courier New" panose="02070309020205020404" pitchFamily="49" charset="0"/>
-              </a:endParaRPr>
             </a:p>
             <a:p>
               <a:pPr algn="l" latinLnBrk="1"/>
-              <a:r>
-                <a:rPr lang="en-US" sz="600" b="1" dirty="0" smtClean="0">
-                  <a:solidFill>
-                    <a:srgbClr val="FF0000"/>
-                  </a:solidFill>
-                  <a:latin typeface="Courier New" panose="02070309020205020404" pitchFamily="49" charset="0"/>
-                  <a:cs typeface="Courier New" panose="02070309020205020404" pitchFamily="49" charset="0"/>
-                </a:rPr>
-                <a:t>       </a:t>
-              </a:r>
-            </a:p>
-            <a:p>
-              <a:pPr algn="l" latinLnBrk="1"/>
-              <a:endParaRPr lang="en-US" sz="600" dirty="0" smtClean="0">
-                <a:latin typeface="Courier New" panose="02070309020205020404" pitchFamily="49" charset="0"/>
-                <a:cs typeface="Courier New" panose="02070309020205020404" pitchFamily="49" charset="0"/>
-              </a:endParaRPr>
-            </a:p>
-            <a:p>
-              <a:pPr algn="l" latinLnBrk="1"/>
-              <a:endParaRPr lang="en-US" sz="600" dirty="0">
-                <a:latin typeface="Courier New" panose="02070309020205020404" pitchFamily="49" charset="0"/>
-                <a:cs typeface="Courier New" panose="02070309020205020404" pitchFamily="49" charset="0"/>
-              </a:endParaRPr>
-            </a:p>
-            <a:p>
-              <a:pPr algn="l" latinLnBrk="1"/>
-              <a:endParaRPr lang="en-US" sz="600" dirty="0" smtClean="0">
-                <a:latin typeface="Courier New" panose="02070309020205020404" pitchFamily="49" charset="0"/>
-                <a:cs typeface="Courier New" panose="02070309020205020404" pitchFamily="49" charset="0"/>
-              </a:endParaRPr>
-            </a:p>
-            <a:p>
-              <a:pPr algn="l" latinLnBrk="1"/>
-              <a:endParaRPr lang="en-US" sz="600" dirty="0">
-                <a:latin typeface="Courier New" panose="02070309020205020404" pitchFamily="49" charset="0"/>
-                <a:cs typeface="Courier New" panose="02070309020205020404" pitchFamily="49" charset="0"/>
-              </a:endParaRPr>
-            </a:p>
-            <a:p>
-              <a:pPr algn="l" latinLnBrk="1"/>
-              <a:endParaRPr lang="en-US" sz="600" dirty="0" smtClean="0">
-                <a:latin typeface="Courier New" panose="02070309020205020404" pitchFamily="49" charset="0"/>
-                <a:cs typeface="Courier New" panose="02070309020205020404" pitchFamily="49" charset="0"/>
-              </a:endParaRPr>
-            </a:p>
-            <a:p>
-              <a:pPr algn="l" latinLnBrk="1"/>
-              <a:endParaRPr lang="en-US" sz="600" dirty="0">
-                <a:latin typeface="Courier New" panose="02070309020205020404" pitchFamily="49" charset="0"/>
-                <a:cs typeface="Courier New" panose="02070309020205020404" pitchFamily="49" charset="0"/>
-              </a:endParaRPr>
-            </a:p>
-            <a:p>
-              <a:pPr algn="l" latinLnBrk="1"/>
-              <a:endParaRPr lang="en-US" sz="600" dirty="0" smtClean="0">
-                <a:latin typeface="Courier New" panose="02070309020205020404" pitchFamily="49" charset="0"/>
-                <a:cs typeface="Courier New" panose="02070309020205020404" pitchFamily="49" charset="0"/>
-              </a:endParaRPr>
-            </a:p>
-            <a:p>
-              <a:pPr algn="l" latinLnBrk="1"/>
-              <a:endParaRPr lang="en-US" sz="600" dirty="0" smtClean="0">
+              <a:endParaRPr lang="en-US" sz="6000" dirty="0" smtClean="0">
                 <a:latin typeface="Courier New" panose="02070309020205020404" pitchFamily="49" charset="0"/>
                 <a:cs typeface="Courier New" panose="02070309020205020404" pitchFamily="49" charset="0"/>
               </a:endParaRPr>
@@ -8583,8 +8734,8 @@
           </p:blipFill>
           <p:spPr bwMode="auto">
             <a:xfrm>
-              <a:off x="7146501" y="4486535"/>
-              <a:ext cx="914400" cy="731520"/>
+              <a:off x="7123032" y="4406085"/>
+              <a:ext cx="1028700" cy="822960"/>
             </a:xfrm>
             <a:prstGeom prst="rect">
               <a:avLst/>
@@ -8605,8 +8756,8 @@
           </p:nvSpPr>
           <p:spPr>
             <a:xfrm>
-              <a:off x="6162399" y="3401796"/>
-              <a:ext cx="2926080" cy="843551"/>
+              <a:off x="6138930" y="3397547"/>
+              <a:ext cx="2926080" cy="752106"/>
             </a:xfrm>
             <a:prstGeom prst="roundRect">
               <a:avLst>
@@ -8644,13 +8795,31 @@
                 <a:t>QUANTITATIVE – </a:t>
               </a:r>
               <a:r>
-                <a:rPr lang="en-US" sz="800" dirty="0">
+                <a:rPr lang="en-US" sz="800" dirty="0" smtClean="0">
                   <a:latin typeface="Source Sans Pro Light"/>
                   <a:ea typeface="Source Sans Pro Light"/>
                   <a:cs typeface="Source Sans Pro Light"/>
                   <a:sym typeface="Source Sans Pro Light"/>
                 </a:rPr>
-                <a:t>Correlation (r) and scatterplot for the </a:t>
+                <a:t>Scatterplot and c</a:t>
+              </a:r>
+              <a:r>
+                <a:rPr lang="en-US" sz="800" dirty="0" smtClean="0">
+                  <a:latin typeface="Source Sans Pro Light"/>
+                  <a:ea typeface="Source Sans Pro Light"/>
+                  <a:cs typeface="Source Sans Pro Light"/>
+                  <a:sym typeface="Source Sans Pro Light"/>
+                </a:rPr>
+                <a:t>orrelation coefficient (r) for </a:t>
+              </a:r>
+              <a:r>
+                <a:rPr lang="en-US" sz="800" dirty="0">
+                  <a:latin typeface="Source Sans Pro Light"/>
+                  <a:ea typeface="Source Sans Pro Light"/>
+                  <a:cs typeface="Source Sans Pro Light"/>
+                  <a:sym typeface="Source Sans Pro Light"/>
+                </a:rPr>
+                <a:t>the </a:t>
               </a:r>
               <a:r>
                 <a:rPr lang="en-US" sz="800" dirty="0" err="1">
@@ -8720,7 +8889,7 @@
           </p:nvSpPr>
           <p:spPr>
             <a:xfrm>
-              <a:off x="6217919" y="3734429"/>
+              <a:off x="6194450" y="3683616"/>
               <a:ext cx="2834640" cy="424732"/>
             </a:xfrm>
             <a:prstGeom prst="rect">
@@ -8812,6 +8981,45 @@
                   </a:solidFill>
                   <a:latin typeface="Source Sans Pro Semibold"/>
                 </a:rPr>
+                <a:t>pch</a:t>
+              </a:r>
+              <a:r>
+                <a:rPr lang="en-US" sz="800" dirty="0" smtClean="0">
+                  <a:solidFill>
+                    <a:srgbClr val="C00000"/>
+                  </a:solidFill>
+                  <a:latin typeface="Source Sans Pro Semibold"/>
+                </a:rPr>
+                <a:t>=19,</a:t>
+              </a:r>
+            </a:p>
+            <a:p>
+              <a:pPr algn="l" defTabSz="320174" rtl="0" latinLnBrk="1" hangingPunct="0"/>
+              <a:r>
+                <a:rPr lang="en-US" sz="800" dirty="0">
+                  <a:solidFill>
+                    <a:srgbClr val="C00000"/>
+                  </a:solidFill>
+                  <a:latin typeface="Source Sans Pro Semibold"/>
+                </a:rPr>
+                <a:t> </a:t>
+              </a:r>
+              <a:r>
+                <a:rPr lang="en-US" sz="800" dirty="0" smtClean="0">
+                  <a:solidFill>
+                    <a:srgbClr val="C00000"/>
+                  </a:solidFill>
+                  <a:latin typeface="Source Sans Pro Semibold"/>
+                </a:rPr>
+                <a:t>          </a:t>
+              </a:r>
+              <a:r>
+                <a:rPr lang="en-US" sz="800" dirty="0" err="1" smtClean="0">
+                  <a:solidFill>
+                    <a:srgbClr val="C00000"/>
+                  </a:solidFill>
+                  <a:latin typeface="Source Sans Pro Semibold"/>
+                </a:rPr>
                 <a:t>ylab</a:t>
               </a:r>
               <a:r>
@@ -8858,16 +9066,44 @@
                   </a:solidFill>
                   <a:latin typeface="Source Sans Pro Semibold"/>
                 </a:rPr>
-                <a:t> </a:t>
-              </a:r>
-              <a:r>
-                <a:rPr lang="en-US" sz="800" dirty="0" smtClean="0">
-                  <a:solidFill>
-                    <a:srgbClr val="C00000"/>
-                  </a:solidFill>
-                  <a:latin typeface="Source Sans Pro Semibold"/>
-                </a:rPr>
-                <a:t>label</a:t>
+                <a:t> label</a:t>
+              </a:r>
+              <a:r>
+                <a:rPr lang="en-US" sz="800" b="1" dirty="0" smtClean="0">
+                  <a:solidFill>
+                    <a:srgbClr val="C00000"/>
+                  </a:solidFill>
+                  <a:latin typeface="Source Sans Pro Semibold" panose="020B0603030403020204" pitchFamily="34" charset="0"/>
+                  <a:cs typeface="Courier New" panose="02070309020205020404" pitchFamily="49" charset="0"/>
+                </a:rPr>
+                <a:t>"</a:t>
+              </a:r>
+              <a:r>
+                <a:rPr lang="en-US" sz="800" dirty="0" smtClean="0">
+                  <a:solidFill>
+                    <a:srgbClr val="C00000"/>
+                  </a:solidFill>
+                  <a:latin typeface="Source Sans Pro Semibold"/>
+                </a:rPr>
+                <a:t>, </a:t>
+              </a:r>
+              <a:r>
+                <a:rPr lang="en-US" sz="800" dirty="0" err="1" smtClean="0">
+                  <a:solidFill>
+                    <a:srgbClr val="C00000"/>
+                  </a:solidFill>
+                  <a:latin typeface="Source Sans Pro Semibold"/>
+                </a:rPr>
+                <a:t>xlab</a:t>
+              </a:r>
+              <a:r>
+                <a:rPr lang="en-US" sz="800" dirty="0" smtClean="0">
+                  <a:solidFill>
+                    <a:srgbClr val="C00000"/>
+                  </a:solidFill>
+                  <a:latin typeface="Source Sans Pro Semibold"/>
+                </a:rPr>
+                <a:t>=</a:t>
               </a:r>
               <a:r>
                 <a:rPr lang="en-US" sz="800" b="1" dirty="0">
@@ -8886,34 +9122,7 @@
                   </a:solidFill>
                   <a:latin typeface="Source Sans Pro Semibold"/>
                 </a:rPr>
-                <a:t>,</a:t>
-              </a:r>
-              <a:endParaRPr lang="en-US" sz="800" dirty="0" smtClean="0">
-                <a:solidFill>
-                  <a:srgbClr val="C00000"/>
-                </a:solidFill>
-                <a:latin typeface="Source Sans Pro Semibold"/>
-              </a:endParaRPr>
-            </a:p>
-            <a:p>
-              <a:pPr algn="l" defTabSz="320174" rtl="0" latinLnBrk="1" hangingPunct="0"/>
-              <a:r>
-                <a:rPr lang="en-US" sz="800" dirty="0">
-                  <a:solidFill>
-                    <a:srgbClr val="C00000"/>
-                  </a:solidFill>
-                  <a:latin typeface="Source Sans Pro Semibold"/>
-                </a:rPr>
-                <a:t> </a:t>
-              </a:r>
-              <a:r>
-                <a:rPr lang="en-US" sz="800" dirty="0" smtClean="0">
-                  <a:solidFill>
-                    <a:srgbClr val="C00000"/>
-                  </a:solidFill>
-                  <a:latin typeface="Source Sans Pro Semibold"/>
-                </a:rPr>
-                <a:t>              </a:t>
+                <a:t>better </a:t>
               </a:r>
               <a:r>
                 <a:rPr lang="en-US" sz="800" dirty="0" err="1" smtClean="0">
@@ -8922,16 +9131,16 @@
                   </a:solidFill>
                   <a:latin typeface="Source Sans Pro Semibold"/>
                 </a:rPr>
-                <a:t>xlab</a:t>
-              </a:r>
-              <a:r>
-                <a:rPr lang="en-US" sz="800" dirty="0" smtClean="0">
-                  <a:solidFill>
-                    <a:srgbClr val="C00000"/>
-                  </a:solidFill>
-                  <a:latin typeface="Source Sans Pro Semibold"/>
-                </a:rPr>
-                <a:t>=</a:t>
+                <a:t>xvar</a:t>
+              </a:r>
+              <a:r>
+                <a:rPr lang="en-US" sz="800" dirty="0" smtClean="0">
+                  <a:solidFill>
+                    <a:srgbClr val="C00000"/>
+                  </a:solidFill>
+                  <a:latin typeface="Source Sans Pro Semibold"/>
+                </a:rPr>
+                <a:t> label</a:t>
               </a:r>
               <a:r>
                 <a:rPr lang="en-US" sz="800" b="1" dirty="0">
@@ -8950,60 +9159,8 @@
                   </a:solidFill>
                   <a:latin typeface="Source Sans Pro Semibold"/>
                 </a:rPr>
-                <a:t>better </a:t>
-              </a:r>
-              <a:r>
-                <a:rPr lang="en-US" sz="800" dirty="0" err="1" smtClean="0">
-                  <a:solidFill>
-                    <a:srgbClr val="C00000"/>
-                  </a:solidFill>
-                  <a:latin typeface="Source Sans Pro Semibold"/>
-                </a:rPr>
-                <a:t>xvar</a:t>
-              </a:r>
-              <a:r>
-                <a:rPr lang="en-US" sz="800" dirty="0" smtClean="0">
-                  <a:solidFill>
-                    <a:srgbClr val="C00000"/>
-                  </a:solidFill>
-                  <a:latin typeface="Source Sans Pro Semibold"/>
-                </a:rPr>
-                <a:t> </a:t>
-              </a:r>
-              <a:r>
-                <a:rPr lang="en-US" sz="800" dirty="0" smtClean="0">
-                  <a:solidFill>
-                    <a:srgbClr val="C00000"/>
-                  </a:solidFill>
-                  <a:latin typeface="Source Sans Pro Semibold"/>
-                </a:rPr>
-                <a:t>label</a:t>
-              </a:r>
-              <a:r>
-                <a:rPr lang="en-US" sz="800" b="1" dirty="0">
-                  <a:solidFill>
-                    <a:srgbClr val="C00000"/>
-                  </a:solidFill>
-                  <a:latin typeface="Source Sans Pro Semibold" panose="020B0603030403020204" pitchFamily="34" charset="0"/>
-                  <a:cs typeface="Courier New" panose="02070309020205020404" pitchFamily="49" charset="0"/>
-                </a:rPr>
-                <a:t>"</a:t>
-              </a:r>
-              <a:r>
-                <a:rPr lang="en-US" sz="800" dirty="0" smtClean="0">
-                  <a:solidFill>
-                    <a:srgbClr val="C00000"/>
-                  </a:solidFill>
-                  <a:latin typeface="Source Sans Pro Semibold"/>
-                </a:rPr>
                 <a:t>)</a:t>
               </a:r>
-              <a:endParaRPr lang="en-US" sz="800" dirty="0" smtClean="0">
-                <a:solidFill>
-                  <a:srgbClr val="C00000"/>
-                </a:solidFill>
-                <a:latin typeface="Source Sans Pro Semibold"/>
-              </a:endParaRPr>
             </a:p>
             <a:p>
               <a:pPr algn="l" defTabSz="320174" rtl="0" latinLnBrk="1" hangingPunct="0"/>
@@ -9079,7 +9236,7 @@
         </p:nvGrpSpPr>
         <p:grpSpPr>
           <a:xfrm>
-            <a:off x="6132354" y="5601484"/>
+            <a:off x="6132354" y="5624344"/>
             <a:ext cx="2926794" cy="1176184"/>
             <a:chOff x="6155823" y="5605734"/>
             <a:chExt cx="2926794" cy="1176184"/>
@@ -9130,7 +9287,7 @@
                   <a:latin typeface="Courier New" panose="02070309020205020404" pitchFamily="49" charset="0"/>
                   <a:cs typeface="Courier New" panose="02070309020205020404" pitchFamily="49" charset="0"/>
                 </a:rPr>
-                <a:t>plot(~</a:t>
+                <a:t>pairs(~</a:t>
               </a:r>
               <a:r>
                 <a:rPr lang="en-US" sz="600" b="1" dirty="0" err="1" smtClean="0">
@@ -9309,13 +9466,6 @@
                 </a:rPr>
                 <a:t>")</a:t>
               </a:r>
-              <a:endParaRPr lang="en-US" sz="600" b="1" dirty="0">
-                <a:solidFill>
-                  <a:srgbClr val="C00000"/>
-                </a:solidFill>
-                <a:latin typeface="Courier New" panose="02070309020205020404" pitchFamily="49" charset="0"/>
-                <a:cs typeface="Courier New" panose="02070309020205020404" pitchFamily="49" charset="0"/>
-              </a:endParaRPr>
             </a:p>
           </p:txBody>
         </p:sp>
@@ -9375,13 +9525,13 @@
                 <a:t>– </a:t>
               </a:r>
               <a:r>
-                <a:rPr lang="en-US" sz="800" dirty="0">
+                <a:rPr lang="en-US" sz="800" dirty="0" smtClean="0">
                   <a:latin typeface="Source Sans Pro Light"/>
                   <a:ea typeface="Source Sans Pro Light"/>
                   <a:cs typeface="Source Sans Pro Light"/>
                   <a:sym typeface="Source Sans Pro Light"/>
                 </a:rPr>
-                <a:t>Correlation (r) and scatterplot </a:t>
+                <a:t>Scatterplot and c</a:t>
               </a:r>
               <a:r>
                 <a:rPr lang="en-US" sz="800" dirty="0" smtClean="0">
@@ -9390,16 +9540,16 @@
                   <a:cs typeface="Source Sans Pro Light"/>
                   <a:sym typeface="Source Sans Pro Light"/>
                 </a:rPr>
-                <a:t>for all </a:t>
-              </a:r>
-              <a:r>
-                <a:rPr lang="en-US" sz="800" dirty="0" err="1" smtClean="0">
+                <a:t>orrelation coefficient </a:t>
+              </a:r>
+              <a:r>
+                <a:rPr lang="en-US" sz="800" dirty="0">
                   <a:latin typeface="Source Sans Pro Light"/>
                   <a:ea typeface="Source Sans Pro Light"/>
                   <a:cs typeface="Source Sans Pro Light"/>
                   <a:sym typeface="Source Sans Pro Light"/>
                 </a:rPr>
-                <a:t>paris</a:t>
+                <a:t>(r) </a:t>
               </a:r>
               <a:r>
                 <a:rPr lang="en-US" sz="800" dirty="0" smtClean="0">
@@ -9408,7 +9558,34 @@
                   <a:cs typeface="Source Sans Pro Light"/>
                   <a:sym typeface="Source Sans Pro Light"/>
                 </a:rPr>
-                <a:t> of quantitative variables.</a:t>
+                <a:t>for </a:t>
+              </a:r>
+              <a:r>
+                <a:rPr lang="en-US" sz="800" dirty="0" smtClean="0">
+                  <a:latin typeface="Source Sans Pro Light"/>
+                  <a:ea typeface="Source Sans Pro Light"/>
+                  <a:cs typeface="Source Sans Pro Light"/>
+                  <a:sym typeface="Source Sans Pro Light"/>
+                </a:rPr>
+                <a:t>all </a:t>
+              </a:r>
+              <a:r>
+                <a:rPr lang="en-US" sz="800" dirty="0" smtClean="0">
+                  <a:latin typeface="Source Sans Pro Light"/>
+                  <a:ea typeface="Source Sans Pro Light"/>
+                  <a:cs typeface="Source Sans Pro Light"/>
+                  <a:sym typeface="Source Sans Pro Light"/>
+                </a:rPr>
+                <a:t>pairs </a:t>
+              </a:r>
+              <a:r>
+                <a:rPr lang="en-US" sz="800" dirty="0" smtClean="0">
+                  <a:latin typeface="Source Sans Pro Light"/>
+                  <a:ea typeface="Source Sans Pro Light"/>
+                  <a:cs typeface="Source Sans Pro Light"/>
+                  <a:sym typeface="Source Sans Pro Light"/>
+                </a:rPr>
+                <a:t>of quantitative variables.</a:t>
               </a:r>
               <a:endParaRPr lang="en-US" sz="800" dirty="0">
                 <a:latin typeface="Source Sans Pro Light"/>
@@ -9550,12 +9727,6 @@
                 </a:rPr>
                 <a:t>)</a:t>
               </a:r>
-              <a:endParaRPr lang="en-US" sz="800" dirty="0" smtClean="0">
-                <a:solidFill>
-                  <a:srgbClr val="C00000"/>
-                </a:solidFill>
-                <a:latin typeface="Source Sans Pro Semibold"/>
-              </a:endParaRPr>
             </a:p>
             <a:p>
               <a:pPr algn="l" defTabSz="320174" rtl="0" latinLnBrk="1" hangingPunct="0"/>
@@ -9623,16 +9794,7 @@
                   </a:solidFill>
                   <a:latin typeface="Source Sans Pro Semibold"/>
                 </a:rPr>
-                <a:t>                  </a:t>
-              </a:r>
-              <a:r>
-                <a:rPr lang="en-US" sz="800" dirty="0" smtClean="0">
-                  <a:solidFill>
-                    <a:srgbClr val="C00000"/>
-                  </a:solidFill>
-                  <a:latin typeface="Source Sans Pro Semibold"/>
-                </a:rPr>
-                <a:t>use=</a:t>
+                <a:t>                  use=</a:t>
               </a:r>
               <a:r>
                 <a:rPr lang="en-US" sz="800" b="1" dirty="0">
@@ -10252,7 +10414,7 @@
                   <a:cs typeface="Source Sans Pro Light"/>
                   <a:sym typeface="Source Sans Pro Light"/>
                 </a:rPr>
-                <a:t>rspvar</a:t>
+                <a:t>qvarResp</a:t>
               </a:r>
               <a:r>
                 <a:rPr lang="en-US" sz="800" dirty="0" smtClean="0">
@@ -10276,7 +10438,7 @@
                 <a:t>response and </a:t>
               </a:r>
               <a:r>
-                <a:rPr lang="en-US" sz="800" dirty="0" err="1">
+                <a:rPr lang="en-US" sz="800" dirty="0" err="1" smtClean="0">
                   <a:solidFill>
                     <a:srgbClr val="C00000"/>
                   </a:solidFill>
@@ -10285,10 +10447,22 @@
                   <a:cs typeface="Source Sans Pro Light"/>
                   <a:sym typeface="Source Sans Pro Light"/>
                 </a:rPr>
-                <a:t>expvar</a:t>
-              </a:r>
-              <a:r>
-                <a:rPr lang="en-US" sz="800" dirty="0">
+                <a:t>q</a:t>
+              </a:r>
+              <a:r>
+                <a:rPr lang="en-US" sz="800" dirty="0" err="1" smtClean="0">
+                  <a:solidFill>
+                    <a:srgbClr val="C00000"/>
+                  </a:solidFill>
+                  <a:latin typeface="Source Sans Pro Semibold"/>
+                  <a:ea typeface="Source Sans Pro Light"/>
+                  <a:cs typeface="Source Sans Pro Light"/>
+                  <a:sym typeface="Source Sans Pro Light"/>
+                </a:rPr>
+                <a:t>varExpl</a:t>
+              </a:r>
+              <a:r>
+                <a:rPr lang="en-US" sz="800" dirty="0" smtClean="0">
                   <a:solidFill>
                     <a:srgbClr val="C00000"/>
                   </a:solidFill>
@@ -10449,7 +10623,7 @@
             </a:ln>
             <a:extLst>
               <a:ext uri="{C572A759-6A51-4108-AA02-DFA0A04FC94B}">
-                <ma14:wrappingTextBoxFlag xmlns:ma14="http://schemas.microsoft.com/office/mac/drawingml/2011/main" xmlns="" val="1"/>
+                <ma14:wrappingTextBoxFlag xmlns="" xmlns:ma14="http://schemas.microsoft.com/office/mac/drawingml/2011/main" val="1"/>
               </a:ext>
             </a:extLst>
           </p:spPr>
@@ -10575,7 +10749,34 @@
                   </a:solidFill>
                   <a:latin typeface="Source Sans Pro Semibold"/>
                 </a:rPr>
-                <a:t>rspvar~expvar,data</a:t>
+                <a:t>q</a:t>
+              </a:r>
+              <a:r>
+                <a:rPr lang="en-US" sz="800" dirty="0" err="1" smtClean="0">
+                  <a:solidFill>
+                    <a:srgbClr val="C00000"/>
+                  </a:solidFill>
+                  <a:latin typeface="Source Sans Pro Semibold"/>
+                </a:rPr>
+                <a:t>varResp~qvarEx</a:t>
+              </a:r>
+              <a:r>
+                <a:rPr lang="en-US" sz="800" dirty="0" err="1" smtClean="0">
+                  <a:solidFill>
+                    <a:srgbClr val="C00000"/>
+                  </a:solidFill>
+                  <a:latin typeface="Source Sans Pro Semibold"/>
+                </a:rPr>
+                <a:t>pl</a:t>
+              </a:r>
+              <a:r>
+                <a:rPr lang="en-US" sz="800" dirty="0" err="1" smtClean="0">
+                  <a:solidFill>
+                    <a:srgbClr val="C00000"/>
+                  </a:solidFill>
+                  <a:latin typeface="Source Sans Pro Semibold"/>
+                </a:rPr>
+                <a:t>,data</a:t>
               </a:r>
               <a:r>
                 <a:rPr lang="en-US" sz="800" dirty="0" smtClean="0">
@@ -10789,22 +10990,50 @@
                 <a:t>"better </a:t>
               </a:r>
               <a:r>
+                <a:rPr lang="en-US" sz="800" dirty="0" err="1">
+                  <a:solidFill>
+                    <a:srgbClr val="C00000"/>
+                  </a:solidFill>
+                  <a:latin typeface="Source Sans Pro Semibold"/>
+                </a:rPr>
+                <a:t>R</a:t>
+              </a:r>
+              <a:r>
                 <a:rPr lang="en-US" sz="800" dirty="0" err="1" smtClean="0">
                   <a:solidFill>
                     <a:srgbClr val="C00000"/>
                   </a:solidFill>
                   <a:latin typeface="Source Sans Pro Semibold"/>
                 </a:rPr>
-                <a:t>rspvar</a:t>
-              </a:r>
-              <a:r>
-                <a:rPr lang="en-US" sz="800" dirty="0" smtClean="0">
-                  <a:solidFill>
-                    <a:srgbClr val="C00000"/>
-                  </a:solidFill>
-                  <a:latin typeface="Source Sans Pro Semibold"/>
-                </a:rPr>
-                <a:t> </a:t>
+                <a:t>esp</a:t>
+              </a:r>
+              <a:r>
+                <a:rPr lang="en-US" sz="800" dirty="0" smtClean="0">
+                  <a:solidFill>
+                    <a:srgbClr val="C00000"/>
+                  </a:solidFill>
+                  <a:latin typeface="Source Sans Pro Semibold"/>
+                </a:rPr>
+                <a:t> label</a:t>
+              </a:r>
+              <a:r>
+                <a:rPr lang="en-US" sz="800" b="1" dirty="0">
+                  <a:solidFill>
+                    <a:srgbClr val="C00000"/>
+                  </a:solidFill>
+                  <a:latin typeface="Source Sans Pro Semibold" panose="020B0603030403020204" pitchFamily="34" charset="0"/>
+                  <a:cs typeface="Courier New" panose="02070309020205020404" pitchFamily="49" charset="0"/>
+                </a:rPr>
+                <a:t>"</a:t>
+              </a:r>
+              <a:r>
+                <a:rPr lang="en-US" sz="800" dirty="0" smtClean="0">
+                  <a:solidFill>
+                    <a:srgbClr val="C00000"/>
+                  </a:solidFill>
+                  <a:latin typeface="Source Sans Pro Semibold"/>
+                </a:rPr>
+                <a:t>,</a:t>
               </a:r>
               <a:r>
                 <a:rPr lang="en-US" sz="800" dirty="0" err="1" smtClean="0">
@@ -10813,26 +11042,35 @@
                   </a:solidFill>
                   <a:latin typeface="Source Sans Pro Semibold"/>
                 </a:rPr>
-                <a:t>labl</a:t>
-              </a:r>
-              <a:r>
-                <a:rPr lang="en-US" sz="800" b="1" dirty="0">
+                <a:t>xlab</a:t>
+              </a:r>
+              <a:r>
+                <a:rPr lang="en-US" sz="800" dirty="0" smtClean="0">
+                  <a:solidFill>
+                    <a:srgbClr val="C00000"/>
+                  </a:solidFill>
+                  <a:latin typeface="Source Sans Pro Semibold"/>
+                </a:rPr>
+                <a:t>=</a:t>
+              </a:r>
+              <a:r>
+                <a:rPr lang="en-US" sz="800" b="1" dirty="0" smtClean="0">
                   <a:solidFill>
                     <a:srgbClr val="C00000"/>
                   </a:solidFill>
                   <a:latin typeface="Source Sans Pro Semibold" panose="020B0603030403020204" pitchFamily="34" charset="0"/>
                   <a:cs typeface="Courier New" panose="02070309020205020404" pitchFamily="49" charset="0"/>
                 </a:rPr>
-                <a:t>"</a:t>
-              </a:r>
-              <a:r>
-                <a:rPr lang="en-US" sz="800" dirty="0" smtClean="0">
-                  <a:solidFill>
-                    <a:srgbClr val="C00000"/>
-                  </a:solidFill>
-                  <a:latin typeface="Source Sans Pro Semibold"/>
-                </a:rPr>
-                <a:t>,</a:t>
+                <a:t>"better </a:t>
+              </a:r>
+              <a:r>
+                <a:rPr lang="en-US" sz="800" dirty="0" err="1">
+                  <a:solidFill>
+                    <a:srgbClr val="C00000"/>
+                  </a:solidFill>
+                  <a:latin typeface="Source Sans Pro Semibold"/>
+                </a:rPr>
+                <a:t>E</a:t>
               </a:r>
               <a:r>
                 <a:rPr lang="en-US" sz="800" dirty="0" err="1" smtClean="0">
@@ -10841,53 +11079,16 @@
                   </a:solidFill>
                   <a:latin typeface="Source Sans Pro Semibold"/>
                 </a:rPr>
-                <a:t>xlab</a:t>
-              </a:r>
-              <a:r>
-                <a:rPr lang="en-US" sz="800" dirty="0" smtClean="0">
-                  <a:solidFill>
-                    <a:srgbClr val="C00000"/>
-                  </a:solidFill>
-                  <a:latin typeface="Source Sans Pro Semibold"/>
-                </a:rPr>
-                <a:t>=</a:t>
-              </a:r>
-              <a:r>
-                <a:rPr lang="en-US" sz="800" b="1" dirty="0" smtClean="0">
-                  <a:solidFill>
-                    <a:srgbClr val="C00000"/>
-                  </a:solidFill>
-                  <a:latin typeface="Source Sans Pro Semibold" panose="020B0603030403020204" pitchFamily="34" charset="0"/>
-                  <a:cs typeface="Courier New" panose="02070309020205020404" pitchFamily="49" charset="0"/>
-                </a:rPr>
-                <a:t>"better </a:t>
-              </a:r>
-              <a:r>
-                <a:rPr lang="en-US" sz="800" dirty="0" err="1" smtClean="0">
-                  <a:solidFill>
-                    <a:srgbClr val="C00000"/>
-                  </a:solidFill>
-                  <a:latin typeface="Source Sans Pro Semibold"/>
-                </a:rPr>
-                <a:t>expvar</a:t>
-              </a:r>
-              <a:r>
-                <a:rPr lang="en-US" sz="800" dirty="0" smtClean="0">
-                  <a:solidFill>
-                    <a:srgbClr val="C00000"/>
-                  </a:solidFill>
-                  <a:latin typeface="Source Sans Pro Semibold"/>
-                </a:rPr>
-                <a:t> </a:t>
-              </a:r>
-              <a:r>
-                <a:rPr lang="en-US" sz="800" dirty="0" err="1" smtClean="0">
-                  <a:solidFill>
-                    <a:srgbClr val="C00000"/>
-                  </a:solidFill>
-                  <a:latin typeface="Source Sans Pro Semibold"/>
-                </a:rPr>
-                <a:t>labl</a:t>
+                <a:t>xpl</a:t>
+              </a:r>
+              <a:r>
+                <a:rPr lang="en-US" sz="800" dirty="0" smtClean="0">
+                  <a:solidFill>
+                    <a:srgbClr val="C00000"/>
+                  </a:solidFill>
+                  <a:latin typeface="Source Sans Pro Semibold"/>
+                </a:rPr>
+                <a:t> label</a:t>
               </a:r>
               <a:r>
                 <a:rPr lang="en-US" sz="800" b="1" dirty="0">
@@ -10956,7 +11157,7 @@
         </p:nvGrpSpPr>
         <p:grpSpPr>
           <a:xfrm>
-            <a:off x="3143915" y="60464"/>
+            <a:off x="3105818" y="39299"/>
             <a:ext cx="2926625" cy="3324595"/>
             <a:chOff x="3108295" y="111740"/>
             <a:chExt cx="2926625" cy="3324595"/>
@@ -11680,7 +11881,19 @@
                 <a:rPr lang="en-US" sz="800" dirty="0" smtClean="0">
                   <a:latin typeface="Source Sans Pro Light"/>
                 </a:rPr>
-                <a:t>the quantitative. response variable </a:t>
+                <a:t>the </a:t>
+              </a:r>
+              <a:r>
+                <a:rPr lang="en-US" sz="800" dirty="0" smtClean="0">
+                  <a:latin typeface="Source Sans Pro Light"/>
+                </a:rPr>
+                <a:t>quantitative </a:t>
+              </a:r>
+              <a:r>
+                <a:rPr lang="en-US" sz="800" dirty="0" smtClean="0">
+                  <a:latin typeface="Source Sans Pro Light"/>
+                </a:rPr>
+                <a:t>response variable </a:t>
               </a:r>
               <a:r>
                 <a:rPr lang="en-US" sz="800" dirty="0">
@@ -11947,7 +12160,19 @@
                 <a:rPr lang="en-US" sz="800" dirty="0">
                   <a:latin typeface="Source Sans Pro Light"/>
                 </a:rPr>
-                <a:t>is the confidence level (e.g., 0.95)</a:t>
+                <a:t>is the confidence level </a:t>
+              </a:r>
+              <a:r>
+                <a:rPr lang="en-US" sz="800" dirty="0" smtClean="0">
+                  <a:latin typeface="Source Sans Pro Light"/>
+                </a:rPr>
+                <a:t>as a proportion (e.g</a:t>
+              </a:r>
+              <a:r>
+                <a:rPr lang="en-US" sz="800" dirty="0">
+                  <a:latin typeface="Source Sans Pro Light"/>
+                </a:rPr>
+                <a:t>., 0.95)</a:t>
               </a:r>
             </a:p>
             <a:p>
@@ -11980,16 +12205,16 @@
                 <a:t>is the </a:t>
               </a:r>
               <a:r>
-                <a:rPr lang="en-US" sz="800" dirty="0" err="1">
-                  <a:latin typeface="Source Sans Pro Light"/>
-                </a:rPr>
-                <a:t>popn</a:t>
+                <a:rPr lang="en-US" sz="800" dirty="0" smtClean="0">
+                  <a:latin typeface="Source Sans Pro Light"/>
+                </a:rPr>
+                <a:t>known population </a:t>
               </a:r>
               <a:r>
                 <a:rPr lang="en-US" sz="800" dirty="0">
                   <a:latin typeface="Source Sans Pro Light"/>
                 </a:rPr>
-                <a:t>. standard deviation (</a:t>
+                <a:t>standard deviation (</a:t>
               </a:r>
               <a:r>
                 <a:rPr lang="en-US" sz="800" dirty="0">
@@ -12033,7 +12258,7 @@
             </a:ln>
             <a:extLst>
               <a:ext uri="{C572A759-6A51-4108-AA02-DFA0A04FC94B}">
-                <ma14:wrappingTextBoxFlag xmlns:ma14="http://schemas.microsoft.com/office/mac/drawingml/2011/main" xmlns="" val="1"/>
+                <ma14:wrappingTextBoxFlag xmlns="" xmlns:ma14="http://schemas.microsoft.com/office/mac/drawingml/2011/main" val="1"/>
               </a:ext>
             </a:extLst>
           </p:spPr>
@@ -12150,16 +12375,7 @@
                   </a:solidFill>
                   <a:latin typeface="Source Sans Pro Semibold"/>
                 </a:rPr>
-                <a:t>=mu0,alt=HA</a:t>
-              </a:r>
-              <a:r>
-                <a:rPr lang="en-US" sz="800" dirty="0" smtClean="0">
-                  <a:solidFill>
-                    <a:srgbClr val="C00000"/>
-                  </a:solidFill>
-                  <a:latin typeface="Source Sans Pro Semibold"/>
-                </a:rPr>
-                <a:t>, </a:t>
+                <a:t>=mu0,alt=HA, </a:t>
               </a:r>
               <a:r>
                 <a:rPr lang="en-US" sz="800" dirty="0" err="1" smtClean="0">
@@ -12279,7 +12495,7 @@
                   </a:solidFill>
                   <a:latin typeface="Source Sans Pro Semibold"/>
                 </a:rPr>
-                <a:t>confval</a:t>
+                <a:t>cnfval</a:t>
               </a:r>
               <a:r>
                 <a:rPr lang="en-US" sz="800" dirty="0">
@@ -12302,7 +12518,7 @@
         </p:nvGrpSpPr>
         <p:grpSpPr>
           <a:xfrm>
-            <a:off x="6137888" y="49397"/>
+            <a:off x="6137888" y="36698"/>
             <a:ext cx="2927017" cy="4134578"/>
             <a:chOff x="6137888" y="111740"/>
             <a:chExt cx="2927017" cy="4134578"/>
@@ -12874,7 +13090,13 @@
                 <a:rPr lang="en-US" sz="800" dirty="0">
                   <a:latin typeface="Source Sans Pro Light"/>
                 </a:rPr>
-                <a:t>two-way frequency </a:t>
+                <a:t>two-way </a:t>
+              </a:r>
+              <a:r>
+                <a:rPr lang="en-US" sz="800" dirty="0" smtClean="0">
+                  <a:latin typeface="Source Sans Pro Light"/>
+                </a:rPr>
+                <a:t>frequency table </a:t>
               </a:r>
               <a:r>
                 <a:rPr lang="en-US" sz="800" dirty="0" smtClean="0">
@@ -12910,7 +13132,7 @@
                 <a:t> </a:t>
               </a:r>
               <a:r>
-                <a:rPr lang="en-US" sz="800" dirty="0" err="1">
+                <a:rPr lang="en-US" sz="800" dirty="0" err="1" smtClean="0">
                   <a:solidFill>
                     <a:srgbClr val="C00000"/>
                   </a:solidFill>
@@ -12919,10 +13141,10 @@
                   <a:cs typeface="Source Sans Pro Light"/>
                   <a:sym typeface="Source Sans Pro Light"/>
                 </a:rPr>
-                <a:t>rspvar</a:t>
-              </a:r>
-              <a:r>
-                <a:rPr lang="en-US" sz="800" dirty="0">
+                <a:t>cvarResp</a:t>
+              </a:r>
+              <a:r>
+                <a:rPr lang="en-US" sz="800" dirty="0" smtClean="0">
                   <a:solidFill>
                     <a:srgbClr val="C00000"/>
                   </a:solidFill>
@@ -12940,19 +13162,49 @@
                   <a:cs typeface="Source Sans Pro Light"/>
                   <a:sym typeface="Source Sans Pro Light"/>
                 </a:rPr>
-                <a:t>response variable in columns and the populations in </a:t>
-              </a:r>
-              <a:r>
-                <a:rPr lang="en-US" sz="800" dirty="0" err="1" smtClean="0">
-                  <a:solidFill>
-                    <a:srgbClr val="C00000"/>
-                  </a:solidFill>
-                  <a:latin typeface="Source Sans Pro Semibold"/>
+                <a:t>categorical r</a:t>
+              </a:r>
+              <a:r>
+                <a:rPr lang="en-US" sz="800" dirty="0" smtClean="0">
+                  <a:latin typeface="Source Sans Pro Light"/>
                   <a:ea typeface="Source Sans Pro Light"/>
                   <a:cs typeface="Source Sans Pro Light"/>
                   <a:sym typeface="Source Sans Pro Light"/>
                 </a:rPr>
-                <a:t>popvar</a:t>
+                <a:t>esponse </a:t>
+              </a:r>
+              <a:r>
+                <a:rPr lang="en-US" sz="800" dirty="0" smtClean="0">
+                  <a:latin typeface="Source Sans Pro Light"/>
+                  <a:ea typeface="Source Sans Pro Light"/>
+                  <a:cs typeface="Source Sans Pro Light"/>
+                  <a:sym typeface="Source Sans Pro Light"/>
+                </a:rPr>
+                <a:t>variable in columns and the populations in </a:t>
+              </a:r>
+              <a:r>
+                <a:rPr lang="en-US" sz="800" dirty="0" err="1" smtClean="0">
+                  <a:solidFill>
+                    <a:srgbClr val="C00000"/>
+                  </a:solidFill>
+                  <a:latin typeface="Source Sans Pro Semibold"/>
+                  <a:ea typeface="Source Sans Pro Light"/>
+                  <a:cs typeface="Source Sans Pro Light"/>
+                  <a:sym typeface="Source Sans Pro Light"/>
+                </a:rPr>
+                <a:t>c</a:t>
+              </a:r>
+              <a:r>
+                <a:rPr lang="en-US" sz="800" dirty="0" err="1" smtClean="0">
+                  <a:solidFill>
+                    <a:srgbClr val="C00000"/>
+                  </a:solidFill>
+                  <a:latin typeface="Source Sans Pro Semibold"/>
+                  <a:ea typeface="Source Sans Pro Light"/>
+                  <a:cs typeface="Source Sans Pro Light"/>
+                  <a:sym typeface="Source Sans Pro Light"/>
+                </a:rPr>
+                <a:t>varPop</a:t>
               </a:r>
               <a:r>
                 <a:rPr lang="en-US" sz="800" dirty="0" smtClean="0">
@@ -13020,10 +13272,16 @@
                 <a:t>Extract </a:t>
               </a:r>
               <a:r>
+                <a:rPr lang="en-US" sz="800" dirty="0" smtClean="0">
+                  <a:latin typeface="Source Sans Pro Light"/>
+                </a:rPr>
+                <a:t>expected </a:t>
+              </a:r>
+              <a:r>
                 <a:rPr lang="en-US" sz="800" dirty="0">
                   <a:latin typeface="Source Sans Pro Light"/>
                 </a:rPr>
-                <a:t>the expected values.</a:t>
+                <a:t>values.</a:t>
               </a:r>
             </a:p>
             <a:p>
@@ -13082,7 +13340,7 @@
             </a:ln>
             <a:extLst>
               <a:ext uri="{C572A759-6A51-4108-AA02-DFA0A04FC94B}">
-                <ma14:wrappingTextBoxFlag xmlns:ma14="http://schemas.microsoft.com/office/mac/drawingml/2011/main" xmlns="" val="1"/>
+                <ma14:wrappingTextBoxFlag xmlns="" xmlns:ma14="http://schemas.microsoft.com/office/mac/drawingml/2011/main" val="1"/>
               </a:ext>
             </a:extLst>
           </p:spPr>
@@ -13217,7 +13475,7 @@
                   </a:solidFill>
                   <a:latin typeface="Source Sans Pro Semibold"/>
                 </a:rPr>
-                <a:t>popvar+rspvar,data</a:t>
+                <a:t>cvarPop+cvarResp,data</a:t>
               </a:r>
               <a:r>
                 <a:rPr lang="en-US" sz="800" dirty="0" smtClean="0">
@@ -13430,7 +13688,7 @@
             <a:p>
               <a:pPr algn="l" rtl="0" latinLnBrk="1" hangingPunct="0"/>
               <a:r>
-                <a:rPr lang="en-US" sz="800" dirty="0" err="1" smtClean="0">
+                <a:rPr lang="en-US" sz="800" dirty="0" err="1">
                   <a:solidFill>
                     <a:srgbClr val="C00000"/>
                   </a:solidFill>
@@ -13439,7 +13697,7 @@
                 <a:t>percTable</a:t>
               </a:r>
               <a:r>
-                <a:rPr lang="en-US" sz="800" dirty="0" smtClean="0">
+                <a:rPr lang="en-US" sz="800" dirty="0">
                   <a:solidFill>
                     <a:srgbClr val="C00000"/>
                   </a:solidFill>
@@ -13448,22 +13706,40 @@
                 <a:t>(</a:t>
               </a:r>
               <a:r>
-                <a:rPr lang="en-US" sz="800" dirty="0" err="1" smtClean="0">
-                  <a:solidFill>
-                    <a:srgbClr val="C00000"/>
-                  </a:solidFill>
-                  <a:latin typeface="Source Sans Pro Semibold"/>
-                </a:rPr>
-                <a:t>obstbl,digits</a:t>
-              </a:r>
-              <a:r>
-                <a:rPr lang="en-US" sz="800" dirty="0" smtClean="0">
-                  <a:solidFill>
-                    <a:srgbClr val="C00000"/>
-                  </a:solidFill>
-                  <a:latin typeface="Source Sans Pro Semibold"/>
-                </a:rPr>
-                <a:t>=1,margin=1)       # row percent table</a:t>
+                <a:rPr lang="en-US" sz="800" dirty="0" err="1">
+                  <a:solidFill>
+                    <a:srgbClr val="C00000"/>
+                  </a:solidFill>
+                  <a:latin typeface="Source Sans Pro Semibold"/>
+                </a:rPr>
+                <a:t>obstbl,margin</a:t>
+              </a:r>
+              <a:r>
+                <a:rPr lang="en-US" sz="800" dirty="0">
+                  <a:solidFill>
+                    <a:srgbClr val="C00000"/>
+                  </a:solidFill>
+                  <a:latin typeface="Source Sans Pro Semibold"/>
+                </a:rPr>
+                <a:t>=1,digits=1</a:t>
+              </a:r>
+              <a:r>
+                <a:rPr lang="en-US" sz="800" dirty="0" smtClean="0">
+                  <a:solidFill>
+                    <a:srgbClr val="C00000"/>
+                  </a:solidFill>
+                  <a:latin typeface="Source Sans Pro Semibold"/>
+                </a:rPr>
+                <a:t>)       </a:t>
+              </a:r>
+              <a:r>
+                <a:rPr lang="en-US" sz="800" dirty="0" smtClean="0">
+                  <a:solidFill>
+                    <a:srgbClr val="C00000"/>
+                  </a:solidFill>
+                  <a:latin typeface="Source Sans Pro Semibold"/>
+                </a:rPr>
+                <a:t># row percent table</a:t>
               </a:r>
               <a:endParaRPr lang="en-US" sz="800" dirty="0">
                 <a:solidFill>
@@ -13483,7 +13759,7 @@
         </p:nvGrpSpPr>
         <p:grpSpPr>
           <a:xfrm>
-            <a:off x="80852" y="40658"/>
+            <a:off x="80852" y="36425"/>
             <a:ext cx="2926957" cy="3333333"/>
             <a:chOff x="80852" y="103001"/>
             <a:chExt cx="2926957" cy="3333333"/>
@@ -14147,7 +14423,19 @@
                 <a:rPr lang="en-US" sz="800" dirty="0" smtClean="0">
                   <a:latin typeface="Source Sans Pro Light"/>
                 </a:rPr>
-                <a:t>a percentage provided as </a:t>
+                <a:t>a </a:t>
+              </a:r>
+              <a:r>
+                <a:rPr lang="en-US" sz="800" dirty="0" smtClean="0">
+                  <a:latin typeface="Source Sans Pro Light"/>
+                </a:rPr>
+                <a:t>percentage, but entered </a:t>
+              </a:r>
+              <a:r>
+                <a:rPr lang="en-US" sz="800" dirty="0" smtClean="0">
+                  <a:latin typeface="Source Sans Pro Light"/>
+                </a:rPr>
+                <a:t>as </a:t>
               </a:r>
               <a:r>
                 <a:rPr lang="en-US" sz="800" dirty="0">
@@ -14444,7 +14732,7 @@
             </a:ln>
             <a:extLst>
               <a:ext uri="{C572A759-6A51-4108-AA02-DFA0A04FC94B}">
-                <ma14:wrappingTextBoxFlag xmlns:ma14="http://schemas.microsoft.com/office/mac/drawingml/2011/main" xmlns="" val="1"/>
+                <ma14:wrappingTextBoxFlag xmlns="" xmlns:ma14="http://schemas.microsoft.com/office/mac/drawingml/2011/main" val="1"/>
               </a:ext>
             </a:extLst>
           </p:spPr>
@@ -14597,16 +14885,7 @@
                   </a:solidFill>
                   <a:latin typeface="Source Sans Pro Semibold"/>
                 </a:rPr>
-                <a:t>=FALSE, </a:t>
-              </a:r>
-              <a:r>
-                <a:rPr lang="en-US" sz="800" dirty="0" smtClean="0">
-                  <a:solidFill>
-                    <a:srgbClr val="C00000"/>
-                  </a:solidFill>
-                  <a:latin typeface="Source Sans Pro Semibold"/>
-                </a:rPr>
-                <a:t>type=</a:t>
+                <a:t>=FALSE, type=</a:t>
               </a:r>
               <a:r>
                 <a:rPr lang="en-US" sz="800" b="1" dirty="0">
@@ -14811,7 +15090,7 @@
         </p:nvGrpSpPr>
         <p:grpSpPr>
           <a:xfrm>
-            <a:off x="3132632" y="3486025"/>
+            <a:off x="3103001" y="3486025"/>
             <a:ext cx="2926080" cy="3169174"/>
             <a:chOff x="3132632" y="3548368"/>
             <a:chExt cx="2926080" cy="3169174"/>
@@ -14882,7 +15161,7 @@
                   <a:latin typeface="Courier New" panose="02070309020205020404" pitchFamily="49" charset="0"/>
                   <a:cs typeface="Courier New" panose="02070309020205020404" pitchFamily="49" charset="0"/>
                 </a:rPr>
-                <a:t>HMPG~Domestic,data</a:t>
+                <a:t>HMPG~Manual,data</a:t>
               </a:r>
               <a:r>
                 <a:rPr lang="en-US" sz="600" b="1" dirty="0" smtClean="0">
@@ -14977,14 +15256,14 @@
                   <a:latin typeface="Courier New" panose="02070309020205020404" pitchFamily="49" charset="0"/>
                   <a:cs typeface="Courier New" panose="02070309020205020404" pitchFamily="49" charset="0"/>
                 </a:rPr>
-                <a:t>group  1  5.3595 </a:t>
+                <a:t>group  1  </a:t>
               </a:r>
               <a:r>
                 <a:rPr lang="en-US" sz="600" dirty="0" smtClean="0">
                   <a:latin typeface="Courier New" panose="02070309020205020404" pitchFamily="49" charset="0"/>
                   <a:cs typeface="Courier New" panose="02070309020205020404" pitchFamily="49" charset="0"/>
                 </a:rPr>
-                <a:t>0.02286</a:t>
+                <a:t>7.6663 0.006818</a:t>
               </a:r>
               <a:r>
                 <a:rPr lang="en-US" sz="600" dirty="0">
@@ -15473,16 +15752,16 @@
                 <a:buChar char="•"/>
               </a:pPr>
               <a:r>
-                <a:rPr lang="en-US" sz="800" dirty="0" smtClean="0">
-                  <a:solidFill>
-                    <a:srgbClr val="C00000"/>
-                  </a:solidFill>
-                  <a:latin typeface="Source Sans Pro Semibold"/>
-                </a:rPr>
-                <a:t>mu0</a:t>
-              </a:r>
-              <a:r>
-                <a:rPr lang="en-US" sz="800" dirty="0" smtClean="0">
+                <a:rPr lang="en-US" sz="800" dirty="0" err="1">
+                  <a:solidFill>
+                    <a:srgbClr val="C00000"/>
+                  </a:solidFill>
+                  <a:latin typeface="Source Sans Pro Semibold"/>
+                </a:rPr>
+                <a:t>cvar</a:t>
+              </a:r>
+              <a:r>
+                <a:rPr lang="en-US" sz="800" b="1" dirty="0">
                   <a:latin typeface="Source Sans Pro Light"/>
                 </a:rPr>
                 <a:t> </a:t>
@@ -15491,13 +15770,61 @@
                 <a:rPr lang="en-US" sz="800" dirty="0">
                   <a:latin typeface="Source Sans Pro Light"/>
                 </a:rPr>
-                <a:t>is the population mean in H</a:t>
-              </a:r>
-              <a:r>
-                <a:rPr lang="en-US" sz="800" baseline="-25000" dirty="0">
-                  <a:latin typeface="Source Sans Pro Light"/>
-                </a:rPr>
-                <a:t>0</a:t>
+                <a:t>is </a:t>
+              </a:r>
+              <a:r>
+                <a:rPr lang="en-US" sz="800" dirty="0" smtClean="0">
+                  <a:latin typeface="Source Sans Pro Light"/>
+                </a:rPr>
+                <a:t>the </a:t>
+              </a:r>
+              <a:r>
+                <a:rPr lang="en-US" sz="800" dirty="0">
+                  <a:latin typeface="Source Sans Pro Light"/>
+                </a:rPr>
+                <a:t>categorical </a:t>
+              </a:r>
+              <a:r>
+                <a:rPr lang="en-US" sz="800" dirty="0" smtClean="0">
+                  <a:latin typeface="Source Sans Pro Light"/>
+                </a:rPr>
+                <a:t>variable</a:t>
+              </a:r>
+              <a:r>
+                <a:rPr lang="en-US" sz="800" dirty="0" smtClean="0">
+                  <a:solidFill>
+                    <a:srgbClr val="C00000"/>
+                  </a:solidFill>
+                  <a:latin typeface="Source Sans Pro Semibold"/>
+                </a:rPr>
+                <a:t> </a:t>
+              </a:r>
+              <a:r>
+                <a:rPr lang="en-US" sz="800" dirty="0">
+                  <a:solidFill>
+                    <a:schemeClr val="tx1"/>
+                  </a:solidFill>
+                  <a:latin typeface="Source Sans Pro Semibold"/>
+                </a:rPr>
+                <a:t>that </a:t>
+              </a:r>
+              <a:r>
+                <a:rPr lang="en-US" sz="800" dirty="0" smtClean="0">
+                  <a:solidFill>
+                    <a:schemeClr val="tx1"/>
+                  </a:solidFill>
+                  <a:latin typeface="Source Sans Pro Semibold"/>
+                </a:rPr>
+                <a:t>identifies the two </a:t>
+              </a:r>
+              <a:r>
+                <a:rPr lang="en-US" sz="800" dirty="0">
+                  <a:solidFill>
+                    <a:schemeClr val="tx1"/>
+                  </a:solidFill>
+                  <a:latin typeface="Source Sans Pro Semibold"/>
+                </a:rPr>
+                <a:t>groups</a:t>
               </a:r>
             </a:p>
             <a:p>
@@ -15515,169 +15842,25 @@
                   </a:solidFill>
                   <a:latin typeface="Source Sans Pro Semibold"/>
                 </a:rPr>
-                <a:t>HA</a:t>
-              </a:r>
-              <a:r>
-                <a:rPr lang="en-US" sz="800" dirty="0" smtClean="0">
-                  <a:latin typeface="Source Sans Pro Light"/>
-                </a:rPr>
-                <a:t> is replaced with </a:t>
-              </a:r>
-              <a:r>
-                <a:rPr lang="en-US" sz="800" b="1" dirty="0">
-                  <a:solidFill>
-                    <a:srgbClr val="C00000"/>
-                  </a:solidFill>
-                  <a:latin typeface="Source Sans Pro Semibold" panose="020B0603030403020204" pitchFamily="34" charset="0"/>
-                  <a:cs typeface="Courier New" panose="02070309020205020404" pitchFamily="49" charset="0"/>
-                </a:rPr>
-                <a:t>"</a:t>
-              </a:r>
-              <a:r>
-                <a:rPr lang="en-US" sz="800" dirty="0" err="1" smtClean="0">
-                  <a:solidFill>
-                    <a:srgbClr val="C00000"/>
-                  </a:solidFill>
-                  <a:latin typeface="Source Sans Pro Semibold"/>
-                </a:rPr>
-                <a:t>two.sided</a:t>
-              </a:r>
-              <a:r>
-                <a:rPr lang="en-US" sz="800" b="1" dirty="0">
-                  <a:solidFill>
-                    <a:srgbClr val="C00000"/>
-                  </a:solidFill>
-                  <a:latin typeface="Source Sans Pro Semibold" panose="020B0603030403020204" pitchFamily="34" charset="0"/>
-                  <a:cs typeface="Courier New" panose="02070309020205020404" pitchFamily="49" charset="0"/>
-                </a:rPr>
-                <a:t>"</a:t>
-              </a:r>
-              <a:r>
-                <a:rPr lang="en-US" sz="800" dirty="0" smtClean="0">
-                  <a:solidFill>
-                    <a:srgbClr val="C00000"/>
-                  </a:solidFill>
+                <a:t>mu0</a:t>
+              </a:r>
+              <a:r>
+                <a:rPr lang="en-US" sz="800" dirty="0" smtClean="0">
                   <a:latin typeface="Source Sans Pro Light"/>
                 </a:rPr>
                 <a:t> </a:t>
               </a:r>
               <a:r>
-                <a:rPr lang="en-US" sz="800" dirty="0" smtClean="0">
-                  <a:latin typeface="Source Sans Pro Light"/>
-                </a:rPr>
-                <a:t>for a not equals, </a:t>
-              </a:r>
-              <a:r>
-                <a:rPr lang="en-US" sz="800" b="1" dirty="0">
-                  <a:solidFill>
-                    <a:srgbClr val="C00000"/>
-                  </a:solidFill>
-                  <a:latin typeface="Source Sans Pro Semibold" panose="020B0603030403020204" pitchFamily="34" charset="0"/>
-                  <a:cs typeface="Courier New" panose="02070309020205020404" pitchFamily="49" charset="0"/>
-                </a:rPr>
-                <a:t>"</a:t>
-              </a:r>
-              <a:r>
-                <a:rPr lang="en-US" sz="800" dirty="0" smtClean="0">
-                  <a:solidFill>
-                    <a:srgbClr val="C00000"/>
-                  </a:solidFill>
-                  <a:latin typeface="Source Sans Pro Semibold"/>
-                </a:rPr>
-                <a:t>less</a:t>
-              </a:r>
-              <a:r>
-                <a:rPr lang="en-US" sz="800" b="1" dirty="0">
-                  <a:solidFill>
-                    <a:srgbClr val="C00000"/>
-                  </a:solidFill>
-                  <a:latin typeface="Source Sans Pro Semibold" panose="020B0603030403020204" pitchFamily="34" charset="0"/>
-                  <a:cs typeface="Courier New" panose="02070309020205020404" pitchFamily="49" charset="0"/>
-                </a:rPr>
-                <a:t>"</a:t>
-              </a:r>
-              <a:r>
-                <a:rPr lang="en-US" sz="800" dirty="0" smtClean="0">
-                  <a:solidFill>
-                    <a:srgbClr val="C00000"/>
-                  </a:solidFill>
-                  <a:latin typeface="Source Sans Pro Light"/>
-                </a:rPr>
-                <a:t> </a:t>
-              </a:r>
-              <a:r>
-                <a:rPr lang="en-US" sz="800" dirty="0" smtClean="0">
-                  <a:latin typeface="Source Sans Pro Light"/>
-                </a:rPr>
-                <a:t>for a less than, </a:t>
-              </a:r>
-              <a:r>
                 <a:rPr lang="en-US" sz="800" dirty="0">
                   <a:latin typeface="Source Sans Pro Light"/>
                 </a:rPr>
-                <a:t>or </a:t>
-              </a:r>
-              <a:r>
-                <a:rPr lang="en-US" sz="800" b="1" dirty="0">
-                  <a:solidFill>
-                    <a:srgbClr val="C00000"/>
-                  </a:solidFill>
-                  <a:latin typeface="Source Sans Pro Semibold" panose="020B0603030403020204" pitchFamily="34" charset="0"/>
-                  <a:cs typeface="Courier New" panose="02070309020205020404" pitchFamily="49" charset="0"/>
-                </a:rPr>
-                <a:t>"</a:t>
-              </a:r>
-              <a:r>
-                <a:rPr lang="en-US" sz="800" dirty="0" smtClean="0">
-                  <a:solidFill>
-                    <a:srgbClr val="C00000"/>
-                  </a:solidFill>
-                  <a:latin typeface="Source Sans Pro Semibold"/>
-                </a:rPr>
-                <a:t>greater</a:t>
-              </a:r>
-              <a:r>
-                <a:rPr lang="en-US" sz="800" b="1" dirty="0">
-                  <a:solidFill>
-                    <a:srgbClr val="C00000"/>
-                  </a:solidFill>
-                  <a:latin typeface="Source Sans Pro Semibold" panose="020B0603030403020204" pitchFamily="34" charset="0"/>
-                  <a:cs typeface="Courier New" panose="02070309020205020404" pitchFamily="49" charset="0"/>
-                </a:rPr>
-                <a:t>"</a:t>
-              </a:r>
-              <a:r>
-                <a:rPr lang="en-US" sz="800" dirty="0" smtClean="0">
-                  <a:solidFill>
-                    <a:srgbClr val="C00000"/>
-                  </a:solidFill>
-                  <a:latin typeface="Source Sans Pro Light"/>
-                </a:rPr>
-                <a:t> </a:t>
-              </a:r>
-              <a:r>
-                <a:rPr lang="en-US" sz="800" dirty="0">
-                  <a:latin typeface="Source Sans Pro Light"/>
-                </a:rPr>
-                <a:t>for </a:t>
-              </a:r>
-              <a:r>
-                <a:rPr lang="en-US" sz="800" dirty="0" smtClean="0">
-                  <a:latin typeface="Source Sans Pro Light"/>
-                </a:rPr>
-                <a:t>a </a:t>
-              </a:r>
-              <a:r>
-                <a:rPr lang="en-US" sz="800" dirty="0">
-                  <a:latin typeface="Source Sans Pro Light"/>
-                </a:rPr>
-                <a:t>greater than H</a:t>
+                <a:t>is the population mean in H</a:t>
               </a:r>
               <a:r>
                 <a:rPr lang="en-US" sz="800" baseline="-25000" dirty="0">
                   <a:latin typeface="Source Sans Pro Light"/>
                 </a:rPr>
-                <a:t>A</a:t>
+                <a:t>0</a:t>
               </a:r>
             </a:p>
             <a:p>
@@ -15689,25 +15872,175 @@
                 <a:buChar char="•"/>
               </a:pPr>
               <a:r>
+                <a:rPr lang="en-US" sz="800" dirty="0" smtClean="0">
+                  <a:solidFill>
+                    <a:srgbClr val="C00000"/>
+                  </a:solidFill>
+                  <a:latin typeface="Source Sans Pro Semibold"/>
+                </a:rPr>
+                <a:t>HA</a:t>
+              </a:r>
+              <a:r>
+                <a:rPr lang="en-US" sz="800" dirty="0" smtClean="0">
+                  <a:latin typeface="Source Sans Pro Light"/>
+                </a:rPr>
+                <a:t> is replaced with </a:t>
+              </a:r>
+              <a:r>
+                <a:rPr lang="en-US" sz="800" b="1" dirty="0">
+                  <a:solidFill>
+                    <a:srgbClr val="C00000"/>
+                  </a:solidFill>
+                  <a:latin typeface="Source Sans Pro Semibold" panose="020B0603030403020204" pitchFamily="34" charset="0"/>
+                  <a:cs typeface="Courier New" panose="02070309020205020404" pitchFamily="49" charset="0"/>
+                </a:rPr>
+                <a:t>"</a:t>
+              </a:r>
+              <a:r>
                 <a:rPr lang="en-US" sz="800" dirty="0" err="1" smtClean="0">
                   <a:solidFill>
                     <a:srgbClr val="C00000"/>
                   </a:solidFill>
                   <a:latin typeface="Source Sans Pro Semibold"/>
                 </a:rPr>
-                <a:t>cnfval</a:t>
-              </a:r>
-              <a:r>
-                <a:rPr lang="en-US" sz="800" dirty="0" smtClean="0">
+                <a:t>two.sided</a:t>
+              </a:r>
+              <a:r>
+                <a:rPr lang="en-US" sz="800" b="1" dirty="0">
+                  <a:solidFill>
+                    <a:srgbClr val="C00000"/>
+                  </a:solidFill>
+                  <a:latin typeface="Source Sans Pro Semibold" panose="020B0603030403020204" pitchFamily="34" charset="0"/>
+                  <a:cs typeface="Courier New" panose="02070309020205020404" pitchFamily="49" charset="0"/>
+                </a:rPr>
+                <a:t>"</a:t>
+              </a:r>
+              <a:r>
+                <a:rPr lang="en-US" sz="800" dirty="0" smtClean="0">
+                  <a:solidFill>
+                    <a:srgbClr val="C00000"/>
+                  </a:solidFill>
                   <a:latin typeface="Source Sans Pro Light"/>
                 </a:rPr>
                 <a:t> </a:t>
               </a:r>
               <a:r>
+                <a:rPr lang="en-US" sz="800" dirty="0" smtClean="0">
+                  <a:latin typeface="Source Sans Pro Light"/>
+                </a:rPr>
+                <a:t>for a not equals, </a:t>
+              </a:r>
+              <a:r>
+                <a:rPr lang="en-US" sz="800" b="1" dirty="0">
+                  <a:solidFill>
+                    <a:srgbClr val="C00000"/>
+                  </a:solidFill>
+                  <a:latin typeface="Source Sans Pro Semibold" panose="020B0603030403020204" pitchFamily="34" charset="0"/>
+                  <a:cs typeface="Courier New" panose="02070309020205020404" pitchFamily="49" charset="0"/>
+                </a:rPr>
+                <a:t>"</a:t>
+              </a:r>
+              <a:r>
+                <a:rPr lang="en-US" sz="800" dirty="0" smtClean="0">
+                  <a:solidFill>
+                    <a:srgbClr val="C00000"/>
+                  </a:solidFill>
+                  <a:latin typeface="Source Sans Pro Semibold"/>
+                </a:rPr>
+                <a:t>less</a:t>
+              </a:r>
+              <a:r>
+                <a:rPr lang="en-US" sz="800" b="1" dirty="0">
+                  <a:solidFill>
+                    <a:srgbClr val="C00000"/>
+                  </a:solidFill>
+                  <a:latin typeface="Source Sans Pro Semibold" panose="020B0603030403020204" pitchFamily="34" charset="0"/>
+                  <a:cs typeface="Courier New" panose="02070309020205020404" pitchFamily="49" charset="0"/>
+                </a:rPr>
+                <a:t>"</a:t>
+              </a:r>
+              <a:r>
+                <a:rPr lang="en-US" sz="800" dirty="0" smtClean="0">
+                  <a:solidFill>
+                    <a:srgbClr val="C00000"/>
+                  </a:solidFill>
+                  <a:latin typeface="Source Sans Pro Light"/>
+                </a:rPr>
+                <a:t> </a:t>
+              </a:r>
+              <a:r>
+                <a:rPr lang="en-US" sz="800" dirty="0" smtClean="0">
+                  <a:latin typeface="Source Sans Pro Light"/>
+                </a:rPr>
+                <a:t>for a less than, </a:t>
+              </a:r>
+              <a:r>
                 <a:rPr lang="en-US" sz="800" dirty="0">
                   <a:latin typeface="Source Sans Pro Light"/>
                 </a:rPr>
-                <a:t>is the confidence level (e.g., 0.95)</a:t>
+                <a:t>or </a:t>
+              </a:r>
+              <a:r>
+                <a:rPr lang="en-US" sz="800" b="1" dirty="0">
+                  <a:solidFill>
+                    <a:srgbClr val="C00000"/>
+                  </a:solidFill>
+                  <a:latin typeface="Source Sans Pro Semibold" panose="020B0603030403020204" pitchFamily="34" charset="0"/>
+                  <a:cs typeface="Courier New" panose="02070309020205020404" pitchFamily="49" charset="0"/>
+                </a:rPr>
+                <a:t>"</a:t>
+              </a:r>
+              <a:r>
+                <a:rPr lang="en-US" sz="800" dirty="0" smtClean="0">
+                  <a:solidFill>
+                    <a:srgbClr val="C00000"/>
+                  </a:solidFill>
+                  <a:latin typeface="Source Sans Pro Semibold"/>
+                </a:rPr>
+                <a:t>greater</a:t>
+              </a:r>
+              <a:r>
+                <a:rPr lang="en-US" sz="800" b="1" dirty="0">
+                  <a:solidFill>
+                    <a:srgbClr val="C00000"/>
+                  </a:solidFill>
+                  <a:latin typeface="Source Sans Pro Semibold" panose="020B0603030403020204" pitchFamily="34" charset="0"/>
+                  <a:cs typeface="Courier New" panose="02070309020205020404" pitchFamily="49" charset="0"/>
+                </a:rPr>
+                <a:t>"</a:t>
+              </a:r>
+              <a:r>
+                <a:rPr lang="en-US" sz="800" dirty="0" smtClean="0">
+                  <a:solidFill>
+                    <a:srgbClr val="C00000"/>
+                  </a:solidFill>
+                  <a:latin typeface="Source Sans Pro Light"/>
+                </a:rPr>
+                <a:t> </a:t>
+              </a:r>
+              <a:r>
+                <a:rPr lang="en-US" sz="800" dirty="0">
+                  <a:latin typeface="Source Sans Pro Light"/>
+                </a:rPr>
+                <a:t>for </a:t>
+              </a:r>
+              <a:r>
+                <a:rPr lang="en-US" sz="800" dirty="0" smtClean="0">
+                  <a:latin typeface="Source Sans Pro Light"/>
+                </a:rPr>
+                <a:t>a </a:t>
+              </a:r>
+              <a:r>
+                <a:rPr lang="en-US" sz="800" dirty="0">
+                  <a:latin typeface="Source Sans Pro Light"/>
+                </a:rPr>
+                <a:t>greater than H</a:t>
+              </a:r>
+              <a:r>
+                <a:rPr lang="en-US" sz="800" baseline="-25000" dirty="0">
+                  <a:latin typeface="Source Sans Pro Light"/>
+                </a:rPr>
+                <a:t>A</a:t>
               </a:r>
             </a:p>
             <a:p>
@@ -15719,25 +16052,16 @@
                 <a:buChar char="•"/>
               </a:pPr>
               <a:r>
-                <a:rPr lang="en-US" sz="800" dirty="0" err="1">
-                  <a:solidFill>
-                    <a:srgbClr val="C00000"/>
-                  </a:solidFill>
-                  <a:latin typeface="Source Sans Pro Semibold"/>
-                </a:rPr>
-                <a:t>c</a:t>
-              </a:r>
-              <a:r>
                 <a:rPr lang="en-US" sz="800" dirty="0" err="1" smtClean="0">
                   <a:solidFill>
                     <a:srgbClr val="C00000"/>
                   </a:solidFill>
                   <a:latin typeface="Source Sans Pro Semibold"/>
                 </a:rPr>
-                <a:t>var</a:t>
-              </a:r>
-              <a:r>
-                <a:rPr lang="en-US" sz="800" b="1" dirty="0" smtClean="0">
+                <a:t>cnfval</a:t>
+              </a:r>
+              <a:r>
+                <a:rPr lang="en-US" sz="800" dirty="0" smtClean="0">
                   <a:latin typeface="Source Sans Pro Light"/>
                 </a:rPr>
                 <a:t> </a:t>
@@ -15746,62 +16070,20 @@
                 <a:rPr lang="en-US" sz="800" dirty="0">
                   <a:latin typeface="Source Sans Pro Light"/>
                 </a:rPr>
-                <a:t>is </a:t>
-              </a:r>
-              <a:r>
-                <a:rPr lang="en-US" sz="800" dirty="0" smtClean="0">
-                  <a:latin typeface="Source Sans Pro Light"/>
-                </a:rPr>
-                <a:t>a categorical </a:t>
+                <a:t>is the confidence </a:t>
               </a:r>
               <a:r>
                 <a:rPr lang="en-US" sz="800" dirty="0">
                   <a:latin typeface="Source Sans Pro Light"/>
                 </a:rPr>
-                <a:t>variable in</a:t>
+                <a:t>level as a proportion </a:t>
               </a:r>
               <a:r>
                 <a:rPr lang="en-US" sz="800" dirty="0">
-                  <a:solidFill>
-                    <a:srgbClr val="C00000"/>
-                  </a:solidFill>
-                  <a:latin typeface="Source Sans Pro Light"/>
-                </a:rPr>
-                <a:t> </a:t>
-              </a:r>
-              <a:r>
-                <a:rPr lang="en-US" sz="800" dirty="0" err="1" smtClean="0">
-                  <a:solidFill>
-                    <a:srgbClr val="C00000"/>
-                  </a:solidFill>
-                  <a:latin typeface="Source Sans Pro Semibold"/>
-                </a:rPr>
-                <a:t>dfobj</a:t>
-              </a:r>
-              <a:r>
-                <a:rPr lang="en-US" sz="800" dirty="0" smtClean="0">
-                  <a:solidFill>
-                    <a:srgbClr val="C00000"/>
-                  </a:solidFill>
-                  <a:latin typeface="Source Sans Pro Semibold"/>
-                </a:rPr>
-                <a:t> </a:t>
-              </a:r>
-              <a:r>
-                <a:rPr lang="en-US" sz="800" dirty="0" smtClean="0">
-                  <a:solidFill>
-                    <a:schemeClr val="tx1"/>
-                  </a:solidFill>
-                  <a:latin typeface="Source Sans Pro Semibold"/>
-                </a:rPr>
-                <a:t>that identifies the groups</a:t>
-              </a:r>
-              <a:endParaRPr lang="en-US" sz="800" dirty="0">
-                <a:solidFill>
-                  <a:schemeClr val="tx1"/>
-                </a:solidFill>
-                <a:latin typeface="Source Sans Pro Semibold"/>
-              </a:endParaRPr>
+                  <a:latin typeface="Source Sans Pro Light"/>
+                </a:rPr>
+                <a:t>(e.g., 0.95)</a:t>
+              </a:r>
             </a:p>
             <a:p>
               <a:pPr marL="62643" indent="-60903" algn="l">
@@ -15836,7 +16118,16 @@
                   </a:solidFill>
                   <a:latin typeface="Source Sans Pro Light"/>
                 </a:rPr>
-                <a:t> if the </a:t>
+                <a:t> </a:t>
+              </a:r>
+              <a:r>
+                <a:rPr lang="en-US" sz="800" dirty="0" smtClean="0">
+                  <a:solidFill>
+                    <a:schemeClr val="tx1"/>
+                  </a:solidFill>
+                  <a:latin typeface="Source Sans Pro Light"/>
+                </a:rPr>
+                <a:t>if the </a:t>
               </a:r>
               <a:r>
                 <a:rPr lang="en-US" sz="800" dirty="0" err="1" smtClean="0">
@@ -16147,7 +16438,7 @@
             </a:ln>
             <a:extLst>
               <a:ext uri="{C572A759-6A51-4108-AA02-DFA0A04FC94B}">
-                <ma14:wrappingTextBoxFlag xmlns:ma14="http://schemas.microsoft.com/office/mac/drawingml/2011/main" xmlns="" val="1"/>
+                <ma14:wrappingTextBoxFlag xmlns="" xmlns:ma14="http://schemas.microsoft.com/office/mac/drawingml/2011/main" val="1"/>
               </a:ext>
             </a:extLst>
           </p:spPr>
@@ -16252,10 +16543,10 @@
                 <a:t>Goodness-of-fit for one-way </a:t>
               </a:r>
               <a:r>
-                <a:rPr lang="en-US" sz="800" dirty="0">
-                  <a:latin typeface="Source Sans Pro Light"/>
-                </a:rPr>
-                <a:t>frequency </a:t>
+                <a:rPr lang="en-US" sz="800" dirty="0" smtClean="0">
+                  <a:latin typeface="Source Sans Pro Light"/>
+                </a:rPr>
+                <a:t>frequency table </a:t>
               </a:r>
               <a:r>
                 <a:rPr lang="en-US" sz="800" dirty="0" smtClean="0">
@@ -16365,7 +16656,7 @@
                 <a:rPr lang="en-US" sz="800" dirty="0">
                   <a:latin typeface="Source Sans Pro Light"/>
                 </a:rPr>
-                <a:t>the expected values.</a:t>
+                <a:t>expected values.</a:t>
               </a:r>
             </a:p>
             <a:p>
@@ -16424,7 +16715,7 @@
             </a:ln>
             <a:extLst>
               <a:ext uri="{C572A759-6A51-4108-AA02-DFA0A04FC94B}">
-                <ma14:wrappingTextBoxFlag xmlns:ma14="http://schemas.microsoft.com/office/mac/drawingml/2011/main" xmlns="" val="1"/>
+                <ma14:wrappingTextBoxFlag xmlns="" xmlns:ma14="http://schemas.microsoft.com/office/mac/drawingml/2011/main" val="1"/>
               </a:ext>
             </a:extLst>
           </p:spPr>
@@ -16541,7 +16832,25 @@
                   </a:solidFill>
                   <a:latin typeface="Source Sans Pro Semibold"/>
                 </a:rPr>
-                <a:t>c(lvl1=##,lvl2=##,lvl3=##) )         # if summarized data</a:t>
+                <a:t>c(lvl1=##,lvl2=##,lvl3=##) )         </a:t>
+              </a:r>
+              <a:r>
+                <a:rPr lang="en-US" sz="800" dirty="0" smtClean="0">
+                  <a:solidFill>
+                    <a:srgbClr val="C00000"/>
+                  </a:solidFill>
+                  <a:latin typeface="Source Sans Pro Semibold"/>
+                </a:rPr>
+                <a:t>  # </a:t>
+              </a:r>
+              <a:r>
+                <a:rPr lang="en-US" sz="800" dirty="0" smtClean="0">
+                  <a:solidFill>
+                    <a:srgbClr val="C00000"/>
+                  </a:solidFill>
+                  <a:latin typeface="Source Sans Pro Semibold"/>
+                </a:rPr>
+                <a:t>if summarized data</a:t>
               </a:r>
             </a:p>
             <a:p>
@@ -16598,7 +16907,16 @@
                   </a:solidFill>
                   <a:latin typeface="Source Sans Pro Semibold"/>
                 </a:rPr>
-                <a:t>popvar+rspvar,data</a:t>
+                <a:t>cvarResp</a:t>
+              </a:r>
+              <a:r>
+                <a:rPr lang="en-US" sz="800" dirty="0" err="1" smtClean="0">
+                  <a:solidFill>
+                    <a:srgbClr val="C00000"/>
+                  </a:solidFill>
+                  <a:latin typeface="Source Sans Pro Semibold"/>
+                </a:rPr>
+                <a:t>,data</a:t>
               </a:r>
               <a:r>
                 <a:rPr lang="en-US" sz="800" dirty="0" smtClean="0">
@@ -16625,7 +16943,25 @@
                   </a:solidFill>
                   <a:latin typeface="Source Sans Pro Semibold"/>
                 </a:rPr>
-                <a:t>) )        # if raw data</a:t>
+                <a:t>) )    </a:t>
+              </a:r>
+              <a:r>
+                <a:rPr lang="en-US" sz="800" dirty="0" smtClean="0">
+                  <a:solidFill>
+                    <a:srgbClr val="C00000"/>
+                  </a:solidFill>
+                  <a:latin typeface="Source Sans Pro Semibold"/>
+                </a:rPr>
+                <a:t># </a:t>
+              </a:r>
+              <a:r>
+                <a:rPr lang="en-US" sz="800" dirty="0" smtClean="0">
+                  <a:solidFill>
+                    <a:srgbClr val="C00000"/>
+                  </a:solidFill>
+                  <a:latin typeface="Source Sans Pro Semibold"/>
+                </a:rPr>
+                <a:t>if raw data</a:t>
               </a:r>
             </a:p>
             <a:p>

--- a/resources/MTH107-RGuide.pptx
+++ b/resources/MTH107-RGuide.pptx
@@ -1312,7 +1312,7 @@
           </a:ln>
           <a:extLst>
             <a:ext uri="{C572A759-6A51-4108-AA02-DFA0A04FC94B}">
-              <ma14:wrappingTextBoxFlag xmlns="" xmlns:ma14="http://schemas.microsoft.com/office/mac/drawingml/2011/main" val="1"/>
+              <ma14:wrappingTextBoxFlag xmlns:ma14="http://schemas.microsoft.com/office/mac/drawingml/2011/main" xmlns="" val="1"/>
             </a:ext>
           </a:extLst>
         </p:spPr>
@@ -1355,7 +1355,7 @@
           </a:ln>
           <a:extLst>
             <a:ext uri="{C572A759-6A51-4108-AA02-DFA0A04FC94B}">
-              <ma14:wrappingTextBoxFlag xmlns="" xmlns:ma14="http://schemas.microsoft.com/office/mac/drawingml/2011/main" val="1"/>
+              <ma14:wrappingTextBoxFlag xmlns:ma14="http://schemas.microsoft.com/office/mac/drawingml/2011/main" xmlns="" val="1"/>
             </a:ext>
           </a:extLst>
         </p:spPr>
@@ -2553,13 +2553,7 @@
                 <a:rPr lang="en-US" sz="800" dirty="0" smtClean="0">
                   <a:latin typeface="Source Sans Pro Light"/>
                 </a:rPr>
-                <a:t> and put </a:t>
-              </a:r>
-              <a:r>
-                <a:rPr lang="en-US" sz="800" dirty="0" smtClean="0">
-                  <a:latin typeface="Source Sans Pro Light"/>
-                </a:rPr>
-                <a:t>in the </a:t>
+                <a:t> and put in the </a:t>
               </a:r>
               <a:r>
                 <a:rPr lang="en-US" sz="800" dirty="0" err="1" smtClean="0">
@@ -3227,19 +3221,7 @@
                 <a:rPr lang="en-US" sz="800" dirty="0" smtClean="0">
                   <a:latin typeface="Source Sans Pro Light"/>
                 </a:rPr>
-                <a:t> replaced by a number or category </a:t>
-              </a:r>
-              <a:r>
-                <a:rPr lang="en-US" sz="800" dirty="0" smtClean="0">
-                  <a:latin typeface="Source Sans Pro Light"/>
-                </a:rPr>
-                <a:t>name </a:t>
-              </a:r>
-              <a:r>
-                <a:rPr lang="en-US" sz="800" dirty="0" smtClean="0">
-                  <a:latin typeface="Source Sans Pro Light"/>
-                </a:rPr>
-                <a:t>(</a:t>
+                <a:t> replaced by a number or category name (</a:t>
               </a:r>
               <a:r>
                 <a:rPr lang="en-US" sz="800" i="1" dirty="0" smtClean="0">
@@ -3304,7 +3286,7 @@
             </a:ln>
             <a:extLst>
               <a:ext uri="{C572A759-6A51-4108-AA02-DFA0A04FC94B}">
-                <ma14:wrappingTextBoxFlag xmlns="" xmlns:ma14="http://schemas.microsoft.com/office/mac/drawingml/2011/main" val="1"/>
+                <ma14:wrappingTextBoxFlag xmlns:ma14="http://schemas.microsoft.com/office/mac/drawingml/2011/main" xmlns="" val="1"/>
               </a:ext>
             </a:extLst>
           </p:spPr>
@@ -4624,16 +4606,7 @@
                   <a:cs typeface="Source Sans Pro Light"/>
                   <a:sym typeface="Source Sans Pro Light"/>
                 </a:rPr>
-                <a:t> into</a:t>
-              </a:r>
-              <a:r>
-                <a:rPr lang="en-US" sz="800" dirty="0" smtClean="0">
-                  <a:latin typeface="Source Sans Pro Light"/>
-                  <a:ea typeface="Source Sans Pro Light"/>
-                  <a:cs typeface="Source Sans Pro Light"/>
-                  <a:sym typeface="Source Sans Pro Light"/>
-                </a:rPr>
-                <a:t> </a:t>
+                <a:t> into </a:t>
               </a:r>
               <a:r>
                 <a:rPr lang="en-US" sz="800" dirty="0" err="1" smtClean="0">
@@ -4793,7 +4766,7 @@
             </a:ln>
             <a:extLst>
               <a:ext uri="{C572A759-6A51-4108-AA02-DFA0A04FC94B}">
-                <ma14:wrappingTextBoxFlag xmlns="" xmlns:ma14="http://schemas.microsoft.com/office/mac/drawingml/2011/main" val="1"/>
+                <ma14:wrappingTextBoxFlag xmlns:ma14="http://schemas.microsoft.com/office/mac/drawingml/2011/main" xmlns="" val="1"/>
               </a:ext>
             </a:extLst>
           </p:spPr>
@@ -6282,7 +6255,7 @@
             </a:ln>
             <a:extLst>
               <a:ext uri="{C572A759-6A51-4108-AA02-DFA0A04FC94B}">
-                <ma14:wrappingTextBoxFlag xmlns="" xmlns:ma14="http://schemas.microsoft.com/office/mac/drawingml/2011/main" val="1"/>
+                <ma14:wrappingTextBoxFlag xmlns:ma14="http://schemas.microsoft.com/office/mac/drawingml/2011/main" xmlns="" val="1"/>
               </a:ext>
             </a:extLst>
           </p:spPr>
@@ -6535,16 +6508,7 @@
                   </a:solidFill>
                   <a:latin typeface="Source Sans Pro Semibold"/>
                 </a:rPr>
-                <a:t> </a:t>
-              </a:r>
-              <a:r>
-                <a:rPr lang="en-US" sz="800" dirty="0" smtClean="0">
-                  <a:solidFill>
-                    <a:srgbClr val="C00000"/>
-                  </a:solidFill>
-                  <a:latin typeface="Source Sans Pro Semibold"/>
-                </a:rPr>
-                <a:t>label</a:t>
+                <a:t> label</a:t>
               </a:r>
               <a:r>
                 <a:rPr lang="en-US" sz="800" b="1" dirty="0" smtClean="0">
@@ -7046,13 +7010,6 @@
                 </a:rPr>
                 <a:t>(freq2,digits=1,margin=1)</a:t>
               </a:r>
-              <a:endParaRPr lang="en-US" sz="600" b="1" dirty="0">
-                <a:solidFill>
-                  <a:srgbClr val="C00000"/>
-                </a:solidFill>
-                <a:latin typeface="Courier New" panose="02070309020205020404" pitchFamily="49" charset="0"/>
-                <a:cs typeface="Courier New" panose="02070309020205020404" pitchFamily="49" charset="0"/>
-              </a:endParaRPr>
             </a:p>
             <a:p>
               <a:pPr algn="l" latinLnBrk="1"/>
@@ -7160,13 +7117,6 @@
                 </a:rPr>
                 <a:t>(freq2,digits=1,margin=2)</a:t>
               </a:r>
-              <a:endParaRPr lang="en-US" sz="600" b="1" dirty="0">
-                <a:solidFill>
-                  <a:srgbClr val="C00000"/>
-                </a:solidFill>
-                <a:latin typeface="Courier New" panose="02070309020205020404" pitchFamily="49" charset="0"/>
-                <a:cs typeface="Courier New" panose="02070309020205020404" pitchFamily="49" charset="0"/>
-              </a:endParaRPr>
             </a:p>
             <a:p>
               <a:pPr algn="l" latinLnBrk="1"/>
@@ -7487,7 +7437,7 @@
             </a:ln>
             <a:extLst>
               <a:ext uri="{C572A759-6A51-4108-AA02-DFA0A04FC94B}">
-                <ma14:wrappingTextBoxFlag xmlns="" xmlns:ma14="http://schemas.microsoft.com/office/mac/drawingml/2011/main" val="1"/>
+                <ma14:wrappingTextBoxFlag xmlns:ma14="http://schemas.microsoft.com/office/mac/drawingml/2011/main" xmlns="" val="1"/>
               </a:ext>
             </a:extLst>
           </p:spPr>
@@ -7661,16 +7611,7 @@
                   </a:solidFill>
                   <a:latin typeface="Source Sans Pro Semibold"/>
                 </a:rPr>
-                <a:t>(freq2,digits=1</a:t>
-              </a:r>
-              <a:r>
-                <a:rPr lang="en-US" sz="800" dirty="0" smtClean="0">
-                  <a:solidFill>
-                    <a:srgbClr val="C00000"/>
-                  </a:solidFill>
-                  <a:latin typeface="Source Sans Pro Semibold"/>
-                </a:rPr>
-                <a:t>)                               </a:t>
+                <a:t>(freq2,digits=1)                               </a:t>
               </a:r>
               <a:r>
                 <a:rPr lang="en-US" sz="800" dirty="0">
@@ -8095,16 +8036,7 @@
                   <a:cs typeface="Source Sans Pro Light"/>
                   <a:sym typeface="Source Sans Pro Light"/>
                 </a:rPr>
-                <a:t>Histograms and s</a:t>
-              </a:r>
-              <a:r>
-                <a:rPr lang="en-US" sz="800" dirty="0" smtClean="0">
-                  <a:latin typeface="Source Sans Pro Light"/>
-                  <a:ea typeface="Source Sans Pro Light"/>
-                  <a:cs typeface="Source Sans Pro Light"/>
-                  <a:sym typeface="Source Sans Pro Light"/>
-                </a:rPr>
-                <a:t>ummary </a:t>
+                <a:t>Histograms and summary </a:t>
               </a:r>
               <a:r>
                 <a:rPr lang="en-US" sz="800" dirty="0">
@@ -8545,7 +8477,7 @@
                   <a:latin typeface="Courier New" panose="02070309020205020404" pitchFamily="49" charset="0"/>
                   <a:cs typeface="Courier New" panose="02070309020205020404" pitchFamily="49" charset="0"/>
                 </a:rPr>
-                <a:t>="Highway MPG</a:t>
+                <a:t>="Highway </a:t>
               </a:r>
               <a:r>
                 <a:rPr lang="en-US" sz="600" b="1" dirty="0" smtClean="0">
@@ -8555,8 +8487,15 @@
                   <a:latin typeface="Courier New" panose="02070309020205020404" pitchFamily="49" charset="0"/>
                   <a:cs typeface="Courier New" panose="02070309020205020404" pitchFamily="49" charset="0"/>
                 </a:rPr>
-                <a:t>")</a:t>
-              </a:r>
+                <a:t>MPG“,</a:t>
+              </a:r>
+              <a:endParaRPr lang="en-US" sz="600" b="1" dirty="0" smtClean="0">
+                <a:solidFill>
+                  <a:srgbClr val="C00000"/>
+                </a:solidFill>
+                <a:latin typeface="Courier New" panose="02070309020205020404" pitchFamily="49" charset="0"/>
+                <a:cs typeface="Courier New" panose="02070309020205020404" pitchFamily="49" charset="0"/>
+              </a:endParaRPr>
             </a:p>
             <a:p>
               <a:pPr algn="l" latinLnBrk="1"/>
@@ -8638,6 +8577,26 @@
                 <a:t>corr</a:t>
               </a:r>
               <a:r>
+                <a:rPr lang="en-US" sz="600" b="1" dirty="0">
+                  <a:solidFill>
+                    <a:srgbClr val="C00000"/>
+                  </a:solidFill>
+                  <a:latin typeface="Courier New" panose="02070309020205020404" pitchFamily="49" charset="0"/>
+                  <a:cs typeface="Courier New" panose="02070309020205020404" pitchFamily="49" charset="0"/>
+                </a:rPr>
+                <a:t>(~</a:t>
+              </a:r>
+              <a:r>
+                <a:rPr lang="en-US" sz="600" b="1" dirty="0" err="1" smtClean="0">
+                  <a:solidFill>
+                    <a:srgbClr val="C00000"/>
+                  </a:solidFill>
+                  <a:latin typeface="Courier New" panose="02070309020205020404" pitchFamily="49" charset="0"/>
+                  <a:cs typeface="Courier New" panose="02070309020205020404" pitchFamily="49" charset="0"/>
+                </a:rPr>
+                <a:t>HMPG+Weight,data</a:t>
+              </a:r>
+              <a:r>
                 <a:rPr lang="en-US" sz="600" b="1" dirty="0" smtClean="0">
                   <a:solidFill>
                     <a:srgbClr val="C00000"/>
@@ -8645,7 +8604,7 @@
                   <a:latin typeface="Courier New" panose="02070309020205020404" pitchFamily="49" charset="0"/>
                   <a:cs typeface="Courier New" panose="02070309020205020404" pitchFamily="49" charset="0"/>
                 </a:rPr>
-                <a:t>(</a:t>
+                <a:t>=</a:t>
               </a:r>
               <a:r>
                 <a:rPr lang="en-US" sz="600" b="1" dirty="0" err="1" smtClean="0">
@@ -8655,7 +8614,7 @@
                   <a:latin typeface="Courier New" panose="02070309020205020404" pitchFamily="49" charset="0"/>
                   <a:cs typeface="Courier New" panose="02070309020205020404" pitchFamily="49" charset="0"/>
                 </a:rPr>
-                <a:t>HMPG~Weight,data</a:t>
+                <a:t>dfcar,digits</a:t>
               </a:r>
               <a:r>
                 <a:rPr lang="en-US" sz="600" b="1" dirty="0" smtClean="0">
@@ -8665,17 +8624,7 @@
                   <a:latin typeface="Courier New" panose="02070309020205020404" pitchFamily="49" charset="0"/>
                   <a:cs typeface="Courier New" panose="02070309020205020404" pitchFamily="49" charset="0"/>
                 </a:rPr>
-                <a:t>=</a:t>
-              </a:r>
-              <a:r>
-                <a:rPr lang="en-US" sz="600" b="1" dirty="0" err="1" smtClean="0">
-                  <a:solidFill>
-                    <a:srgbClr val="C00000"/>
-                  </a:solidFill>
-                  <a:latin typeface="Courier New" panose="02070309020205020404" pitchFamily="49" charset="0"/>
-                  <a:cs typeface="Courier New" panose="02070309020205020404" pitchFamily="49" charset="0"/>
-                </a:rPr>
-                <a:t>dfcar,digits</a:t>
+                <a:t>=3</a:t>
               </a:r>
               <a:r>
                 <a:rPr lang="en-US" sz="600" b="1" dirty="0" smtClean="0">
@@ -8685,7 +8634,7 @@
                   <a:latin typeface="Courier New" panose="02070309020205020404" pitchFamily="49" charset="0"/>
                   <a:cs typeface="Courier New" panose="02070309020205020404" pitchFamily="49" charset="0"/>
                 </a:rPr>
-                <a:t>=3)</a:t>
+                <a:t>)</a:t>
               </a:r>
               <a:endParaRPr lang="en-US" sz="600" b="1" dirty="0">
                 <a:solidFill>
@@ -8801,16 +8750,7 @@
                   <a:cs typeface="Source Sans Pro Light"/>
                   <a:sym typeface="Source Sans Pro Light"/>
                 </a:rPr>
-                <a:t>Scatterplot and c</a:t>
-              </a:r>
-              <a:r>
-                <a:rPr lang="en-US" sz="800" dirty="0" smtClean="0">
-                  <a:latin typeface="Source Sans Pro Light"/>
-                  <a:ea typeface="Source Sans Pro Light"/>
-                  <a:cs typeface="Source Sans Pro Light"/>
-                  <a:sym typeface="Source Sans Pro Light"/>
-                </a:rPr>
-                <a:t>orrelation coefficient (r) for </a:t>
+                <a:t>Scatterplot and correlation coefficient (r) for </a:t>
               </a:r>
               <a:r>
                 <a:rPr lang="en-US" sz="800" dirty="0">
@@ -9531,61 +9471,25 @@
                   <a:cs typeface="Source Sans Pro Light"/>
                   <a:sym typeface="Source Sans Pro Light"/>
                 </a:rPr>
-                <a:t>Scatterplot and c</a:t>
-              </a:r>
-              <a:r>
-                <a:rPr lang="en-US" sz="800" dirty="0" smtClean="0">
+                <a:t>Scatterplot and correlation coefficient </a:t>
+              </a:r>
+              <a:r>
+                <a:rPr lang="en-US" sz="800" dirty="0">
                   <a:latin typeface="Source Sans Pro Light"/>
                   <a:ea typeface="Source Sans Pro Light"/>
                   <a:cs typeface="Source Sans Pro Light"/>
                   <a:sym typeface="Source Sans Pro Light"/>
                 </a:rPr>
-                <a:t>orrelation coefficient </a:t>
-              </a:r>
-              <a:r>
-                <a:rPr lang="en-US" sz="800" dirty="0">
+                <a:t>(r) </a:t>
+              </a:r>
+              <a:r>
+                <a:rPr lang="en-US" sz="800" dirty="0" smtClean="0">
                   <a:latin typeface="Source Sans Pro Light"/>
                   <a:ea typeface="Source Sans Pro Light"/>
                   <a:cs typeface="Source Sans Pro Light"/>
                   <a:sym typeface="Source Sans Pro Light"/>
                 </a:rPr>
-                <a:t>(r) </a:t>
-              </a:r>
-              <a:r>
-                <a:rPr lang="en-US" sz="800" dirty="0" smtClean="0">
-                  <a:latin typeface="Source Sans Pro Light"/>
-                  <a:ea typeface="Source Sans Pro Light"/>
-                  <a:cs typeface="Source Sans Pro Light"/>
-                  <a:sym typeface="Source Sans Pro Light"/>
-                </a:rPr>
-                <a:t>for </a:t>
-              </a:r>
-              <a:r>
-                <a:rPr lang="en-US" sz="800" dirty="0" smtClean="0">
-                  <a:latin typeface="Source Sans Pro Light"/>
-                  <a:ea typeface="Source Sans Pro Light"/>
-                  <a:cs typeface="Source Sans Pro Light"/>
-                  <a:sym typeface="Source Sans Pro Light"/>
-                </a:rPr>
-                <a:t>all </a:t>
-              </a:r>
-              <a:r>
-                <a:rPr lang="en-US" sz="800" dirty="0" smtClean="0">
-                  <a:latin typeface="Source Sans Pro Light"/>
-                  <a:ea typeface="Source Sans Pro Light"/>
-                  <a:cs typeface="Source Sans Pro Light"/>
-                  <a:sym typeface="Source Sans Pro Light"/>
-                </a:rPr>
-                <a:t>pairs </a:t>
-              </a:r>
-              <a:r>
-                <a:rPr lang="en-US" sz="800" dirty="0" smtClean="0">
-                  <a:latin typeface="Source Sans Pro Light"/>
-                  <a:ea typeface="Source Sans Pro Light"/>
-                  <a:cs typeface="Source Sans Pro Light"/>
-                  <a:sym typeface="Source Sans Pro Light"/>
-                </a:rPr>
-                <a:t>of quantitative variables.</a:t>
+                <a:t>for all pairs of quantitative variables.</a:t>
               </a:r>
               <a:endParaRPr lang="en-US" sz="800" dirty="0">
                 <a:latin typeface="Source Sans Pro Light"/>
@@ -10447,19 +10351,7 @@
                   <a:cs typeface="Source Sans Pro Light"/>
                   <a:sym typeface="Source Sans Pro Light"/>
                 </a:rPr>
-                <a:t>q</a:t>
-              </a:r>
-              <a:r>
-                <a:rPr lang="en-US" sz="800" dirty="0" err="1" smtClean="0">
-                  <a:solidFill>
-                    <a:srgbClr val="C00000"/>
-                  </a:solidFill>
-                  <a:latin typeface="Source Sans Pro Semibold"/>
-                  <a:ea typeface="Source Sans Pro Light"/>
-                  <a:cs typeface="Source Sans Pro Light"/>
-                  <a:sym typeface="Source Sans Pro Light"/>
-                </a:rPr>
-                <a:t>varExpl</a:t>
+                <a:t>qvarExpl</a:t>
               </a:r>
               <a:r>
                 <a:rPr lang="en-US" sz="800" dirty="0" smtClean="0">
@@ -10623,7 +10515,7 @@
             </a:ln>
             <a:extLst>
               <a:ext uri="{C572A759-6A51-4108-AA02-DFA0A04FC94B}">
-                <ma14:wrappingTextBoxFlag xmlns="" xmlns:ma14="http://schemas.microsoft.com/office/mac/drawingml/2011/main" val="1"/>
+                <ma14:wrappingTextBoxFlag xmlns:ma14="http://schemas.microsoft.com/office/mac/drawingml/2011/main" xmlns="" val="1"/>
               </a:ext>
             </a:extLst>
           </p:spPr>
@@ -10749,34 +10641,7 @@
                   </a:solidFill>
                   <a:latin typeface="Source Sans Pro Semibold"/>
                 </a:rPr>
-                <a:t>q</a:t>
-              </a:r>
-              <a:r>
-                <a:rPr lang="en-US" sz="800" dirty="0" err="1" smtClean="0">
-                  <a:solidFill>
-                    <a:srgbClr val="C00000"/>
-                  </a:solidFill>
-                  <a:latin typeface="Source Sans Pro Semibold"/>
-                </a:rPr>
-                <a:t>varResp~qvarEx</a:t>
-              </a:r>
-              <a:r>
-                <a:rPr lang="en-US" sz="800" dirty="0" err="1" smtClean="0">
-                  <a:solidFill>
-                    <a:srgbClr val="C00000"/>
-                  </a:solidFill>
-                  <a:latin typeface="Source Sans Pro Semibold"/>
-                </a:rPr>
-                <a:t>pl</a:t>
-              </a:r>
-              <a:r>
-                <a:rPr lang="en-US" sz="800" dirty="0" err="1" smtClean="0">
-                  <a:solidFill>
-                    <a:srgbClr val="C00000"/>
-                  </a:solidFill>
-                  <a:latin typeface="Source Sans Pro Semibold"/>
-                </a:rPr>
-                <a:t>,data</a:t>
+                <a:t>qvarResp~qvarExpl,data</a:t>
               </a:r>
               <a:r>
                 <a:rPr lang="en-US" sz="800" dirty="0" smtClean="0">
@@ -11881,19 +11746,7 @@
                 <a:rPr lang="en-US" sz="800" dirty="0" smtClean="0">
                   <a:latin typeface="Source Sans Pro Light"/>
                 </a:rPr>
-                <a:t>the </a:t>
-              </a:r>
-              <a:r>
-                <a:rPr lang="en-US" sz="800" dirty="0" smtClean="0">
-                  <a:latin typeface="Source Sans Pro Light"/>
-                </a:rPr>
-                <a:t>quantitative </a:t>
-              </a:r>
-              <a:r>
-                <a:rPr lang="en-US" sz="800" dirty="0" smtClean="0">
-                  <a:latin typeface="Source Sans Pro Light"/>
-                </a:rPr>
-                <a:t>response variable </a:t>
+                <a:t>the quantitative response variable </a:t>
               </a:r>
               <a:r>
                 <a:rPr lang="en-US" sz="800" dirty="0">
@@ -12258,7 +12111,7 @@
             </a:ln>
             <a:extLst>
               <a:ext uri="{C572A759-6A51-4108-AA02-DFA0A04FC94B}">
-                <ma14:wrappingTextBoxFlag xmlns="" xmlns:ma14="http://schemas.microsoft.com/office/mac/drawingml/2011/main" val="1"/>
+                <ma14:wrappingTextBoxFlag xmlns:ma14="http://schemas.microsoft.com/office/mac/drawingml/2011/main" xmlns="" val="1"/>
               </a:ext>
             </a:extLst>
           </p:spPr>
@@ -13096,13 +12949,7 @@
                 <a:rPr lang="en-US" sz="800" dirty="0" smtClean="0">
                   <a:latin typeface="Source Sans Pro Light"/>
                 </a:rPr>
-                <a:t>frequency table </a:t>
-              </a:r>
-              <a:r>
-                <a:rPr lang="en-US" sz="800" dirty="0" smtClean="0">
-                  <a:latin typeface="Source Sans Pro Light"/>
-                </a:rPr>
-                <a:t>in </a:t>
+                <a:t>frequency table in </a:t>
               </a:r>
               <a:r>
                 <a:rPr lang="en-US" sz="800" dirty="0" err="1" smtClean="0">
@@ -13162,49 +13009,19 @@
                   <a:cs typeface="Source Sans Pro Light"/>
                   <a:sym typeface="Source Sans Pro Light"/>
                 </a:rPr>
-                <a:t>categorical r</a:t>
-              </a:r>
-              <a:r>
-                <a:rPr lang="en-US" sz="800" dirty="0" smtClean="0">
-                  <a:latin typeface="Source Sans Pro Light"/>
+                <a:t>categorical response variable in columns and the populations in </a:t>
+              </a:r>
+              <a:r>
+                <a:rPr lang="en-US" sz="800" dirty="0" err="1" smtClean="0">
+                  <a:solidFill>
+                    <a:srgbClr val="C00000"/>
+                  </a:solidFill>
+                  <a:latin typeface="Source Sans Pro Semibold"/>
                   <a:ea typeface="Source Sans Pro Light"/>
                   <a:cs typeface="Source Sans Pro Light"/>
                   <a:sym typeface="Source Sans Pro Light"/>
                 </a:rPr>
-                <a:t>esponse </a:t>
-              </a:r>
-              <a:r>
-                <a:rPr lang="en-US" sz="800" dirty="0" smtClean="0">
-                  <a:latin typeface="Source Sans Pro Light"/>
-                  <a:ea typeface="Source Sans Pro Light"/>
-                  <a:cs typeface="Source Sans Pro Light"/>
-                  <a:sym typeface="Source Sans Pro Light"/>
-                </a:rPr>
-                <a:t>variable in columns and the populations in </a:t>
-              </a:r>
-              <a:r>
-                <a:rPr lang="en-US" sz="800" dirty="0" err="1" smtClean="0">
-                  <a:solidFill>
-                    <a:srgbClr val="C00000"/>
-                  </a:solidFill>
-                  <a:latin typeface="Source Sans Pro Semibold"/>
-                  <a:ea typeface="Source Sans Pro Light"/>
-                  <a:cs typeface="Source Sans Pro Light"/>
-                  <a:sym typeface="Source Sans Pro Light"/>
-                </a:rPr>
-                <a:t>c</a:t>
-              </a:r>
-              <a:r>
-                <a:rPr lang="en-US" sz="800" dirty="0" err="1" smtClean="0">
-                  <a:solidFill>
-                    <a:srgbClr val="C00000"/>
-                  </a:solidFill>
-                  <a:latin typeface="Source Sans Pro Semibold"/>
-                  <a:ea typeface="Source Sans Pro Light"/>
-                  <a:cs typeface="Source Sans Pro Light"/>
-                  <a:sym typeface="Source Sans Pro Light"/>
-                </a:rPr>
-                <a:t>varPop</a:t>
+                <a:t>cvarPop</a:t>
               </a:r>
               <a:r>
                 <a:rPr lang="en-US" sz="800" dirty="0" smtClean="0">
@@ -13269,13 +13086,7 @@
                 <a:rPr lang="en-US" sz="800" dirty="0" smtClean="0">
                   <a:latin typeface="Source Sans Pro Light"/>
                 </a:rPr>
-                <a:t>Extract </a:t>
-              </a:r>
-              <a:r>
-                <a:rPr lang="en-US" sz="800" dirty="0" smtClean="0">
-                  <a:latin typeface="Source Sans Pro Light"/>
-                </a:rPr>
-                <a:t>expected </a:t>
+                <a:t>Extract expected </a:t>
               </a:r>
               <a:r>
                 <a:rPr lang="en-US" sz="800" dirty="0">
@@ -13340,7 +13151,7 @@
             </a:ln>
             <a:extLst>
               <a:ext uri="{C572A759-6A51-4108-AA02-DFA0A04FC94B}">
-                <ma14:wrappingTextBoxFlag xmlns="" xmlns:ma14="http://schemas.microsoft.com/office/mac/drawingml/2011/main" val="1"/>
+                <ma14:wrappingTextBoxFlag xmlns:ma14="http://schemas.microsoft.com/office/mac/drawingml/2011/main" xmlns="" val="1"/>
               </a:ext>
             </a:extLst>
           </p:spPr>
@@ -13730,16 +13541,7 @@
                   </a:solidFill>
                   <a:latin typeface="Source Sans Pro Semibold"/>
                 </a:rPr>
-                <a:t>)       </a:t>
-              </a:r>
-              <a:r>
-                <a:rPr lang="en-US" sz="800" dirty="0" smtClean="0">
-                  <a:solidFill>
-                    <a:srgbClr val="C00000"/>
-                  </a:solidFill>
-                  <a:latin typeface="Source Sans Pro Semibold"/>
-                </a:rPr>
-                <a:t># row percent table</a:t>
+                <a:t>)       # row percent table</a:t>
               </a:r>
               <a:endParaRPr lang="en-US" sz="800" dirty="0">
                 <a:solidFill>
@@ -14423,19 +14225,7 @@
                 <a:rPr lang="en-US" sz="800" dirty="0" smtClean="0">
                   <a:latin typeface="Source Sans Pro Light"/>
                 </a:rPr>
-                <a:t>a </a:t>
-              </a:r>
-              <a:r>
-                <a:rPr lang="en-US" sz="800" dirty="0" smtClean="0">
-                  <a:latin typeface="Source Sans Pro Light"/>
-                </a:rPr>
-                <a:t>percentage, but entered </a:t>
-              </a:r>
-              <a:r>
-                <a:rPr lang="en-US" sz="800" dirty="0" smtClean="0">
-                  <a:latin typeface="Source Sans Pro Light"/>
-                </a:rPr>
-                <a:t>as </a:t>
+                <a:t>a percentage, but entered as </a:t>
               </a:r>
               <a:r>
                 <a:rPr lang="en-US" sz="800" dirty="0">
@@ -14732,7 +14522,7 @@
             </a:ln>
             <a:extLst>
               <a:ext uri="{C572A759-6A51-4108-AA02-DFA0A04FC94B}">
-                <ma14:wrappingTextBoxFlag xmlns="" xmlns:ma14="http://schemas.microsoft.com/office/mac/drawingml/2011/main" val="1"/>
+                <ma14:wrappingTextBoxFlag xmlns:ma14="http://schemas.microsoft.com/office/mac/drawingml/2011/main" xmlns="" val="1"/>
               </a:ext>
             </a:extLst>
           </p:spPr>
@@ -16070,19 +15860,7 @@
                 <a:rPr lang="en-US" sz="800" dirty="0">
                   <a:latin typeface="Source Sans Pro Light"/>
                 </a:rPr>
-                <a:t>is the confidence </a:t>
-              </a:r>
-              <a:r>
-                <a:rPr lang="en-US" sz="800" dirty="0">
-                  <a:latin typeface="Source Sans Pro Light"/>
-                </a:rPr>
-                <a:t>level as a proportion </a:t>
-              </a:r>
-              <a:r>
-                <a:rPr lang="en-US" sz="800" dirty="0">
-                  <a:latin typeface="Source Sans Pro Light"/>
-                </a:rPr>
-                <a:t>(e.g., 0.95)</a:t>
+                <a:t>is the confidence level as a proportion (e.g., 0.95)</a:t>
               </a:r>
             </a:p>
             <a:p>
@@ -16118,16 +15896,7 @@
                   </a:solidFill>
                   <a:latin typeface="Source Sans Pro Light"/>
                 </a:rPr>
-                <a:t> </a:t>
-              </a:r>
-              <a:r>
-                <a:rPr lang="en-US" sz="800" dirty="0" smtClean="0">
-                  <a:solidFill>
-                    <a:schemeClr val="tx1"/>
-                  </a:solidFill>
-                  <a:latin typeface="Source Sans Pro Light"/>
-                </a:rPr>
-                <a:t>if the </a:t>
+                <a:t> if the </a:t>
               </a:r>
               <a:r>
                 <a:rPr lang="en-US" sz="800" dirty="0" err="1" smtClean="0">
@@ -16438,7 +16207,7 @@
             </a:ln>
             <a:extLst>
               <a:ext uri="{C572A759-6A51-4108-AA02-DFA0A04FC94B}">
-                <ma14:wrappingTextBoxFlag xmlns="" xmlns:ma14="http://schemas.microsoft.com/office/mac/drawingml/2011/main" val="1"/>
+                <ma14:wrappingTextBoxFlag xmlns:ma14="http://schemas.microsoft.com/office/mac/drawingml/2011/main" xmlns="" val="1"/>
               </a:ext>
             </a:extLst>
           </p:spPr>
@@ -16540,19 +16309,7 @@
                 <a:rPr lang="en-US" sz="800" dirty="0" smtClean="0">
                   <a:latin typeface="Source Sans Pro Light"/>
                 </a:rPr>
-                <a:t>Goodness-of-fit for one-way </a:t>
-              </a:r>
-              <a:r>
-                <a:rPr lang="en-US" sz="800" dirty="0" smtClean="0">
-                  <a:latin typeface="Source Sans Pro Light"/>
-                </a:rPr>
-                <a:t>frequency table </a:t>
-              </a:r>
-              <a:r>
-                <a:rPr lang="en-US" sz="800" dirty="0" smtClean="0">
-                  <a:latin typeface="Source Sans Pro Light"/>
-                </a:rPr>
-                <a:t>in </a:t>
+                <a:t>Goodness-of-fit for one-way frequency table in </a:t>
               </a:r>
               <a:r>
                 <a:rPr lang="en-US" sz="800" dirty="0" err="1" smtClean="0">
@@ -16715,7 +16472,7 @@
             </a:ln>
             <a:extLst>
               <a:ext uri="{C572A759-6A51-4108-AA02-DFA0A04FC94B}">
-                <ma14:wrappingTextBoxFlag xmlns="" xmlns:ma14="http://schemas.microsoft.com/office/mac/drawingml/2011/main" val="1"/>
+                <ma14:wrappingTextBoxFlag xmlns:ma14="http://schemas.microsoft.com/office/mac/drawingml/2011/main" xmlns="" val="1"/>
               </a:ext>
             </a:extLst>
           </p:spPr>
@@ -16832,25 +16589,7 @@
                   </a:solidFill>
                   <a:latin typeface="Source Sans Pro Semibold"/>
                 </a:rPr>
-                <a:t>c(lvl1=##,lvl2=##,lvl3=##) )         </a:t>
-              </a:r>
-              <a:r>
-                <a:rPr lang="en-US" sz="800" dirty="0" smtClean="0">
-                  <a:solidFill>
-                    <a:srgbClr val="C00000"/>
-                  </a:solidFill>
-                  <a:latin typeface="Source Sans Pro Semibold"/>
-                </a:rPr>
-                <a:t>  # </a:t>
-              </a:r>
-              <a:r>
-                <a:rPr lang="en-US" sz="800" dirty="0" smtClean="0">
-                  <a:solidFill>
-                    <a:srgbClr val="C00000"/>
-                  </a:solidFill>
-                  <a:latin typeface="Source Sans Pro Semibold"/>
-                </a:rPr>
-                <a:t>if summarized data</a:t>
+                <a:t>c(lvl1=##,lvl2=##,lvl3=##) )           # if summarized data</a:t>
               </a:r>
             </a:p>
             <a:p>
@@ -16907,7 +16646,16 @@
                   </a:solidFill>
                   <a:latin typeface="Source Sans Pro Semibold"/>
                 </a:rPr>
-                <a:t>cvarResp</a:t>
+                <a:t>cvarResp,data</a:t>
+              </a:r>
+              <a:r>
+                <a:rPr lang="en-US" sz="800" dirty="0" smtClean="0">
+                  <a:solidFill>
+                    <a:srgbClr val="C00000"/>
+                  </a:solidFill>
+                  <a:latin typeface="Source Sans Pro Semibold"/>
+                </a:rPr>
+                <a:t>=</a:t>
               </a:r>
               <a:r>
                 <a:rPr lang="en-US" sz="800" dirty="0" err="1" smtClean="0">
@@ -16916,24 +16664,6 @@
                   </a:solidFill>
                   <a:latin typeface="Source Sans Pro Semibold"/>
                 </a:rPr>
-                <a:t>,data</a:t>
-              </a:r>
-              <a:r>
-                <a:rPr lang="en-US" sz="800" dirty="0" smtClean="0">
-                  <a:solidFill>
-                    <a:srgbClr val="C00000"/>
-                  </a:solidFill>
-                  <a:latin typeface="Source Sans Pro Semibold"/>
-                </a:rPr>
-                <a:t>=</a:t>
-              </a:r>
-              <a:r>
-                <a:rPr lang="en-US" sz="800" dirty="0" err="1" smtClean="0">
-                  <a:solidFill>
-                    <a:srgbClr val="C00000"/>
-                  </a:solidFill>
-                  <a:latin typeface="Source Sans Pro Semibold"/>
-                </a:rPr>
                 <a:t>dfobj</a:t>
               </a:r>
               <a:r>
@@ -16943,25 +16673,7 @@
                   </a:solidFill>
                   <a:latin typeface="Source Sans Pro Semibold"/>
                 </a:rPr>
-                <a:t>) )    </a:t>
-              </a:r>
-              <a:r>
-                <a:rPr lang="en-US" sz="800" dirty="0" smtClean="0">
-                  <a:solidFill>
-                    <a:srgbClr val="C00000"/>
-                  </a:solidFill>
-                  <a:latin typeface="Source Sans Pro Semibold"/>
-                </a:rPr>
-                <a:t># </a:t>
-              </a:r>
-              <a:r>
-                <a:rPr lang="en-US" sz="800" dirty="0" smtClean="0">
-                  <a:solidFill>
-                    <a:srgbClr val="C00000"/>
-                  </a:solidFill>
-                  <a:latin typeface="Source Sans Pro Semibold"/>
-                </a:rPr>
-                <a:t>if raw data</a:t>
+                <a:t>) )    # if raw data</a:t>
               </a:r>
             </a:p>
             <a:p>

--- a/resources/MTH107-RGuide.pptx
+++ b/resources/MTH107-RGuide.pptx
@@ -1312,7 +1312,7 @@
           </a:ln>
           <a:extLst>
             <a:ext uri="{C572A759-6A51-4108-AA02-DFA0A04FC94B}">
-              <ma14:wrappingTextBoxFlag xmlns:ma14="http://schemas.microsoft.com/office/mac/drawingml/2011/main" xmlns="" val="1"/>
+              <ma14:wrappingTextBoxFlag xmlns="" xmlns:ma14="http://schemas.microsoft.com/office/mac/drawingml/2011/main" val="1"/>
             </a:ext>
           </a:extLst>
         </p:spPr>
@@ -1355,7 +1355,7 @@
           </a:ln>
           <a:extLst>
             <a:ext uri="{C572A759-6A51-4108-AA02-DFA0A04FC94B}">
-              <ma14:wrappingTextBoxFlag xmlns:ma14="http://schemas.microsoft.com/office/mac/drawingml/2011/main" xmlns="" val="1"/>
+              <ma14:wrappingTextBoxFlag xmlns="" xmlns:ma14="http://schemas.microsoft.com/office/mac/drawingml/2011/main" val="1"/>
             </a:ext>
           </a:extLst>
         </p:spPr>
@@ -3286,7 +3286,7 @@
             </a:ln>
             <a:extLst>
               <a:ext uri="{C572A759-6A51-4108-AA02-DFA0A04FC94B}">
-                <ma14:wrappingTextBoxFlag xmlns:ma14="http://schemas.microsoft.com/office/mac/drawingml/2011/main" xmlns="" val="1"/>
+                <ma14:wrappingTextBoxFlag xmlns="" xmlns:ma14="http://schemas.microsoft.com/office/mac/drawingml/2011/main" val="1"/>
               </a:ext>
             </a:extLst>
           </p:spPr>
@@ -4766,7 +4766,7 @@
             </a:ln>
             <a:extLst>
               <a:ext uri="{C572A759-6A51-4108-AA02-DFA0A04FC94B}">
-                <ma14:wrappingTextBoxFlag xmlns:ma14="http://schemas.microsoft.com/office/mac/drawingml/2011/main" xmlns="" val="1"/>
+                <ma14:wrappingTextBoxFlag xmlns="" xmlns:ma14="http://schemas.microsoft.com/office/mac/drawingml/2011/main" val="1"/>
               </a:ext>
             </a:extLst>
           </p:spPr>
@@ -6255,7 +6255,7 @@
             </a:ln>
             <a:extLst>
               <a:ext uri="{C572A759-6A51-4108-AA02-DFA0A04FC94B}">
-                <ma14:wrappingTextBoxFlag xmlns:ma14="http://schemas.microsoft.com/office/mac/drawingml/2011/main" xmlns="" val="1"/>
+                <ma14:wrappingTextBoxFlag xmlns="" xmlns:ma14="http://schemas.microsoft.com/office/mac/drawingml/2011/main" val="1"/>
               </a:ext>
             </a:extLst>
           </p:spPr>
@@ -7437,7 +7437,7 @@
             </a:ln>
             <a:extLst>
               <a:ext uri="{C572A759-6A51-4108-AA02-DFA0A04FC94B}">
-                <ma14:wrappingTextBoxFlag xmlns:ma14="http://schemas.microsoft.com/office/mac/drawingml/2011/main" xmlns="" val="1"/>
+                <ma14:wrappingTextBoxFlag xmlns="" xmlns:ma14="http://schemas.microsoft.com/office/mac/drawingml/2011/main" val="1"/>
               </a:ext>
             </a:extLst>
           </p:spPr>
@@ -8489,13 +8489,6 @@
                 </a:rPr>
                 <a:t>MPG“,</a:t>
               </a:r>
-              <a:endParaRPr lang="en-US" sz="600" b="1" dirty="0" smtClean="0">
-                <a:solidFill>
-                  <a:srgbClr val="C00000"/>
-                </a:solidFill>
-                <a:latin typeface="Courier New" panose="02070309020205020404" pitchFamily="49" charset="0"/>
-                <a:cs typeface="Courier New" panose="02070309020205020404" pitchFamily="49" charset="0"/>
-              </a:endParaRPr>
             </a:p>
             <a:p>
               <a:pPr algn="l" latinLnBrk="1"/>
@@ -8624,17 +8617,7 @@
                   <a:latin typeface="Courier New" panose="02070309020205020404" pitchFamily="49" charset="0"/>
                   <a:cs typeface="Courier New" panose="02070309020205020404" pitchFamily="49" charset="0"/>
                 </a:rPr>
-                <a:t>=3</a:t>
-              </a:r>
-              <a:r>
-                <a:rPr lang="en-US" sz="600" b="1" dirty="0" smtClean="0">
-                  <a:solidFill>
-                    <a:srgbClr val="C00000"/>
-                  </a:solidFill>
-                  <a:latin typeface="Courier New" panose="02070309020205020404" pitchFamily="49" charset="0"/>
-                  <a:cs typeface="Courier New" panose="02070309020205020404" pitchFamily="49" charset="0"/>
-                </a:rPr>
-                <a:t>)</a:t>
+                <a:t>=3)</a:t>
               </a:r>
               <a:endParaRPr lang="en-US" sz="600" b="1" dirty="0">
                 <a:solidFill>
@@ -10515,7 +10498,7 @@
             </a:ln>
             <a:extLst>
               <a:ext uri="{C572A759-6A51-4108-AA02-DFA0A04FC94B}">
-                <ma14:wrappingTextBoxFlag xmlns:ma14="http://schemas.microsoft.com/office/mac/drawingml/2011/main" xmlns="" val="1"/>
+                <ma14:wrappingTextBoxFlag xmlns="" xmlns:ma14="http://schemas.microsoft.com/office/mac/drawingml/2011/main" val="1"/>
               </a:ext>
             </a:extLst>
           </p:spPr>
@@ -12111,7 +12094,7 @@
             </a:ln>
             <a:extLst>
               <a:ext uri="{C572A759-6A51-4108-AA02-DFA0A04FC94B}">
-                <ma14:wrappingTextBoxFlag xmlns:ma14="http://schemas.microsoft.com/office/mac/drawingml/2011/main" xmlns="" val="1"/>
+                <ma14:wrappingTextBoxFlag xmlns="" xmlns:ma14="http://schemas.microsoft.com/office/mac/drawingml/2011/main" val="1"/>
               </a:ext>
             </a:extLst>
           </p:spPr>
@@ -13151,7 +13134,7 @@
             </a:ln>
             <a:extLst>
               <a:ext uri="{C572A759-6A51-4108-AA02-DFA0A04FC94B}">
-                <ma14:wrappingTextBoxFlag xmlns:ma14="http://schemas.microsoft.com/office/mac/drawingml/2011/main" xmlns="" val="1"/>
+                <ma14:wrappingTextBoxFlag xmlns="" xmlns:ma14="http://schemas.microsoft.com/office/mac/drawingml/2011/main" val="1"/>
               </a:ext>
             </a:extLst>
           </p:spPr>
@@ -14324,11 +14307,14 @@
                 <a:rPr lang="en-US" sz="800" dirty="0" smtClean="0">
                   <a:latin typeface="Source Sans Pro Light"/>
                 </a:rPr>
-                <a:t>) or error (SE)</a:t>
-              </a:r>
-              <a:endParaRPr lang="en-US" sz="800" dirty="0">
-                <a:latin typeface="Source Sans Pro Light"/>
-              </a:endParaRPr>
+                <a:t>) or error (SE</a:t>
+              </a:r>
+              <a:r>
+                <a:rPr lang="en-US" sz="800" dirty="0">
+                  <a:latin typeface="Source Sans Pro Light"/>
+                </a:rPr>
+                <a:t>)</a:t>
+              </a:r>
             </a:p>
             <a:p>
               <a:pPr marL="117475" indent="-60325" algn="l">
@@ -14339,49 +14325,26 @@
                 <a:buChar char="•"/>
               </a:pPr>
               <a:r>
-                <a:rPr lang="en-US" sz="800" dirty="0" smtClean="0">
-                  <a:solidFill>
-                    <a:srgbClr val="C00000"/>
-                  </a:solidFill>
-                  <a:latin typeface="Source Sans Pro Semibold"/>
-                </a:rPr>
-                <a:t>type=</a:t>
+                <a:rPr lang="en-US" sz="800" dirty="0" err="1">
+                  <a:solidFill>
+                    <a:srgbClr val="C00000"/>
+                  </a:solidFill>
+                  <a:latin typeface="Source Sans Pro Semibold"/>
+                </a:rPr>
+                <a:t>lower.tail</a:t>
+              </a:r>
+              <a:r>
+                <a:rPr lang="en-US" sz="800" dirty="0">
+                  <a:solidFill>
+                    <a:srgbClr val="C00000"/>
+                  </a:solidFill>
+                  <a:latin typeface="Source Sans Pro Semibold"/>
+                </a:rPr>
+                <a:t>=FALSE</a:t>
               </a:r>
               <a:r>
                 <a:rPr lang="en-US" sz="800" b="1" dirty="0">
-                  <a:solidFill>
-                    <a:srgbClr val="C00000"/>
-                  </a:solidFill>
-                  <a:latin typeface="Source Sans Pro Semibold" panose="020B0603030403020204" pitchFamily="34" charset="0"/>
-                  <a:cs typeface="Courier New" panose="02070309020205020404" pitchFamily="49" charset="0"/>
-                </a:rPr>
-                <a:t>"</a:t>
-              </a:r>
-              <a:r>
-                <a:rPr lang="en-US" sz="800" dirty="0" smtClean="0">
-                  <a:solidFill>
-                    <a:srgbClr val="C00000"/>
-                  </a:solidFill>
-                  <a:latin typeface="Source Sans Pro Semibold"/>
-                </a:rPr>
-                <a:t>q</a:t>
-              </a:r>
-              <a:r>
-                <a:rPr lang="en-US" sz="800" b="1" dirty="0">
-                  <a:solidFill>
-                    <a:srgbClr val="C00000"/>
-                  </a:solidFill>
-                  <a:latin typeface="Source Sans Pro Semibold" panose="020B0603030403020204" pitchFamily="34" charset="0"/>
-                  <a:cs typeface="Courier New" panose="02070309020205020404" pitchFamily="49" charset="0"/>
-                </a:rPr>
-                <a:t>"</a:t>
-              </a:r>
-              <a:r>
-                <a:rPr lang="en-US" sz="800" dirty="0" smtClean="0">
-                  <a:solidFill>
-                    <a:srgbClr val="C00000"/>
-                  </a:solidFill>
-                  <a:latin typeface="Source Sans Pro Semibold"/>
+                  <a:latin typeface="Source Sans Pro Light"/>
                 </a:rPr>
                 <a:t> </a:t>
               </a:r>
@@ -14389,7 +14352,7 @@
                 <a:rPr lang="en-US" sz="800" dirty="0">
                   <a:latin typeface="Source Sans Pro Light"/>
                 </a:rPr>
-                <a:t>is included for reverse </a:t>
+                <a:t>is included for “right-of” </a:t>
               </a:r>
               <a:r>
                 <a:rPr lang="en-US" sz="800" dirty="0" smtClean="0">
@@ -14397,6 +14360,9 @@
                 </a:rPr>
                 <a:t>calculations</a:t>
               </a:r>
+              <a:endParaRPr lang="en-US" sz="800" dirty="0">
+                <a:latin typeface="Source Sans Pro Light"/>
+              </a:endParaRPr>
             </a:p>
             <a:p>
               <a:pPr marL="117475" indent="-60325" algn="l">
@@ -14407,34 +14373,57 @@
                 <a:buChar char="•"/>
               </a:pPr>
               <a:r>
-                <a:rPr lang="en-US" sz="800" dirty="0" err="1">
-                  <a:solidFill>
-                    <a:srgbClr val="C00000"/>
-                  </a:solidFill>
-                  <a:latin typeface="Source Sans Pro Semibold"/>
-                </a:rPr>
-                <a:t>lower.tail</a:t>
+                <a:rPr lang="en-US" sz="800" dirty="0" smtClean="0">
+                  <a:solidFill>
+                    <a:srgbClr val="C00000"/>
+                  </a:solidFill>
+                  <a:latin typeface="Source Sans Pro Semibold"/>
+                </a:rPr>
+                <a:t>type=</a:t>
+              </a:r>
+              <a:r>
+                <a:rPr lang="en-US" sz="800" b="1" dirty="0">
+                  <a:solidFill>
+                    <a:srgbClr val="C00000"/>
+                  </a:solidFill>
+                  <a:latin typeface="Source Sans Pro Semibold" panose="020B0603030403020204" pitchFamily="34" charset="0"/>
+                  <a:cs typeface="Courier New" panose="02070309020205020404" pitchFamily="49" charset="0"/>
+                </a:rPr>
+                <a:t>"</a:t>
+              </a:r>
+              <a:r>
+                <a:rPr lang="en-US" sz="800" dirty="0" smtClean="0">
+                  <a:solidFill>
+                    <a:srgbClr val="C00000"/>
+                  </a:solidFill>
+                  <a:latin typeface="Source Sans Pro Semibold"/>
+                </a:rPr>
+                <a:t>q</a:t>
+              </a:r>
+              <a:r>
+                <a:rPr lang="en-US" sz="800" b="1" dirty="0">
+                  <a:solidFill>
+                    <a:srgbClr val="C00000"/>
+                  </a:solidFill>
+                  <a:latin typeface="Source Sans Pro Semibold" panose="020B0603030403020204" pitchFamily="34" charset="0"/>
+                  <a:cs typeface="Courier New" panose="02070309020205020404" pitchFamily="49" charset="0"/>
+                </a:rPr>
+                <a:t>"</a:t>
+              </a:r>
+              <a:r>
+                <a:rPr lang="en-US" sz="800" dirty="0" smtClean="0">
+                  <a:solidFill>
+                    <a:srgbClr val="C00000"/>
+                  </a:solidFill>
+                  <a:latin typeface="Source Sans Pro Semibold"/>
+                </a:rPr>
+                <a:t> </a:t>
               </a:r>
               <a:r>
                 <a:rPr lang="en-US" sz="800" dirty="0">
-                  <a:solidFill>
-                    <a:srgbClr val="C00000"/>
-                  </a:solidFill>
-                  <a:latin typeface="Source Sans Pro Semibold"/>
-                </a:rPr>
-                <a:t>=FALSE</a:t>
-              </a:r>
-              <a:r>
-                <a:rPr lang="en-US" sz="800" b="1" dirty="0">
-                  <a:latin typeface="Source Sans Pro Light"/>
-                </a:rPr>
-                <a:t> </a:t>
-              </a:r>
-              <a:r>
-                <a:rPr lang="en-US" sz="800" dirty="0">
-                  <a:latin typeface="Source Sans Pro Light"/>
-                </a:rPr>
-                <a:t>is included for “right-of” </a:t>
+                  <a:latin typeface="Source Sans Pro Light"/>
+                </a:rPr>
+                <a:t>is included for reverse </a:t>
               </a:r>
               <a:r>
                 <a:rPr lang="en-US" sz="800" dirty="0" smtClean="0">
@@ -14442,16 +14431,6 @@
                 </a:rPr>
                 <a:t>calculations</a:t>
               </a:r>
-              <a:endParaRPr lang="en-US" sz="800" dirty="0">
-                <a:latin typeface="Source Sans Pro Light"/>
-              </a:endParaRPr>
-            </a:p>
-            <a:p>
-              <a:pPr marL="1740" algn="l">
-                <a:buClr>
-                  <a:schemeClr val="tx1"/>
-                </a:buClr>
-              </a:pPr>
               <a:endParaRPr lang="en-US" sz="300" dirty="0">
                 <a:latin typeface="Source Sans Pro Light"/>
                 <a:ea typeface="Source Sans Pro Light"/>
@@ -14461,6 +14440,9 @@
             </a:p>
             <a:p>
               <a:pPr marL="1740" algn="l">
+                <a:spcBef>
+                  <a:spcPts val="300"/>
+                </a:spcBef>
                 <a:buClr>
                   <a:schemeClr val="tx1"/>
                 </a:buClr>
@@ -14522,7 +14504,7 @@
             </a:ln>
             <a:extLst>
               <a:ext uri="{C572A759-6A51-4108-AA02-DFA0A04FC94B}">
-                <ma14:wrappingTextBoxFlag xmlns:ma14="http://schemas.microsoft.com/office/mac/drawingml/2011/main" xmlns="" val="1"/>
+                <ma14:wrappingTextBoxFlag xmlns="" xmlns:ma14="http://schemas.microsoft.com/office/mac/drawingml/2011/main" val="1"/>
               </a:ext>
             </a:extLst>
           </p:spPr>
@@ -16207,7 +16189,7 @@
             </a:ln>
             <a:extLst>
               <a:ext uri="{C572A759-6A51-4108-AA02-DFA0A04FC94B}">
-                <ma14:wrappingTextBoxFlag xmlns:ma14="http://schemas.microsoft.com/office/mac/drawingml/2011/main" xmlns="" val="1"/>
+                <ma14:wrappingTextBoxFlag xmlns="" xmlns:ma14="http://schemas.microsoft.com/office/mac/drawingml/2011/main" val="1"/>
               </a:ext>
             </a:extLst>
           </p:spPr>
@@ -16472,7 +16454,7 @@
             </a:ln>
             <a:extLst>
               <a:ext uri="{C572A759-6A51-4108-AA02-DFA0A04FC94B}">
-                <ma14:wrappingTextBoxFlag xmlns:ma14="http://schemas.microsoft.com/office/mac/drawingml/2011/main" xmlns="" val="1"/>
+                <ma14:wrappingTextBoxFlag xmlns="" xmlns:ma14="http://schemas.microsoft.com/office/mac/drawingml/2011/main" val="1"/>
               </a:ext>
             </a:extLst>
           </p:spPr>

--- a/resources/MTH107-RGuide.pptx
+++ b/resources/MTH107-RGuide.pptx
@@ -1312,7 +1312,7 @@
           </a:ln>
           <a:extLst>
             <a:ext uri="{C572A759-6A51-4108-AA02-DFA0A04FC94B}">
-              <ma14:wrappingTextBoxFlag xmlns="" xmlns:ma14="http://schemas.microsoft.com/office/mac/drawingml/2011/main" val="1"/>
+              <ma14:wrappingTextBoxFlag xmlns:ma14="http://schemas.microsoft.com/office/mac/drawingml/2011/main" xmlns="" val="1"/>
             </a:ext>
           </a:extLst>
         </p:spPr>
@@ -1355,7 +1355,7 @@
           </a:ln>
           <a:extLst>
             <a:ext uri="{C572A759-6A51-4108-AA02-DFA0A04FC94B}">
-              <ma14:wrappingTextBoxFlag xmlns="" xmlns:ma14="http://schemas.microsoft.com/office/mac/drawingml/2011/main" val="1"/>
+              <ma14:wrappingTextBoxFlag xmlns:ma14="http://schemas.microsoft.com/office/mac/drawingml/2011/main" xmlns="" val="1"/>
             </a:ext>
           </a:extLst>
         </p:spPr>
@@ -2698,7 +2698,18 @@
                   <a:ea typeface="Microsoft Yi Baiti" panose="03000500000000000000" pitchFamily="66" charset="0"/>
                   <a:cs typeface="Arabic Typesetting" panose="03020402040406030203" pitchFamily="66" charset="-78"/>
                 </a:rPr>
-                <a:t>                     # </a:t>
+                <a:t>                  </a:t>
+              </a:r>
+              <a:r>
+                <a:rPr lang="en-US" sz="800" dirty="0" smtClean="0">
+                  <a:solidFill>
+                    <a:srgbClr val="C00000"/>
+                  </a:solidFill>
+                  <a:latin typeface="Source Sans Pro Light"/>
+                  <a:ea typeface="Microsoft Yi Baiti" panose="03000500000000000000" pitchFamily="66" charset="0"/>
+                  <a:cs typeface="Arabic Typesetting" panose="03020402040406030203" pitchFamily="66" charset="-78"/>
+                </a:rPr>
+                <a:t>     # </a:t>
               </a:r>
               <a:r>
                 <a:rPr lang="en-US" sz="800" dirty="0">
@@ -2755,7 +2766,29 @@
                   <a:ea typeface="Microsoft Yi Baiti" panose="03000500000000000000" pitchFamily="66" charset="0"/>
                   <a:cs typeface="Arabic Typesetting" panose="03020402040406030203" pitchFamily="66" charset="-78"/>
                 </a:rPr>
-                <a:t>                     # </a:t>
+                <a:t>                   </a:t>
+              </a:r>
+              <a:r>
+                <a:rPr lang="en-US" sz="800" dirty="0" smtClean="0">
+                  <a:solidFill>
+                    <a:srgbClr val="C00000"/>
+                  </a:solidFill>
+                  <a:latin typeface="Source Sans Pro Light"/>
+                  <a:ea typeface="Microsoft Yi Baiti" panose="03000500000000000000" pitchFamily="66" charset="0"/>
+                  <a:cs typeface="Arabic Typesetting" panose="03020402040406030203" pitchFamily="66" charset="-78"/>
+                </a:rPr>
+                <a:t>    </a:t>
+              </a:r>
+              <a:r>
+                <a:rPr lang="en-US" sz="800" dirty="0" smtClean="0">
+                  <a:solidFill>
+                    <a:srgbClr val="C00000"/>
+                  </a:solidFill>
+                  <a:latin typeface="Source Sans Pro Light"/>
+                  <a:ea typeface="Microsoft Yi Baiti" panose="03000500000000000000" pitchFamily="66" charset="0"/>
+                  <a:cs typeface="Arabic Typesetting" panose="03020402040406030203" pitchFamily="66" charset="-78"/>
+                </a:rPr>
+                <a:t># </a:t>
               </a:r>
               <a:r>
                 <a:rPr lang="en-US" sz="800" dirty="0">
@@ -2812,7 +2845,18 @@
                   <a:ea typeface="Microsoft Yi Baiti" panose="03000500000000000000" pitchFamily="66" charset="0"/>
                   <a:cs typeface="Arabic Typesetting" panose="03020402040406030203" pitchFamily="66" charset="-78"/>
                 </a:rPr>
-                <a:t>                     # </a:t>
+                <a:t>                    </a:t>
+              </a:r>
+              <a:r>
+                <a:rPr lang="en-US" sz="800" dirty="0" smtClean="0">
+                  <a:solidFill>
+                    <a:srgbClr val="C00000"/>
+                  </a:solidFill>
+                  <a:latin typeface="Source Sans Pro Light"/>
+                  <a:ea typeface="Microsoft Yi Baiti" panose="03000500000000000000" pitchFamily="66" charset="0"/>
+                  <a:cs typeface="Arabic Typesetting" panose="03020402040406030203" pitchFamily="66" charset="-78"/>
+                </a:rPr>
+                <a:t>   # </a:t>
               </a:r>
               <a:r>
                 <a:rPr lang="en-US" sz="800" dirty="0">
@@ -2869,7 +2913,18 @@
                   <a:ea typeface="Microsoft Yi Baiti" panose="03000500000000000000" pitchFamily="66" charset="0"/>
                   <a:cs typeface="Arabic Typesetting" panose="03020402040406030203" pitchFamily="66" charset="-78"/>
                 </a:rPr>
-                <a:t>                     # </a:t>
+                <a:t>                     </a:t>
+              </a:r>
+              <a:r>
+                <a:rPr lang="en-US" sz="800" dirty="0" smtClean="0">
+                  <a:solidFill>
+                    <a:srgbClr val="C00000"/>
+                  </a:solidFill>
+                  <a:latin typeface="Source Sans Pro Light"/>
+                  <a:ea typeface="Microsoft Yi Baiti" panose="03000500000000000000" pitchFamily="66" charset="0"/>
+                  <a:cs typeface="Arabic Typesetting" panose="03020402040406030203" pitchFamily="66" charset="-78"/>
+                </a:rPr>
+                <a:t>  # </a:t>
               </a:r>
               <a:r>
                 <a:rPr lang="en-US" sz="800" dirty="0">
@@ -3066,7 +3121,7 @@
                 <a:t>)   </a:t>
               </a:r>
               <a:r>
-                <a:rPr lang="en-US" sz="800" dirty="0">
+                <a:rPr lang="en-US" sz="800" dirty="0" smtClean="0">
                   <a:solidFill>
                     <a:srgbClr val="C00000"/>
                   </a:solidFill>
@@ -3074,7 +3129,18 @@
                   <a:ea typeface="Microsoft Yi Baiti" panose="03000500000000000000" pitchFamily="66" charset="0"/>
                   <a:cs typeface="Arabic Typesetting" panose="03020402040406030203" pitchFamily="66" charset="-78"/>
                 </a:rPr>
-                <a:t># in the list</a:t>
+                <a:t> # </a:t>
+              </a:r>
+              <a:r>
+                <a:rPr lang="en-US" sz="800" dirty="0">
+                  <a:solidFill>
+                    <a:srgbClr val="C00000"/>
+                  </a:solidFill>
+                  <a:latin typeface="Source Sans Pro Light"/>
+                  <a:ea typeface="Microsoft Yi Baiti" panose="03000500000000000000" pitchFamily="66" charset="0"/>
+                  <a:cs typeface="Arabic Typesetting" panose="03020402040406030203" pitchFamily="66" charset="-78"/>
+                </a:rPr>
+                <a:t>in the list</a:t>
               </a:r>
             </a:p>
             <a:p>
@@ -3142,7 +3208,29 @@
                   <a:ea typeface="Microsoft Yi Baiti" panose="03000500000000000000" pitchFamily="66" charset="0"/>
                   <a:cs typeface="Arabic Typesetting" panose="03020402040406030203" pitchFamily="66" charset="-78"/>
                 </a:rPr>
-                <a:t>                     # </a:t>
+                <a:t>                    </a:t>
+              </a:r>
+              <a:r>
+                <a:rPr lang="en-US" sz="800" dirty="0" smtClean="0">
+                  <a:solidFill>
+                    <a:srgbClr val="C00000"/>
+                  </a:solidFill>
+                  <a:latin typeface="Source Sans Pro Light"/>
+                  <a:ea typeface="Microsoft Yi Baiti" panose="03000500000000000000" pitchFamily="66" charset="0"/>
+                  <a:cs typeface="Arabic Typesetting" panose="03020402040406030203" pitchFamily="66" charset="-78"/>
+                </a:rPr>
+                <a:t>   </a:t>
+              </a:r>
+              <a:r>
+                <a:rPr lang="en-US" sz="800" dirty="0" smtClean="0">
+                  <a:solidFill>
+                    <a:srgbClr val="C00000"/>
+                  </a:solidFill>
+                  <a:latin typeface="Source Sans Pro Light"/>
+                  <a:ea typeface="Microsoft Yi Baiti" panose="03000500000000000000" pitchFamily="66" charset="0"/>
+                  <a:cs typeface="Arabic Typesetting" panose="03020402040406030203" pitchFamily="66" charset="-78"/>
+                </a:rPr>
+                <a:t># </a:t>
               </a:r>
               <a:r>
                 <a:rPr lang="en-US" sz="800" dirty="0">
@@ -3286,7 +3374,7 @@
             </a:ln>
             <a:extLst>
               <a:ext uri="{C572A759-6A51-4108-AA02-DFA0A04FC94B}">
-                <ma14:wrappingTextBoxFlag xmlns="" xmlns:ma14="http://schemas.microsoft.com/office/mac/drawingml/2011/main" val="1"/>
+                <ma14:wrappingTextBoxFlag xmlns:ma14="http://schemas.microsoft.com/office/mac/drawingml/2011/main" xmlns="" val="1"/>
               </a:ext>
             </a:extLst>
           </p:spPr>
@@ -4766,7 +4854,7 @@
             </a:ln>
             <a:extLst>
               <a:ext uri="{C572A759-6A51-4108-AA02-DFA0A04FC94B}">
-                <ma14:wrappingTextBoxFlag xmlns="" xmlns:ma14="http://schemas.microsoft.com/office/mac/drawingml/2011/main" val="1"/>
+                <ma14:wrappingTextBoxFlag xmlns:ma14="http://schemas.microsoft.com/office/mac/drawingml/2011/main" xmlns="" val="1"/>
               </a:ext>
             </a:extLst>
           </p:spPr>
@@ -6255,7 +6343,7 @@
             </a:ln>
             <a:extLst>
               <a:ext uri="{C572A759-6A51-4108-AA02-DFA0A04FC94B}">
-                <ma14:wrappingTextBoxFlag xmlns="" xmlns:ma14="http://schemas.microsoft.com/office/mac/drawingml/2011/main" val="1"/>
+                <ma14:wrappingTextBoxFlag xmlns:ma14="http://schemas.microsoft.com/office/mac/drawingml/2011/main" xmlns="" val="1"/>
               </a:ext>
             </a:extLst>
           </p:spPr>
@@ -7437,7 +7525,7 @@
             </a:ln>
             <a:extLst>
               <a:ext uri="{C572A759-6A51-4108-AA02-DFA0A04FC94B}">
-                <ma14:wrappingTextBoxFlag xmlns="" xmlns:ma14="http://schemas.microsoft.com/office/mac/drawingml/2011/main" val="1"/>
+                <ma14:wrappingTextBoxFlag xmlns:ma14="http://schemas.microsoft.com/office/mac/drawingml/2011/main" xmlns="" val="1"/>
               </a:ext>
             </a:extLst>
           </p:spPr>
@@ -8467,7 +8555,7 @@
                   <a:latin typeface="Courier New" panose="02070309020205020404" pitchFamily="49" charset="0"/>
                   <a:cs typeface="Courier New" panose="02070309020205020404" pitchFamily="49" charset="0"/>
                 </a:rPr>
-                <a:t>=19,ylab</a:t>
+                <a:t>=21,bg</a:t>
               </a:r>
               <a:r>
                 <a:rPr lang="en-US" sz="600" b="1" dirty="0">
@@ -8477,6 +8565,49 @@
                   <a:latin typeface="Courier New" panose="02070309020205020404" pitchFamily="49" charset="0"/>
                   <a:cs typeface="Courier New" panose="02070309020205020404" pitchFamily="49" charset="0"/>
                 </a:rPr>
+                <a:t>="</a:t>
+              </a:r>
+              <a:r>
+                <a:rPr lang="en-US" sz="600" b="1" dirty="0" smtClean="0">
+                  <a:solidFill>
+                    <a:srgbClr val="C00000"/>
+                  </a:solidFill>
+                  <a:latin typeface="Courier New" panose="02070309020205020404" pitchFamily="49" charset="0"/>
+                  <a:cs typeface="Courier New" panose="02070309020205020404" pitchFamily="49" charset="0"/>
+                </a:rPr>
+                <a:t>gray70“,</a:t>
+              </a:r>
+            </a:p>
+            <a:p>
+              <a:pPr algn="l" latinLnBrk="1"/>
+              <a:r>
+                <a:rPr lang="en-US" sz="600" b="1" dirty="0" smtClean="0">
+                  <a:solidFill>
+                    <a:srgbClr val="C00000"/>
+                  </a:solidFill>
+                  <a:latin typeface="Courier New" panose="02070309020205020404" pitchFamily="49" charset="0"/>
+                  <a:cs typeface="Courier New" panose="02070309020205020404" pitchFamily="49" charset="0"/>
+                </a:rPr>
+                <a:t>       </a:t>
+              </a:r>
+              <a:r>
+                <a:rPr lang="en-US" sz="600" b="1" dirty="0" err="1" smtClean="0">
+                  <a:solidFill>
+                    <a:srgbClr val="C00000"/>
+                  </a:solidFill>
+                  <a:latin typeface="Courier New" panose="02070309020205020404" pitchFamily="49" charset="0"/>
+                  <a:cs typeface="Courier New" panose="02070309020205020404" pitchFamily="49" charset="0"/>
+                </a:rPr>
+                <a:t>ylab</a:t>
+              </a:r>
+              <a:r>
+                <a:rPr lang="en-US" sz="600" b="1" dirty="0">
+                  <a:solidFill>
+                    <a:srgbClr val="C00000"/>
+                  </a:solidFill>
+                  <a:latin typeface="Courier New" panose="02070309020205020404" pitchFamily="49" charset="0"/>
+                  <a:cs typeface="Courier New" panose="02070309020205020404" pitchFamily="49" charset="0"/>
+                </a:rPr>
                 <a:t>="Highway </a:t>
               </a:r>
               <a:r>
@@ -8487,11 +8618,8 @@
                   <a:latin typeface="Courier New" panose="02070309020205020404" pitchFamily="49" charset="0"/>
                   <a:cs typeface="Courier New" panose="02070309020205020404" pitchFamily="49" charset="0"/>
                 </a:rPr>
-                <a:t>MPG“,</a:t>
-              </a:r>
-            </a:p>
-            <a:p>
-              <a:pPr algn="l" latinLnBrk="1"/>
+                <a:t>MPG</a:t>
+              </a:r>
               <a:r>
                 <a:rPr lang="en-US" sz="600" b="1" dirty="0" smtClean="0">
                   <a:solidFill>
@@ -8500,7 +8628,7 @@
                   <a:latin typeface="Courier New" panose="02070309020205020404" pitchFamily="49" charset="0"/>
                   <a:cs typeface="Courier New" panose="02070309020205020404" pitchFamily="49" charset="0"/>
                 </a:rPr>
-                <a:t>       </a:t>
+                <a:t>“, </a:t>
               </a:r>
               <a:r>
                 <a:rPr lang="en-US" sz="600" b="1" dirty="0" err="1" smtClean="0">
@@ -8812,7 +8940,7 @@
           </p:nvSpPr>
           <p:spPr>
             <a:xfrm>
-              <a:off x="6194450" y="3683616"/>
+              <a:off x="6191971" y="3701895"/>
               <a:ext cx="2834640" cy="424732"/>
             </a:xfrm>
             <a:prstGeom prst="rect">
@@ -8913,8 +9041,43 @@
                   </a:solidFill>
                   <a:latin typeface="Source Sans Pro Semibold"/>
                 </a:rPr>
-                <a:t>=19,</a:t>
-              </a:r>
+                <a:t>=21,by=</a:t>
+              </a:r>
+              <a:r>
+                <a:rPr lang="en-US" sz="800" b="1" dirty="0">
+                  <a:solidFill>
+                    <a:srgbClr val="C00000"/>
+                  </a:solidFill>
+                  <a:latin typeface="Source Sans Pro Semibold" panose="020B0603030403020204" pitchFamily="34" charset="0"/>
+                  <a:cs typeface="Courier New" panose="02070309020205020404" pitchFamily="49" charset="0"/>
+                </a:rPr>
+                <a:t>"</a:t>
+              </a:r>
+              <a:r>
+                <a:rPr lang="en-US" sz="800" dirty="0" smtClean="0">
+                  <a:solidFill>
+                    <a:srgbClr val="C00000"/>
+                  </a:solidFill>
+                  <a:latin typeface="Source Sans Pro Semibold"/>
+                </a:rPr>
+                <a:t>gray70</a:t>
+              </a:r>
+              <a:r>
+                <a:rPr lang="en-US" sz="800" b="1" dirty="0" smtClean="0">
+                  <a:solidFill>
+                    <a:srgbClr val="C00000"/>
+                  </a:solidFill>
+                  <a:latin typeface="Source Sans Pro Semibold" panose="020B0603030403020204" pitchFamily="34" charset="0"/>
+                  <a:cs typeface="Courier New" panose="02070309020205020404" pitchFamily="49" charset="0"/>
+                </a:rPr>
+                <a:t>“,</a:t>
+              </a:r>
+              <a:endParaRPr lang="en-US" sz="800" dirty="0" smtClean="0">
+                <a:solidFill>
+                  <a:srgbClr val="C00000"/>
+                </a:solidFill>
+                <a:latin typeface="Source Sans Pro Semibold"/>
+              </a:endParaRPr>
             </a:p>
             <a:p>
               <a:pPr algn="l" defTabSz="320174" rtl="0" latinLnBrk="1" hangingPunct="0"/>
@@ -9304,7 +9467,7 @@
                   <a:latin typeface="Courier New" panose="02070309020205020404" pitchFamily="49" charset="0"/>
                   <a:cs typeface="Courier New" panose="02070309020205020404" pitchFamily="49" charset="0"/>
                 </a:rPr>
-                <a:t>(</a:t>
+                <a:t>(~</a:t>
               </a:r>
               <a:r>
                 <a:rPr lang="en-US" sz="600" b="1" dirty="0" err="1" smtClean="0">
@@ -9344,7 +9507,17 @@
                   <a:latin typeface="Courier New" panose="02070309020205020404" pitchFamily="49" charset="0"/>
                   <a:cs typeface="Courier New" panose="02070309020205020404" pitchFamily="49" charset="0"/>
                 </a:rPr>
-                <a:t>=3,</a:t>
+                <a:t>=3</a:t>
+              </a:r>
+              <a:r>
+                <a:rPr lang="en-US" sz="600" b="1" dirty="0" smtClean="0">
+                  <a:solidFill>
+                    <a:srgbClr val="C00000"/>
+                  </a:solidFill>
+                  <a:latin typeface="Courier New" panose="02070309020205020404" pitchFamily="49" charset="0"/>
+                  <a:cs typeface="Courier New" panose="02070309020205020404" pitchFamily="49" charset="0"/>
+                </a:rPr>
+                <a:t>,</a:t>
               </a:r>
             </a:p>
             <a:p>
@@ -9700,7 +9873,7 @@
                   </a:solidFill>
                   <a:latin typeface="Source Sans Pro Semibold"/>
                 </a:rPr>
-                <a:t>pairwise.complet.obs</a:t>
+                <a:t>pairwise.complete.obs</a:t>
               </a:r>
               <a:r>
                 <a:rPr lang="en-US" sz="800" b="1" dirty="0">
@@ -10498,7 +10671,7 @@
             </a:ln>
             <a:extLst>
               <a:ext uri="{C572A759-6A51-4108-AA02-DFA0A04FC94B}">
-                <ma14:wrappingTextBoxFlag xmlns="" xmlns:ma14="http://schemas.microsoft.com/office/mac/drawingml/2011/main" val="1"/>
+                <ma14:wrappingTextBoxFlag xmlns:ma14="http://schemas.microsoft.com/office/mac/drawingml/2011/main" xmlns="" val="1"/>
               </a:ext>
             </a:extLst>
           </p:spPr>
@@ -12094,7 +12267,7 @@
             </a:ln>
             <a:extLst>
               <a:ext uri="{C572A759-6A51-4108-AA02-DFA0A04FC94B}">
-                <ma14:wrappingTextBoxFlag xmlns="" xmlns:ma14="http://schemas.microsoft.com/office/mac/drawingml/2011/main" val="1"/>
+                <ma14:wrappingTextBoxFlag xmlns:ma14="http://schemas.microsoft.com/office/mac/drawingml/2011/main" xmlns="" val="1"/>
               </a:ext>
             </a:extLst>
           </p:spPr>
@@ -12137,7 +12310,7 @@
           </p:nvSpPr>
           <p:spPr>
             <a:xfrm>
-              <a:off x="3158722" y="513838"/>
+              <a:off x="3151198" y="531582"/>
               <a:ext cx="2834640" cy="301621"/>
             </a:xfrm>
             <a:prstGeom prst="rect">
@@ -13134,7 +13307,7 @@
             </a:ln>
             <a:extLst>
               <a:ext uri="{C572A759-6A51-4108-AA02-DFA0A04FC94B}">
-                <ma14:wrappingTextBoxFlag xmlns="" xmlns:ma14="http://schemas.microsoft.com/office/mac/drawingml/2011/main" val="1"/>
+                <ma14:wrappingTextBoxFlag xmlns:ma14="http://schemas.microsoft.com/office/mac/drawingml/2011/main" xmlns="" val="1"/>
               </a:ext>
             </a:extLst>
           </p:spPr>
@@ -14504,7 +14677,7 @@
             </a:ln>
             <a:extLst>
               <a:ext uri="{C572A759-6A51-4108-AA02-DFA0A04FC94B}">
-                <ma14:wrappingTextBoxFlag xmlns="" xmlns:ma14="http://schemas.microsoft.com/office/mac/drawingml/2011/main" val="1"/>
+                <ma14:wrappingTextBoxFlag xmlns:ma14="http://schemas.microsoft.com/office/mac/drawingml/2011/main" xmlns="" val="1"/>
               </a:ext>
             </a:extLst>
           </p:spPr>
@@ -16189,7 +16362,7 @@
             </a:ln>
             <a:extLst>
               <a:ext uri="{C572A759-6A51-4108-AA02-DFA0A04FC94B}">
-                <ma14:wrappingTextBoxFlag xmlns="" xmlns:ma14="http://schemas.microsoft.com/office/mac/drawingml/2011/main" val="1"/>
+                <ma14:wrappingTextBoxFlag xmlns:ma14="http://schemas.microsoft.com/office/mac/drawingml/2011/main" xmlns="" val="1"/>
               </a:ext>
             </a:extLst>
           </p:spPr>
@@ -16454,7 +16627,7 @@
             </a:ln>
             <a:extLst>
               <a:ext uri="{C572A759-6A51-4108-AA02-DFA0A04FC94B}">
-                <ma14:wrappingTextBoxFlag xmlns="" xmlns:ma14="http://schemas.microsoft.com/office/mac/drawingml/2011/main" val="1"/>
+                <ma14:wrappingTextBoxFlag xmlns:ma14="http://schemas.microsoft.com/office/mac/drawingml/2011/main" xmlns="" val="1"/>
               </a:ext>
             </a:extLst>
           </p:spPr>
@@ -16914,7 +17087,7 @@
           </p:nvSpPr>
           <p:spPr>
             <a:xfrm>
-              <a:off x="6320209" y="6470878"/>
+              <a:off x="6308604" y="6372486"/>
               <a:ext cx="2713722" cy="177762"/>
             </a:xfrm>
             <a:prstGeom prst="rect">

--- a/resources/MTH107-RGuide.pptx
+++ b/resources/MTH107-RGuide.pptx
@@ -1312,7 +1312,7 @@
           </a:ln>
           <a:extLst>
             <a:ext uri="{C572A759-6A51-4108-AA02-DFA0A04FC94B}">
-              <ma14:wrappingTextBoxFlag xmlns:ma14="http://schemas.microsoft.com/office/mac/drawingml/2011/main" xmlns="" val="1"/>
+              <ma14:wrappingTextBoxFlag xmlns="" xmlns:ma14="http://schemas.microsoft.com/office/mac/drawingml/2011/main" val="1"/>
             </a:ext>
           </a:extLst>
         </p:spPr>
@@ -1355,7 +1355,7 @@
           </a:ln>
           <a:extLst>
             <a:ext uri="{C572A759-6A51-4108-AA02-DFA0A04FC94B}">
-              <ma14:wrappingTextBoxFlag xmlns:ma14="http://schemas.microsoft.com/office/mac/drawingml/2011/main" xmlns="" val="1"/>
+              <ma14:wrappingTextBoxFlag xmlns="" xmlns:ma14="http://schemas.microsoft.com/office/mac/drawingml/2011/main" val="1"/>
             </a:ext>
           </a:extLst>
         </p:spPr>
@@ -2698,18 +2698,7 @@
                   <a:ea typeface="Microsoft Yi Baiti" panose="03000500000000000000" pitchFamily="66" charset="0"/>
                   <a:cs typeface="Arabic Typesetting" panose="03020402040406030203" pitchFamily="66" charset="-78"/>
                 </a:rPr>
-                <a:t>                  </a:t>
-              </a:r>
-              <a:r>
-                <a:rPr lang="en-US" sz="800" dirty="0" smtClean="0">
-                  <a:solidFill>
-                    <a:srgbClr val="C00000"/>
-                  </a:solidFill>
-                  <a:latin typeface="Source Sans Pro Light"/>
-                  <a:ea typeface="Microsoft Yi Baiti" panose="03000500000000000000" pitchFamily="66" charset="0"/>
-                  <a:cs typeface="Arabic Typesetting" panose="03020402040406030203" pitchFamily="66" charset="-78"/>
-                </a:rPr>
-                <a:t>     # </a:t>
+                <a:t>                       # </a:t>
               </a:r>
               <a:r>
                 <a:rPr lang="en-US" sz="800" dirty="0">
@@ -2766,29 +2755,7 @@
                   <a:ea typeface="Microsoft Yi Baiti" panose="03000500000000000000" pitchFamily="66" charset="0"/>
                   <a:cs typeface="Arabic Typesetting" panose="03020402040406030203" pitchFamily="66" charset="-78"/>
                 </a:rPr>
-                <a:t>                   </a:t>
-              </a:r>
-              <a:r>
-                <a:rPr lang="en-US" sz="800" dirty="0" smtClean="0">
-                  <a:solidFill>
-                    <a:srgbClr val="C00000"/>
-                  </a:solidFill>
-                  <a:latin typeface="Source Sans Pro Light"/>
-                  <a:ea typeface="Microsoft Yi Baiti" panose="03000500000000000000" pitchFamily="66" charset="0"/>
-                  <a:cs typeface="Arabic Typesetting" panose="03020402040406030203" pitchFamily="66" charset="-78"/>
-                </a:rPr>
-                <a:t>    </a:t>
-              </a:r>
-              <a:r>
-                <a:rPr lang="en-US" sz="800" dirty="0" smtClean="0">
-                  <a:solidFill>
-                    <a:srgbClr val="C00000"/>
-                  </a:solidFill>
-                  <a:latin typeface="Source Sans Pro Light"/>
-                  <a:ea typeface="Microsoft Yi Baiti" panose="03000500000000000000" pitchFamily="66" charset="0"/>
-                  <a:cs typeface="Arabic Typesetting" panose="03020402040406030203" pitchFamily="66" charset="-78"/>
-                </a:rPr>
-                <a:t># </a:t>
+                <a:t>                       # </a:t>
               </a:r>
               <a:r>
                 <a:rPr lang="en-US" sz="800" dirty="0">
@@ -2845,18 +2812,7 @@
                   <a:ea typeface="Microsoft Yi Baiti" panose="03000500000000000000" pitchFamily="66" charset="0"/>
                   <a:cs typeface="Arabic Typesetting" panose="03020402040406030203" pitchFamily="66" charset="-78"/>
                 </a:rPr>
-                <a:t>                    </a:t>
-              </a:r>
-              <a:r>
-                <a:rPr lang="en-US" sz="800" dirty="0" smtClean="0">
-                  <a:solidFill>
-                    <a:srgbClr val="C00000"/>
-                  </a:solidFill>
-                  <a:latin typeface="Source Sans Pro Light"/>
-                  <a:ea typeface="Microsoft Yi Baiti" panose="03000500000000000000" pitchFamily="66" charset="0"/>
-                  <a:cs typeface="Arabic Typesetting" panose="03020402040406030203" pitchFamily="66" charset="-78"/>
-                </a:rPr>
-                <a:t>   # </a:t>
+                <a:t>                       # </a:t>
               </a:r>
               <a:r>
                 <a:rPr lang="en-US" sz="800" dirty="0">
@@ -2913,18 +2869,7 @@
                   <a:ea typeface="Microsoft Yi Baiti" panose="03000500000000000000" pitchFamily="66" charset="0"/>
                   <a:cs typeface="Arabic Typesetting" panose="03020402040406030203" pitchFamily="66" charset="-78"/>
                 </a:rPr>
-                <a:t>                     </a:t>
-              </a:r>
-              <a:r>
-                <a:rPr lang="en-US" sz="800" dirty="0" smtClean="0">
-                  <a:solidFill>
-                    <a:srgbClr val="C00000"/>
-                  </a:solidFill>
-                  <a:latin typeface="Source Sans Pro Light"/>
-                  <a:ea typeface="Microsoft Yi Baiti" panose="03000500000000000000" pitchFamily="66" charset="0"/>
-                  <a:cs typeface="Arabic Typesetting" panose="03020402040406030203" pitchFamily="66" charset="-78"/>
-                </a:rPr>
-                <a:t>  # </a:t>
+                <a:t>                       # </a:t>
               </a:r>
               <a:r>
                 <a:rPr lang="en-US" sz="800" dirty="0">
@@ -3118,18 +3063,7 @@
                   <a:ea typeface="Microsoft Yi Baiti" panose="03000500000000000000" pitchFamily="66" charset="0"/>
                   <a:cs typeface="Arabic Typesetting" panose="03020402040406030203" pitchFamily="66" charset="-78"/>
                 </a:rPr>
-                <a:t>)   </a:t>
-              </a:r>
-              <a:r>
-                <a:rPr lang="en-US" sz="800" dirty="0" smtClean="0">
-                  <a:solidFill>
-                    <a:srgbClr val="C00000"/>
-                  </a:solidFill>
-                  <a:latin typeface="Source Sans Pro Light"/>
-                  <a:ea typeface="Microsoft Yi Baiti" panose="03000500000000000000" pitchFamily="66" charset="0"/>
-                  <a:cs typeface="Arabic Typesetting" panose="03020402040406030203" pitchFamily="66" charset="-78"/>
-                </a:rPr>
-                <a:t> # </a:t>
+                <a:t>)    # </a:t>
               </a:r>
               <a:r>
                 <a:rPr lang="en-US" sz="800" dirty="0">
@@ -3208,29 +3142,7 @@
                   <a:ea typeface="Microsoft Yi Baiti" panose="03000500000000000000" pitchFamily="66" charset="0"/>
                   <a:cs typeface="Arabic Typesetting" panose="03020402040406030203" pitchFamily="66" charset="-78"/>
                 </a:rPr>
-                <a:t>                    </a:t>
-              </a:r>
-              <a:r>
-                <a:rPr lang="en-US" sz="800" dirty="0" smtClean="0">
-                  <a:solidFill>
-                    <a:srgbClr val="C00000"/>
-                  </a:solidFill>
-                  <a:latin typeface="Source Sans Pro Light"/>
-                  <a:ea typeface="Microsoft Yi Baiti" panose="03000500000000000000" pitchFamily="66" charset="0"/>
-                  <a:cs typeface="Arabic Typesetting" panose="03020402040406030203" pitchFamily="66" charset="-78"/>
-                </a:rPr>
-                <a:t>   </a:t>
-              </a:r>
-              <a:r>
-                <a:rPr lang="en-US" sz="800" dirty="0" smtClean="0">
-                  <a:solidFill>
-                    <a:srgbClr val="C00000"/>
-                  </a:solidFill>
-                  <a:latin typeface="Source Sans Pro Light"/>
-                  <a:ea typeface="Microsoft Yi Baiti" panose="03000500000000000000" pitchFamily="66" charset="0"/>
-                  <a:cs typeface="Arabic Typesetting" panose="03020402040406030203" pitchFamily="66" charset="-78"/>
-                </a:rPr>
-                <a:t># </a:t>
+                <a:t>                       # </a:t>
               </a:r>
               <a:r>
                 <a:rPr lang="en-US" sz="800" dirty="0">
@@ -3374,7 +3286,7 @@
             </a:ln>
             <a:extLst>
               <a:ext uri="{C572A759-6A51-4108-AA02-DFA0A04FC94B}">
-                <ma14:wrappingTextBoxFlag xmlns:ma14="http://schemas.microsoft.com/office/mac/drawingml/2011/main" xmlns="" val="1"/>
+                <ma14:wrappingTextBoxFlag xmlns="" xmlns:ma14="http://schemas.microsoft.com/office/mac/drawingml/2011/main" val="1"/>
               </a:ext>
             </a:extLst>
           </p:spPr>
@@ -4854,7 +4766,7 @@
             </a:ln>
             <a:extLst>
               <a:ext uri="{C572A759-6A51-4108-AA02-DFA0A04FC94B}">
-                <ma14:wrappingTextBoxFlag xmlns:ma14="http://schemas.microsoft.com/office/mac/drawingml/2011/main" xmlns="" val="1"/>
+                <ma14:wrappingTextBoxFlag xmlns="" xmlns:ma14="http://schemas.microsoft.com/office/mac/drawingml/2011/main" val="1"/>
               </a:ext>
             </a:extLst>
           </p:spPr>
@@ -6343,7 +6255,7 @@
             </a:ln>
             <a:extLst>
               <a:ext uri="{C572A759-6A51-4108-AA02-DFA0A04FC94B}">
-                <ma14:wrappingTextBoxFlag xmlns:ma14="http://schemas.microsoft.com/office/mac/drawingml/2011/main" xmlns="" val="1"/>
+                <ma14:wrappingTextBoxFlag xmlns="" xmlns:ma14="http://schemas.microsoft.com/office/mac/drawingml/2011/main" val="1"/>
               </a:ext>
             </a:extLst>
           </p:spPr>
@@ -7525,7 +7437,7 @@
             </a:ln>
             <a:extLst>
               <a:ext uri="{C572A759-6A51-4108-AA02-DFA0A04FC94B}">
-                <ma14:wrappingTextBoxFlag xmlns:ma14="http://schemas.microsoft.com/office/mac/drawingml/2011/main" xmlns="" val="1"/>
+                <ma14:wrappingTextBoxFlag xmlns="" xmlns:ma14="http://schemas.microsoft.com/office/mac/drawingml/2011/main" val="1"/>
               </a:ext>
             </a:extLst>
           </p:spPr>
@@ -8618,17 +8530,7 @@
                   <a:latin typeface="Courier New" panose="02070309020205020404" pitchFamily="49" charset="0"/>
                   <a:cs typeface="Courier New" panose="02070309020205020404" pitchFamily="49" charset="0"/>
                 </a:rPr>
-                <a:t>MPG</a:t>
-              </a:r>
-              <a:r>
-                <a:rPr lang="en-US" sz="600" b="1" dirty="0" smtClean="0">
-                  <a:solidFill>
-                    <a:srgbClr val="C00000"/>
-                  </a:solidFill>
-                  <a:latin typeface="Courier New" panose="02070309020205020404" pitchFamily="49" charset="0"/>
-                  <a:cs typeface="Courier New" panose="02070309020205020404" pitchFamily="49" charset="0"/>
-                </a:rPr>
-                <a:t>“, </a:t>
+                <a:t>MPG“, </a:t>
               </a:r>
               <a:r>
                 <a:rPr lang="en-US" sz="600" b="1" dirty="0" err="1" smtClean="0">
@@ -9035,16 +8937,16 @@
                 <a:t>pch</a:t>
               </a:r>
               <a:r>
-                <a:rPr lang="en-US" sz="800" dirty="0" smtClean="0">
-                  <a:solidFill>
-                    <a:srgbClr val="C00000"/>
-                  </a:solidFill>
-                  <a:latin typeface="Source Sans Pro Semibold"/>
-                </a:rPr>
-                <a:t>=21,by=</a:t>
-              </a:r>
-              <a:r>
-                <a:rPr lang="en-US" sz="800" b="1" dirty="0">
+                <a:rPr lang="en-US" sz="800" smtClean="0">
+                  <a:solidFill>
+                    <a:srgbClr val="C00000"/>
+                  </a:solidFill>
+                  <a:latin typeface="Source Sans Pro Semibold"/>
+                </a:rPr>
+                <a:t>=21,bg=</a:t>
+              </a:r>
+              <a:r>
+                <a:rPr lang="en-US" sz="800" b="1" smtClean="0">
                   <a:solidFill>
                     <a:srgbClr val="C00000"/>
                   </a:solidFill>
@@ -9507,17 +9409,7 @@
                   <a:latin typeface="Courier New" panose="02070309020205020404" pitchFamily="49" charset="0"/>
                   <a:cs typeface="Courier New" panose="02070309020205020404" pitchFamily="49" charset="0"/>
                 </a:rPr>
-                <a:t>=3</a:t>
-              </a:r>
-              <a:r>
-                <a:rPr lang="en-US" sz="600" b="1" dirty="0" smtClean="0">
-                  <a:solidFill>
-                    <a:srgbClr val="C00000"/>
-                  </a:solidFill>
-                  <a:latin typeface="Courier New" panose="02070309020205020404" pitchFamily="49" charset="0"/>
-                  <a:cs typeface="Courier New" panose="02070309020205020404" pitchFamily="49" charset="0"/>
-                </a:rPr>
-                <a:t>,</a:t>
+                <a:t>=3,</a:t>
               </a:r>
             </a:p>
             <a:p>
@@ -10671,7 +10563,7 @@
             </a:ln>
             <a:extLst>
               <a:ext uri="{C572A759-6A51-4108-AA02-DFA0A04FC94B}">
-                <ma14:wrappingTextBoxFlag xmlns:ma14="http://schemas.microsoft.com/office/mac/drawingml/2011/main" xmlns="" val="1"/>
+                <ma14:wrappingTextBoxFlag xmlns="" xmlns:ma14="http://schemas.microsoft.com/office/mac/drawingml/2011/main" val="1"/>
               </a:ext>
             </a:extLst>
           </p:spPr>
@@ -12267,7 +12159,7 @@
             </a:ln>
             <a:extLst>
               <a:ext uri="{C572A759-6A51-4108-AA02-DFA0A04FC94B}">
-                <ma14:wrappingTextBoxFlag xmlns:ma14="http://schemas.microsoft.com/office/mac/drawingml/2011/main" xmlns="" val="1"/>
+                <ma14:wrappingTextBoxFlag xmlns="" xmlns:ma14="http://schemas.microsoft.com/office/mac/drawingml/2011/main" val="1"/>
               </a:ext>
             </a:extLst>
           </p:spPr>
@@ -13307,7 +13199,7 @@
             </a:ln>
             <a:extLst>
               <a:ext uri="{C572A759-6A51-4108-AA02-DFA0A04FC94B}">
-                <ma14:wrappingTextBoxFlag xmlns:ma14="http://schemas.microsoft.com/office/mac/drawingml/2011/main" xmlns="" val="1"/>
+                <ma14:wrappingTextBoxFlag xmlns="" xmlns:ma14="http://schemas.microsoft.com/office/mac/drawingml/2011/main" val="1"/>
               </a:ext>
             </a:extLst>
           </p:spPr>
@@ -14677,7 +14569,7 @@
             </a:ln>
             <a:extLst>
               <a:ext uri="{C572A759-6A51-4108-AA02-DFA0A04FC94B}">
-                <ma14:wrappingTextBoxFlag xmlns:ma14="http://schemas.microsoft.com/office/mac/drawingml/2011/main" xmlns="" val="1"/>
+                <ma14:wrappingTextBoxFlag xmlns="" xmlns:ma14="http://schemas.microsoft.com/office/mac/drawingml/2011/main" val="1"/>
               </a:ext>
             </a:extLst>
           </p:spPr>
@@ -16362,7 +16254,7 @@
             </a:ln>
             <a:extLst>
               <a:ext uri="{C572A759-6A51-4108-AA02-DFA0A04FC94B}">
-                <ma14:wrappingTextBoxFlag xmlns:ma14="http://schemas.microsoft.com/office/mac/drawingml/2011/main" xmlns="" val="1"/>
+                <ma14:wrappingTextBoxFlag xmlns="" xmlns:ma14="http://schemas.microsoft.com/office/mac/drawingml/2011/main" val="1"/>
               </a:ext>
             </a:extLst>
           </p:spPr>
@@ -16627,7 +16519,7 @@
             </a:ln>
             <a:extLst>
               <a:ext uri="{C572A759-6A51-4108-AA02-DFA0A04FC94B}">
-                <ma14:wrappingTextBoxFlag xmlns:ma14="http://schemas.microsoft.com/office/mac/drawingml/2011/main" xmlns="" val="1"/>
+                <ma14:wrappingTextBoxFlag xmlns="" xmlns:ma14="http://schemas.microsoft.com/office/mac/drawingml/2011/main" val="1"/>
               </a:ext>
             </a:extLst>
           </p:spPr>

--- a/resources/MTH107-RGuide.pptx
+++ b/resources/MTH107-RGuide.pptx
@@ -1144,7 +1144,7 @@
           </a:ln>
           <a:extLst>
             <a:ext uri="{C572A759-6A51-4108-AA02-DFA0A04FC94B}">
-              <ma14:wrappingTextBoxFlag xmlns:ma14="http://schemas.microsoft.com/office/mac/drawingml/2011/main" xmlns="" val="1"/>
+              <ma14:wrappingTextBoxFlag xmlns="" xmlns:ma14="http://schemas.microsoft.com/office/mac/drawingml/2011/main" val="1"/>
             </a:ext>
           </a:extLst>
         </p:spPr>
@@ -1187,7 +1187,7 @@
           </a:ln>
           <a:extLst>
             <a:ext uri="{C572A759-6A51-4108-AA02-DFA0A04FC94B}">
-              <ma14:wrappingTextBoxFlag xmlns:ma14="http://schemas.microsoft.com/office/mac/drawingml/2011/main" xmlns="" val="1"/>
+              <ma14:wrappingTextBoxFlag xmlns="" xmlns:ma14="http://schemas.microsoft.com/office/mac/drawingml/2011/main" val="1"/>
             </a:ext>
           </a:extLst>
         </p:spPr>
@@ -1591,7 +1591,7 @@
         </p:nvGrpSpPr>
         <p:grpSpPr>
           <a:xfrm>
-            <a:off x="76693" y="748267"/>
+            <a:off x="88406" y="1023263"/>
             <a:ext cx="2926190" cy="749315"/>
             <a:chOff x="329022" y="532639"/>
             <a:chExt cx="2926190" cy="749315"/>
@@ -1871,7 +1871,7 @@
             </a:ln>
             <a:extLst>
               <a:ext uri="{C572A759-6A51-4108-AA02-DFA0A04FC94B}">
-                <ma14:wrappingTextBoxFlag xmlns:ma14="http://schemas.microsoft.com/office/mac/drawingml/2011/main" xmlns="" val="1"/>
+                <ma14:wrappingTextBoxFlag xmlns="" xmlns:ma14="http://schemas.microsoft.com/office/mac/drawingml/2011/main" val="1"/>
               </a:ext>
             </a:extLst>
           </p:spPr>
@@ -1919,7 +1919,7 @@
         </p:nvGrpSpPr>
         <p:grpSpPr>
           <a:xfrm>
-            <a:off x="76693" y="1670864"/>
+            <a:off x="89283" y="1837560"/>
             <a:ext cx="2926190" cy="1421722"/>
             <a:chOff x="78447" y="4882096"/>
             <a:chExt cx="2926190" cy="1421722"/>
@@ -1992,14 +1992,22 @@
                   <a:latin typeface="Courier New" panose="02070309020205020404" pitchFamily="49" charset="0"/>
                   <a:cs typeface="Courier New" panose="02070309020205020404" pitchFamily="49" charset="0"/>
                 </a:rPr>
-                <a:t>) </a:t>
-              </a:r>
-              <a:r>
-                <a:rPr lang="en-US" sz="600" b="1" dirty="0" smtClean="0">
-                  <a:solidFill>
-                    <a:schemeClr val="accent2">
-                      <a:lumMod val="50000"/>
-                    </a:schemeClr>
+                <a:t>)</a:t>
+              </a:r>
+              <a:r>
+                <a:rPr lang="en-US" sz="600" dirty="0">
+                  <a:solidFill>
+                    <a:schemeClr val="tx1"/>
+                  </a:solidFill>
+                  <a:latin typeface="Courier New" panose="02070309020205020404" pitchFamily="49" charset="0"/>
+                  <a:cs typeface="Courier New" panose="02070309020205020404" pitchFamily="49" charset="0"/>
+                </a:rPr>
+                <a:t> </a:t>
+              </a:r>
+              <a:r>
+                <a:rPr lang="en-US" sz="600" dirty="0" smtClean="0">
+                  <a:solidFill>
+                    <a:schemeClr val="tx1"/>
                   </a:solidFill>
                   <a:latin typeface="Courier New" panose="02070309020205020404" pitchFamily="49" charset="0"/>
                   <a:cs typeface="Courier New" panose="02070309020205020404" pitchFamily="49" charset="0"/>
@@ -2007,11 +2015,9 @@
                 <a:t>      # randomly order </a:t>
               </a:r>
               <a:r>
-                <a:rPr lang="en-US" sz="600" b="1" dirty="0">
-                  <a:solidFill>
-                    <a:schemeClr val="accent2">
-                      <a:lumMod val="50000"/>
-                    </a:schemeClr>
+                <a:rPr lang="en-US" sz="600" dirty="0">
+                  <a:solidFill>
+                    <a:schemeClr val="tx1"/>
                   </a:solidFill>
                   <a:latin typeface="Courier New" panose="02070309020205020404" pitchFamily="49" charset="0"/>
                   <a:cs typeface="Courier New" panose="02070309020205020404" pitchFamily="49" charset="0"/>
@@ -2019,11 +2025,9 @@
                 <a:t>1 to </a:t>
               </a:r>
               <a:r>
-                <a:rPr lang="en-US" sz="600" b="1" dirty="0" smtClean="0">
-                  <a:solidFill>
-                    <a:schemeClr val="accent2">
-                      <a:lumMod val="50000"/>
-                    </a:schemeClr>
+                <a:rPr lang="en-US" sz="600" dirty="0" smtClean="0">
+                  <a:solidFill>
+                    <a:schemeClr val="tx1"/>
                   </a:solidFill>
                   <a:latin typeface="Courier New" panose="02070309020205020404" pitchFamily="49" charset="0"/>
                   <a:cs typeface="Courier New" panose="02070309020205020404" pitchFamily="49" charset="0"/>
@@ -2107,14 +2111,22 @@
                   <a:latin typeface="Courier New" panose="02070309020205020404" pitchFamily="49" charset="0"/>
                   <a:cs typeface="Courier New" panose="02070309020205020404" pitchFamily="49" charset="0"/>
                 </a:rPr>
-                <a:t>)     </a:t>
-              </a:r>
-              <a:r>
-                <a:rPr lang="en-US" sz="600" b="1" dirty="0">
-                  <a:solidFill>
-                    <a:schemeClr val="accent2">
-                      <a:lumMod val="50000"/>
-                    </a:schemeClr>
+                <a:t>)</a:t>
+              </a:r>
+              <a:r>
+                <a:rPr lang="en-US" sz="600" dirty="0" smtClean="0">
+                  <a:solidFill>
+                    <a:schemeClr val="tx1"/>
+                  </a:solidFill>
+                  <a:latin typeface="Courier New" panose="02070309020205020404" pitchFamily="49" charset="0"/>
+                  <a:cs typeface="Courier New" panose="02070309020205020404" pitchFamily="49" charset="0"/>
+                </a:rPr>
+                <a:t>     </a:t>
+              </a:r>
+              <a:r>
+                <a:rPr lang="en-US" sz="600" dirty="0">
+                  <a:solidFill>
+                    <a:schemeClr val="tx1"/>
                   </a:solidFill>
                   <a:latin typeface="Courier New" panose="02070309020205020404" pitchFamily="49" charset="0"/>
                   <a:cs typeface="Courier New" panose="02070309020205020404" pitchFamily="49" charset="0"/>
@@ -2122,11 +2134,9 @@
                 <a:t># </a:t>
               </a:r>
               <a:r>
-                <a:rPr lang="en-US" sz="600" b="1" dirty="0" smtClean="0">
-                  <a:solidFill>
-                    <a:schemeClr val="accent2">
-                      <a:lumMod val="50000"/>
-                    </a:schemeClr>
+                <a:rPr lang="en-US" sz="600" dirty="0" smtClean="0">
+                  <a:solidFill>
+                    <a:schemeClr val="tx1"/>
                   </a:solidFill>
                   <a:latin typeface="Courier New" panose="02070309020205020404" pitchFamily="49" charset="0"/>
                   <a:cs typeface="Courier New" panose="02070309020205020404" pitchFamily="49" charset="0"/>
@@ -2134,11 +2144,9 @@
                 <a:t>randomly select 3 </a:t>
               </a:r>
               <a:r>
-                <a:rPr lang="en-US" sz="600" b="1" dirty="0">
-                  <a:solidFill>
-                    <a:schemeClr val="accent2">
-                      <a:lumMod val="50000"/>
-                    </a:schemeClr>
+                <a:rPr lang="en-US" sz="600" dirty="0">
+                  <a:solidFill>
+                    <a:schemeClr val="tx1"/>
                   </a:solidFill>
                   <a:latin typeface="Courier New" panose="02070309020205020404" pitchFamily="49" charset="0"/>
                   <a:cs typeface="Courier New" panose="02070309020205020404" pitchFamily="49" charset="0"/>
@@ -2146,11 +2154,9 @@
                 <a:t>from 1 to </a:t>
               </a:r>
               <a:r>
-                <a:rPr lang="en-US" sz="600" b="1" dirty="0" smtClean="0">
-                  <a:solidFill>
-                    <a:schemeClr val="accent2">
-                      <a:lumMod val="50000"/>
-                    </a:schemeClr>
+                <a:rPr lang="en-US" sz="600" dirty="0" smtClean="0">
+                  <a:solidFill>
+                    <a:schemeClr val="tx1"/>
                   </a:solidFill>
                   <a:latin typeface="Courier New" panose="02070309020205020404" pitchFamily="49" charset="0"/>
                   <a:cs typeface="Courier New" panose="02070309020205020404" pitchFamily="49" charset="0"/>
@@ -2451,7 +2457,7 @@
             </a:ln>
             <a:extLst>
               <a:ext uri="{C572A759-6A51-4108-AA02-DFA0A04FC94B}">
-                <ma14:wrappingTextBoxFlag xmlns:ma14="http://schemas.microsoft.com/office/mac/drawingml/2011/main" xmlns="" val="1"/>
+                <ma14:wrappingTextBoxFlag xmlns="" xmlns:ma14="http://schemas.microsoft.com/office/mac/drawingml/2011/main" val="1"/>
               </a:ext>
             </a:extLst>
           </p:spPr>
@@ -2723,8 +2729,8 @@
         </p:nvSpPr>
         <p:spPr>
           <a:xfrm>
-            <a:off x="69413" y="46762"/>
-            <a:ext cx="5105837" cy="529537"/>
+            <a:off x="69415" y="46762"/>
+            <a:ext cx="2510500" cy="529537"/>
           </a:xfrm>
         </p:spPr>
         <p:txBody>
@@ -2738,19 +2744,30 @@
               <a:rPr lang="en-US" sz="4400" dirty="0" smtClean="0">
                 <a:solidFill>
                   <a:schemeClr val="bg1">
-                    <a:lumMod val="95000"/>
+                    <a:lumMod val="85000"/>
                   </a:schemeClr>
                 </a:solidFill>
                 <a:latin typeface="Calibri" panose="020F0502020204030204" pitchFamily="34" charset="0"/>
                 <a:cs typeface="Calibri" panose="020F0502020204030204" pitchFamily="34" charset="0"/>
               </a:rPr>
-              <a:t>R Function Guide</a:t>
+              <a:t>R </a:t>
+            </a:r>
+            <a:r>
+              <a:rPr lang="en-US" sz="4400" dirty="0" smtClean="0">
+                <a:solidFill>
+                  <a:schemeClr val="bg1">
+                    <a:lumMod val="85000"/>
+                  </a:schemeClr>
+                </a:solidFill>
+                <a:latin typeface="Calibri" panose="020F0502020204030204" pitchFamily="34" charset="0"/>
+                <a:cs typeface="Calibri" panose="020F0502020204030204" pitchFamily="34" charset="0"/>
+              </a:rPr>
+              <a:t>Function</a:t>
             </a:r>
             <a:endParaRPr lang="en-US" sz="4400" dirty="0">
               <a:solidFill>
-                <a:schemeClr val="tx1">
-                  <a:lumMod val="65000"/>
-                  <a:lumOff val="35000"/>
+                <a:schemeClr val="bg1">
+                  <a:lumMod val="85000"/>
                 </a:schemeClr>
               </a:solidFill>
               <a:latin typeface="Calibri" panose="020F0502020204030204" pitchFamily="34" charset="0"/>
@@ -2767,7 +2784,7 @@
         </p:nvGrpSpPr>
         <p:grpSpPr>
           <a:xfrm>
-            <a:off x="3113989" y="4441295"/>
+            <a:off x="3113406" y="4793589"/>
             <a:ext cx="2926080" cy="1828750"/>
             <a:chOff x="3248290" y="3296669"/>
             <a:chExt cx="2926080" cy="1828750"/>
@@ -2944,25 +2961,31 @@
                   <a:latin typeface="Courier New" panose="02070309020205020404" pitchFamily="49" charset="0"/>
                   <a:cs typeface="Courier New" panose="02070309020205020404" pitchFamily="49" charset="0"/>
                 </a:rPr>
-                <a:t>) # </a:t>
-              </a:r>
-              <a:r>
-                <a:rPr lang="en-US" sz="600" b="1" dirty="0" smtClean="0">
-                  <a:solidFill>
-                    <a:schemeClr val="accent2">
-                      <a:lumMod val="50000"/>
-                    </a:schemeClr>
+                <a:t>) </a:t>
+              </a:r>
+              <a:r>
+                <a:rPr lang="en-US" sz="600" dirty="0">
+                  <a:solidFill>
+                    <a:schemeClr val="tx1"/>
+                  </a:solidFill>
+                  <a:latin typeface="Courier New" panose="02070309020205020404" pitchFamily="49" charset="0"/>
+                  <a:cs typeface="Courier New" panose="02070309020205020404" pitchFamily="49" charset="0"/>
+                </a:rPr>
+                <a:t># </a:t>
+              </a:r>
+              <a:r>
+                <a:rPr lang="en-US" sz="600" dirty="0" smtClean="0">
+                  <a:solidFill>
+                    <a:schemeClr val="tx1"/>
                   </a:solidFill>
                   <a:latin typeface="Courier New" panose="02070309020205020404" pitchFamily="49" charset="0"/>
                   <a:cs typeface="Courier New" panose="02070309020205020404" pitchFamily="49" charset="0"/>
                 </a:rPr>
                 <a:t>p-value</a:t>
               </a:r>
-              <a:endParaRPr lang="en-US" sz="600" b="1" dirty="0">
+              <a:endParaRPr lang="en-US" sz="600" dirty="0">
                 <a:solidFill>
-                  <a:schemeClr val="accent2">
-                    <a:lumMod val="50000"/>
-                  </a:schemeClr>
+                  <a:schemeClr val="tx1"/>
                 </a:solidFill>
                 <a:latin typeface="Courier New" panose="02070309020205020404" pitchFamily="49" charset="0"/>
                 <a:cs typeface="Courier New" panose="02070309020205020404" pitchFamily="49" charset="0"/>
@@ -3215,7 +3238,7 @@
             </a:ln>
             <a:extLst>
               <a:ext uri="{C572A759-6A51-4108-AA02-DFA0A04FC94B}">
-                <ma14:wrappingTextBoxFlag xmlns:ma14="http://schemas.microsoft.com/office/mac/drawingml/2011/main" xmlns="" val="1"/>
+                <ma14:wrappingTextBoxFlag xmlns="" xmlns:ma14="http://schemas.microsoft.com/office/mac/drawingml/2011/main" val="1"/>
               </a:ext>
             </a:extLst>
           </p:spPr>
@@ -3548,7 +3571,7 @@
         </p:nvGrpSpPr>
         <p:grpSpPr>
           <a:xfrm>
-            <a:off x="3113989" y="752077"/>
+            <a:off x="3108852" y="1679582"/>
             <a:ext cx="2926080" cy="3027965"/>
             <a:chOff x="3248290" y="770743"/>
             <a:chExt cx="2926080" cy="3027965"/>
@@ -3701,7 +3724,17 @@
                   <a:latin typeface="Courier New" panose="02070309020205020404" pitchFamily="49" charset="0"/>
                   <a:cs typeface="Courier New" panose="02070309020205020404" pitchFamily="49" charset="0"/>
                 </a:rPr>
-                <a:t>) # p-value</a:t>
+                <a:t>) </a:t>
+              </a:r>
+              <a:r>
+                <a:rPr lang="en-US" sz="600" dirty="0">
+                  <a:solidFill>
+                    <a:schemeClr val="tx1"/>
+                  </a:solidFill>
+                  <a:latin typeface="Courier New" panose="02070309020205020404" pitchFamily="49" charset="0"/>
+                  <a:cs typeface="Courier New" panose="02070309020205020404" pitchFamily="49" charset="0"/>
+                </a:rPr>
+                <a:t># p-value</a:t>
               </a:r>
             </a:p>
             <a:p>
@@ -3917,25 +3950,31 @@
                   <a:latin typeface="Courier New" panose="02070309020205020404" pitchFamily="49" charset="0"/>
                   <a:cs typeface="Courier New" panose="02070309020205020404" pitchFamily="49" charset="0"/>
                 </a:rPr>
-                <a:t>)        # </a:t>
-              </a:r>
-              <a:r>
-                <a:rPr lang="fr-FR" sz="600" b="1" dirty="0" smtClean="0">
-                  <a:solidFill>
-                    <a:schemeClr val="accent2">
-                      <a:lumMod val="50000"/>
-                    </a:schemeClr>
+                <a:t>)       </a:t>
+              </a:r>
+              <a:r>
+                <a:rPr lang="fr-FR" sz="600" dirty="0">
+                  <a:solidFill>
+                    <a:schemeClr val="tx1"/>
+                  </a:solidFill>
+                  <a:latin typeface="Courier New" panose="02070309020205020404" pitchFamily="49" charset="0"/>
+                  <a:cs typeface="Courier New" panose="02070309020205020404" pitchFamily="49" charset="0"/>
+                </a:rPr>
+                <a:t> # </a:t>
+              </a:r>
+              <a:r>
+                <a:rPr lang="fr-FR" sz="600" dirty="0" smtClean="0">
+                  <a:solidFill>
+                    <a:schemeClr val="tx1"/>
                   </a:solidFill>
                   <a:latin typeface="Courier New" panose="02070309020205020404" pitchFamily="49" charset="0"/>
                   <a:cs typeface="Courier New" panose="02070309020205020404" pitchFamily="49" charset="0"/>
                 </a:rPr>
                 <a:t>t-star</a:t>
               </a:r>
-              <a:endParaRPr lang="en-US" sz="600" b="1" dirty="0">
+              <a:endParaRPr lang="en-US" sz="600" dirty="0">
                 <a:solidFill>
-                  <a:schemeClr val="accent2">
-                    <a:lumMod val="50000"/>
-                  </a:schemeClr>
+                  <a:schemeClr val="tx1"/>
                 </a:solidFill>
                 <a:latin typeface="Courier New" panose="02070309020205020404" pitchFamily="49" charset="0"/>
                 <a:cs typeface="Courier New" panose="02070309020205020404" pitchFamily="49" charset="0"/>
@@ -4295,7 +4334,7 @@
             </a:ln>
             <a:extLst>
               <a:ext uri="{C572A759-6A51-4108-AA02-DFA0A04FC94B}">
-                <ma14:wrappingTextBoxFlag xmlns:ma14="http://schemas.microsoft.com/office/mac/drawingml/2011/main" xmlns="" val="1"/>
+                <ma14:wrappingTextBoxFlag xmlns="" xmlns:ma14="http://schemas.microsoft.com/office/mac/drawingml/2011/main" val="1"/>
               </a:ext>
             </a:extLst>
           </p:spPr>
@@ -4707,7 +4746,7 @@
         </p:nvGrpSpPr>
         <p:grpSpPr>
           <a:xfrm>
-            <a:off x="75816" y="3229889"/>
+            <a:off x="80549" y="3317192"/>
             <a:ext cx="2926080" cy="3361143"/>
             <a:chOff x="75816" y="3096539"/>
             <a:chExt cx="2926080" cy="3361143"/>
@@ -4792,6 +4831,50 @@
                   <a:latin typeface="Courier New" panose="02070309020205020404" pitchFamily="49" charset="0"/>
                   <a:cs typeface="Courier New" panose="02070309020205020404" pitchFamily="49" charset="0"/>
                 </a:rPr>
+                <a:t>,mean=</a:t>
+              </a:r>
+              <a:r>
+                <a:rPr lang="en-US" sz="600" b="1" dirty="0" smtClean="0">
+                  <a:solidFill>
+                    <a:srgbClr val="C00000"/>
+                  </a:solidFill>
+                  <a:latin typeface="Courier New" panose="02070309020205020404" pitchFamily="49" charset="0"/>
+                  <a:cs typeface="Courier New" panose="02070309020205020404" pitchFamily="49" charset="0"/>
+                </a:rPr>
+                <a:t>45</a:t>
+              </a:r>
+              <a:r>
+                <a:rPr lang="en-US" sz="600" b="1" dirty="0" smtClean="0">
+                  <a:solidFill>
+                    <a:schemeClr val="accent2">
+                      <a:lumMod val="50000"/>
+                    </a:schemeClr>
+                  </a:solidFill>
+                  <a:latin typeface="Courier New" panose="02070309020205020404" pitchFamily="49" charset="0"/>
+                  <a:cs typeface="Courier New" panose="02070309020205020404" pitchFamily="49" charset="0"/>
+                </a:rPr>
+                <a:t>,sd=</a:t>
+              </a:r>
+              <a:r>
+                <a:rPr lang="en-US" sz="600" b="1" dirty="0" smtClean="0">
+                  <a:solidFill>
+                    <a:srgbClr val="C00000"/>
+                  </a:solidFill>
+                  <a:latin typeface="Courier New" panose="02070309020205020404" pitchFamily="49" charset="0"/>
+                  <a:cs typeface="Courier New" panose="02070309020205020404" pitchFamily="49" charset="0"/>
+                </a:rPr>
+                <a:t>10</a:t>
+              </a:r>
+              <a:r>
+                <a:rPr lang="en-US" sz="600" b="1" dirty="0">
+                  <a:solidFill>
+                    <a:schemeClr val="accent2">
+                      <a:lumMod val="50000"/>
+                    </a:schemeClr>
+                  </a:solidFill>
+                  <a:latin typeface="Courier New" panose="02070309020205020404" pitchFamily="49" charset="0"/>
+                  <a:cs typeface="Courier New" panose="02070309020205020404" pitchFamily="49" charset="0"/>
+                </a:rPr>
                 <a:t>,</a:t>
               </a:r>
               <a:r>
@@ -4802,58 +4885,12 @@
                   <a:latin typeface="Courier New" panose="02070309020205020404" pitchFamily="49" charset="0"/>
                   <a:cs typeface="Courier New" panose="02070309020205020404" pitchFamily="49" charset="0"/>
                 </a:rPr>
-                <a:t>mean=45</a:t>
-              </a:r>
-              <a:r>
-                <a:rPr lang="en-US" sz="600" b="1" dirty="0" smtClean="0">
-                  <a:solidFill>
-                    <a:schemeClr val="accent2">
-                      <a:lumMod val="50000"/>
-                    </a:schemeClr>
-                  </a:solidFill>
-                  <a:latin typeface="Courier New" panose="02070309020205020404" pitchFamily="49" charset="0"/>
-                  <a:cs typeface="Courier New" panose="02070309020205020404" pitchFamily="49" charset="0"/>
-                </a:rPr>
-                <a:t>,</a:t>
-              </a:r>
-              <a:r>
-                <a:rPr lang="en-US" sz="600" b="1" dirty="0" smtClean="0">
-                  <a:solidFill>
-                    <a:srgbClr val="C00000"/>
-                  </a:solidFill>
-                  <a:latin typeface="Courier New" panose="02070309020205020404" pitchFamily="49" charset="0"/>
-                  <a:cs typeface="Courier New" panose="02070309020205020404" pitchFamily="49" charset="0"/>
-                </a:rPr>
-                <a:t>sd=10</a:t>
-              </a:r>
-              <a:r>
-                <a:rPr lang="en-US" sz="600" b="1" dirty="0">
-                  <a:solidFill>
-                    <a:schemeClr val="accent2">
-                      <a:lumMod val="50000"/>
-                    </a:schemeClr>
-                  </a:solidFill>
-                  <a:latin typeface="Courier New" panose="02070309020205020404" pitchFamily="49" charset="0"/>
-                  <a:cs typeface="Courier New" panose="02070309020205020404" pitchFamily="49" charset="0"/>
-                </a:rPr>
-                <a:t>,</a:t>
-              </a:r>
-              <a:r>
-                <a:rPr lang="en-US" sz="600" b="1" dirty="0" smtClean="0">
-                  <a:solidFill>
-                    <a:srgbClr val="C00000"/>
-                  </a:solidFill>
-                  <a:latin typeface="Courier New" panose="02070309020205020404" pitchFamily="49" charset="0"/>
-                  <a:cs typeface="Courier New" panose="02070309020205020404" pitchFamily="49" charset="0"/>
-                </a:rPr>
                 <a:t>lower.tail=FALSE</a:t>
               </a:r>
               <a:r>
-                <a:rPr lang="en-US" sz="600" b="1" dirty="0">
-                  <a:solidFill>
-                    <a:schemeClr val="accent2">
-                      <a:lumMod val="50000"/>
-                    </a:schemeClr>
+                <a:rPr lang="en-US" sz="600" dirty="0">
+                  <a:solidFill>
+                    <a:schemeClr val="tx1"/>
                   </a:solidFill>
                   <a:latin typeface="Courier New" panose="02070309020205020404" pitchFamily="49" charset="0"/>
                   <a:cs typeface="Courier New" panose="02070309020205020404" pitchFamily="49" charset="0"/>
@@ -5004,7 +5041,7 @@
                   <a:latin typeface="Courier New" panose="02070309020205020404" pitchFamily="49" charset="0"/>
                   <a:cs typeface="Courier New" panose="02070309020205020404" pitchFamily="49" charset="0"/>
                 </a:rPr>
-                <a:t>,</a:t>
+                <a:t>,mean=</a:t>
               </a:r>
               <a:r>
                 <a:rPr lang="en-US" sz="600" b="1" dirty="0" smtClean="0">
@@ -5014,48 +5051,56 @@
                   <a:latin typeface="Courier New" panose="02070309020205020404" pitchFamily="49" charset="0"/>
                   <a:cs typeface="Courier New" panose="02070309020205020404" pitchFamily="49" charset="0"/>
                 </a:rPr>
-                <a:t>mean=45</a:t>
-              </a:r>
-              <a:r>
-                <a:rPr lang="en-US" sz="600" b="1" dirty="0">
-                  <a:solidFill>
-                    <a:schemeClr val="accent2">
-                      <a:lumMod val="50000"/>
-                    </a:schemeClr>
-                  </a:solidFill>
-                  <a:latin typeface="Courier New" panose="02070309020205020404" pitchFamily="49" charset="0"/>
-                  <a:cs typeface="Courier New" panose="02070309020205020404" pitchFamily="49" charset="0"/>
-                </a:rPr>
-                <a:t>,</a:t>
+                <a:t>45</a:t>
               </a:r>
               <a:r>
                 <a:rPr lang="en-US" sz="600" b="1" dirty="0" smtClean="0">
                   <a:solidFill>
-                    <a:srgbClr val="C00000"/>
-                  </a:solidFill>
-                  <a:latin typeface="Courier New" panose="02070309020205020404" pitchFamily="49" charset="0"/>
-                  <a:cs typeface="Courier New" panose="02070309020205020404" pitchFamily="49" charset="0"/>
-                </a:rPr>
-                <a:t>sd=10</a:t>
+                    <a:schemeClr val="accent2">
+                      <a:lumMod val="50000"/>
+                    </a:schemeClr>
+                  </a:solidFill>
+                  <a:latin typeface="Courier New" panose="02070309020205020404" pitchFamily="49" charset="0"/>
+                  <a:cs typeface="Courier New" panose="02070309020205020404" pitchFamily="49" charset="0"/>
+                </a:rPr>
+                <a:t>,sd=</a:t>
               </a:r>
               <a:r>
                 <a:rPr lang="en-US" sz="600" b="1" dirty="0" smtClean="0">
                   <a:solidFill>
-                    <a:schemeClr val="accent2">
-                      <a:lumMod val="50000"/>
-                    </a:schemeClr>
-                  </a:solidFill>
-                  <a:latin typeface="Courier New" panose="02070309020205020404" pitchFamily="49" charset="0"/>
-                  <a:cs typeface="Courier New" panose="02070309020205020404" pitchFamily="49" charset="0"/>
-                </a:rPr>
-                <a:t>)                  </a:t>
-              </a:r>
-              <a:r>
-                <a:rPr lang="en-US" sz="600" b="1" dirty="0">
-                  <a:solidFill>
-                    <a:schemeClr val="accent2">
-                      <a:lumMod val="50000"/>
-                    </a:schemeClr>
+                    <a:srgbClr val="C00000"/>
+                  </a:solidFill>
+                  <a:latin typeface="Courier New" panose="02070309020205020404" pitchFamily="49" charset="0"/>
+                  <a:cs typeface="Courier New" panose="02070309020205020404" pitchFamily="49" charset="0"/>
+                </a:rPr>
+                <a:t>10</a:t>
+              </a:r>
+              <a:r>
+                <a:rPr lang="en-US" sz="600" b="1" dirty="0" smtClean="0">
+                  <a:solidFill>
+                    <a:schemeClr val="accent2">
+                      <a:lumMod val="50000"/>
+                    </a:schemeClr>
+                  </a:solidFill>
+                  <a:latin typeface="Courier New" panose="02070309020205020404" pitchFamily="49" charset="0"/>
+                  <a:cs typeface="Courier New" panose="02070309020205020404" pitchFamily="49" charset="0"/>
+                </a:rPr>
+                <a:t>)</a:t>
+              </a:r>
+              <a:r>
+                <a:rPr lang="en-US" sz="600" dirty="0" smtClean="0">
+                  <a:solidFill>
+                    <a:schemeClr val="tx1"/>
+                  </a:solidFill>
+                  <a:latin typeface="Courier New" panose="02070309020205020404" pitchFamily="49" charset="0"/>
+                  <a:cs typeface="Courier New" panose="02070309020205020404" pitchFamily="49" charset="0"/>
+                </a:rPr>
+                <a:t>                  </a:t>
+              </a:r>
+              <a:r>
+                <a:rPr lang="en-US" sz="600" dirty="0">
+                  <a:solidFill>
+                    <a:schemeClr val="tx1"/>
                   </a:solidFill>
                   <a:latin typeface="Courier New" panose="02070309020205020404" pitchFamily="49" charset="0"/>
                   <a:cs typeface="Courier New" panose="02070309020205020404" pitchFamily="49" charset="0"/>
@@ -5063,22 +5108,18 @@
                 <a:t>#</a:t>
               </a:r>
               <a:r>
-                <a:rPr lang="en-US" sz="600" b="1" dirty="0" smtClean="0">
-                  <a:solidFill>
-                    <a:schemeClr val="accent2">
-                      <a:lumMod val="50000"/>
-                    </a:schemeClr>
+                <a:rPr lang="en-US" sz="600" dirty="0" smtClean="0">
+                  <a:solidFill>
+                    <a:schemeClr val="tx1"/>
                   </a:solidFill>
                   <a:latin typeface="Courier New" panose="02070309020205020404" pitchFamily="49" charset="0"/>
                   <a:cs typeface="Courier New" panose="02070309020205020404" pitchFamily="49" charset="0"/>
                 </a:rPr>
                 <a:t>forward-left</a:t>
               </a:r>
-              <a:endParaRPr lang="en-US" sz="600" b="1" dirty="0">
+              <a:endParaRPr lang="en-US" sz="600" dirty="0">
                 <a:solidFill>
-                  <a:schemeClr val="accent2">
-                    <a:lumMod val="50000"/>
-                  </a:schemeClr>
+                  <a:schemeClr val="tx1"/>
                 </a:solidFill>
                 <a:latin typeface="Courier New" panose="02070309020205020404" pitchFamily="49" charset="0"/>
                 <a:cs typeface="Courier New" panose="02070309020205020404" pitchFamily="49" charset="0"/>
@@ -5137,6 +5178,50 @@
                   <a:latin typeface="Courier New" panose="02070309020205020404" pitchFamily="49" charset="0"/>
                   <a:cs typeface="Courier New" panose="02070309020205020404" pitchFamily="49" charset="0"/>
                 </a:rPr>
+                <a:t>,mean=</a:t>
+              </a:r>
+              <a:r>
+                <a:rPr lang="en-US" sz="600" b="1" dirty="0" smtClean="0">
+                  <a:solidFill>
+                    <a:srgbClr val="C00000"/>
+                  </a:solidFill>
+                  <a:latin typeface="Courier New" panose="02070309020205020404" pitchFamily="49" charset="0"/>
+                  <a:cs typeface="Courier New" panose="02070309020205020404" pitchFamily="49" charset="0"/>
+                </a:rPr>
+                <a:t>45</a:t>
+              </a:r>
+              <a:r>
+                <a:rPr lang="en-US" sz="600" b="1" dirty="0" smtClean="0">
+                  <a:solidFill>
+                    <a:schemeClr val="accent2">
+                      <a:lumMod val="50000"/>
+                    </a:schemeClr>
+                  </a:solidFill>
+                  <a:latin typeface="Courier New" panose="02070309020205020404" pitchFamily="49" charset="0"/>
+                  <a:cs typeface="Courier New" panose="02070309020205020404" pitchFamily="49" charset="0"/>
+                </a:rPr>
+                <a:t>,sd=</a:t>
+              </a:r>
+              <a:r>
+                <a:rPr lang="en-US" sz="600" b="1" dirty="0" smtClean="0">
+                  <a:solidFill>
+                    <a:srgbClr val="C00000"/>
+                  </a:solidFill>
+                  <a:latin typeface="Courier New" panose="02070309020205020404" pitchFamily="49" charset="0"/>
+                  <a:cs typeface="Courier New" panose="02070309020205020404" pitchFamily="49" charset="0"/>
+                </a:rPr>
+                <a:t>10</a:t>
+              </a:r>
+              <a:r>
+                <a:rPr lang="en-US" sz="600" b="1" dirty="0" smtClean="0">
+                  <a:solidFill>
+                    <a:schemeClr val="accent2">
+                      <a:lumMod val="50000"/>
+                    </a:schemeClr>
+                  </a:solidFill>
+                  <a:latin typeface="Courier New" panose="02070309020205020404" pitchFamily="49" charset="0"/>
+                  <a:cs typeface="Courier New" panose="02070309020205020404" pitchFamily="49" charset="0"/>
+                </a:rPr>
                 <a:t>,</a:t>
               </a:r>
               <a:r>
@@ -5147,19 +5232,27 @@
                   <a:latin typeface="Courier New" panose="02070309020205020404" pitchFamily="49" charset="0"/>
                   <a:cs typeface="Courier New" panose="02070309020205020404" pitchFamily="49" charset="0"/>
                 </a:rPr>
-                <a:t>mean=45</a:t>
+                <a:t>type</a:t>
               </a:r>
               <a:r>
                 <a:rPr lang="en-US" sz="600" b="1" dirty="0" smtClean="0">
                   <a:solidFill>
-                    <a:schemeClr val="accent2">
-                      <a:lumMod val="50000"/>
-                    </a:schemeClr>
-                  </a:solidFill>
-                  <a:latin typeface="Courier New" panose="02070309020205020404" pitchFamily="49" charset="0"/>
-                  <a:cs typeface="Courier New" panose="02070309020205020404" pitchFamily="49" charset="0"/>
-                </a:rPr>
-                <a:t>,</a:t>
+                    <a:srgbClr val="C00000"/>
+                  </a:solidFill>
+                  <a:latin typeface="Courier New" panose="02070309020205020404" pitchFamily="49" charset="0"/>
+                  <a:cs typeface="Courier New" panose="02070309020205020404" pitchFamily="49" charset="0"/>
+                </a:rPr>
+                <a:t>=</a:t>
+              </a:r>
+              <a:r>
+                <a:rPr lang="en-US" sz="600" b="1" dirty="0">
+                  <a:solidFill>
+                    <a:srgbClr val="C00000"/>
+                  </a:solidFill>
+                  <a:latin typeface="Courier New" panose="02070309020205020404" pitchFamily="49" charset="0"/>
+                  <a:cs typeface="Courier New" panose="02070309020205020404" pitchFamily="49" charset="0"/>
+                </a:rPr>
+                <a:t>"</a:t>
               </a:r>
               <a:r>
                 <a:rPr lang="en-US" sz="600" b="1" dirty="0" smtClean="0">
@@ -5169,67 +5262,33 @@
                   <a:latin typeface="Courier New" panose="02070309020205020404" pitchFamily="49" charset="0"/>
                   <a:cs typeface="Courier New" panose="02070309020205020404" pitchFamily="49" charset="0"/>
                 </a:rPr>
-                <a:t>sd=10</a:t>
-              </a:r>
-              <a:r>
-                <a:rPr lang="en-US" sz="600" b="1" dirty="0">
-                  <a:solidFill>
-                    <a:schemeClr val="accent2">
-                      <a:lumMod val="50000"/>
-                    </a:schemeClr>
-                  </a:solidFill>
-                  <a:latin typeface="Courier New" panose="02070309020205020404" pitchFamily="49" charset="0"/>
-                  <a:cs typeface="Courier New" panose="02070309020205020404" pitchFamily="49" charset="0"/>
-                </a:rPr>
-                <a:t>,</a:t>
+                <a:t>q"</a:t>
               </a:r>
               <a:r>
                 <a:rPr lang="en-US" sz="600" b="1" dirty="0" smtClean="0">
                   <a:solidFill>
-                    <a:srgbClr val="C00000"/>
-                  </a:solidFill>
-                  <a:latin typeface="Courier New" panose="02070309020205020404" pitchFamily="49" charset="0"/>
-                  <a:cs typeface="Courier New" panose="02070309020205020404" pitchFamily="49" charset="0"/>
-                </a:rPr>
-                <a:t>type=</a:t>
-              </a:r>
-              <a:r>
-                <a:rPr lang="en-US" sz="600" b="1" dirty="0">
-                  <a:solidFill>
-                    <a:srgbClr val="C00000"/>
-                  </a:solidFill>
-                  <a:latin typeface="Courier New" panose="02070309020205020404" pitchFamily="49" charset="0"/>
-                  <a:cs typeface="Courier New" panose="02070309020205020404" pitchFamily="49" charset="0"/>
-                </a:rPr>
-                <a:t>"</a:t>
-              </a:r>
-              <a:r>
-                <a:rPr lang="en-US" sz="600" b="1" dirty="0" smtClean="0">
-                  <a:solidFill>
-                    <a:srgbClr val="C00000"/>
-                  </a:solidFill>
-                  <a:latin typeface="Courier New" panose="02070309020205020404" pitchFamily="49" charset="0"/>
-                  <a:cs typeface="Courier New" panose="02070309020205020404" pitchFamily="49" charset="0"/>
-                </a:rPr>
-                <a:t>q"</a:t>
-              </a:r>
-              <a:r>
-                <a:rPr lang="en-US" sz="600" b="1" dirty="0" smtClean="0">
-                  <a:solidFill>
-                    <a:schemeClr val="accent2">
-                      <a:lumMod val="50000"/>
-                    </a:schemeClr>
-                  </a:solidFill>
-                  <a:latin typeface="Courier New" panose="02070309020205020404" pitchFamily="49" charset="0"/>
-                  <a:cs typeface="Courier New" panose="02070309020205020404" pitchFamily="49" charset="0"/>
-                </a:rPr>
-                <a:t>)       #reverse-left</a:t>
-              </a:r>
-              <a:endParaRPr lang="en-US" sz="600" b="1" dirty="0">
+                    <a:schemeClr val="accent2">
+                      <a:lumMod val="50000"/>
+                    </a:schemeClr>
+                  </a:solidFill>
+                  <a:latin typeface="Courier New" panose="02070309020205020404" pitchFamily="49" charset="0"/>
+                  <a:cs typeface="Courier New" panose="02070309020205020404" pitchFamily="49" charset="0"/>
+                </a:rPr>
+                <a:t>) </a:t>
+              </a:r>
+              <a:r>
+                <a:rPr lang="en-US" sz="600" dirty="0" smtClean="0">
+                  <a:solidFill>
+                    <a:schemeClr val="tx1"/>
+                  </a:solidFill>
+                  <a:latin typeface="Courier New" panose="02070309020205020404" pitchFamily="49" charset="0"/>
+                  <a:cs typeface="Courier New" panose="02070309020205020404" pitchFamily="49" charset="0"/>
+                </a:rPr>
+                <a:t>      #reverse-left</a:t>
+              </a:r>
+              <a:endParaRPr lang="en-US" sz="600" dirty="0">
                 <a:solidFill>
-                  <a:schemeClr val="accent2">
-                    <a:lumMod val="50000"/>
-                  </a:schemeClr>
+                  <a:schemeClr val="tx1"/>
                 </a:solidFill>
                 <a:latin typeface="Courier New" panose="02070309020205020404" pitchFamily="49" charset="0"/>
                 <a:cs typeface="Courier New" panose="02070309020205020404" pitchFamily="49" charset="0"/>
@@ -5288,6 +5347,50 @@
                   <a:latin typeface="Courier New" panose="02070309020205020404" pitchFamily="49" charset="0"/>
                   <a:cs typeface="Courier New" panose="02070309020205020404" pitchFamily="49" charset="0"/>
                 </a:rPr>
+                <a:t>,mean=</a:t>
+              </a:r>
+              <a:r>
+                <a:rPr lang="en-US" sz="600" b="1" dirty="0" smtClean="0">
+                  <a:solidFill>
+                    <a:srgbClr val="C00000"/>
+                  </a:solidFill>
+                  <a:latin typeface="Courier New" panose="02070309020205020404" pitchFamily="49" charset="0"/>
+                  <a:cs typeface="Courier New" panose="02070309020205020404" pitchFamily="49" charset="0"/>
+                </a:rPr>
+                <a:t>45</a:t>
+              </a:r>
+              <a:r>
+                <a:rPr lang="en-US" sz="600" b="1" dirty="0" smtClean="0">
+                  <a:solidFill>
+                    <a:schemeClr val="accent2">
+                      <a:lumMod val="50000"/>
+                    </a:schemeClr>
+                  </a:solidFill>
+                  <a:latin typeface="Courier New" panose="02070309020205020404" pitchFamily="49" charset="0"/>
+                  <a:cs typeface="Courier New" panose="02070309020205020404" pitchFamily="49" charset="0"/>
+                </a:rPr>
+                <a:t>,sd=</a:t>
+              </a:r>
+              <a:r>
+                <a:rPr lang="en-US" sz="600" b="1" dirty="0" smtClean="0">
+                  <a:solidFill>
+                    <a:srgbClr val="C00000"/>
+                  </a:solidFill>
+                  <a:latin typeface="Courier New" panose="02070309020205020404" pitchFamily="49" charset="0"/>
+                  <a:cs typeface="Courier New" panose="02070309020205020404" pitchFamily="49" charset="0"/>
+                </a:rPr>
+                <a:t>10</a:t>
+              </a:r>
+              <a:r>
+                <a:rPr lang="en-US" sz="600" b="1" dirty="0" smtClean="0">
+                  <a:solidFill>
+                    <a:schemeClr val="accent2">
+                      <a:lumMod val="50000"/>
+                    </a:schemeClr>
+                  </a:solidFill>
+                  <a:latin typeface="Courier New" panose="02070309020205020404" pitchFamily="49" charset="0"/>
+                  <a:cs typeface="Courier New" panose="02070309020205020404" pitchFamily="49" charset="0"/>
+                </a:rPr>
                 <a:t>,</a:t>
               </a:r>
               <a:r>
@@ -5298,11 +5401,31 @@
                   <a:latin typeface="Courier New" panose="02070309020205020404" pitchFamily="49" charset="0"/>
                   <a:cs typeface="Courier New" panose="02070309020205020404" pitchFamily="49" charset="0"/>
                 </a:rPr>
-                <a:t>mean=45</a:t>
+                <a:t>type</a:t>
               </a:r>
               <a:r>
                 <a:rPr lang="en-US" sz="600" b="1" dirty="0">
                   <a:solidFill>
+                    <a:srgbClr val="C00000"/>
+                  </a:solidFill>
+                  <a:latin typeface="Courier New" panose="02070309020205020404" pitchFamily="49" charset="0"/>
+                  <a:cs typeface="Courier New" panose="02070309020205020404" pitchFamily="49" charset="0"/>
+                </a:rPr>
+                <a:t>="</a:t>
+              </a:r>
+              <a:r>
+                <a:rPr lang="en-US" sz="600" b="1" dirty="0" smtClean="0">
+                  <a:solidFill>
+                    <a:srgbClr val="C00000"/>
+                  </a:solidFill>
+                  <a:latin typeface="Courier New" panose="02070309020205020404" pitchFamily="49" charset="0"/>
+                  <a:cs typeface="Courier New" panose="02070309020205020404" pitchFamily="49" charset="0"/>
+                </a:rPr>
+                <a:t>q"</a:t>
+              </a:r>
+              <a:r>
+                <a:rPr lang="en-US" sz="600" b="1" dirty="0">
+                  <a:solidFill>
                     <a:schemeClr val="accent2">
                       <a:lumMod val="50000"/>
                     </a:schemeClr>
@@ -5313,6 +5436,16 @@
                 <a:t>,</a:t>
               </a:r>
               <a:r>
+                <a:rPr lang="en-US" sz="600" b="1" dirty="0" err="1" smtClean="0">
+                  <a:solidFill>
+                    <a:srgbClr val="C00000"/>
+                  </a:solidFill>
+                  <a:latin typeface="Courier New" panose="02070309020205020404" pitchFamily="49" charset="0"/>
+                  <a:cs typeface="Courier New" panose="02070309020205020404" pitchFamily="49" charset="0"/>
+                </a:rPr>
+                <a:t>lower.tail</a:t>
+              </a:r>
+              <a:r>
                 <a:rPr lang="en-US" sz="600" b="1" dirty="0" smtClean="0">
                   <a:solidFill>
                     <a:srgbClr val="C00000"/>
@@ -5320,7 +5453,7 @@
                   <a:latin typeface="Courier New" panose="02070309020205020404" pitchFamily="49" charset="0"/>
                   <a:cs typeface="Courier New" panose="02070309020205020404" pitchFamily="49" charset="0"/>
                 </a:rPr>
-                <a:t>sd=10</a:t>
+                <a:t>=FALSE</a:t>
               </a:r>
               <a:r>
                 <a:rPr lang="en-US" sz="600" b="1" dirty="0" smtClean="0">
@@ -5332,99 +5465,31 @@
                   <a:latin typeface="Courier New" panose="02070309020205020404" pitchFamily="49" charset="0"/>
                   <a:cs typeface="Courier New" panose="02070309020205020404" pitchFamily="49" charset="0"/>
                 </a:rPr>
-                <a:t>,</a:t>
-              </a:r>
-              <a:r>
-                <a:rPr lang="en-US" sz="600" b="1" dirty="0" smtClean="0">
-                  <a:solidFill>
-                    <a:srgbClr val="C00000"/>
-                  </a:solidFill>
-                  <a:latin typeface="Courier New" panose="02070309020205020404" pitchFamily="49" charset="0"/>
-                  <a:cs typeface="Courier New" panose="02070309020205020404" pitchFamily="49" charset="0"/>
-                </a:rPr>
-                <a:t>type</a:t>
-              </a:r>
-              <a:r>
-                <a:rPr lang="en-US" sz="600" b="1" dirty="0">
-                  <a:solidFill>
-                    <a:srgbClr val="C00000"/>
-                  </a:solidFill>
-                  <a:latin typeface="Courier New" panose="02070309020205020404" pitchFamily="49" charset="0"/>
-                  <a:cs typeface="Courier New" panose="02070309020205020404" pitchFamily="49" charset="0"/>
-                </a:rPr>
-                <a:t>="</a:t>
-              </a:r>
-              <a:r>
-                <a:rPr lang="en-US" sz="600" b="1" dirty="0" smtClean="0">
-                  <a:solidFill>
-                    <a:srgbClr val="C00000"/>
-                  </a:solidFill>
-                  <a:latin typeface="Courier New" panose="02070309020205020404" pitchFamily="49" charset="0"/>
-                  <a:cs typeface="Courier New" panose="02070309020205020404" pitchFamily="49" charset="0"/>
-                </a:rPr>
-                <a:t>q"</a:t>
-              </a:r>
-              <a:r>
-                <a:rPr lang="en-US" sz="600" b="1" dirty="0">
-                  <a:solidFill>
-                    <a:schemeClr val="accent2">
-                      <a:lumMod val="50000"/>
-                    </a:schemeClr>
-                  </a:solidFill>
-                  <a:latin typeface="Courier New" panose="02070309020205020404" pitchFamily="49" charset="0"/>
-                  <a:cs typeface="Courier New" panose="02070309020205020404" pitchFamily="49" charset="0"/>
-                </a:rPr>
-                <a:t>,</a:t>
-              </a:r>
-              <a:r>
-                <a:rPr lang="en-US" sz="600" b="1" dirty="0" err="1" smtClean="0">
-                  <a:solidFill>
-                    <a:srgbClr val="C00000"/>
-                  </a:solidFill>
-                  <a:latin typeface="Courier New" panose="02070309020205020404" pitchFamily="49" charset="0"/>
-                  <a:cs typeface="Courier New" panose="02070309020205020404" pitchFamily="49" charset="0"/>
-                </a:rPr>
-                <a:t>lower.tail</a:t>
-              </a:r>
-              <a:r>
-                <a:rPr lang="en-US" sz="600" b="1" dirty="0" smtClean="0">
-                  <a:solidFill>
-                    <a:srgbClr val="C00000"/>
-                  </a:solidFill>
-                  <a:latin typeface="Courier New" panose="02070309020205020404" pitchFamily="49" charset="0"/>
-                  <a:cs typeface="Courier New" panose="02070309020205020404" pitchFamily="49" charset="0"/>
-                </a:rPr>
-                <a:t>=FALSE</a:t>
-              </a:r>
-              <a:r>
-                <a:rPr lang="en-US" sz="600" b="1" dirty="0" smtClean="0">
-                  <a:solidFill>
-                    <a:schemeClr val="accent2">
-                      <a:lumMod val="50000"/>
-                    </a:schemeClr>
-                  </a:solidFill>
-                  <a:latin typeface="Courier New" panose="02070309020205020404" pitchFamily="49" charset="0"/>
-                  <a:cs typeface="Courier New" panose="02070309020205020404" pitchFamily="49" charset="0"/>
-                </a:rPr>
-                <a:t>) #rev-</a:t>
-              </a:r>
-              <a:r>
-                <a:rPr lang="en-US" sz="600" b="1" dirty="0" err="1" smtClean="0">
-                  <a:solidFill>
-                    <a:schemeClr val="accent2">
-                      <a:lumMod val="50000"/>
-                    </a:schemeClr>
+                <a:t>) </a:t>
+              </a:r>
+              <a:r>
+                <a:rPr lang="en-US" sz="600" dirty="0" smtClean="0">
+                  <a:solidFill>
+                    <a:schemeClr val="tx1"/>
+                  </a:solidFill>
+                  <a:latin typeface="Courier New" panose="02070309020205020404" pitchFamily="49" charset="0"/>
+                  <a:cs typeface="Courier New" panose="02070309020205020404" pitchFamily="49" charset="0"/>
+                </a:rPr>
+                <a:t>#rev-</a:t>
+              </a:r>
+              <a:r>
+                <a:rPr lang="en-US" sz="600" dirty="0" err="1" smtClean="0">
+                  <a:solidFill>
+                    <a:schemeClr val="tx1"/>
                   </a:solidFill>
                   <a:latin typeface="Courier New" panose="02070309020205020404" pitchFamily="49" charset="0"/>
                   <a:cs typeface="Courier New" panose="02070309020205020404" pitchFamily="49" charset="0"/>
                 </a:rPr>
                 <a:t>rgt</a:t>
               </a:r>
-              <a:endParaRPr lang="en-US" sz="600" b="1" dirty="0">
+              <a:endParaRPr lang="en-US" sz="600" dirty="0">
                 <a:solidFill>
-                  <a:schemeClr val="accent2">
-                    <a:lumMod val="50000"/>
-                  </a:schemeClr>
+                  <a:schemeClr val="tx1"/>
                 </a:solidFill>
                 <a:latin typeface="Courier New" panose="02070309020205020404" pitchFamily="49" charset="0"/>
                 <a:cs typeface="Courier New" panose="02070309020205020404" pitchFamily="49" charset="0"/>
@@ -5483,7 +5548,7 @@
                   <a:latin typeface="Courier New" panose="02070309020205020404" pitchFamily="49" charset="0"/>
                   <a:cs typeface="Courier New" panose="02070309020205020404" pitchFamily="49" charset="0"/>
                 </a:rPr>
-                <a:t>,</a:t>
+                <a:t>,mean=</a:t>
               </a:r>
               <a:r>
                 <a:rPr lang="en-US" sz="600" b="1" dirty="0" smtClean="0">
@@ -5493,29 +5558,29 @@
                   <a:latin typeface="Courier New" panose="02070309020205020404" pitchFamily="49" charset="0"/>
                   <a:cs typeface="Courier New" panose="02070309020205020404" pitchFamily="49" charset="0"/>
                 </a:rPr>
-                <a:t>mean=45</a:t>
-              </a:r>
-              <a:r>
-                <a:rPr lang="en-US" sz="600" b="1" dirty="0">
-                  <a:solidFill>
-                    <a:schemeClr val="accent2">
-                      <a:lumMod val="50000"/>
-                    </a:schemeClr>
-                  </a:solidFill>
-                  <a:latin typeface="Courier New" panose="02070309020205020404" pitchFamily="49" charset="0"/>
-                  <a:cs typeface="Courier New" panose="02070309020205020404" pitchFamily="49" charset="0"/>
-                </a:rPr>
-                <a:t>,</a:t>
+                <a:t>45</a:t>
               </a:r>
               <a:r>
                 <a:rPr lang="en-US" sz="600" b="1" dirty="0" smtClean="0">
                   <a:solidFill>
-                    <a:srgbClr val="C00000"/>
-                  </a:solidFill>
-                  <a:latin typeface="Courier New" panose="02070309020205020404" pitchFamily="49" charset="0"/>
-                  <a:cs typeface="Courier New" panose="02070309020205020404" pitchFamily="49" charset="0"/>
-                </a:rPr>
-                <a:t>sd=10/</a:t>
+                    <a:schemeClr val="accent2">
+                      <a:lumMod val="50000"/>
+                    </a:schemeClr>
+                  </a:solidFill>
+                  <a:latin typeface="Courier New" panose="02070309020205020404" pitchFamily="49" charset="0"/>
+                  <a:cs typeface="Courier New" panose="02070309020205020404" pitchFamily="49" charset="0"/>
+                </a:rPr>
+                <a:t>,sd=</a:t>
+              </a:r>
+              <a:r>
+                <a:rPr lang="en-US" sz="600" b="1" dirty="0" smtClean="0">
+                  <a:solidFill>
+                    <a:srgbClr val="C00000"/>
+                  </a:solidFill>
+                  <a:latin typeface="Courier New" panose="02070309020205020404" pitchFamily="49" charset="0"/>
+                  <a:cs typeface="Courier New" panose="02070309020205020404" pitchFamily="49" charset="0"/>
+                </a:rPr>
+                <a:t>10/</a:t>
               </a:r>
               <a:r>
                 <a:rPr lang="en-US" sz="600" b="1" dirty="0" err="1" smtClean="0">
@@ -5535,25 +5600,43 @@
                   <a:latin typeface="Courier New" panose="02070309020205020404" pitchFamily="49" charset="0"/>
                   <a:cs typeface="Courier New" panose="02070309020205020404" pitchFamily="49" charset="0"/>
                 </a:rPr>
-                <a:t>(30)</a:t>
+                <a:t>(30</a:t>
               </a:r>
               <a:r>
                 <a:rPr lang="en-US" sz="600" b="1" dirty="0" smtClean="0">
                   <a:solidFill>
-                    <a:schemeClr val="accent2">
-                      <a:lumMod val="50000"/>
-                    </a:schemeClr>
-                  </a:solidFill>
-                  <a:latin typeface="Courier New" panose="02070309020205020404" pitchFamily="49" charset="0"/>
-                  <a:cs typeface="Courier New" panose="02070309020205020404" pitchFamily="49" charset="0"/>
-                </a:rPr>
-                <a:t>)         #using SE</a:t>
+                    <a:srgbClr val="C00000"/>
+                  </a:solidFill>
+                  <a:latin typeface="Courier New" panose="02070309020205020404" pitchFamily="49" charset="0"/>
+                  <a:cs typeface="Courier New" panose="02070309020205020404" pitchFamily="49" charset="0"/>
+                </a:rPr>
+                <a:t>)</a:t>
+              </a:r>
+              <a:r>
+                <a:rPr lang="en-US" sz="600" b="1" dirty="0" smtClean="0">
+                  <a:solidFill>
+                    <a:schemeClr val="accent2">
+                      <a:lumMod val="50000"/>
+                    </a:schemeClr>
+                  </a:solidFill>
+                  <a:latin typeface="Courier New" panose="02070309020205020404" pitchFamily="49" charset="0"/>
+                  <a:cs typeface="Courier New" panose="02070309020205020404" pitchFamily="49" charset="0"/>
+                </a:rPr>
+                <a:t>)         </a:t>
+              </a:r>
+              <a:r>
+                <a:rPr lang="en-US" sz="600" dirty="0" smtClean="0">
+                  <a:solidFill>
+                    <a:schemeClr val="tx1"/>
+                  </a:solidFill>
+                  <a:latin typeface="Courier New" panose="02070309020205020404" pitchFamily="49" charset="0"/>
+                  <a:cs typeface="Courier New" panose="02070309020205020404" pitchFamily="49" charset="0"/>
+                </a:rPr>
+                <a:t>#using SE</a:t>
               </a:r>
               <a:endParaRPr lang="en-US" sz="600" dirty="0">
                 <a:solidFill>
-                  <a:schemeClr val="accent2">
-                    <a:lumMod val="50000"/>
-                  </a:schemeClr>
+                  <a:schemeClr val="tx1"/>
                 </a:solidFill>
                 <a:latin typeface="Courier New" panose="02070309020205020404" pitchFamily="49" charset="0"/>
                 <a:cs typeface="Courier New" panose="02070309020205020404" pitchFamily="49" charset="0"/>
@@ -5612,71 +5695,71 @@
                   <a:latin typeface="Courier New" panose="02070309020205020404" pitchFamily="49" charset="0"/>
                   <a:cs typeface="Courier New" panose="02070309020205020404" pitchFamily="49" charset="0"/>
                 </a:rPr>
+                <a:t>,mean=</a:t>
+              </a:r>
+              <a:r>
+                <a:rPr lang="en-US" sz="600" b="1" dirty="0" smtClean="0">
+                  <a:solidFill>
+                    <a:srgbClr val="C00000"/>
+                  </a:solidFill>
+                  <a:latin typeface="Courier New" panose="02070309020205020404" pitchFamily="49" charset="0"/>
+                  <a:cs typeface="Courier New" panose="02070309020205020404" pitchFamily="49" charset="0"/>
+                </a:rPr>
+                <a:t>45</a:t>
+              </a:r>
+              <a:r>
+                <a:rPr lang="en-US" sz="600" b="1" dirty="0" smtClean="0">
+                  <a:solidFill>
+                    <a:schemeClr val="accent2">
+                      <a:lumMod val="50000"/>
+                    </a:schemeClr>
+                  </a:solidFill>
+                  <a:latin typeface="Courier New" panose="02070309020205020404" pitchFamily="49" charset="0"/>
+                  <a:cs typeface="Courier New" panose="02070309020205020404" pitchFamily="49" charset="0"/>
+                </a:rPr>
+                <a:t>,sd=</a:t>
+              </a:r>
+              <a:r>
+                <a:rPr lang="en-US" sz="600" b="1" dirty="0" smtClean="0">
+                  <a:solidFill>
+                    <a:srgbClr val="C00000"/>
+                  </a:solidFill>
+                  <a:latin typeface="Courier New" panose="02070309020205020404" pitchFamily="49" charset="0"/>
+                  <a:cs typeface="Courier New" panose="02070309020205020404" pitchFamily="49" charset="0"/>
+                </a:rPr>
+                <a:t>10/</a:t>
+              </a:r>
+              <a:r>
+                <a:rPr lang="en-US" sz="600" b="1" dirty="0" err="1" smtClean="0">
+                  <a:solidFill>
+                    <a:srgbClr val="C00000"/>
+                  </a:solidFill>
+                  <a:latin typeface="Courier New" panose="02070309020205020404" pitchFamily="49" charset="0"/>
+                  <a:cs typeface="Courier New" panose="02070309020205020404" pitchFamily="49" charset="0"/>
+                </a:rPr>
+                <a:t>sqrt</a:t>
+              </a:r>
+              <a:r>
+                <a:rPr lang="en-US" sz="600" b="1" dirty="0" smtClean="0">
+                  <a:solidFill>
+                    <a:srgbClr val="C00000"/>
+                  </a:solidFill>
+                  <a:latin typeface="Courier New" panose="02070309020205020404" pitchFamily="49" charset="0"/>
+                  <a:cs typeface="Courier New" panose="02070309020205020404" pitchFamily="49" charset="0"/>
+                </a:rPr>
+                <a:t>(30)</a:t>
+              </a:r>
+              <a:r>
+                <a:rPr lang="en-US" sz="600" b="1" dirty="0" smtClean="0">
+                  <a:solidFill>
+                    <a:schemeClr val="accent2">
+                      <a:lumMod val="50000"/>
+                    </a:schemeClr>
+                  </a:solidFill>
+                  <a:latin typeface="Courier New" panose="02070309020205020404" pitchFamily="49" charset="0"/>
+                  <a:cs typeface="Courier New" panose="02070309020205020404" pitchFamily="49" charset="0"/>
+                </a:rPr>
                 <a:t>,</a:t>
-              </a:r>
-              <a:r>
-                <a:rPr lang="en-US" sz="600" b="1" dirty="0" smtClean="0">
-                  <a:solidFill>
-                    <a:srgbClr val="C00000"/>
-                  </a:solidFill>
-                  <a:latin typeface="Courier New" panose="02070309020205020404" pitchFamily="49" charset="0"/>
-                  <a:cs typeface="Courier New" panose="02070309020205020404" pitchFamily="49" charset="0"/>
-                </a:rPr>
-                <a:t>mean=45</a:t>
-              </a:r>
-              <a:r>
-                <a:rPr lang="en-US" sz="600" b="1" dirty="0">
-                  <a:solidFill>
-                    <a:schemeClr val="accent2">
-                      <a:lumMod val="50000"/>
-                    </a:schemeClr>
-                  </a:solidFill>
-                  <a:latin typeface="Courier New" panose="02070309020205020404" pitchFamily="49" charset="0"/>
-                  <a:cs typeface="Courier New" panose="02070309020205020404" pitchFamily="49" charset="0"/>
-                </a:rPr>
-                <a:t>,</a:t>
-              </a:r>
-              <a:r>
-                <a:rPr lang="en-US" sz="600" b="1" dirty="0" smtClean="0">
-                  <a:solidFill>
-                    <a:srgbClr val="C00000"/>
-                  </a:solidFill>
-                  <a:latin typeface="Courier New" panose="02070309020205020404" pitchFamily="49" charset="0"/>
-                  <a:cs typeface="Courier New" panose="02070309020205020404" pitchFamily="49" charset="0"/>
-                </a:rPr>
-                <a:t>sd=10/</a:t>
-              </a:r>
-              <a:r>
-                <a:rPr lang="en-US" sz="600" b="1" dirty="0" err="1" smtClean="0">
-                  <a:solidFill>
-                    <a:srgbClr val="C00000"/>
-                  </a:solidFill>
-                  <a:latin typeface="Courier New" panose="02070309020205020404" pitchFamily="49" charset="0"/>
-                  <a:cs typeface="Courier New" panose="02070309020205020404" pitchFamily="49" charset="0"/>
-                </a:rPr>
-                <a:t>sqrt</a:t>
-              </a:r>
-              <a:r>
-                <a:rPr lang="en-US" sz="600" b="1" dirty="0" smtClean="0">
-                  <a:solidFill>
-                    <a:srgbClr val="C00000"/>
-                  </a:solidFill>
-                  <a:latin typeface="Courier New" panose="02070309020205020404" pitchFamily="49" charset="0"/>
-                  <a:cs typeface="Courier New" panose="02070309020205020404" pitchFamily="49" charset="0"/>
-                </a:rPr>
-                <a:t>(30)</a:t>
-              </a:r>
-              <a:r>
-                <a:rPr lang="en-US" sz="600" b="1" dirty="0">
-                  <a:solidFill>
-                    <a:schemeClr val="accent2">
-                      <a:lumMod val="50000"/>
-                    </a:schemeClr>
-                  </a:solidFill>
-                  <a:latin typeface="Courier New" panose="02070309020205020404" pitchFamily="49" charset="0"/>
-                  <a:cs typeface="Courier New" panose="02070309020205020404" pitchFamily="49" charset="0"/>
-                </a:rPr>
-                <a:t> ,</a:t>
               </a:r>
               <a:endParaRPr lang="en-US" sz="600" b="1" dirty="0" smtClean="0">
                 <a:solidFill>
@@ -5770,14 +5853,22 @@
                   <a:latin typeface="Courier New" panose="02070309020205020404" pitchFamily="49" charset="0"/>
                   <a:cs typeface="Courier New" panose="02070309020205020404" pitchFamily="49" charset="0"/>
                 </a:rPr>
-                <a:t>)         #</a:t>
-              </a:r>
-              <a:r>
-                <a:rPr lang="en-US" sz="600" b="1" dirty="0">
-                  <a:solidFill>
-                    <a:schemeClr val="accent2">
-                      <a:lumMod val="50000"/>
-                    </a:schemeClr>
+                <a:t>)         </a:t>
+              </a:r>
+              <a:r>
+                <a:rPr lang="en-US" sz="600" dirty="0" smtClean="0">
+                  <a:solidFill>
+                    <a:schemeClr val="tx1"/>
+                  </a:solidFill>
+                  <a:latin typeface="Courier New" panose="02070309020205020404" pitchFamily="49" charset="0"/>
+                  <a:cs typeface="Courier New" panose="02070309020205020404" pitchFamily="49" charset="0"/>
+                </a:rPr>
+                <a:t>#</a:t>
+              </a:r>
+              <a:r>
+                <a:rPr lang="en-US" sz="600" dirty="0">
+                  <a:solidFill>
+                    <a:schemeClr val="tx1"/>
                   </a:solidFill>
                   <a:latin typeface="Courier New" panose="02070309020205020404" pitchFamily="49" charset="0"/>
                   <a:cs typeface="Courier New" panose="02070309020205020404" pitchFamily="49" charset="0"/>
@@ -5897,13 +5988,21 @@
                   <a:latin typeface="Courier New" panose="02070309020205020404" pitchFamily="49" charset="0"/>
                   <a:cs typeface="Courier New" panose="02070309020205020404" pitchFamily="49" charset="0"/>
                 </a:rPr>
-                <a:t>)                 #Z*, not =, alpha=.05</a:t>
-              </a:r>
-              <a:endParaRPr lang="en-US" sz="600" b="1" dirty="0">
+                <a:t>)                 </a:t>
+              </a:r>
+              <a:r>
+                <a:rPr lang="en-US" sz="600" dirty="0" smtClean="0">
+                  <a:solidFill>
+                    <a:schemeClr val="tx1"/>
+                  </a:solidFill>
+                  <a:latin typeface="Courier New" panose="02070309020205020404" pitchFamily="49" charset="0"/>
+                  <a:cs typeface="Courier New" panose="02070309020205020404" pitchFamily="49" charset="0"/>
+                </a:rPr>
+                <a:t>#Z*, not =, alpha=.05</a:t>
+              </a:r>
+              <a:endParaRPr lang="en-US" sz="600" dirty="0">
                 <a:solidFill>
-                  <a:schemeClr val="accent2">
-                    <a:lumMod val="50000"/>
-                  </a:schemeClr>
+                  <a:schemeClr val="tx1"/>
                 </a:solidFill>
                 <a:latin typeface="Courier New" panose="02070309020205020404" pitchFamily="49" charset="0"/>
                 <a:cs typeface="Courier New" panose="02070309020205020404" pitchFamily="49" charset="0"/>
@@ -6402,7 +6501,7 @@
             </a:ln>
             <a:extLst>
               <a:ext uri="{C572A759-6A51-4108-AA02-DFA0A04FC94B}">
-                <ma14:wrappingTextBoxFlag xmlns:ma14="http://schemas.microsoft.com/office/mac/drawingml/2011/main" xmlns="" val="1"/>
+                <ma14:wrappingTextBoxFlag xmlns="" xmlns:ma14="http://schemas.microsoft.com/office/mac/drawingml/2011/main" val="1"/>
               </a:ext>
             </a:extLst>
           </p:spPr>
@@ -8749,7 +8848,7 @@
             </a:ln>
             <a:extLst>
               <a:ext uri="{C572A759-6A51-4108-AA02-DFA0A04FC94B}">
-                <ma14:wrappingTextBoxFlag xmlns:ma14="http://schemas.microsoft.com/office/mac/drawingml/2011/main" xmlns="" val="1"/>
+                <ma14:wrappingTextBoxFlag xmlns="" xmlns:ma14="http://schemas.microsoft.com/office/mac/drawingml/2011/main" val="1"/>
               </a:ext>
             </a:extLst>
           </p:spPr>
@@ -10362,7 +10461,7 @@
             </a:ln>
             <a:extLst>
               <a:ext uri="{C572A759-6A51-4108-AA02-DFA0A04FC94B}">
-                <ma14:wrappingTextBoxFlag xmlns:ma14="http://schemas.microsoft.com/office/mac/drawingml/2011/main" xmlns="" val="1"/>
+                <ma14:wrappingTextBoxFlag xmlns="" xmlns:ma14="http://schemas.microsoft.com/office/mac/drawingml/2011/main" val="1"/>
               </a:ext>
             </a:extLst>
           </p:spPr>
@@ -10937,6 +11036,541 @@
           </a:p>
         </p:txBody>
       </p:sp>
+      <p:sp>
+        <p:nvSpPr>
+          <p:cNvPr id="50" name="Title 1"/>
+          <p:cNvSpPr txBox="1">
+            <a:spLocks/>
+          </p:cNvSpPr>
+          <p:nvPr/>
+        </p:nvSpPr>
+        <p:spPr>
+          <a:xfrm>
+            <a:off x="622412" y="545320"/>
+            <a:ext cx="1404506" cy="529537"/>
+          </a:xfrm>
+          <a:prstGeom prst="rect">
+            <a:avLst/>
+          </a:prstGeom>
+          <a:ln w="12700">
+            <a:miter lim="400000"/>
+          </a:ln>
+          <a:extLst>
+            <a:ext uri="{C572A759-6A51-4108-AA02-DFA0A04FC94B}">
+              <ma14:wrappingTextBoxFlag xmlns="" xmlns:ma14="http://schemas.microsoft.com/office/mac/drawingml/2011/main" val="1"/>
+            </a:ext>
+          </a:extLst>
+        </p:spPr>
+        <p:txBody>
+          <a:bodyPr lIns="0" tIns="0" rIns="0" bIns="0" anchor="b">
+            <a:noAutofit/>
+          </a:bodyPr>
+          <a:lstStyle>
+            <a:lvl1pPr algn="ctr" defTabSz="320174">
+              <a:defRPr sz="4823">
+                <a:latin typeface="+mn-lt"/>
+                <a:ea typeface="+mn-ea"/>
+                <a:cs typeface="+mn-cs"/>
+                <a:sym typeface="Helvetica Light"/>
+              </a:defRPr>
+            </a:lvl1pPr>
+            <a:lvl2pPr indent="125285" algn="ctr" defTabSz="320174">
+              <a:defRPr sz="4823">
+                <a:latin typeface="+mn-lt"/>
+                <a:ea typeface="+mn-ea"/>
+                <a:cs typeface="+mn-cs"/>
+                <a:sym typeface="Helvetica Light"/>
+              </a:defRPr>
+            </a:lvl2pPr>
+            <a:lvl3pPr indent="250571" algn="ctr" defTabSz="320174">
+              <a:defRPr sz="4823">
+                <a:latin typeface="+mn-lt"/>
+                <a:ea typeface="+mn-ea"/>
+                <a:cs typeface="+mn-cs"/>
+                <a:sym typeface="Helvetica Light"/>
+              </a:defRPr>
+            </a:lvl3pPr>
+            <a:lvl4pPr indent="375857" algn="ctr" defTabSz="320174">
+              <a:defRPr sz="4823">
+                <a:latin typeface="+mn-lt"/>
+                <a:ea typeface="+mn-ea"/>
+                <a:cs typeface="+mn-cs"/>
+                <a:sym typeface="Helvetica Light"/>
+              </a:defRPr>
+            </a:lvl4pPr>
+            <a:lvl5pPr indent="501142" algn="ctr" defTabSz="320174">
+              <a:defRPr sz="4823">
+                <a:latin typeface="+mn-lt"/>
+                <a:ea typeface="+mn-ea"/>
+                <a:cs typeface="+mn-cs"/>
+                <a:sym typeface="Helvetica Light"/>
+              </a:defRPr>
+            </a:lvl5pPr>
+            <a:lvl6pPr indent="626428" algn="ctr" defTabSz="320174">
+              <a:defRPr sz="4823">
+                <a:latin typeface="+mn-lt"/>
+                <a:ea typeface="+mn-ea"/>
+                <a:cs typeface="+mn-cs"/>
+                <a:sym typeface="Helvetica Light"/>
+              </a:defRPr>
+            </a:lvl6pPr>
+            <a:lvl7pPr indent="751714" algn="ctr" defTabSz="320174">
+              <a:defRPr sz="4823">
+                <a:latin typeface="+mn-lt"/>
+                <a:ea typeface="+mn-ea"/>
+                <a:cs typeface="+mn-cs"/>
+                <a:sym typeface="Helvetica Light"/>
+              </a:defRPr>
+            </a:lvl7pPr>
+            <a:lvl8pPr indent="876999" algn="ctr" defTabSz="320174">
+              <a:defRPr sz="4823">
+                <a:latin typeface="+mn-lt"/>
+                <a:ea typeface="+mn-ea"/>
+                <a:cs typeface="+mn-cs"/>
+                <a:sym typeface="Helvetica Light"/>
+              </a:defRPr>
+            </a:lvl8pPr>
+            <a:lvl9pPr indent="1002285" algn="ctr" defTabSz="320174">
+              <a:defRPr sz="4823">
+                <a:latin typeface="+mn-lt"/>
+                <a:ea typeface="+mn-ea"/>
+                <a:cs typeface="+mn-cs"/>
+                <a:sym typeface="Helvetica Light"/>
+              </a:defRPr>
+            </a:lvl9pPr>
+          </a:lstStyle>
+          <a:p>
+            <a:pPr algn="l"/>
+            <a:r>
+              <a:rPr lang="en-US" sz="4400" dirty="0" smtClean="0">
+                <a:solidFill>
+                  <a:schemeClr val="bg1">
+                    <a:lumMod val="85000"/>
+                  </a:schemeClr>
+                </a:solidFill>
+                <a:latin typeface="Calibri" panose="020F0502020204030204" pitchFamily="34" charset="0"/>
+                <a:cs typeface="Calibri" panose="020F0502020204030204" pitchFamily="34" charset="0"/>
+              </a:rPr>
+              <a:t>Guide</a:t>
+            </a:r>
+            <a:endParaRPr lang="en-US" sz="4400" dirty="0">
+              <a:solidFill>
+                <a:schemeClr val="bg1">
+                  <a:lumMod val="85000"/>
+                </a:schemeClr>
+              </a:solidFill>
+              <a:latin typeface="Calibri" panose="020F0502020204030204" pitchFamily="34" charset="0"/>
+              <a:cs typeface="Calibri" panose="020F0502020204030204" pitchFamily="34" charset="0"/>
+            </a:endParaRPr>
+          </a:p>
+        </p:txBody>
+      </p:sp>
+      <p:sp>
+        <p:nvSpPr>
+          <p:cNvPr id="2" name="TextBox 1"/>
+          <p:cNvSpPr txBox="1"/>
+          <p:nvPr/>
+        </p:nvSpPr>
+        <p:spPr>
+          <a:xfrm>
+            <a:off x="3108852" y="95785"/>
+            <a:ext cx="2892972" cy="1295146"/>
+          </a:xfrm>
+          <a:prstGeom prst="rect">
+            <a:avLst/>
+          </a:prstGeom>
+          <a:solidFill>
+            <a:schemeClr val="bg1">
+              <a:lumMod val="85000"/>
+            </a:schemeClr>
+          </a:solidFill>
+          <a:ln w="12700" cap="flat">
+            <a:noFill/>
+            <a:miter lim="400000"/>
+          </a:ln>
+          <a:effectLst/>
+        </p:spPr>
+        <p:style>
+          <a:lnRef idx="0">
+            <a:scrgbClr r="0" g="0" b="0"/>
+          </a:lnRef>
+          <a:fillRef idx="0">
+            <a:scrgbClr r="0" g="0" b="0"/>
+          </a:fillRef>
+          <a:effectRef idx="0">
+            <a:scrgbClr r="0" g="0" b="0"/>
+          </a:effectRef>
+          <a:fontRef idx="none"/>
+        </p:style>
+        <p:txBody>
+          <a:bodyPr rot="0" spcFirstLastPara="1" vertOverflow="overflow" horzOverflow="overflow" vert="horz" wrap="square" lIns="54570" tIns="54570" rIns="54570" bIns="54570" numCol="1" spcCol="38100" rtlCol="0" anchor="ctr">
+            <a:spAutoFit/>
+          </a:bodyPr>
+          <a:lstStyle/>
+          <a:p>
+            <a:pPr marL="115888" marR="0" indent="-115888" algn="l" defTabSz="584200" rtl="0" fontAlgn="auto" latinLnBrk="1" hangingPunct="0">
+              <a:lnSpc>
+                <a:spcPct val="100000"/>
+              </a:lnSpc>
+              <a:spcBef>
+                <a:spcPts val="0"/>
+              </a:spcBef>
+              <a:spcAft>
+                <a:spcPts val="0"/>
+              </a:spcAft>
+              <a:buClrTx/>
+              <a:buSzTx/>
+              <a:buFontTx/>
+              <a:buNone/>
+              <a:tabLst/>
+            </a:pPr>
+            <a:r>
+              <a:rPr kumimoji="0" lang="en-US" sz="1100" b="1" i="0" u="none" strike="noStrike" cap="none" spc="0" normalizeH="0" baseline="0" dirty="0" smtClean="0">
+                <a:ln>
+                  <a:noFill/>
+                </a:ln>
+                <a:solidFill>
+                  <a:schemeClr val="tx1"/>
+                </a:solidFill>
+                <a:effectLst/>
+                <a:uFillTx/>
+                <a:latin typeface="Calibri" panose="020F0502020204030204" pitchFamily="34" charset="0"/>
+                <a:cs typeface="Calibri" panose="020F0502020204030204" pitchFamily="34" charset="0"/>
+                <a:sym typeface="Helvetica Light"/>
+              </a:rPr>
+              <a:t>Hints:</a:t>
+            </a:r>
+          </a:p>
+          <a:p>
+            <a:pPr marL="115888" marR="0" indent="-115888" algn="l" defTabSz="584200" rtl="0" fontAlgn="auto" latinLnBrk="1" hangingPunct="0">
+              <a:lnSpc>
+                <a:spcPct val="100000"/>
+              </a:lnSpc>
+              <a:spcBef>
+                <a:spcPts val="0"/>
+              </a:spcBef>
+              <a:spcAft>
+                <a:spcPts val="0"/>
+              </a:spcAft>
+              <a:buSzTx/>
+              <a:buFont typeface="Arial" panose="020B0604020202020204" pitchFamily="34" charset="0"/>
+              <a:buChar char="•"/>
+              <a:tabLst/>
+            </a:pPr>
+            <a:r>
+              <a:rPr lang="en-US" sz="1100" dirty="0" smtClean="0">
+                <a:solidFill>
+                  <a:schemeClr val="accent2">
+                    <a:lumMod val="50000"/>
+                  </a:schemeClr>
+                </a:solidFill>
+                <a:latin typeface="Calibri" panose="020F0502020204030204" pitchFamily="34" charset="0"/>
+                <a:cs typeface="Calibri" panose="020F0502020204030204" pitchFamily="34" charset="0"/>
+              </a:rPr>
+              <a:t>Green code </a:t>
+            </a:r>
+            <a:r>
+              <a:rPr lang="en-US" sz="1100" dirty="0" smtClean="0">
+                <a:solidFill>
+                  <a:schemeClr val="tx1"/>
+                </a:solidFill>
+                <a:latin typeface="Calibri" panose="020F0502020204030204" pitchFamily="34" charset="0"/>
+                <a:cs typeface="Calibri" panose="020F0502020204030204" pitchFamily="34" charset="0"/>
+              </a:rPr>
+              <a:t>typed exactly as shown</a:t>
+            </a:r>
+          </a:p>
+          <a:p>
+            <a:pPr marL="115888" marR="0" indent="-115888" algn="l" defTabSz="584200" rtl="0" fontAlgn="auto" latinLnBrk="1" hangingPunct="0">
+              <a:lnSpc>
+                <a:spcPct val="100000"/>
+              </a:lnSpc>
+              <a:spcBef>
+                <a:spcPts val="0"/>
+              </a:spcBef>
+              <a:spcAft>
+                <a:spcPts val="0"/>
+              </a:spcAft>
+              <a:buSzTx/>
+              <a:buFont typeface="Arial" panose="020B0604020202020204" pitchFamily="34" charset="0"/>
+              <a:buChar char="•"/>
+              <a:tabLst/>
+            </a:pPr>
+            <a:r>
+              <a:rPr kumimoji="0" lang="en-US" sz="1100" i="0" u="none" strike="noStrike" cap="none" spc="0" normalizeH="0" baseline="0" dirty="0" smtClean="0">
+                <a:ln>
+                  <a:noFill/>
+                </a:ln>
+                <a:solidFill>
+                  <a:srgbClr val="C00000"/>
+                </a:solidFill>
+                <a:effectLst/>
+                <a:uFillTx/>
+                <a:latin typeface="Calibri" panose="020F0502020204030204" pitchFamily="34" charset="0"/>
+                <a:cs typeface="Calibri" panose="020F0502020204030204" pitchFamily="34" charset="0"/>
+                <a:sym typeface="Helvetica Light"/>
+              </a:rPr>
+              <a:t>Red code</a:t>
+            </a:r>
+            <a:r>
+              <a:rPr kumimoji="0" lang="en-US" sz="1100" i="0" u="none" strike="noStrike" cap="none" spc="0" normalizeH="0" dirty="0" smtClean="0">
+                <a:ln>
+                  <a:noFill/>
+                </a:ln>
+                <a:solidFill>
+                  <a:srgbClr val="C00000"/>
+                </a:solidFill>
+                <a:effectLst/>
+                <a:uFillTx/>
+                <a:latin typeface="Calibri" panose="020F0502020204030204" pitchFamily="34" charset="0"/>
+                <a:cs typeface="Calibri" panose="020F0502020204030204" pitchFamily="34" charset="0"/>
+                <a:sym typeface="Helvetica Light"/>
+              </a:rPr>
+              <a:t> </a:t>
+            </a:r>
+            <a:r>
+              <a:rPr kumimoji="0" lang="en-US" sz="1100" b="0" i="0" u="none" strike="noStrike" cap="none" spc="0" normalizeH="0" baseline="0" dirty="0" smtClean="0">
+                <a:ln>
+                  <a:noFill/>
+                </a:ln>
+                <a:solidFill>
+                  <a:schemeClr val="tx1"/>
+                </a:solidFill>
+                <a:effectLst/>
+                <a:uFillTx/>
+                <a:latin typeface="Calibri" panose="020F0502020204030204" pitchFamily="34" charset="0"/>
+                <a:cs typeface="Calibri" panose="020F0502020204030204" pitchFamily="34" charset="0"/>
+                <a:sym typeface="Helvetica Light"/>
+              </a:rPr>
+              <a:t>is</a:t>
+            </a:r>
+            <a:r>
+              <a:rPr kumimoji="0" lang="en-US" sz="1100" b="0" i="0" u="none" strike="noStrike" cap="none" spc="0" normalizeH="0" dirty="0" smtClean="0">
+                <a:ln>
+                  <a:noFill/>
+                </a:ln>
+                <a:solidFill>
+                  <a:schemeClr val="tx1"/>
+                </a:solidFill>
+                <a:effectLst/>
+                <a:uFillTx/>
+                <a:latin typeface="Calibri" panose="020F0502020204030204" pitchFamily="34" charset="0"/>
+                <a:cs typeface="Calibri" panose="020F0502020204030204" pitchFamily="34" charset="0"/>
+                <a:sym typeface="Helvetica Light"/>
+              </a:rPr>
+              <a:t> optional or must be replaced with context-specific name or value</a:t>
+            </a:r>
+          </a:p>
+          <a:p>
+            <a:pPr marL="115888" marR="0" indent="-115888" algn="l" defTabSz="584200" rtl="0" fontAlgn="auto" latinLnBrk="1" hangingPunct="0">
+              <a:lnSpc>
+                <a:spcPct val="100000"/>
+              </a:lnSpc>
+              <a:spcBef>
+                <a:spcPts val="0"/>
+              </a:spcBef>
+              <a:spcAft>
+                <a:spcPts val="0"/>
+              </a:spcAft>
+              <a:buSzTx/>
+              <a:buFont typeface="Arial" panose="020B0604020202020204" pitchFamily="34" charset="0"/>
+              <a:buChar char="•"/>
+              <a:tabLst/>
+            </a:pPr>
+            <a:r>
+              <a:rPr lang="en-US" sz="1100" baseline="0" dirty="0" smtClean="0">
+                <a:solidFill>
+                  <a:schemeClr val="tx1"/>
+                </a:solidFill>
+                <a:latin typeface="Calibri" panose="020F0502020204030204" pitchFamily="34" charset="0"/>
+                <a:cs typeface="Calibri" panose="020F0502020204030204" pitchFamily="34" charset="0"/>
+              </a:rPr>
+              <a:t>Replace</a:t>
+            </a:r>
+            <a:r>
+              <a:rPr lang="en-US" sz="1100" dirty="0" smtClean="0">
+                <a:solidFill>
+                  <a:schemeClr val="tx1"/>
+                </a:solidFill>
+                <a:latin typeface="Calibri" panose="020F0502020204030204" pitchFamily="34" charset="0"/>
+                <a:cs typeface="Calibri" panose="020F0502020204030204" pitchFamily="34" charset="0"/>
+              </a:rPr>
+              <a:t> </a:t>
+            </a:r>
+            <a:r>
+              <a:rPr lang="en-US" sz="1100" b="1" dirty="0" err="1" smtClean="0">
+                <a:solidFill>
+                  <a:schemeClr val="tx1"/>
+                </a:solidFill>
+                <a:latin typeface="Calibri" panose="020F0502020204030204" pitchFamily="34" charset="0"/>
+                <a:cs typeface="Calibri" panose="020F0502020204030204" pitchFamily="34" charset="0"/>
+              </a:rPr>
+              <a:t>q</a:t>
+            </a:r>
+            <a:r>
+              <a:rPr lang="en-US" sz="1100" b="1" baseline="0" dirty="0" err="1" smtClean="0">
+                <a:solidFill>
+                  <a:schemeClr val="tx1"/>
+                </a:solidFill>
+                <a:latin typeface="Calibri" panose="020F0502020204030204" pitchFamily="34" charset="0"/>
+                <a:cs typeface="Calibri" panose="020F0502020204030204" pitchFamily="34" charset="0"/>
+              </a:rPr>
+              <a:t>var</a:t>
+            </a:r>
+            <a:r>
+              <a:rPr lang="en-US" sz="1100" dirty="0" smtClean="0">
+                <a:solidFill>
+                  <a:schemeClr val="tx1"/>
+                </a:solidFill>
+                <a:latin typeface="Calibri" panose="020F0502020204030204" pitchFamily="34" charset="0"/>
+                <a:cs typeface="Calibri" panose="020F0502020204030204" pitchFamily="34" charset="0"/>
+              </a:rPr>
+              <a:t> with quantitative variable name</a:t>
+            </a:r>
+          </a:p>
+          <a:p>
+            <a:pPr marL="115888" marR="0" indent="-115888" algn="l" defTabSz="584200" rtl="0" fontAlgn="auto" latinLnBrk="1" hangingPunct="0">
+              <a:lnSpc>
+                <a:spcPct val="100000"/>
+              </a:lnSpc>
+              <a:spcBef>
+                <a:spcPts val="0"/>
+              </a:spcBef>
+              <a:spcAft>
+                <a:spcPts val="0"/>
+              </a:spcAft>
+              <a:buSzTx/>
+              <a:buFont typeface="Arial" panose="020B0604020202020204" pitchFamily="34" charset="0"/>
+              <a:buChar char="•"/>
+              <a:tabLst/>
+            </a:pPr>
+            <a:r>
+              <a:rPr kumimoji="0" lang="en-US" sz="1100" b="0" i="0" u="none" strike="noStrike" cap="none" spc="0" normalizeH="0" baseline="0" dirty="0" smtClean="0">
+                <a:ln>
+                  <a:noFill/>
+                </a:ln>
+                <a:solidFill>
+                  <a:schemeClr val="tx1"/>
+                </a:solidFill>
+                <a:effectLst/>
+                <a:uFillTx/>
+                <a:latin typeface="Calibri" panose="020F0502020204030204" pitchFamily="34" charset="0"/>
+                <a:cs typeface="Calibri" panose="020F0502020204030204" pitchFamily="34" charset="0"/>
+                <a:sym typeface="Helvetica Light"/>
+              </a:rPr>
+              <a:t>Replace </a:t>
+            </a:r>
+            <a:r>
+              <a:rPr kumimoji="0" lang="en-US" sz="1100" b="1" i="0" u="none" strike="noStrike" cap="none" spc="0" normalizeH="0" baseline="0" dirty="0" err="1" smtClean="0">
+                <a:ln>
+                  <a:noFill/>
+                </a:ln>
+                <a:solidFill>
+                  <a:schemeClr val="tx1"/>
+                </a:solidFill>
+                <a:effectLst/>
+                <a:uFillTx/>
+                <a:latin typeface="Calibri" panose="020F0502020204030204" pitchFamily="34" charset="0"/>
+                <a:cs typeface="Calibri" panose="020F0502020204030204" pitchFamily="34" charset="0"/>
+                <a:sym typeface="Helvetica Light"/>
+              </a:rPr>
+              <a:t>cvar</a:t>
+            </a:r>
+            <a:r>
+              <a:rPr kumimoji="0" lang="en-US" sz="1100" b="0" i="0" u="none" strike="noStrike" cap="none" spc="0" normalizeH="0" baseline="0" dirty="0" smtClean="0">
+                <a:ln>
+                  <a:noFill/>
+                </a:ln>
+                <a:solidFill>
+                  <a:schemeClr val="tx1"/>
+                </a:solidFill>
+                <a:effectLst/>
+                <a:uFillTx/>
+                <a:latin typeface="Calibri" panose="020F0502020204030204" pitchFamily="34" charset="0"/>
+                <a:cs typeface="Calibri" panose="020F0502020204030204" pitchFamily="34" charset="0"/>
+                <a:sym typeface="Helvetica Light"/>
+              </a:rPr>
+              <a:t> with</a:t>
+            </a:r>
+            <a:r>
+              <a:rPr kumimoji="0" lang="en-US" sz="1100" b="0" i="0" u="none" strike="noStrike" cap="none" spc="0" normalizeH="0" dirty="0" smtClean="0">
+                <a:ln>
+                  <a:noFill/>
+                </a:ln>
+                <a:solidFill>
+                  <a:schemeClr val="tx1"/>
+                </a:solidFill>
+                <a:effectLst/>
+                <a:uFillTx/>
+                <a:latin typeface="Calibri" panose="020F0502020204030204" pitchFamily="34" charset="0"/>
+                <a:cs typeface="Calibri" panose="020F0502020204030204" pitchFamily="34" charset="0"/>
+                <a:sym typeface="Helvetica Light"/>
+              </a:rPr>
+              <a:t> categorical variable name</a:t>
+            </a:r>
+          </a:p>
+          <a:p>
+            <a:pPr marL="115888" marR="0" indent="-115888" algn="l" defTabSz="584200" rtl="0" fontAlgn="auto" latinLnBrk="1" hangingPunct="0">
+              <a:lnSpc>
+                <a:spcPct val="100000"/>
+              </a:lnSpc>
+              <a:spcBef>
+                <a:spcPts val="0"/>
+              </a:spcBef>
+              <a:spcAft>
+                <a:spcPts val="0"/>
+              </a:spcAft>
+              <a:buSzTx/>
+              <a:buFont typeface="Arial" panose="020B0604020202020204" pitchFamily="34" charset="0"/>
+              <a:buChar char="•"/>
+              <a:tabLst/>
+            </a:pPr>
+            <a:r>
+              <a:rPr lang="en-US" sz="1100" baseline="0" dirty="0" smtClean="0">
+                <a:solidFill>
+                  <a:schemeClr val="tx1"/>
+                </a:solidFill>
+                <a:latin typeface="Calibri" panose="020F0502020204030204" pitchFamily="34" charset="0"/>
+                <a:cs typeface="Calibri" panose="020F0502020204030204" pitchFamily="34" charset="0"/>
+              </a:rPr>
+              <a:t>Replaced </a:t>
+            </a:r>
+            <a:r>
+              <a:rPr lang="en-US" sz="1100" b="1" baseline="0" dirty="0" smtClean="0">
+                <a:solidFill>
+                  <a:schemeClr val="tx1"/>
+                </a:solidFill>
+                <a:latin typeface="Calibri" panose="020F0502020204030204" pitchFamily="34" charset="0"/>
+                <a:cs typeface="Calibri" panose="020F0502020204030204" pitchFamily="34" charset="0"/>
+              </a:rPr>
+              <a:t>#</a:t>
+            </a:r>
+            <a:r>
+              <a:rPr lang="en-US" sz="1100" dirty="0" smtClean="0">
+                <a:solidFill>
+                  <a:schemeClr val="tx1"/>
+                </a:solidFill>
+                <a:latin typeface="Calibri" panose="020F0502020204030204" pitchFamily="34" charset="0"/>
+                <a:cs typeface="Calibri" panose="020F0502020204030204" pitchFamily="34" charset="0"/>
+              </a:rPr>
+              <a:t> with numeric value</a:t>
+            </a:r>
+            <a:endParaRPr kumimoji="0" lang="en-US" sz="1100" b="0" i="0" u="none" strike="noStrike" cap="none" spc="0" normalizeH="0" baseline="0" dirty="0">
+              <a:ln>
+                <a:noFill/>
+              </a:ln>
+              <a:solidFill>
+                <a:schemeClr val="tx1"/>
+              </a:solidFill>
+              <a:effectLst/>
+              <a:uFillTx/>
+              <a:latin typeface="Calibri" panose="020F0502020204030204" pitchFamily="34" charset="0"/>
+              <a:cs typeface="Calibri" panose="020F0502020204030204" pitchFamily="34" charset="0"/>
+              <a:sym typeface="Helvetica Light"/>
+            </a:endParaRPr>
+          </a:p>
+        </p:txBody>
+      </p:sp>
     </p:spTree>
     <p:extLst>
       <p:ext uri="{BB962C8B-B14F-4D97-AF65-F5344CB8AC3E}">
@@ -12994,7 +13628,7 @@
             </a:ln>
             <a:extLst>
               <a:ext uri="{C572A759-6A51-4108-AA02-DFA0A04FC94B}">
-                <ma14:wrappingTextBoxFlag xmlns:ma14="http://schemas.microsoft.com/office/mac/drawingml/2011/main" xmlns="" val="1"/>
+                <ma14:wrappingTextBoxFlag xmlns="" xmlns:ma14="http://schemas.microsoft.com/office/mac/drawingml/2011/main" val="1"/>
               </a:ext>
             </a:extLst>
           </p:spPr>
@@ -14022,7 +14656,7 @@
             </a:ln>
             <a:extLst>
               <a:ext uri="{C572A759-6A51-4108-AA02-DFA0A04FC94B}">
-                <ma14:wrappingTextBoxFlag xmlns:ma14="http://schemas.microsoft.com/office/mac/drawingml/2011/main" xmlns="" val="1"/>
+                <ma14:wrappingTextBoxFlag xmlns="" xmlns:ma14="http://schemas.microsoft.com/office/mac/drawingml/2011/main" val="1"/>
               </a:ext>
             </a:extLst>
           </p:spPr>
@@ -15206,7 +15840,7 @@
             </a:ln>
             <a:extLst>
               <a:ext uri="{C572A759-6A51-4108-AA02-DFA0A04FC94B}">
-                <ma14:wrappingTextBoxFlag xmlns:ma14="http://schemas.microsoft.com/office/mac/drawingml/2011/main" xmlns="" val="1"/>
+                <ma14:wrappingTextBoxFlag xmlns="" xmlns:ma14="http://schemas.microsoft.com/office/mac/drawingml/2011/main" val="1"/>
               </a:ext>
             </a:extLst>
           </p:spPr>
@@ -17377,7 +18011,7 @@
             </a:ln>
             <a:extLst>
               <a:ext uri="{C572A759-6A51-4108-AA02-DFA0A04FC94B}">
-                <ma14:wrappingTextBoxFlag xmlns:ma14="http://schemas.microsoft.com/office/mac/drawingml/2011/main" xmlns="" val="1"/>
+                <ma14:wrappingTextBoxFlag xmlns="" xmlns:ma14="http://schemas.microsoft.com/office/mac/drawingml/2011/main" val="1"/>
               </a:ext>
             </a:extLst>
           </p:spPr>
@@ -17616,7 +18250,16 @@
                   </a:solidFill>
                   <a:latin typeface="Calibri" panose="020F0502020204030204" pitchFamily="34" charset="0"/>
                 </a:rPr>
-                <a:t>)                           # append totals</a:t>
+                <a:t>)                        </a:t>
+              </a:r>
+              <a:r>
+                <a:rPr lang="en-US" sz="800" dirty="0" smtClean="0">
+                  <a:solidFill>
+                    <a:schemeClr val="tx1"/>
+                  </a:solidFill>
+                  <a:latin typeface="Calibri" panose="020F0502020204030204" pitchFamily="34" charset="0"/>
+                </a:rPr>
+                <a:t>   # append totals</a:t>
               </a:r>
             </a:p>
             <a:p>
@@ -17666,9 +18309,7 @@
               <a:r>
                 <a:rPr lang="en-US" sz="800" dirty="0">
                   <a:solidFill>
-                    <a:schemeClr val="accent2">
-                      <a:lumMod val="50000"/>
-                    </a:schemeClr>
+                    <a:schemeClr val="tx1"/>
                   </a:solidFill>
                   <a:latin typeface="Calibri" panose="020F0502020204030204" pitchFamily="34" charset="0"/>
                 </a:rPr>
@@ -17744,9 +18385,7 @@
               <a:r>
                 <a:rPr lang="en-US" sz="800" dirty="0">
                   <a:solidFill>
-                    <a:schemeClr val="accent2">
-                      <a:lumMod val="50000"/>
-                    </a:schemeClr>
+                    <a:schemeClr val="tx1"/>
                   </a:solidFill>
                   <a:latin typeface="Calibri" panose="020F0502020204030204" pitchFamily="34" charset="0"/>
                 </a:rPr>
@@ -17817,14 +18456,21 @@
                   </a:solidFill>
                   <a:latin typeface="Calibri" panose="020F0502020204030204" pitchFamily="34" charset="0"/>
                 </a:rPr>
-                <a:t>         # </a:t>
+                <a:t>         </a:t>
+              </a:r>
+              <a:r>
+                <a:rPr lang="en-US" sz="800" dirty="0" smtClean="0">
+                  <a:solidFill>
+                    <a:schemeClr val="tx1"/>
+                  </a:solidFill>
+                  <a:latin typeface="Calibri" panose="020F0502020204030204" pitchFamily="34" charset="0"/>
+                </a:rPr>
+                <a:t># </a:t>
               </a:r>
               <a:r>
                 <a:rPr lang="en-US" sz="800" dirty="0">
                   <a:solidFill>
-                    <a:schemeClr val="accent2">
-                      <a:lumMod val="50000"/>
-                    </a:schemeClr>
+                    <a:schemeClr val="tx1"/>
                   </a:solidFill>
                   <a:latin typeface="Calibri" panose="020F0502020204030204" pitchFamily="34" charset="0"/>
                 </a:rPr>
@@ -19248,7 +19894,7 @@
             </a:ln>
             <a:extLst>
               <a:ext uri="{C572A759-6A51-4108-AA02-DFA0A04FC94B}">
-                <ma14:wrappingTextBoxFlag xmlns:ma14="http://schemas.microsoft.com/office/mac/drawingml/2011/main" xmlns="" val="1"/>
+                <ma14:wrappingTextBoxFlag xmlns="" xmlns:ma14="http://schemas.microsoft.com/office/mac/drawingml/2011/main" val="1"/>
               </a:ext>
             </a:extLst>
           </p:spPr>
@@ -20575,7 +21221,7 @@
             </a:ln>
             <a:extLst>
               <a:ext uri="{C572A759-6A51-4108-AA02-DFA0A04FC94B}">
-                <ma14:wrappingTextBoxFlag xmlns:ma14="http://schemas.microsoft.com/office/mac/drawingml/2011/main" xmlns="" val="1"/>
+                <ma14:wrappingTextBoxFlag xmlns="" xmlns:ma14="http://schemas.microsoft.com/office/mac/drawingml/2011/main" val="1"/>
               </a:ext>
             </a:extLst>
           </p:spPr>
@@ -21340,7 +21986,7 @@
         </p:nvCxnSpPr>
         <p:spPr>
           <a:xfrm flipV="1">
-            <a:off x="7590632" y="4869257"/>
+            <a:off x="7590632" y="4749800"/>
             <a:ext cx="0" cy="180866"/>
           </a:xfrm>
           <a:prstGeom prst="line">
@@ -22719,7 +23365,7 @@
             </a:ln>
             <a:extLst>
               <a:ext uri="{C572A759-6A51-4108-AA02-DFA0A04FC94B}">
-                <ma14:wrappingTextBoxFlag xmlns:ma14="http://schemas.microsoft.com/office/mac/drawingml/2011/main" xmlns="" val="1"/>
+                <ma14:wrappingTextBoxFlag xmlns="" xmlns:ma14="http://schemas.microsoft.com/office/mac/drawingml/2011/main" val="1"/>
               </a:ext>
             </a:extLst>
           </p:spPr>
@@ -24599,7 +25245,7 @@
             </a:ln>
             <a:extLst>
               <a:ext uri="{C572A759-6A51-4108-AA02-DFA0A04FC94B}">
-                <ma14:wrappingTextBoxFlag xmlns:ma14="http://schemas.microsoft.com/office/mac/drawingml/2011/main" xmlns="" val="1"/>
+                <ma14:wrappingTextBoxFlag xmlns="" xmlns:ma14="http://schemas.microsoft.com/office/mac/drawingml/2011/main" val="1"/>
               </a:ext>
             </a:extLst>
           </p:spPr>
@@ -26214,7 +26860,7 @@
             </a:ln>
             <a:extLst>
               <a:ext uri="{C572A759-6A51-4108-AA02-DFA0A04FC94B}">
-                <ma14:wrappingTextBoxFlag xmlns:ma14="http://schemas.microsoft.com/office/mac/drawingml/2011/main" xmlns="" val="1"/>
+                <ma14:wrappingTextBoxFlag xmlns="" xmlns:ma14="http://schemas.microsoft.com/office/mac/drawingml/2011/main" val="1"/>
               </a:ext>
             </a:extLst>
           </p:spPr>
@@ -28406,9 +29052,9 @@
         <p:grpSpPr>
           <a:xfrm>
             <a:off x="6127592" y="81347"/>
-            <a:ext cx="2927017" cy="4801918"/>
+            <a:ext cx="2927017" cy="4668453"/>
             <a:chOff x="6121242" y="36897"/>
-            <a:chExt cx="2927017" cy="4801918"/>
+            <a:chExt cx="2927017" cy="4668453"/>
           </a:xfrm>
         </p:grpSpPr>
         <p:sp>
@@ -28419,7 +29065,7 @@
           </p:nvSpPr>
           <p:spPr>
             <a:xfrm>
-              <a:off x="6121242" y="2362143"/>
+              <a:off x="6121242" y="2228678"/>
               <a:ext cx="2926080" cy="2476672"/>
             </a:xfrm>
             <a:prstGeom prst="roundRect">
@@ -29597,7 +30243,7 @@
           <p:spPr>
             <a:xfrm>
               <a:off x="6122179" y="191202"/>
-              <a:ext cx="2926080" cy="2207572"/>
+              <a:ext cx="2926080" cy="2057402"/>
             </a:xfrm>
             <a:prstGeom prst="roundRect">
               <a:avLst>
@@ -29898,7 +30544,7 @@
                   <a:schemeClr val="tx1"/>
                 </a:buClr>
               </a:pPr>
-              <a:endParaRPr lang="en-US" sz="2400" dirty="0" smtClean="0">
+              <a:endParaRPr lang="en-US" sz="1600" dirty="0" smtClean="0">
                 <a:latin typeface="Calibri Light" panose="020F0302020204030204" pitchFamily="34" charset="0"/>
               </a:endParaRPr>
             </a:p>
@@ -29979,7 +30625,7 @@
             </a:ln>
             <a:extLst>
               <a:ext uri="{C572A759-6A51-4108-AA02-DFA0A04FC94B}">
-                <ma14:wrappingTextBoxFlag xmlns:ma14="http://schemas.microsoft.com/office/mac/drawingml/2011/main" xmlns="" val="1"/>
+                <ma14:wrappingTextBoxFlag xmlns="" xmlns:ma14="http://schemas.microsoft.com/office/mac/drawingml/2011/main" val="1"/>
               </a:ext>
             </a:extLst>
           </p:spPr>
@@ -30022,7 +30668,7 @@
           </p:nvSpPr>
           <p:spPr>
             <a:xfrm>
-              <a:off x="6166962" y="1644892"/>
+              <a:off x="6161519" y="1525159"/>
               <a:ext cx="2724608" cy="177762"/>
             </a:xfrm>
             <a:prstGeom prst="rect">
@@ -30101,7 +30747,7 @@
           </p:nvSpPr>
           <p:spPr>
             <a:xfrm>
-              <a:off x="6172405" y="2137575"/>
+              <a:off x="6166962" y="2017842"/>
               <a:ext cx="2713722" cy="177762"/>
             </a:xfrm>
             <a:prstGeom prst="rect">
@@ -30599,8 +31245,8 @@
           </p:nvSpPr>
           <p:spPr>
             <a:xfrm>
-              <a:off x="6166962" y="1163010"/>
-              <a:ext cx="2834640" cy="301621"/>
+              <a:off x="6166962" y="1151461"/>
+              <a:ext cx="2834640" cy="178510"/>
             </a:xfrm>
             <a:prstGeom prst="rect">
               <a:avLst/>
@@ -30761,32 +31407,18 @@
                   </a:solidFill>
                   <a:latin typeface="Calibri" panose="020F0502020204030204" pitchFamily="34" charset="0"/>
                 </a:rPr>
-                <a:t>=TRUE,</a:t>
-              </a:r>
-            </a:p>
-            <a:p>
-              <a:pPr algn="l" rtl="0" latinLnBrk="1" hangingPunct="0"/>
-              <a:r>
-                <a:rPr lang="en-US" sz="800" dirty="0">
-                  <a:solidFill>
-                    <a:schemeClr val="accent2">
-                      <a:lumMod val="50000"/>
-                    </a:schemeClr>
-                  </a:solidFill>
-                  <a:latin typeface="Calibri" panose="020F0502020204030204" pitchFamily="34" charset="0"/>
-                </a:rPr>
-                <a:t> </a:t>
-              </a:r>
-              <a:r>
-                <a:rPr lang="en-US" sz="800" dirty="0" smtClean="0">
-                  <a:solidFill>
-                    <a:schemeClr val="accent2">
-                      <a:lumMod val="50000"/>
-                    </a:schemeClr>
-                  </a:solidFill>
-                  <a:latin typeface="Calibri" panose="020F0502020204030204" pitchFamily="34" charset="0"/>
-                </a:rPr>
-                <a:t>                                     correct=FALSE</a:t>
+                <a:t>=TRUE</a:t>
+              </a:r>
+              <a:r>
+                <a:rPr lang="en-US" sz="800" dirty="0" smtClean="0">
+                  <a:solidFill>
+                    <a:schemeClr val="accent2">
+                      <a:lumMod val="50000"/>
+                    </a:schemeClr>
+                  </a:solidFill>
+                  <a:latin typeface="Calibri" panose="020F0502020204030204" pitchFamily="34" charset="0"/>
+                </a:rPr>
+                <a:t>, correct=FALSE</a:t>
               </a:r>
               <a:r>
                 <a:rPr lang="en-US" sz="800" dirty="0">
@@ -30811,7 +31443,7 @@
         </p:nvGrpSpPr>
         <p:grpSpPr>
           <a:xfrm>
-            <a:off x="6127592" y="5050123"/>
+            <a:off x="6127592" y="4930666"/>
             <a:ext cx="2926080" cy="1151307"/>
             <a:chOff x="6121242" y="4713263"/>
             <a:chExt cx="2926080" cy="1151307"/>

--- a/resources/MTH107-RGuide.pptx
+++ b/resources/MTH107-RGuide.pptx
@@ -1144,7 +1144,7 @@
           </a:ln>
           <a:extLst>
             <a:ext uri="{C572A759-6A51-4108-AA02-DFA0A04FC94B}">
-              <ma14:wrappingTextBoxFlag xmlns="" xmlns:ma14="http://schemas.microsoft.com/office/mac/drawingml/2011/main" val="1"/>
+              <ma14:wrappingTextBoxFlag xmlns:ma14="http://schemas.microsoft.com/office/mac/drawingml/2011/main" xmlns="" val="1"/>
             </a:ext>
           </a:extLst>
         </p:spPr>
@@ -1187,7 +1187,7 @@
           </a:ln>
           <a:extLst>
             <a:ext uri="{C572A759-6A51-4108-AA02-DFA0A04FC94B}">
-              <ma14:wrappingTextBoxFlag xmlns="" xmlns:ma14="http://schemas.microsoft.com/office/mac/drawingml/2011/main" val="1"/>
+              <ma14:wrappingTextBoxFlag xmlns:ma14="http://schemas.microsoft.com/office/mac/drawingml/2011/main" xmlns="" val="1"/>
             </a:ext>
           </a:extLst>
         </p:spPr>
@@ -1818,7 +1818,25 @@
                   <a:cs typeface="Calibri Light" panose="020F0302020204030204" pitchFamily="34" charset="0"/>
                   <a:sym typeface="Source Sans Pro Light"/>
                 </a:rPr>
-                <a:t>at the top of your new script in </a:t>
+                <a:t>at the </a:t>
+              </a:r>
+              <a:r>
+                <a:rPr lang="en-US" sz="800" dirty="0" smtClean="0">
+                  <a:latin typeface="Calibri Light" panose="020F0302020204030204" pitchFamily="34" charset="0"/>
+                  <a:ea typeface="Source Sans Pro Light"/>
+                  <a:cs typeface="Calibri Light" panose="020F0302020204030204" pitchFamily="34" charset="0"/>
+                  <a:sym typeface="Source Sans Pro Light"/>
+                </a:rPr>
+                <a:t>top/beginning </a:t>
+              </a:r>
+              <a:r>
+                <a:rPr lang="en-US" sz="800" dirty="0" smtClean="0">
+                  <a:latin typeface="Calibri Light" panose="020F0302020204030204" pitchFamily="34" charset="0"/>
+                  <a:ea typeface="Source Sans Pro Light"/>
+                  <a:cs typeface="Calibri Light" panose="020F0302020204030204" pitchFamily="34" charset="0"/>
+                  <a:sym typeface="Source Sans Pro Light"/>
+                </a:rPr>
+                <a:t>of your new script in </a:t>
               </a:r>
               <a:r>
                 <a:rPr lang="en-US" sz="800" dirty="0" err="1" smtClean="0">
@@ -1871,7 +1889,7 @@
             </a:ln>
             <a:extLst>
               <a:ext uri="{C572A759-6A51-4108-AA02-DFA0A04FC94B}">
-                <ma14:wrappingTextBoxFlag xmlns="" xmlns:ma14="http://schemas.microsoft.com/office/mac/drawingml/2011/main" val="1"/>
+                <ma14:wrappingTextBoxFlag xmlns:ma14="http://schemas.microsoft.com/office/mac/drawingml/2011/main" xmlns="" val="1"/>
               </a:ext>
             </a:extLst>
           </p:spPr>
@@ -2457,7 +2475,7 @@
             </a:ln>
             <a:extLst>
               <a:ext uri="{C572A759-6A51-4108-AA02-DFA0A04FC94B}">
-                <ma14:wrappingTextBoxFlag xmlns="" xmlns:ma14="http://schemas.microsoft.com/office/mac/drawingml/2011/main" val="1"/>
+                <ma14:wrappingTextBoxFlag xmlns:ma14="http://schemas.microsoft.com/office/mac/drawingml/2011/main" xmlns="" val="1"/>
               </a:ext>
             </a:extLst>
           </p:spPr>
@@ -2480,7 +2498,21 @@
                   <a:cs typeface="Source Sans Pro"/>
                   <a:sym typeface="Source Sans Pro"/>
                 </a:rPr>
-                <a:t>Random Individuals</a:t>
+                <a:t>Randomize </a:t>
+              </a:r>
+              <a:r>
+                <a:rPr lang="en-US" sz="1400" b="1" dirty="0" smtClean="0">
+                  <a:solidFill>
+                    <a:schemeClr val="bg2">
+                      <a:lumMod val="10000"/>
+                    </a:schemeClr>
+                  </a:solidFill>
+                  <a:latin typeface="Source Sans Pro"/>
+                  <a:ea typeface="Source Sans Pro"/>
+                  <a:cs typeface="Source Sans Pro"/>
+                  <a:sym typeface="Source Sans Pro"/>
+                </a:rPr>
+                <a:t>Individuals</a:t>
               </a:r>
               <a:endParaRPr sz="1400" b="1" dirty="0">
                 <a:solidFill>
@@ -2750,19 +2782,7 @@
                 <a:latin typeface="Calibri" panose="020F0502020204030204" pitchFamily="34" charset="0"/>
                 <a:cs typeface="Calibri" panose="020F0502020204030204" pitchFamily="34" charset="0"/>
               </a:rPr>
-              <a:t>R </a:t>
-            </a:r>
-            <a:r>
-              <a:rPr lang="en-US" sz="4400" dirty="0" smtClean="0">
-                <a:solidFill>
-                  <a:schemeClr val="bg1">
-                    <a:lumMod val="85000"/>
-                  </a:schemeClr>
-                </a:solidFill>
-                <a:latin typeface="Calibri" panose="020F0502020204030204" pitchFamily="34" charset="0"/>
-                <a:cs typeface="Calibri" panose="020F0502020204030204" pitchFamily="34" charset="0"/>
-              </a:rPr>
-              <a:t>Function</a:t>
+              <a:t>R Function</a:t>
             </a:r>
             <a:endParaRPr lang="en-US" sz="4400" dirty="0">
               <a:solidFill>
@@ -2939,29 +2959,7 @@
                   <a:latin typeface="Courier New" panose="02070309020205020404" pitchFamily="49" charset="0"/>
                   <a:cs typeface="Courier New" panose="02070309020205020404" pitchFamily="49" charset="0"/>
                 </a:rPr>
-                <a:t>,</a:t>
-              </a:r>
-              <a:r>
-                <a:rPr lang="en-US" sz="600" b="1" dirty="0">
-                  <a:solidFill>
-                    <a:srgbClr val="C00000"/>
-                  </a:solidFill>
-                  <a:latin typeface="Courier New" panose="02070309020205020404" pitchFamily="49" charset="0"/>
-                  <a:cs typeface="Courier New" panose="02070309020205020404" pitchFamily="49" charset="0"/>
-                </a:rPr>
-                <a:t>lower.tail=FALSE</a:t>
-              </a:r>
-              <a:r>
-                <a:rPr lang="en-US" sz="600" b="1" dirty="0">
-                  <a:solidFill>
-                    <a:schemeClr val="accent2">
-                      <a:lumMod val="50000"/>
-                    </a:schemeClr>
-                  </a:solidFill>
-                  <a:latin typeface="Courier New" panose="02070309020205020404" pitchFamily="49" charset="0"/>
-                  <a:cs typeface="Courier New" panose="02070309020205020404" pitchFamily="49" charset="0"/>
-                </a:rPr>
-                <a:t>) </a:t>
+                <a:t>,lower.tail=FALSE) </a:t>
               </a:r>
               <a:r>
                 <a:rPr lang="en-US" sz="600" dirty="0">
@@ -3238,7 +3236,7 @@
             </a:ln>
             <a:extLst>
               <a:ext uri="{C572A759-6A51-4108-AA02-DFA0A04FC94B}">
-                <ma14:wrappingTextBoxFlag xmlns="" xmlns:ma14="http://schemas.microsoft.com/office/mac/drawingml/2011/main" val="1"/>
+                <ma14:wrappingTextBoxFlag xmlns:ma14="http://schemas.microsoft.com/office/mac/drawingml/2011/main" xmlns="" val="1"/>
               </a:ext>
             </a:extLst>
           </p:spPr>
@@ -4334,7 +4332,7 @@
             </a:ln>
             <a:extLst>
               <a:ext uri="{C572A759-6A51-4108-AA02-DFA0A04FC94B}">
-                <ma14:wrappingTextBoxFlag xmlns="" xmlns:ma14="http://schemas.microsoft.com/office/mac/drawingml/2011/main" val="1"/>
+                <ma14:wrappingTextBoxFlag xmlns:ma14="http://schemas.microsoft.com/office/mac/drawingml/2011/main" xmlns="" val="1"/>
               </a:ext>
             </a:extLst>
           </p:spPr>
@@ -5232,17 +5230,7 @@
                   <a:latin typeface="Courier New" panose="02070309020205020404" pitchFamily="49" charset="0"/>
                   <a:cs typeface="Courier New" panose="02070309020205020404" pitchFamily="49" charset="0"/>
                 </a:rPr>
-                <a:t>type</a:t>
-              </a:r>
-              <a:r>
-                <a:rPr lang="en-US" sz="600" b="1" dirty="0" smtClean="0">
-                  <a:solidFill>
-                    <a:srgbClr val="C00000"/>
-                  </a:solidFill>
-                  <a:latin typeface="Courier New" panose="02070309020205020404" pitchFamily="49" charset="0"/>
-                  <a:cs typeface="Courier New" panose="02070309020205020404" pitchFamily="49" charset="0"/>
-                </a:rPr>
-                <a:t>=</a:t>
+                <a:t>type=</a:t>
               </a:r>
               <a:r>
                 <a:rPr lang="en-US" sz="600" b="1" dirty="0">
@@ -5580,12 +5568,26 @@
                   <a:latin typeface="Courier New" panose="02070309020205020404" pitchFamily="49" charset="0"/>
                   <a:cs typeface="Courier New" panose="02070309020205020404" pitchFamily="49" charset="0"/>
                 </a:rPr>
-                <a:t>10/</a:t>
+                <a:t>10</a:t>
+              </a:r>
+              <a:r>
+                <a:rPr lang="en-US" sz="600" b="1" dirty="0" smtClean="0">
+                  <a:solidFill>
+                    <a:schemeClr val="accent2">
+                      <a:lumMod val="50000"/>
+                    </a:schemeClr>
+                  </a:solidFill>
+                  <a:latin typeface="Courier New" panose="02070309020205020404" pitchFamily="49" charset="0"/>
+                  <a:cs typeface="Courier New" panose="02070309020205020404" pitchFamily="49" charset="0"/>
+                </a:rPr>
+                <a:t>/</a:t>
               </a:r>
               <a:r>
                 <a:rPr lang="en-US" sz="600" b="1" dirty="0" err="1" smtClean="0">
                   <a:solidFill>
-                    <a:srgbClr val="C00000"/>
+                    <a:schemeClr val="accent2">
+                      <a:lumMod val="50000"/>
+                    </a:schemeClr>
                   </a:solidFill>
                   <a:latin typeface="Courier New" panose="02070309020205020404" pitchFamily="49" charset="0"/>
                   <a:cs typeface="Courier New" panose="02070309020205020404" pitchFamily="49" charset="0"/>
@@ -5595,12 +5597,14 @@
               <a:r>
                 <a:rPr lang="en-US" sz="600" b="1" dirty="0" smtClean="0">
                   <a:solidFill>
-                    <a:srgbClr val="C00000"/>
-                  </a:solidFill>
-                  <a:latin typeface="Courier New" panose="02070309020205020404" pitchFamily="49" charset="0"/>
-                  <a:cs typeface="Courier New" panose="02070309020205020404" pitchFamily="49" charset="0"/>
-                </a:rPr>
-                <a:t>(30</a:t>
+                    <a:schemeClr val="accent2">
+                      <a:lumMod val="50000"/>
+                    </a:schemeClr>
+                  </a:solidFill>
+                  <a:latin typeface="Courier New" panose="02070309020205020404" pitchFamily="49" charset="0"/>
+                  <a:cs typeface="Courier New" panose="02070309020205020404" pitchFamily="49" charset="0"/>
+                </a:rPr>
+                <a:t>(</a:t>
               </a:r>
               <a:r>
                 <a:rPr lang="en-US" sz="600" b="1" dirty="0" smtClean="0">
@@ -5610,7 +5614,7 @@
                   <a:latin typeface="Courier New" panose="02070309020205020404" pitchFamily="49" charset="0"/>
                   <a:cs typeface="Courier New" panose="02070309020205020404" pitchFamily="49" charset="0"/>
                 </a:rPr>
-                <a:t>)</a:t>
+                <a:t>30</a:t>
               </a:r>
               <a:r>
                 <a:rPr lang="en-US" sz="600" b="1" dirty="0" smtClean="0">
@@ -5622,7 +5626,7 @@
                   <a:latin typeface="Courier New" panose="02070309020205020404" pitchFamily="49" charset="0"/>
                   <a:cs typeface="Courier New" panose="02070309020205020404" pitchFamily="49" charset="0"/>
                 </a:rPr>
-                <a:t>)         </a:t>
+                <a:t>))         </a:t>
               </a:r>
               <a:r>
                 <a:rPr lang="en-US" sz="600" dirty="0" smtClean="0">
@@ -5727,12 +5731,26 @@
                   <a:latin typeface="Courier New" panose="02070309020205020404" pitchFamily="49" charset="0"/>
                   <a:cs typeface="Courier New" panose="02070309020205020404" pitchFamily="49" charset="0"/>
                 </a:rPr>
-                <a:t>10/</a:t>
+                <a:t>10</a:t>
+              </a:r>
+              <a:r>
+                <a:rPr lang="en-US" sz="600" b="1" dirty="0" smtClean="0">
+                  <a:solidFill>
+                    <a:schemeClr val="accent2">
+                      <a:lumMod val="50000"/>
+                    </a:schemeClr>
+                  </a:solidFill>
+                  <a:latin typeface="Courier New" panose="02070309020205020404" pitchFamily="49" charset="0"/>
+                  <a:cs typeface="Courier New" panose="02070309020205020404" pitchFamily="49" charset="0"/>
+                </a:rPr>
+                <a:t>/</a:t>
               </a:r>
               <a:r>
                 <a:rPr lang="en-US" sz="600" b="1" dirty="0" err="1" smtClean="0">
                   <a:solidFill>
-                    <a:srgbClr val="C00000"/>
+                    <a:schemeClr val="accent2">
+                      <a:lumMod val="50000"/>
+                    </a:schemeClr>
                   </a:solidFill>
                   <a:latin typeface="Courier New" panose="02070309020205020404" pitchFamily="49" charset="0"/>
                   <a:cs typeface="Courier New" panose="02070309020205020404" pitchFamily="49" charset="0"/>
@@ -5742,24 +5760,36 @@
               <a:r>
                 <a:rPr lang="en-US" sz="600" b="1" dirty="0" smtClean="0">
                   <a:solidFill>
-                    <a:srgbClr val="C00000"/>
-                  </a:solidFill>
-                  <a:latin typeface="Courier New" panose="02070309020205020404" pitchFamily="49" charset="0"/>
-                  <a:cs typeface="Courier New" panose="02070309020205020404" pitchFamily="49" charset="0"/>
-                </a:rPr>
-                <a:t>(30)</a:t>
+                    <a:schemeClr val="accent2">
+                      <a:lumMod val="50000"/>
+                    </a:schemeClr>
+                  </a:solidFill>
+                  <a:latin typeface="Courier New" panose="02070309020205020404" pitchFamily="49" charset="0"/>
+                  <a:cs typeface="Courier New" panose="02070309020205020404" pitchFamily="49" charset="0"/>
+                </a:rPr>
+                <a:t>(</a:t>
               </a:r>
               <a:r>
                 <a:rPr lang="en-US" sz="600" b="1" dirty="0" smtClean="0">
                   <a:solidFill>
-                    <a:schemeClr val="accent2">
-                      <a:lumMod val="50000"/>
-                    </a:schemeClr>
-                  </a:solidFill>
-                  <a:latin typeface="Courier New" panose="02070309020205020404" pitchFamily="49" charset="0"/>
-                  <a:cs typeface="Courier New" panose="02070309020205020404" pitchFamily="49" charset="0"/>
-                </a:rPr>
-                <a:t>,</a:t>
+                    <a:srgbClr val="C00000"/>
+                  </a:solidFill>
+                  <a:latin typeface="Courier New" panose="02070309020205020404" pitchFamily="49" charset="0"/>
+                  <a:cs typeface="Courier New" panose="02070309020205020404" pitchFamily="49" charset="0"/>
+                </a:rPr>
+                <a:t>30</a:t>
+              </a:r>
+              <a:r>
+                <a:rPr lang="en-US" sz="600" b="1" dirty="0" smtClean="0">
+                  <a:solidFill>
+                    <a:schemeClr val="accent2">
+                      <a:lumMod val="50000"/>
+                    </a:schemeClr>
+                  </a:solidFill>
+                  <a:latin typeface="Courier New" panose="02070309020205020404" pitchFamily="49" charset="0"/>
+                  <a:cs typeface="Courier New" panose="02070309020205020404" pitchFamily="49" charset="0"/>
+                </a:rPr>
+                <a:t>),</a:t>
               </a:r>
               <a:endParaRPr lang="en-US" sz="600" b="1" dirty="0" smtClean="0">
                 <a:solidFill>
@@ -6501,7 +6531,7 @@
             </a:ln>
             <a:extLst>
               <a:ext uri="{C572A759-6A51-4108-AA02-DFA0A04FC94B}">
-                <ma14:wrappingTextBoxFlag xmlns="" xmlns:ma14="http://schemas.microsoft.com/office/mac/drawingml/2011/main" val="1"/>
+                <ma14:wrappingTextBoxFlag xmlns:ma14="http://schemas.microsoft.com/office/mac/drawingml/2011/main" xmlns="" val="1"/>
               </a:ext>
             </a:extLst>
           </p:spPr>
@@ -7499,7 +7529,7 @@
                 <a:t>Sporty","Small</a:t>
               </a:r>
               <a:r>
-                <a:rPr lang="en-US" sz="600" b="1" dirty="0" smtClean="0">
+                <a:rPr lang="en-US" sz="600" b="1" smtClean="0">
                   <a:solidFill>
                     <a:srgbClr val="C00000"/>
                   </a:solidFill>
@@ -7509,16 +7539,16 @@
                 <a:t>")</a:t>
               </a:r>
               <a:r>
-                <a:rPr lang="en-US" sz="600" b="1" dirty="0">
-                  <a:solidFill>
-                    <a:schemeClr val="accent2">
-                      <a:lumMod val="50000"/>
-                    </a:schemeClr>
-                  </a:solidFill>
-                  <a:latin typeface="Courier New" panose="02070309020205020404" pitchFamily="49" charset="0"/>
-                  <a:cs typeface="Courier New" panose="02070309020205020404" pitchFamily="49" charset="0"/>
-                </a:rPr>
-                <a:t> )</a:t>
+                <a:rPr lang="en-US" sz="600" b="1" smtClean="0">
+                  <a:solidFill>
+                    <a:schemeClr val="accent2">
+                      <a:lumMod val="50000"/>
+                    </a:schemeClr>
+                  </a:solidFill>
+                  <a:latin typeface="Courier New" panose="02070309020205020404" pitchFamily="49" charset="0"/>
+                  <a:cs typeface="Courier New" panose="02070309020205020404" pitchFamily="49" charset="0"/>
+                </a:rPr>
+                <a:t>)</a:t>
               </a:r>
               <a:endParaRPr lang="en-US" sz="600" b="1" dirty="0" smtClean="0">
                 <a:solidFill>
@@ -8634,7 +8664,29 @@
                   <a:ea typeface="Microsoft Yi Baiti" panose="03000500000000000000" pitchFamily="66" charset="0"/>
                   <a:cs typeface="Arabic Typesetting" panose="03020402040406030203" pitchFamily="66" charset="-78"/>
                 </a:rPr>
-                <a:t>)    # </a:t>
+                <a:t>)   </a:t>
+              </a:r>
+              <a:r>
+                <a:rPr lang="en-US" sz="800" dirty="0" smtClean="0">
+                  <a:solidFill>
+                    <a:schemeClr val="tx1"/>
+                  </a:solidFill>
+                  <a:latin typeface="Calibri Light" panose="020F0302020204030204" pitchFamily="34" charset="0"/>
+                  <a:ea typeface="Microsoft Yi Baiti" panose="03000500000000000000" pitchFamily="66" charset="0"/>
+                  <a:cs typeface="Arabic Typesetting" panose="03020402040406030203" pitchFamily="66" charset="-78"/>
+                </a:rPr>
+                <a:t>     </a:t>
+              </a:r>
+              <a:r>
+                <a:rPr lang="en-US" sz="800" dirty="0" smtClean="0">
+                  <a:solidFill>
+                    <a:schemeClr val="tx1"/>
+                  </a:solidFill>
+                  <a:latin typeface="Calibri Light" panose="020F0302020204030204" pitchFamily="34" charset="0"/>
+                  <a:ea typeface="Microsoft Yi Baiti" panose="03000500000000000000" pitchFamily="66" charset="0"/>
+                  <a:cs typeface="Arabic Typesetting" panose="03020402040406030203" pitchFamily="66" charset="-78"/>
+                </a:rPr>
+                <a:t># </a:t>
               </a:r>
               <a:r>
                 <a:rPr lang="en-US" sz="800" dirty="0">
@@ -8848,7 +8900,7 @@
             </a:ln>
             <a:extLst>
               <a:ext uri="{C572A759-6A51-4108-AA02-DFA0A04FC94B}">
-                <ma14:wrappingTextBoxFlag xmlns="" xmlns:ma14="http://schemas.microsoft.com/office/mac/drawingml/2011/main" val="1"/>
+                <ma14:wrappingTextBoxFlag xmlns:ma14="http://schemas.microsoft.com/office/mac/drawingml/2011/main" xmlns="" val="1"/>
               </a:ext>
             </a:extLst>
           </p:spPr>
@@ -9762,8 +9814,41 @@
                   <a:cs typeface="Calibri Light" panose="020F0302020204030204" pitchFamily="34" charset="0"/>
                   <a:sym typeface="Source Sans Pro Light"/>
                 </a:rPr>
-                <a:t>Save as “Comma Separated Values (*.CSV)” file in your local directory/folder.</a:t>
-              </a:r>
+                <a:t>Save as “</a:t>
+              </a:r>
+              <a:r>
+                <a:rPr lang="en-US" sz="800" dirty="0" smtClean="0">
+                  <a:latin typeface="Calibri Light" panose="020F0302020204030204" pitchFamily="34" charset="0"/>
+                  <a:ea typeface="Source Sans Pro Light"/>
+                  <a:cs typeface="Calibri Light" panose="020F0302020204030204" pitchFamily="34" charset="0"/>
+                  <a:sym typeface="Source Sans Pro Light"/>
+                </a:rPr>
+                <a:t>CSV (comma delimited)” </a:t>
+              </a:r>
+              <a:r>
+                <a:rPr lang="en-US" sz="800" dirty="0">
+                  <a:latin typeface="Calibri Light" panose="020F0302020204030204" pitchFamily="34" charset="0"/>
+                  <a:ea typeface="Source Sans Pro Light"/>
+                  <a:cs typeface="Calibri Light" panose="020F0302020204030204" pitchFamily="34" charset="0"/>
+                  <a:sym typeface="Source Sans Pro Light"/>
+                </a:rPr>
+                <a:t>file in your local </a:t>
+              </a:r>
+              <a:r>
+                <a:rPr lang="en-US" sz="800" dirty="0" smtClean="0">
+                  <a:latin typeface="Calibri Light" panose="020F0302020204030204" pitchFamily="34" charset="0"/>
+                  <a:ea typeface="Source Sans Pro Light"/>
+                  <a:cs typeface="Calibri Light" panose="020F0302020204030204" pitchFamily="34" charset="0"/>
+                  <a:sym typeface="Source Sans Pro Light"/>
+                </a:rPr>
+                <a:t>directory/folder (a “.csv” extension will be automatically added to your filename).</a:t>
+              </a:r>
+              <a:endParaRPr lang="en-US" sz="800" dirty="0">
+                <a:latin typeface="Calibri Light" panose="020F0302020204030204" pitchFamily="34" charset="0"/>
+                <a:ea typeface="Source Sans Pro Light"/>
+                <a:cs typeface="Calibri Light" panose="020F0302020204030204" pitchFamily="34" charset="0"/>
+                <a:sym typeface="Source Sans Pro Light"/>
+              </a:endParaRPr>
             </a:p>
             <a:p>
               <a:pPr algn="l">
@@ -9827,22 +9912,40 @@
                 <a:defRPr sz="1800"/>
               </a:pPr>
               <a:r>
-                <a:rPr lang="en-US" sz="800" dirty="0" err="1" smtClean="0">
+                <a:rPr lang="en-US" sz="800" dirty="0" smtClean="0">
                   <a:latin typeface="Calibri Light" panose="020F0302020204030204" pitchFamily="34" charset="0"/>
                   <a:ea typeface="Source Sans Pro Light"/>
                   <a:cs typeface="Calibri Light" panose="020F0302020204030204" pitchFamily="34" charset="0"/>
                   <a:sym typeface="Source Sans Pro Light"/>
                 </a:rPr>
-                <a:t>Goto</a:t>
-              </a:r>
-              <a:r>
-                <a:rPr lang="en-US" sz="800" dirty="0" smtClean="0">
+                <a:t>Follow “data” link or </a:t>
+              </a:r>
+              <a:r>
+                <a:rPr lang="en-US" sz="800" dirty="0" err="1" smtClean="0">
                   <a:latin typeface="Calibri Light" panose="020F0302020204030204" pitchFamily="34" charset="0"/>
                   <a:ea typeface="Source Sans Pro Light"/>
                   <a:cs typeface="Calibri Light" panose="020F0302020204030204" pitchFamily="34" charset="0"/>
                   <a:sym typeface="Source Sans Pro Light"/>
                 </a:rPr>
-                <a:t> the </a:t>
+                <a:t>goto</a:t>
+              </a:r>
+              <a:r>
+                <a:rPr lang="en-US" sz="800" dirty="0" smtClean="0">
+                  <a:latin typeface="Calibri Light" panose="020F0302020204030204" pitchFamily="34" charset="0"/>
+                  <a:ea typeface="Source Sans Pro Light"/>
+                  <a:cs typeface="Calibri Light" panose="020F0302020204030204" pitchFamily="34" charset="0"/>
+                  <a:sym typeface="Source Sans Pro Light"/>
+                </a:rPr>
+                <a:t> </a:t>
+              </a:r>
+              <a:r>
+                <a:rPr lang="en-US" sz="800" dirty="0" smtClean="0">
+                  <a:latin typeface="Calibri Light" panose="020F0302020204030204" pitchFamily="34" charset="0"/>
+                  <a:ea typeface="Source Sans Pro Light"/>
+                  <a:cs typeface="Calibri Light" panose="020F0302020204030204" pitchFamily="34" charset="0"/>
+                  <a:sym typeface="Source Sans Pro Light"/>
+                </a:rPr>
+                <a:t>the </a:t>
               </a:r>
               <a:r>
                 <a:rPr lang="en-US" sz="800" dirty="0" smtClean="0">
@@ -10384,7 +10487,7 @@
                 <a:t>of </a:t>
               </a:r>
               <a:r>
-                <a:rPr lang="en-US" sz="800" dirty="0" err="1" smtClean="0">
+                <a:rPr lang="en-US" sz="800" b="1" dirty="0" err="1" smtClean="0">
                   <a:solidFill>
                     <a:schemeClr val="tx1"/>
                   </a:solidFill>
@@ -10461,7 +10564,7 @@
             </a:ln>
             <a:extLst>
               <a:ext uri="{C572A759-6A51-4108-AA02-DFA0A04FC94B}">
-                <ma14:wrappingTextBoxFlag xmlns="" xmlns:ma14="http://schemas.microsoft.com/office/mac/drawingml/2011/main" val="1"/>
+                <ma14:wrappingTextBoxFlag xmlns:ma14="http://schemas.microsoft.com/office/mac/drawingml/2011/main" xmlns="" val="1"/>
               </a:ext>
             </a:extLst>
           </p:spPr>
@@ -11057,7 +11160,7 @@
           </a:ln>
           <a:extLst>
             <a:ext uri="{C572A759-6A51-4108-AA02-DFA0A04FC94B}">
-              <ma14:wrappingTextBoxFlag xmlns="" xmlns:ma14="http://schemas.microsoft.com/office/mac/drawingml/2011/main" val="1"/>
+              <ma14:wrappingTextBoxFlag xmlns:ma14="http://schemas.microsoft.com/office/mac/drawingml/2011/main" xmlns="" val="1"/>
             </a:ext>
           </a:extLst>
         </p:spPr>
@@ -13628,7 +13731,7 @@
             </a:ln>
             <a:extLst>
               <a:ext uri="{C572A759-6A51-4108-AA02-DFA0A04FC94B}">
-                <ma14:wrappingTextBoxFlag xmlns="" xmlns:ma14="http://schemas.microsoft.com/office/mac/drawingml/2011/main" val="1"/>
+                <ma14:wrappingTextBoxFlag xmlns:ma14="http://schemas.microsoft.com/office/mac/drawingml/2011/main" xmlns="" val="1"/>
               </a:ext>
             </a:extLst>
           </p:spPr>
@@ -14656,7 +14759,7 @@
             </a:ln>
             <a:extLst>
               <a:ext uri="{C572A759-6A51-4108-AA02-DFA0A04FC94B}">
-                <ma14:wrappingTextBoxFlag xmlns="" xmlns:ma14="http://schemas.microsoft.com/office/mac/drawingml/2011/main" val="1"/>
+                <ma14:wrappingTextBoxFlag xmlns:ma14="http://schemas.microsoft.com/office/mac/drawingml/2011/main" xmlns="" val="1"/>
               </a:ext>
             </a:extLst>
           </p:spPr>
@@ -15840,7 +15943,7 @@
             </a:ln>
             <a:extLst>
               <a:ext uri="{C572A759-6A51-4108-AA02-DFA0A04FC94B}">
-                <ma14:wrappingTextBoxFlag xmlns="" xmlns:ma14="http://schemas.microsoft.com/office/mac/drawingml/2011/main" val="1"/>
+                <ma14:wrappingTextBoxFlag xmlns:ma14="http://schemas.microsoft.com/office/mac/drawingml/2011/main" xmlns="" val="1"/>
               </a:ext>
             </a:extLst>
           </p:spPr>
@@ -18011,7 +18114,7 @@
             </a:ln>
             <a:extLst>
               <a:ext uri="{C572A759-6A51-4108-AA02-DFA0A04FC94B}">
-                <ma14:wrappingTextBoxFlag xmlns="" xmlns:ma14="http://schemas.microsoft.com/office/mac/drawingml/2011/main" val="1"/>
+                <ma14:wrappingTextBoxFlag xmlns:ma14="http://schemas.microsoft.com/office/mac/drawingml/2011/main" xmlns="" val="1"/>
               </a:ext>
             </a:extLst>
           </p:spPr>
@@ -19894,7 +19997,7 @@
             </a:ln>
             <a:extLst>
               <a:ext uri="{C572A759-6A51-4108-AA02-DFA0A04FC94B}">
-                <ma14:wrappingTextBoxFlag xmlns="" xmlns:ma14="http://schemas.microsoft.com/office/mac/drawingml/2011/main" val="1"/>
+                <ma14:wrappingTextBoxFlag xmlns:ma14="http://schemas.microsoft.com/office/mac/drawingml/2011/main" xmlns="" val="1"/>
               </a:ext>
             </a:extLst>
           </p:spPr>
@@ -21221,7 +21324,7 @@
             </a:ln>
             <a:extLst>
               <a:ext uri="{C572A759-6A51-4108-AA02-DFA0A04FC94B}">
-                <ma14:wrappingTextBoxFlag xmlns="" xmlns:ma14="http://schemas.microsoft.com/office/mac/drawingml/2011/main" val="1"/>
+                <ma14:wrappingTextBoxFlag xmlns:ma14="http://schemas.microsoft.com/office/mac/drawingml/2011/main" xmlns="" val="1"/>
               </a:ext>
             </a:extLst>
           </p:spPr>
@@ -23365,7 +23468,7 @@
             </a:ln>
             <a:extLst>
               <a:ext uri="{C572A759-6A51-4108-AA02-DFA0A04FC94B}">
-                <ma14:wrappingTextBoxFlag xmlns="" xmlns:ma14="http://schemas.microsoft.com/office/mac/drawingml/2011/main" val="1"/>
+                <ma14:wrappingTextBoxFlag xmlns:ma14="http://schemas.microsoft.com/office/mac/drawingml/2011/main" xmlns="" val="1"/>
               </a:ext>
             </a:extLst>
           </p:spPr>
@@ -25245,7 +25348,7 @@
             </a:ln>
             <a:extLst>
               <a:ext uri="{C572A759-6A51-4108-AA02-DFA0A04FC94B}">
-                <ma14:wrappingTextBoxFlag xmlns="" xmlns:ma14="http://schemas.microsoft.com/office/mac/drawingml/2011/main" val="1"/>
+                <ma14:wrappingTextBoxFlag xmlns:ma14="http://schemas.microsoft.com/office/mac/drawingml/2011/main" xmlns="" val="1"/>
               </a:ext>
             </a:extLst>
           </p:spPr>
@@ -26860,7 +26963,7 @@
             </a:ln>
             <a:extLst>
               <a:ext uri="{C572A759-6A51-4108-AA02-DFA0A04FC94B}">
-                <ma14:wrappingTextBoxFlag xmlns="" xmlns:ma14="http://schemas.microsoft.com/office/mac/drawingml/2011/main" val="1"/>
+                <ma14:wrappingTextBoxFlag xmlns:ma14="http://schemas.microsoft.com/office/mac/drawingml/2011/main" xmlns="" val="1"/>
               </a:ext>
             </a:extLst>
           </p:spPr>
@@ -30625,7 +30728,7 @@
             </a:ln>
             <a:extLst>
               <a:ext uri="{C572A759-6A51-4108-AA02-DFA0A04FC94B}">
-                <ma14:wrappingTextBoxFlag xmlns="" xmlns:ma14="http://schemas.microsoft.com/office/mac/drawingml/2011/main" val="1"/>
+                <ma14:wrappingTextBoxFlag xmlns:ma14="http://schemas.microsoft.com/office/mac/drawingml/2011/main" xmlns="" val="1"/>
               </a:ext>
             </a:extLst>
           </p:spPr>
@@ -31407,18 +31510,7 @@
                   </a:solidFill>
                   <a:latin typeface="Calibri" panose="020F0502020204030204" pitchFamily="34" charset="0"/>
                 </a:rPr>
-                <a:t>=TRUE</a:t>
-              </a:r>
-              <a:r>
-                <a:rPr lang="en-US" sz="800" dirty="0" smtClean="0">
-                  <a:solidFill>
-                    <a:schemeClr val="accent2">
-                      <a:lumMod val="50000"/>
-                    </a:schemeClr>
-                  </a:solidFill>
-                  <a:latin typeface="Calibri" panose="020F0502020204030204" pitchFamily="34" charset="0"/>
-                </a:rPr>
-                <a:t>, correct=FALSE</a:t>
+                <a:t>=TRUE, correct=FALSE</a:t>
               </a:r>
               <a:r>
                 <a:rPr lang="en-US" sz="800" dirty="0">

--- a/resources/MTH107-RGuide.pptx
+++ b/resources/MTH107-RGuide.pptx
@@ -1144,7 +1144,7 @@
           </a:ln>
           <a:extLst>
             <a:ext uri="{C572A759-6A51-4108-AA02-DFA0A04FC94B}">
-              <ma14:wrappingTextBoxFlag xmlns:ma14="http://schemas.microsoft.com/office/mac/drawingml/2011/main" xmlns="" val="1"/>
+              <ma14:wrappingTextBoxFlag xmlns="" xmlns:ma14="http://schemas.microsoft.com/office/mac/drawingml/2011/main" val="1"/>
             </a:ext>
           </a:extLst>
         </p:spPr>
@@ -1187,7 +1187,7 @@
           </a:ln>
           <a:extLst>
             <a:ext uri="{C572A759-6A51-4108-AA02-DFA0A04FC94B}">
-              <ma14:wrappingTextBoxFlag xmlns:ma14="http://schemas.microsoft.com/office/mac/drawingml/2011/main" xmlns="" val="1"/>
+              <ma14:wrappingTextBoxFlag xmlns="" xmlns:ma14="http://schemas.microsoft.com/office/mac/drawingml/2011/main" val="1"/>
             </a:ext>
           </a:extLst>
         </p:spPr>
@@ -1818,25 +1818,7 @@
                   <a:cs typeface="Calibri Light" panose="020F0302020204030204" pitchFamily="34" charset="0"/>
                   <a:sym typeface="Source Sans Pro Light"/>
                 </a:rPr>
-                <a:t>at the </a:t>
-              </a:r>
-              <a:r>
-                <a:rPr lang="en-US" sz="800" dirty="0" smtClean="0">
-                  <a:latin typeface="Calibri Light" panose="020F0302020204030204" pitchFamily="34" charset="0"/>
-                  <a:ea typeface="Source Sans Pro Light"/>
-                  <a:cs typeface="Calibri Light" panose="020F0302020204030204" pitchFamily="34" charset="0"/>
-                  <a:sym typeface="Source Sans Pro Light"/>
-                </a:rPr>
-                <a:t>top/beginning </a:t>
-              </a:r>
-              <a:r>
-                <a:rPr lang="en-US" sz="800" dirty="0" smtClean="0">
-                  <a:latin typeface="Calibri Light" panose="020F0302020204030204" pitchFamily="34" charset="0"/>
-                  <a:ea typeface="Source Sans Pro Light"/>
-                  <a:cs typeface="Calibri Light" panose="020F0302020204030204" pitchFamily="34" charset="0"/>
-                  <a:sym typeface="Source Sans Pro Light"/>
-                </a:rPr>
-                <a:t>of your new script in </a:t>
+                <a:t>at the top/beginning of your new script in </a:t>
               </a:r>
               <a:r>
                 <a:rPr lang="en-US" sz="800" dirty="0" err="1" smtClean="0">
@@ -1889,7 +1871,7 @@
             </a:ln>
             <a:extLst>
               <a:ext uri="{C572A759-6A51-4108-AA02-DFA0A04FC94B}">
-                <ma14:wrappingTextBoxFlag xmlns:ma14="http://schemas.microsoft.com/office/mac/drawingml/2011/main" xmlns="" val="1"/>
+                <ma14:wrappingTextBoxFlag xmlns="" xmlns:ma14="http://schemas.microsoft.com/office/mac/drawingml/2011/main" val="1"/>
               </a:ext>
             </a:extLst>
           </p:spPr>
@@ -2475,7 +2457,7 @@
             </a:ln>
             <a:extLst>
               <a:ext uri="{C572A759-6A51-4108-AA02-DFA0A04FC94B}">
-                <ma14:wrappingTextBoxFlag xmlns:ma14="http://schemas.microsoft.com/office/mac/drawingml/2011/main" xmlns="" val="1"/>
+                <ma14:wrappingTextBoxFlag xmlns="" xmlns:ma14="http://schemas.microsoft.com/office/mac/drawingml/2011/main" val="1"/>
               </a:ext>
             </a:extLst>
           </p:spPr>
@@ -2498,21 +2480,7 @@
                   <a:cs typeface="Source Sans Pro"/>
                   <a:sym typeface="Source Sans Pro"/>
                 </a:rPr>
-                <a:t>Randomize </a:t>
-              </a:r>
-              <a:r>
-                <a:rPr lang="en-US" sz="1400" b="1" dirty="0" smtClean="0">
-                  <a:solidFill>
-                    <a:schemeClr val="bg2">
-                      <a:lumMod val="10000"/>
-                    </a:schemeClr>
-                  </a:solidFill>
-                  <a:latin typeface="Source Sans Pro"/>
-                  <a:ea typeface="Source Sans Pro"/>
-                  <a:cs typeface="Source Sans Pro"/>
-                  <a:sym typeface="Source Sans Pro"/>
-                </a:rPr>
-                <a:t>Individuals</a:t>
+                <a:t>Randomize Individuals</a:t>
               </a:r>
               <a:endParaRPr sz="1400" b="1" dirty="0">
                 <a:solidFill>
@@ -3236,7 +3204,7 @@
             </a:ln>
             <a:extLst>
               <a:ext uri="{C572A759-6A51-4108-AA02-DFA0A04FC94B}">
-                <ma14:wrappingTextBoxFlag xmlns:ma14="http://schemas.microsoft.com/office/mac/drawingml/2011/main" xmlns="" val="1"/>
+                <ma14:wrappingTextBoxFlag xmlns="" xmlns:ma14="http://schemas.microsoft.com/office/mac/drawingml/2011/main" val="1"/>
               </a:ext>
             </a:extLst>
           </p:spPr>
@@ -4332,7 +4300,7 @@
             </a:ln>
             <a:extLst>
               <a:ext uri="{C572A759-6A51-4108-AA02-DFA0A04FC94B}">
-                <ma14:wrappingTextBoxFlag xmlns:ma14="http://schemas.microsoft.com/office/mac/drawingml/2011/main" xmlns="" val="1"/>
+                <ma14:wrappingTextBoxFlag xmlns="" xmlns:ma14="http://schemas.microsoft.com/office/mac/drawingml/2011/main" val="1"/>
               </a:ext>
             </a:extLst>
           </p:spPr>
@@ -6531,7 +6499,7 @@
             </a:ln>
             <a:extLst>
               <a:ext uri="{C572A759-6A51-4108-AA02-DFA0A04FC94B}">
-                <ma14:wrappingTextBoxFlag xmlns:ma14="http://schemas.microsoft.com/office/mac/drawingml/2011/main" xmlns="" val="1"/>
+                <ma14:wrappingTextBoxFlag xmlns="" xmlns:ma14="http://schemas.microsoft.com/office/mac/drawingml/2011/main" val="1"/>
               </a:ext>
             </a:extLst>
           </p:spPr>
@@ -8664,29 +8632,7 @@
                   <a:ea typeface="Microsoft Yi Baiti" panose="03000500000000000000" pitchFamily="66" charset="0"/>
                   <a:cs typeface="Arabic Typesetting" panose="03020402040406030203" pitchFamily="66" charset="-78"/>
                 </a:rPr>
-                <a:t>)   </a:t>
-              </a:r>
-              <a:r>
-                <a:rPr lang="en-US" sz="800" dirty="0" smtClean="0">
-                  <a:solidFill>
-                    <a:schemeClr val="tx1"/>
-                  </a:solidFill>
-                  <a:latin typeface="Calibri Light" panose="020F0302020204030204" pitchFamily="34" charset="0"/>
-                  <a:ea typeface="Microsoft Yi Baiti" panose="03000500000000000000" pitchFamily="66" charset="0"/>
-                  <a:cs typeface="Arabic Typesetting" panose="03020402040406030203" pitchFamily="66" charset="-78"/>
-                </a:rPr>
-                <a:t>     </a:t>
-              </a:r>
-              <a:r>
-                <a:rPr lang="en-US" sz="800" dirty="0" smtClean="0">
-                  <a:solidFill>
-                    <a:schemeClr val="tx1"/>
-                  </a:solidFill>
-                  <a:latin typeface="Calibri Light" panose="020F0302020204030204" pitchFamily="34" charset="0"/>
-                  <a:ea typeface="Microsoft Yi Baiti" panose="03000500000000000000" pitchFamily="66" charset="0"/>
-                  <a:cs typeface="Arabic Typesetting" panose="03020402040406030203" pitchFamily="66" charset="-78"/>
-                </a:rPr>
-                <a:t># </a:t>
+                <a:t>)        # </a:t>
               </a:r>
               <a:r>
                 <a:rPr lang="en-US" sz="800" dirty="0">
@@ -8900,7 +8846,7 @@
             </a:ln>
             <a:extLst>
               <a:ext uri="{C572A759-6A51-4108-AA02-DFA0A04FC94B}">
-                <ma14:wrappingTextBoxFlag xmlns:ma14="http://schemas.microsoft.com/office/mac/drawingml/2011/main" xmlns="" val="1"/>
+                <ma14:wrappingTextBoxFlag xmlns="" xmlns:ma14="http://schemas.microsoft.com/office/mac/drawingml/2011/main" val="1"/>
               </a:ext>
             </a:extLst>
           </p:spPr>
@@ -9936,16 +9882,7 @@
                   <a:cs typeface="Calibri Light" panose="020F0302020204030204" pitchFamily="34" charset="0"/>
                   <a:sym typeface="Source Sans Pro Light"/>
                 </a:rPr>
-                <a:t> </a:t>
-              </a:r>
-              <a:r>
-                <a:rPr lang="en-US" sz="800" dirty="0" smtClean="0">
-                  <a:latin typeface="Calibri Light" panose="020F0302020204030204" pitchFamily="34" charset="0"/>
-                  <a:ea typeface="Source Sans Pro Light"/>
-                  <a:cs typeface="Calibri Light" panose="020F0302020204030204" pitchFamily="34" charset="0"/>
-                  <a:sym typeface="Source Sans Pro Light"/>
-                </a:rPr>
-                <a:t>the </a:t>
+                <a:t> the </a:t>
               </a:r>
               <a:r>
                 <a:rPr lang="en-US" sz="800" dirty="0" smtClean="0">
@@ -10564,7 +10501,7 @@
             </a:ln>
             <a:extLst>
               <a:ext uri="{C572A759-6A51-4108-AA02-DFA0A04FC94B}">
-                <ma14:wrappingTextBoxFlag xmlns:ma14="http://schemas.microsoft.com/office/mac/drawingml/2011/main" xmlns="" val="1"/>
+                <ma14:wrappingTextBoxFlag xmlns="" xmlns:ma14="http://schemas.microsoft.com/office/mac/drawingml/2011/main" val="1"/>
               </a:ext>
             </a:extLst>
           </p:spPr>
@@ -10969,8 +10906,8 @@
         </p:nvSpPr>
         <p:spPr>
           <a:xfrm>
-            <a:off x="8220511" y="6639280"/>
-            <a:ext cx="833161" cy="248705"/>
+            <a:off x="8230129" y="6639280"/>
+            <a:ext cx="813925" cy="248705"/>
           </a:xfrm>
           <a:prstGeom prst="rect">
             <a:avLst/>
@@ -11031,7 +10968,35 @@
                 <a:latin typeface="Calibri" panose="020F0502020204030204" pitchFamily="34" charset="0"/>
                 <a:sym typeface="Helvetica Light"/>
               </a:rPr>
-              <a:t>Revised Aug-20</a:t>
+              <a:t>Revised </a:t>
+            </a:r>
+            <a:r>
+              <a:rPr lang="en-US" sz="900" dirty="0" smtClean="0">
+                <a:solidFill>
+                  <a:schemeClr val="bg1">
+                    <a:lumMod val="50000"/>
+                  </a:schemeClr>
+                </a:solidFill>
+                <a:latin typeface="Calibri" panose="020F0502020204030204" pitchFamily="34" charset="0"/>
+              </a:rPr>
+              <a:t>Oct</a:t>
+            </a:r>
+            <a:r>
+              <a:rPr kumimoji="0" lang="en-US" sz="900" b="0" i="0" u="none" strike="noStrike" cap="none" spc="0" normalizeH="0" baseline="0" dirty="0" smtClean="0">
+                <a:ln>
+                  <a:noFill/>
+                </a:ln>
+                <a:solidFill>
+                  <a:schemeClr val="bg1">
+                    <a:lumMod val="50000"/>
+                  </a:schemeClr>
+                </a:solidFill>
+                <a:effectLst/>
+                <a:uFillTx/>
+                <a:latin typeface="Calibri" panose="020F0502020204030204" pitchFamily="34" charset="0"/>
+                <a:sym typeface="Helvetica Light"/>
+              </a:rPr>
+              <a:t>-20</a:t>
             </a:r>
             <a:endParaRPr kumimoji="0" lang="en-US" sz="900" b="0" i="0" u="none" strike="noStrike" cap="none" spc="0" normalizeH="0" baseline="0" dirty="0">
               <a:ln>
@@ -11160,7 +11125,7 @@
           </a:ln>
           <a:extLst>
             <a:ext uri="{C572A759-6A51-4108-AA02-DFA0A04FC94B}">
-              <ma14:wrappingTextBoxFlag xmlns:ma14="http://schemas.microsoft.com/office/mac/drawingml/2011/main" xmlns="" val="1"/>
+              <ma14:wrappingTextBoxFlag xmlns="" xmlns:ma14="http://schemas.microsoft.com/office/mac/drawingml/2011/main" val="1"/>
             </a:ext>
           </a:extLst>
         </p:spPr>
@@ -13655,7 +13620,29 @@
                   </a:solidFill>
                   <a:latin typeface="Calibri" panose="020F0502020204030204" pitchFamily="34" charset="0"/>
                 </a:rPr>
-                <a:t>=c(0,0.05)) +</a:t>
+                <a:t>=c(0,0.05</a:t>
+              </a:r>
+              <a:r>
+                <a:rPr lang="en-US" sz="800" dirty="0" smtClean="0">
+                  <a:solidFill>
+                    <a:schemeClr val="accent2">
+                      <a:lumMod val="50000"/>
+                    </a:schemeClr>
+                  </a:solidFill>
+                  <a:latin typeface="Calibri" panose="020F0502020204030204" pitchFamily="34" charset="0"/>
+                </a:rPr>
+                <a:t>))) </a:t>
+              </a:r>
+              <a:r>
+                <a:rPr lang="en-US" sz="800" dirty="0" smtClean="0">
+                  <a:solidFill>
+                    <a:schemeClr val="accent2">
+                      <a:lumMod val="50000"/>
+                    </a:schemeClr>
+                  </a:solidFill>
+                  <a:latin typeface="Calibri" panose="020F0502020204030204" pitchFamily="34" charset="0"/>
+                </a:rPr>
+                <a:t>+</a:t>
               </a:r>
             </a:p>
             <a:p>
@@ -13731,7 +13718,7 @@
             </a:ln>
             <a:extLst>
               <a:ext uri="{C572A759-6A51-4108-AA02-DFA0A04FC94B}">
-                <ma14:wrappingTextBoxFlag xmlns:ma14="http://schemas.microsoft.com/office/mac/drawingml/2011/main" xmlns="" val="1"/>
+                <ma14:wrappingTextBoxFlag xmlns="" xmlns:ma14="http://schemas.microsoft.com/office/mac/drawingml/2011/main" val="1"/>
               </a:ext>
             </a:extLst>
           </p:spPr>
@@ -14759,7 +14746,7 @@
             </a:ln>
             <a:extLst>
               <a:ext uri="{C572A759-6A51-4108-AA02-DFA0A04FC94B}">
-                <ma14:wrappingTextBoxFlag xmlns:ma14="http://schemas.microsoft.com/office/mac/drawingml/2011/main" xmlns="" val="1"/>
+                <ma14:wrappingTextBoxFlag xmlns="" xmlns:ma14="http://schemas.microsoft.com/office/mac/drawingml/2011/main" val="1"/>
               </a:ext>
             </a:extLst>
           </p:spPr>
@@ -15473,7 +15460,29 @@
                   </a:solidFill>
                   <a:latin typeface="Calibri" panose="020F0502020204030204" pitchFamily="34" charset="0"/>
                 </a:rPr>
-                <a:t>=c(0,0.05)) +</a:t>
+                <a:t>=c(0,0.05</a:t>
+              </a:r>
+              <a:r>
+                <a:rPr lang="en-US" sz="800" dirty="0" smtClean="0">
+                  <a:solidFill>
+                    <a:schemeClr val="accent2">
+                      <a:lumMod val="50000"/>
+                    </a:schemeClr>
+                  </a:solidFill>
+                  <a:latin typeface="Calibri" panose="020F0502020204030204" pitchFamily="34" charset="0"/>
+                </a:rPr>
+                <a:t>))) </a:t>
+              </a:r>
+              <a:r>
+                <a:rPr lang="en-US" sz="800" dirty="0">
+                  <a:solidFill>
+                    <a:schemeClr val="accent2">
+                      <a:lumMod val="50000"/>
+                    </a:schemeClr>
+                  </a:solidFill>
+                  <a:latin typeface="Calibri" panose="020F0502020204030204" pitchFamily="34" charset="0"/>
+                </a:rPr>
+                <a:t>+</a:t>
               </a:r>
             </a:p>
             <a:p>
@@ -15943,7 +15952,7 @@
             </a:ln>
             <a:extLst>
               <a:ext uri="{C572A759-6A51-4108-AA02-DFA0A04FC94B}">
-                <ma14:wrappingTextBoxFlag xmlns:ma14="http://schemas.microsoft.com/office/mac/drawingml/2011/main" xmlns="" val="1"/>
+                <ma14:wrappingTextBoxFlag xmlns="" xmlns:ma14="http://schemas.microsoft.com/office/mac/drawingml/2011/main" val="1"/>
               </a:ext>
             </a:extLst>
           </p:spPr>
@@ -18114,7 +18123,7 @@
             </a:ln>
             <a:extLst>
               <a:ext uri="{C572A759-6A51-4108-AA02-DFA0A04FC94B}">
-                <ma14:wrappingTextBoxFlag xmlns:ma14="http://schemas.microsoft.com/office/mac/drawingml/2011/main" xmlns="" val="1"/>
+                <ma14:wrappingTextBoxFlag xmlns="" xmlns:ma14="http://schemas.microsoft.com/office/mac/drawingml/2011/main" val="1"/>
               </a:ext>
             </a:extLst>
           </p:spPr>
@@ -19997,7 +20006,7 @@
             </a:ln>
             <a:extLst>
               <a:ext uri="{C572A759-6A51-4108-AA02-DFA0A04FC94B}">
-                <ma14:wrappingTextBoxFlag xmlns:ma14="http://schemas.microsoft.com/office/mac/drawingml/2011/main" xmlns="" val="1"/>
+                <ma14:wrappingTextBoxFlag xmlns="" xmlns:ma14="http://schemas.microsoft.com/office/mac/drawingml/2011/main" val="1"/>
               </a:ext>
             </a:extLst>
           </p:spPr>
@@ -21324,7 +21333,7 @@
             </a:ln>
             <a:extLst>
               <a:ext uri="{C572A759-6A51-4108-AA02-DFA0A04FC94B}">
-                <ma14:wrappingTextBoxFlag xmlns:ma14="http://schemas.microsoft.com/office/mac/drawingml/2011/main" xmlns="" val="1"/>
+                <ma14:wrappingTextBoxFlag xmlns="" xmlns:ma14="http://schemas.microsoft.com/office/mac/drawingml/2011/main" val="1"/>
               </a:ext>
             </a:extLst>
           </p:spPr>
@@ -21863,8 +21872,8 @@
         </p:nvSpPr>
         <p:spPr>
           <a:xfrm>
-            <a:off x="8220511" y="6639280"/>
-            <a:ext cx="833161" cy="248705"/>
+            <a:off x="8230130" y="6639280"/>
+            <a:ext cx="813924" cy="248705"/>
           </a:xfrm>
           <a:prstGeom prst="rect">
             <a:avLst/>
@@ -21925,7 +21934,35 @@
                 <a:latin typeface="Calibri" panose="020F0502020204030204" pitchFamily="34" charset="0"/>
                 <a:sym typeface="Helvetica Light"/>
               </a:rPr>
-              <a:t>Revised Aug-20</a:t>
+              <a:t>Revised </a:t>
+            </a:r>
+            <a:r>
+              <a:rPr lang="en-US" sz="900" dirty="0" smtClean="0">
+                <a:solidFill>
+                  <a:schemeClr val="bg1">
+                    <a:lumMod val="50000"/>
+                  </a:schemeClr>
+                </a:solidFill>
+                <a:latin typeface="Calibri" panose="020F0502020204030204" pitchFamily="34" charset="0"/>
+              </a:rPr>
+              <a:t>Oct</a:t>
+            </a:r>
+            <a:r>
+              <a:rPr kumimoji="0" lang="en-US" sz="900" b="0" i="0" u="none" strike="noStrike" cap="none" spc="0" normalizeH="0" baseline="0" dirty="0" smtClean="0">
+                <a:ln>
+                  <a:noFill/>
+                </a:ln>
+                <a:solidFill>
+                  <a:schemeClr val="bg1">
+                    <a:lumMod val="50000"/>
+                  </a:schemeClr>
+                </a:solidFill>
+                <a:effectLst/>
+                <a:uFillTx/>
+                <a:latin typeface="Calibri" panose="020F0502020204030204" pitchFamily="34" charset="0"/>
+                <a:sym typeface="Helvetica Light"/>
+              </a:rPr>
+              <a:t>-20</a:t>
             </a:r>
             <a:endParaRPr kumimoji="0" lang="en-US" sz="900" b="0" i="0" u="none" strike="noStrike" cap="none" spc="0" normalizeH="0" baseline="0" dirty="0">
               <a:ln>
@@ -23468,7 +23505,7 @@
             </a:ln>
             <a:extLst>
               <a:ext uri="{C572A759-6A51-4108-AA02-DFA0A04FC94B}">
-                <ma14:wrappingTextBoxFlag xmlns:ma14="http://schemas.microsoft.com/office/mac/drawingml/2011/main" xmlns="" val="1"/>
+                <ma14:wrappingTextBoxFlag xmlns="" xmlns:ma14="http://schemas.microsoft.com/office/mac/drawingml/2011/main" val="1"/>
               </a:ext>
             </a:extLst>
           </p:spPr>
@@ -25348,7 +25385,7 @@
             </a:ln>
             <a:extLst>
               <a:ext uri="{C572A759-6A51-4108-AA02-DFA0A04FC94B}">
-                <ma14:wrappingTextBoxFlag xmlns:ma14="http://schemas.microsoft.com/office/mac/drawingml/2011/main" xmlns="" val="1"/>
+                <ma14:wrappingTextBoxFlag xmlns="" xmlns:ma14="http://schemas.microsoft.com/office/mac/drawingml/2011/main" val="1"/>
               </a:ext>
             </a:extLst>
           </p:spPr>
@@ -26963,7 +27000,7 @@
             </a:ln>
             <a:extLst>
               <a:ext uri="{C572A759-6A51-4108-AA02-DFA0A04FC94B}">
-                <ma14:wrappingTextBoxFlag xmlns:ma14="http://schemas.microsoft.com/office/mac/drawingml/2011/main" xmlns="" val="1"/>
+                <ma14:wrappingTextBoxFlag xmlns="" xmlns:ma14="http://schemas.microsoft.com/office/mac/drawingml/2011/main" val="1"/>
               </a:ext>
             </a:extLst>
           </p:spPr>
@@ -30728,7 +30765,7 @@
             </a:ln>
             <a:extLst>
               <a:ext uri="{C572A759-6A51-4108-AA02-DFA0A04FC94B}">
-                <ma14:wrappingTextBoxFlag xmlns:ma14="http://schemas.microsoft.com/office/mac/drawingml/2011/main" xmlns="" val="1"/>
+                <ma14:wrappingTextBoxFlag xmlns="" xmlns:ma14="http://schemas.microsoft.com/office/mac/drawingml/2011/main" val="1"/>
               </a:ext>
             </a:extLst>
           </p:spPr>
@@ -32466,8 +32503,8 @@
         </p:nvSpPr>
         <p:spPr>
           <a:xfrm>
-            <a:off x="8220511" y="6639280"/>
-            <a:ext cx="833161" cy="248705"/>
+            <a:off x="8230129" y="6639280"/>
+            <a:ext cx="813925" cy="248705"/>
           </a:xfrm>
           <a:prstGeom prst="rect">
             <a:avLst/>
@@ -32528,7 +32565,35 @@
                 <a:latin typeface="Calibri" panose="020F0502020204030204" pitchFamily="34" charset="0"/>
                 <a:sym typeface="Helvetica Light"/>
               </a:rPr>
-              <a:t>Revised Aug-20</a:t>
+              <a:t>Revised </a:t>
+            </a:r>
+            <a:r>
+              <a:rPr lang="en-US" sz="900" dirty="0" smtClean="0">
+                <a:solidFill>
+                  <a:schemeClr val="bg1">
+                    <a:lumMod val="50000"/>
+                  </a:schemeClr>
+                </a:solidFill>
+                <a:latin typeface="Calibri" panose="020F0502020204030204" pitchFamily="34" charset="0"/>
+              </a:rPr>
+              <a:t>Oct</a:t>
+            </a:r>
+            <a:r>
+              <a:rPr kumimoji="0" lang="en-US" sz="900" b="0" i="0" u="none" strike="noStrike" cap="none" spc="0" normalizeH="0" baseline="0" dirty="0" smtClean="0">
+                <a:ln>
+                  <a:noFill/>
+                </a:ln>
+                <a:solidFill>
+                  <a:schemeClr val="bg1">
+                    <a:lumMod val="50000"/>
+                  </a:schemeClr>
+                </a:solidFill>
+                <a:effectLst/>
+                <a:uFillTx/>
+                <a:latin typeface="Calibri" panose="020F0502020204030204" pitchFamily="34" charset="0"/>
+                <a:sym typeface="Helvetica Light"/>
+              </a:rPr>
+              <a:t>-20</a:t>
             </a:r>
             <a:endParaRPr kumimoji="0" lang="en-US" sz="900" b="0" i="0" u="none" strike="noStrike" cap="none" spc="0" normalizeH="0" baseline="0" dirty="0">
               <a:ln>

--- a/resources/MTH107-RGuide.pptx
+++ b/resources/MTH107-RGuide.pptx
@@ -1144,7 +1144,7 @@
           </a:ln>
           <a:extLst>
             <a:ext uri="{C572A759-6A51-4108-AA02-DFA0A04FC94B}">
-              <ma14:wrappingTextBoxFlag xmlns="" xmlns:ma14="http://schemas.microsoft.com/office/mac/drawingml/2011/main" val="1"/>
+              <ma14:wrappingTextBoxFlag xmlns:ma14="http://schemas.microsoft.com/office/mac/drawingml/2011/main" xmlns="" val="1"/>
             </a:ext>
           </a:extLst>
         </p:spPr>
@@ -1187,7 +1187,7 @@
           </a:ln>
           <a:extLst>
             <a:ext uri="{C572A759-6A51-4108-AA02-DFA0A04FC94B}">
-              <ma14:wrappingTextBoxFlag xmlns="" xmlns:ma14="http://schemas.microsoft.com/office/mac/drawingml/2011/main" val="1"/>
+              <ma14:wrappingTextBoxFlag xmlns:ma14="http://schemas.microsoft.com/office/mac/drawingml/2011/main" xmlns="" val="1"/>
             </a:ext>
           </a:extLst>
         </p:spPr>
@@ -1871,7 +1871,7 @@
             </a:ln>
             <a:extLst>
               <a:ext uri="{C572A759-6A51-4108-AA02-DFA0A04FC94B}">
-                <ma14:wrappingTextBoxFlag xmlns="" xmlns:ma14="http://schemas.microsoft.com/office/mac/drawingml/2011/main" val="1"/>
+                <ma14:wrappingTextBoxFlag xmlns:ma14="http://schemas.microsoft.com/office/mac/drawingml/2011/main" xmlns="" val="1"/>
               </a:ext>
             </a:extLst>
           </p:spPr>
@@ -2457,7 +2457,7 @@
             </a:ln>
             <a:extLst>
               <a:ext uri="{C572A759-6A51-4108-AA02-DFA0A04FC94B}">
-                <ma14:wrappingTextBoxFlag xmlns="" xmlns:ma14="http://schemas.microsoft.com/office/mac/drawingml/2011/main" val="1"/>
+                <ma14:wrappingTextBoxFlag xmlns:ma14="http://schemas.microsoft.com/office/mac/drawingml/2011/main" xmlns="" val="1"/>
               </a:ext>
             </a:extLst>
           </p:spPr>
@@ -3204,7 +3204,7 @@
             </a:ln>
             <a:extLst>
               <a:ext uri="{C572A759-6A51-4108-AA02-DFA0A04FC94B}">
-                <ma14:wrappingTextBoxFlag xmlns="" xmlns:ma14="http://schemas.microsoft.com/office/mac/drawingml/2011/main" val="1"/>
+                <ma14:wrappingTextBoxFlag xmlns:ma14="http://schemas.microsoft.com/office/mac/drawingml/2011/main" xmlns="" val="1"/>
               </a:ext>
             </a:extLst>
           </p:spPr>
@@ -4300,7 +4300,7 @@
             </a:ln>
             <a:extLst>
               <a:ext uri="{C572A759-6A51-4108-AA02-DFA0A04FC94B}">
-                <ma14:wrappingTextBoxFlag xmlns="" xmlns:ma14="http://schemas.microsoft.com/office/mac/drawingml/2011/main" val="1"/>
+                <ma14:wrappingTextBoxFlag xmlns:ma14="http://schemas.microsoft.com/office/mac/drawingml/2011/main" xmlns="" val="1"/>
               </a:ext>
             </a:extLst>
           </p:spPr>
@@ -6499,7 +6499,7 @@
             </a:ln>
             <a:extLst>
               <a:ext uri="{C572A759-6A51-4108-AA02-DFA0A04FC94B}">
-                <ma14:wrappingTextBoxFlag xmlns="" xmlns:ma14="http://schemas.microsoft.com/office/mac/drawingml/2011/main" val="1"/>
+                <ma14:wrappingTextBoxFlag xmlns:ma14="http://schemas.microsoft.com/office/mac/drawingml/2011/main" xmlns="" val="1"/>
               </a:ext>
             </a:extLst>
           </p:spPr>
@@ -8846,7 +8846,7 @@
             </a:ln>
             <a:extLst>
               <a:ext uri="{C572A759-6A51-4108-AA02-DFA0A04FC94B}">
-                <ma14:wrappingTextBoxFlag xmlns="" xmlns:ma14="http://schemas.microsoft.com/office/mac/drawingml/2011/main" val="1"/>
+                <ma14:wrappingTextBoxFlag xmlns:ma14="http://schemas.microsoft.com/office/mac/drawingml/2011/main" xmlns="" val="1"/>
               </a:ext>
             </a:extLst>
           </p:spPr>
@@ -10501,7 +10501,7 @@
             </a:ln>
             <a:extLst>
               <a:ext uri="{C572A759-6A51-4108-AA02-DFA0A04FC94B}">
-                <ma14:wrappingTextBoxFlag xmlns="" xmlns:ma14="http://schemas.microsoft.com/office/mac/drawingml/2011/main" val="1"/>
+                <ma14:wrappingTextBoxFlag xmlns:ma14="http://schemas.microsoft.com/office/mac/drawingml/2011/main" xmlns="" val="1"/>
               </a:ext>
             </a:extLst>
           </p:spPr>
@@ -11125,7 +11125,7 @@
           </a:ln>
           <a:extLst>
             <a:ext uri="{C572A759-6A51-4108-AA02-DFA0A04FC94B}">
-              <ma14:wrappingTextBoxFlag xmlns="" xmlns:ma14="http://schemas.microsoft.com/office/mac/drawingml/2011/main" val="1"/>
+              <ma14:wrappingTextBoxFlag xmlns:ma14="http://schemas.microsoft.com/office/mac/drawingml/2011/main" xmlns="" val="1"/>
             </a:ext>
           </a:extLst>
         </p:spPr>
@@ -11687,7 +11687,7 @@
       </p:grpSpPr>
       <p:grpSp>
         <p:nvGrpSpPr>
-          <p:cNvPr id="23" name="Group 22"/>
+          <p:cNvPr id="4" name="Group 3"/>
           <p:cNvGrpSpPr/>
           <p:nvPr/>
         </p:nvGrpSpPr>
@@ -11695,7 +11695,7 @@
           <a:xfrm>
             <a:off x="89639" y="35379"/>
             <a:ext cx="2926080" cy="3412070"/>
-            <a:chOff x="57889" y="35379"/>
+            <a:chOff x="89639" y="35379"/>
             <a:chExt cx="2926080" cy="3412070"/>
           </a:xfrm>
         </p:grpSpPr>
@@ -11707,7 +11707,7 @@
           </p:nvSpPr>
           <p:spPr>
             <a:xfrm>
-              <a:off x="57889" y="1822962"/>
+              <a:off x="89639" y="1822962"/>
               <a:ext cx="2926080" cy="1624487"/>
             </a:xfrm>
             <a:prstGeom prst="roundRect">
@@ -11728,27 +11728,652 @@
             </a:bodyPr>
             <a:lstStyle/>
             <a:p>
+              <a:pPr algn="l"/>
+              <a:r>
+                <a:rPr lang="en-US" sz="600" dirty="0" smtClean="0">
+                  <a:latin typeface="Courier New" panose="02070309020205020404" pitchFamily="49" charset="0"/>
+                  <a:cs typeface="Courier New" panose="02070309020205020404" pitchFamily="49" charset="0"/>
+                </a:rPr>
+                <a:t>&gt; </a:t>
+              </a:r>
+              <a:r>
+                <a:rPr lang="en-US" sz="600" b="1" dirty="0" err="1">
+                  <a:solidFill>
+                    <a:schemeClr val="accent2">
+                      <a:lumMod val="50000"/>
+                    </a:schemeClr>
+                  </a:solidFill>
+                  <a:latin typeface="Courier New" panose="02070309020205020404" pitchFamily="49" charset="0"/>
+                  <a:cs typeface="Courier New" panose="02070309020205020404" pitchFamily="49" charset="0"/>
+                </a:rPr>
+                <a:t>ggplot</a:t>
+              </a:r>
+              <a:r>
+                <a:rPr lang="en-US" sz="600" b="1" dirty="0">
+                  <a:solidFill>
+                    <a:schemeClr val="accent2">
+                      <a:lumMod val="50000"/>
+                    </a:schemeClr>
+                  </a:solidFill>
+                  <a:latin typeface="Courier New" panose="02070309020205020404" pitchFamily="49" charset="0"/>
+                  <a:cs typeface="Courier New" panose="02070309020205020404" pitchFamily="49" charset="0"/>
+                </a:rPr>
+                <a:t>(data=</a:t>
+              </a:r>
+              <a:r>
+                <a:rPr lang="en-US" sz="600" b="1" dirty="0" err="1">
+                  <a:solidFill>
+                    <a:srgbClr val="C00000"/>
+                  </a:solidFill>
+                  <a:latin typeface="Courier New" panose="02070309020205020404" pitchFamily="49" charset="0"/>
+                  <a:cs typeface="Courier New" panose="02070309020205020404" pitchFamily="49" charset="0"/>
+                </a:rPr>
+                <a:t>dfcar</a:t>
+              </a:r>
+              <a:r>
+                <a:rPr lang="en-US" sz="600" b="1" dirty="0" err="1">
+                  <a:solidFill>
+                    <a:schemeClr val="accent2">
+                      <a:lumMod val="50000"/>
+                    </a:schemeClr>
+                  </a:solidFill>
+                  <a:latin typeface="Courier New" panose="02070309020205020404" pitchFamily="49" charset="0"/>
+                  <a:cs typeface="Courier New" panose="02070309020205020404" pitchFamily="49" charset="0"/>
+                </a:rPr>
+                <a:t>,mapping</a:t>
+              </a:r>
+              <a:r>
+                <a:rPr lang="en-US" sz="600" b="1" dirty="0">
+                  <a:solidFill>
+                    <a:schemeClr val="accent2">
+                      <a:lumMod val="50000"/>
+                    </a:schemeClr>
+                  </a:solidFill>
+                  <a:latin typeface="Courier New" panose="02070309020205020404" pitchFamily="49" charset="0"/>
+                  <a:cs typeface="Courier New" panose="02070309020205020404" pitchFamily="49" charset="0"/>
+                </a:rPr>
+                <a:t>=</a:t>
+              </a:r>
+              <a:r>
+                <a:rPr lang="en-US" sz="600" b="1" dirty="0" err="1">
+                  <a:solidFill>
+                    <a:schemeClr val="accent2">
+                      <a:lumMod val="50000"/>
+                    </a:schemeClr>
+                  </a:solidFill>
+                  <a:latin typeface="Courier New" panose="02070309020205020404" pitchFamily="49" charset="0"/>
+                  <a:cs typeface="Courier New" panose="02070309020205020404" pitchFamily="49" charset="0"/>
+                </a:rPr>
+                <a:t>aes</a:t>
+              </a:r>
+              <a:r>
+                <a:rPr lang="en-US" sz="600" b="1" dirty="0">
+                  <a:solidFill>
+                    <a:schemeClr val="accent2">
+                      <a:lumMod val="50000"/>
+                    </a:schemeClr>
+                  </a:solidFill>
+                  <a:latin typeface="Courier New" panose="02070309020205020404" pitchFamily="49" charset="0"/>
+                  <a:cs typeface="Courier New" panose="02070309020205020404" pitchFamily="49" charset="0"/>
+                </a:rPr>
+                <a:t>(x=</a:t>
+              </a:r>
+              <a:r>
+                <a:rPr lang="en-US" sz="600" b="1" dirty="0">
+                  <a:solidFill>
+                    <a:srgbClr val="C00000"/>
+                  </a:solidFill>
+                  <a:latin typeface="Courier New" panose="02070309020205020404" pitchFamily="49" charset="0"/>
+                  <a:cs typeface="Courier New" panose="02070309020205020404" pitchFamily="49" charset="0"/>
+                </a:rPr>
+                <a:t>HMPG</a:t>
+              </a:r>
+              <a:r>
+                <a:rPr lang="en-US" sz="600" b="1" dirty="0">
+                  <a:solidFill>
+                    <a:schemeClr val="accent2">
+                      <a:lumMod val="50000"/>
+                    </a:schemeClr>
+                  </a:solidFill>
+                  <a:latin typeface="Courier New" panose="02070309020205020404" pitchFamily="49" charset="0"/>
+                  <a:cs typeface="Courier New" panose="02070309020205020404" pitchFamily="49" charset="0"/>
+                </a:rPr>
+                <a:t>)) +</a:t>
+              </a:r>
+            </a:p>
+            <a:p>
+              <a:pPr algn="l"/>
+              <a:r>
+                <a:rPr lang="en-US" sz="600" b="1" dirty="0">
+                  <a:solidFill>
+                    <a:schemeClr val="accent2">
+                      <a:lumMod val="50000"/>
+                    </a:schemeClr>
+                  </a:solidFill>
+                  <a:latin typeface="Courier New" panose="02070309020205020404" pitchFamily="49" charset="0"/>
+                  <a:cs typeface="Courier New" panose="02070309020205020404" pitchFamily="49" charset="0"/>
+                </a:rPr>
+                <a:t>  </a:t>
+              </a:r>
+              <a:r>
+                <a:rPr lang="en-US" sz="600" b="1" dirty="0" smtClean="0">
+                  <a:solidFill>
+                    <a:schemeClr val="accent2">
+                      <a:lumMod val="50000"/>
+                    </a:schemeClr>
+                  </a:solidFill>
+                  <a:latin typeface="Courier New" panose="02070309020205020404" pitchFamily="49" charset="0"/>
+                  <a:cs typeface="Courier New" panose="02070309020205020404" pitchFamily="49" charset="0"/>
+                </a:rPr>
+                <a:t>  </a:t>
+              </a:r>
+              <a:r>
+                <a:rPr lang="en-US" sz="600" b="1" dirty="0" err="1" smtClean="0">
+                  <a:solidFill>
+                    <a:schemeClr val="accent2">
+                      <a:lumMod val="50000"/>
+                    </a:schemeClr>
+                  </a:solidFill>
+                  <a:latin typeface="Courier New" panose="02070309020205020404" pitchFamily="49" charset="0"/>
+                  <a:cs typeface="Courier New" panose="02070309020205020404" pitchFamily="49" charset="0"/>
+                </a:rPr>
+                <a:t>geom_histogram</a:t>
+              </a:r>
+              <a:r>
+                <a:rPr lang="en-US" sz="600" b="1" dirty="0" smtClean="0">
+                  <a:solidFill>
+                    <a:schemeClr val="accent2">
+                      <a:lumMod val="50000"/>
+                    </a:schemeClr>
+                  </a:solidFill>
+                  <a:latin typeface="Courier New" panose="02070309020205020404" pitchFamily="49" charset="0"/>
+                  <a:cs typeface="Courier New" panose="02070309020205020404" pitchFamily="49" charset="0"/>
+                </a:rPr>
+                <a:t>(</a:t>
+              </a:r>
+              <a:r>
+                <a:rPr lang="en-US" sz="600" b="1" dirty="0" err="1" smtClean="0">
+                  <a:solidFill>
+                    <a:schemeClr val="accent2">
+                      <a:lumMod val="50000"/>
+                    </a:schemeClr>
+                  </a:solidFill>
+                  <a:latin typeface="Courier New" panose="02070309020205020404" pitchFamily="49" charset="0"/>
+                  <a:cs typeface="Courier New" panose="02070309020205020404" pitchFamily="49" charset="0"/>
+                </a:rPr>
+                <a:t>binwidth</a:t>
+              </a:r>
+              <a:r>
+                <a:rPr lang="en-US" sz="600" b="1" dirty="0" smtClean="0">
+                  <a:solidFill>
+                    <a:schemeClr val="accent2">
+                      <a:lumMod val="50000"/>
+                    </a:schemeClr>
+                  </a:solidFill>
+                  <a:latin typeface="Courier New" panose="02070309020205020404" pitchFamily="49" charset="0"/>
+                  <a:cs typeface="Courier New" panose="02070309020205020404" pitchFamily="49" charset="0"/>
+                </a:rPr>
+                <a:t>=</a:t>
+              </a:r>
+              <a:r>
+                <a:rPr lang="en-US" sz="600" b="1" dirty="0" smtClean="0">
+                  <a:solidFill>
+                    <a:srgbClr val="C00000"/>
+                  </a:solidFill>
+                  <a:latin typeface="Courier New" panose="02070309020205020404" pitchFamily="49" charset="0"/>
+                  <a:cs typeface="Courier New" panose="02070309020205020404" pitchFamily="49" charset="0"/>
+                </a:rPr>
+                <a:t>3</a:t>
+              </a:r>
+              <a:r>
+                <a:rPr lang="en-US" sz="600" b="1" dirty="0" smtClean="0">
+                  <a:solidFill>
+                    <a:schemeClr val="accent2">
+                      <a:lumMod val="50000"/>
+                    </a:schemeClr>
+                  </a:solidFill>
+                  <a:latin typeface="Courier New" panose="02070309020205020404" pitchFamily="49" charset="0"/>
+                  <a:cs typeface="Courier New" panose="02070309020205020404" pitchFamily="49" charset="0"/>
+                </a:rPr>
+                <a:t>,boundary=0,</a:t>
+              </a:r>
+            </a:p>
+            <a:p>
+              <a:pPr algn="l"/>
+              <a:r>
+                <a:rPr lang="en-US" sz="600" b="1" dirty="0">
+                  <a:solidFill>
+                    <a:schemeClr val="accent2">
+                      <a:lumMod val="50000"/>
+                    </a:schemeClr>
+                  </a:solidFill>
+                  <a:latin typeface="Courier New" panose="02070309020205020404" pitchFamily="49" charset="0"/>
+                  <a:cs typeface="Courier New" panose="02070309020205020404" pitchFamily="49" charset="0"/>
+                </a:rPr>
+                <a:t> </a:t>
+              </a:r>
+              <a:r>
+                <a:rPr lang="en-US" sz="600" b="1" dirty="0" smtClean="0">
+                  <a:solidFill>
+                    <a:schemeClr val="accent2">
+                      <a:lumMod val="50000"/>
+                    </a:schemeClr>
+                  </a:solidFill>
+                  <a:latin typeface="Courier New" panose="02070309020205020404" pitchFamily="49" charset="0"/>
+                  <a:cs typeface="Courier New" panose="02070309020205020404" pitchFamily="49" charset="0"/>
+                </a:rPr>
+                <a:t>                  color</a:t>
+              </a:r>
+              <a:r>
+                <a:rPr lang="en-US" sz="600" b="1" dirty="0">
+                  <a:solidFill>
+                    <a:schemeClr val="accent2">
+                      <a:lumMod val="50000"/>
+                    </a:schemeClr>
+                  </a:solidFill>
+                  <a:latin typeface="Courier New" panose="02070309020205020404" pitchFamily="49" charset="0"/>
+                  <a:cs typeface="Courier New" panose="02070309020205020404" pitchFamily="49" charset="0"/>
+                </a:rPr>
+                <a:t>="</a:t>
+              </a:r>
+              <a:r>
+                <a:rPr lang="en-US" sz="600" b="1" dirty="0" err="1">
+                  <a:solidFill>
+                    <a:schemeClr val="accent2">
+                      <a:lumMod val="50000"/>
+                    </a:schemeClr>
+                  </a:solidFill>
+                  <a:latin typeface="Courier New" panose="02070309020205020404" pitchFamily="49" charset="0"/>
+                  <a:cs typeface="Courier New" panose="02070309020205020404" pitchFamily="49" charset="0"/>
+                </a:rPr>
+                <a:t>black",fill</a:t>
+              </a:r>
+              <a:r>
+                <a:rPr lang="en-US" sz="600" b="1" dirty="0">
+                  <a:solidFill>
+                    <a:schemeClr val="accent2">
+                      <a:lumMod val="50000"/>
+                    </a:schemeClr>
+                  </a:solidFill>
+                  <a:latin typeface="Courier New" panose="02070309020205020404" pitchFamily="49" charset="0"/>
+                  <a:cs typeface="Courier New" panose="02070309020205020404" pitchFamily="49" charset="0"/>
+                </a:rPr>
+                <a:t>="</a:t>
+              </a:r>
+              <a:r>
+                <a:rPr lang="en-US" sz="600" b="1" dirty="0" err="1">
+                  <a:solidFill>
+                    <a:schemeClr val="accent2">
+                      <a:lumMod val="50000"/>
+                    </a:schemeClr>
+                  </a:solidFill>
+                  <a:latin typeface="Courier New" panose="02070309020205020404" pitchFamily="49" charset="0"/>
+                  <a:cs typeface="Courier New" panose="02070309020205020404" pitchFamily="49" charset="0"/>
+                </a:rPr>
+                <a:t>lightgray</a:t>
+              </a:r>
+              <a:r>
+                <a:rPr lang="en-US" sz="600" b="1" dirty="0">
+                  <a:solidFill>
+                    <a:schemeClr val="accent2">
+                      <a:lumMod val="50000"/>
+                    </a:schemeClr>
+                  </a:solidFill>
+                  <a:latin typeface="Courier New" panose="02070309020205020404" pitchFamily="49" charset="0"/>
+                  <a:cs typeface="Courier New" panose="02070309020205020404" pitchFamily="49" charset="0"/>
+                </a:rPr>
+                <a:t>") +</a:t>
+              </a:r>
+            </a:p>
+            <a:p>
+              <a:pPr algn="l"/>
+              <a:r>
+                <a:rPr lang="en-US" sz="600" b="1" dirty="0">
+                  <a:solidFill>
+                    <a:schemeClr val="accent2">
+                      <a:lumMod val="50000"/>
+                    </a:schemeClr>
+                  </a:solidFill>
+                  <a:latin typeface="Courier New" panose="02070309020205020404" pitchFamily="49" charset="0"/>
+                  <a:cs typeface="Courier New" panose="02070309020205020404" pitchFamily="49" charset="0"/>
+                </a:rPr>
+                <a:t>  </a:t>
+              </a:r>
+              <a:r>
+                <a:rPr lang="en-US" sz="600" b="1" dirty="0" smtClean="0">
+                  <a:solidFill>
+                    <a:schemeClr val="accent2">
+                      <a:lumMod val="50000"/>
+                    </a:schemeClr>
+                  </a:solidFill>
+                  <a:latin typeface="Courier New" panose="02070309020205020404" pitchFamily="49" charset="0"/>
+                  <a:cs typeface="Courier New" panose="02070309020205020404" pitchFamily="49" charset="0"/>
+                </a:rPr>
+                <a:t>  labs(x</a:t>
+              </a:r>
+              <a:r>
+                <a:rPr lang="en-US" sz="600" b="1" dirty="0">
+                  <a:solidFill>
+                    <a:schemeClr val="accent2">
+                      <a:lumMod val="50000"/>
+                    </a:schemeClr>
+                  </a:solidFill>
+                  <a:latin typeface="Courier New" panose="02070309020205020404" pitchFamily="49" charset="0"/>
+                  <a:cs typeface="Courier New" panose="02070309020205020404" pitchFamily="49" charset="0"/>
+                </a:rPr>
+                <a:t>="</a:t>
+              </a:r>
+              <a:r>
+                <a:rPr lang="en-US" sz="600" b="1" dirty="0">
+                  <a:solidFill>
+                    <a:srgbClr val="C00000"/>
+                  </a:solidFill>
+                  <a:latin typeface="Courier New" panose="02070309020205020404" pitchFamily="49" charset="0"/>
+                  <a:cs typeface="Courier New" panose="02070309020205020404" pitchFamily="49" charset="0"/>
+                </a:rPr>
+                <a:t>Highway </a:t>
+              </a:r>
+              <a:r>
+                <a:rPr lang="en-US" sz="600" b="1" dirty="0" err="1">
+                  <a:solidFill>
+                    <a:srgbClr val="C00000"/>
+                  </a:solidFill>
+                  <a:latin typeface="Courier New" panose="02070309020205020404" pitchFamily="49" charset="0"/>
+                  <a:cs typeface="Courier New" panose="02070309020205020404" pitchFamily="49" charset="0"/>
+                </a:rPr>
+                <a:t>MPG</a:t>
+              </a:r>
+              <a:r>
+                <a:rPr lang="en-US" sz="600" b="1" dirty="0" err="1">
+                  <a:solidFill>
+                    <a:schemeClr val="accent2">
+                      <a:lumMod val="50000"/>
+                    </a:schemeClr>
+                  </a:solidFill>
+                  <a:latin typeface="Courier New" panose="02070309020205020404" pitchFamily="49" charset="0"/>
+                  <a:cs typeface="Courier New" panose="02070309020205020404" pitchFamily="49" charset="0"/>
+                </a:rPr>
+                <a:t>",y</a:t>
+              </a:r>
+              <a:r>
+                <a:rPr lang="en-US" sz="600" b="1" dirty="0">
+                  <a:solidFill>
+                    <a:schemeClr val="accent2">
+                      <a:lumMod val="50000"/>
+                    </a:schemeClr>
+                  </a:solidFill>
+                  <a:latin typeface="Courier New" panose="02070309020205020404" pitchFamily="49" charset="0"/>
+                  <a:cs typeface="Courier New" panose="02070309020205020404" pitchFamily="49" charset="0"/>
+                </a:rPr>
+                <a:t>="Frequency of </a:t>
+              </a:r>
+              <a:r>
+                <a:rPr lang="en-US" sz="600" b="1" dirty="0">
+                  <a:solidFill>
+                    <a:srgbClr val="C00000"/>
+                  </a:solidFill>
+                  <a:latin typeface="Courier New" panose="02070309020205020404" pitchFamily="49" charset="0"/>
+                  <a:cs typeface="Courier New" panose="02070309020205020404" pitchFamily="49" charset="0"/>
+                </a:rPr>
+                <a:t>Cars</a:t>
+              </a:r>
+              <a:r>
+                <a:rPr lang="en-US" sz="600" b="1" dirty="0">
+                  <a:solidFill>
+                    <a:schemeClr val="accent2">
+                      <a:lumMod val="50000"/>
+                    </a:schemeClr>
+                  </a:solidFill>
+                  <a:latin typeface="Courier New" panose="02070309020205020404" pitchFamily="49" charset="0"/>
+                  <a:cs typeface="Courier New" panose="02070309020205020404" pitchFamily="49" charset="0"/>
+                </a:rPr>
+                <a:t>") +</a:t>
+              </a:r>
+            </a:p>
+            <a:p>
+              <a:pPr algn="l"/>
+              <a:r>
+                <a:rPr lang="en-US" sz="600" b="1" dirty="0">
+                  <a:solidFill>
+                    <a:schemeClr val="accent2">
+                      <a:lumMod val="50000"/>
+                    </a:schemeClr>
+                  </a:solidFill>
+                  <a:latin typeface="Courier New" panose="02070309020205020404" pitchFamily="49" charset="0"/>
+                  <a:cs typeface="Courier New" panose="02070309020205020404" pitchFamily="49" charset="0"/>
+                </a:rPr>
+                <a:t>  </a:t>
+              </a:r>
+              <a:r>
+                <a:rPr lang="en-US" sz="600" b="1" dirty="0" smtClean="0">
+                  <a:solidFill>
+                    <a:schemeClr val="accent2">
+                      <a:lumMod val="50000"/>
+                    </a:schemeClr>
+                  </a:solidFill>
+                  <a:latin typeface="Courier New" panose="02070309020205020404" pitchFamily="49" charset="0"/>
+                  <a:cs typeface="Courier New" panose="02070309020205020404" pitchFamily="49" charset="0"/>
+                </a:rPr>
+                <a:t>  </a:t>
+              </a:r>
+              <a:r>
+                <a:rPr lang="en-US" sz="600" b="1" dirty="0" err="1" smtClean="0">
+                  <a:solidFill>
+                    <a:schemeClr val="accent2">
+                      <a:lumMod val="50000"/>
+                    </a:schemeClr>
+                  </a:solidFill>
+                  <a:latin typeface="Courier New" panose="02070309020205020404" pitchFamily="49" charset="0"/>
+                  <a:cs typeface="Courier New" panose="02070309020205020404" pitchFamily="49" charset="0"/>
+                </a:rPr>
+                <a:t>scale_y_continuous</a:t>
+              </a:r>
+              <a:r>
+                <a:rPr lang="en-US" sz="600" b="1" dirty="0" smtClean="0">
+                  <a:solidFill>
+                    <a:schemeClr val="accent2">
+                      <a:lumMod val="50000"/>
+                    </a:schemeClr>
+                  </a:solidFill>
+                  <a:latin typeface="Courier New" panose="02070309020205020404" pitchFamily="49" charset="0"/>
+                  <a:cs typeface="Courier New" panose="02070309020205020404" pitchFamily="49" charset="0"/>
+                </a:rPr>
+                <a:t>(expand=expansion(</a:t>
+              </a:r>
+              <a:r>
+                <a:rPr lang="en-US" sz="600" b="1" dirty="0" err="1" smtClean="0">
+                  <a:solidFill>
+                    <a:schemeClr val="accent2">
+                      <a:lumMod val="50000"/>
+                    </a:schemeClr>
+                  </a:solidFill>
+                  <a:latin typeface="Courier New" panose="02070309020205020404" pitchFamily="49" charset="0"/>
+                  <a:cs typeface="Courier New" panose="02070309020205020404" pitchFamily="49" charset="0"/>
+                </a:rPr>
+                <a:t>mult</a:t>
+              </a:r>
+              <a:r>
+                <a:rPr lang="en-US" sz="600" b="1" dirty="0" smtClean="0">
+                  <a:solidFill>
+                    <a:schemeClr val="accent2">
+                      <a:lumMod val="50000"/>
+                    </a:schemeClr>
+                  </a:solidFill>
+                  <a:latin typeface="Courier New" panose="02070309020205020404" pitchFamily="49" charset="0"/>
+                  <a:cs typeface="Courier New" panose="02070309020205020404" pitchFamily="49" charset="0"/>
+                </a:rPr>
+                <a:t>=c(0,0.05</a:t>
+              </a:r>
+              <a:r>
+                <a:rPr lang="en-US" sz="600" b="1" dirty="0">
+                  <a:solidFill>
+                    <a:schemeClr val="accent2">
+                      <a:lumMod val="50000"/>
+                    </a:schemeClr>
+                  </a:solidFill>
+                  <a:latin typeface="Courier New" panose="02070309020205020404" pitchFamily="49" charset="0"/>
+                  <a:cs typeface="Courier New" panose="02070309020205020404" pitchFamily="49" charset="0"/>
+                </a:rPr>
+                <a:t>))) +</a:t>
+              </a:r>
+            </a:p>
+            <a:p>
+              <a:pPr algn="l"/>
+              <a:r>
+                <a:rPr lang="en-US" sz="600" b="1" dirty="0">
+                  <a:solidFill>
+                    <a:schemeClr val="accent2">
+                      <a:lumMod val="50000"/>
+                    </a:schemeClr>
+                  </a:solidFill>
+                  <a:latin typeface="Courier New" panose="02070309020205020404" pitchFamily="49" charset="0"/>
+                  <a:cs typeface="Courier New" panose="02070309020205020404" pitchFamily="49" charset="0"/>
+                </a:rPr>
+                <a:t>  </a:t>
+              </a:r>
+              <a:r>
+                <a:rPr lang="en-US" sz="600" b="1" dirty="0" smtClean="0">
+                  <a:solidFill>
+                    <a:schemeClr val="accent2">
+                      <a:lumMod val="50000"/>
+                    </a:schemeClr>
+                  </a:solidFill>
+                  <a:latin typeface="Courier New" panose="02070309020205020404" pitchFamily="49" charset="0"/>
+                  <a:cs typeface="Courier New" panose="02070309020205020404" pitchFamily="49" charset="0"/>
+                </a:rPr>
+                <a:t>  </a:t>
+              </a:r>
+              <a:r>
+                <a:rPr lang="en-US" sz="600" b="1" dirty="0" err="1" smtClean="0">
+                  <a:solidFill>
+                    <a:schemeClr val="accent2">
+                      <a:lumMod val="50000"/>
+                    </a:schemeClr>
+                  </a:solidFill>
+                  <a:latin typeface="Courier New" panose="02070309020205020404" pitchFamily="49" charset="0"/>
+                  <a:cs typeface="Courier New" panose="02070309020205020404" pitchFamily="49" charset="0"/>
+                </a:rPr>
+                <a:t>theme_NCStats</a:t>
+              </a:r>
+              <a:r>
+                <a:rPr lang="en-US" sz="600" b="1" dirty="0" smtClean="0">
+                  <a:solidFill>
+                    <a:schemeClr val="accent2">
+                      <a:lumMod val="50000"/>
+                    </a:schemeClr>
+                  </a:solidFill>
+                  <a:latin typeface="Courier New" panose="02070309020205020404" pitchFamily="49" charset="0"/>
+                  <a:cs typeface="Courier New" panose="02070309020205020404" pitchFamily="49" charset="0"/>
+                </a:rPr>
+                <a:t>()</a:t>
+              </a:r>
+            </a:p>
+            <a:p>
+              <a:pPr algn="l"/>
+              <a:endParaRPr lang="en-US" sz="600" b="1" dirty="0">
+                <a:solidFill>
+                  <a:schemeClr val="accent2">
+                    <a:lumMod val="50000"/>
+                  </a:schemeClr>
+                </a:solidFill>
+                <a:latin typeface="Courier New" panose="02070309020205020404" pitchFamily="49" charset="0"/>
+                <a:cs typeface="Courier New" panose="02070309020205020404" pitchFamily="49" charset="0"/>
+              </a:endParaRPr>
+            </a:p>
+            <a:p>
+              <a:pPr algn="l"/>
+              <a:endParaRPr lang="en-US" sz="600" b="1" dirty="0" smtClean="0">
+                <a:solidFill>
+                  <a:schemeClr val="accent2">
+                    <a:lumMod val="50000"/>
+                  </a:schemeClr>
+                </a:solidFill>
+                <a:latin typeface="Courier New" panose="02070309020205020404" pitchFamily="49" charset="0"/>
+                <a:cs typeface="Courier New" panose="02070309020205020404" pitchFamily="49" charset="0"/>
+              </a:endParaRPr>
+            </a:p>
+            <a:p>
+              <a:pPr algn="l"/>
+              <a:endParaRPr lang="en-US" sz="600" b="1" dirty="0">
+                <a:solidFill>
+                  <a:schemeClr val="accent2">
+                    <a:lumMod val="50000"/>
+                  </a:schemeClr>
+                </a:solidFill>
+                <a:latin typeface="Courier New" panose="02070309020205020404" pitchFamily="49" charset="0"/>
+                <a:cs typeface="Courier New" panose="02070309020205020404" pitchFamily="49" charset="0"/>
+              </a:endParaRPr>
+            </a:p>
+            <a:p>
+              <a:pPr algn="l"/>
+              <a:endParaRPr lang="en-US" sz="600" b="1" dirty="0" smtClean="0">
+                <a:solidFill>
+                  <a:schemeClr val="accent2">
+                    <a:lumMod val="50000"/>
+                  </a:schemeClr>
+                </a:solidFill>
+                <a:latin typeface="Courier New" panose="02070309020205020404" pitchFamily="49" charset="0"/>
+                <a:cs typeface="Courier New" panose="02070309020205020404" pitchFamily="49" charset="0"/>
+              </a:endParaRPr>
+            </a:p>
+            <a:p>
+              <a:pPr algn="l"/>
+              <a:endParaRPr lang="en-US" sz="600" b="1" dirty="0">
+                <a:solidFill>
+                  <a:schemeClr val="accent2">
+                    <a:lumMod val="50000"/>
+                  </a:schemeClr>
+                </a:solidFill>
+                <a:latin typeface="Courier New" panose="02070309020205020404" pitchFamily="49" charset="0"/>
+                <a:cs typeface="Courier New" panose="02070309020205020404" pitchFamily="49" charset="0"/>
+              </a:endParaRPr>
+            </a:p>
+            <a:p>
+              <a:pPr algn="l"/>
+              <a:endParaRPr lang="en-US" sz="600" b="1" dirty="0" smtClean="0">
+                <a:solidFill>
+                  <a:schemeClr val="accent2">
+                    <a:lumMod val="50000"/>
+                  </a:schemeClr>
+                </a:solidFill>
+                <a:latin typeface="Courier New" panose="02070309020205020404" pitchFamily="49" charset="0"/>
+                <a:cs typeface="Courier New" panose="02070309020205020404" pitchFamily="49" charset="0"/>
+              </a:endParaRPr>
+            </a:p>
+            <a:p>
+              <a:pPr algn="l"/>
+              <a:endParaRPr lang="en-US" sz="700" b="1" dirty="0">
+                <a:solidFill>
+                  <a:schemeClr val="accent2">
+                    <a:lumMod val="50000"/>
+                  </a:schemeClr>
+                </a:solidFill>
+                <a:latin typeface="Courier New" panose="02070309020205020404" pitchFamily="49" charset="0"/>
+                <a:cs typeface="Courier New" panose="02070309020205020404" pitchFamily="49" charset="0"/>
+              </a:endParaRPr>
+            </a:p>
+            <a:p>
+              <a:pPr algn="l"/>
+              <a:endParaRPr lang="en-US" sz="600" b="1" dirty="0" smtClean="0">
+                <a:solidFill>
+                  <a:schemeClr val="accent2">
+                    <a:lumMod val="50000"/>
+                  </a:schemeClr>
+                </a:solidFill>
+                <a:latin typeface="Courier New" panose="02070309020205020404" pitchFamily="49" charset="0"/>
+                <a:cs typeface="Courier New" panose="02070309020205020404" pitchFamily="49" charset="0"/>
+              </a:endParaRPr>
+            </a:p>
+            <a:p>
               <a:pPr algn="l" latinLnBrk="1"/>
               <a:r>
-                <a:rPr lang="en-US" sz="600" dirty="0" smtClean="0">
+                <a:rPr lang="en-US" sz="600" dirty="0">
                   <a:latin typeface="Courier New" panose="02070309020205020404" pitchFamily="49" charset="0"/>
                   <a:cs typeface="Courier New" panose="02070309020205020404" pitchFamily="49" charset="0"/>
                 </a:rPr>
                 <a:t>&gt; </a:t>
               </a:r>
               <a:r>
-                <a:rPr lang="en-US" sz="600" b="1" dirty="0" smtClean="0">
-                  <a:solidFill>
-                    <a:schemeClr val="accent2">
-                      <a:lumMod val="50000"/>
-                    </a:schemeClr>
-                  </a:solidFill>
-                  <a:latin typeface="Courier New" panose="02070309020205020404" pitchFamily="49" charset="0"/>
-                  <a:cs typeface="Courier New" panose="02070309020205020404" pitchFamily="49" charset="0"/>
-                </a:rPr>
-                <a:t>Summarize</a:t>
-              </a:r>
-              <a:r>
                 <a:rPr lang="en-US" sz="600" b="1" dirty="0">
                   <a:solidFill>
                     <a:schemeClr val="accent2">
@@ -11758,10 +12383,10 @@
                   <a:latin typeface="Courier New" panose="02070309020205020404" pitchFamily="49" charset="0"/>
                   <a:cs typeface="Courier New" panose="02070309020205020404" pitchFamily="49" charset="0"/>
                 </a:rPr>
-                <a:t>(~</a:t>
-              </a:r>
-              <a:r>
-                <a:rPr lang="en-US" sz="600" b="1" dirty="0" err="1" smtClean="0">
+                <a:t>Summarize(~</a:t>
+              </a:r>
+              <a:r>
+                <a:rPr lang="en-US" sz="600" b="1" dirty="0" err="1">
                   <a:solidFill>
                     <a:srgbClr val="C00000"/>
                   </a:solidFill>
@@ -11771,7 +12396,7 @@
                 <a:t>HMPG</a:t>
               </a:r>
               <a:r>
-                <a:rPr lang="en-US" sz="600" b="1" dirty="0" err="1" smtClean="0">
+                <a:rPr lang="en-US" sz="600" b="1" dirty="0" err="1">
                   <a:solidFill>
                     <a:schemeClr val="accent2">
                       <a:lumMod val="50000"/>
@@ -11783,7 +12408,7 @@
                 <a:t>,data</a:t>
               </a:r>
               <a:r>
-                <a:rPr lang="en-US" sz="600" b="1" dirty="0" smtClean="0">
+                <a:rPr lang="en-US" sz="600" b="1" dirty="0">
                   <a:solidFill>
                     <a:schemeClr val="accent2">
                       <a:lumMod val="50000"/>
@@ -11795,7 +12420,7 @@
                 <a:t>=</a:t>
               </a:r>
               <a:r>
-                <a:rPr lang="en-US" sz="600" b="1" dirty="0" err="1" smtClean="0">
+                <a:rPr lang="en-US" sz="600" b="1" dirty="0" err="1">
                   <a:solidFill>
                     <a:srgbClr val="C00000"/>
                   </a:solidFill>
@@ -11805,7 +12430,7 @@
                 <a:t>dfcar</a:t>
               </a:r>
               <a:r>
-                <a:rPr lang="en-US" sz="600" b="1" dirty="0" err="1" smtClean="0">
+                <a:rPr lang="en-US" sz="600" b="1" dirty="0" err="1">
                   <a:solidFill>
                     <a:schemeClr val="accent2">
                       <a:lumMod val="50000"/>
@@ -11817,7 +12442,7 @@
                 <a:t>,digits</a:t>
               </a:r>
               <a:r>
-                <a:rPr lang="en-US" sz="600" b="1" dirty="0" smtClean="0">
+                <a:rPr lang="en-US" sz="600" b="1" dirty="0">
                   <a:solidFill>
                     <a:schemeClr val="accent2">
                       <a:lumMod val="50000"/>
@@ -11829,7 +12454,7 @@
                 <a:t>=</a:t>
               </a:r>
               <a:r>
-                <a:rPr lang="en-US" sz="600" b="1" dirty="0" smtClean="0">
+                <a:rPr lang="en-US" sz="600" b="1" dirty="0">
                   <a:solidFill>
                     <a:srgbClr val="C00000"/>
                   </a:solidFill>
@@ -11854,18 +12479,11 @@
             <a:p>
               <a:pPr algn="l" latinLnBrk="1"/>
               <a:r>
-                <a:rPr lang="en-US" sz="600" dirty="0" smtClean="0">
-                  <a:latin typeface="Courier New" panose="02070309020205020404" pitchFamily="49" charset="0"/>
-                  <a:cs typeface="Courier New" panose="02070309020205020404" pitchFamily="49" charset="0"/>
-                </a:rPr>
-                <a:t>      </a:t>
-              </a:r>
-              <a:r>
                 <a:rPr lang="en-US" sz="600" dirty="0">
                   <a:latin typeface="Courier New" panose="02070309020205020404" pitchFamily="49" charset="0"/>
                   <a:cs typeface="Courier New" panose="02070309020205020404" pitchFamily="49" charset="0"/>
                 </a:rPr>
-                <a:t>n   mean     </a:t>
+                <a:t>      n   mean     </a:t>
               </a:r>
               <a:r>
                 <a:rPr lang="en-US" sz="600" dirty="0" err="1">
@@ -11888,560 +12506,15 @@
                 </a:rPr>
               </a:br>
               <a:r>
-                <a:rPr lang="en-US" sz="600" dirty="0" smtClean="0">
-                  <a:latin typeface="Courier New" panose="02070309020205020404" pitchFamily="49" charset="0"/>
-                  <a:cs typeface="Courier New" panose="02070309020205020404" pitchFamily="49" charset="0"/>
-                </a:rPr>
-                <a:t>   </a:t>
-              </a:r>
-              <a:r>
                 <a:rPr lang="en-US" sz="600" dirty="0">
                   <a:latin typeface="Courier New" panose="02070309020205020404" pitchFamily="49" charset="0"/>
                   <a:cs typeface="Courier New" panose="02070309020205020404" pitchFamily="49" charset="0"/>
                 </a:rPr>
-                <a:t>93.0   29.1    5.3   20.0   26.0   28.0   31.0   50.0</a:t>
+                <a:t>   93.0   29.1    5.3   20.0   26.0   28.0   31.0   50.0</a:t>
               </a:r>
             </a:p>
             <a:p>
               <a:pPr algn="l"/>
-              <a:r>
-                <a:rPr lang="en-US" sz="600" dirty="0">
-                  <a:latin typeface="Courier New" panose="02070309020205020404" pitchFamily="49" charset="0"/>
-                  <a:cs typeface="Courier New" panose="02070309020205020404" pitchFamily="49" charset="0"/>
-                </a:rPr>
-                <a:t>&gt; </a:t>
-              </a:r>
-              <a:r>
-                <a:rPr lang="en-US" sz="600" b="1" dirty="0" err="1">
-                  <a:solidFill>
-                    <a:schemeClr val="accent2">
-                      <a:lumMod val="50000"/>
-                    </a:schemeClr>
-                  </a:solidFill>
-                  <a:latin typeface="Courier New" panose="02070309020205020404" pitchFamily="49" charset="0"/>
-                  <a:cs typeface="Courier New" panose="02070309020205020404" pitchFamily="49" charset="0"/>
-                </a:rPr>
-                <a:t>ggplot</a:t>
-              </a:r>
-              <a:r>
-                <a:rPr lang="en-US" sz="600" b="1" dirty="0">
-                  <a:solidFill>
-                    <a:schemeClr val="accent2">
-                      <a:lumMod val="50000"/>
-                    </a:schemeClr>
-                  </a:solidFill>
-                  <a:latin typeface="Courier New" panose="02070309020205020404" pitchFamily="49" charset="0"/>
-                  <a:cs typeface="Courier New" panose="02070309020205020404" pitchFamily="49" charset="0"/>
-                </a:rPr>
-                <a:t>(data=</a:t>
-              </a:r>
-              <a:r>
-                <a:rPr lang="en-US" sz="600" b="1" dirty="0" err="1">
-                  <a:solidFill>
-                    <a:srgbClr val="C00000"/>
-                  </a:solidFill>
-                  <a:latin typeface="Courier New" panose="02070309020205020404" pitchFamily="49" charset="0"/>
-                  <a:cs typeface="Courier New" panose="02070309020205020404" pitchFamily="49" charset="0"/>
-                </a:rPr>
-                <a:t>dfcar</a:t>
-              </a:r>
-              <a:r>
-                <a:rPr lang="en-US" sz="600" b="1" dirty="0" err="1">
-                  <a:solidFill>
-                    <a:schemeClr val="accent2">
-                      <a:lumMod val="50000"/>
-                    </a:schemeClr>
-                  </a:solidFill>
-                  <a:latin typeface="Courier New" panose="02070309020205020404" pitchFamily="49" charset="0"/>
-                  <a:cs typeface="Courier New" panose="02070309020205020404" pitchFamily="49" charset="0"/>
-                </a:rPr>
-                <a:t>,mapping</a:t>
-              </a:r>
-              <a:r>
-                <a:rPr lang="en-US" sz="600" b="1" dirty="0">
-                  <a:solidFill>
-                    <a:schemeClr val="accent2">
-                      <a:lumMod val="50000"/>
-                    </a:schemeClr>
-                  </a:solidFill>
-                  <a:latin typeface="Courier New" panose="02070309020205020404" pitchFamily="49" charset="0"/>
-                  <a:cs typeface="Courier New" panose="02070309020205020404" pitchFamily="49" charset="0"/>
-                </a:rPr>
-                <a:t>=</a:t>
-              </a:r>
-              <a:r>
-                <a:rPr lang="en-US" sz="600" b="1" dirty="0" err="1">
-                  <a:solidFill>
-                    <a:schemeClr val="accent2">
-                      <a:lumMod val="50000"/>
-                    </a:schemeClr>
-                  </a:solidFill>
-                  <a:latin typeface="Courier New" panose="02070309020205020404" pitchFamily="49" charset="0"/>
-                  <a:cs typeface="Courier New" panose="02070309020205020404" pitchFamily="49" charset="0"/>
-                </a:rPr>
-                <a:t>aes</a:t>
-              </a:r>
-              <a:r>
-                <a:rPr lang="en-US" sz="600" b="1" dirty="0">
-                  <a:solidFill>
-                    <a:schemeClr val="accent2">
-                      <a:lumMod val="50000"/>
-                    </a:schemeClr>
-                  </a:solidFill>
-                  <a:latin typeface="Courier New" panose="02070309020205020404" pitchFamily="49" charset="0"/>
-                  <a:cs typeface="Courier New" panose="02070309020205020404" pitchFamily="49" charset="0"/>
-                </a:rPr>
-                <a:t>(x=</a:t>
-              </a:r>
-              <a:r>
-                <a:rPr lang="en-US" sz="600" b="1" dirty="0">
-                  <a:solidFill>
-                    <a:srgbClr val="C00000"/>
-                  </a:solidFill>
-                  <a:latin typeface="Courier New" panose="02070309020205020404" pitchFamily="49" charset="0"/>
-                  <a:cs typeface="Courier New" panose="02070309020205020404" pitchFamily="49" charset="0"/>
-                </a:rPr>
-                <a:t>HMPG</a:t>
-              </a:r>
-              <a:r>
-                <a:rPr lang="en-US" sz="600" b="1" dirty="0">
-                  <a:solidFill>
-                    <a:schemeClr val="accent2">
-                      <a:lumMod val="50000"/>
-                    </a:schemeClr>
-                  </a:solidFill>
-                  <a:latin typeface="Courier New" panose="02070309020205020404" pitchFamily="49" charset="0"/>
-                  <a:cs typeface="Courier New" panose="02070309020205020404" pitchFamily="49" charset="0"/>
-                </a:rPr>
-                <a:t>)) +</a:t>
-              </a:r>
-            </a:p>
-            <a:p>
-              <a:pPr algn="l"/>
-              <a:r>
-                <a:rPr lang="en-US" sz="600" b="1" dirty="0">
-                  <a:solidFill>
-                    <a:schemeClr val="accent2">
-                      <a:lumMod val="50000"/>
-                    </a:schemeClr>
-                  </a:solidFill>
-                  <a:latin typeface="Courier New" panose="02070309020205020404" pitchFamily="49" charset="0"/>
-                  <a:cs typeface="Courier New" panose="02070309020205020404" pitchFamily="49" charset="0"/>
-                </a:rPr>
-                <a:t>  </a:t>
-              </a:r>
-              <a:r>
-                <a:rPr lang="en-US" sz="600" b="1" dirty="0" smtClean="0">
-                  <a:solidFill>
-                    <a:schemeClr val="accent2">
-                      <a:lumMod val="50000"/>
-                    </a:schemeClr>
-                  </a:solidFill>
-                  <a:latin typeface="Courier New" panose="02070309020205020404" pitchFamily="49" charset="0"/>
-                  <a:cs typeface="Courier New" panose="02070309020205020404" pitchFamily="49" charset="0"/>
-                </a:rPr>
-                <a:t>  </a:t>
-              </a:r>
-              <a:r>
-                <a:rPr lang="en-US" sz="600" b="1" dirty="0" err="1" smtClean="0">
-                  <a:solidFill>
-                    <a:schemeClr val="accent2">
-                      <a:lumMod val="50000"/>
-                    </a:schemeClr>
-                  </a:solidFill>
-                  <a:latin typeface="Courier New" panose="02070309020205020404" pitchFamily="49" charset="0"/>
-                  <a:cs typeface="Courier New" panose="02070309020205020404" pitchFamily="49" charset="0"/>
-                </a:rPr>
-                <a:t>geom_histogram</a:t>
-              </a:r>
-              <a:r>
-                <a:rPr lang="en-US" sz="600" b="1" dirty="0" smtClean="0">
-                  <a:solidFill>
-                    <a:schemeClr val="accent2">
-                      <a:lumMod val="50000"/>
-                    </a:schemeClr>
-                  </a:solidFill>
-                  <a:latin typeface="Courier New" panose="02070309020205020404" pitchFamily="49" charset="0"/>
-                  <a:cs typeface="Courier New" panose="02070309020205020404" pitchFamily="49" charset="0"/>
-                </a:rPr>
-                <a:t>(</a:t>
-              </a:r>
-              <a:r>
-                <a:rPr lang="en-US" sz="600" b="1" dirty="0" err="1" smtClean="0">
-                  <a:solidFill>
-                    <a:schemeClr val="accent2">
-                      <a:lumMod val="50000"/>
-                    </a:schemeClr>
-                  </a:solidFill>
-                  <a:latin typeface="Courier New" panose="02070309020205020404" pitchFamily="49" charset="0"/>
-                  <a:cs typeface="Courier New" panose="02070309020205020404" pitchFamily="49" charset="0"/>
-                </a:rPr>
-                <a:t>binwidth</a:t>
-              </a:r>
-              <a:r>
-                <a:rPr lang="en-US" sz="600" b="1" dirty="0" smtClean="0">
-                  <a:solidFill>
-                    <a:schemeClr val="accent2">
-                      <a:lumMod val="50000"/>
-                    </a:schemeClr>
-                  </a:solidFill>
-                  <a:latin typeface="Courier New" panose="02070309020205020404" pitchFamily="49" charset="0"/>
-                  <a:cs typeface="Courier New" panose="02070309020205020404" pitchFamily="49" charset="0"/>
-                </a:rPr>
-                <a:t>=</a:t>
-              </a:r>
-              <a:r>
-                <a:rPr lang="en-US" sz="600" b="1" dirty="0" smtClean="0">
-                  <a:solidFill>
-                    <a:srgbClr val="C00000"/>
-                  </a:solidFill>
-                  <a:latin typeface="Courier New" panose="02070309020205020404" pitchFamily="49" charset="0"/>
-                  <a:cs typeface="Courier New" panose="02070309020205020404" pitchFamily="49" charset="0"/>
-                </a:rPr>
-                <a:t>3</a:t>
-              </a:r>
-              <a:r>
-                <a:rPr lang="en-US" sz="600" b="1" dirty="0" smtClean="0">
-                  <a:solidFill>
-                    <a:schemeClr val="accent2">
-                      <a:lumMod val="50000"/>
-                    </a:schemeClr>
-                  </a:solidFill>
-                  <a:latin typeface="Courier New" panose="02070309020205020404" pitchFamily="49" charset="0"/>
-                  <a:cs typeface="Courier New" panose="02070309020205020404" pitchFamily="49" charset="0"/>
-                </a:rPr>
-                <a:t>,boundary=0,</a:t>
-              </a:r>
-            </a:p>
-            <a:p>
-              <a:pPr algn="l"/>
-              <a:r>
-                <a:rPr lang="en-US" sz="600" b="1" dirty="0">
-                  <a:solidFill>
-                    <a:schemeClr val="accent2">
-                      <a:lumMod val="50000"/>
-                    </a:schemeClr>
-                  </a:solidFill>
-                  <a:latin typeface="Courier New" panose="02070309020205020404" pitchFamily="49" charset="0"/>
-                  <a:cs typeface="Courier New" panose="02070309020205020404" pitchFamily="49" charset="0"/>
-                </a:rPr>
-                <a:t> </a:t>
-              </a:r>
-              <a:r>
-                <a:rPr lang="en-US" sz="600" b="1" dirty="0" smtClean="0">
-                  <a:solidFill>
-                    <a:schemeClr val="accent2">
-                      <a:lumMod val="50000"/>
-                    </a:schemeClr>
-                  </a:solidFill>
-                  <a:latin typeface="Courier New" panose="02070309020205020404" pitchFamily="49" charset="0"/>
-                  <a:cs typeface="Courier New" panose="02070309020205020404" pitchFamily="49" charset="0"/>
-                </a:rPr>
-                <a:t>                  color</a:t>
-              </a:r>
-              <a:r>
-                <a:rPr lang="en-US" sz="600" b="1" dirty="0">
-                  <a:solidFill>
-                    <a:schemeClr val="accent2">
-                      <a:lumMod val="50000"/>
-                    </a:schemeClr>
-                  </a:solidFill>
-                  <a:latin typeface="Courier New" panose="02070309020205020404" pitchFamily="49" charset="0"/>
-                  <a:cs typeface="Courier New" panose="02070309020205020404" pitchFamily="49" charset="0"/>
-                </a:rPr>
-                <a:t>="</a:t>
-              </a:r>
-              <a:r>
-                <a:rPr lang="en-US" sz="600" b="1" dirty="0" err="1">
-                  <a:solidFill>
-                    <a:schemeClr val="accent2">
-                      <a:lumMod val="50000"/>
-                    </a:schemeClr>
-                  </a:solidFill>
-                  <a:latin typeface="Courier New" panose="02070309020205020404" pitchFamily="49" charset="0"/>
-                  <a:cs typeface="Courier New" panose="02070309020205020404" pitchFamily="49" charset="0"/>
-                </a:rPr>
-                <a:t>black",fill</a:t>
-              </a:r>
-              <a:r>
-                <a:rPr lang="en-US" sz="600" b="1" dirty="0">
-                  <a:solidFill>
-                    <a:schemeClr val="accent2">
-                      <a:lumMod val="50000"/>
-                    </a:schemeClr>
-                  </a:solidFill>
-                  <a:latin typeface="Courier New" panose="02070309020205020404" pitchFamily="49" charset="0"/>
-                  <a:cs typeface="Courier New" panose="02070309020205020404" pitchFamily="49" charset="0"/>
-                </a:rPr>
-                <a:t>="</a:t>
-              </a:r>
-              <a:r>
-                <a:rPr lang="en-US" sz="600" b="1" dirty="0" err="1">
-                  <a:solidFill>
-                    <a:schemeClr val="accent2">
-                      <a:lumMod val="50000"/>
-                    </a:schemeClr>
-                  </a:solidFill>
-                  <a:latin typeface="Courier New" panose="02070309020205020404" pitchFamily="49" charset="0"/>
-                  <a:cs typeface="Courier New" panose="02070309020205020404" pitchFamily="49" charset="0"/>
-                </a:rPr>
-                <a:t>lightgray</a:t>
-              </a:r>
-              <a:r>
-                <a:rPr lang="en-US" sz="600" b="1" dirty="0">
-                  <a:solidFill>
-                    <a:schemeClr val="accent2">
-                      <a:lumMod val="50000"/>
-                    </a:schemeClr>
-                  </a:solidFill>
-                  <a:latin typeface="Courier New" panose="02070309020205020404" pitchFamily="49" charset="0"/>
-                  <a:cs typeface="Courier New" panose="02070309020205020404" pitchFamily="49" charset="0"/>
-                </a:rPr>
-                <a:t>") +</a:t>
-              </a:r>
-            </a:p>
-            <a:p>
-              <a:pPr algn="l"/>
-              <a:r>
-                <a:rPr lang="en-US" sz="600" b="1" dirty="0">
-                  <a:solidFill>
-                    <a:schemeClr val="accent2">
-                      <a:lumMod val="50000"/>
-                    </a:schemeClr>
-                  </a:solidFill>
-                  <a:latin typeface="Courier New" panose="02070309020205020404" pitchFamily="49" charset="0"/>
-                  <a:cs typeface="Courier New" panose="02070309020205020404" pitchFamily="49" charset="0"/>
-                </a:rPr>
-                <a:t>  </a:t>
-              </a:r>
-              <a:r>
-                <a:rPr lang="en-US" sz="600" b="1" dirty="0" smtClean="0">
-                  <a:solidFill>
-                    <a:schemeClr val="accent2">
-                      <a:lumMod val="50000"/>
-                    </a:schemeClr>
-                  </a:solidFill>
-                  <a:latin typeface="Courier New" panose="02070309020205020404" pitchFamily="49" charset="0"/>
-                  <a:cs typeface="Courier New" panose="02070309020205020404" pitchFamily="49" charset="0"/>
-                </a:rPr>
-                <a:t>  labs(x</a:t>
-              </a:r>
-              <a:r>
-                <a:rPr lang="en-US" sz="600" b="1" dirty="0">
-                  <a:solidFill>
-                    <a:schemeClr val="accent2">
-                      <a:lumMod val="50000"/>
-                    </a:schemeClr>
-                  </a:solidFill>
-                  <a:latin typeface="Courier New" panose="02070309020205020404" pitchFamily="49" charset="0"/>
-                  <a:cs typeface="Courier New" panose="02070309020205020404" pitchFamily="49" charset="0"/>
-                </a:rPr>
-                <a:t>="</a:t>
-              </a:r>
-              <a:r>
-                <a:rPr lang="en-US" sz="600" b="1" dirty="0">
-                  <a:solidFill>
-                    <a:srgbClr val="C00000"/>
-                  </a:solidFill>
-                  <a:latin typeface="Courier New" panose="02070309020205020404" pitchFamily="49" charset="0"/>
-                  <a:cs typeface="Courier New" panose="02070309020205020404" pitchFamily="49" charset="0"/>
-                </a:rPr>
-                <a:t>Highway </a:t>
-              </a:r>
-              <a:r>
-                <a:rPr lang="en-US" sz="600" b="1" dirty="0" err="1">
-                  <a:solidFill>
-                    <a:srgbClr val="C00000"/>
-                  </a:solidFill>
-                  <a:latin typeface="Courier New" panose="02070309020205020404" pitchFamily="49" charset="0"/>
-                  <a:cs typeface="Courier New" panose="02070309020205020404" pitchFamily="49" charset="0"/>
-                </a:rPr>
-                <a:t>MPG</a:t>
-              </a:r>
-              <a:r>
-                <a:rPr lang="en-US" sz="600" b="1" dirty="0" err="1">
-                  <a:solidFill>
-                    <a:schemeClr val="accent2">
-                      <a:lumMod val="50000"/>
-                    </a:schemeClr>
-                  </a:solidFill>
-                  <a:latin typeface="Courier New" panose="02070309020205020404" pitchFamily="49" charset="0"/>
-                  <a:cs typeface="Courier New" panose="02070309020205020404" pitchFamily="49" charset="0"/>
-                </a:rPr>
-                <a:t>",y</a:t>
-              </a:r>
-              <a:r>
-                <a:rPr lang="en-US" sz="600" b="1" dirty="0">
-                  <a:solidFill>
-                    <a:schemeClr val="accent2">
-                      <a:lumMod val="50000"/>
-                    </a:schemeClr>
-                  </a:solidFill>
-                  <a:latin typeface="Courier New" panose="02070309020205020404" pitchFamily="49" charset="0"/>
-                  <a:cs typeface="Courier New" panose="02070309020205020404" pitchFamily="49" charset="0"/>
-                </a:rPr>
-                <a:t>="Frequency of </a:t>
-              </a:r>
-              <a:r>
-                <a:rPr lang="en-US" sz="600" b="1" dirty="0">
-                  <a:solidFill>
-                    <a:srgbClr val="C00000"/>
-                  </a:solidFill>
-                  <a:latin typeface="Courier New" panose="02070309020205020404" pitchFamily="49" charset="0"/>
-                  <a:cs typeface="Courier New" panose="02070309020205020404" pitchFamily="49" charset="0"/>
-                </a:rPr>
-                <a:t>Cars</a:t>
-              </a:r>
-              <a:r>
-                <a:rPr lang="en-US" sz="600" b="1" dirty="0">
-                  <a:solidFill>
-                    <a:schemeClr val="accent2">
-                      <a:lumMod val="50000"/>
-                    </a:schemeClr>
-                  </a:solidFill>
-                  <a:latin typeface="Courier New" panose="02070309020205020404" pitchFamily="49" charset="0"/>
-                  <a:cs typeface="Courier New" panose="02070309020205020404" pitchFamily="49" charset="0"/>
-                </a:rPr>
-                <a:t>") +</a:t>
-              </a:r>
-            </a:p>
-            <a:p>
-              <a:pPr algn="l"/>
-              <a:r>
-                <a:rPr lang="en-US" sz="600" b="1" dirty="0">
-                  <a:solidFill>
-                    <a:schemeClr val="accent2">
-                      <a:lumMod val="50000"/>
-                    </a:schemeClr>
-                  </a:solidFill>
-                  <a:latin typeface="Courier New" panose="02070309020205020404" pitchFamily="49" charset="0"/>
-                  <a:cs typeface="Courier New" panose="02070309020205020404" pitchFamily="49" charset="0"/>
-                </a:rPr>
-                <a:t>  </a:t>
-              </a:r>
-              <a:r>
-                <a:rPr lang="en-US" sz="600" b="1" dirty="0" smtClean="0">
-                  <a:solidFill>
-                    <a:schemeClr val="accent2">
-                      <a:lumMod val="50000"/>
-                    </a:schemeClr>
-                  </a:solidFill>
-                  <a:latin typeface="Courier New" panose="02070309020205020404" pitchFamily="49" charset="0"/>
-                  <a:cs typeface="Courier New" panose="02070309020205020404" pitchFamily="49" charset="0"/>
-                </a:rPr>
-                <a:t>  </a:t>
-              </a:r>
-              <a:r>
-                <a:rPr lang="en-US" sz="600" b="1" dirty="0" err="1" smtClean="0">
-                  <a:solidFill>
-                    <a:schemeClr val="accent2">
-                      <a:lumMod val="50000"/>
-                    </a:schemeClr>
-                  </a:solidFill>
-                  <a:latin typeface="Courier New" panose="02070309020205020404" pitchFamily="49" charset="0"/>
-                  <a:cs typeface="Courier New" panose="02070309020205020404" pitchFamily="49" charset="0"/>
-                </a:rPr>
-                <a:t>scale_y_continuous</a:t>
-              </a:r>
-              <a:r>
-                <a:rPr lang="en-US" sz="600" b="1" dirty="0" smtClean="0">
-                  <a:solidFill>
-                    <a:schemeClr val="accent2">
-                      <a:lumMod val="50000"/>
-                    </a:schemeClr>
-                  </a:solidFill>
-                  <a:latin typeface="Courier New" panose="02070309020205020404" pitchFamily="49" charset="0"/>
-                  <a:cs typeface="Courier New" panose="02070309020205020404" pitchFamily="49" charset="0"/>
-                </a:rPr>
-                <a:t>(expand=expansion(</a:t>
-              </a:r>
-              <a:r>
-                <a:rPr lang="en-US" sz="600" b="1" dirty="0" err="1" smtClean="0">
-                  <a:solidFill>
-                    <a:schemeClr val="accent2">
-                      <a:lumMod val="50000"/>
-                    </a:schemeClr>
-                  </a:solidFill>
-                  <a:latin typeface="Courier New" panose="02070309020205020404" pitchFamily="49" charset="0"/>
-                  <a:cs typeface="Courier New" panose="02070309020205020404" pitchFamily="49" charset="0"/>
-                </a:rPr>
-                <a:t>mult</a:t>
-              </a:r>
-              <a:r>
-                <a:rPr lang="en-US" sz="600" b="1" dirty="0" smtClean="0">
-                  <a:solidFill>
-                    <a:schemeClr val="accent2">
-                      <a:lumMod val="50000"/>
-                    </a:schemeClr>
-                  </a:solidFill>
-                  <a:latin typeface="Courier New" panose="02070309020205020404" pitchFamily="49" charset="0"/>
-                  <a:cs typeface="Courier New" panose="02070309020205020404" pitchFamily="49" charset="0"/>
-                </a:rPr>
-                <a:t>=c(0,0.05</a:t>
-              </a:r>
-              <a:r>
-                <a:rPr lang="en-US" sz="600" b="1" dirty="0">
-                  <a:solidFill>
-                    <a:schemeClr val="accent2">
-                      <a:lumMod val="50000"/>
-                    </a:schemeClr>
-                  </a:solidFill>
-                  <a:latin typeface="Courier New" panose="02070309020205020404" pitchFamily="49" charset="0"/>
-                  <a:cs typeface="Courier New" panose="02070309020205020404" pitchFamily="49" charset="0"/>
-                </a:rPr>
-                <a:t>))) +</a:t>
-              </a:r>
-            </a:p>
-            <a:p>
-              <a:pPr algn="l"/>
-              <a:r>
-                <a:rPr lang="en-US" sz="600" b="1" dirty="0">
-                  <a:solidFill>
-                    <a:schemeClr val="accent2">
-                      <a:lumMod val="50000"/>
-                    </a:schemeClr>
-                  </a:solidFill>
-                  <a:latin typeface="Courier New" panose="02070309020205020404" pitchFamily="49" charset="0"/>
-                  <a:cs typeface="Courier New" panose="02070309020205020404" pitchFamily="49" charset="0"/>
-                </a:rPr>
-                <a:t>  </a:t>
-              </a:r>
-              <a:r>
-                <a:rPr lang="en-US" sz="600" b="1" dirty="0" smtClean="0">
-                  <a:solidFill>
-                    <a:schemeClr val="accent2">
-                      <a:lumMod val="50000"/>
-                    </a:schemeClr>
-                  </a:solidFill>
-                  <a:latin typeface="Courier New" panose="02070309020205020404" pitchFamily="49" charset="0"/>
-                  <a:cs typeface="Courier New" panose="02070309020205020404" pitchFamily="49" charset="0"/>
-                </a:rPr>
-                <a:t>  </a:t>
-              </a:r>
-              <a:r>
-                <a:rPr lang="en-US" sz="600" b="1" dirty="0" err="1" smtClean="0">
-                  <a:solidFill>
-                    <a:schemeClr val="accent2">
-                      <a:lumMod val="50000"/>
-                    </a:schemeClr>
-                  </a:solidFill>
-                  <a:latin typeface="Courier New" panose="02070309020205020404" pitchFamily="49" charset="0"/>
-                  <a:cs typeface="Courier New" panose="02070309020205020404" pitchFamily="49" charset="0"/>
-                </a:rPr>
-                <a:t>theme_NCStats</a:t>
-              </a:r>
-              <a:r>
-                <a:rPr lang="en-US" sz="600" b="1" dirty="0" smtClean="0">
-                  <a:solidFill>
-                    <a:schemeClr val="accent2">
-                      <a:lumMod val="50000"/>
-                    </a:schemeClr>
-                  </a:solidFill>
-                  <a:latin typeface="Courier New" panose="02070309020205020404" pitchFamily="49" charset="0"/>
-                  <a:cs typeface="Courier New" panose="02070309020205020404" pitchFamily="49" charset="0"/>
-                </a:rPr>
-                <a:t>()</a:t>
-              </a:r>
               <a:endParaRPr lang="en-US" sz="600" dirty="0">
                 <a:solidFill>
                   <a:schemeClr val="accent2">
@@ -12497,7 +12570,7 @@
           </p:nvSpPr>
           <p:spPr>
             <a:xfrm>
-              <a:off x="57889" y="232607"/>
+              <a:off x="89639" y="232607"/>
               <a:ext cx="2926080" cy="1630060"/>
             </a:xfrm>
             <a:prstGeom prst="roundRect">
@@ -12951,7 +13024,7 @@
           </p:nvSpPr>
           <p:spPr>
             <a:xfrm>
-              <a:off x="103609" y="530655"/>
+              <a:off x="135359" y="530655"/>
               <a:ext cx="2834640" cy="917174"/>
             </a:xfrm>
             <a:prstGeom prst="rect">
@@ -12992,6 +13065,104 @@
             <a:p>
               <a:pPr algn="l" defTabSz="320174" rtl="0" latinLnBrk="1" hangingPunct="0"/>
               <a:r>
+                <a:rPr lang="en-US" sz="800" dirty="0" err="1" smtClean="0">
+                  <a:solidFill>
+                    <a:schemeClr val="accent2">
+                      <a:lumMod val="50000"/>
+                    </a:schemeClr>
+                  </a:solidFill>
+                  <a:latin typeface="Calibri" panose="020F0502020204030204" pitchFamily="34" charset="0"/>
+                </a:rPr>
+                <a:t>ggplot</a:t>
+              </a:r>
+              <a:r>
+                <a:rPr lang="en-US" sz="800" dirty="0" smtClean="0">
+                  <a:solidFill>
+                    <a:schemeClr val="accent2">
+                      <a:lumMod val="50000"/>
+                    </a:schemeClr>
+                  </a:solidFill>
+                  <a:latin typeface="Calibri" panose="020F0502020204030204" pitchFamily="34" charset="0"/>
+                </a:rPr>
+                <a:t>(data=</a:t>
+              </a:r>
+              <a:r>
+                <a:rPr lang="en-US" sz="800" dirty="0" err="1" smtClean="0">
+                  <a:solidFill>
+                    <a:srgbClr val="C00000"/>
+                  </a:solidFill>
+                  <a:latin typeface="Calibri" panose="020F0502020204030204" pitchFamily="34" charset="0"/>
+                </a:rPr>
+                <a:t>dfobj</a:t>
+              </a:r>
+              <a:r>
+                <a:rPr lang="en-US" sz="800" dirty="0" err="1" smtClean="0">
+                  <a:solidFill>
+                    <a:schemeClr val="accent2">
+                      <a:lumMod val="50000"/>
+                    </a:schemeClr>
+                  </a:solidFill>
+                  <a:latin typeface="Calibri" panose="020F0502020204030204" pitchFamily="34" charset="0"/>
+                </a:rPr>
+                <a:t>,mapping</a:t>
+              </a:r>
+              <a:r>
+                <a:rPr lang="en-US" sz="800" dirty="0" smtClean="0">
+                  <a:solidFill>
+                    <a:schemeClr val="accent2">
+                      <a:lumMod val="50000"/>
+                    </a:schemeClr>
+                  </a:solidFill>
+                  <a:latin typeface="Calibri" panose="020F0502020204030204" pitchFamily="34" charset="0"/>
+                </a:rPr>
+                <a:t>=</a:t>
+              </a:r>
+              <a:r>
+                <a:rPr lang="en-US" sz="800" dirty="0" err="1" smtClean="0">
+                  <a:solidFill>
+                    <a:schemeClr val="accent2">
+                      <a:lumMod val="50000"/>
+                    </a:schemeClr>
+                  </a:solidFill>
+                  <a:latin typeface="Calibri" panose="020F0502020204030204" pitchFamily="34" charset="0"/>
+                </a:rPr>
+                <a:t>aes</a:t>
+              </a:r>
+              <a:r>
+                <a:rPr lang="en-US" sz="800" dirty="0" smtClean="0">
+                  <a:solidFill>
+                    <a:schemeClr val="accent2">
+                      <a:lumMod val="50000"/>
+                    </a:schemeClr>
+                  </a:solidFill>
+                  <a:latin typeface="Calibri" panose="020F0502020204030204" pitchFamily="34" charset="0"/>
+                </a:rPr>
+                <a:t>(x=</a:t>
+              </a:r>
+              <a:r>
+                <a:rPr lang="en-US" sz="800" dirty="0" err="1" smtClean="0">
+                  <a:solidFill>
+                    <a:srgbClr val="C00000"/>
+                  </a:solidFill>
+                  <a:latin typeface="Calibri" panose="020F0502020204030204" pitchFamily="34" charset="0"/>
+                </a:rPr>
+                <a:t>qvar</a:t>
+              </a:r>
+              <a:r>
+                <a:rPr lang="en-US" sz="800" dirty="0" smtClean="0">
+                  <a:solidFill>
+                    <a:schemeClr val="accent2">
+                      <a:lumMod val="50000"/>
+                    </a:schemeClr>
+                  </a:solidFill>
+                  <a:latin typeface="Calibri" panose="020F0502020204030204" pitchFamily="34" charset="0"/>
+                </a:rPr>
+                <a:t>)) +</a:t>
+              </a:r>
+            </a:p>
+            <a:p>
+              <a:pPr algn="l" defTabSz="320174" rtl="0" latinLnBrk="1" hangingPunct="0"/>
+              <a:r>
                 <a:rPr lang="en-US" sz="800" dirty="0">
                   <a:solidFill>
                     <a:schemeClr val="accent2">
@@ -13000,6 +13171,493 @@
                   </a:solidFill>
                   <a:latin typeface="Calibri" panose="020F0502020204030204" pitchFamily="34" charset="0"/>
                 </a:rPr>
+                <a:t> </a:t>
+              </a:r>
+              <a:r>
+                <a:rPr lang="en-US" sz="800" dirty="0" smtClean="0">
+                  <a:solidFill>
+                    <a:schemeClr val="accent2">
+                      <a:lumMod val="50000"/>
+                    </a:schemeClr>
+                  </a:solidFill>
+                  <a:latin typeface="Calibri" panose="020F0502020204030204" pitchFamily="34" charset="0"/>
+                </a:rPr>
+                <a:t> </a:t>
+              </a:r>
+              <a:r>
+                <a:rPr lang="en-US" sz="800" dirty="0" err="1" smtClean="0">
+                  <a:solidFill>
+                    <a:schemeClr val="accent2">
+                      <a:lumMod val="50000"/>
+                    </a:schemeClr>
+                  </a:solidFill>
+                  <a:latin typeface="Calibri" panose="020F0502020204030204" pitchFamily="34" charset="0"/>
+                </a:rPr>
+                <a:t>geom_histogram</a:t>
+              </a:r>
+              <a:r>
+                <a:rPr lang="en-US" sz="800" dirty="0" smtClean="0">
+                  <a:solidFill>
+                    <a:schemeClr val="accent2">
+                      <a:lumMod val="50000"/>
+                    </a:schemeClr>
+                  </a:solidFill>
+                  <a:latin typeface="Calibri" panose="020F0502020204030204" pitchFamily="34" charset="0"/>
+                </a:rPr>
+                <a:t>(</a:t>
+              </a:r>
+              <a:r>
+                <a:rPr lang="en-US" sz="800" dirty="0" err="1" smtClean="0">
+                  <a:solidFill>
+                    <a:schemeClr val="accent2">
+                      <a:lumMod val="50000"/>
+                    </a:schemeClr>
+                  </a:solidFill>
+                  <a:latin typeface="Calibri" panose="020F0502020204030204" pitchFamily="34" charset="0"/>
+                </a:rPr>
+                <a:t>binwidth</a:t>
+              </a:r>
+              <a:r>
+                <a:rPr lang="en-US" sz="800" dirty="0" smtClean="0">
+                  <a:solidFill>
+                    <a:schemeClr val="accent2">
+                      <a:lumMod val="50000"/>
+                    </a:schemeClr>
+                  </a:solidFill>
+                  <a:latin typeface="Calibri" panose="020F0502020204030204" pitchFamily="34" charset="0"/>
+                </a:rPr>
+                <a:t>=</a:t>
+              </a:r>
+              <a:r>
+                <a:rPr lang="en-US" sz="800" dirty="0" smtClean="0">
+                  <a:solidFill>
+                    <a:srgbClr val="C00000"/>
+                  </a:solidFill>
+                  <a:latin typeface="Calibri" panose="020F0502020204030204" pitchFamily="34" charset="0"/>
+                </a:rPr>
+                <a:t>#</a:t>
+              </a:r>
+              <a:r>
+                <a:rPr lang="en-US" sz="800" dirty="0" smtClean="0">
+                  <a:solidFill>
+                    <a:schemeClr val="accent2">
+                      <a:lumMod val="50000"/>
+                    </a:schemeClr>
+                  </a:solidFill>
+                  <a:latin typeface="Calibri" panose="020F0502020204030204" pitchFamily="34" charset="0"/>
+                </a:rPr>
+                <a:t>,boundary=0,</a:t>
+              </a:r>
+            </a:p>
+            <a:p>
+              <a:pPr algn="l" defTabSz="320174" rtl="0" latinLnBrk="1" hangingPunct="0"/>
+              <a:r>
+                <a:rPr lang="en-US" sz="800" dirty="0">
+                  <a:solidFill>
+                    <a:schemeClr val="accent2">
+                      <a:lumMod val="50000"/>
+                    </a:schemeClr>
+                  </a:solidFill>
+                  <a:latin typeface="Calibri" panose="020F0502020204030204" pitchFamily="34" charset="0"/>
+                </a:rPr>
+                <a:t> </a:t>
+              </a:r>
+              <a:r>
+                <a:rPr lang="en-US" sz="800" dirty="0" smtClean="0">
+                  <a:solidFill>
+                    <a:schemeClr val="accent2">
+                      <a:lumMod val="50000"/>
+                    </a:schemeClr>
+                  </a:solidFill>
+                  <a:latin typeface="Calibri" panose="020F0502020204030204" pitchFamily="34" charset="0"/>
+                </a:rPr>
+                <a:t>                                       color=</a:t>
+              </a:r>
+              <a:r>
+                <a:rPr lang="en-US" sz="800" b="1" dirty="0">
+                  <a:solidFill>
+                    <a:schemeClr val="accent2">
+                      <a:lumMod val="50000"/>
+                    </a:schemeClr>
+                  </a:solidFill>
+                  <a:latin typeface="Calibri" panose="020F0502020204030204" pitchFamily="34" charset="0"/>
+                  <a:cs typeface="Courier New" panose="02070309020205020404" pitchFamily="49" charset="0"/>
+                </a:rPr>
+                <a:t>"</a:t>
+              </a:r>
+              <a:r>
+                <a:rPr lang="en-US" sz="800" dirty="0" err="1" smtClean="0">
+                  <a:solidFill>
+                    <a:schemeClr val="accent2">
+                      <a:lumMod val="50000"/>
+                    </a:schemeClr>
+                  </a:solidFill>
+                  <a:latin typeface="Calibri" panose="020F0502020204030204" pitchFamily="34" charset="0"/>
+                </a:rPr>
+                <a:t>black</a:t>
+              </a:r>
+              <a:r>
+                <a:rPr lang="en-US" sz="800" b="1" dirty="0" err="1">
+                  <a:solidFill>
+                    <a:schemeClr val="accent2">
+                      <a:lumMod val="50000"/>
+                    </a:schemeClr>
+                  </a:solidFill>
+                  <a:latin typeface="Calibri" panose="020F0502020204030204" pitchFamily="34" charset="0"/>
+                  <a:cs typeface="Courier New" panose="02070309020205020404" pitchFamily="49" charset="0"/>
+                </a:rPr>
+                <a:t>"</a:t>
+              </a:r>
+              <a:r>
+                <a:rPr lang="en-US" sz="800" dirty="0" err="1" smtClean="0">
+                  <a:solidFill>
+                    <a:schemeClr val="accent2">
+                      <a:lumMod val="50000"/>
+                    </a:schemeClr>
+                  </a:solidFill>
+                  <a:latin typeface="Calibri" panose="020F0502020204030204" pitchFamily="34" charset="0"/>
+                </a:rPr>
+                <a:t>,fill</a:t>
+              </a:r>
+              <a:r>
+                <a:rPr lang="en-US" sz="800" dirty="0" smtClean="0">
+                  <a:solidFill>
+                    <a:schemeClr val="accent2">
+                      <a:lumMod val="50000"/>
+                    </a:schemeClr>
+                  </a:solidFill>
+                  <a:latin typeface="Calibri" panose="020F0502020204030204" pitchFamily="34" charset="0"/>
+                </a:rPr>
+                <a:t>=</a:t>
+              </a:r>
+              <a:r>
+                <a:rPr lang="en-US" sz="800" b="1" dirty="0">
+                  <a:solidFill>
+                    <a:schemeClr val="accent2">
+                      <a:lumMod val="50000"/>
+                    </a:schemeClr>
+                  </a:solidFill>
+                  <a:latin typeface="Calibri" panose="020F0502020204030204" pitchFamily="34" charset="0"/>
+                  <a:cs typeface="Courier New" panose="02070309020205020404" pitchFamily="49" charset="0"/>
+                </a:rPr>
+                <a:t>"</a:t>
+              </a:r>
+              <a:r>
+                <a:rPr lang="en-US" sz="800" dirty="0" err="1" smtClean="0">
+                  <a:solidFill>
+                    <a:schemeClr val="accent2">
+                      <a:lumMod val="50000"/>
+                    </a:schemeClr>
+                  </a:solidFill>
+                  <a:latin typeface="Calibri" panose="020F0502020204030204" pitchFamily="34" charset="0"/>
+                </a:rPr>
+                <a:t>lightgray</a:t>
+              </a:r>
+              <a:r>
+                <a:rPr lang="en-US" sz="800" b="1" dirty="0">
+                  <a:solidFill>
+                    <a:schemeClr val="accent2">
+                      <a:lumMod val="50000"/>
+                    </a:schemeClr>
+                  </a:solidFill>
+                  <a:latin typeface="Calibri" panose="020F0502020204030204" pitchFamily="34" charset="0"/>
+                  <a:cs typeface="Courier New" panose="02070309020205020404" pitchFamily="49" charset="0"/>
+                </a:rPr>
+                <a:t>"</a:t>
+              </a:r>
+              <a:r>
+                <a:rPr lang="en-US" sz="800" dirty="0" smtClean="0">
+                  <a:solidFill>
+                    <a:schemeClr val="accent2">
+                      <a:lumMod val="50000"/>
+                    </a:schemeClr>
+                  </a:solidFill>
+                  <a:latin typeface="Calibri" panose="020F0502020204030204" pitchFamily="34" charset="0"/>
+                </a:rPr>
+                <a:t>) +</a:t>
+              </a:r>
+            </a:p>
+            <a:p>
+              <a:pPr algn="l" defTabSz="320174" rtl="0" latinLnBrk="1" hangingPunct="0"/>
+              <a:r>
+                <a:rPr lang="en-US" sz="800" dirty="0">
+                  <a:solidFill>
+                    <a:schemeClr val="accent2">
+                      <a:lumMod val="50000"/>
+                    </a:schemeClr>
+                  </a:solidFill>
+                  <a:latin typeface="Calibri" panose="020F0502020204030204" pitchFamily="34" charset="0"/>
+                </a:rPr>
+                <a:t> </a:t>
+              </a:r>
+              <a:r>
+                <a:rPr lang="en-US" sz="800" dirty="0" smtClean="0">
+                  <a:solidFill>
+                    <a:schemeClr val="accent2">
+                      <a:lumMod val="50000"/>
+                    </a:schemeClr>
+                  </a:solidFill>
+                  <a:latin typeface="Calibri" panose="020F0502020204030204" pitchFamily="34" charset="0"/>
+                </a:rPr>
+                <a:t> labs(x=</a:t>
+              </a:r>
+              <a:r>
+                <a:rPr lang="en-US" sz="800" b="1" dirty="0" smtClean="0">
+                  <a:solidFill>
+                    <a:schemeClr val="accent2">
+                      <a:lumMod val="50000"/>
+                    </a:schemeClr>
+                  </a:solidFill>
+                  <a:latin typeface="Calibri" panose="020F0502020204030204" pitchFamily="34" charset="0"/>
+                  <a:cs typeface="Courier New" panose="02070309020205020404" pitchFamily="49" charset="0"/>
+                </a:rPr>
+                <a:t>"</a:t>
+              </a:r>
+              <a:r>
+                <a:rPr lang="en-US" sz="800" dirty="0" smtClean="0">
+                  <a:solidFill>
+                    <a:srgbClr val="C00000"/>
+                  </a:solidFill>
+                  <a:latin typeface="Calibri" panose="020F0502020204030204" pitchFamily="34" charset="0"/>
+                </a:rPr>
+                <a:t>better </a:t>
+              </a:r>
+              <a:r>
+                <a:rPr lang="en-US" sz="800" dirty="0" err="1" smtClean="0">
+                  <a:solidFill>
+                    <a:srgbClr val="C00000"/>
+                  </a:solidFill>
+                  <a:latin typeface="Calibri" panose="020F0502020204030204" pitchFamily="34" charset="0"/>
+                </a:rPr>
+                <a:t>qvar</a:t>
+              </a:r>
+              <a:r>
+                <a:rPr lang="en-US" sz="800" dirty="0" smtClean="0">
+                  <a:solidFill>
+                    <a:srgbClr val="C00000"/>
+                  </a:solidFill>
+                  <a:latin typeface="Calibri" panose="020F0502020204030204" pitchFamily="34" charset="0"/>
+                </a:rPr>
+                <a:t> </a:t>
+              </a:r>
+              <a:r>
+                <a:rPr lang="en-US" sz="800" dirty="0" err="1" smtClean="0">
+                  <a:solidFill>
+                    <a:srgbClr val="C00000"/>
+                  </a:solidFill>
+                  <a:latin typeface="Calibri" panose="020F0502020204030204" pitchFamily="34" charset="0"/>
+                </a:rPr>
+                <a:t>label</a:t>
+              </a:r>
+              <a:r>
+                <a:rPr lang="en-US" sz="800" dirty="0" err="1">
+                  <a:solidFill>
+                    <a:schemeClr val="accent2">
+                      <a:lumMod val="50000"/>
+                    </a:schemeClr>
+                  </a:solidFill>
+                  <a:latin typeface="Calibri" panose="020F0502020204030204" pitchFamily="34" charset="0"/>
+                  <a:cs typeface="Courier New" panose="02070309020205020404" pitchFamily="49" charset="0"/>
+                </a:rPr>
+                <a:t>",</a:t>
+              </a:r>
+              <a:r>
+                <a:rPr lang="en-US" sz="800" dirty="0" err="1" smtClean="0">
+                  <a:solidFill>
+                    <a:schemeClr val="accent2">
+                      <a:lumMod val="50000"/>
+                    </a:schemeClr>
+                  </a:solidFill>
+                  <a:latin typeface="Calibri" panose="020F0502020204030204" pitchFamily="34" charset="0"/>
+                  <a:cs typeface="Courier New" panose="02070309020205020404" pitchFamily="49" charset="0"/>
+                </a:rPr>
+                <a:t>y</a:t>
+              </a:r>
+              <a:r>
+                <a:rPr lang="en-US" sz="800" dirty="0">
+                  <a:solidFill>
+                    <a:schemeClr val="accent2">
+                      <a:lumMod val="50000"/>
+                    </a:schemeClr>
+                  </a:solidFill>
+                  <a:latin typeface="Calibri" panose="020F0502020204030204" pitchFamily="34" charset="0"/>
+                  <a:cs typeface="Courier New" panose="02070309020205020404" pitchFamily="49" charset="0"/>
+                </a:rPr>
+                <a:t>="</a:t>
+              </a:r>
+              <a:r>
+                <a:rPr lang="en-US" sz="800" dirty="0" smtClean="0">
+                  <a:solidFill>
+                    <a:schemeClr val="accent2">
+                      <a:lumMod val="50000"/>
+                    </a:schemeClr>
+                  </a:solidFill>
+                  <a:latin typeface="Calibri" panose="020F0502020204030204" pitchFamily="34" charset="0"/>
+                  <a:cs typeface="Courier New" panose="02070309020205020404" pitchFamily="49" charset="0"/>
+                </a:rPr>
+                <a:t>Frequency of </a:t>
+              </a:r>
+              <a:r>
+                <a:rPr lang="en-US" sz="800" dirty="0" smtClean="0">
+                  <a:solidFill>
+                    <a:srgbClr val="C00000"/>
+                  </a:solidFill>
+                  <a:latin typeface="Calibri" panose="020F0502020204030204" pitchFamily="34" charset="0"/>
+                  <a:cs typeface="Courier New" panose="02070309020205020404" pitchFamily="49" charset="0"/>
+                </a:rPr>
+                <a:t>XXX</a:t>
+              </a:r>
+              <a:r>
+                <a:rPr lang="en-US" sz="800" dirty="0" smtClean="0">
+                  <a:solidFill>
+                    <a:schemeClr val="accent2">
+                      <a:lumMod val="50000"/>
+                    </a:schemeClr>
+                  </a:solidFill>
+                  <a:latin typeface="Calibri" panose="020F0502020204030204" pitchFamily="34" charset="0"/>
+                  <a:cs typeface="Courier New" panose="02070309020205020404" pitchFamily="49" charset="0"/>
+                </a:rPr>
+                <a:t>"</a:t>
+              </a:r>
+              <a:r>
+                <a:rPr lang="en-US" sz="800" dirty="0" smtClean="0">
+                  <a:solidFill>
+                    <a:schemeClr val="accent2">
+                      <a:lumMod val="50000"/>
+                    </a:schemeClr>
+                  </a:solidFill>
+                  <a:latin typeface="Calibri" panose="020F0502020204030204" pitchFamily="34" charset="0"/>
+                </a:rPr>
+                <a:t>) +</a:t>
+              </a:r>
+            </a:p>
+            <a:p>
+              <a:pPr algn="l" defTabSz="320174" rtl="0" latinLnBrk="1" hangingPunct="0"/>
+              <a:r>
+                <a:rPr lang="en-US" sz="800" dirty="0">
+                  <a:solidFill>
+                    <a:schemeClr val="accent2">
+                      <a:lumMod val="50000"/>
+                    </a:schemeClr>
+                  </a:solidFill>
+                  <a:latin typeface="Calibri" panose="020F0502020204030204" pitchFamily="34" charset="0"/>
+                </a:rPr>
+                <a:t> </a:t>
+              </a:r>
+              <a:r>
+                <a:rPr lang="en-US" sz="800" dirty="0" smtClean="0">
+                  <a:solidFill>
+                    <a:schemeClr val="accent2">
+                      <a:lumMod val="50000"/>
+                    </a:schemeClr>
+                  </a:solidFill>
+                  <a:latin typeface="Calibri" panose="020F0502020204030204" pitchFamily="34" charset="0"/>
+                </a:rPr>
+                <a:t> </a:t>
+              </a:r>
+              <a:r>
+                <a:rPr lang="en-US" sz="800" dirty="0" err="1" smtClean="0">
+                  <a:solidFill>
+                    <a:schemeClr val="accent2">
+                      <a:lumMod val="50000"/>
+                    </a:schemeClr>
+                  </a:solidFill>
+                  <a:latin typeface="Calibri" panose="020F0502020204030204" pitchFamily="34" charset="0"/>
+                </a:rPr>
+                <a:t>scale_y_continuous</a:t>
+              </a:r>
+              <a:r>
+                <a:rPr lang="en-US" sz="800" dirty="0" smtClean="0">
+                  <a:solidFill>
+                    <a:schemeClr val="accent2">
+                      <a:lumMod val="50000"/>
+                    </a:schemeClr>
+                  </a:solidFill>
+                  <a:latin typeface="Calibri" panose="020F0502020204030204" pitchFamily="34" charset="0"/>
+                </a:rPr>
+                <a:t>(expand=expansion(</a:t>
+              </a:r>
+              <a:r>
+                <a:rPr lang="en-US" sz="800" dirty="0" err="1" smtClean="0">
+                  <a:solidFill>
+                    <a:schemeClr val="accent2">
+                      <a:lumMod val="50000"/>
+                    </a:schemeClr>
+                  </a:solidFill>
+                  <a:latin typeface="Calibri" panose="020F0502020204030204" pitchFamily="34" charset="0"/>
+                </a:rPr>
+                <a:t>mult</a:t>
+              </a:r>
+              <a:r>
+                <a:rPr lang="en-US" sz="800" dirty="0" smtClean="0">
+                  <a:solidFill>
+                    <a:schemeClr val="accent2">
+                      <a:lumMod val="50000"/>
+                    </a:schemeClr>
+                  </a:solidFill>
+                  <a:latin typeface="Calibri" panose="020F0502020204030204" pitchFamily="34" charset="0"/>
+                </a:rPr>
+                <a:t>=c(0,0.05))) +</a:t>
+              </a:r>
+            </a:p>
+            <a:p>
+              <a:pPr algn="l" defTabSz="320174" rtl="0" latinLnBrk="1" hangingPunct="0"/>
+              <a:r>
+                <a:rPr lang="en-US" sz="800" dirty="0">
+                  <a:solidFill>
+                    <a:schemeClr val="accent2">
+                      <a:lumMod val="50000"/>
+                    </a:schemeClr>
+                  </a:solidFill>
+                  <a:latin typeface="Calibri" panose="020F0502020204030204" pitchFamily="34" charset="0"/>
+                </a:rPr>
+                <a:t> </a:t>
+              </a:r>
+              <a:r>
+                <a:rPr lang="en-US" sz="800" dirty="0" smtClean="0">
+                  <a:solidFill>
+                    <a:schemeClr val="accent2">
+                      <a:lumMod val="50000"/>
+                    </a:schemeClr>
+                  </a:solidFill>
+                  <a:latin typeface="Calibri" panose="020F0502020204030204" pitchFamily="34" charset="0"/>
+                </a:rPr>
+                <a:t> </a:t>
+              </a:r>
+              <a:r>
+                <a:rPr lang="en-US" sz="800" dirty="0" err="1" smtClean="0">
+                  <a:solidFill>
+                    <a:schemeClr val="accent2">
+                      <a:lumMod val="50000"/>
+                    </a:schemeClr>
+                  </a:solidFill>
+                  <a:latin typeface="Calibri" panose="020F0502020204030204" pitchFamily="34" charset="0"/>
+                </a:rPr>
+                <a:t>theme_NCStats</a:t>
+              </a:r>
+              <a:r>
+                <a:rPr lang="en-US" sz="800" dirty="0" smtClean="0">
+                  <a:solidFill>
+                    <a:schemeClr val="accent2">
+                      <a:lumMod val="50000"/>
+                    </a:schemeClr>
+                  </a:solidFill>
+                  <a:latin typeface="Calibri" panose="020F0502020204030204" pitchFamily="34" charset="0"/>
+                </a:rPr>
+                <a:t>()</a:t>
+              </a:r>
+            </a:p>
+            <a:p>
+              <a:pPr algn="l" defTabSz="320174" rtl="0" latinLnBrk="1" hangingPunct="0"/>
+              <a:r>
+                <a:rPr lang="en-US" sz="800" dirty="0">
+                  <a:solidFill>
+                    <a:schemeClr val="accent2">
+                      <a:lumMod val="50000"/>
+                    </a:schemeClr>
+                  </a:solidFill>
+                  <a:latin typeface="Calibri" panose="020F0502020204030204" pitchFamily="34" charset="0"/>
+                </a:rPr>
                 <a:t>Summarize(~</a:t>
               </a:r>
               <a:r>
@@ -13084,613 +13742,14 @@
                 </a:rPr>
                 <a:t>)</a:t>
               </a:r>
-            </a:p>
-            <a:p>
-              <a:pPr algn="l" defTabSz="320174" rtl="0" latinLnBrk="1" hangingPunct="0"/>
-              <a:r>
-                <a:rPr lang="en-US" sz="800" dirty="0" err="1" smtClean="0">
-                  <a:solidFill>
-                    <a:schemeClr val="accent2">
-                      <a:lumMod val="50000"/>
-                    </a:schemeClr>
-                  </a:solidFill>
-                  <a:latin typeface="Calibri" panose="020F0502020204030204" pitchFamily="34" charset="0"/>
-                </a:rPr>
-                <a:t>ggplot</a:t>
-              </a:r>
-              <a:r>
-                <a:rPr lang="en-US" sz="800" dirty="0" smtClean="0">
-                  <a:solidFill>
-                    <a:schemeClr val="accent2">
-                      <a:lumMod val="50000"/>
-                    </a:schemeClr>
-                  </a:solidFill>
-                  <a:latin typeface="Calibri" panose="020F0502020204030204" pitchFamily="34" charset="0"/>
-                </a:rPr>
-                <a:t>(data=</a:t>
-              </a:r>
-              <a:r>
-                <a:rPr lang="en-US" sz="800" dirty="0" err="1" smtClean="0">
-                  <a:solidFill>
-                    <a:srgbClr val="C00000"/>
-                  </a:solidFill>
-                  <a:latin typeface="Calibri" panose="020F0502020204030204" pitchFamily="34" charset="0"/>
-                </a:rPr>
-                <a:t>dfobj</a:t>
-              </a:r>
-              <a:r>
-                <a:rPr lang="en-US" sz="800" dirty="0" err="1" smtClean="0">
-                  <a:solidFill>
-                    <a:schemeClr val="accent2">
-                      <a:lumMod val="50000"/>
-                    </a:schemeClr>
-                  </a:solidFill>
-                  <a:latin typeface="Calibri" panose="020F0502020204030204" pitchFamily="34" charset="0"/>
-                </a:rPr>
-                <a:t>,mapping</a:t>
-              </a:r>
-              <a:r>
-                <a:rPr lang="en-US" sz="800" dirty="0" smtClean="0">
-                  <a:solidFill>
-                    <a:schemeClr val="accent2">
-                      <a:lumMod val="50000"/>
-                    </a:schemeClr>
-                  </a:solidFill>
-                  <a:latin typeface="Calibri" panose="020F0502020204030204" pitchFamily="34" charset="0"/>
-                </a:rPr>
-                <a:t>=</a:t>
-              </a:r>
-              <a:r>
-                <a:rPr lang="en-US" sz="800" dirty="0" err="1" smtClean="0">
-                  <a:solidFill>
-                    <a:schemeClr val="accent2">
-                      <a:lumMod val="50000"/>
-                    </a:schemeClr>
-                  </a:solidFill>
-                  <a:latin typeface="Calibri" panose="020F0502020204030204" pitchFamily="34" charset="0"/>
-                </a:rPr>
-                <a:t>aes</a:t>
-              </a:r>
-              <a:r>
-                <a:rPr lang="en-US" sz="800" dirty="0" smtClean="0">
-                  <a:solidFill>
-                    <a:schemeClr val="accent2">
-                      <a:lumMod val="50000"/>
-                    </a:schemeClr>
-                  </a:solidFill>
-                  <a:latin typeface="Calibri" panose="020F0502020204030204" pitchFamily="34" charset="0"/>
-                </a:rPr>
-                <a:t>(x=</a:t>
-              </a:r>
-              <a:r>
-                <a:rPr lang="en-US" sz="800" dirty="0" err="1" smtClean="0">
-                  <a:solidFill>
-                    <a:srgbClr val="C00000"/>
-                  </a:solidFill>
-                  <a:latin typeface="Calibri" panose="020F0502020204030204" pitchFamily="34" charset="0"/>
-                </a:rPr>
-                <a:t>qvar</a:t>
-              </a:r>
-              <a:r>
-                <a:rPr lang="en-US" sz="800" dirty="0" smtClean="0">
-                  <a:solidFill>
-                    <a:schemeClr val="accent2">
-                      <a:lumMod val="50000"/>
-                    </a:schemeClr>
-                  </a:solidFill>
-                  <a:latin typeface="Calibri" panose="020F0502020204030204" pitchFamily="34" charset="0"/>
-                </a:rPr>
-                <a:t>)) +</a:t>
-              </a:r>
-            </a:p>
-            <a:p>
-              <a:pPr algn="l" defTabSz="320174" rtl="0" latinLnBrk="1" hangingPunct="0"/>
-              <a:r>
-                <a:rPr lang="en-US" sz="800" dirty="0">
-                  <a:solidFill>
-                    <a:schemeClr val="accent2">
-                      <a:lumMod val="50000"/>
-                    </a:schemeClr>
-                  </a:solidFill>
-                  <a:latin typeface="Calibri" panose="020F0502020204030204" pitchFamily="34" charset="0"/>
-                </a:rPr>
-                <a:t> </a:t>
-              </a:r>
-              <a:r>
-                <a:rPr lang="en-US" sz="800" dirty="0" smtClean="0">
-                  <a:solidFill>
-                    <a:schemeClr val="accent2">
-                      <a:lumMod val="50000"/>
-                    </a:schemeClr>
-                  </a:solidFill>
-                  <a:latin typeface="Calibri" panose="020F0502020204030204" pitchFamily="34" charset="0"/>
-                </a:rPr>
-                <a:t> </a:t>
-              </a:r>
-              <a:r>
-                <a:rPr lang="en-US" sz="800" dirty="0" err="1" smtClean="0">
-                  <a:solidFill>
-                    <a:schemeClr val="accent2">
-                      <a:lumMod val="50000"/>
-                    </a:schemeClr>
-                  </a:solidFill>
-                  <a:latin typeface="Calibri" panose="020F0502020204030204" pitchFamily="34" charset="0"/>
-                </a:rPr>
-                <a:t>geom_histogram</a:t>
-              </a:r>
-              <a:r>
-                <a:rPr lang="en-US" sz="800" dirty="0" smtClean="0">
-                  <a:solidFill>
-                    <a:schemeClr val="accent2">
-                      <a:lumMod val="50000"/>
-                    </a:schemeClr>
-                  </a:solidFill>
-                  <a:latin typeface="Calibri" panose="020F0502020204030204" pitchFamily="34" charset="0"/>
-                </a:rPr>
-                <a:t>(</a:t>
-              </a:r>
-              <a:r>
-                <a:rPr lang="en-US" sz="800" dirty="0" err="1" smtClean="0">
-                  <a:solidFill>
-                    <a:schemeClr val="accent2">
-                      <a:lumMod val="50000"/>
-                    </a:schemeClr>
-                  </a:solidFill>
-                  <a:latin typeface="Calibri" panose="020F0502020204030204" pitchFamily="34" charset="0"/>
-                </a:rPr>
-                <a:t>binwidth</a:t>
-              </a:r>
-              <a:r>
-                <a:rPr lang="en-US" sz="800" dirty="0" smtClean="0">
-                  <a:solidFill>
-                    <a:schemeClr val="accent2">
-                      <a:lumMod val="50000"/>
-                    </a:schemeClr>
-                  </a:solidFill>
-                  <a:latin typeface="Calibri" panose="020F0502020204030204" pitchFamily="34" charset="0"/>
-                </a:rPr>
-                <a:t>=</a:t>
-              </a:r>
-              <a:r>
-                <a:rPr lang="en-US" sz="800" dirty="0" smtClean="0">
-                  <a:solidFill>
-                    <a:srgbClr val="C00000"/>
-                  </a:solidFill>
-                  <a:latin typeface="Calibri" panose="020F0502020204030204" pitchFamily="34" charset="0"/>
-                </a:rPr>
-                <a:t>#</a:t>
-              </a:r>
-              <a:r>
-                <a:rPr lang="en-US" sz="800" dirty="0" smtClean="0">
-                  <a:solidFill>
-                    <a:schemeClr val="accent2">
-                      <a:lumMod val="50000"/>
-                    </a:schemeClr>
-                  </a:solidFill>
-                  <a:latin typeface="Calibri" panose="020F0502020204030204" pitchFamily="34" charset="0"/>
-                </a:rPr>
-                <a:t>,boundary=0,</a:t>
-              </a:r>
-            </a:p>
-            <a:p>
-              <a:pPr algn="l" defTabSz="320174" rtl="0" latinLnBrk="1" hangingPunct="0"/>
-              <a:r>
-                <a:rPr lang="en-US" sz="800" dirty="0">
-                  <a:solidFill>
-                    <a:schemeClr val="accent2">
-                      <a:lumMod val="50000"/>
-                    </a:schemeClr>
-                  </a:solidFill>
-                  <a:latin typeface="Calibri" panose="020F0502020204030204" pitchFamily="34" charset="0"/>
-                </a:rPr>
-                <a:t> </a:t>
-              </a:r>
-              <a:r>
-                <a:rPr lang="en-US" sz="800" dirty="0" smtClean="0">
-                  <a:solidFill>
-                    <a:schemeClr val="accent2">
-                      <a:lumMod val="50000"/>
-                    </a:schemeClr>
-                  </a:solidFill>
-                  <a:latin typeface="Calibri" panose="020F0502020204030204" pitchFamily="34" charset="0"/>
-                </a:rPr>
-                <a:t>                                       color=</a:t>
-              </a:r>
-              <a:r>
-                <a:rPr lang="en-US" sz="800" b="1" dirty="0">
-                  <a:solidFill>
-                    <a:schemeClr val="accent2">
-                      <a:lumMod val="50000"/>
-                    </a:schemeClr>
-                  </a:solidFill>
-                  <a:latin typeface="Calibri" panose="020F0502020204030204" pitchFamily="34" charset="0"/>
-                  <a:cs typeface="Courier New" panose="02070309020205020404" pitchFamily="49" charset="0"/>
-                </a:rPr>
-                <a:t>"</a:t>
-              </a:r>
-              <a:r>
-                <a:rPr lang="en-US" sz="800" dirty="0" err="1" smtClean="0">
-                  <a:solidFill>
-                    <a:schemeClr val="accent2">
-                      <a:lumMod val="50000"/>
-                    </a:schemeClr>
-                  </a:solidFill>
-                  <a:latin typeface="Calibri" panose="020F0502020204030204" pitchFamily="34" charset="0"/>
-                </a:rPr>
-                <a:t>black</a:t>
-              </a:r>
-              <a:r>
-                <a:rPr lang="en-US" sz="800" b="1" dirty="0" err="1">
-                  <a:solidFill>
-                    <a:schemeClr val="accent2">
-                      <a:lumMod val="50000"/>
-                    </a:schemeClr>
-                  </a:solidFill>
-                  <a:latin typeface="Calibri" panose="020F0502020204030204" pitchFamily="34" charset="0"/>
-                  <a:cs typeface="Courier New" panose="02070309020205020404" pitchFamily="49" charset="0"/>
-                </a:rPr>
-                <a:t>"</a:t>
-              </a:r>
-              <a:r>
-                <a:rPr lang="en-US" sz="800" dirty="0" err="1" smtClean="0">
-                  <a:solidFill>
-                    <a:schemeClr val="accent2">
-                      <a:lumMod val="50000"/>
-                    </a:schemeClr>
-                  </a:solidFill>
-                  <a:latin typeface="Calibri" panose="020F0502020204030204" pitchFamily="34" charset="0"/>
-                </a:rPr>
-                <a:t>,fill</a:t>
-              </a:r>
-              <a:r>
-                <a:rPr lang="en-US" sz="800" dirty="0" smtClean="0">
-                  <a:solidFill>
-                    <a:schemeClr val="accent2">
-                      <a:lumMod val="50000"/>
-                    </a:schemeClr>
-                  </a:solidFill>
-                  <a:latin typeface="Calibri" panose="020F0502020204030204" pitchFamily="34" charset="0"/>
-                </a:rPr>
-                <a:t>=</a:t>
-              </a:r>
-              <a:r>
-                <a:rPr lang="en-US" sz="800" b="1" dirty="0">
-                  <a:solidFill>
-                    <a:schemeClr val="accent2">
-                      <a:lumMod val="50000"/>
-                    </a:schemeClr>
-                  </a:solidFill>
-                  <a:latin typeface="Calibri" panose="020F0502020204030204" pitchFamily="34" charset="0"/>
-                  <a:cs typeface="Courier New" panose="02070309020205020404" pitchFamily="49" charset="0"/>
-                </a:rPr>
-                <a:t>"</a:t>
-              </a:r>
-              <a:r>
-                <a:rPr lang="en-US" sz="800" dirty="0" err="1" smtClean="0">
-                  <a:solidFill>
-                    <a:schemeClr val="accent2">
-                      <a:lumMod val="50000"/>
-                    </a:schemeClr>
-                  </a:solidFill>
-                  <a:latin typeface="Calibri" panose="020F0502020204030204" pitchFamily="34" charset="0"/>
-                </a:rPr>
-                <a:t>lightgray</a:t>
-              </a:r>
-              <a:r>
-                <a:rPr lang="en-US" sz="800" b="1" dirty="0">
-                  <a:solidFill>
-                    <a:schemeClr val="accent2">
-                      <a:lumMod val="50000"/>
-                    </a:schemeClr>
-                  </a:solidFill>
-                  <a:latin typeface="Calibri" panose="020F0502020204030204" pitchFamily="34" charset="0"/>
-                  <a:cs typeface="Courier New" panose="02070309020205020404" pitchFamily="49" charset="0"/>
-                </a:rPr>
-                <a:t>"</a:t>
-              </a:r>
-              <a:r>
-                <a:rPr lang="en-US" sz="800" dirty="0" smtClean="0">
-                  <a:solidFill>
-                    <a:schemeClr val="accent2">
-                      <a:lumMod val="50000"/>
-                    </a:schemeClr>
-                  </a:solidFill>
-                  <a:latin typeface="Calibri" panose="020F0502020204030204" pitchFamily="34" charset="0"/>
-                </a:rPr>
-                <a:t>) +</a:t>
-              </a:r>
-            </a:p>
-            <a:p>
-              <a:pPr algn="l" defTabSz="320174" rtl="0" latinLnBrk="1" hangingPunct="0"/>
-              <a:r>
-                <a:rPr lang="en-US" sz="800" dirty="0">
-                  <a:solidFill>
-                    <a:schemeClr val="accent2">
-                      <a:lumMod val="50000"/>
-                    </a:schemeClr>
-                  </a:solidFill>
-                  <a:latin typeface="Calibri" panose="020F0502020204030204" pitchFamily="34" charset="0"/>
-                </a:rPr>
-                <a:t> </a:t>
-              </a:r>
-              <a:r>
-                <a:rPr lang="en-US" sz="800" dirty="0" smtClean="0">
-                  <a:solidFill>
-                    <a:schemeClr val="accent2">
-                      <a:lumMod val="50000"/>
-                    </a:schemeClr>
-                  </a:solidFill>
-                  <a:latin typeface="Calibri" panose="020F0502020204030204" pitchFamily="34" charset="0"/>
-                </a:rPr>
-                <a:t> labs(x=</a:t>
-              </a:r>
-              <a:r>
-                <a:rPr lang="en-US" sz="800" b="1" dirty="0" smtClean="0">
-                  <a:solidFill>
-                    <a:schemeClr val="accent2">
-                      <a:lumMod val="50000"/>
-                    </a:schemeClr>
-                  </a:solidFill>
-                  <a:latin typeface="Calibri" panose="020F0502020204030204" pitchFamily="34" charset="0"/>
-                  <a:cs typeface="Courier New" panose="02070309020205020404" pitchFamily="49" charset="0"/>
-                </a:rPr>
-                <a:t>"</a:t>
-              </a:r>
-              <a:r>
-                <a:rPr lang="en-US" sz="800" dirty="0" smtClean="0">
-                  <a:solidFill>
-                    <a:srgbClr val="C00000"/>
-                  </a:solidFill>
-                  <a:latin typeface="Calibri" panose="020F0502020204030204" pitchFamily="34" charset="0"/>
-                </a:rPr>
-                <a:t>better </a:t>
-              </a:r>
-              <a:r>
-                <a:rPr lang="en-US" sz="800" dirty="0" err="1" smtClean="0">
-                  <a:solidFill>
-                    <a:srgbClr val="C00000"/>
-                  </a:solidFill>
-                  <a:latin typeface="Calibri" panose="020F0502020204030204" pitchFamily="34" charset="0"/>
-                </a:rPr>
-                <a:t>qvar</a:t>
-              </a:r>
-              <a:r>
-                <a:rPr lang="en-US" sz="800" dirty="0" smtClean="0">
-                  <a:solidFill>
-                    <a:srgbClr val="C00000"/>
-                  </a:solidFill>
-                  <a:latin typeface="Calibri" panose="020F0502020204030204" pitchFamily="34" charset="0"/>
-                </a:rPr>
-                <a:t> </a:t>
-              </a:r>
-              <a:r>
-                <a:rPr lang="en-US" sz="800" dirty="0" err="1" smtClean="0">
-                  <a:solidFill>
-                    <a:srgbClr val="C00000"/>
-                  </a:solidFill>
-                  <a:latin typeface="Calibri" panose="020F0502020204030204" pitchFamily="34" charset="0"/>
-                </a:rPr>
-                <a:t>label</a:t>
-              </a:r>
-              <a:r>
-                <a:rPr lang="en-US" sz="800" dirty="0" err="1">
-                  <a:solidFill>
-                    <a:schemeClr val="accent2">
-                      <a:lumMod val="50000"/>
-                    </a:schemeClr>
-                  </a:solidFill>
-                  <a:latin typeface="Calibri" panose="020F0502020204030204" pitchFamily="34" charset="0"/>
-                  <a:cs typeface="Courier New" panose="02070309020205020404" pitchFamily="49" charset="0"/>
-                </a:rPr>
-                <a:t>",</a:t>
-              </a:r>
-              <a:r>
-                <a:rPr lang="en-US" sz="800" dirty="0" err="1" smtClean="0">
-                  <a:solidFill>
-                    <a:schemeClr val="accent2">
-                      <a:lumMod val="50000"/>
-                    </a:schemeClr>
-                  </a:solidFill>
-                  <a:latin typeface="Calibri" panose="020F0502020204030204" pitchFamily="34" charset="0"/>
-                  <a:cs typeface="Courier New" panose="02070309020205020404" pitchFamily="49" charset="0"/>
-                </a:rPr>
-                <a:t>y</a:t>
-              </a:r>
-              <a:r>
-                <a:rPr lang="en-US" sz="800" dirty="0">
-                  <a:solidFill>
-                    <a:schemeClr val="accent2">
-                      <a:lumMod val="50000"/>
-                    </a:schemeClr>
-                  </a:solidFill>
-                  <a:latin typeface="Calibri" panose="020F0502020204030204" pitchFamily="34" charset="0"/>
-                  <a:cs typeface="Courier New" panose="02070309020205020404" pitchFamily="49" charset="0"/>
-                </a:rPr>
-                <a:t>="</a:t>
-              </a:r>
-              <a:r>
-                <a:rPr lang="en-US" sz="800" dirty="0" smtClean="0">
-                  <a:solidFill>
-                    <a:schemeClr val="accent2">
-                      <a:lumMod val="50000"/>
-                    </a:schemeClr>
-                  </a:solidFill>
-                  <a:latin typeface="Calibri" panose="020F0502020204030204" pitchFamily="34" charset="0"/>
-                  <a:cs typeface="Courier New" panose="02070309020205020404" pitchFamily="49" charset="0"/>
-                </a:rPr>
-                <a:t>Frequency of </a:t>
-              </a:r>
-              <a:r>
-                <a:rPr lang="en-US" sz="800" dirty="0" smtClean="0">
-                  <a:solidFill>
-                    <a:srgbClr val="C00000"/>
-                  </a:solidFill>
-                  <a:latin typeface="Calibri" panose="020F0502020204030204" pitchFamily="34" charset="0"/>
-                  <a:cs typeface="Courier New" panose="02070309020205020404" pitchFamily="49" charset="0"/>
-                </a:rPr>
-                <a:t>XXX</a:t>
-              </a:r>
-              <a:r>
-                <a:rPr lang="en-US" sz="800" dirty="0" smtClean="0">
-                  <a:solidFill>
-                    <a:schemeClr val="accent2">
-                      <a:lumMod val="50000"/>
-                    </a:schemeClr>
-                  </a:solidFill>
-                  <a:latin typeface="Calibri" panose="020F0502020204030204" pitchFamily="34" charset="0"/>
-                  <a:cs typeface="Courier New" panose="02070309020205020404" pitchFamily="49" charset="0"/>
-                </a:rPr>
-                <a:t>"</a:t>
-              </a:r>
-              <a:r>
-                <a:rPr lang="en-US" sz="800" dirty="0" smtClean="0">
-                  <a:solidFill>
-                    <a:schemeClr val="accent2">
-                      <a:lumMod val="50000"/>
-                    </a:schemeClr>
-                  </a:solidFill>
-                  <a:latin typeface="Calibri" panose="020F0502020204030204" pitchFamily="34" charset="0"/>
-                </a:rPr>
-                <a:t>) +</a:t>
-              </a:r>
-            </a:p>
-            <a:p>
-              <a:pPr algn="l" defTabSz="320174" rtl="0" latinLnBrk="1" hangingPunct="0"/>
-              <a:r>
-                <a:rPr lang="en-US" sz="800" dirty="0">
-                  <a:solidFill>
-                    <a:schemeClr val="accent2">
-                      <a:lumMod val="50000"/>
-                    </a:schemeClr>
-                  </a:solidFill>
-                  <a:latin typeface="Calibri" panose="020F0502020204030204" pitchFamily="34" charset="0"/>
-                </a:rPr>
-                <a:t> </a:t>
-              </a:r>
-              <a:r>
-                <a:rPr lang="en-US" sz="800" dirty="0" smtClean="0">
-                  <a:solidFill>
-                    <a:schemeClr val="accent2">
-                      <a:lumMod val="50000"/>
-                    </a:schemeClr>
-                  </a:solidFill>
-                  <a:latin typeface="Calibri" panose="020F0502020204030204" pitchFamily="34" charset="0"/>
-                </a:rPr>
-                <a:t> </a:t>
-              </a:r>
-              <a:r>
-                <a:rPr lang="en-US" sz="800" dirty="0" err="1" smtClean="0">
-                  <a:solidFill>
-                    <a:schemeClr val="accent2">
-                      <a:lumMod val="50000"/>
-                    </a:schemeClr>
-                  </a:solidFill>
-                  <a:latin typeface="Calibri" panose="020F0502020204030204" pitchFamily="34" charset="0"/>
-                </a:rPr>
-                <a:t>scale_y_continuous</a:t>
-              </a:r>
-              <a:r>
-                <a:rPr lang="en-US" sz="800" dirty="0" smtClean="0">
-                  <a:solidFill>
-                    <a:schemeClr val="accent2">
-                      <a:lumMod val="50000"/>
-                    </a:schemeClr>
-                  </a:solidFill>
-                  <a:latin typeface="Calibri" panose="020F0502020204030204" pitchFamily="34" charset="0"/>
-                </a:rPr>
-                <a:t>(expand=expansion(</a:t>
-              </a:r>
-              <a:r>
-                <a:rPr lang="en-US" sz="800" dirty="0" err="1" smtClean="0">
-                  <a:solidFill>
-                    <a:schemeClr val="accent2">
-                      <a:lumMod val="50000"/>
-                    </a:schemeClr>
-                  </a:solidFill>
-                  <a:latin typeface="Calibri" panose="020F0502020204030204" pitchFamily="34" charset="0"/>
-                </a:rPr>
-                <a:t>mult</a:t>
-              </a:r>
-              <a:r>
-                <a:rPr lang="en-US" sz="800" dirty="0" smtClean="0">
-                  <a:solidFill>
-                    <a:schemeClr val="accent2">
-                      <a:lumMod val="50000"/>
-                    </a:schemeClr>
-                  </a:solidFill>
-                  <a:latin typeface="Calibri" panose="020F0502020204030204" pitchFamily="34" charset="0"/>
-                </a:rPr>
-                <a:t>=c(0,0.05</a:t>
-              </a:r>
-              <a:r>
-                <a:rPr lang="en-US" sz="800" dirty="0" smtClean="0">
-                  <a:solidFill>
-                    <a:schemeClr val="accent2">
-                      <a:lumMod val="50000"/>
-                    </a:schemeClr>
-                  </a:solidFill>
-                  <a:latin typeface="Calibri" panose="020F0502020204030204" pitchFamily="34" charset="0"/>
-                </a:rPr>
-                <a:t>))) </a:t>
-              </a:r>
-              <a:r>
-                <a:rPr lang="en-US" sz="800" dirty="0" smtClean="0">
-                  <a:solidFill>
-                    <a:schemeClr val="accent2">
-                      <a:lumMod val="50000"/>
-                    </a:schemeClr>
-                  </a:solidFill>
-                  <a:latin typeface="Calibri" panose="020F0502020204030204" pitchFamily="34" charset="0"/>
-                </a:rPr>
-                <a:t>+</a:t>
-              </a:r>
-            </a:p>
-            <a:p>
-              <a:pPr algn="l" defTabSz="320174" rtl="0" latinLnBrk="1" hangingPunct="0"/>
-              <a:r>
-                <a:rPr lang="en-US" sz="800" dirty="0">
-                  <a:solidFill>
-                    <a:schemeClr val="accent2">
-                      <a:lumMod val="50000"/>
-                    </a:schemeClr>
-                  </a:solidFill>
-                  <a:latin typeface="Calibri" panose="020F0502020204030204" pitchFamily="34" charset="0"/>
-                </a:rPr>
-                <a:t> </a:t>
-              </a:r>
-              <a:r>
-                <a:rPr lang="en-US" sz="800" dirty="0" smtClean="0">
-                  <a:solidFill>
-                    <a:schemeClr val="accent2">
-                      <a:lumMod val="50000"/>
-                    </a:schemeClr>
-                  </a:solidFill>
-                  <a:latin typeface="Calibri" panose="020F0502020204030204" pitchFamily="34" charset="0"/>
-                </a:rPr>
-                <a:t> </a:t>
-              </a:r>
-              <a:r>
-                <a:rPr lang="en-US" sz="800" dirty="0" err="1" smtClean="0">
-                  <a:solidFill>
-                    <a:schemeClr val="accent2">
-                      <a:lumMod val="50000"/>
-                    </a:schemeClr>
-                  </a:solidFill>
-                  <a:latin typeface="Calibri" panose="020F0502020204030204" pitchFamily="34" charset="0"/>
-                </a:rPr>
-                <a:t>theme_NCStats</a:t>
-              </a:r>
-              <a:r>
-                <a:rPr lang="en-US" sz="800" dirty="0" smtClean="0">
-                  <a:solidFill>
-                    <a:schemeClr val="accent2">
-                      <a:lumMod val="50000"/>
-                    </a:schemeClr>
-                  </a:solidFill>
-                  <a:latin typeface="Calibri" panose="020F0502020204030204" pitchFamily="34" charset="0"/>
-                </a:rPr>
-                <a:t>()</a:t>
-              </a:r>
+              <a:endParaRPr lang="en-US" sz="800" dirty="0">
+                <a:solidFill>
+                  <a:schemeClr val="accent2">
+                    <a:lumMod val="50000"/>
+                  </a:schemeClr>
+                </a:solidFill>
+                <a:latin typeface="Calibri" panose="020F0502020204030204" pitchFamily="34" charset="0"/>
+              </a:endParaRPr>
             </a:p>
           </p:txBody>
         </p:sp>
@@ -13702,7 +13761,7 @@
           </p:nvSpPr>
           <p:spPr>
             <a:xfrm>
-              <a:off x="57889" y="35379"/>
+              <a:off x="89639" y="35379"/>
               <a:ext cx="2926080" cy="228600"/>
             </a:xfrm>
             <a:prstGeom prst="roundRect">
@@ -13718,7 +13777,7 @@
             </a:ln>
             <a:extLst>
               <a:ext uri="{C572A759-6A51-4108-AA02-DFA0A04FC94B}">
-                <ma14:wrappingTextBoxFlag xmlns="" xmlns:ma14="http://schemas.microsoft.com/office/mac/drawingml/2011/main" val="1"/>
+                <ma14:wrappingTextBoxFlag xmlns:ma14="http://schemas.microsoft.com/office/mac/drawingml/2011/main" xmlns="" val="1"/>
               </a:ext>
             </a:extLst>
           </p:spPr>
@@ -13769,7 +13828,7 @@
           </p:blipFill>
           <p:spPr>
             <a:xfrm>
-              <a:off x="1013455" y="2682154"/>
+              <a:off x="1028721" y="2412628"/>
               <a:ext cx="1014948" cy="731520"/>
             </a:xfrm>
             <a:prstGeom prst="rect">
@@ -14746,7 +14805,7 @@
             </a:ln>
             <a:extLst>
               <a:ext uri="{C572A759-6A51-4108-AA02-DFA0A04FC94B}">
-                <ma14:wrappingTextBoxFlag xmlns="" xmlns:ma14="http://schemas.microsoft.com/office/mac/drawingml/2011/main" val="1"/>
+                <ma14:wrappingTextBoxFlag xmlns:ma14="http://schemas.microsoft.com/office/mac/drawingml/2011/main" xmlns="" val="1"/>
               </a:ext>
             </a:extLst>
           </p:spPr>
@@ -15548,150 +15607,164 @@
           </p:spPr>
         </p:pic>
       </p:grpSp>
-      <p:grpSp>
-        <p:nvGrpSpPr>
-          <p:cNvPr id="20" name="Group 19"/>
-          <p:cNvGrpSpPr/>
+      <p:sp>
+        <p:nvSpPr>
+          <p:cNvPr id="67" name="Shape 34"/>
+          <p:cNvSpPr/>
           <p:nvPr/>
-        </p:nvGrpSpPr>
-        <p:grpSpPr>
+        </p:nvSpPr>
+        <p:spPr>
           <a:xfrm>
-            <a:off x="3089617" y="35379"/>
-            <a:ext cx="2926080" cy="2823997"/>
-            <a:chOff x="3105896" y="308780"/>
-            <a:chExt cx="2926080" cy="2823997"/>
+            <a:off x="3089617" y="237067"/>
+            <a:ext cx="2926080" cy="784462"/>
           </a:xfrm>
-        </p:grpSpPr>
-        <p:sp>
-          <p:nvSpPr>
-            <p:cNvPr id="67" name="Shape 34"/>
-            <p:cNvSpPr/>
-            <p:nvPr/>
-          </p:nvSpPr>
-          <p:spPr>
-            <a:xfrm>
-              <a:off x="3105896" y="510468"/>
-              <a:ext cx="2926080" cy="784462"/>
-            </a:xfrm>
-            <a:prstGeom prst="roundRect">
-              <a:avLst>
-                <a:gd name="adj" fmla="val 1194"/>
-              </a:avLst>
-            </a:prstGeom>
-            <a:solidFill>
-              <a:srgbClr val="F3F9FF"/>
-            </a:solidFill>
-            <a:ln w="12700">
-              <a:miter lim="400000"/>
-            </a:ln>
-          </p:spPr>
-          <p:txBody>
-            <a:bodyPr lIns="45720" tIns="45720" rIns="0" bIns="0" anchor="t"/>
-            <a:lstStyle/>
-            <a:p>
-              <a:pPr algn="l">
-                <a:lnSpc>
-                  <a:spcPct val="90000"/>
-                </a:lnSpc>
-                <a:spcBef>
-                  <a:spcPts val="165"/>
-                </a:spcBef>
-                <a:buSzPct val="100000"/>
-                <a:defRPr sz="1800"/>
-              </a:pPr>
-              <a:r>
-                <a:rPr lang="en-US" sz="800" dirty="0" smtClean="0">
-                  <a:latin typeface="Calibri Light" panose="020F0302020204030204" pitchFamily="34" charset="0"/>
-                  <a:ea typeface="Source Sans Pro Light"/>
-                  <a:cs typeface="Calibri Light" panose="020F0302020204030204" pitchFamily="34" charset="0"/>
-                  <a:sym typeface="Source Sans Pro Light"/>
-                </a:rPr>
-                <a:t>Separate summary statistics of </a:t>
-              </a:r>
-              <a:r>
-                <a:rPr lang="en-US" sz="800" b="1" dirty="0" err="1">
-                  <a:solidFill>
-                    <a:schemeClr val="tx1"/>
-                  </a:solidFill>
-                  <a:latin typeface="Calibri" panose="020F0502020204030204" pitchFamily="34" charset="0"/>
-                  <a:ea typeface="Source Sans Pro Light"/>
-                  <a:cs typeface="Calibri Light" panose="020F0302020204030204" pitchFamily="34" charset="0"/>
-                  <a:sym typeface="Source Sans Pro Light"/>
-                </a:rPr>
-                <a:t>qvar</a:t>
-              </a:r>
-              <a:r>
-                <a:rPr lang="en-US" sz="800" dirty="0">
-                  <a:solidFill>
-                    <a:schemeClr val="tx1"/>
-                  </a:solidFill>
-                  <a:latin typeface="Calibri Light" panose="020F0302020204030204" pitchFamily="34" charset="0"/>
-                  <a:ea typeface="Source Sans Pro Light"/>
-                  <a:cs typeface="Calibri Light" panose="020F0302020204030204" pitchFamily="34" charset="0"/>
-                  <a:sym typeface="Source Sans Pro Light"/>
-                </a:rPr>
-                <a:t> </a:t>
-              </a:r>
-              <a:r>
-                <a:rPr lang="en-US" sz="800" dirty="0" smtClean="0">
-                  <a:solidFill>
-                    <a:schemeClr val="tx1"/>
-                  </a:solidFill>
-                  <a:latin typeface="Calibri Light" panose="020F0302020204030204" pitchFamily="34" charset="0"/>
-                  <a:ea typeface="Source Sans Pro Light"/>
-                  <a:cs typeface="Calibri Light" panose="020F0302020204030204" pitchFamily="34" charset="0"/>
-                  <a:sym typeface="Source Sans Pro Light"/>
-                </a:rPr>
-                <a:t>by </a:t>
-              </a:r>
-              <a:r>
-                <a:rPr lang="en-US" sz="800" dirty="0">
-                  <a:solidFill>
-                    <a:schemeClr val="tx1"/>
-                  </a:solidFill>
-                  <a:latin typeface="Calibri Light" panose="020F0302020204030204" pitchFamily="34" charset="0"/>
-                  <a:ea typeface="Source Sans Pro Light"/>
-                  <a:cs typeface="Calibri Light" panose="020F0302020204030204" pitchFamily="34" charset="0"/>
-                  <a:sym typeface="Source Sans Pro Light"/>
-                </a:rPr>
-                <a:t>groups </a:t>
-              </a:r>
-              <a:r>
-                <a:rPr lang="en-US" sz="800" dirty="0" smtClean="0">
-                  <a:solidFill>
-                    <a:schemeClr val="tx1"/>
-                  </a:solidFill>
-                  <a:latin typeface="Calibri Light" panose="020F0302020204030204" pitchFamily="34" charset="0"/>
-                  <a:ea typeface="Source Sans Pro Light"/>
-                  <a:cs typeface="Calibri Light" panose="020F0302020204030204" pitchFamily="34" charset="0"/>
-                  <a:sym typeface="Source Sans Pro Light"/>
-                </a:rPr>
-                <a:t>in </a:t>
-              </a:r>
-              <a:r>
-                <a:rPr lang="en-US" sz="800" b="1" dirty="0" err="1" smtClean="0">
-                  <a:solidFill>
-                    <a:schemeClr val="tx1"/>
-                  </a:solidFill>
-                  <a:latin typeface="Calibri" panose="020F0502020204030204" pitchFamily="34" charset="0"/>
-                  <a:ea typeface="Source Sans Pro Light"/>
-                  <a:cs typeface="Calibri Light" panose="020F0302020204030204" pitchFamily="34" charset="0"/>
-                  <a:sym typeface="Source Sans Pro Light"/>
-                </a:rPr>
-                <a:t>cvar</a:t>
-              </a:r>
-              <a:r>
-                <a:rPr lang="en-US" sz="800" dirty="0" smtClean="0">
-                  <a:solidFill>
-                    <a:schemeClr val="tx1"/>
-                  </a:solidFill>
-                  <a:latin typeface="Calibri Light" panose="020F0302020204030204" pitchFamily="34" charset="0"/>
-                  <a:ea typeface="Source Sans Pro Light"/>
-                  <a:sym typeface="Source Sans Pro Light"/>
-                </a:rPr>
-                <a:t>.</a:t>
-              </a:r>
-              <a:endParaRPr lang="en-US" sz="800" dirty="0" smtClean="0">
+          <a:prstGeom prst="roundRect">
+            <a:avLst>
+              <a:gd name="adj" fmla="val 1194"/>
+            </a:avLst>
+          </a:prstGeom>
+          <a:solidFill>
+            <a:srgbClr val="F3F9FF"/>
+          </a:solidFill>
+          <a:ln w="12700">
+            <a:miter lim="400000"/>
+          </a:ln>
+        </p:spPr>
+        <p:txBody>
+          <a:bodyPr lIns="45720" tIns="45720" rIns="0" bIns="0" anchor="t"/>
+          <a:lstStyle/>
+          <a:p>
+            <a:pPr algn="l">
+              <a:lnSpc>
+                <a:spcPct val="90000"/>
+              </a:lnSpc>
+              <a:spcBef>
+                <a:spcPts val="165"/>
+              </a:spcBef>
+              <a:buSzPct val="100000"/>
+              <a:defRPr sz="1800"/>
+            </a:pPr>
+            <a:r>
+              <a:rPr lang="en-US" sz="800" dirty="0">
+                <a:latin typeface="Calibri Light" panose="020F0302020204030204" pitchFamily="34" charset="0"/>
+                <a:ea typeface="Source Sans Pro Light"/>
+                <a:cs typeface="Calibri Light" panose="020F0302020204030204" pitchFamily="34" charset="0"/>
+                <a:sym typeface="Source Sans Pro Light"/>
+              </a:rPr>
+              <a:t>Separate histograms by “adding” </a:t>
+            </a:r>
+            <a:r>
+              <a:rPr lang="en-US" sz="800" dirty="0" smtClean="0">
+                <a:latin typeface="Calibri Light" panose="020F0302020204030204" pitchFamily="34" charset="0"/>
+                <a:ea typeface="Source Sans Pro Light"/>
+                <a:cs typeface="Calibri Light" panose="020F0302020204030204" pitchFamily="34" charset="0"/>
+                <a:sym typeface="Source Sans Pro Light"/>
+              </a:rPr>
+              <a:t>(+) this </a:t>
+            </a:r>
+            <a:r>
+              <a:rPr lang="en-US" sz="800" dirty="0">
+                <a:latin typeface="Calibri Light" panose="020F0302020204030204" pitchFamily="34" charset="0"/>
+                <a:ea typeface="Source Sans Pro Light"/>
+                <a:cs typeface="Calibri Light" panose="020F0302020204030204" pitchFamily="34" charset="0"/>
+                <a:sym typeface="Source Sans Pro Light"/>
+              </a:rPr>
+              <a:t>to code for </a:t>
+            </a:r>
+            <a:r>
+              <a:rPr lang="en-US" sz="800" dirty="0" smtClean="0">
+                <a:latin typeface="Calibri Light" panose="020F0302020204030204" pitchFamily="34" charset="0"/>
+                <a:ea typeface="Source Sans Pro Light"/>
+                <a:cs typeface="Calibri Light" panose="020F0302020204030204" pitchFamily="34" charset="0"/>
+                <a:sym typeface="Source Sans Pro Light"/>
+              </a:rPr>
+              <a:t>single </a:t>
+            </a:r>
+            <a:r>
+              <a:rPr lang="en-US" sz="800" dirty="0">
+                <a:latin typeface="Calibri Light" panose="020F0302020204030204" pitchFamily="34" charset="0"/>
+                <a:ea typeface="Source Sans Pro Light"/>
+                <a:cs typeface="Calibri Light" panose="020F0302020204030204" pitchFamily="34" charset="0"/>
+                <a:sym typeface="Source Sans Pro Light"/>
+              </a:rPr>
+              <a:t>histogram</a:t>
+            </a:r>
+            <a:r>
+              <a:rPr lang="en-US" sz="800" dirty="0">
+                <a:latin typeface="Calibri Light" panose="020F0302020204030204" pitchFamily="34" charset="0"/>
+                <a:ea typeface="Source Sans Pro Light"/>
+                <a:sym typeface="Source Sans Pro Light"/>
+              </a:rPr>
+              <a:t>.</a:t>
+            </a:r>
+            <a:endParaRPr lang="en-US" sz="800" dirty="0">
+              <a:solidFill>
+                <a:srgbClr val="C00000"/>
+              </a:solidFill>
+              <a:latin typeface="Calibri" panose="020F0502020204030204" pitchFamily="34" charset="0"/>
+            </a:endParaRPr>
+          </a:p>
+          <a:p>
+            <a:pPr algn="l">
+              <a:lnSpc>
+                <a:spcPct val="90000"/>
+              </a:lnSpc>
+              <a:spcBef>
+                <a:spcPts val="165"/>
+              </a:spcBef>
+              <a:buSzPct val="100000"/>
+              <a:defRPr sz="1800"/>
+            </a:pPr>
+            <a:endParaRPr lang="en-US" sz="1400" dirty="0" smtClean="0">
+              <a:latin typeface="Calibri Light" panose="020F0302020204030204" pitchFamily="34" charset="0"/>
+              <a:ea typeface="Source Sans Pro Light"/>
+              <a:cs typeface="Calibri Light" panose="020F0302020204030204" pitchFamily="34" charset="0"/>
+              <a:sym typeface="Source Sans Pro Light"/>
+            </a:endParaRPr>
+          </a:p>
+          <a:p>
+            <a:pPr algn="l">
+              <a:lnSpc>
+                <a:spcPct val="90000"/>
+              </a:lnSpc>
+              <a:spcBef>
+                <a:spcPts val="165"/>
+              </a:spcBef>
+              <a:buSzPct val="100000"/>
+              <a:defRPr sz="1800"/>
+            </a:pPr>
+            <a:r>
+              <a:rPr lang="en-US" sz="800" dirty="0" smtClean="0">
+                <a:latin typeface="Calibri Light" panose="020F0302020204030204" pitchFamily="34" charset="0"/>
+                <a:ea typeface="Source Sans Pro Light"/>
+                <a:cs typeface="Calibri Light" panose="020F0302020204030204" pitchFamily="34" charset="0"/>
+                <a:sym typeface="Source Sans Pro Light"/>
+              </a:rPr>
+              <a:t>Separate </a:t>
+            </a:r>
+            <a:r>
+              <a:rPr lang="en-US" sz="800" dirty="0" smtClean="0">
+                <a:latin typeface="Calibri Light" panose="020F0302020204030204" pitchFamily="34" charset="0"/>
+                <a:ea typeface="Source Sans Pro Light"/>
+                <a:cs typeface="Calibri Light" panose="020F0302020204030204" pitchFamily="34" charset="0"/>
+                <a:sym typeface="Source Sans Pro Light"/>
+              </a:rPr>
+              <a:t>summary statistics of </a:t>
+            </a:r>
+            <a:r>
+              <a:rPr lang="en-US" sz="800" b="1" dirty="0" err="1">
+                <a:solidFill>
+                  <a:schemeClr val="tx1"/>
+                </a:solidFill>
+                <a:latin typeface="Calibri" panose="020F0502020204030204" pitchFamily="34" charset="0"/>
+                <a:ea typeface="Source Sans Pro Light"/>
+                <a:cs typeface="Calibri Light" panose="020F0302020204030204" pitchFamily="34" charset="0"/>
+                <a:sym typeface="Source Sans Pro Light"/>
+              </a:rPr>
+              <a:t>qvar</a:t>
+            </a:r>
+            <a:r>
+              <a:rPr lang="en-US" sz="800" dirty="0">
                 <a:solidFill>
                   <a:schemeClr val="tx1"/>
                 </a:solidFill>
@@ -15699,283 +15772,307 @@
                 <a:ea typeface="Source Sans Pro Light"/>
                 <a:cs typeface="Calibri Light" panose="020F0302020204030204" pitchFamily="34" charset="0"/>
                 <a:sym typeface="Source Sans Pro Light"/>
-              </a:endParaRPr>
-            </a:p>
-            <a:p>
-              <a:pPr algn="l">
-                <a:lnSpc>
-                  <a:spcPct val="90000"/>
-                </a:lnSpc>
-                <a:spcBef>
-                  <a:spcPts val="165"/>
-                </a:spcBef>
-                <a:buSzPct val="100000"/>
-                <a:defRPr sz="1800"/>
-              </a:pPr>
-              <a:endParaRPr lang="en-US" sz="1600" dirty="0" smtClean="0">
+              </a:rPr>
+              <a:t> </a:t>
+            </a:r>
+            <a:r>
+              <a:rPr lang="en-US" sz="800" dirty="0" smtClean="0">
+                <a:solidFill>
+                  <a:schemeClr val="tx1"/>
+                </a:solidFill>
                 <a:latin typeface="Calibri Light" panose="020F0302020204030204" pitchFamily="34" charset="0"/>
                 <a:ea typeface="Source Sans Pro Light"/>
                 <a:cs typeface="Calibri Light" panose="020F0302020204030204" pitchFamily="34" charset="0"/>
                 <a:sym typeface="Source Sans Pro Light"/>
-              </a:endParaRPr>
-            </a:p>
-            <a:p>
-              <a:pPr algn="l">
-                <a:lnSpc>
-                  <a:spcPct val="90000"/>
-                </a:lnSpc>
-                <a:spcBef>
-                  <a:spcPts val="165"/>
-                </a:spcBef>
-                <a:buSzPct val="100000"/>
-                <a:defRPr sz="1800"/>
-              </a:pPr>
-              <a:r>
-                <a:rPr lang="en-US" sz="800" dirty="0" smtClean="0">
-                  <a:latin typeface="Calibri Light" panose="020F0302020204030204" pitchFamily="34" charset="0"/>
-                  <a:ea typeface="Source Sans Pro Light"/>
-                  <a:cs typeface="Calibri Light" panose="020F0302020204030204" pitchFamily="34" charset="0"/>
-                  <a:sym typeface="Source Sans Pro Light"/>
-                </a:rPr>
-                <a:t>Separate histograms by “adding” this to code for a single histogram</a:t>
-              </a:r>
-              <a:r>
-                <a:rPr lang="en-US" sz="800" dirty="0" smtClean="0">
-                  <a:latin typeface="Calibri Light" panose="020F0302020204030204" pitchFamily="34" charset="0"/>
-                  <a:ea typeface="Source Sans Pro Light"/>
-                  <a:sym typeface="Source Sans Pro Light"/>
-                </a:rPr>
-                <a:t>.</a:t>
-              </a:r>
-              <a:endParaRPr lang="en-US" sz="800" dirty="0">
+              </a:rPr>
+              <a:t>by </a:t>
+            </a:r>
+            <a:r>
+              <a:rPr lang="en-US" sz="800" dirty="0">
                 <a:solidFill>
-                  <a:srgbClr val="C00000"/>
+                  <a:schemeClr val="tx1"/>
+                </a:solidFill>
+                <a:latin typeface="Calibri Light" panose="020F0302020204030204" pitchFamily="34" charset="0"/>
+                <a:ea typeface="Source Sans Pro Light"/>
+                <a:cs typeface="Calibri Light" panose="020F0302020204030204" pitchFamily="34" charset="0"/>
+                <a:sym typeface="Source Sans Pro Light"/>
+              </a:rPr>
+              <a:t>groups </a:t>
+            </a:r>
+            <a:r>
+              <a:rPr lang="en-US" sz="800" dirty="0" smtClean="0">
+                <a:solidFill>
+                  <a:schemeClr val="tx1"/>
+                </a:solidFill>
+                <a:latin typeface="Calibri Light" panose="020F0302020204030204" pitchFamily="34" charset="0"/>
+                <a:ea typeface="Source Sans Pro Light"/>
+                <a:cs typeface="Calibri Light" panose="020F0302020204030204" pitchFamily="34" charset="0"/>
+                <a:sym typeface="Source Sans Pro Light"/>
+              </a:rPr>
+              <a:t>in </a:t>
+            </a:r>
+            <a:r>
+              <a:rPr lang="en-US" sz="800" b="1" dirty="0" err="1" smtClean="0">
+                <a:solidFill>
+                  <a:schemeClr val="tx1"/>
                 </a:solidFill>
                 <a:latin typeface="Calibri" panose="020F0502020204030204" pitchFamily="34" charset="0"/>
-              </a:endParaRPr>
-            </a:p>
-          </p:txBody>
-        </p:sp>
-        <p:sp>
-          <p:nvSpPr>
-            <p:cNvPr id="73" name="Rectangle 72"/>
-            <p:cNvSpPr/>
-            <p:nvPr/>
-          </p:nvSpPr>
-          <p:spPr>
-            <a:xfrm>
-              <a:off x="3151616" y="700510"/>
-              <a:ext cx="2834640" cy="178510"/>
-            </a:xfrm>
-            <a:prstGeom prst="rect">
-              <a:avLst/>
-            </a:prstGeom>
-            <a:solidFill>
-              <a:schemeClr val="bg1"/>
-            </a:solidFill>
-            <a:ln w="12700" cap="flat">
-              <a:noFill/>
-              <a:miter lim="400000"/>
-            </a:ln>
-            <a:effectLst>
-              <a:outerShdw blurRad="38100" dist="25400" dir="5400000" rotWithShape="0">
-                <a:srgbClr val="000000">
-                  <a:alpha val="50000"/>
-                </a:srgbClr>
-              </a:outerShdw>
-            </a:effectLst>
-          </p:spPr>
-          <p:style>
-            <a:lnRef idx="0">
-              <a:scrgbClr r="0" g="0" b="0"/>
-            </a:lnRef>
-            <a:fillRef idx="0">
-              <a:scrgbClr r="0" g="0" b="0"/>
-            </a:fillRef>
-            <a:effectRef idx="0">
-              <a:scrgbClr r="0" g="0" b="0"/>
-            </a:effectRef>
-            <a:fontRef idx="none"/>
-          </p:style>
-          <p:txBody>
-            <a:bodyPr rot="0" spcFirstLastPara="1" vertOverflow="overflow" horzOverflow="overflow" vert="horz" wrap="square" lIns="27432" tIns="27432" rIns="27432" bIns="27432" numCol="1" spcCol="38100" rtlCol="0" anchor="ctr">
-              <a:spAutoFit/>
-            </a:bodyPr>
-            <a:lstStyle/>
-            <a:p>
-              <a:pPr algn="l" defTabSz="320174" rtl="0" latinLnBrk="1" hangingPunct="0"/>
-              <a:r>
-                <a:rPr lang="en-US" sz="800" dirty="0" smtClean="0">
-                  <a:solidFill>
-                    <a:schemeClr val="accent2">
-                      <a:lumMod val="50000"/>
-                    </a:schemeClr>
-                  </a:solidFill>
-                  <a:latin typeface="Calibri" panose="020F0502020204030204" pitchFamily="34" charset="0"/>
-                </a:rPr>
-                <a:t>Summarize(</a:t>
-              </a:r>
-              <a:r>
-                <a:rPr lang="en-US" sz="800" dirty="0" err="1" smtClean="0">
-                  <a:solidFill>
-                    <a:srgbClr val="C00000"/>
-                  </a:solidFill>
-                  <a:latin typeface="Calibri" panose="020F0502020204030204" pitchFamily="34" charset="0"/>
-                </a:rPr>
-                <a:t>qvar</a:t>
-              </a:r>
-              <a:r>
-                <a:rPr lang="en-US" sz="800" dirty="0" err="1" smtClean="0">
-                  <a:solidFill>
-                    <a:schemeClr val="accent2">
-                      <a:lumMod val="50000"/>
-                    </a:schemeClr>
-                  </a:solidFill>
-                  <a:latin typeface="Calibri" panose="020F0502020204030204" pitchFamily="34" charset="0"/>
-                </a:rPr>
-                <a:t>~</a:t>
-              </a:r>
-              <a:r>
-                <a:rPr lang="en-US" sz="800" dirty="0" err="1" smtClean="0">
-                  <a:solidFill>
-                    <a:srgbClr val="C00000"/>
-                  </a:solidFill>
-                  <a:latin typeface="Calibri" panose="020F0502020204030204" pitchFamily="34" charset="0"/>
-                </a:rPr>
-                <a:t>cvar</a:t>
-              </a:r>
-              <a:r>
-                <a:rPr lang="en-US" sz="800" dirty="0" err="1" smtClean="0">
-                  <a:solidFill>
-                    <a:schemeClr val="accent2">
-                      <a:lumMod val="50000"/>
-                    </a:schemeClr>
-                  </a:solidFill>
-                  <a:latin typeface="Calibri" panose="020F0502020204030204" pitchFamily="34" charset="0"/>
-                </a:rPr>
-                <a:t>,data</a:t>
-              </a:r>
-              <a:r>
-                <a:rPr lang="en-US" sz="800" dirty="0" smtClean="0">
-                  <a:solidFill>
-                    <a:schemeClr val="accent2">
-                      <a:lumMod val="50000"/>
-                    </a:schemeClr>
-                  </a:solidFill>
-                  <a:latin typeface="Calibri" panose="020F0502020204030204" pitchFamily="34" charset="0"/>
-                </a:rPr>
-                <a:t>=</a:t>
-              </a:r>
-              <a:r>
-                <a:rPr lang="en-US" sz="800" dirty="0" err="1" smtClean="0">
-                  <a:solidFill>
-                    <a:srgbClr val="C00000"/>
-                  </a:solidFill>
-                  <a:latin typeface="Calibri" panose="020F0502020204030204" pitchFamily="34" charset="0"/>
-                </a:rPr>
-                <a:t>dfobj</a:t>
-              </a:r>
-              <a:r>
-                <a:rPr lang="en-US" sz="800" dirty="0" err="1" smtClean="0">
-                  <a:solidFill>
-                    <a:schemeClr val="accent2">
-                      <a:lumMod val="50000"/>
-                    </a:schemeClr>
-                  </a:solidFill>
-                  <a:latin typeface="Calibri" panose="020F0502020204030204" pitchFamily="34" charset="0"/>
-                </a:rPr>
-                <a:t>,digits</a:t>
-              </a:r>
-              <a:r>
-                <a:rPr lang="en-US" sz="800" dirty="0" smtClean="0">
-                  <a:solidFill>
-                    <a:schemeClr val="accent2">
-                      <a:lumMod val="50000"/>
-                    </a:schemeClr>
-                  </a:solidFill>
-                  <a:latin typeface="Calibri" panose="020F0502020204030204" pitchFamily="34" charset="0"/>
-                </a:rPr>
-                <a:t>=</a:t>
-              </a:r>
-              <a:r>
-                <a:rPr lang="en-US" sz="800" dirty="0" smtClean="0">
-                  <a:solidFill>
-                    <a:srgbClr val="C00000"/>
-                  </a:solidFill>
-                  <a:latin typeface="Calibri" panose="020F0502020204030204" pitchFamily="34" charset="0"/>
-                </a:rPr>
-                <a:t>#</a:t>
-              </a:r>
-              <a:r>
-                <a:rPr lang="en-US" sz="800" dirty="0" smtClean="0">
-                  <a:solidFill>
-                    <a:schemeClr val="accent2">
-                      <a:lumMod val="50000"/>
-                    </a:schemeClr>
-                  </a:solidFill>
-                  <a:latin typeface="Calibri" panose="020F0502020204030204" pitchFamily="34" charset="0"/>
-                </a:rPr>
-                <a:t>)</a:t>
-              </a:r>
-              <a:endParaRPr lang="en-US" sz="800" dirty="0">
+                <a:ea typeface="Source Sans Pro Light"/>
+                <a:cs typeface="Calibri Light" panose="020F0302020204030204" pitchFamily="34" charset="0"/>
+                <a:sym typeface="Source Sans Pro Light"/>
+              </a:rPr>
+              <a:t>cvar</a:t>
+            </a:r>
+            <a:r>
+              <a:rPr lang="en-US" sz="800" dirty="0" smtClean="0">
+                <a:solidFill>
+                  <a:schemeClr val="tx1"/>
+                </a:solidFill>
+                <a:latin typeface="Calibri Light" panose="020F0302020204030204" pitchFamily="34" charset="0"/>
+                <a:ea typeface="Source Sans Pro Light"/>
+                <a:sym typeface="Source Sans Pro Light"/>
+              </a:rPr>
+              <a:t>.</a:t>
+            </a:r>
+            <a:endParaRPr lang="en-US" sz="800" dirty="0" smtClean="0">
+              <a:solidFill>
+                <a:schemeClr val="tx1"/>
+              </a:solidFill>
+              <a:latin typeface="Calibri Light" panose="020F0302020204030204" pitchFamily="34" charset="0"/>
+              <a:ea typeface="Source Sans Pro Light"/>
+              <a:cs typeface="Calibri Light" panose="020F0302020204030204" pitchFamily="34" charset="0"/>
+              <a:sym typeface="Source Sans Pro Light"/>
+            </a:endParaRPr>
+          </a:p>
+          <a:p>
+            <a:pPr algn="l">
+              <a:lnSpc>
+                <a:spcPct val="90000"/>
+              </a:lnSpc>
+              <a:spcBef>
+                <a:spcPts val="165"/>
+              </a:spcBef>
+              <a:buSzPct val="100000"/>
+              <a:defRPr sz="1800"/>
+            </a:pPr>
+            <a:endParaRPr lang="en-US" sz="1600" dirty="0" smtClean="0">
+              <a:latin typeface="Calibri Light" panose="020F0302020204030204" pitchFamily="34" charset="0"/>
+              <a:ea typeface="Source Sans Pro Light"/>
+              <a:cs typeface="Calibri Light" panose="020F0302020204030204" pitchFamily="34" charset="0"/>
+              <a:sym typeface="Source Sans Pro Light"/>
+            </a:endParaRPr>
+          </a:p>
+        </p:txBody>
+      </p:sp>
+      <p:sp>
+        <p:nvSpPr>
+          <p:cNvPr id="73" name="Rectangle 72"/>
+          <p:cNvSpPr/>
+          <p:nvPr/>
+        </p:nvSpPr>
+        <p:spPr>
+          <a:xfrm>
+            <a:off x="3135337" y="777343"/>
+            <a:ext cx="2834640" cy="178510"/>
+          </a:xfrm>
+          <a:prstGeom prst="rect">
+            <a:avLst/>
+          </a:prstGeom>
+          <a:solidFill>
+            <a:schemeClr val="bg1"/>
+          </a:solidFill>
+          <a:ln w="12700" cap="flat">
+            <a:noFill/>
+            <a:miter lim="400000"/>
+          </a:ln>
+          <a:effectLst>
+            <a:outerShdw blurRad="38100" dist="25400" dir="5400000" rotWithShape="0">
+              <a:srgbClr val="000000">
+                <a:alpha val="50000"/>
+              </a:srgbClr>
+            </a:outerShdw>
+          </a:effectLst>
+        </p:spPr>
+        <p:style>
+          <a:lnRef idx="0">
+            <a:scrgbClr r="0" g="0" b="0"/>
+          </a:lnRef>
+          <a:fillRef idx="0">
+            <a:scrgbClr r="0" g="0" b="0"/>
+          </a:fillRef>
+          <a:effectRef idx="0">
+            <a:scrgbClr r="0" g="0" b="0"/>
+          </a:effectRef>
+          <a:fontRef idx="none"/>
+        </p:style>
+        <p:txBody>
+          <a:bodyPr rot="0" spcFirstLastPara="1" vertOverflow="overflow" horzOverflow="overflow" vert="horz" wrap="square" lIns="27432" tIns="27432" rIns="27432" bIns="27432" numCol="1" spcCol="38100" rtlCol="0" anchor="ctr">
+            <a:spAutoFit/>
+          </a:bodyPr>
+          <a:lstStyle/>
+          <a:p>
+            <a:pPr algn="l" defTabSz="320174" rtl="0" latinLnBrk="1" hangingPunct="0"/>
+            <a:r>
+              <a:rPr lang="en-US" sz="800" dirty="0" smtClean="0">
                 <a:solidFill>
                   <a:schemeClr val="accent2">
                     <a:lumMod val="50000"/>
                   </a:schemeClr>
                 </a:solidFill>
                 <a:latin typeface="Calibri" panose="020F0502020204030204" pitchFamily="34" charset="0"/>
-              </a:endParaRPr>
-            </a:p>
-          </p:txBody>
-        </p:sp>
-        <p:sp>
-          <p:nvSpPr>
-            <p:cNvPr id="75" name="Shape 38"/>
-            <p:cNvSpPr/>
-            <p:nvPr/>
-          </p:nvSpPr>
-          <p:spPr>
-            <a:xfrm>
-              <a:off x="3105896" y="308780"/>
-              <a:ext cx="2926080" cy="228600"/>
-            </a:xfrm>
-            <a:prstGeom prst="roundRect">
-              <a:avLst>
-                <a:gd name="adj" fmla="val 20098"/>
-              </a:avLst>
-            </a:prstGeom>
-            <a:solidFill>
-              <a:srgbClr val="A6AAA9"/>
-            </a:solidFill>
-            <a:ln w="12700">
-              <a:miter lim="400000"/>
-            </a:ln>
-            <a:extLst>
-              <a:ext uri="{C572A759-6A51-4108-AA02-DFA0A04FC94B}">
-                <ma14:wrappingTextBoxFlag xmlns="" xmlns:ma14="http://schemas.microsoft.com/office/mac/drawingml/2011/main" val="1"/>
-              </a:ext>
-            </a:extLst>
-          </p:spPr>
-          <p:txBody>
-            <a:bodyPr lIns="0" tIns="0" rIns="0" bIns="0" anchor="ctr"/>
-            <a:lstStyle/>
-            <a:p>
-              <a:pPr lvl="1" indent="0">
-                <a:defRPr sz="1800"/>
-              </a:pPr>
-              <a:r>
-                <a:rPr lang="en-US" sz="1400" b="1" dirty="0" smtClean="0">
-                  <a:solidFill>
-                    <a:schemeClr val="tx1"/>
-                  </a:solidFill>
-                  <a:latin typeface="Source Sans Pro"/>
-                  <a:ea typeface="Source Sans Pro"/>
-                  <a:cs typeface="Source Sans Pro"/>
-                  <a:sym typeface="Source Sans Pro"/>
-                </a:rPr>
-                <a:t>Univariate EDA – Quant by Groups</a:t>
-              </a:r>
-              <a:endParaRPr sz="1400" b="1" dirty="0">
+              </a:rPr>
+              <a:t>Summarize(</a:t>
+            </a:r>
+            <a:r>
+              <a:rPr lang="en-US" sz="800" dirty="0" err="1" smtClean="0">
+                <a:solidFill>
+                  <a:srgbClr val="C00000"/>
+                </a:solidFill>
+                <a:latin typeface="Calibri" panose="020F0502020204030204" pitchFamily="34" charset="0"/>
+              </a:rPr>
+              <a:t>qvar</a:t>
+            </a:r>
+            <a:r>
+              <a:rPr lang="en-US" sz="800" dirty="0" err="1" smtClean="0">
+                <a:solidFill>
+                  <a:schemeClr val="accent2">
+                    <a:lumMod val="50000"/>
+                  </a:schemeClr>
+                </a:solidFill>
+                <a:latin typeface="Calibri" panose="020F0502020204030204" pitchFamily="34" charset="0"/>
+              </a:rPr>
+              <a:t>~</a:t>
+            </a:r>
+            <a:r>
+              <a:rPr lang="en-US" sz="800" dirty="0" err="1" smtClean="0">
+                <a:solidFill>
+                  <a:srgbClr val="C00000"/>
+                </a:solidFill>
+                <a:latin typeface="Calibri" panose="020F0502020204030204" pitchFamily="34" charset="0"/>
+              </a:rPr>
+              <a:t>cvar</a:t>
+            </a:r>
+            <a:r>
+              <a:rPr lang="en-US" sz="800" dirty="0" err="1" smtClean="0">
+                <a:solidFill>
+                  <a:schemeClr val="accent2">
+                    <a:lumMod val="50000"/>
+                  </a:schemeClr>
+                </a:solidFill>
+                <a:latin typeface="Calibri" panose="020F0502020204030204" pitchFamily="34" charset="0"/>
+              </a:rPr>
+              <a:t>,data</a:t>
+            </a:r>
+            <a:r>
+              <a:rPr lang="en-US" sz="800" dirty="0" smtClean="0">
+                <a:solidFill>
+                  <a:schemeClr val="accent2">
+                    <a:lumMod val="50000"/>
+                  </a:schemeClr>
+                </a:solidFill>
+                <a:latin typeface="Calibri" panose="020F0502020204030204" pitchFamily="34" charset="0"/>
+              </a:rPr>
+              <a:t>=</a:t>
+            </a:r>
+            <a:r>
+              <a:rPr lang="en-US" sz="800" dirty="0" err="1" smtClean="0">
+                <a:solidFill>
+                  <a:srgbClr val="C00000"/>
+                </a:solidFill>
+                <a:latin typeface="Calibri" panose="020F0502020204030204" pitchFamily="34" charset="0"/>
+              </a:rPr>
+              <a:t>dfobj</a:t>
+            </a:r>
+            <a:r>
+              <a:rPr lang="en-US" sz="800" dirty="0" err="1" smtClean="0">
+                <a:solidFill>
+                  <a:schemeClr val="accent2">
+                    <a:lumMod val="50000"/>
+                  </a:schemeClr>
+                </a:solidFill>
+                <a:latin typeface="Calibri" panose="020F0502020204030204" pitchFamily="34" charset="0"/>
+              </a:rPr>
+              <a:t>,digits</a:t>
+            </a:r>
+            <a:r>
+              <a:rPr lang="en-US" sz="800" dirty="0" smtClean="0">
+                <a:solidFill>
+                  <a:schemeClr val="accent2">
+                    <a:lumMod val="50000"/>
+                  </a:schemeClr>
+                </a:solidFill>
+                <a:latin typeface="Calibri" panose="020F0502020204030204" pitchFamily="34" charset="0"/>
+              </a:rPr>
+              <a:t>=</a:t>
+            </a:r>
+            <a:r>
+              <a:rPr lang="en-US" sz="800" dirty="0" smtClean="0">
+                <a:solidFill>
+                  <a:srgbClr val="C00000"/>
+                </a:solidFill>
+                <a:latin typeface="Calibri" panose="020F0502020204030204" pitchFamily="34" charset="0"/>
+              </a:rPr>
+              <a:t>#</a:t>
+            </a:r>
+            <a:r>
+              <a:rPr lang="en-US" sz="800" dirty="0" smtClean="0">
+                <a:solidFill>
+                  <a:schemeClr val="accent2">
+                    <a:lumMod val="50000"/>
+                  </a:schemeClr>
+                </a:solidFill>
+                <a:latin typeface="Calibri" panose="020F0502020204030204" pitchFamily="34" charset="0"/>
+              </a:rPr>
+              <a:t>)</a:t>
+            </a:r>
+            <a:endParaRPr lang="en-US" sz="800" dirty="0">
+              <a:solidFill>
+                <a:schemeClr val="accent2">
+                  <a:lumMod val="50000"/>
+                </a:schemeClr>
+              </a:solidFill>
+              <a:latin typeface="Calibri" panose="020F0502020204030204" pitchFamily="34" charset="0"/>
+            </a:endParaRPr>
+          </a:p>
+        </p:txBody>
+      </p:sp>
+      <p:sp>
+        <p:nvSpPr>
+          <p:cNvPr id="75" name="Shape 38"/>
+          <p:cNvSpPr/>
+          <p:nvPr/>
+        </p:nvSpPr>
+        <p:spPr>
+          <a:xfrm>
+            <a:off x="3089617" y="35379"/>
+            <a:ext cx="2926080" cy="228600"/>
+          </a:xfrm>
+          <a:prstGeom prst="roundRect">
+            <a:avLst>
+              <a:gd name="adj" fmla="val 20098"/>
+            </a:avLst>
+          </a:prstGeom>
+          <a:solidFill>
+            <a:srgbClr val="A6AAA9"/>
+          </a:solidFill>
+          <a:ln w="12700">
+            <a:miter lim="400000"/>
+          </a:ln>
+          <a:extLst>
+            <a:ext uri="{C572A759-6A51-4108-AA02-DFA0A04FC94B}">
+              <ma14:wrappingTextBoxFlag xmlns:ma14="http://schemas.microsoft.com/office/mac/drawingml/2011/main" xmlns="" val="1"/>
+            </a:ext>
+          </a:extLst>
+        </p:spPr>
+        <p:txBody>
+          <a:bodyPr lIns="0" tIns="0" rIns="0" bIns="0" anchor="ctr"/>
+          <a:lstStyle/>
+          <a:p>
+            <a:pPr lvl="1" indent="0">
+              <a:defRPr sz="1800"/>
+            </a:pPr>
+            <a:r>
+              <a:rPr lang="en-US" sz="1400" b="1" dirty="0" smtClean="0">
                 <a:solidFill>
                   <a:schemeClr val="tx1"/>
                 </a:solidFill>
@@ -15983,1075 +16080,168 @@
                 <a:ea typeface="Source Sans Pro"/>
                 <a:cs typeface="Source Sans Pro"/>
                 <a:sym typeface="Source Sans Pro"/>
-              </a:endParaRPr>
-            </a:p>
-          </p:txBody>
-        </p:sp>
-        <p:sp>
-          <p:nvSpPr>
-            <p:cNvPr id="76" name="Rectangle 75"/>
-            <p:cNvSpPr/>
-            <p:nvPr/>
-          </p:nvSpPr>
-          <p:spPr>
-            <a:xfrm>
-              <a:off x="3151616" y="1071790"/>
-              <a:ext cx="2834640" cy="178510"/>
-            </a:xfrm>
-            <a:prstGeom prst="rect">
-              <a:avLst/>
-            </a:prstGeom>
-            <a:solidFill>
-              <a:schemeClr val="bg1"/>
-            </a:solidFill>
-            <a:ln w="12700" cap="flat">
-              <a:noFill/>
-              <a:miter lim="400000"/>
-            </a:ln>
-            <a:effectLst>
-              <a:outerShdw blurRad="38100" dist="25400" dir="5400000" rotWithShape="0">
-                <a:srgbClr val="000000">
-                  <a:alpha val="50000"/>
-                </a:srgbClr>
-              </a:outerShdw>
-            </a:effectLst>
-          </p:spPr>
-          <p:style>
-            <a:lnRef idx="0">
-              <a:scrgbClr r="0" g="0" b="0"/>
-            </a:lnRef>
-            <a:fillRef idx="0">
-              <a:scrgbClr r="0" g="0" b="0"/>
-            </a:fillRef>
-            <a:effectRef idx="0">
-              <a:scrgbClr r="0" g="0" b="0"/>
-            </a:effectRef>
-            <a:fontRef idx="none"/>
-          </p:style>
-          <p:txBody>
-            <a:bodyPr rot="0" spcFirstLastPara="1" vertOverflow="overflow" horzOverflow="overflow" vert="horz" wrap="square" lIns="27432" tIns="27432" rIns="27432" bIns="27432" numCol="1" spcCol="38100" rtlCol="0" anchor="ctr">
-              <a:spAutoFit/>
-            </a:bodyPr>
-            <a:lstStyle/>
-            <a:p>
-              <a:pPr algn="l" defTabSz="320174" rtl="0" latinLnBrk="1" hangingPunct="0"/>
-              <a:r>
-                <a:rPr lang="en-US" sz="800" dirty="0" err="1" smtClean="0">
-                  <a:solidFill>
-                    <a:schemeClr val="accent2">
-                      <a:lumMod val="50000"/>
-                    </a:schemeClr>
-                  </a:solidFill>
-                  <a:latin typeface="Calibri" panose="020F0502020204030204" pitchFamily="34" charset="0"/>
-                </a:rPr>
-                <a:t>facet_wrap</a:t>
-              </a:r>
-              <a:r>
-                <a:rPr lang="en-US" sz="800" dirty="0" smtClean="0">
-                  <a:solidFill>
-                    <a:schemeClr val="accent2">
-                      <a:lumMod val="50000"/>
-                    </a:schemeClr>
-                  </a:solidFill>
-                  <a:latin typeface="Calibri" panose="020F0502020204030204" pitchFamily="34" charset="0"/>
-                </a:rPr>
-                <a:t>(</a:t>
-              </a:r>
-              <a:r>
-                <a:rPr lang="en-US" sz="800" dirty="0" err="1" smtClean="0">
-                  <a:solidFill>
-                    <a:schemeClr val="accent2">
-                      <a:lumMod val="50000"/>
-                    </a:schemeClr>
-                  </a:solidFill>
-                  <a:latin typeface="Calibri" panose="020F0502020204030204" pitchFamily="34" charset="0"/>
-                </a:rPr>
-                <a:t>vars</a:t>
-              </a:r>
-              <a:r>
-                <a:rPr lang="en-US" sz="800" dirty="0" smtClean="0">
-                  <a:solidFill>
-                    <a:schemeClr val="accent2">
-                      <a:lumMod val="50000"/>
-                    </a:schemeClr>
-                  </a:solidFill>
-                  <a:latin typeface="Calibri" panose="020F0502020204030204" pitchFamily="34" charset="0"/>
-                </a:rPr>
-                <a:t>(</a:t>
-              </a:r>
-              <a:r>
-                <a:rPr lang="en-US" sz="800" dirty="0" err="1" smtClean="0">
-                  <a:solidFill>
-                    <a:srgbClr val="C00000"/>
-                  </a:solidFill>
-                  <a:latin typeface="Calibri" panose="020F0502020204030204" pitchFamily="34" charset="0"/>
-                </a:rPr>
-                <a:t>cvar</a:t>
-              </a:r>
-              <a:r>
-                <a:rPr lang="en-US" sz="800" dirty="0" smtClean="0">
-                  <a:solidFill>
-                    <a:schemeClr val="accent2">
-                      <a:lumMod val="50000"/>
-                    </a:schemeClr>
-                  </a:solidFill>
-                  <a:latin typeface="Calibri" panose="020F0502020204030204" pitchFamily="34" charset="0"/>
-                </a:rPr>
-                <a:t>))</a:t>
-              </a:r>
-              <a:endParaRPr lang="en-US" sz="800" dirty="0">
+              </a:rPr>
+              <a:t>Univariate EDA – Quant by Groups</a:t>
+            </a:r>
+            <a:endParaRPr sz="1400" b="1" dirty="0">
+              <a:solidFill>
+                <a:schemeClr val="tx1"/>
+              </a:solidFill>
+              <a:latin typeface="Source Sans Pro"/>
+              <a:ea typeface="Source Sans Pro"/>
+              <a:cs typeface="Source Sans Pro"/>
+              <a:sym typeface="Source Sans Pro"/>
+            </a:endParaRPr>
+          </a:p>
+        </p:txBody>
+      </p:sp>
+      <p:sp>
+        <p:nvSpPr>
+          <p:cNvPr id="76" name="Rectangle 75"/>
+          <p:cNvSpPr/>
+          <p:nvPr/>
+        </p:nvSpPr>
+        <p:spPr>
+          <a:xfrm>
+            <a:off x="3135337" y="414561"/>
+            <a:ext cx="2834640" cy="178510"/>
+          </a:xfrm>
+          <a:prstGeom prst="rect">
+            <a:avLst/>
+          </a:prstGeom>
+          <a:solidFill>
+            <a:schemeClr val="bg1"/>
+          </a:solidFill>
+          <a:ln w="12700" cap="flat">
+            <a:noFill/>
+            <a:miter lim="400000"/>
+          </a:ln>
+          <a:effectLst>
+            <a:outerShdw blurRad="38100" dist="25400" dir="5400000" rotWithShape="0">
+              <a:srgbClr val="000000">
+                <a:alpha val="50000"/>
+              </a:srgbClr>
+            </a:outerShdw>
+          </a:effectLst>
+        </p:spPr>
+        <p:style>
+          <a:lnRef idx="0">
+            <a:scrgbClr r="0" g="0" b="0"/>
+          </a:lnRef>
+          <a:fillRef idx="0">
+            <a:scrgbClr r="0" g="0" b="0"/>
+          </a:fillRef>
+          <a:effectRef idx="0">
+            <a:scrgbClr r="0" g="0" b="0"/>
+          </a:effectRef>
+          <a:fontRef idx="none"/>
+        </p:style>
+        <p:txBody>
+          <a:bodyPr rot="0" spcFirstLastPara="1" vertOverflow="overflow" horzOverflow="overflow" vert="horz" wrap="square" lIns="27432" tIns="27432" rIns="27432" bIns="27432" numCol="1" spcCol="38100" rtlCol="0" anchor="ctr">
+            <a:spAutoFit/>
+          </a:bodyPr>
+          <a:lstStyle/>
+          <a:p>
+            <a:pPr algn="l" defTabSz="320174" rtl="0" latinLnBrk="1" hangingPunct="0"/>
+            <a:r>
+              <a:rPr lang="en-US" sz="800" dirty="0" err="1" smtClean="0">
                 <a:solidFill>
                   <a:schemeClr val="accent2">
                     <a:lumMod val="50000"/>
                   </a:schemeClr>
                 </a:solidFill>
                 <a:latin typeface="Calibri" panose="020F0502020204030204" pitchFamily="34" charset="0"/>
-              </a:endParaRPr>
-            </a:p>
-          </p:txBody>
-        </p:sp>
-        <p:grpSp>
-          <p:nvGrpSpPr>
-            <p:cNvPr id="12" name="Group 11"/>
-            <p:cNvGrpSpPr/>
-            <p:nvPr/>
-          </p:nvGrpSpPr>
-          <p:grpSpPr>
-            <a:xfrm>
-              <a:off x="3105896" y="1274437"/>
-              <a:ext cx="2926080" cy="1858340"/>
-              <a:chOff x="3105896" y="1513702"/>
-              <a:chExt cx="2926080" cy="1858340"/>
-            </a:xfrm>
-          </p:grpSpPr>
-          <p:sp>
-            <p:nvSpPr>
-              <p:cNvPr id="66" name="Shape 34"/>
-              <p:cNvSpPr/>
-              <p:nvPr/>
-            </p:nvSpPr>
-            <p:spPr>
-              <a:xfrm>
-                <a:off x="3105896" y="1513702"/>
-                <a:ext cx="2926080" cy="1858340"/>
-              </a:xfrm>
-              <a:prstGeom prst="roundRect">
-                <a:avLst>
-                  <a:gd name="adj" fmla="val 1194"/>
-                </a:avLst>
-              </a:prstGeom>
+              </a:rPr>
+              <a:t>facet_wrap</a:t>
+            </a:r>
+            <a:r>
+              <a:rPr lang="en-US" sz="800" dirty="0" smtClean="0">
+                <a:solidFill>
+                  <a:schemeClr val="accent2">
+                    <a:lumMod val="50000"/>
+                  </a:schemeClr>
+                </a:solidFill>
+                <a:latin typeface="Calibri" panose="020F0502020204030204" pitchFamily="34" charset="0"/>
+              </a:rPr>
+              <a:t>(</a:t>
+            </a:r>
+            <a:r>
+              <a:rPr lang="en-US" sz="800" dirty="0" err="1" smtClean="0">
+                <a:solidFill>
+                  <a:schemeClr val="accent2">
+                    <a:lumMod val="50000"/>
+                  </a:schemeClr>
+                </a:solidFill>
+                <a:latin typeface="Calibri" panose="020F0502020204030204" pitchFamily="34" charset="0"/>
+              </a:rPr>
+              <a:t>vars</a:t>
+            </a:r>
+            <a:r>
+              <a:rPr lang="en-US" sz="800" dirty="0" smtClean="0">
+                <a:solidFill>
+                  <a:schemeClr val="accent2">
+                    <a:lumMod val="50000"/>
+                  </a:schemeClr>
+                </a:solidFill>
+                <a:latin typeface="Calibri" panose="020F0502020204030204" pitchFamily="34" charset="0"/>
+              </a:rPr>
+              <a:t>(</a:t>
+            </a:r>
+            <a:r>
+              <a:rPr lang="en-US" sz="800" dirty="0" err="1" smtClean="0">
+                <a:solidFill>
+                  <a:srgbClr val="C00000"/>
+                </a:solidFill>
+                <a:latin typeface="Calibri" panose="020F0502020204030204" pitchFamily="34" charset="0"/>
+              </a:rPr>
+              <a:t>cvar</a:t>
+            </a:r>
+            <a:r>
+              <a:rPr lang="en-US" sz="800" dirty="0" smtClean="0">
+                <a:solidFill>
+                  <a:schemeClr val="accent2">
+                    <a:lumMod val="50000"/>
+                  </a:schemeClr>
+                </a:solidFill>
+                <a:latin typeface="Calibri" panose="020F0502020204030204" pitchFamily="34" charset="0"/>
+              </a:rPr>
+              <a:t>))</a:t>
+            </a:r>
+            <a:endParaRPr lang="en-US" sz="800" dirty="0">
               <a:solidFill>
-                <a:srgbClr val="FCFAEE"/>
+                <a:schemeClr val="accent2">
+                  <a:lumMod val="50000"/>
+                </a:schemeClr>
               </a:solidFill>
-              <a:ln w="12700">
-                <a:miter lim="400000"/>
-              </a:ln>
-            </p:spPr>
-            <p:txBody>
-              <a:bodyPr lIns="45720" tIns="45720" rIns="0" bIns="0" anchor="t">
-                <a:noAutofit/>
-              </a:bodyPr>
-              <a:lstStyle/>
-              <a:p>
-                <a:pPr algn="l" latinLnBrk="1"/>
-                <a:r>
-                  <a:rPr lang="en-US" sz="600" dirty="0" smtClean="0">
-                    <a:latin typeface="Courier New" panose="02070309020205020404" pitchFamily="49" charset="0"/>
-                    <a:cs typeface="Courier New" panose="02070309020205020404" pitchFamily="49" charset="0"/>
-                  </a:rPr>
-                  <a:t>&gt; </a:t>
-                </a:r>
-                <a:r>
-                  <a:rPr lang="en-US" sz="600" b="1" dirty="0" smtClean="0">
-                    <a:solidFill>
-                      <a:schemeClr val="accent2">
-                        <a:lumMod val="50000"/>
-                      </a:schemeClr>
-                    </a:solidFill>
-                    <a:latin typeface="Courier New" panose="02070309020205020404" pitchFamily="49" charset="0"/>
-                    <a:cs typeface="Courier New" panose="02070309020205020404" pitchFamily="49" charset="0"/>
-                  </a:rPr>
-                  <a:t>Summarize(</a:t>
-                </a:r>
-                <a:r>
-                  <a:rPr lang="en-US" sz="600" b="1" dirty="0" err="1" smtClean="0">
-                    <a:solidFill>
-                      <a:srgbClr val="C00000"/>
-                    </a:solidFill>
-                    <a:latin typeface="Courier New" panose="02070309020205020404" pitchFamily="49" charset="0"/>
-                    <a:cs typeface="Courier New" panose="02070309020205020404" pitchFamily="49" charset="0"/>
-                  </a:rPr>
-                  <a:t>HMPG</a:t>
-                </a:r>
-                <a:r>
-                  <a:rPr lang="en-US" sz="600" b="1" dirty="0" err="1" smtClean="0">
-                    <a:solidFill>
-                      <a:schemeClr val="accent2">
-                        <a:lumMod val="50000"/>
-                      </a:schemeClr>
-                    </a:solidFill>
-                    <a:latin typeface="Courier New" panose="02070309020205020404" pitchFamily="49" charset="0"/>
-                    <a:cs typeface="Courier New" panose="02070309020205020404" pitchFamily="49" charset="0"/>
-                  </a:rPr>
-                  <a:t>~</a:t>
-                </a:r>
-                <a:r>
-                  <a:rPr lang="en-US" sz="600" b="1" dirty="0" err="1" smtClean="0">
-                    <a:solidFill>
-                      <a:srgbClr val="C00000"/>
-                    </a:solidFill>
-                    <a:latin typeface="Courier New" panose="02070309020205020404" pitchFamily="49" charset="0"/>
-                    <a:cs typeface="Courier New" panose="02070309020205020404" pitchFamily="49" charset="0"/>
-                  </a:rPr>
-                  <a:t>Domestic</a:t>
-                </a:r>
-                <a:r>
-                  <a:rPr lang="en-US" sz="600" b="1" dirty="0" err="1" smtClean="0">
-                    <a:solidFill>
-                      <a:schemeClr val="accent2">
-                        <a:lumMod val="50000"/>
-                      </a:schemeClr>
-                    </a:solidFill>
-                    <a:latin typeface="Courier New" panose="02070309020205020404" pitchFamily="49" charset="0"/>
-                    <a:cs typeface="Courier New" panose="02070309020205020404" pitchFamily="49" charset="0"/>
-                  </a:rPr>
-                  <a:t>,data</a:t>
-                </a:r>
-                <a:r>
-                  <a:rPr lang="en-US" sz="600" b="1" dirty="0" smtClean="0">
-                    <a:solidFill>
-                      <a:schemeClr val="accent2">
-                        <a:lumMod val="50000"/>
-                      </a:schemeClr>
-                    </a:solidFill>
-                    <a:latin typeface="Courier New" panose="02070309020205020404" pitchFamily="49" charset="0"/>
-                    <a:cs typeface="Courier New" panose="02070309020205020404" pitchFamily="49" charset="0"/>
-                  </a:rPr>
-                  <a:t>=</a:t>
-                </a:r>
-                <a:r>
-                  <a:rPr lang="en-US" sz="600" b="1" dirty="0" err="1" smtClean="0">
-                    <a:solidFill>
-                      <a:srgbClr val="C00000"/>
-                    </a:solidFill>
-                    <a:latin typeface="Courier New" panose="02070309020205020404" pitchFamily="49" charset="0"/>
-                    <a:cs typeface="Courier New" panose="02070309020205020404" pitchFamily="49" charset="0"/>
-                  </a:rPr>
-                  <a:t>dfcar</a:t>
-                </a:r>
-                <a:r>
-                  <a:rPr lang="en-US" sz="600" b="1" dirty="0" err="1" smtClean="0">
-                    <a:solidFill>
-                      <a:schemeClr val="accent2">
-                        <a:lumMod val="50000"/>
-                      </a:schemeClr>
-                    </a:solidFill>
-                    <a:latin typeface="Courier New" panose="02070309020205020404" pitchFamily="49" charset="0"/>
-                    <a:cs typeface="Courier New" panose="02070309020205020404" pitchFamily="49" charset="0"/>
-                  </a:rPr>
-                  <a:t>,digits</a:t>
-                </a:r>
-                <a:r>
-                  <a:rPr lang="en-US" sz="600" b="1" dirty="0" smtClean="0">
-                    <a:solidFill>
-                      <a:schemeClr val="accent2">
-                        <a:lumMod val="50000"/>
-                      </a:schemeClr>
-                    </a:solidFill>
-                    <a:latin typeface="Courier New" panose="02070309020205020404" pitchFamily="49" charset="0"/>
-                    <a:cs typeface="Courier New" panose="02070309020205020404" pitchFamily="49" charset="0"/>
-                  </a:rPr>
-                  <a:t>=</a:t>
-                </a:r>
-                <a:r>
-                  <a:rPr lang="en-US" sz="600" b="1" dirty="0" smtClean="0">
-                    <a:solidFill>
-                      <a:srgbClr val="C00000"/>
-                    </a:solidFill>
-                    <a:latin typeface="Courier New" panose="02070309020205020404" pitchFamily="49" charset="0"/>
-                    <a:cs typeface="Courier New" panose="02070309020205020404" pitchFamily="49" charset="0"/>
-                  </a:rPr>
-                  <a:t>1</a:t>
-                </a:r>
-                <a:r>
-                  <a:rPr lang="en-US" sz="600" b="1" dirty="0">
-                    <a:solidFill>
-                      <a:schemeClr val="accent2">
-                        <a:lumMod val="50000"/>
-                      </a:schemeClr>
-                    </a:solidFill>
-                    <a:latin typeface="Courier New" panose="02070309020205020404" pitchFamily="49" charset="0"/>
-                    <a:cs typeface="Courier New" panose="02070309020205020404" pitchFamily="49" charset="0"/>
-                  </a:rPr>
-                  <a:t>)</a:t>
-                </a:r>
-              </a:p>
-              <a:p>
-                <a:pPr algn="l" latinLnBrk="1"/>
-                <a:r>
-                  <a:rPr lang="en-US" sz="600" dirty="0">
-                    <a:latin typeface="Courier New" panose="02070309020205020404" pitchFamily="49" charset="0"/>
-                    <a:cs typeface="Courier New" panose="02070309020205020404" pitchFamily="49" charset="0"/>
-                  </a:rPr>
-                  <a:t>   Domestic  n mean  </a:t>
-                </a:r>
-                <a:r>
-                  <a:rPr lang="en-US" sz="600" dirty="0" err="1">
-                    <a:latin typeface="Courier New" panose="02070309020205020404" pitchFamily="49" charset="0"/>
-                    <a:cs typeface="Courier New" panose="02070309020205020404" pitchFamily="49" charset="0"/>
-                  </a:rPr>
-                  <a:t>sd</a:t>
-                </a:r>
-                <a:r>
-                  <a:rPr lang="en-US" sz="600" dirty="0">
-                    <a:latin typeface="Courier New" panose="02070309020205020404" pitchFamily="49" charset="0"/>
-                    <a:cs typeface="Courier New" panose="02070309020205020404" pitchFamily="49" charset="0"/>
-                  </a:rPr>
-                  <a:t> min Q1 median Q3 max</a:t>
-                </a:r>
-                <a:br>
-                  <a:rPr lang="en-US" sz="600" dirty="0">
-                    <a:latin typeface="Courier New" panose="02070309020205020404" pitchFamily="49" charset="0"/>
-                    <a:cs typeface="Courier New" panose="02070309020205020404" pitchFamily="49" charset="0"/>
-                  </a:rPr>
-                </a:br>
-                <a:r>
-                  <a:rPr lang="en-US" sz="600" dirty="0">
-                    <a:latin typeface="Courier New" panose="02070309020205020404" pitchFamily="49" charset="0"/>
-                    <a:cs typeface="Courier New" panose="02070309020205020404" pitchFamily="49" charset="0"/>
-                  </a:rPr>
-                  <a:t> 1       No 45 30.1 6.2  21 25     30 33  50</a:t>
-                </a:r>
-                <a:br>
-                  <a:rPr lang="en-US" sz="600" dirty="0">
-                    <a:latin typeface="Courier New" panose="02070309020205020404" pitchFamily="49" charset="0"/>
-                    <a:cs typeface="Courier New" panose="02070309020205020404" pitchFamily="49" charset="0"/>
-                  </a:rPr>
-                </a:br>
-                <a:r>
-                  <a:rPr lang="en-US" sz="600" dirty="0">
-                    <a:latin typeface="Courier New" panose="02070309020205020404" pitchFamily="49" charset="0"/>
-                    <a:cs typeface="Courier New" panose="02070309020205020404" pitchFamily="49" charset="0"/>
-                  </a:rPr>
-                  <a:t> 2      Yes 48 28.1 4.2  20 26     28 30  </a:t>
-                </a:r>
-                <a:r>
-                  <a:rPr lang="en-US" sz="600" dirty="0" smtClean="0">
-                    <a:latin typeface="Courier New" panose="02070309020205020404" pitchFamily="49" charset="0"/>
-                    <a:cs typeface="Courier New" panose="02070309020205020404" pitchFamily="49" charset="0"/>
-                  </a:rPr>
-                  <a:t>41</a:t>
-                </a:r>
-              </a:p>
-              <a:p>
-                <a:pPr algn="l"/>
-                <a:r>
-                  <a:rPr lang="en-US" sz="600" dirty="0">
-                    <a:latin typeface="Courier New" panose="02070309020205020404" pitchFamily="49" charset="0"/>
-                    <a:cs typeface="Courier New" panose="02070309020205020404" pitchFamily="49" charset="0"/>
-                  </a:rPr>
-                  <a:t>&gt; </a:t>
-                </a:r>
-                <a:r>
-                  <a:rPr lang="en-US" sz="600" b="1" dirty="0" err="1">
-                    <a:solidFill>
-                      <a:schemeClr val="accent2">
-                        <a:lumMod val="50000"/>
-                      </a:schemeClr>
-                    </a:solidFill>
-                    <a:latin typeface="Courier New" panose="02070309020205020404" pitchFamily="49" charset="0"/>
-                    <a:cs typeface="Courier New" panose="02070309020205020404" pitchFamily="49" charset="0"/>
-                  </a:rPr>
-                  <a:t>ggplot</a:t>
-                </a:r>
-                <a:r>
-                  <a:rPr lang="en-US" sz="600" b="1" dirty="0">
-                    <a:solidFill>
-                      <a:schemeClr val="accent2">
-                        <a:lumMod val="50000"/>
-                      </a:schemeClr>
-                    </a:solidFill>
-                    <a:latin typeface="Courier New" panose="02070309020205020404" pitchFamily="49" charset="0"/>
-                    <a:cs typeface="Courier New" panose="02070309020205020404" pitchFamily="49" charset="0"/>
-                  </a:rPr>
-                  <a:t>(data=</a:t>
-                </a:r>
-                <a:r>
-                  <a:rPr lang="en-US" sz="600" b="1" dirty="0" err="1">
-                    <a:solidFill>
-                      <a:srgbClr val="C00000"/>
-                    </a:solidFill>
-                    <a:latin typeface="Courier New" panose="02070309020205020404" pitchFamily="49" charset="0"/>
-                    <a:cs typeface="Courier New" panose="02070309020205020404" pitchFamily="49" charset="0"/>
-                  </a:rPr>
-                  <a:t>dfcar</a:t>
-                </a:r>
-                <a:r>
-                  <a:rPr lang="en-US" sz="600" b="1" dirty="0" err="1">
-                    <a:solidFill>
-                      <a:schemeClr val="accent2">
-                        <a:lumMod val="50000"/>
-                      </a:schemeClr>
-                    </a:solidFill>
-                    <a:latin typeface="Courier New" panose="02070309020205020404" pitchFamily="49" charset="0"/>
-                    <a:cs typeface="Courier New" panose="02070309020205020404" pitchFamily="49" charset="0"/>
-                  </a:rPr>
-                  <a:t>,mapping</a:t>
-                </a:r>
-                <a:r>
-                  <a:rPr lang="en-US" sz="600" b="1" dirty="0">
-                    <a:solidFill>
-                      <a:schemeClr val="accent2">
-                        <a:lumMod val="50000"/>
-                      </a:schemeClr>
-                    </a:solidFill>
-                    <a:latin typeface="Courier New" panose="02070309020205020404" pitchFamily="49" charset="0"/>
-                    <a:cs typeface="Courier New" panose="02070309020205020404" pitchFamily="49" charset="0"/>
-                  </a:rPr>
-                  <a:t>=</a:t>
-                </a:r>
-                <a:r>
-                  <a:rPr lang="en-US" sz="600" b="1" dirty="0" err="1">
-                    <a:solidFill>
-                      <a:schemeClr val="accent2">
-                        <a:lumMod val="50000"/>
-                      </a:schemeClr>
-                    </a:solidFill>
-                    <a:latin typeface="Courier New" panose="02070309020205020404" pitchFamily="49" charset="0"/>
-                    <a:cs typeface="Courier New" panose="02070309020205020404" pitchFamily="49" charset="0"/>
-                  </a:rPr>
-                  <a:t>aes</a:t>
-                </a:r>
-                <a:r>
-                  <a:rPr lang="en-US" sz="600" b="1" dirty="0">
-                    <a:solidFill>
-                      <a:schemeClr val="accent2">
-                        <a:lumMod val="50000"/>
-                      </a:schemeClr>
-                    </a:solidFill>
-                    <a:latin typeface="Courier New" panose="02070309020205020404" pitchFamily="49" charset="0"/>
-                    <a:cs typeface="Courier New" panose="02070309020205020404" pitchFamily="49" charset="0"/>
-                  </a:rPr>
-                  <a:t>(x=</a:t>
-                </a:r>
-                <a:r>
-                  <a:rPr lang="en-US" sz="600" b="1" dirty="0">
-                    <a:solidFill>
-                      <a:srgbClr val="C00000"/>
-                    </a:solidFill>
-                    <a:latin typeface="Courier New" panose="02070309020205020404" pitchFamily="49" charset="0"/>
-                    <a:cs typeface="Courier New" panose="02070309020205020404" pitchFamily="49" charset="0"/>
-                  </a:rPr>
-                  <a:t>HMPG</a:t>
-                </a:r>
-                <a:r>
-                  <a:rPr lang="en-US" sz="600" b="1" dirty="0">
-                    <a:solidFill>
-                      <a:schemeClr val="accent2">
-                        <a:lumMod val="50000"/>
-                      </a:schemeClr>
-                    </a:solidFill>
-                    <a:latin typeface="Courier New" panose="02070309020205020404" pitchFamily="49" charset="0"/>
-                    <a:cs typeface="Courier New" panose="02070309020205020404" pitchFamily="49" charset="0"/>
-                  </a:rPr>
-                  <a:t>)) +</a:t>
-                </a:r>
-              </a:p>
-              <a:p>
-                <a:pPr algn="l"/>
-                <a:r>
-                  <a:rPr lang="en-US" sz="600" b="1" dirty="0">
-                    <a:solidFill>
-                      <a:schemeClr val="accent2">
-                        <a:lumMod val="50000"/>
-                      </a:schemeClr>
-                    </a:solidFill>
-                    <a:latin typeface="Courier New" panose="02070309020205020404" pitchFamily="49" charset="0"/>
-                    <a:cs typeface="Courier New" panose="02070309020205020404" pitchFamily="49" charset="0"/>
-                  </a:rPr>
-                  <a:t>  </a:t>
-                </a:r>
-                <a:r>
-                  <a:rPr lang="en-US" sz="600" b="1" dirty="0" smtClean="0">
-                    <a:solidFill>
-                      <a:schemeClr val="accent2">
-                        <a:lumMod val="50000"/>
-                      </a:schemeClr>
-                    </a:solidFill>
-                    <a:latin typeface="Courier New" panose="02070309020205020404" pitchFamily="49" charset="0"/>
-                    <a:cs typeface="Courier New" panose="02070309020205020404" pitchFamily="49" charset="0"/>
-                  </a:rPr>
-                  <a:t>  </a:t>
-                </a:r>
-                <a:r>
-                  <a:rPr lang="en-US" sz="600" b="1" dirty="0" err="1" smtClean="0">
-                    <a:solidFill>
-                      <a:schemeClr val="accent2">
-                        <a:lumMod val="50000"/>
-                      </a:schemeClr>
-                    </a:solidFill>
-                    <a:latin typeface="Courier New" panose="02070309020205020404" pitchFamily="49" charset="0"/>
-                    <a:cs typeface="Courier New" panose="02070309020205020404" pitchFamily="49" charset="0"/>
-                  </a:rPr>
-                  <a:t>geom_histogram</a:t>
-                </a:r>
-                <a:r>
-                  <a:rPr lang="en-US" sz="600" b="1" dirty="0" smtClean="0">
-                    <a:solidFill>
-                      <a:schemeClr val="accent2">
-                        <a:lumMod val="50000"/>
-                      </a:schemeClr>
-                    </a:solidFill>
-                    <a:latin typeface="Courier New" panose="02070309020205020404" pitchFamily="49" charset="0"/>
-                    <a:cs typeface="Courier New" panose="02070309020205020404" pitchFamily="49" charset="0"/>
-                  </a:rPr>
-                  <a:t>(</a:t>
-                </a:r>
-                <a:r>
-                  <a:rPr lang="en-US" sz="600" b="1" dirty="0" err="1" smtClean="0">
-                    <a:solidFill>
-                      <a:schemeClr val="accent2">
-                        <a:lumMod val="50000"/>
-                      </a:schemeClr>
-                    </a:solidFill>
-                    <a:latin typeface="Courier New" panose="02070309020205020404" pitchFamily="49" charset="0"/>
-                    <a:cs typeface="Courier New" panose="02070309020205020404" pitchFamily="49" charset="0"/>
-                  </a:rPr>
-                  <a:t>binwidth</a:t>
-                </a:r>
-                <a:r>
-                  <a:rPr lang="en-US" sz="600" b="1" dirty="0" smtClean="0">
-                    <a:solidFill>
-                      <a:schemeClr val="accent2">
-                        <a:lumMod val="50000"/>
-                      </a:schemeClr>
-                    </a:solidFill>
-                    <a:latin typeface="Courier New" panose="02070309020205020404" pitchFamily="49" charset="0"/>
-                    <a:cs typeface="Courier New" panose="02070309020205020404" pitchFamily="49" charset="0"/>
-                  </a:rPr>
-                  <a:t>=</a:t>
-                </a:r>
-                <a:r>
-                  <a:rPr lang="en-US" sz="600" b="1" dirty="0" smtClean="0">
-                    <a:solidFill>
-                      <a:srgbClr val="C00000"/>
-                    </a:solidFill>
-                    <a:latin typeface="Courier New" panose="02070309020205020404" pitchFamily="49" charset="0"/>
-                    <a:cs typeface="Courier New" panose="02070309020205020404" pitchFamily="49" charset="0"/>
-                  </a:rPr>
-                  <a:t>3</a:t>
-                </a:r>
-                <a:r>
-                  <a:rPr lang="en-US" sz="600" b="1" dirty="0" smtClean="0">
-                    <a:solidFill>
-                      <a:schemeClr val="accent2">
-                        <a:lumMod val="50000"/>
-                      </a:schemeClr>
-                    </a:solidFill>
-                    <a:latin typeface="Courier New" panose="02070309020205020404" pitchFamily="49" charset="0"/>
-                    <a:cs typeface="Courier New" panose="02070309020205020404" pitchFamily="49" charset="0"/>
-                  </a:rPr>
-                  <a:t>,boundary=0</a:t>
-                </a:r>
-                <a:r>
-                  <a:rPr lang="en-US" sz="600" b="1" dirty="0">
-                    <a:solidFill>
-                      <a:schemeClr val="accent2">
-                        <a:lumMod val="50000"/>
-                      </a:schemeClr>
-                    </a:solidFill>
-                    <a:latin typeface="Courier New" panose="02070309020205020404" pitchFamily="49" charset="0"/>
-                    <a:cs typeface="Courier New" panose="02070309020205020404" pitchFamily="49" charset="0"/>
-                  </a:rPr>
-                  <a:t>,</a:t>
-                </a:r>
-              </a:p>
-              <a:p>
-                <a:pPr algn="l"/>
-                <a:r>
-                  <a:rPr lang="en-US" sz="600" b="1" dirty="0">
-                    <a:solidFill>
-                      <a:schemeClr val="accent2">
-                        <a:lumMod val="50000"/>
-                      </a:schemeClr>
-                    </a:solidFill>
-                    <a:latin typeface="Courier New" panose="02070309020205020404" pitchFamily="49" charset="0"/>
-                    <a:cs typeface="Courier New" panose="02070309020205020404" pitchFamily="49" charset="0"/>
-                  </a:rPr>
-                  <a:t>      </a:t>
-                </a:r>
-                <a:r>
-                  <a:rPr lang="en-US" sz="600" b="1" dirty="0" smtClean="0">
-                    <a:solidFill>
-                      <a:schemeClr val="accent2">
-                        <a:lumMod val="50000"/>
-                      </a:schemeClr>
-                    </a:solidFill>
-                    <a:latin typeface="Courier New" panose="02070309020205020404" pitchFamily="49" charset="0"/>
-                    <a:cs typeface="Courier New" panose="02070309020205020404" pitchFamily="49" charset="0"/>
-                  </a:rPr>
-                  <a:t>             </a:t>
-                </a:r>
-                <a:r>
-                  <a:rPr lang="en-US" sz="600" b="1" dirty="0">
-                    <a:solidFill>
-                      <a:schemeClr val="accent2">
-                        <a:lumMod val="50000"/>
-                      </a:schemeClr>
-                    </a:solidFill>
-                    <a:latin typeface="Courier New" panose="02070309020205020404" pitchFamily="49" charset="0"/>
-                    <a:cs typeface="Courier New" panose="02070309020205020404" pitchFamily="49" charset="0"/>
-                  </a:rPr>
-                  <a:t>color="</a:t>
-                </a:r>
-                <a:r>
-                  <a:rPr lang="en-US" sz="600" b="1" dirty="0" err="1">
-                    <a:solidFill>
-                      <a:schemeClr val="accent2">
-                        <a:lumMod val="50000"/>
-                      </a:schemeClr>
-                    </a:solidFill>
-                    <a:latin typeface="Courier New" panose="02070309020205020404" pitchFamily="49" charset="0"/>
-                    <a:cs typeface="Courier New" panose="02070309020205020404" pitchFamily="49" charset="0"/>
-                  </a:rPr>
-                  <a:t>black",fill</a:t>
-                </a:r>
-                <a:r>
-                  <a:rPr lang="en-US" sz="600" b="1" dirty="0">
-                    <a:solidFill>
-                      <a:schemeClr val="accent2">
-                        <a:lumMod val="50000"/>
-                      </a:schemeClr>
-                    </a:solidFill>
-                    <a:latin typeface="Courier New" panose="02070309020205020404" pitchFamily="49" charset="0"/>
-                    <a:cs typeface="Courier New" panose="02070309020205020404" pitchFamily="49" charset="0"/>
-                  </a:rPr>
-                  <a:t>="</a:t>
-                </a:r>
-                <a:r>
-                  <a:rPr lang="en-US" sz="600" b="1" dirty="0" err="1">
-                    <a:solidFill>
-                      <a:schemeClr val="accent2">
-                        <a:lumMod val="50000"/>
-                      </a:schemeClr>
-                    </a:solidFill>
-                    <a:latin typeface="Courier New" panose="02070309020205020404" pitchFamily="49" charset="0"/>
-                    <a:cs typeface="Courier New" panose="02070309020205020404" pitchFamily="49" charset="0"/>
-                  </a:rPr>
-                  <a:t>lightgray</a:t>
-                </a:r>
-                <a:r>
-                  <a:rPr lang="en-US" sz="600" b="1" dirty="0">
-                    <a:solidFill>
-                      <a:schemeClr val="accent2">
-                        <a:lumMod val="50000"/>
-                      </a:schemeClr>
-                    </a:solidFill>
-                    <a:latin typeface="Courier New" panose="02070309020205020404" pitchFamily="49" charset="0"/>
-                    <a:cs typeface="Courier New" panose="02070309020205020404" pitchFamily="49" charset="0"/>
-                  </a:rPr>
-                  <a:t>") +</a:t>
-                </a:r>
-              </a:p>
-              <a:p>
-                <a:pPr algn="l"/>
-                <a:r>
-                  <a:rPr lang="en-US" sz="600" b="1" dirty="0">
-                    <a:solidFill>
-                      <a:schemeClr val="accent2">
-                        <a:lumMod val="50000"/>
-                      </a:schemeClr>
-                    </a:solidFill>
-                    <a:latin typeface="Courier New" panose="02070309020205020404" pitchFamily="49" charset="0"/>
-                    <a:cs typeface="Courier New" panose="02070309020205020404" pitchFamily="49" charset="0"/>
-                  </a:rPr>
-                  <a:t>  </a:t>
-                </a:r>
-                <a:r>
-                  <a:rPr lang="en-US" sz="600" b="1" dirty="0" smtClean="0">
-                    <a:solidFill>
-                      <a:schemeClr val="accent2">
-                        <a:lumMod val="50000"/>
-                      </a:schemeClr>
-                    </a:solidFill>
-                    <a:latin typeface="Courier New" panose="02070309020205020404" pitchFamily="49" charset="0"/>
-                    <a:cs typeface="Courier New" panose="02070309020205020404" pitchFamily="49" charset="0"/>
-                  </a:rPr>
-                  <a:t>  labs(x</a:t>
-                </a:r>
-                <a:r>
-                  <a:rPr lang="en-US" sz="600" b="1" dirty="0">
-                    <a:solidFill>
-                      <a:schemeClr val="accent2">
-                        <a:lumMod val="50000"/>
-                      </a:schemeClr>
-                    </a:solidFill>
-                    <a:latin typeface="Courier New" panose="02070309020205020404" pitchFamily="49" charset="0"/>
-                    <a:cs typeface="Courier New" panose="02070309020205020404" pitchFamily="49" charset="0"/>
-                  </a:rPr>
-                  <a:t>="</a:t>
-                </a:r>
-                <a:r>
-                  <a:rPr lang="en-US" sz="600" b="1" dirty="0">
-                    <a:solidFill>
-                      <a:srgbClr val="C00000"/>
-                    </a:solidFill>
-                    <a:latin typeface="Courier New" panose="02070309020205020404" pitchFamily="49" charset="0"/>
-                    <a:cs typeface="Courier New" panose="02070309020205020404" pitchFamily="49" charset="0"/>
-                  </a:rPr>
-                  <a:t>Highway </a:t>
-                </a:r>
-                <a:r>
-                  <a:rPr lang="en-US" sz="600" b="1" dirty="0" err="1">
-                    <a:solidFill>
-                      <a:srgbClr val="C00000"/>
-                    </a:solidFill>
-                    <a:latin typeface="Courier New" panose="02070309020205020404" pitchFamily="49" charset="0"/>
-                    <a:cs typeface="Courier New" panose="02070309020205020404" pitchFamily="49" charset="0"/>
-                  </a:rPr>
-                  <a:t>MPG</a:t>
-                </a:r>
-                <a:r>
-                  <a:rPr lang="en-US" sz="600" b="1" dirty="0" err="1">
-                    <a:solidFill>
-                      <a:schemeClr val="accent2">
-                        <a:lumMod val="50000"/>
-                      </a:schemeClr>
-                    </a:solidFill>
-                    <a:latin typeface="Courier New" panose="02070309020205020404" pitchFamily="49" charset="0"/>
-                    <a:cs typeface="Courier New" panose="02070309020205020404" pitchFamily="49" charset="0"/>
-                  </a:rPr>
-                  <a:t>",y</a:t>
-                </a:r>
-                <a:r>
-                  <a:rPr lang="en-US" sz="600" b="1" dirty="0">
-                    <a:solidFill>
-                      <a:schemeClr val="accent2">
-                        <a:lumMod val="50000"/>
-                      </a:schemeClr>
-                    </a:solidFill>
-                    <a:latin typeface="Courier New" panose="02070309020205020404" pitchFamily="49" charset="0"/>
-                    <a:cs typeface="Courier New" panose="02070309020205020404" pitchFamily="49" charset="0"/>
-                  </a:rPr>
-                  <a:t>="Frequency of </a:t>
-                </a:r>
-                <a:r>
-                  <a:rPr lang="en-US" sz="600" b="1" dirty="0">
-                    <a:solidFill>
-                      <a:srgbClr val="C00000"/>
-                    </a:solidFill>
-                    <a:latin typeface="Courier New" panose="02070309020205020404" pitchFamily="49" charset="0"/>
-                    <a:cs typeface="Courier New" panose="02070309020205020404" pitchFamily="49" charset="0"/>
-                  </a:rPr>
-                  <a:t>Cars</a:t>
-                </a:r>
-                <a:r>
-                  <a:rPr lang="en-US" sz="600" b="1" dirty="0">
-                    <a:solidFill>
-                      <a:schemeClr val="accent2">
-                        <a:lumMod val="50000"/>
-                      </a:schemeClr>
-                    </a:solidFill>
-                    <a:latin typeface="Courier New" panose="02070309020205020404" pitchFamily="49" charset="0"/>
-                    <a:cs typeface="Courier New" panose="02070309020205020404" pitchFamily="49" charset="0"/>
-                  </a:rPr>
-                  <a:t>") +</a:t>
-                </a:r>
-              </a:p>
-              <a:p>
-                <a:pPr algn="l"/>
-                <a:r>
-                  <a:rPr lang="en-US" sz="600" b="1" dirty="0">
-                    <a:solidFill>
-                      <a:schemeClr val="accent2">
-                        <a:lumMod val="50000"/>
-                      </a:schemeClr>
-                    </a:solidFill>
-                    <a:latin typeface="Courier New" panose="02070309020205020404" pitchFamily="49" charset="0"/>
-                    <a:cs typeface="Courier New" panose="02070309020205020404" pitchFamily="49" charset="0"/>
-                  </a:rPr>
-                  <a:t>  </a:t>
-                </a:r>
-                <a:r>
-                  <a:rPr lang="en-US" sz="600" b="1" dirty="0" smtClean="0">
-                    <a:solidFill>
-                      <a:schemeClr val="accent2">
-                        <a:lumMod val="50000"/>
-                      </a:schemeClr>
-                    </a:solidFill>
-                    <a:latin typeface="Courier New" panose="02070309020205020404" pitchFamily="49" charset="0"/>
-                    <a:cs typeface="Courier New" panose="02070309020205020404" pitchFamily="49" charset="0"/>
-                  </a:rPr>
-                  <a:t>  </a:t>
-                </a:r>
-                <a:r>
-                  <a:rPr lang="en-US" sz="600" b="1" dirty="0" err="1" smtClean="0">
-                    <a:solidFill>
-                      <a:schemeClr val="accent2">
-                        <a:lumMod val="50000"/>
-                      </a:schemeClr>
-                    </a:solidFill>
-                    <a:latin typeface="Courier New" panose="02070309020205020404" pitchFamily="49" charset="0"/>
-                    <a:cs typeface="Courier New" panose="02070309020205020404" pitchFamily="49" charset="0"/>
-                  </a:rPr>
-                  <a:t>scale_y_continuous</a:t>
-                </a:r>
-                <a:r>
-                  <a:rPr lang="en-US" sz="600" b="1" dirty="0" smtClean="0">
-                    <a:solidFill>
-                      <a:schemeClr val="accent2">
-                        <a:lumMod val="50000"/>
-                      </a:schemeClr>
-                    </a:solidFill>
-                    <a:latin typeface="Courier New" panose="02070309020205020404" pitchFamily="49" charset="0"/>
-                    <a:cs typeface="Courier New" panose="02070309020205020404" pitchFamily="49" charset="0"/>
-                  </a:rPr>
-                  <a:t>(expand=expansion(</a:t>
-                </a:r>
-                <a:r>
-                  <a:rPr lang="en-US" sz="600" b="1" dirty="0" err="1" smtClean="0">
-                    <a:solidFill>
-                      <a:schemeClr val="accent2">
-                        <a:lumMod val="50000"/>
-                      </a:schemeClr>
-                    </a:solidFill>
-                    <a:latin typeface="Courier New" panose="02070309020205020404" pitchFamily="49" charset="0"/>
-                    <a:cs typeface="Courier New" panose="02070309020205020404" pitchFamily="49" charset="0"/>
-                  </a:rPr>
-                  <a:t>mult</a:t>
-                </a:r>
-                <a:r>
-                  <a:rPr lang="en-US" sz="600" b="1" dirty="0" smtClean="0">
-                    <a:solidFill>
-                      <a:schemeClr val="accent2">
-                        <a:lumMod val="50000"/>
-                      </a:schemeClr>
-                    </a:solidFill>
-                    <a:latin typeface="Courier New" panose="02070309020205020404" pitchFamily="49" charset="0"/>
-                    <a:cs typeface="Courier New" panose="02070309020205020404" pitchFamily="49" charset="0"/>
-                  </a:rPr>
-                  <a:t>=c(0,0.05</a:t>
-                </a:r>
-                <a:r>
-                  <a:rPr lang="en-US" sz="600" b="1" dirty="0">
-                    <a:solidFill>
-                      <a:schemeClr val="accent2">
-                        <a:lumMod val="50000"/>
-                      </a:schemeClr>
-                    </a:solidFill>
-                    <a:latin typeface="Courier New" panose="02070309020205020404" pitchFamily="49" charset="0"/>
-                    <a:cs typeface="Courier New" panose="02070309020205020404" pitchFamily="49" charset="0"/>
-                  </a:rPr>
-                  <a:t>))) +</a:t>
-                </a:r>
-              </a:p>
-              <a:p>
-                <a:pPr algn="l"/>
-                <a:r>
-                  <a:rPr lang="en-US" sz="600" b="1" dirty="0">
-                    <a:solidFill>
-                      <a:schemeClr val="accent2">
-                        <a:lumMod val="50000"/>
-                      </a:schemeClr>
-                    </a:solidFill>
-                    <a:latin typeface="Courier New" panose="02070309020205020404" pitchFamily="49" charset="0"/>
-                    <a:cs typeface="Courier New" panose="02070309020205020404" pitchFamily="49" charset="0"/>
-                  </a:rPr>
-                  <a:t>  </a:t>
-                </a:r>
-                <a:r>
-                  <a:rPr lang="en-US" sz="600" b="1" dirty="0" smtClean="0">
-                    <a:solidFill>
-                      <a:schemeClr val="accent2">
-                        <a:lumMod val="50000"/>
-                      </a:schemeClr>
-                    </a:solidFill>
-                    <a:latin typeface="Courier New" panose="02070309020205020404" pitchFamily="49" charset="0"/>
-                    <a:cs typeface="Courier New" panose="02070309020205020404" pitchFamily="49" charset="0"/>
-                  </a:rPr>
-                  <a:t>  </a:t>
-                </a:r>
-                <a:r>
-                  <a:rPr lang="en-US" sz="600" b="1" dirty="0" err="1" smtClean="0">
-                    <a:solidFill>
-                      <a:schemeClr val="accent2">
-                        <a:lumMod val="50000"/>
-                      </a:schemeClr>
-                    </a:solidFill>
-                    <a:latin typeface="Courier New" panose="02070309020205020404" pitchFamily="49" charset="0"/>
-                    <a:cs typeface="Courier New" panose="02070309020205020404" pitchFamily="49" charset="0"/>
-                  </a:rPr>
-                  <a:t>theme_NCStats</a:t>
-                </a:r>
-                <a:r>
-                  <a:rPr lang="en-US" sz="600" b="1" dirty="0" smtClean="0">
-                    <a:solidFill>
-                      <a:schemeClr val="accent2">
-                        <a:lumMod val="50000"/>
-                      </a:schemeClr>
-                    </a:solidFill>
-                    <a:latin typeface="Courier New" panose="02070309020205020404" pitchFamily="49" charset="0"/>
-                    <a:cs typeface="Courier New" panose="02070309020205020404" pitchFamily="49" charset="0"/>
-                  </a:rPr>
-                  <a:t>() +</a:t>
-                </a:r>
-              </a:p>
-              <a:p>
-                <a:pPr algn="l"/>
-                <a:r>
-                  <a:rPr lang="en-US" sz="600" b="1" dirty="0">
-                    <a:solidFill>
-                      <a:schemeClr val="accent2">
-                        <a:lumMod val="50000"/>
-                      </a:schemeClr>
-                    </a:solidFill>
-                    <a:latin typeface="Courier New" panose="02070309020205020404" pitchFamily="49" charset="0"/>
-                    <a:cs typeface="Courier New" panose="02070309020205020404" pitchFamily="49" charset="0"/>
-                  </a:rPr>
-                  <a:t> </a:t>
-                </a:r>
-                <a:r>
-                  <a:rPr lang="en-US" sz="600" b="1" dirty="0" smtClean="0">
-                    <a:solidFill>
-                      <a:schemeClr val="accent2">
-                        <a:lumMod val="50000"/>
-                      </a:schemeClr>
-                    </a:solidFill>
-                    <a:latin typeface="Courier New" panose="02070309020205020404" pitchFamily="49" charset="0"/>
-                    <a:cs typeface="Courier New" panose="02070309020205020404" pitchFamily="49" charset="0"/>
-                  </a:rPr>
-                  <a:t>   </a:t>
-                </a:r>
-                <a:r>
-                  <a:rPr lang="en-US" sz="600" b="1" dirty="0" err="1" smtClean="0">
-                    <a:solidFill>
-                      <a:schemeClr val="accent2">
-                        <a:lumMod val="50000"/>
-                      </a:schemeClr>
-                    </a:solidFill>
-                    <a:latin typeface="Courier New" panose="02070309020205020404" pitchFamily="49" charset="0"/>
-                    <a:cs typeface="Courier New" panose="02070309020205020404" pitchFamily="49" charset="0"/>
-                  </a:rPr>
-                  <a:t>facet_wrap</a:t>
-                </a:r>
-                <a:r>
-                  <a:rPr lang="en-US" sz="600" b="1" dirty="0" smtClean="0">
-                    <a:solidFill>
-                      <a:schemeClr val="accent2">
-                        <a:lumMod val="50000"/>
-                      </a:schemeClr>
-                    </a:solidFill>
-                    <a:latin typeface="Courier New" panose="02070309020205020404" pitchFamily="49" charset="0"/>
-                    <a:cs typeface="Courier New" panose="02070309020205020404" pitchFamily="49" charset="0"/>
-                  </a:rPr>
-                  <a:t>(</a:t>
-                </a:r>
-                <a:r>
-                  <a:rPr lang="en-US" sz="600" b="1" dirty="0" err="1" smtClean="0">
-                    <a:solidFill>
-                      <a:schemeClr val="accent2">
-                        <a:lumMod val="50000"/>
-                      </a:schemeClr>
-                    </a:solidFill>
-                    <a:latin typeface="Courier New" panose="02070309020205020404" pitchFamily="49" charset="0"/>
-                    <a:cs typeface="Courier New" panose="02070309020205020404" pitchFamily="49" charset="0"/>
-                  </a:rPr>
-                  <a:t>vars</a:t>
-                </a:r>
-                <a:r>
-                  <a:rPr lang="en-US" sz="600" b="1" dirty="0" smtClean="0">
-                    <a:solidFill>
-                      <a:schemeClr val="accent2">
-                        <a:lumMod val="50000"/>
-                      </a:schemeClr>
-                    </a:solidFill>
-                    <a:latin typeface="Courier New" panose="02070309020205020404" pitchFamily="49" charset="0"/>
-                    <a:cs typeface="Courier New" panose="02070309020205020404" pitchFamily="49" charset="0"/>
-                  </a:rPr>
-                  <a:t>(</a:t>
-                </a:r>
-                <a:r>
-                  <a:rPr lang="en-US" sz="600" b="1" dirty="0" smtClean="0">
-                    <a:solidFill>
-                      <a:srgbClr val="C00000"/>
-                    </a:solidFill>
-                    <a:latin typeface="Courier New" panose="02070309020205020404" pitchFamily="49" charset="0"/>
-                    <a:cs typeface="Courier New" panose="02070309020205020404" pitchFamily="49" charset="0"/>
-                  </a:rPr>
-                  <a:t>Domestic</a:t>
-                </a:r>
-                <a:r>
-                  <a:rPr lang="en-US" sz="600" b="1" dirty="0" smtClean="0">
-                    <a:solidFill>
-                      <a:schemeClr val="accent2">
-                        <a:lumMod val="50000"/>
-                      </a:schemeClr>
-                    </a:solidFill>
-                    <a:latin typeface="Courier New" panose="02070309020205020404" pitchFamily="49" charset="0"/>
-                    <a:cs typeface="Courier New" panose="02070309020205020404" pitchFamily="49" charset="0"/>
-                  </a:rPr>
-                  <a:t>))</a:t>
-                </a:r>
-              </a:p>
-              <a:p>
-                <a:pPr algn="l"/>
-                <a:endParaRPr lang="en-US" sz="600" dirty="0">
-                  <a:latin typeface="Cordia New" panose="020B0304020202020204" pitchFamily="34" charset="-34"/>
-                  <a:cs typeface="Cordia New" panose="020B0304020202020204" pitchFamily="34" charset="-34"/>
-                </a:endParaRPr>
-              </a:p>
-            </p:txBody>
-          </p:sp>
-          <p:pic>
-            <p:nvPicPr>
-              <p:cNvPr id="11" name="Picture 10"/>
-              <p:cNvPicPr>
-                <a:picLocks noChangeAspect="1"/>
-              </p:cNvPicPr>
-              <p:nvPr/>
-            </p:nvPicPr>
-            <p:blipFill>
-              <a:blip r:embed="rId4"/>
-              <a:stretch>
-                <a:fillRect/>
-              </a:stretch>
-            </p:blipFill>
-            <p:spPr>
-              <a:xfrm>
-                <a:off x="3829634" y="2601096"/>
-                <a:ext cx="1478604" cy="731520"/>
-              </a:xfrm>
-              <a:prstGeom prst="rect">
-                <a:avLst/>
-              </a:prstGeom>
-            </p:spPr>
-          </p:pic>
-        </p:grpSp>
-      </p:grpSp>
+              <a:latin typeface="Calibri" panose="020F0502020204030204" pitchFamily="34" charset="0"/>
+            </a:endParaRPr>
+          </a:p>
+        </p:txBody>
+      </p:sp>
       <p:grpSp>
         <p:nvGrpSpPr>
-          <p:cNvPr id="21" name="Group 20"/>
+          <p:cNvPr id="12" name="Group 11"/>
           <p:cNvGrpSpPr/>
           <p:nvPr/>
         </p:nvGrpSpPr>
         <p:grpSpPr>
           <a:xfrm>
-            <a:off x="3089617" y="2936167"/>
-            <a:ext cx="2931816" cy="3737914"/>
-            <a:chOff x="3051517" y="3150480"/>
-            <a:chExt cx="2931816" cy="3737914"/>
+            <a:off x="3089617" y="1001036"/>
+            <a:ext cx="2926080" cy="1858340"/>
+            <a:chOff x="3105896" y="1513702"/>
+            <a:chExt cx="2926080" cy="1858340"/>
           </a:xfrm>
         </p:grpSpPr>
         <p:sp>
           <p:nvSpPr>
-            <p:cNvPr id="78" name="Shape 34"/>
+            <p:cNvPr id="66" name="Shape 34"/>
             <p:cNvSpPr/>
             <p:nvPr/>
           </p:nvSpPr>
           <p:spPr>
             <a:xfrm>
-              <a:off x="3057253" y="4195011"/>
-              <a:ext cx="2926080" cy="2693383"/>
+              <a:off x="3105896" y="1513702"/>
+              <a:ext cx="2926080" cy="1858340"/>
             </a:xfrm>
             <a:prstGeom prst="roundRect">
               <a:avLst>
@@ -17071,35 +16261,815 @@
             </a:bodyPr>
             <a:lstStyle/>
             <a:p>
+              <a:pPr algn="l"/>
+              <a:r>
+                <a:rPr lang="en-US" sz="600" dirty="0" smtClean="0">
+                  <a:latin typeface="Courier New" panose="02070309020205020404" pitchFamily="49" charset="0"/>
+                  <a:cs typeface="Courier New" panose="02070309020205020404" pitchFamily="49" charset="0"/>
+                </a:rPr>
+                <a:t>&gt; </a:t>
+              </a:r>
+              <a:r>
+                <a:rPr lang="en-US" sz="600" b="1" dirty="0" err="1">
+                  <a:solidFill>
+                    <a:schemeClr val="accent2">
+                      <a:lumMod val="50000"/>
+                    </a:schemeClr>
+                  </a:solidFill>
+                  <a:latin typeface="Courier New" panose="02070309020205020404" pitchFamily="49" charset="0"/>
+                  <a:cs typeface="Courier New" panose="02070309020205020404" pitchFamily="49" charset="0"/>
+                </a:rPr>
+                <a:t>ggplot</a:t>
+              </a:r>
+              <a:r>
+                <a:rPr lang="en-US" sz="600" b="1" dirty="0">
+                  <a:solidFill>
+                    <a:schemeClr val="accent2">
+                      <a:lumMod val="50000"/>
+                    </a:schemeClr>
+                  </a:solidFill>
+                  <a:latin typeface="Courier New" panose="02070309020205020404" pitchFamily="49" charset="0"/>
+                  <a:cs typeface="Courier New" panose="02070309020205020404" pitchFamily="49" charset="0"/>
+                </a:rPr>
+                <a:t>(data=</a:t>
+              </a:r>
+              <a:r>
+                <a:rPr lang="en-US" sz="600" b="1" dirty="0" err="1">
+                  <a:solidFill>
+                    <a:srgbClr val="C00000"/>
+                  </a:solidFill>
+                  <a:latin typeface="Courier New" panose="02070309020205020404" pitchFamily="49" charset="0"/>
+                  <a:cs typeface="Courier New" panose="02070309020205020404" pitchFamily="49" charset="0"/>
+                </a:rPr>
+                <a:t>dfcar</a:t>
+              </a:r>
+              <a:r>
+                <a:rPr lang="en-US" sz="600" b="1" dirty="0" err="1">
+                  <a:solidFill>
+                    <a:schemeClr val="accent2">
+                      <a:lumMod val="50000"/>
+                    </a:schemeClr>
+                  </a:solidFill>
+                  <a:latin typeface="Courier New" panose="02070309020205020404" pitchFamily="49" charset="0"/>
+                  <a:cs typeface="Courier New" panose="02070309020205020404" pitchFamily="49" charset="0"/>
+                </a:rPr>
+                <a:t>,mapping</a:t>
+              </a:r>
+              <a:r>
+                <a:rPr lang="en-US" sz="600" b="1" dirty="0">
+                  <a:solidFill>
+                    <a:schemeClr val="accent2">
+                      <a:lumMod val="50000"/>
+                    </a:schemeClr>
+                  </a:solidFill>
+                  <a:latin typeface="Courier New" panose="02070309020205020404" pitchFamily="49" charset="0"/>
+                  <a:cs typeface="Courier New" panose="02070309020205020404" pitchFamily="49" charset="0"/>
+                </a:rPr>
+                <a:t>=</a:t>
+              </a:r>
+              <a:r>
+                <a:rPr lang="en-US" sz="600" b="1" dirty="0" err="1">
+                  <a:solidFill>
+                    <a:schemeClr val="accent2">
+                      <a:lumMod val="50000"/>
+                    </a:schemeClr>
+                  </a:solidFill>
+                  <a:latin typeface="Courier New" panose="02070309020205020404" pitchFamily="49" charset="0"/>
+                  <a:cs typeface="Courier New" panose="02070309020205020404" pitchFamily="49" charset="0"/>
+                </a:rPr>
+                <a:t>aes</a:t>
+              </a:r>
+              <a:r>
+                <a:rPr lang="en-US" sz="600" b="1" dirty="0">
+                  <a:solidFill>
+                    <a:schemeClr val="accent2">
+                      <a:lumMod val="50000"/>
+                    </a:schemeClr>
+                  </a:solidFill>
+                  <a:latin typeface="Courier New" panose="02070309020205020404" pitchFamily="49" charset="0"/>
+                  <a:cs typeface="Courier New" panose="02070309020205020404" pitchFamily="49" charset="0"/>
+                </a:rPr>
+                <a:t>(x=</a:t>
+              </a:r>
+              <a:r>
+                <a:rPr lang="en-US" sz="600" b="1" dirty="0">
+                  <a:solidFill>
+                    <a:srgbClr val="C00000"/>
+                  </a:solidFill>
+                  <a:latin typeface="Courier New" panose="02070309020205020404" pitchFamily="49" charset="0"/>
+                  <a:cs typeface="Courier New" panose="02070309020205020404" pitchFamily="49" charset="0"/>
+                </a:rPr>
+                <a:t>HMPG</a:t>
+              </a:r>
+              <a:r>
+                <a:rPr lang="en-US" sz="600" b="1" dirty="0">
+                  <a:solidFill>
+                    <a:schemeClr val="accent2">
+                      <a:lumMod val="50000"/>
+                    </a:schemeClr>
+                  </a:solidFill>
+                  <a:latin typeface="Courier New" panose="02070309020205020404" pitchFamily="49" charset="0"/>
+                  <a:cs typeface="Courier New" panose="02070309020205020404" pitchFamily="49" charset="0"/>
+                </a:rPr>
+                <a:t>)) +</a:t>
+              </a:r>
+            </a:p>
+            <a:p>
+              <a:pPr algn="l"/>
+              <a:r>
+                <a:rPr lang="en-US" sz="600" b="1" dirty="0">
+                  <a:solidFill>
+                    <a:schemeClr val="accent2">
+                      <a:lumMod val="50000"/>
+                    </a:schemeClr>
+                  </a:solidFill>
+                  <a:latin typeface="Courier New" panose="02070309020205020404" pitchFamily="49" charset="0"/>
+                  <a:cs typeface="Courier New" panose="02070309020205020404" pitchFamily="49" charset="0"/>
+                </a:rPr>
+                <a:t>  </a:t>
+              </a:r>
+              <a:r>
+                <a:rPr lang="en-US" sz="600" b="1" dirty="0" smtClean="0">
+                  <a:solidFill>
+                    <a:schemeClr val="accent2">
+                      <a:lumMod val="50000"/>
+                    </a:schemeClr>
+                  </a:solidFill>
+                  <a:latin typeface="Courier New" panose="02070309020205020404" pitchFamily="49" charset="0"/>
+                  <a:cs typeface="Courier New" panose="02070309020205020404" pitchFamily="49" charset="0"/>
+                </a:rPr>
+                <a:t>  </a:t>
+              </a:r>
+              <a:r>
+                <a:rPr lang="en-US" sz="600" b="1" dirty="0" err="1" smtClean="0">
+                  <a:solidFill>
+                    <a:schemeClr val="accent2">
+                      <a:lumMod val="50000"/>
+                    </a:schemeClr>
+                  </a:solidFill>
+                  <a:latin typeface="Courier New" panose="02070309020205020404" pitchFamily="49" charset="0"/>
+                  <a:cs typeface="Courier New" panose="02070309020205020404" pitchFamily="49" charset="0"/>
+                </a:rPr>
+                <a:t>geom_histogram</a:t>
+              </a:r>
+              <a:r>
+                <a:rPr lang="en-US" sz="600" b="1" dirty="0" smtClean="0">
+                  <a:solidFill>
+                    <a:schemeClr val="accent2">
+                      <a:lumMod val="50000"/>
+                    </a:schemeClr>
+                  </a:solidFill>
+                  <a:latin typeface="Courier New" panose="02070309020205020404" pitchFamily="49" charset="0"/>
+                  <a:cs typeface="Courier New" panose="02070309020205020404" pitchFamily="49" charset="0"/>
+                </a:rPr>
+                <a:t>(</a:t>
+              </a:r>
+              <a:r>
+                <a:rPr lang="en-US" sz="600" b="1" dirty="0" err="1" smtClean="0">
+                  <a:solidFill>
+                    <a:schemeClr val="accent2">
+                      <a:lumMod val="50000"/>
+                    </a:schemeClr>
+                  </a:solidFill>
+                  <a:latin typeface="Courier New" panose="02070309020205020404" pitchFamily="49" charset="0"/>
+                  <a:cs typeface="Courier New" panose="02070309020205020404" pitchFamily="49" charset="0"/>
+                </a:rPr>
+                <a:t>binwidth</a:t>
+              </a:r>
+              <a:r>
+                <a:rPr lang="en-US" sz="600" b="1" dirty="0" smtClean="0">
+                  <a:solidFill>
+                    <a:schemeClr val="accent2">
+                      <a:lumMod val="50000"/>
+                    </a:schemeClr>
+                  </a:solidFill>
+                  <a:latin typeface="Courier New" panose="02070309020205020404" pitchFamily="49" charset="0"/>
+                  <a:cs typeface="Courier New" panose="02070309020205020404" pitchFamily="49" charset="0"/>
+                </a:rPr>
+                <a:t>=</a:t>
+              </a:r>
+              <a:r>
+                <a:rPr lang="en-US" sz="600" b="1" dirty="0" smtClean="0">
+                  <a:solidFill>
+                    <a:srgbClr val="C00000"/>
+                  </a:solidFill>
+                  <a:latin typeface="Courier New" panose="02070309020205020404" pitchFamily="49" charset="0"/>
+                  <a:cs typeface="Courier New" panose="02070309020205020404" pitchFamily="49" charset="0"/>
+                </a:rPr>
+                <a:t>3</a:t>
+              </a:r>
+              <a:r>
+                <a:rPr lang="en-US" sz="600" b="1" dirty="0" smtClean="0">
+                  <a:solidFill>
+                    <a:schemeClr val="accent2">
+                      <a:lumMod val="50000"/>
+                    </a:schemeClr>
+                  </a:solidFill>
+                  <a:latin typeface="Courier New" panose="02070309020205020404" pitchFamily="49" charset="0"/>
+                  <a:cs typeface="Courier New" panose="02070309020205020404" pitchFamily="49" charset="0"/>
+                </a:rPr>
+                <a:t>,boundary=0</a:t>
+              </a:r>
+              <a:r>
+                <a:rPr lang="en-US" sz="600" b="1" dirty="0">
+                  <a:solidFill>
+                    <a:schemeClr val="accent2">
+                      <a:lumMod val="50000"/>
+                    </a:schemeClr>
+                  </a:solidFill>
+                  <a:latin typeface="Courier New" panose="02070309020205020404" pitchFamily="49" charset="0"/>
+                  <a:cs typeface="Courier New" panose="02070309020205020404" pitchFamily="49" charset="0"/>
+                </a:rPr>
+                <a:t>,</a:t>
+              </a:r>
+            </a:p>
+            <a:p>
+              <a:pPr algn="l"/>
+              <a:r>
+                <a:rPr lang="en-US" sz="600" b="1" dirty="0">
+                  <a:solidFill>
+                    <a:schemeClr val="accent2">
+                      <a:lumMod val="50000"/>
+                    </a:schemeClr>
+                  </a:solidFill>
+                  <a:latin typeface="Courier New" panose="02070309020205020404" pitchFamily="49" charset="0"/>
+                  <a:cs typeface="Courier New" panose="02070309020205020404" pitchFamily="49" charset="0"/>
+                </a:rPr>
+                <a:t>      </a:t>
+              </a:r>
+              <a:r>
+                <a:rPr lang="en-US" sz="600" b="1" dirty="0" smtClean="0">
+                  <a:solidFill>
+                    <a:schemeClr val="accent2">
+                      <a:lumMod val="50000"/>
+                    </a:schemeClr>
+                  </a:solidFill>
+                  <a:latin typeface="Courier New" panose="02070309020205020404" pitchFamily="49" charset="0"/>
+                  <a:cs typeface="Courier New" panose="02070309020205020404" pitchFamily="49" charset="0"/>
+                </a:rPr>
+                <a:t>             </a:t>
+              </a:r>
+              <a:r>
+                <a:rPr lang="en-US" sz="600" b="1" dirty="0">
+                  <a:solidFill>
+                    <a:schemeClr val="accent2">
+                      <a:lumMod val="50000"/>
+                    </a:schemeClr>
+                  </a:solidFill>
+                  <a:latin typeface="Courier New" panose="02070309020205020404" pitchFamily="49" charset="0"/>
+                  <a:cs typeface="Courier New" panose="02070309020205020404" pitchFamily="49" charset="0"/>
+                </a:rPr>
+                <a:t>color="</a:t>
+              </a:r>
+              <a:r>
+                <a:rPr lang="en-US" sz="600" b="1" dirty="0" err="1">
+                  <a:solidFill>
+                    <a:schemeClr val="accent2">
+                      <a:lumMod val="50000"/>
+                    </a:schemeClr>
+                  </a:solidFill>
+                  <a:latin typeface="Courier New" panose="02070309020205020404" pitchFamily="49" charset="0"/>
+                  <a:cs typeface="Courier New" panose="02070309020205020404" pitchFamily="49" charset="0"/>
+                </a:rPr>
+                <a:t>black",fill</a:t>
+              </a:r>
+              <a:r>
+                <a:rPr lang="en-US" sz="600" b="1" dirty="0">
+                  <a:solidFill>
+                    <a:schemeClr val="accent2">
+                      <a:lumMod val="50000"/>
+                    </a:schemeClr>
+                  </a:solidFill>
+                  <a:latin typeface="Courier New" panose="02070309020205020404" pitchFamily="49" charset="0"/>
+                  <a:cs typeface="Courier New" panose="02070309020205020404" pitchFamily="49" charset="0"/>
+                </a:rPr>
+                <a:t>="</a:t>
+              </a:r>
+              <a:r>
+                <a:rPr lang="en-US" sz="600" b="1" dirty="0" err="1">
+                  <a:solidFill>
+                    <a:schemeClr val="accent2">
+                      <a:lumMod val="50000"/>
+                    </a:schemeClr>
+                  </a:solidFill>
+                  <a:latin typeface="Courier New" panose="02070309020205020404" pitchFamily="49" charset="0"/>
+                  <a:cs typeface="Courier New" panose="02070309020205020404" pitchFamily="49" charset="0"/>
+                </a:rPr>
+                <a:t>lightgray</a:t>
+              </a:r>
+              <a:r>
+                <a:rPr lang="en-US" sz="600" b="1" dirty="0">
+                  <a:solidFill>
+                    <a:schemeClr val="accent2">
+                      <a:lumMod val="50000"/>
+                    </a:schemeClr>
+                  </a:solidFill>
+                  <a:latin typeface="Courier New" panose="02070309020205020404" pitchFamily="49" charset="0"/>
+                  <a:cs typeface="Courier New" panose="02070309020205020404" pitchFamily="49" charset="0"/>
+                </a:rPr>
+                <a:t>") +</a:t>
+              </a:r>
+            </a:p>
+            <a:p>
+              <a:pPr algn="l"/>
+              <a:r>
+                <a:rPr lang="en-US" sz="600" b="1" dirty="0">
+                  <a:solidFill>
+                    <a:schemeClr val="accent2">
+                      <a:lumMod val="50000"/>
+                    </a:schemeClr>
+                  </a:solidFill>
+                  <a:latin typeface="Courier New" panose="02070309020205020404" pitchFamily="49" charset="0"/>
+                  <a:cs typeface="Courier New" panose="02070309020205020404" pitchFamily="49" charset="0"/>
+                </a:rPr>
+                <a:t>  </a:t>
+              </a:r>
+              <a:r>
+                <a:rPr lang="en-US" sz="600" b="1" dirty="0" smtClean="0">
+                  <a:solidFill>
+                    <a:schemeClr val="accent2">
+                      <a:lumMod val="50000"/>
+                    </a:schemeClr>
+                  </a:solidFill>
+                  <a:latin typeface="Courier New" panose="02070309020205020404" pitchFamily="49" charset="0"/>
+                  <a:cs typeface="Courier New" panose="02070309020205020404" pitchFamily="49" charset="0"/>
+                </a:rPr>
+                <a:t>  labs(x</a:t>
+              </a:r>
+              <a:r>
+                <a:rPr lang="en-US" sz="600" b="1" dirty="0">
+                  <a:solidFill>
+                    <a:schemeClr val="accent2">
+                      <a:lumMod val="50000"/>
+                    </a:schemeClr>
+                  </a:solidFill>
+                  <a:latin typeface="Courier New" panose="02070309020205020404" pitchFamily="49" charset="0"/>
+                  <a:cs typeface="Courier New" panose="02070309020205020404" pitchFamily="49" charset="0"/>
+                </a:rPr>
+                <a:t>="</a:t>
+              </a:r>
+              <a:r>
+                <a:rPr lang="en-US" sz="600" b="1" dirty="0">
+                  <a:solidFill>
+                    <a:srgbClr val="C00000"/>
+                  </a:solidFill>
+                  <a:latin typeface="Courier New" panose="02070309020205020404" pitchFamily="49" charset="0"/>
+                  <a:cs typeface="Courier New" panose="02070309020205020404" pitchFamily="49" charset="0"/>
+                </a:rPr>
+                <a:t>Highway </a:t>
+              </a:r>
+              <a:r>
+                <a:rPr lang="en-US" sz="600" b="1" dirty="0" err="1">
+                  <a:solidFill>
+                    <a:srgbClr val="C00000"/>
+                  </a:solidFill>
+                  <a:latin typeface="Courier New" panose="02070309020205020404" pitchFamily="49" charset="0"/>
+                  <a:cs typeface="Courier New" panose="02070309020205020404" pitchFamily="49" charset="0"/>
+                </a:rPr>
+                <a:t>MPG</a:t>
+              </a:r>
+              <a:r>
+                <a:rPr lang="en-US" sz="600" b="1" dirty="0" err="1">
+                  <a:solidFill>
+                    <a:schemeClr val="accent2">
+                      <a:lumMod val="50000"/>
+                    </a:schemeClr>
+                  </a:solidFill>
+                  <a:latin typeface="Courier New" panose="02070309020205020404" pitchFamily="49" charset="0"/>
+                  <a:cs typeface="Courier New" panose="02070309020205020404" pitchFamily="49" charset="0"/>
+                </a:rPr>
+                <a:t>",y</a:t>
+              </a:r>
+              <a:r>
+                <a:rPr lang="en-US" sz="600" b="1" dirty="0">
+                  <a:solidFill>
+                    <a:schemeClr val="accent2">
+                      <a:lumMod val="50000"/>
+                    </a:schemeClr>
+                  </a:solidFill>
+                  <a:latin typeface="Courier New" panose="02070309020205020404" pitchFamily="49" charset="0"/>
+                  <a:cs typeface="Courier New" panose="02070309020205020404" pitchFamily="49" charset="0"/>
+                </a:rPr>
+                <a:t>="Frequency of </a:t>
+              </a:r>
+              <a:r>
+                <a:rPr lang="en-US" sz="600" b="1" dirty="0">
+                  <a:solidFill>
+                    <a:srgbClr val="C00000"/>
+                  </a:solidFill>
+                  <a:latin typeface="Courier New" panose="02070309020205020404" pitchFamily="49" charset="0"/>
+                  <a:cs typeface="Courier New" panose="02070309020205020404" pitchFamily="49" charset="0"/>
+                </a:rPr>
+                <a:t>Cars</a:t>
+              </a:r>
+              <a:r>
+                <a:rPr lang="en-US" sz="600" b="1" dirty="0">
+                  <a:solidFill>
+                    <a:schemeClr val="accent2">
+                      <a:lumMod val="50000"/>
+                    </a:schemeClr>
+                  </a:solidFill>
+                  <a:latin typeface="Courier New" panose="02070309020205020404" pitchFamily="49" charset="0"/>
+                  <a:cs typeface="Courier New" panose="02070309020205020404" pitchFamily="49" charset="0"/>
+                </a:rPr>
+                <a:t>") +</a:t>
+              </a:r>
+            </a:p>
+            <a:p>
+              <a:pPr algn="l"/>
+              <a:r>
+                <a:rPr lang="en-US" sz="600" b="1" dirty="0">
+                  <a:solidFill>
+                    <a:schemeClr val="accent2">
+                      <a:lumMod val="50000"/>
+                    </a:schemeClr>
+                  </a:solidFill>
+                  <a:latin typeface="Courier New" panose="02070309020205020404" pitchFamily="49" charset="0"/>
+                  <a:cs typeface="Courier New" panose="02070309020205020404" pitchFamily="49" charset="0"/>
+                </a:rPr>
+                <a:t>  </a:t>
+              </a:r>
+              <a:r>
+                <a:rPr lang="en-US" sz="600" b="1" dirty="0" smtClean="0">
+                  <a:solidFill>
+                    <a:schemeClr val="accent2">
+                      <a:lumMod val="50000"/>
+                    </a:schemeClr>
+                  </a:solidFill>
+                  <a:latin typeface="Courier New" panose="02070309020205020404" pitchFamily="49" charset="0"/>
+                  <a:cs typeface="Courier New" panose="02070309020205020404" pitchFamily="49" charset="0"/>
+                </a:rPr>
+                <a:t>  </a:t>
+              </a:r>
+              <a:r>
+                <a:rPr lang="en-US" sz="600" b="1" dirty="0" err="1" smtClean="0">
+                  <a:solidFill>
+                    <a:schemeClr val="accent2">
+                      <a:lumMod val="50000"/>
+                    </a:schemeClr>
+                  </a:solidFill>
+                  <a:latin typeface="Courier New" panose="02070309020205020404" pitchFamily="49" charset="0"/>
+                  <a:cs typeface="Courier New" panose="02070309020205020404" pitchFamily="49" charset="0"/>
+                </a:rPr>
+                <a:t>scale_y_continuous</a:t>
+              </a:r>
+              <a:r>
+                <a:rPr lang="en-US" sz="600" b="1" dirty="0" smtClean="0">
+                  <a:solidFill>
+                    <a:schemeClr val="accent2">
+                      <a:lumMod val="50000"/>
+                    </a:schemeClr>
+                  </a:solidFill>
+                  <a:latin typeface="Courier New" panose="02070309020205020404" pitchFamily="49" charset="0"/>
+                  <a:cs typeface="Courier New" panose="02070309020205020404" pitchFamily="49" charset="0"/>
+                </a:rPr>
+                <a:t>(expand=expansion(</a:t>
+              </a:r>
+              <a:r>
+                <a:rPr lang="en-US" sz="600" b="1" dirty="0" err="1" smtClean="0">
+                  <a:solidFill>
+                    <a:schemeClr val="accent2">
+                      <a:lumMod val="50000"/>
+                    </a:schemeClr>
+                  </a:solidFill>
+                  <a:latin typeface="Courier New" panose="02070309020205020404" pitchFamily="49" charset="0"/>
+                  <a:cs typeface="Courier New" panose="02070309020205020404" pitchFamily="49" charset="0"/>
+                </a:rPr>
+                <a:t>mult</a:t>
+              </a:r>
+              <a:r>
+                <a:rPr lang="en-US" sz="600" b="1" dirty="0" smtClean="0">
+                  <a:solidFill>
+                    <a:schemeClr val="accent2">
+                      <a:lumMod val="50000"/>
+                    </a:schemeClr>
+                  </a:solidFill>
+                  <a:latin typeface="Courier New" panose="02070309020205020404" pitchFamily="49" charset="0"/>
+                  <a:cs typeface="Courier New" panose="02070309020205020404" pitchFamily="49" charset="0"/>
+                </a:rPr>
+                <a:t>=c(0,0.05</a:t>
+              </a:r>
+              <a:r>
+                <a:rPr lang="en-US" sz="600" b="1" dirty="0">
+                  <a:solidFill>
+                    <a:schemeClr val="accent2">
+                      <a:lumMod val="50000"/>
+                    </a:schemeClr>
+                  </a:solidFill>
+                  <a:latin typeface="Courier New" panose="02070309020205020404" pitchFamily="49" charset="0"/>
+                  <a:cs typeface="Courier New" panose="02070309020205020404" pitchFamily="49" charset="0"/>
+                </a:rPr>
+                <a:t>))) +</a:t>
+              </a:r>
+            </a:p>
+            <a:p>
+              <a:pPr algn="l"/>
+              <a:r>
+                <a:rPr lang="en-US" sz="600" b="1" dirty="0">
+                  <a:solidFill>
+                    <a:schemeClr val="accent2">
+                      <a:lumMod val="50000"/>
+                    </a:schemeClr>
+                  </a:solidFill>
+                  <a:latin typeface="Courier New" panose="02070309020205020404" pitchFamily="49" charset="0"/>
+                  <a:cs typeface="Courier New" panose="02070309020205020404" pitchFamily="49" charset="0"/>
+                </a:rPr>
+                <a:t>  </a:t>
+              </a:r>
+              <a:r>
+                <a:rPr lang="en-US" sz="600" b="1" dirty="0" smtClean="0">
+                  <a:solidFill>
+                    <a:schemeClr val="accent2">
+                      <a:lumMod val="50000"/>
+                    </a:schemeClr>
+                  </a:solidFill>
+                  <a:latin typeface="Courier New" panose="02070309020205020404" pitchFamily="49" charset="0"/>
+                  <a:cs typeface="Courier New" panose="02070309020205020404" pitchFamily="49" charset="0"/>
+                </a:rPr>
+                <a:t>  </a:t>
+              </a:r>
+              <a:r>
+                <a:rPr lang="en-US" sz="600" b="1" dirty="0" err="1" smtClean="0">
+                  <a:solidFill>
+                    <a:schemeClr val="accent2">
+                      <a:lumMod val="50000"/>
+                    </a:schemeClr>
+                  </a:solidFill>
+                  <a:latin typeface="Courier New" panose="02070309020205020404" pitchFamily="49" charset="0"/>
+                  <a:cs typeface="Courier New" panose="02070309020205020404" pitchFamily="49" charset="0"/>
+                </a:rPr>
+                <a:t>theme_NCStats</a:t>
+              </a:r>
+              <a:r>
+                <a:rPr lang="en-US" sz="600" b="1" dirty="0" smtClean="0">
+                  <a:solidFill>
+                    <a:schemeClr val="accent2">
+                      <a:lumMod val="50000"/>
+                    </a:schemeClr>
+                  </a:solidFill>
+                  <a:latin typeface="Courier New" panose="02070309020205020404" pitchFamily="49" charset="0"/>
+                  <a:cs typeface="Courier New" panose="02070309020205020404" pitchFamily="49" charset="0"/>
+                </a:rPr>
+                <a:t>() +</a:t>
+              </a:r>
+            </a:p>
+            <a:p>
+              <a:pPr algn="l"/>
+              <a:r>
+                <a:rPr lang="en-US" sz="600" b="1" dirty="0">
+                  <a:solidFill>
+                    <a:schemeClr val="accent2">
+                      <a:lumMod val="50000"/>
+                    </a:schemeClr>
+                  </a:solidFill>
+                  <a:latin typeface="Courier New" panose="02070309020205020404" pitchFamily="49" charset="0"/>
+                  <a:cs typeface="Courier New" panose="02070309020205020404" pitchFamily="49" charset="0"/>
+                </a:rPr>
+                <a:t> </a:t>
+              </a:r>
+              <a:r>
+                <a:rPr lang="en-US" sz="600" b="1" dirty="0" smtClean="0">
+                  <a:solidFill>
+                    <a:schemeClr val="accent2">
+                      <a:lumMod val="50000"/>
+                    </a:schemeClr>
+                  </a:solidFill>
+                  <a:latin typeface="Courier New" panose="02070309020205020404" pitchFamily="49" charset="0"/>
+                  <a:cs typeface="Courier New" panose="02070309020205020404" pitchFamily="49" charset="0"/>
+                </a:rPr>
+                <a:t>   </a:t>
+              </a:r>
+              <a:r>
+                <a:rPr lang="en-US" sz="600" b="1" dirty="0" err="1" smtClean="0">
+                  <a:solidFill>
+                    <a:schemeClr val="accent2">
+                      <a:lumMod val="50000"/>
+                    </a:schemeClr>
+                  </a:solidFill>
+                  <a:latin typeface="Courier New" panose="02070309020205020404" pitchFamily="49" charset="0"/>
+                  <a:cs typeface="Courier New" panose="02070309020205020404" pitchFamily="49" charset="0"/>
+                </a:rPr>
+                <a:t>facet_wrap</a:t>
+              </a:r>
+              <a:r>
+                <a:rPr lang="en-US" sz="600" b="1" dirty="0" smtClean="0">
+                  <a:solidFill>
+                    <a:schemeClr val="accent2">
+                      <a:lumMod val="50000"/>
+                    </a:schemeClr>
+                  </a:solidFill>
+                  <a:latin typeface="Courier New" panose="02070309020205020404" pitchFamily="49" charset="0"/>
+                  <a:cs typeface="Courier New" panose="02070309020205020404" pitchFamily="49" charset="0"/>
+                </a:rPr>
+                <a:t>(</a:t>
+              </a:r>
+              <a:r>
+                <a:rPr lang="en-US" sz="600" b="1" dirty="0" err="1" smtClean="0">
+                  <a:solidFill>
+                    <a:schemeClr val="accent2">
+                      <a:lumMod val="50000"/>
+                    </a:schemeClr>
+                  </a:solidFill>
+                  <a:latin typeface="Courier New" panose="02070309020205020404" pitchFamily="49" charset="0"/>
+                  <a:cs typeface="Courier New" panose="02070309020205020404" pitchFamily="49" charset="0"/>
+                </a:rPr>
+                <a:t>vars</a:t>
+              </a:r>
+              <a:r>
+                <a:rPr lang="en-US" sz="600" b="1" dirty="0" smtClean="0">
+                  <a:solidFill>
+                    <a:schemeClr val="accent2">
+                      <a:lumMod val="50000"/>
+                    </a:schemeClr>
+                  </a:solidFill>
+                  <a:latin typeface="Courier New" panose="02070309020205020404" pitchFamily="49" charset="0"/>
+                  <a:cs typeface="Courier New" panose="02070309020205020404" pitchFamily="49" charset="0"/>
+                </a:rPr>
+                <a:t>(</a:t>
+              </a:r>
+              <a:r>
+                <a:rPr lang="en-US" sz="600" b="1" dirty="0" smtClean="0">
+                  <a:solidFill>
+                    <a:srgbClr val="C00000"/>
+                  </a:solidFill>
+                  <a:latin typeface="Courier New" panose="02070309020205020404" pitchFamily="49" charset="0"/>
+                  <a:cs typeface="Courier New" panose="02070309020205020404" pitchFamily="49" charset="0"/>
+                </a:rPr>
+                <a:t>Domestic</a:t>
+              </a:r>
+              <a:r>
+                <a:rPr lang="en-US" sz="600" b="1" dirty="0" smtClean="0">
+                  <a:solidFill>
+                    <a:schemeClr val="accent2">
+                      <a:lumMod val="50000"/>
+                    </a:schemeClr>
+                  </a:solidFill>
+                  <a:latin typeface="Courier New" panose="02070309020205020404" pitchFamily="49" charset="0"/>
+                  <a:cs typeface="Courier New" panose="02070309020205020404" pitchFamily="49" charset="0"/>
+                </a:rPr>
+                <a:t>))</a:t>
+              </a:r>
+            </a:p>
+            <a:p>
+              <a:pPr algn="l"/>
+              <a:endParaRPr lang="en-US" sz="600" b="1" dirty="0">
+                <a:solidFill>
+                  <a:schemeClr val="accent2">
+                    <a:lumMod val="50000"/>
+                  </a:schemeClr>
+                </a:solidFill>
+                <a:latin typeface="Courier New" panose="02070309020205020404" pitchFamily="49" charset="0"/>
+                <a:cs typeface="Courier New" panose="02070309020205020404" pitchFamily="49" charset="0"/>
+              </a:endParaRPr>
+            </a:p>
+            <a:p>
+              <a:pPr algn="l"/>
+              <a:endParaRPr lang="en-US" sz="600" b="1" dirty="0" smtClean="0">
+                <a:solidFill>
+                  <a:schemeClr val="accent2">
+                    <a:lumMod val="50000"/>
+                  </a:schemeClr>
+                </a:solidFill>
+                <a:latin typeface="Courier New" panose="02070309020205020404" pitchFamily="49" charset="0"/>
+                <a:cs typeface="Courier New" panose="02070309020205020404" pitchFamily="49" charset="0"/>
+              </a:endParaRPr>
+            </a:p>
+            <a:p>
+              <a:pPr algn="l"/>
+              <a:endParaRPr lang="en-US" sz="600" b="1" dirty="0">
+                <a:solidFill>
+                  <a:schemeClr val="accent2">
+                    <a:lumMod val="50000"/>
+                  </a:schemeClr>
+                </a:solidFill>
+                <a:latin typeface="Courier New" panose="02070309020205020404" pitchFamily="49" charset="0"/>
+                <a:cs typeface="Courier New" panose="02070309020205020404" pitchFamily="49" charset="0"/>
+              </a:endParaRPr>
+            </a:p>
+            <a:p>
+              <a:pPr algn="l"/>
+              <a:endParaRPr lang="en-US" sz="600" b="1" dirty="0" smtClean="0">
+                <a:solidFill>
+                  <a:schemeClr val="accent2">
+                    <a:lumMod val="50000"/>
+                  </a:schemeClr>
+                </a:solidFill>
+                <a:latin typeface="Courier New" panose="02070309020205020404" pitchFamily="49" charset="0"/>
+                <a:cs typeface="Courier New" panose="02070309020205020404" pitchFamily="49" charset="0"/>
+              </a:endParaRPr>
+            </a:p>
+            <a:p>
+              <a:pPr algn="l"/>
+              <a:endParaRPr lang="en-US" sz="600" b="1" dirty="0">
+                <a:solidFill>
+                  <a:schemeClr val="accent2">
+                    <a:lumMod val="50000"/>
+                  </a:schemeClr>
+                </a:solidFill>
+                <a:latin typeface="Courier New" panose="02070309020205020404" pitchFamily="49" charset="0"/>
+                <a:cs typeface="Courier New" panose="02070309020205020404" pitchFamily="49" charset="0"/>
+              </a:endParaRPr>
+            </a:p>
+            <a:p>
+              <a:pPr algn="l"/>
+              <a:endParaRPr lang="en-US" sz="600" b="1" dirty="0" smtClean="0">
+                <a:solidFill>
+                  <a:schemeClr val="accent2">
+                    <a:lumMod val="50000"/>
+                  </a:schemeClr>
+                </a:solidFill>
+                <a:latin typeface="Courier New" panose="02070309020205020404" pitchFamily="49" charset="0"/>
+                <a:cs typeface="Courier New" panose="02070309020205020404" pitchFamily="49" charset="0"/>
+              </a:endParaRPr>
+            </a:p>
+            <a:p>
+              <a:pPr algn="l"/>
+              <a:endParaRPr lang="en-US" sz="900" b="1" dirty="0">
+                <a:solidFill>
+                  <a:schemeClr val="accent2">
+                    <a:lumMod val="50000"/>
+                  </a:schemeClr>
+                </a:solidFill>
+                <a:latin typeface="Courier New" panose="02070309020205020404" pitchFamily="49" charset="0"/>
+                <a:cs typeface="Courier New" panose="02070309020205020404" pitchFamily="49" charset="0"/>
+              </a:endParaRPr>
+            </a:p>
+            <a:p>
+              <a:pPr algn="l"/>
+              <a:endParaRPr lang="en-US" sz="600" b="1" dirty="0" smtClean="0">
+                <a:solidFill>
+                  <a:schemeClr val="accent2">
+                    <a:lumMod val="50000"/>
+                  </a:schemeClr>
+                </a:solidFill>
+                <a:latin typeface="Courier New" panose="02070309020205020404" pitchFamily="49" charset="0"/>
+                <a:cs typeface="Courier New" panose="02070309020205020404" pitchFamily="49" charset="0"/>
+              </a:endParaRPr>
+            </a:p>
+            <a:p>
               <a:pPr algn="l" latinLnBrk="1"/>
               <a:r>
-                <a:rPr lang="en-US" sz="600" dirty="0" smtClean="0">
+                <a:rPr lang="en-US" sz="600" dirty="0">
                   <a:latin typeface="Courier New" panose="02070309020205020404" pitchFamily="49" charset="0"/>
                   <a:cs typeface="Courier New" panose="02070309020205020404" pitchFamily="49" charset="0"/>
                 </a:rPr>
                 <a:t>&gt; </a:t>
               </a:r>
               <a:r>
-                <a:rPr lang="en-US" sz="600" b="1" dirty="0" smtClean="0">
-                  <a:solidFill>
-                    <a:schemeClr val="accent2">
-                      <a:lumMod val="50000"/>
-                    </a:schemeClr>
-                  </a:solidFill>
-                  <a:latin typeface="Courier New" panose="02070309020205020404" pitchFamily="49" charset="0"/>
-                  <a:cs typeface="Courier New" panose="02070309020205020404" pitchFamily="49" charset="0"/>
-                </a:rPr>
-                <a:t>( </a:t>
-              </a:r>
-              <a:r>
                 <a:rPr lang="en-US" sz="600" b="1" dirty="0">
                   <a:solidFill>
-                    <a:srgbClr val="C00000"/>
-                  </a:solidFill>
-                  <a:latin typeface="Courier New" panose="02070309020205020404" pitchFamily="49" charset="0"/>
-                  <a:cs typeface="Courier New" panose="02070309020205020404" pitchFamily="49" charset="0"/>
-                </a:rPr>
-                <a:t>freq2</a:t>
+                    <a:schemeClr val="accent2">
+                      <a:lumMod val="50000"/>
+                    </a:schemeClr>
+                  </a:solidFill>
+                  <a:latin typeface="Courier New" panose="02070309020205020404" pitchFamily="49" charset="0"/>
+                  <a:cs typeface="Courier New" panose="02070309020205020404" pitchFamily="49" charset="0"/>
+                </a:rPr>
+                <a:t>Summarize(</a:t>
+              </a:r>
+              <a:r>
+                <a:rPr lang="en-US" sz="600" b="1" dirty="0" err="1">
+                  <a:solidFill>
+                    <a:srgbClr val="C00000"/>
+                  </a:solidFill>
+                  <a:latin typeface="Courier New" panose="02070309020205020404" pitchFamily="49" charset="0"/>
+                  <a:cs typeface="Courier New" panose="02070309020205020404" pitchFamily="49" charset="0"/>
+                </a:rPr>
+                <a:t>HMPG</a:t>
+              </a:r>
+              <a:r>
+                <a:rPr lang="en-US" sz="600" b="1" dirty="0" err="1">
+                  <a:solidFill>
+                    <a:schemeClr val="accent2">
+                      <a:lumMod val="50000"/>
+                    </a:schemeClr>
+                  </a:solidFill>
+                  <a:latin typeface="Courier New" panose="02070309020205020404" pitchFamily="49" charset="0"/>
+                  <a:cs typeface="Courier New" panose="02070309020205020404" pitchFamily="49" charset="0"/>
+                </a:rPr>
+                <a:t>~</a:t>
+              </a:r>
+              <a:r>
+                <a:rPr lang="en-US" sz="600" b="1" dirty="0" err="1">
+                  <a:solidFill>
+                    <a:srgbClr val="C00000"/>
+                  </a:solidFill>
+                  <a:latin typeface="Courier New" panose="02070309020205020404" pitchFamily="49" charset="0"/>
+                  <a:cs typeface="Courier New" panose="02070309020205020404" pitchFamily="49" charset="0"/>
+                </a:rPr>
+                <a:t>Domestic</a:t>
+              </a:r>
+              <a:r>
+                <a:rPr lang="en-US" sz="600" b="1" dirty="0" err="1">
+                  <a:solidFill>
+                    <a:schemeClr val="accent2">
+                      <a:lumMod val="50000"/>
+                    </a:schemeClr>
+                  </a:solidFill>
+                  <a:latin typeface="Courier New" panose="02070309020205020404" pitchFamily="49" charset="0"/>
+                  <a:cs typeface="Courier New" panose="02070309020205020404" pitchFamily="49" charset="0"/>
+                </a:rPr>
+                <a:t>,data</a:t>
               </a:r>
               <a:r>
                 <a:rPr lang="en-US" sz="600" b="1" dirty="0">
@@ -17111,19 +17081,29 @@
                   <a:latin typeface="Courier New" panose="02070309020205020404" pitchFamily="49" charset="0"/>
                   <a:cs typeface="Courier New" panose="02070309020205020404" pitchFamily="49" charset="0"/>
                 </a:rPr>
-                <a:t> &lt;- </a:t>
+                <a:t>=</a:t>
               </a:r>
               <a:r>
                 <a:rPr lang="en-US" sz="600" b="1" dirty="0" err="1">
                   <a:solidFill>
-                    <a:schemeClr val="accent2">
-                      <a:lumMod val="50000"/>
-                    </a:schemeClr>
-                  </a:solidFill>
-                  <a:latin typeface="Courier New" panose="02070309020205020404" pitchFamily="49" charset="0"/>
-                  <a:cs typeface="Courier New" panose="02070309020205020404" pitchFamily="49" charset="0"/>
-                </a:rPr>
-                <a:t>xtabs</a:t>
+                    <a:srgbClr val="C00000"/>
+                  </a:solidFill>
+                  <a:latin typeface="Courier New" panose="02070309020205020404" pitchFamily="49" charset="0"/>
+                  <a:cs typeface="Courier New" panose="02070309020205020404" pitchFamily="49" charset="0"/>
+                </a:rPr>
+                <a:t>dfcar</a:t>
+              </a:r>
+              <a:r>
+                <a:rPr lang="en-US" sz="600" b="1" dirty="0" err="1">
+                  <a:solidFill>
+                    <a:schemeClr val="accent2">
+                      <a:lumMod val="50000"/>
+                    </a:schemeClr>
+                  </a:solidFill>
+                  <a:latin typeface="Courier New" panose="02070309020205020404" pitchFamily="49" charset="0"/>
+                  <a:cs typeface="Courier New" panose="02070309020205020404" pitchFamily="49" charset="0"/>
+                </a:rPr>
+                <a:t>,digits</a:t>
               </a:r>
               <a:r>
                 <a:rPr lang="en-US" sz="600" b="1" dirty="0">
@@ -17135,89 +17115,21 @@
                   <a:latin typeface="Courier New" panose="02070309020205020404" pitchFamily="49" charset="0"/>
                   <a:cs typeface="Courier New" panose="02070309020205020404" pitchFamily="49" charset="0"/>
                 </a:rPr>
-                <a:t>(~</a:t>
-              </a:r>
-              <a:r>
-                <a:rPr lang="en-US" sz="600" b="1" dirty="0" err="1" smtClean="0">
-                  <a:solidFill>
-                    <a:srgbClr val="C00000"/>
-                  </a:solidFill>
-                  <a:latin typeface="Courier New" panose="02070309020205020404" pitchFamily="49" charset="0"/>
-                  <a:cs typeface="Courier New" panose="02070309020205020404" pitchFamily="49" charset="0"/>
-                </a:rPr>
-                <a:t>Domestic</a:t>
-              </a:r>
-              <a:r>
-                <a:rPr lang="en-US" sz="600" b="1" dirty="0" err="1" smtClean="0">
-                  <a:solidFill>
-                    <a:schemeClr val="accent2">
-                      <a:lumMod val="50000"/>
-                    </a:schemeClr>
-                  </a:solidFill>
-                  <a:latin typeface="Courier New" panose="02070309020205020404" pitchFamily="49" charset="0"/>
-                  <a:cs typeface="Courier New" panose="02070309020205020404" pitchFamily="49" charset="0"/>
-                </a:rPr>
-                <a:t>+</a:t>
-              </a:r>
-              <a:r>
-                <a:rPr lang="en-US" sz="600" b="1" dirty="0" err="1" smtClean="0">
-                  <a:solidFill>
-                    <a:srgbClr val="C00000"/>
-                  </a:solidFill>
-                  <a:latin typeface="Courier New" panose="02070309020205020404" pitchFamily="49" charset="0"/>
-                  <a:cs typeface="Courier New" panose="02070309020205020404" pitchFamily="49" charset="0"/>
-                </a:rPr>
-                <a:t>Manual</a:t>
-              </a:r>
-              <a:r>
-                <a:rPr lang="en-US" sz="600" b="1" dirty="0" err="1" smtClean="0">
-                  <a:solidFill>
-                    <a:schemeClr val="accent2">
-                      <a:lumMod val="50000"/>
-                    </a:schemeClr>
-                  </a:solidFill>
-                  <a:latin typeface="Courier New" panose="02070309020205020404" pitchFamily="49" charset="0"/>
-                  <a:cs typeface="Courier New" panose="02070309020205020404" pitchFamily="49" charset="0"/>
-                </a:rPr>
-                <a:t>,data</a:t>
-              </a:r>
-              <a:r>
-                <a:rPr lang="en-US" sz="600" b="1" dirty="0" smtClean="0">
-                  <a:solidFill>
-                    <a:schemeClr val="accent2">
-                      <a:lumMod val="50000"/>
-                    </a:schemeClr>
-                  </a:solidFill>
-                  <a:latin typeface="Courier New" panose="02070309020205020404" pitchFamily="49" charset="0"/>
-                  <a:cs typeface="Courier New" panose="02070309020205020404" pitchFamily="49" charset="0"/>
-                </a:rPr>
                 <a:t>=</a:t>
               </a:r>
               <a:r>
-                <a:rPr lang="en-US" sz="600" b="1" dirty="0" err="1" smtClean="0">
-                  <a:solidFill>
-                    <a:srgbClr val="C00000"/>
-                  </a:solidFill>
-                  <a:latin typeface="Courier New" panose="02070309020205020404" pitchFamily="49" charset="0"/>
-                  <a:cs typeface="Courier New" panose="02070309020205020404" pitchFamily="49" charset="0"/>
-                </a:rPr>
-                <a:t>dfcar</a:t>
-              </a:r>
-              <a:r>
-                <a:rPr lang="en-US" sz="600" b="1" dirty="0" smtClean="0">
-                  <a:solidFill>
-                    <a:schemeClr val="accent2">
-                      <a:lumMod val="50000"/>
-                    </a:schemeClr>
-                  </a:solidFill>
-                  <a:latin typeface="Courier New" panose="02070309020205020404" pitchFamily="49" charset="0"/>
-                  <a:cs typeface="Courier New" panose="02070309020205020404" pitchFamily="49" charset="0"/>
-                </a:rPr>
-                <a:t>) </a:t>
-              </a:r>
-              <a:r>
                 <a:rPr lang="en-US" sz="600" b="1" dirty="0">
                   <a:solidFill>
+                    <a:srgbClr val="C00000"/>
+                  </a:solidFill>
+                  <a:latin typeface="Courier New" panose="02070309020205020404" pitchFamily="49" charset="0"/>
+                  <a:cs typeface="Courier New" panose="02070309020205020404" pitchFamily="49" charset="0"/>
+                </a:rPr>
+                <a:t>1</a:t>
+              </a:r>
+              <a:r>
+                <a:rPr lang="en-US" sz="600" b="1" dirty="0">
+                  <a:solidFill>
                     <a:schemeClr val="accent2">
                       <a:lumMod val="50000"/>
                     </a:schemeClr>
@@ -17231,18 +17143,25 @@
             <a:p>
               <a:pPr algn="l" latinLnBrk="1"/>
               <a:r>
-                <a:rPr lang="en-US" sz="600" dirty="0" smtClean="0">
-                  <a:latin typeface="Courier New" panose="02070309020205020404" pitchFamily="49" charset="0"/>
-                  <a:cs typeface="Courier New" panose="02070309020205020404" pitchFamily="49" charset="0"/>
-                </a:rPr>
-                <a:t>           </a:t>
-              </a:r>
-              <a:r>
                 <a:rPr lang="en-US" sz="600" dirty="0">
                   <a:latin typeface="Courier New" panose="02070309020205020404" pitchFamily="49" charset="0"/>
                   <a:cs typeface="Courier New" panose="02070309020205020404" pitchFamily="49" charset="0"/>
                 </a:rPr>
-                <a:t>Manual</a:t>
+                <a:t>   Domestic  n mean  </a:t>
+              </a:r>
+              <a:r>
+                <a:rPr lang="en-US" sz="600" dirty="0" err="1">
+                  <a:latin typeface="Courier New" panose="02070309020205020404" pitchFamily="49" charset="0"/>
+                  <a:cs typeface="Courier New" panose="02070309020205020404" pitchFamily="49" charset="0"/>
+                </a:rPr>
+                <a:t>sd</a:t>
+              </a:r>
+              <a:r>
+                <a:rPr lang="en-US" sz="600" dirty="0">
+                  <a:latin typeface="Courier New" panose="02070309020205020404" pitchFamily="49" charset="0"/>
+                  <a:cs typeface="Courier New" panose="02070309020205020404" pitchFamily="49" charset="0"/>
+                </a:rPr>
+                <a:t> min Q1 median Q3 max</a:t>
               </a:r>
               <a:br>
                 <a:rPr lang="en-US" sz="600" dirty="0">
@@ -17251,18 +17170,11 @@
                 </a:rPr>
               </a:br>
               <a:r>
-                <a:rPr lang="en-US" sz="600" dirty="0" smtClean="0">
-                  <a:latin typeface="Courier New" panose="02070309020205020404" pitchFamily="49" charset="0"/>
-                  <a:cs typeface="Courier New" panose="02070309020205020404" pitchFamily="49" charset="0"/>
-                </a:rPr>
-                <a:t>   </a:t>
-              </a:r>
-              <a:r>
                 <a:rPr lang="en-US" sz="600" dirty="0">
                   <a:latin typeface="Courier New" panose="02070309020205020404" pitchFamily="49" charset="0"/>
                   <a:cs typeface="Courier New" panose="02070309020205020404" pitchFamily="49" charset="0"/>
                 </a:rPr>
-                <a:t>Domestic No Yes</a:t>
+                <a:t> 1       No 45 30.1 6.2  21 25     30 33  50</a:t>
               </a:r>
               <a:br>
                 <a:rPr lang="en-US" sz="600" dirty="0">
@@ -17271,44 +17183,260 @@
                 </a:rPr>
               </a:br>
               <a:r>
+                <a:rPr lang="en-US" sz="600" dirty="0">
+                  <a:latin typeface="Courier New" panose="02070309020205020404" pitchFamily="49" charset="0"/>
+                  <a:cs typeface="Courier New" panose="02070309020205020404" pitchFamily="49" charset="0"/>
+                </a:rPr>
+                <a:t> 2      Yes 48 28.1 4.2  20 26     28 30  41</a:t>
+              </a:r>
+            </a:p>
+            <a:p>
+              <a:pPr algn="l"/>
+              <a:endParaRPr lang="en-US" sz="600" b="1" dirty="0" smtClean="0">
+                <a:solidFill>
+                  <a:schemeClr val="accent2">
+                    <a:lumMod val="50000"/>
+                  </a:schemeClr>
+                </a:solidFill>
+                <a:latin typeface="Courier New" panose="02070309020205020404" pitchFamily="49" charset="0"/>
+                <a:cs typeface="Courier New" panose="02070309020205020404" pitchFamily="49" charset="0"/>
+              </a:endParaRPr>
+            </a:p>
+            <a:p>
+              <a:pPr algn="l"/>
+              <a:endParaRPr lang="en-US" sz="600" dirty="0">
+                <a:latin typeface="Cordia New" panose="020B0304020202020204" pitchFamily="34" charset="-34"/>
+                <a:cs typeface="Cordia New" panose="020B0304020202020204" pitchFamily="34" charset="-34"/>
+              </a:endParaRPr>
+            </a:p>
+          </p:txBody>
+        </p:sp>
+        <p:pic>
+          <p:nvPicPr>
+            <p:cNvPr id="11" name="Picture 10"/>
+            <p:cNvPicPr>
+              <a:picLocks noChangeAspect="1"/>
+            </p:cNvPicPr>
+            <p:nvPr/>
+          </p:nvPicPr>
+          <p:blipFill>
+            <a:blip r:embed="rId4"/>
+            <a:stretch>
+              <a:fillRect/>
+            </a:stretch>
+          </p:blipFill>
+          <p:spPr>
+            <a:xfrm>
+              <a:off x="3829634" y="2226069"/>
+              <a:ext cx="1478604" cy="731520"/>
+            </a:xfrm>
+            <a:prstGeom prst="rect">
+              <a:avLst/>
+            </a:prstGeom>
+          </p:spPr>
+        </p:pic>
+      </p:grpSp>
+      <p:grpSp>
+        <p:nvGrpSpPr>
+          <p:cNvPr id="21" name="Group 20"/>
+          <p:cNvGrpSpPr/>
+          <p:nvPr/>
+        </p:nvGrpSpPr>
+        <p:grpSpPr>
+          <a:xfrm>
+            <a:off x="3089617" y="2936167"/>
+            <a:ext cx="2931816" cy="3397722"/>
+            <a:chOff x="3051517" y="3150480"/>
+            <a:chExt cx="2931816" cy="3397722"/>
+          </a:xfrm>
+        </p:grpSpPr>
+        <p:sp>
+          <p:nvSpPr>
+            <p:cNvPr id="78" name="Shape 34"/>
+            <p:cNvSpPr/>
+            <p:nvPr/>
+          </p:nvSpPr>
+          <p:spPr>
+            <a:xfrm>
+              <a:off x="3057253" y="4195011"/>
+              <a:ext cx="2926080" cy="2353191"/>
+            </a:xfrm>
+            <a:prstGeom prst="roundRect">
+              <a:avLst>
+                <a:gd name="adj" fmla="val 1194"/>
+              </a:avLst>
+            </a:prstGeom>
+            <a:solidFill>
+              <a:srgbClr val="FCFAEE"/>
+            </a:solidFill>
+            <a:ln w="12700">
+              <a:miter lim="400000"/>
+            </a:ln>
+          </p:spPr>
+          <p:txBody>
+            <a:bodyPr lIns="45720" tIns="45720" rIns="0" bIns="0" anchor="t">
+              <a:noAutofit/>
+            </a:bodyPr>
+            <a:lstStyle/>
+            <a:p>
+              <a:pPr algn="l" latinLnBrk="1"/>
+              <a:r>
                 <a:rPr lang="en-US" sz="600" dirty="0" smtClean="0">
                   <a:latin typeface="Courier New" panose="02070309020205020404" pitchFamily="49" charset="0"/>
                   <a:cs typeface="Courier New" panose="02070309020205020404" pitchFamily="49" charset="0"/>
                 </a:rPr>
-                <a:t>        </a:t>
-              </a:r>
-              <a:r>
-                <a:rPr lang="en-US" sz="600" dirty="0">
-                  <a:latin typeface="Courier New" panose="02070309020205020404" pitchFamily="49" charset="0"/>
-                  <a:cs typeface="Courier New" panose="02070309020205020404" pitchFamily="49" charset="0"/>
-                </a:rPr>
-                <a:t>No   6  39</a:t>
-              </a:r>
-              <a:br>
-                <a:rPr lang="en-US" sz="600" dirty="0">
-                  <a:latin typeface="Courier New" panose="02070309020205020404" pitchFamily="49" charset="0"/>
-                  <a:cs typeface="Courier New" panose="02070309020205020404" pitchFamily="49" charset="0"/>
-                </a:rPr>
-              </a:br>
+                <a:t>&gt; </a:t>
+              </a:r>
+              <a:r>
+                <a:rPr lang="en-US" sz="600" b="1" dirty="0" smtClean="0">
+                  <a:solidFill>
+                    <a:srgbClr val="C00000"/>
+                  </a:solidFill>
+                  <a:latin typeface="Courier New" panose="02070309020205020404" pitchFamily="49" charset="0"/>
+                  <a:cs typeface="Courier New" panose="02070309020205020404" pitchFamily="49" charset="0"/>
+                </a:rPr>
+                <a:t>freq2</a:t>
+              </a:r>
+              <a:r>
+                <a:rPr lang="en-US" sz="600" b="1" dirty="0" smtClean="0">
+                  <a:solidFill>
+                    <a:schemeClr val="accent2">
+                      <a:lumMod val="50000"/>
+                    </a:schemeClr>
+                  </a:solidFill>
+                  <a:latin typeface="Courier New" panose="02070309020205020404" pitchFamily="49" charset="0"/>
+                  <a:cs typeface="Courier New" panose="02070309020205020404" pitchFamily="49" charset="0"/>
+                </a:rPr>
+                <a:t> </a:t>
+              </a:r>
+              <a:r>
+                <a:rPr lang="en-US" sz="600" b="1" dirty="0">
+                  <a:solidFill>
+                    <a:schemeClr val="accent2">
+                      <a:lumMod val="50000"/>
+                    </a:schemeClr>
+                  </a:solidFill>
+                  <a:latin typeface="Courier New" panose="02070309020205020404" pitchFamily="49" charset="0"/>
+                  <a:cs typeface="Courier New" panose="02070309020205020404" pitchFamily="49" charset="0"/>
+                </a:rPr>
+                <a:t>&lt;- </a:t>
+              </a:r>
+              <a:r>
+                <a:rPr lang="en-US" sz="600" b="1" dirty="0" err="1">
+                  <a:solidFill>
+                    <a:schemeClr val="accent2">
+                      <a:lumMod val="50000"/>
+                    </a:schemeClr>
+                  </a:solidFill>
+                  <a:latin typeface="Courier New" panose="02070309020205020404" pitchFamily="49" charset="0"/>
+                  <a:cs typeface="Courier New" panose="02070309020205020404" pitchFamily="49" charset="0"/>
+                </a:rPr>
+                <a:t>xtabs</a:t>
+              </a:r>
+              <a:r>
+                <a:rPr lang="en-US" sz="600" b="1" dirty="0">
+                  <a:solidFill>
+                    <a:schemeClr val="accent2">
+                      <a:lumMod val="50000"/>
+                    </a:schemeClr>
+                  </a:solidFill>
+                  <a:latin typeface="Courier New" panose="02070309020205020404" pitchFamily="49" charset="0"/>
+                  <a:cs typeface="Courier New" panose="02070309020205020404" pitchFamily="49" charset="0"/>
+                </a:rPr>
+                <a:t>(~</a:t>
+              </a:r>
+              <a:r>
+                <a:rPr lang="en-US" sz="600" b="1" dirty="0" err="1" smtClean="0">
+                  <a:solidFill>
+                    <a:srgbClr val="C00000"/>
+                  </a:solidFill>
+                  <a:latin typeface="Courier New" panose="02070309020205020404" pitchFamily="49" charset="0"/>
+                  <a:cs typeface="Courier New" panose="02070309020205020404" pitchFamily="49" charset="0"/>
+                </a:rPr>
+                <a:t>Domestic</a:t>
+              </a:r>
+              <a:r>
+                <a:rPr lang="en-US" sz="600" b="1" dirty="0" err="1" smtClean="0">
+                  <a:solidFill>
+                    <a:schemeClr val="accent2">
+                      <a:lumMod val="50000"/>
+                    </a:schemeClr>
+                  </a:solidFill>
+                  <a:latin typeface="Courier New" panose="02070309020205020404" pitchFamily="49" charset="0"/>
+                  <a:cs typeface="Courier New" panose="02070309020205020404" pitchFamily="49" charset="0"/>
+                </a:rPr>
+                <a:t>+</a:t>
+              </a:r>
+              <a:r>
+                <a:rPr lang="en-US" sz="600" b="1" dirty="0" err="1" smtClean="0">
+                  <a:solidFill>
+                    <a:srgbClr val="C00000"/>
+                  </a:solidFill>
+                  <a:latin typeface="Courier New" panose="02070309020205020404" pitchFamily="49" charset="0"/>
+                  <a:cs typeface="Courier New" panose="02070309020205020404" pitchFamily="49" charset="0"/>
+                </a:rPr>
+                <a:t>Manual</a:t>
+              </a:r>
+              <a:r>
+                <a:rPr lang="en-US" sz="600" b="1" dirty="0" err="1" smtClean="0">
+                  <a:solidFill>
+                    <a:schemeClr val="accent2">
+                      <a:lumMod val="50000"/>
+                    </a:schemeClr>
+                  </a:solidFill>
+                  <a:latin typeface="Courier New" panose="02070309020205020404" pitchFamily="49" charset="0"/>
+                  <a:cs typeface="Courier New" panose="02070309020205020404" pitchFamily="49" charset="0"/>
+                </a:rPr>
+                <a:t>,data</a:t>
+              </a:r>
+              <a:r>
+                <a:rPr lang="en-US" sz="600" b="1" dirty="0" smtClean="0">
+                  <a:solidFill>
+                    <a:schemeClr val="accent2">
+                      <a:lumMod val="50000"/>
+                    </a:schemeClr>
+                  </a:solidFill>
+                  <a:latin typeface="Courier New" panose="02070309020205020404" pitchFamily="49" charset="0"/>
+                  <a:cs typeface="Courier New" panose="02070309020205020404" pitchFamily="49" charset="0"/>
+                </a:rPr>
+                <a:t>=</a:t>
+              </a:r>
+              <a:r>
+                <a:rPr lang="en-US" sz="600" b="1" dirty="0" err="1" smtClean="0">
+                  <a:solidFill>
+                    <a:srgbClr val="C00000"/>
+                  </a:solidFill>
+                  <a:latin typeface="Courier New" panose="02070309020205020404" pitchFamily="49" charset="0"/>
+                  <a:cs typeface="Courier New" panose="02070309020205020404" pitchFamily="49" charset="0"/>
+                </a:rPr>
+                <a:t>dfcar</a:t>
+              </a:r>
+              <a:r>
+                <a:rPr lang="en-US" sz="600" b="1" dirty="0" smtClean="0">
+                  <a:solidFill>
+                    <a:schemeClr val="accent2">
+                      <a:lumMod val="50000"/>
+                    </a:schemeClr>
+                  </a:solidFill>
+                  <a:latin typeface="Courier New" panose="02070309020205020404" pitchFamily="49" charset="0"/>
+                  <a:cs typeface="Courier New" panose="02070309020205020404" pitchFamily="49" charset="0"/>
+                </a:rPr>
+                <a:t>)</a:t>
+              </a:r>
+              <a:endParaRPr lang="en-US" sz="600" b="1" dirty="0">
+                <a:solidFill>
+                  <a:schemeClr val="accent2">
+                    <a:lumMod val="50000"/>
+                  </a:schemeClr>
+                </a:solidFill>
+                <a:latin typeface="Courier New" panose="02070309020205020404" pitchFamily="49" charset="0"/>
+                <a:cs typeface="Courier New" panose="02070309020205020404" pitchFamily="49" charset="0"/>
+              </a:endParaRPr>
+            </a:p>
+            <a:p>
+              <a:pPr algn="l" latinLnBrk="1"/>
               <a:r>
                 <a:rPr lang="en-US" sz="600" dirty="0" smtClean="0">
-                  <a:latin typeface="Courier New" panose="02070309020205020404" pitchFamily="49" charset="0"/>
-                  <a:cs typeface="Courier New" panose="02070309020205020404" pitchFamily="49" charset="0"/>
-                </a:rPr>
-                <a:t>        </a:t>
-              </a:r>
-              <a:r>
-                <a:rPr lang="en-US" sz="600" dirty="0">
-                  <a:latin typeface="Courier New" panose="02070309020205020404" pitchFamily="49" charset="0"/>
-                  <a:cs typeface="Courier New" panose="02070309020205020404" pitchFamily="49" charset="0"/>
-                </a:rPr>
-                <a:t>Yes 26  22</a:t>
-              </a:r>
-            </a:p>
-            <a:p>
-              <a:pPr algn="l" latinLnBrk="1"/>
-              <a:r>
-                <a:rPr lang="en-US" sz="600" dirty="0">
                   <a:latin typeface="Courier New" panose="02070309020205020404" pitchFamily="49" charset="0"/>
                   <a:cs typeface="Courier New" panose="02070309020205020404" pitchFamily="49" charset="0"/>
                 </a:rPr>
@@ -18123,7 +18251,7 @@
             </a:ln>
             <a:extLst>
               <a:ext uri="{C572A759-6A51-4108-AA02-DFA0A04FC94B}">
-                <ma14:wrappingTextBoxFlag xmlns="" xmlns:ma14="http://schemas.microsoft.com/office/mac/drawingml/2011/main" val="1"/>
+                <ma14:wrappingTextBoxFlag xmlns:ma14="http://schemas.microsoft.com/office/mac/drawingml/2011/main" xmlns="" val="1"/>
               </a:ext>
             </a:extLst>
           </p:spPr>
@@ -18209,17 +18337,6 @@
               <a:r>
                 <a:rPr lang="en-US" sz="800" dirty="0" smtClean="0">
                   <a:solidFill>
-                    <a:schemeClr val="accent2">
-                      <a:lumMod val="50000"/>
-                    </a:schemeClr>
-                  </a:solidFill>
-                  <a:latin typeface="Calibri" panose="020F0502020204030204" pitchFamily="34" charset="0"/>
-                </a:rPr>
-                <a:t>( </a:t>
-              </a:r>
-              <a:r>
-                <a:rPr lang="en-US" sz="800" dirty="0" smtClean="0">
-                  <a:solidFill>
                     <a:srgbClr val="C00000"/>
                   </a:solidFill>
                   <a:latin typeface="Calibri" panose="020F0502020204030204" pitchFamily="34" charset="0"/>
@@ -18317,8 +18434,16 @@
                   </a:solidFill>
                   <a:latin typeface="Calibri" panose="020F0502020204030204" pitchFamily="34" charset="0"/>
                 </a:rPr>
-                <a:t>) )</a:t>
-              </a:r>
+                <a:t>)</a:t>
+              </a:r>
+              <a:endParaRPr lang="en-US" sz="800" dirty="0" smtClean="0">
+                <a:solidFill>
+                  <a:schemeClr val="accent2">
+                    <a:lumMod val="50000"/>
+                  </a:schemeClr>
+                </a:solidFill>
+                <a:latin typeface="Calibri" panose="020F0502020204030204" pitchFamily="34" charset="0"/>
+              </a:endParaRPr>
             </a:p>
             <a:p>
               <a:pPr algn="l" defTabSz="320174" rtl="0" latinLnBrk="1" hangingPunct="0"/>
@@ -18594,16 +18719,16 @@
       </p:grpSp>
       <p:grpSp>
         <p:nvGrpSpPr>
-          <p:cNvPr id="30" name="Group 29"/>
+          <p:cNvPr id="2" name="Group 1"/>
           <p:cNvGrpSpPr/>
           <p:nvPr/>
         </p:nvGrpSpPr>
         <p:grpSpPr>
           <a:xfrm>
             <a:off x="6102295" y="36413"/>
-            <a:ext cx="2926080" cy="2822963"/>
-            <a:chOff x="6045145" y="36413"/>
-            <a:chExt cx="2926080" cy="2822963"/>
+            <a:ext cx="2926080" cy="2824266"/>
+            <a:chOff x="6102295" y="36413"/>
+            <a:chExt cx="2926080" cy="2824266"/>
           </a:xfrm>
         </p:grpSpPr>
         <p:sp>
@@ -18614,8 +18739,8 @@
           </p:nvSpPr>
           <p:spPr>
             <a:xfrm>
-              <a:off x="6045145" y="1084912"/>
-              <a:ext cx="2926080" cy="1774464"/>
+              <a:off x="6102295" y="1167222"/>
+              <a:ext cx="2926080" cy="1693457"/>
             </a:xfrm>
             <a:prstGeom prst="roundRect">
               <a:avLst>
@@ -18637,6 +18762,599 @@
             <a:p>
               <a:pPr algn="l" latinLnBrk="1"/>
               <a:r>
+                <a:rPr lang="en-US" sz="600" dirty="0" smtClean="0">
+                  <a:latin typeface="Courier New" panose="02070309020205020404" pitchFamily="49" charset="0"/>
+                  <a:cs typeface="Courier New" panose="02070309020205020404" pitchFamily="49" charset="0"/>
+                </a:rPr>
+                <a:t>&gt; </a:t>
+              </a:r>
+              <a:r>
+                <a:rPr lang="en-US" sz="600" b="1" dirty="0" err="1">
+                  <a:solidFill>
+                    <a:schemeClr val="accent2">
+                      <a:lumMod val="50000"/>
+                    </a:schemeClr>
+                  </a:solidFill>
+                  <a:latin typeface="Courier New" panose="02070309020205020404" pitchFamily="49" charset="0"/>
+                  <a:cs typeface="Courier New" panose="02070309020205020404" pitchFamily="49" charset="0"/>
+                </a:rPr>
+                <a:t>ggplot</a:t>
+              </a:r>
+              <a:r>
+                <a:rPr lang="en-US" sz="600" b="1" dirty="0">
+                  <a:solidFill>
+                    <a:schemeClr val="accent2">
+                      <a:lumMod val="50000"/>
+                    </a:schemeClr>
+                  </a:solidFill>
+                  <a:latin typeface="Courier New" panose="02070309020205020404" pitchFamily="49" charset="0"/>
+                  <a:cs typeface="Courier New" panose="02070309020205020404" pitchFamily="49" charset="0"/>
+                </a:rPr>
+                <a:t>(data=</a:t>
+              </a:r>
+              <a:r>
+                <a:rPr lang="en-US" sz="600" b="1" dirty="0" err="1">
+                  <a:solidFill>
+                    <a:srgbClr val="C00000"/>
+                  </a:solidFill>
+                  <a:latin typeface="Courier New" panose="02070309020205020404" pitchFamily="49" charset="0"/>
+                  <a:cs typeface="Courier New" panose="02070309020205020404" pitchFamily="49" charset="0"/>
+                </a:rPr>
+                <a:t>dfcar</a:t>
+              </a:r>
+              <a:r>
+                <a:rPr lang="en-US" sz="600" b="1" dirty="0" err="1">
+                  <a:solidFill>
+                    <a:schemeClr val="accent2">
+                      <a:lumMod val="50000"/>
+                    </a:schemeClr>
+                  </a:solidFill>
+                  <a:latin typeface="Courier New" panose="02070309020205020404" pitchFamily="49" charset="0"/>
+                  <a:cs typeface="Courier New" panose="02070309020205020404" pitchFamily="49" charset="0"/>
+                </a:rPr>
+                <a:t>,mapping</a:t>
+              </a:r>
+              <a:r>
+                <a:rPr lang="en-US" sz="600" b="1" dirty="0">
+                  <a:solidFill>
+                    <a:schemeClr val="accent2">
+                      <a:lumMod val="50000"/>
+                    </a:schemeClr>
+                  </a:solidFill>
+                  <a:latin typeface="Courier New" panose="02070309020205020404" pitchFamily="49" charset="0"/>
+                  <a:cs typeface="Courier New" panose="02070309020205020404" pitchFamily="49" charset="0"/>
+                </a:rPr>
+                <a:t>=</a:t>
+              </a:r>
+              <a:r>
+                <a:rPr lang="en-US" sz="600" b="1" dirty="0" err="1">
+                  <a:solidFill>
+                    <a:schemeClr val="accent2">
+                      <a:lumMod val="50000"/>
+                    </a:schemeClr>
+                  </a:solidFill>
+                  <a:latin typeface="Courier New" panose="02070309020205020404" pitchFamily="49" charset="0"/>
+                  <a:cs typeface="Courier New" panose="02070309020205020404" pitchFamily="49" charset="0"/>
+                </a:rPr>
+                <a:t>aes</a:t>
+              </a:r>
+              <a:r>
+                <a:rPr lang="en-US" sz="600" b="1" dirty="0">
+                  <a:solidFill>
+                    <a:schemeClr val="accent2">
+                      <a:lumMod val="50000"/>
+                    </a:schemeClr>
+                  </a:solidFill>
+                  <a:latin typeface="Courier New" panose="02070309020205020404" pitchFamily="49" charset="0"/>
+                  <a:cs typeface="Courier New" panose="02070309020205020404" pitchFamily="49" charset="0"/>
+                </a:rPr>
+                <a:t>(x=</a:t>
+              </a:r>
+              <a:r>
+                <a:rPr lang="en-US" sz="600" b="1" dirty="0" err="1">
+                  <a:solidFill>
+                    <a:srgbClr val="C00000"/>
+                  </a:solidFill>
+                  <a:latin typeface="Courier New" panose="02070309020205020404" pitchFamily="49" charset="0"/>
+                  <a:cs typeface="Courier New" panose="02070309020205020404" pitchFamily="49" charset="0"/>
+                </a:rPr>
+                <a:t>Weight</a:t>
+              </a:r>
+              <a:r>
+                <a:rPr lang="en-US" sz="600" b="1" dirty="0" err="1">
+                  <a:solidFill>
+                    <a:schemeClr val="accent2">
+                      <a:lumMod val="50000"/>
+                    </a:schemeClr>
+                  </a:solidFill>
+                  <a:latin typeface="Courier New" panose="02070309020205020404" pitchFamily="49" charset="0"/>
+                  <a:cs typeface="Courier New" panose="02070309020205020404" pitchFamily="49" charset="0"/>
+                </a:rPr>
+                <a:t>,y</a:t>
+              </a:r>
+              <a:r>
+                <a:rPr lang="en-US" sz="600" b="1" dirty="0">
+                  <a:solidFill>
+                    <a:schemeClr val="accent2">
+                      <a:lumMod val="50000"/>
+                    </a:schemeClr>
+                  </a:solidFill>
+                  <a:latin typeface="Courier New" panose="02070309020205020404" pitchFamily="49" charset="0"/>
+                  <a:cs typeface="Courier New" panose="02070309020205020404" pitchFamily="49" charset="0"/>
+                </a:rPr>
+                <a:t>=</a:t>
+              </a:r>
+              <a:r>
+                <a:rPr lang="en-US" sz="600" b="1" dirty="0">
+                  <a:solidFill>
+                    <a:srgbClr val="C00000"/>
+                  </a:solidFill>
+                  <a:latin typeface="Courier New" panose="02070309020205020404" pitchFamily="49" charset="0"/>
+                  <a:cs typeface="Courier New" panose="02070309020205020404" pitchFamily="49" charset="0"/>
+                </a:rPr>
+                <a:t>HMPG</a:t>
+              </a:r>
+              <a:r>
+                <a:rPr lang="en-US" sz="600" b="1" dirty="0">
+                  <a:solidFill>
+                    <a:schemeClr val="accent2">
+                      <a:lumMod val="50000"/>
+                    </a:schemeClr>
+                  </a:solidFill>
+                  <a:latin typeface="Courier New" panose="02070309020205020404" pitchFamily="49" charset="0"/>
+                  <a:cs typeface="Courier New" panose="02070309020205020404" pitchFamily="49" charset="0"/>
+                </a:rPr>
+                <a:t>)) +</a:t>
+              </a:r>
+            </a:p>
+            <a:p>
+              <a:pPr algn="l" latinLnBrk="1"/>
+              <a:r>
+                <a:rPr lang="en-US" sz="600" b="1" dirty="0">
+                  <a:solidFill>
+                    <a:schemeClr val="accent2">
+                      <a:lumMod val="50000"/>
+                    </a:schemeClr>
+                  </a:solidFill>
+                  <a:latin typeface="Courier New" panose="02070309020205020404" pitchFamily="49" charset="0"/>
+                  <a:cs typeface="Courier New" panose="02070309020205020404" pitchFamily="49" charset="0"/>
+                </a:rPr>
+                <a:t>  </a:t>
+              </a:r>
+              <a:r>
+                <a:rPr lang="en-US" sz="600" b="1" dirty="0" smtClean="0">
+                  <a:solidFill>
+                    <a:schemeClr val="accent2">
+                      <a:lumMod val="50000"/>
+                    </a:schemeClr>
+                  </a:solidFill>
+                  <a:latin typeface="Courier New" panose="02070309020205020404" pitchFamily="49" charset="0"/>
+                  <a:cs typeface="Courier New" panose="02070309020205020404" pitchFamily="49" charset="0"/>
+                </a:rPr>
+                <a:t>  </a:t>
+              </a:r>
+              <a:r>
+                <a:rPr lang="en-US" sz="600" b="1" dirty="0" err="1" smtClean="0">
+                  <a:solidFill>
+                    <a:schemeClr val="accent2">
+                      <a:lumMod val="50000"/>
+                    </a:schemeClr>
+                  </a:solidFill>
+                  <a:latin typeface="Courier New" panose="02070309020205020404" pitchFamily="49" charset="0"/>
+                  <a:cs typeface="Courier New" panose="02070309020205020404" pitchFamily="49" charset="0"/>
+                </a:rPr>
+                <a:t>geom_point</a:t>
+              </a:r>
+              <a:r>
+                <a:rPr lang="en-US" sz="600" b="1" dirty="0" smtClean="0">
+                  <a:solidFill>
+                    <a:schemeClr val="accent2">
+                      <a:lumMod val="50000"/>
+                    </a:schemeClr>
+                  </a:solidFill>
+                  <a:latin typeface="Courier New" panose="02070309020205020404" pitchFamily="49" charset="0"/>
+                  <a:cs typeface="Courier New" panose="02070309020205020404" pitchFamily="49" charset="0"/>
+                </a:rPr>
+                <a:t>(</a:t>
+              </a:r>
+              <a:r>
+                <a:rPr lang="en-US" sz="600" b="1" dirty="0" err="1" smtClean="0">
+                  <a:solidFill>
+                    <a:schemeClr val="accent2">
+                      <a:lumMod val="50000"/>
+                    </a:schemeClr>
+                  </a:solidFill>
+                  <a:latin typeface="Courier New" panose="02070309020205020404" pitchFamily="49" charset="0"/>
+                  <a:cs typeface="Courier New" panose="02070309020205020404" pitchFamily="49" charset="0"/>
+                </a:rPr>
+                <a:t>pch</a:t>
+              </a:r>
+              <a:r>
+                <a:rPr lang="en-US" sz="600" b="1" dirty="0" smtClean="0">
+                  <a:solidFill>
+                    <a:schemeClr val="accent2">
+                      <a:lumMod val="50000"/>
+                    </a:schemeClr>
+                  </a:solidFill>
+                  <a:latin typeface="Courier New" panose="02070309020205020404" pitchFamily="49" charset="0"/>
+                  <a:cs typeface="Courier New" panose="02070309020205020404" pitchFamily="49" charset="0"/>
+                </a:rPr>
+                <a:t>=21,color</a:t>
+              </a:r>
+              <a:r>
+                <a:rPr lang="en-US" sz="600" b="1" dirty="0">
+                  <a:solidFill>
+                    <a:schemeClr val="accent2">
+                      <a:lumMod val="50000"/>
+                    </a:schemeClr>
+                  </a:solidFill>
+                  <a:latin typeface="Courier New" panose="02070309020205020404" pitchFamily="49" charset="0"/>
+                  <a:cs typeface="Courier New" panose="02070309020205020404" pitchFamily="49" charset="0"/>
+                </a:rPr>
+                <a:t>="</a:t>
+              </a:r>
+              <a:r>
+                <a:rPr lang="en-US" sz="600" b="1" dirty="0" err="1">
+                  <a:solidFill>
+                    <a:schemeClr val="accent2">
+                      <a:lumMod val="50000"/>
+                    </a:schemeClr>
+                  </a:solidFill>
+                  <a:latin typeface="Courier New" panose="02070309020205020404" pitchFamily="49" charset="0"/>
+                  <a:cs typeface="Courier New" panose="02070309020205020404" pitchFamily="49" charset="0"/>
+                </a:rPr>
+                <a:t>black",fill</a:t>
+              </a:r>
+              <a:r>
+                <a:rPr lang="en-US" sz="600" b="1" dirty="0">
+                  <a:solidFill>
+                    <a:schemeClr val="accent2">
+                      <a:lumMod val="50000"/>
+                    </a:schemeClr>
+                  </a:solidFill>
+                  <a:latin typeface="Courier New" panose="02070309020205020404" pitchFamily="49" charset="0"/>
+                  <a:cs typeface="Courier New" panose="02070309020205020404" pitchFamily="49" charset="0"/>
+                </a:rPr>
+                <a:t>="</a:t>
+              </a:r>
+              <a:r>
+                <a:rPr lang="en-US" sz="600" b="1" dirty="0" err="1">
+                  <a:solidFill>
+                    <a:schemeClr val="accent2">
+                      <a:lumMod val="50000"/>
+                    </a:schemeClr>
+                  </a:solidFill>
+                  <a:latin typeface="Courier New" panose="02070309020205020404" pitchFamily="49" charset="0"/>
+                  <a:cs typeface="Courier New" panose="02070309020205020404" pitchFamily="49" charset="0"/>
+                </a:rPr>
+                <a:t>lightgray</a:t>
+              </a:r>
+              <a:r>
+                <a:rPr lang="en-US" sz="600" b="1" dirty="0" smtClean="0">
+                  <a:solidFill>
+                    <a:schemeClr val="accent2">
+                      <a:lumMod val="50000"/>
+                    </a:schemeClr>
+                  </a:solidFill>
+                  <a:latin typeface="Courier New" panose="02070309020205020404" pitchFamily="49" charset="0"/>
+                  <a:cs typeface="Courier New" panose="02070309020205020404" pitchFamily="49" charset="0"/>
+                </a:rPr>
+                <a:t>") </a:t>
+              </a:r>
+              <a:r>
+                <a:rPr lang="en-US" sz="600" b="1" dirty="0">
+                  <a:solidFill>
+                    <a:schemeClr val="accent2">
+                      <a:lumMod val="50000"/>
+                    </a:schemeClr>
+                  </a:solidFill>
+                  <a:latin typeface="Courier New" panose="02070309020205020404" pitchFamily="49" charset="0"/>
+                  <a:cs typeface="Courier New" panose="02070309020205020404" pitchFamily="49" charset="0"/>
+                </a:rPr>
+                <a:t>+</a:t>
+              </a:r>
+            </a:p>
+            <a:p>
+              <a:pPr algn="l" latinLnBrk="1"/>
+              <a:r>
+                <a:rPr lang="en-US" sz="600" b="1" dirty="0">
+                  <a:solidFill>
+                    <a:schemeClr val="accent2">
+                      <a:lumMod val="50000"/>
+                    </a:schemeClr>
+                  </a:solidFill>
+                  <a:latin typeface="Courier New" panose="02070309020205020404" pitchFamily="49" charset="0"/>
+                  <a:cs typeface="Courier New" panose="02070309020205020404" pitchFamily="49" charset="0"/>
+                </a:rPr>
+                <a:t>  </a:t>
+              </a:r>
+              <a:r>
+                <a:rPr lang="en-US" sz="600" b="1" dirty="0" smtClean="0">
+                  <a:solidFill>
+                    <a:schemeClr val="accent2">
+                      <a:lumMod val="50000"/>
+                    </a:schemeClr>
+                  </a:solidFill>
+                  <a:latin typeface="Courier New" panose="02070309020205020404" pitchFamily="49" charset="0"/>
+                  <a:cs typeface="Courier New" panose="02070309020205020404" pitchFamily="49" charset="0"/>
+                </a:rPr>
+                <a:t>  labs(x</a:t>
+              </a:r>
+              <a:r>
+                <a:rPr lang="en-US" sz="600" b="1" dirty="0">
+                  <a:solidFill>
+                    <a:schemeClr val="accent2">
+                      <a:lumMod val="50000"/>
+                    </a:schemeClr>
+                  </a:solidFill>
+                  <a:latin typeface="Courier New" panose="02070309020205020404" pitchFamily="49" charset="0"/>
+                  <a:cs typeface="Courier New" panose="02070309020205020404" pitchFamily="49" charset="0"/>
+                </a:rPr>
+                <a:t>="</a:t>
+              </a:r>
+              <a:r>
+                <a:rPr lang="en-US" sz="600" b="1" dirty="0">
+                  <a:solidFill>
+                    <a:srgbClr val="C00000"/>
+                  </a:solidFill>
+                  <a:latin typeface="Courier New" panose="02070309020205020404" pitchFamily="49" charset="0"/>
+                  <a:cs typeface="Courier New" panose="02070309020205020404" pitchFamily="49" charset="0"/>
+                </a:rPr>
+                <a:t>Weight (</a:t>
+              </a:r>
+              <a:r>
+                <a:rPr lang="en-US" sz="600" b="1" dirty="0" err="1">
+                  <a:solidFill>
+                    <a:srgbClr val="C00000"/>
+                  </a:solidFill>
+                  <a:latin typeface="Courier New" panose="02070309020205020404" pitchFamily="49" charset="0"/>
+                  <a:cs typeface="Courier New" panose="02070309020205020404" pitchFamily="49" charset="0"/>
+                </a:rPr>
+                <a:t>lbs</a:t>
+              </a:r>
+              <a:r>
+                <a:rPr lang="en-US" sz="600" b="1" dirty="0">
+                  <a:solidFill>
+                    <a:srgbClr val="C00000"/>
+                  </a:solidFill>
+                  <a:latin typeface="Courier New" panose="02070309020205020404" pitchFamily="49" charset="0"/>
+                  <a:cs typeface="Courier New" panose="02070309020205020404" pitchFamily="49" charset="0"/>
+                </a:rPr>
+                <a:t>)</a:t>
+              </a:r>
+              <a:r>
+                <a:rPr lang="en-US" sz="600" b="1" dirty="0">
+                  <a:solidFill>
+                    <a:schemeClr val="accent2">
+                      <a:lumMod val="50000"/>
+                    </a:schemeClr>
+                  </a:solidFill>
+                  <a:latin typeface="Courier New" panose="02070309020205020404" pitchFamily="49" charset="0"/>
+                  <a:cs typeface="Courier New" panose="02070309020205020404" pitchFamily="49" charset="0"/>
+                </a:rPr>
+                <a:t>",y="</a:t>
+              </a:r>
+              <a:r>
+                <a:rPr lang="en-US" sz="600" b="1" dirty="0">
+                  <a:solidFill>
+                    <a:srgbClr val="C00000"/>
+                  </a:solidFill>
+                  <a:latin typeface="Courier New" panose="02070309020205020404" pitchFamily="49" charset="0"/>
+                  <a:cs typeface="Courier New" panose="02070309020205020404" pitchFamily="49" charset="0"/>
+                </a:rPr>
+                <a:t>Highway MPG</a:t>
+              </a:r>
+              <a:r>
+                <a:rPr lang="en-US" sz="600" b="1" dirty="0">
+                  <a:solidFill>
+                    <a:schemeClr val="accent2">
+                      <a:lumMod val="50000"/>
+                    </a:schemeClr>
+                  </a:solidFill>
+                  <a:latin typeface="Courier New" panose="02070309020205020404" pitchFamily="49" charset="0"/>
+                  <a:cs typeface="Courier New" panose="02070309020205020404" pitchFamily="49" charset="0"/>
+                </a:rPr>
+                <a:t>") +</a:t>
+              </a:r>
+            </a:p>
+            <a:p>
+              <a:pPr algn="l" latinLnBrk="1"/>
+              <a:r>
+                <a:rPr lang="en-US" sz="600" b="1" dirty="0">
+                  <a:solidFill>
+                    <a:schemeClr val="accent2">
+                      <a:lumMod val="50000"/>
+                    </a:schemeClr>
+                  </a:solidFill>
+                  <a:latin typeface="Courier New" panose="02070309020205020404" pitchFamily="49" charset="0"/>
+                  <a:cs typeface="Courier New" panose="02070309020205020404" pitchFamily="49" charset="0"/>
+                </a:rPr>
+                <a:t>  </a:t>
+              </a:r>
+              <a:r>
+                <a:rPr lang="en-US" sz="600" b="1" dirty="0" smtClean="0">
+                  <a:solidFill>
+                    <a:schemeClr val="accent2">
+                      <a:lumMod val="50000"/>
+                    </a:schemeClr>
+                  </a:solidFill>
+                  <a:latin typeface="Courier New" panose="02070309020205020404" pitchFamily="49" charset="0"/>
+                  <a:cs typeface="Courier New" panose="02070309020205020404" pitchFamily="49" charset="0"/>
+                </a:rPr>
+                <a:t>  </a:t>
+              </a:r>
+              <a:r>
+                <a:rPr lang="en-US" sz="600" b="1" dirty="0" err="1" smtClean="0">
+                  <a:solidFill>
+                    <a:schemeClr val="accent2">
+                      <a:lumMod val="50000"/>
+                    </a:schemeClr>
+                  </a:solidFill>
+                  <a:latin typeface="Courier New" panose="02070309020205020404" pitchFamily="49" charset="0"/>
+                  <a:cs typeface="Courier New" panose="02070309020205020404" pitchFamily="49" charset="0"/>
+                </a:rPr>
+                <a:t>theme_NCStats</a:t>
+              </a:r>
+              <a:r>
+                <a:rPr lang="en-US" sz="600" b="1" dirty="0" smtClean="0">
+                  <a:solidFill>
+                    <a:schemeClr val="accent2">
+                      <a:lumMod val="50000"/>
+                    </a:schemeClr>
+                  </a:solidFill>
+                  <a:latin typeface="Courier New" panose="02070309020205020404" pitchFamily="49" charset="0"/>
+                  <a:cs typeface="Courier New" panose="02070309020205020404" pitchFamily="49" charset="0"/>
+                </a:rPr>
+                <a:t>()</a:t>
+              </a:r>
+            </a:p>
+            <a:p>
+              <a:pPr algn="l" latinLnBrk="1"/>
+              <a:endParaRPr lang="en-US" sz="600" b="1" dirty="0">
+                <a:solidFill>
+                  <a:schemeClr val="accent2">
+                    <a:lumMod val="50000"/>
+                  </a:schemeClr>
+                </a:solidFill>
+                <a:latin typeface="Courier New" panose="02070309020205020404" pitchFamily="49" charset="0"/>
+                <a:cs typeface="Courier New" panose="02070309020205020404" pitchFamily="49" charset="0"/>
+              </a:endParaRPr>
+            </a:p>
+            <a:p>
+              <a:pPr algn="l" latinLnBrk="1"/>
+              <a:endParaRPr lang="en-US" sz="600" b="1" dirty="0" smtClean="0">
+                <a:solidFill>
+                  <a:schemeClr val="accent2">
+                    <a:lumMod val="50000"/>
+                  </a:schemeClr>
+                </a:solidFill>
+                <a:latin typeface="Courier New" panose="02070309020205020404" pitchFamily="49" charset="0"/>
+                <a:cs typeface="Courier New" panose="02070309020205020404" pitchFamily="49" charset="0"/>
+              </a:endParaRPr>
+            </a:p>
+            <a:p>
+              <a:pPr algn="l" latinLnBrk="1"/>
+              <a:endParaRPr lang="en-US" sz="600" b="1" dirty="0">
+                <a:solidFill>
+                  <a:schemeClr val="accent2">
+                    <a:lumMod val="50000"/>
+                  </a:schemeClr>
+                </a:solidFill>
+                <a:latin typeface="Courier New" panose="02070309020205020404" pitchFamily="49" charset="0"/>
+                <a:cs typeface="Courier New" panose="02070309020205020404" pitchFamily="49" charset="0"/>
+              </a:endParaRPr>
+            </a:p>
+            <a:p>
+              <a:pPr algn="l" latinLnBrk="1"/>
+              <a:endParaRPr lang="en-US" sz="600" b="1" dirty="0" smtClean="0">
+                <a:solidFill>
+                  <a:schemeClr val="accent2">
+                    <a:lumMod val="50000"/>
+                  </a:schemeClr>
+                </a:solidFill>
+                <a:latin typeface="Courier New" panose="02070309020205020404" pitchFamily="49" charset="0"/>
+                <a:cs typeface="Courier New" panose="02070309020205020404" pitchFamily="49" charset="0"/>
+              </a:endParaRPr>
+            </a:p>
+            <a:p>
+              <a:pPr algn="l" latinLnBrk="1"/>
+              <a:endParaRPr lang="en-US" sz="600" b="1" dirty="0">
+                <a:solidFill>
+                  <a:schemeClr val="accent2">
+                    <a:lumMod val="50000"/>
+                  </a:schemeClr>
+                </a:solidFill>
+                <a:latin typeface="Courier New" panose="02070309020205020404" pitchFamily="49" charset="0"/>
+                <a:cs typeface="Courier New" panose="02070309020205020404" pitchFamily="49" charset="0"/>
+              </a:endParaRPr>
+            </a:p>
+            <a:p>
+              <a:pPr algn="l" latinLnBrk="1"/>
+              <a:endParaRPr lang="en-US" sz="600" b="1" dirty="0" smtClean="0">
+                <a:solidFill>
+                  <a:schemeClr val="accent2">
+                    <a:lumMod val="50000"/>
+                  </a:schemeClr>
+                </a:solidFill>
+                <a:latin typeface="Courier New" panose="02070309020205020404" pitchFamily="49" charset="0"/>
+                <a:cs typeface="Courier New" panose="02070309020205020404" pitchFamily="49" charset="0"/>
+              </a:endParaRPr>
+            </a:p>
+            <a:p>
+              <a:pPr algn="l" latinLnBrk="1"/>
+              <a:endParaRPr lang="en-US" sz="600" b="1" dirty="0">
+                <a:solidFill>
+                  <a:schemeClr val="accent2">
+                    <a:lumMod val="50000"/>
+                  </a:schemeClr>
+                </a:solidFill>
+                <a:latin typeface="Courier New" panose="02070309020205020404" pitchFamily="49" charset="0"/>
+                <a:cs typeface="Courier New" panose="02070309020205020404" pitchFamily="49" charset="0"/>
+              </a:endParaRPr>
+            </a:p>
+            <a:p>
+              <a:pPr algn="l" latinLnBrk="1"/>
+              <a:endParaRPr lang="en-US" sz="600" b="1" dirty="0" smtClean="0">
+                <a:solidFill>
+                  <a:schemeClr val="accent2">
+                    <a:lumMod val="50000"/>
+                  </a:schemeClr>
+                </a:solidFill>
+                <a:latin typeface="Courier New" panose="02070309020205020404" pitchFamily="49" charset="0"/>
+                <a:cs typeface="Courier New" panose="02070309020205020404" pitchFamily="49" charset="0"/>
+              </a:endParaRPr>
+            </a:p>
+            <a:p>
+              <a:pPr algn="l" latinLnBrk="1"/>
+              <a:endParaRPr lang="en-US" sz="600" b="1" dirty="0">
+                <a:solidFill>
+                  <a:schemeClr val="accent2">
+                    <a:lumMod val="50000"/>
+                  </a:schemeClr>
+                </a:solidFill>
+                <a:latin typeface="Courier New" panose="02070309020205020404" pitchFamily="49" charset="0"/>
+                <a:cs typeface="Courier New" panose="02070309020205020404" pitchFamily="49" charset="0"/>
+              </a:endParaRPr>
+            </a:p>
+            <a:p>
+              <a:pPr algn="l" latinLnBrk="1"/>
+              <a:endParaRPr lang="en-US" sz="400" b="1" dirty="0" smtClean="0">
+                <a:solidFill>
+                  <a:schemeClr val="accent2">
+                    <a:lumMod val="50000"/>
+                  </a:schemeClr>
+                </a:solidFill>
+                <a:latin typeface="Courier New" panose="02070309020205020404" pitchFamily="49" charset="0"/>
+                <a:cs typeface="Courier New" panose="02070309020205020404" pitchFamily="49" charset="0"/>
+              </a:endParaRPr>
+            </a:p>
+            <a:p>
+              <a:pPr algn="l" latinLnBrk="1"/>
+              <a:endParaRPr lang="en-US" sz="600" b="1" dirty="0">
+                <a:solidFill>
+                  <a:schemeClr val="accent2">
+                    <a:lumMod val="50000"/>
+                  </a:schemeClr>
+                </a:solidFill>
+                <a:latin typeface="Courier New" panose="02070309020205020404" pitchFamily="49" charset="0"/>
+                <a:cs typeface="Courier New" panose="02070309020205020404" pitchFamily="49" charset="0"/>
+              </a:endParaRPr>
+            </a:p>
+            <a:p>
+              <a:pPr algn="l" latinLnBrk="1"/>
+              <a:endParaRPr lang="en-US" sz="600" b="1" dirty="0" smtClean="0">
+                <a:solidFill>
+                  <a:schemeClr val="accent2">
+                    <a:lumMod val="50000"/>
+                  </a:schemeClr>
+                </a:solidFill>
+                <a:latin typeface="Courier New" panose="02070309020205020404" pitchFamily="49" charset="0"/>
+                <a:cs typeface="Courier New" panose="02070309020205020404" pitchFamily="49" charset="0"/>
+              </a:endParaRPr>
+            </a:p>
+            <a:p>
+              <a:pPr algn="l" latinLnBrk="1"/>
+              <a:r>
                 <a:rPr lang="en-US" sz="600" dirty="0">
                   <a:latin typeface="Courier New" panose="02070309020205020404" pitchFamily="49" charset="0"/>
                   <a:cs typeface="Courier New" panose="02070309020205020404" pitchFamily="49" charset="0"/>
@@ -18668,7 +19386,7 @@
                 <a:t>(~</a:t>
               </a:r>
               <a:r>
-                <a:rPr lang="en-US" sz="600" b="1" dirty="0" err="1">
+                <a:rPr lang="en-US" sz="600" b="1" dirty="0" err="1" smtClean="0">
                   <a:solidFill>
                     <a:srgbClr val="C00000"/>
                   </a:solidFill>
@@ -18678,7 +19396,7 @@
                 <a:t>HMPG</a:t>
               </a:r>
               <a:r>
-                <a:rPr lang="en-US" sz="600" b="1" dirty="0" err="1">
+                <a:rPr lang="en-US" sz="600" b="1" dirty="0" err="1" smtClean="0">
                   <a:solidFill>
                     <a:schemeClr val="accent2">
                       <a:lumMod val="50000"/>
@@ -18690,7 +19408,7 @@
                 <a:t>+</a:t>
               </a:r>
               <a:r>
-                <a:rPr lang="en-US" sz="600" b="1" dirty="0" err="1">
+                <a:rPr lang="en-US" sz="600" b="1" dirty="0" err="1" smtClean="0">
                   <a:solidFill>
                     <a:srgbClr val="C00000"/>
                   </a:solidFill>
@@ -18700,7 +19418,7 @@
                 <a:t>Weight</a:t>
               </a:r>
               <a:r>
-                <a:rPr lang="en-US" sz="600" b="1" dirty="0" err="1">
+                <a:rPr lang="en-US" sz="600" b="1" dirty="0" err="1" smtClean="0">
                   <a:solidFill>
                     <a:schemeClr val="accent2">
                       <a:lumMod val="50000"/>
@@ -18712,7 +19430,7 @@
                 <a:t>,data</a:t>
               </a:r>
               <a:r>
-                <a:rPr lang="en-US" sz="600" b="1" dirty="0">
+                <a:rPr lang="en-US" sz="600" b="1" dirty="0" smtClean="0">
                   <a:solidFill>
                     <a:schemeClr val="accent2">
                       <a:lumMod val="50000"/>
@@ -18724,7 +19442,7 @@
                 <a:t>=</a:t>
               </a:r>
               <a:r>
-                <a:rPr lang="en-US" sz="600" b="1" dirty="0" err="1">
+                <a:rPr lang="en-US" sz="600" b="1" dirty="0" err="1" smtClean="0">
                   <a:solidFill>
                     <a:srgbClr val="C00000"/>
                   </a:solidFill>
@@ -18734,7 +19452,7 @@
                 <a:t>dfcar</a:t>
               </a:r>
               <a:r>
-                <a:rPr lang="en-US" sz="600" b="1" dirty="0" err="1">
+                <a:rPr lang="en-US" sz="600" b="1" dirty="0" err="1" smtClean="0">
                   <a:solidFill>
                     <a:schemeClr val="accent2">
                       <a:lumMod val="50000"/>
@@ -18746,39 +19464,26 @@
                 <a:t>,digits</a:t>
               </a:r>
               <a:r>
-                <a:rPr lang="en-US" sz="600" b="1" dirty="0">
-                  <a:solidFill>
-                    <a:schemeClr val="accent2">
-                      <a:lumMod val="50000"/>
-                    </a:schemeClr>
-                  </a:solidFill>
-                  <a:latin typeface="Courier New" panose="02070309020205020404" pitchFamily="49" charset="0"/>
-                  <a:cs typeface="Courier New" panose="02070309020205020404" pitchFamily="49" charset="0"/>
-                </a:rPr>
-                <a:t>=</a:t>
-              </a:r>
-              <a:r>
-                <a:rPr lang="en-US" sz="600" b="1" dirty="0">
-                  <a:solidFill>
-                    <a:srgbClr val="C00000"/>
-                  </a:solidFill>
-                  <a:latin typeface="Courier New" panose="02070309020205020404" pitchFamily="49" charset="0"/>
-                  <a:cs typeface="Courier New" panose="02070309020205020404" pitchFamily="49" charset="0"/>
-                </a:rPr>
-                <a:t>3</a:t>
-              </a:r>
-              <a:r>
-                <a:rPr lang="en-US" sz="600" b="1" dirty="0">
-                  <a:solidFill>
-                    <a:schemeClr val="accent2">
-                      <a:lumMod val="50000"/>
-                    </a:schemeClr>
-                  </a:solidFill>
-                  <a:latin typeface="Courier New" panose="02070309020205020404" pitchFamily="49" charset="0"/>
-                  <a:cs typeface="Courier New" panose="02070309020205020404" pitchFamily="49" charset="0"/>
-                </a:rPr>
-                <a:t>)</a:t>
-              </a:r>
+                <a:rPr lang="en-US" sz="600" b="1" dirty="0" smtClean="0">
+                  <a:solidFill>
+                    <a:schemeClr val="accent2">
+                      <a:lumMod val="50000"/>
+                    </a:schemeClr>
+                  </a:solidFill>
+                  <a:latin typeface="Courier New" panose="02070309020205020404" pitchFamily="49" charset="0"/>
+                  <a:cs typeface="Courier New" panose="02070309020205020404" pitchFamily="49" charset="0"/>
+                </a:rPr>
+                <a:t>=3)</a:t>
+              </a:r>
+              <a:endParaRPr lang="en-US" sz="600" b="1" dirty="0">
+                <a:solidFill>
+                  <a:schemeClr val="accent2">
+                    <a:lumMod val="50000"/>
+                  </a:schemeClr>
+                </a:solidFill>
+                <a:latin typeface="Courier New" panose="02070309020205020404" pitchFamily="49" charset="0"/>
+                <a:cs typeface="Courier New" panose="02070309020205020404" pitchFamily="49" charset="0"/>
+              </a:endParaRPr>
             </a:p>
             <a:p>
               <a:pPr algn="l" latinLnBrk="1"/>
@@ -18787,14 +19492,7 @@
                   <a:latin typeface="Courier New" panose="02070309020205020404" pitchFamily="49" charset="0"/>
                   <a:cs typeface="Courier New" panose="02070309020205020404" pitchFamily="49" charset="0"/>
                 </a:rPr>
-                <a:t>   [1] -</a:t>
-              </a:r>
-              <a:r>
-                <a:rPr lang="en-US" sz="600" dirty="0" smtClean="0">
-                  <a:latin typeface="Courier New" panose="02070309020205020404" pitchFamily="49" charset="0"/>
-                  <a:cs typeface="Courier New" panose="02070309020205020404" pitchFamily="49" charset="0"/>
-                </a:rPr>
-                <a:t>0.811</a:t>
+                <a:t>   [1] -0.811</a:t>
               </a:r>
             </a:p>
             <a:p>
@@ -18806,452 +19504,15 @@
             </a:p>
             <a:p>
               <a:pPr algn="l" latinLnBrk="1"/>
-              <a:r>
-                <a:rPr lang="en-US" sz="600" dirty="0" smtClean="0">
-                  <a:latin typeface="Courier New" panose="02070309020205020404" pitchFamily="49" charset="0"/>
-                  <a:cs typeface="Courier New" panose="02070309020205020404" pitchFamily="49" charset="0"/>
-                </a:rPr>
-                <a:t>&gt; </a:t>
-              </a:r>
-              <a:r>
-                <a:rPr lang="en-US" sz="600" b="1" dirty="0" err="1">
-                  <a:solidFill>
-                    <a:schemeClr val="accent2">
-                      <a:lumMod val="50000"/>
-                    </a:schemeClr>
-                  </a:solidFill>
-                  <a:latin typeface="Courier New" panose="02070309020205020404" pitchFamily="49" charset="0"/>
-                  <a:cs typeface="Courier New" panose="02070309020205020404" pitchFamily="49" charset="0"/>
-                </a:rPr>
-                <a:t>ggplot</a:t>
-              </a:r>
-              <a:r>
-                <a:rPr lang="en-US" sz="600" b="1" dirty="0">
-                  <a:solidFill>
-                    <a:schemeClr val="accent2">
-                      <a:lumMod val="50000"/>
-                    </a:schemeClr>
-                  </a:solidFill>
-                  <a:latin typeface="Courier New" panose="02070309020205020404" pitchFamily="49" charset="0"/>
-                  <a:cs typeface="Courier New" panose="02070309020205020404" pitchFamily="49" charset="0"/>
-                </a:rPr>
-                <a:t>(data=</a:t>
-              </a:r>
-              <a:r>
-                <a:rPr lang="en-US" sz="600" b="1" dirty="0" err="1">
-                  <a:solidFill>
-                    <a:srgbClr val="C00000"/>
-                  </a:solidFill>
-                  <a:latin typeface="Courier New" panose="02070309020205020404" pitchFamily="49" charset="0"/>
-                  <a:cs typeface="Courier New" panose="02070309020205020404" pitchFamily="49" charset="0"/>
-                </a:rPr>
-                <a:t>dfcar</a:t>
-              </a:r>
-              <a:r>
-                <a:rPr lang="en-US" sz="600" b="1" dirty="0" err="1">
-                  <a:solidFill>
-                    <a:schemeClr val="accent2">
-                      <a:lumMod val="50000"/>
-                    </a:schemeClr>
-                  </a:solidFill>
-                  <a:latin typeface="Courier New" panose="02070309020205020404" pitchFamily="49" charset="0"/>
-                  <a:cs typeface="Courier New" panose="02070309020205020404" pitchFamily="49" charset="0"/>
-                </a:rPr>
-                <a:t>,mapping</a:t>
-              </a:r>
-              <a:r>
-                <a:rPr lang="en-US" sz="600" b="1" dirty="0">
-                  <a:solidFill>
-                    <a:schemeClr val="accent2">
-                      <a:lumMod val="50000"/>
-                    </a:schemeClr>
-                  </a:solidFill>
-                  <a:latin typeface="Courier New" panose="02070309020205020404" pitchFamily="49" charset="0"/>
-                  <a:cs typeface="Courier New" panose="02070309020205020404" pitchFamily="49" charset="0"/>
-                </a:rPr>
-                <a:t>=</a:t>
-              </a:r>
-              <a:r>
-                <a:rPr lang="en-US" sz="600" b="1" dirty="0" err="1">
-                  <a:solidFill>
-                    <a:schemeClr val="accent2">
-                      <a:lumMod val="50000"/>
-                    </a:schemeClr>
-                  </a:solidFill>
-                  <a:latin typeface="Courier New" panose="02070309020205020404" pitchFamily="49" charset="0"/>
-                  <a:cs typeface="Courier New" panose="02070309020205020404" pitchFamily="49" charset="0"/>
-                </a:rPr>
-                <a:t>aes</a:t>
-              </a:r>
-              <a:r>
-                <a:rPr lang="en-US" sz="600" b="1" dirty="0">
-                  <a:solidFill>
-                    <a:schemeClr val="accent2">
-                      <a:lumMod val="50000"/>
-                    </a:schemeClr>
-                  </a:solidFill>
-                  <a:latin typeface="Courier New" panose="02070309020205020404" pitchFamily="49" charset="0"/>
-                  <a:cs typeface="Courier New" panose="02070309020205020404" pitchFamily="49" charset="0"/>
-                </a:rPr>
-                <a:t>(x=</a:t>
-              </a:r>
-              <a:r>
-                <a:rPr lang="en-US" sz="600" b="1" dirty="0" err="1">
-                  <a:solidFill>
-                    <a:srgbClr val="C00000"/>
-                  </a:solidFill>
-                  <a:latin typeface="Courier New" panose="02070309020205020404" pitchFamily="49" charset="0"/>
-                  <a:cs typeface="Courier New" panose="02070309020205020404" pitchFamily="49" charset="0"/>
-                </a:rPr>
-                <a:t>Weight</a:t>
-              </a:r>
-              <a:r>
-                <a:rPr lang="en-US" sz="600" b="1" dirty="0" err="1">
-                  <a:solidFill>
-                    <a:schemeClr val="accent2">
-                      <a:lumMod val="50000"/>
-                    </a:schemeClr>
-                  </a:solidFill>
-                  <a:latin typeface="Courier New" panose="02070309020205020404" pitchFamily="49" charset="0"/>
-                  <a:cs typeface="Courier New" panose="02070309020205020404" pitchFamily="49" charset="0"/>
-                </a:rPr>
-                <a:t>,y</a:t>
-              </a:r>
-              <a:r>
-                <a:rPr lang="en-US" sz="600" b="1" dirty="0">
-                  <a:solidFill>
-                    <a:schemeClr val="accent2">
-                      <a:lumMod val="50000"/>
-                    </a:schemeClr>
-                  </a:solidFill>
-                  <a:latin typeface="Courier New" panose="02070309020205020404" pitchFamily="49" charset="0"/>
-                  <a:cs typeface="Courier New" panose="02070309020205020404" pitchFamily="49" charset="0"/>
-                </a:rPr>
-                <a:t>=</a:t>
-              </a:r>
-              <a:r>
-                <a:rPr lang="en-US" sz="600" b="1" dirty="0">
-                  <a:solidFill>
-                    <a:srgbClr val="C00000"/>
-                  </a:solidFill>
-                  <a:latin typeface="Courier New" panose="02070309020205020404" pitchFamily="49" charset="0"/>
-                  <a:cs typeface="Courier New" panose="02070309020205020404" pitchFamily="49" charset="0"/>
-                </a:rPr>
-                <a:t>HMPG</a:t>
-              </a:r>
-              <a:r>
-                <a:rPr lang="en-US" sz="600" b="1" dirty="0">
-                  <a:solidFill>
-                    <a:schemeClr val="accent2">
-                      <a:lumMod val="50000"/>
-                    </a:schemeClr>
-                  </a:solidFill>
-                  <a:latin typeface="Courier New" panose="02070309020205020404" pitchFamily="49" charset="0"/>
-                  <a:cs typeface="Courier New" panose="02070309020205020404" pitchFamily="49" charset="0"/>
-                </a:rPr>
-                <a:t>)) +</a:t>
-              </a:r>
-            </a:p>
-            <a:p>
-              <a:pPr algn="l" latinLnBrk="1"/>
-              <a:r>
-                <a:rPr lang="en-US" sz="600" b="1" dirty="0">
-                  <a:solidFill>
-                    <a:schemeClr val="accent2">
-                      <a:lumMod val="50000"/>
-                    </a:schemeClr>
-                  </a:solidFill>
-                  <a:latin typeface="Courier New" panose="02070309020205020404" pitchFamily="49" charset="0"/>
-                  <a:cs typeface="Courier New" panose="02070309020205020404" pitchFamily="49" charset="0"/>
-                </a:rPr>
-                <a:t>  </a:t>
-              </a:r>
-              <a:r>
-                <a:rPr lang="en-US" sz="600" b="1" dirty="0" smtClean="0">
-                  <a:solidFill>
-                    <a:schemeClr val="accent2">
-                      <a:lumMod val="50000"/>
-                    </a:schemeClr>
-                  </a:solidFill>
-                  <a:latin typeface="Courier New" panose="02070309020205020404" pitchFamily="49" charset="0"/>
-                  <a:cs typeface="Courier New" panose="02070309020205020404" pitchFamily="49" charset="0"/>
-                </a:rPr>
-                <a:t>  </a:t>
-              </a:r>
-              <a:r>
-                <a:rPr lang="en-US" sz="600" b="1" dirty="0" err="1" smtClean="0">
-                  <a:solidFill>
-                    <a:schemeClr val="accent2">
-                      <a:lumMod val="50000"/>
-                    </a:schemeClr>
-                  </a:solidFill>
-                  <a:latin typeface="Courier New" panose="02070309020205020404" pitchFamily="49" charset="0"/>
-                  <a:cs typeface="Courier New" panose="02070309020205020404" pitchFamily="49" charset="0"/>
-                </a:rPr>
-                <a:t>geom_point</a:t>
-              </a:r>
-              <a:r>
-                <a:rPr lang="en-US" sz="600" b="1" dirty="0" smtClean="0">
-                  <a:solidFill>
-                    <a:schemeClr val="accent2">
-                      <a:lumMod val="50000"/>
-                    </a:schemeClr>
-                  </a:solidFill>
-                  <a:latin typeface="Courier New" panose="02070309020205020404" pitchFamily="49" charset="0"/>
-                  <a:cs typeface="Courier New" panose="02070309020205020404" pitchFamily="49" charset="0"/>
-                </a:rPr>
-                <a:t>(</a:t>
-              </a:r>
-              <a:r>
-                <a:rPr lang="en-US" sz="600" b="1" dirty="0" err="1" smtClean="0">
-                  <a:solidFill>
-                    <a:schemeClr val="accent2">
-                      <a:lumMod val="50000"/>
-                    </a:schemeClr>
-                  </a:solidFill>
-                  <a:latin typeface="Courier New" panose="02070309020205020404" pitchFamily="49" charset="0"/>
-                  <a:cs typeface="Courier New" panose="02070309020205020404" pitchFamily="49" charset="0"/>
-                </a:rPr>
-                <a:t>pch</a:t>
-              </a:r>
-              <a:r>
-                <a:rPr lang="en-US" sz="600" b="1" dirty="0" smtClean="0">
-                  <a:solidFill>
-                    <a:schemeClr val="accent2">
-                      <a:lumMod val="50000"/>
-                    </a:schemeClr>
-                  </a:solidFill>
-                  <a:latin typeface="Courier New" panose="02070309020205020404" pitchFamily="49" charset="0"/>
-                  <a:cs typeface="Courier New" panose="02070309020205020404" pitchFamily="49" charset="0"/>
-                </a:rPr>
-                <a:t>=21,color</a:t>
-              </a:r>
-              <a:r>
-                <a:rPr lang="en-US" sz="600" b="1" dirty="0">
-                  <a:solidFill>
-                    <a:schemeClr val="accent2">
-                      <a:lumMod val="50000"/>
-                    </a:schemeClr>
-                  </a:solidFill>
-                  <a:latin typeface="Courier New" panose="02070309020205020404" pitchFamily="49" charset="0"/>
-                  <a:cs typeface="Courier New" panose="02070309020205020404" pitchFamily="49" charset="0"/>
-                </a:rPr>
-                <a:t>="</a:t>
-              </a:r>
-              <a:r>
-                <a:rPr lang="en-US" sz="600" b="1" dirty="0" err="1">
-                  <a:solidFill>
-                    <a:schemeClr val="accent2">
-                      <a:lumMod val="50000"/>
-                    </a:schemeClr>
-                  </a:solidFill>
-                  <a:latin typeface="Courier New" panose="02070309020205020404" pitchFamily="49" charset="0"/>
-                  <a:cs typeface="Courier New" panose="02070309020205020404" pitchFamily="49" charset="0"/>
-                </a:rPr>
-                <a:t>black",fill</a:t>
-              </a:r>
-              <a:r>
-                <a:rPr lang="en-US" sz="600" b="1" dirty="0">
-                  <a:solidFill>
-                    <a:schemeClr val="accent2">
-                      <a:lumMod val="50000"/>
-                    </a:schemeClr>
-                  </a:solidFill>
-                  <a:latin typeface="Courier New" panose="02070309020205020404" pitchFamily="49" charset="0"/>
-                  <a:cs typeface="Courier New" panose="02070309020205020404" pitchFamily="49" charset="0"/>
-                </a:rPr>
-                <a:t>="</a:t>
-              </a:r>
-              <a:r>
-                <a:rPr lang="en-US" sz="600" b="1" dirty="0" err="1">
-                  <a:solidFill>
-                    <a:schemeClr val="accent2">
-                      <a:lumMod val="50000"/>
-                    </a:schemeClr>
-                  </a:solidFill>
-                  <a:latin typeface="Courier New" panose="02070309020205020404" pitchFamily="49" charset="0"/>
-                  <a:cs typeface="Courier New" panose="02070309020205020404" pitchFamily="49" charset="0"/>
-                </a:rPr>
-                <a:t>lightgray</a:t>
-              </a:r>
-              <a:r>
-                <a:rPr lang="en-US" sz="600" b="1" dirty="0" smtClean="0">
-                  <a:solidFill>
-                    <a:schemeClr val="accent2">
-                      <a:lumMod val="50000"/>
-                    </a:schemeClr>
-                  </a:solidFill>
-                  <a:latin typeface="Courier New" panose="02070309020205020404" pitchFamily="49" charset="0"/>
-                  <a:cs typeface="Courier New" panose="02070309020205020404" pitchFamily="49" charset="0"/>
-                </a:rPr>
-                <a:t>") </a:t>
-              </a:r>
-              <a:r>
-                <a:rPr lang="en-US" sz="600" b="1" dirty="0">
-                  <a:solidFill>
-                    <a:schemeClr val="accent2">
-                      <a:lumMod val="50000"/>
-                    </a:schemeClr>
-                  </a:solidFill>
-                  <a:latin typeface="Courier New" panose="02070309020205020404" pitchFamily="49" charset="0"/>
-                  <a:cs typeface="Courier New" panose="02070309020205020404" pitchFamily="49" charset="0"/>
-                </a:rPr>
-                <a:t>+</a:t>
-              </a:r>
-            </a:p>
-            <a:p>
-              <a:pPr algn="l" latinLnBrk="1"/>
-              <a:r>
-                <a:rPr lang="en-US" sz="600" b="1" dirty="0">
-                  <a:solidFill>
-                    <a:schemeClr val="accent2">
-                      <a:lumMod val="50000"/>
-                    </a:schemeClr>
-                  </a:solidFill>
-                  <a:latin typeface="Courier New" panose="02070309020205020404" pitchFamily="49" charset="0"/>
-                  <a:cs typeface="Courier New" panose="02070309020205020404" pitchFamily="49" charset="0"/>
-                </a:rPr>
-                <a:t>  </a:t>
-              </a:r>
-              <a:r>
-                <a:rPr lang="en-US" sz="600" b="1" dirty="0" smtClean="0">
-                  <a:solidFill>
-                    <a:schemeClr val="accent2">
-                      <a:lumMod val="50000"/>
-                    </a:schemeClr>
-                  </a:solidFill>
-                  <a:latin typeface="Courier New" panose="02070309020205020404" pitchFamily="49" charset="0"/>
-                  <a:cs typeface="Courier New" panose="02070309020205020404" pitchFamily="49" charset="0"/>
-                </a:rPr>
-                <a:t>  labs(x</a:t>
-              </a:r>
-              <a:r>
-                <a:rPr lang="en-US" sz="600" b="1" dirty="0">
-                  <a:solidFill>
-                    <a:schemeClr val="accent2">
-                      <a:lumMod val="50000"/>
-                    </a:schemeClr>
-                  </a:solidFill>
-                  <a:latin typeface="Courier New" panose="02070309020205020404" pitchFamily="49" charset="0"/>
-                  <a:cs typeface="Courier New" panose="02070309020205020404" pitchFamily="49" charset="0"/>
-                </a:rPr>
-                <a:t>="</a:t>
-              </a:r>
-              <a:r>
-                <a:rPr lang="en-US" sz="600" b="1" dirty="0">
-                  <a:solidFill>
-                    <a:srgbClr val="C00000"/>
-                  </a:solidFill>
-                  <a:latin typeface="Courier New" panose="02070309020205020404" pitchFamily="49" charset="0"/>
-                  <a:cs typeface="Courier New" panose="02070309020205020404" pitchFamily="49" charset="0"/>
-                </a:rPr>
-                <a:t>Weight (</a:t>
-              </a:r>
-              <a:r>
-                <a:rPr lang="en-US" sz="600" b="1" dirty="0" err="1">
-                  <a:solidFill>
-                    <a:srgbClr val="C00000"/>
-                  </a:solidFill>
-                  <a:latin typeface="Courier New" panose="02070309020205020404" pitchFamily="49" charset="0"/>
-                  <a:cs typeface="Courier New" panose="02070309020205020404" pitchFamily="49" charset="0"/>
-                </a:rPr>
-                <a:t>lbs</a:t>
-              </a:r>
-              <a:r>
-                <a:rPr lang="en-US" sz="600" b="1" dirty="0">
-                  <a:solidFill>
-                    <a:srgbClr val="C00000"/>
-                  </a:solidFill>
-                  <a:latin typeface="Courier New" panose="02070309020205020404" pitchFamily="49" charset="0"/>
-                  <a:cs typeface="Courier New" panose="02070309020205020404" pitchFamily="49" charset="0"/>
-                </a:rPr>
-                <a:t>)</a:t>
-              </a:r>
-              <a:r>
-                <a:rPr lang="en-US" sz="600" b="1" dirty="0">
-                  <a:solidFill>
-                    <a:schemeClr val="accent2">
-                      <a:lumMod val="50000"/>
-                    </a:schemeClr>
-                  </a:solidFill>
-                  <a:latin typeface="Courier New" panose="02070309020205020404" pitchFamily="49" charset="0"/>
-                  <a:cs typeface="Courier New" panose="02070309020205020404" pitchFamily="49" charset="0"/>
-                </a:rPr>
-                <a:t>",y="</a:t>
-              </a:r>
-              <a:r>
-                <a:rPr lang="en-US" sz="600" b="1" dirty="0">
-                  <a:solidFill>
-                    <a:srgbClr val="C00000"/>
-                  </a:solidFill>
-                  <a:latin typeface="Courier New" panose="02070309020205020404" pitchFamily="49" charset="0"/>
-                  <a:cs typeface="Courier New" panose="02070309020205020404" pitchFamily="49" charset="0"/>
-                </a:rPr>
-                <a:t>Highway MPG</a:t>
-              </a:r>
-              <a:r>
-                <a:rPr lang="en-US" sz="600" b="1" dirty="0">
-                  <a:solidFill>
-                    <a:schemeClr val="accent2">
-                      <a:lumMod val="50000"/>
-                    </a:schemeClr>
-                  </a:solidFill>
-                  <a:latin typeface="Courier New" panose="02070309020205020404" pitchFamily="49" charset="0"/>
-                  <a:cs typeface="Courier New" panose="02070309020205020404" pitchFamily="49" charset="0"/>
-                </a:rPr>
-                <a:t>") +</a:t>
-              </a:r>
-            </a:p>
-            <a:p>
-              <a:pPr algn="l" latinLnBrk="1"/>
-              <a:r>
-                <a:rPr lang="en-US" sz="600" b="1" dirty="0">
-                  <a:solidFill>
-                    <a:schemeClr val="accent2">
-                      <a:lumMod val="50000"/>
-                    </a:schemeClr>
-                  </a:solidFill>
-                  <a:latin typeface="Courier New" panose="02070309020205020404" pitchFamily="49" charset="0"/>
-                  <a:cs typeface="Courier New" panose="02070309020205020404" pitchFamily="49" charset="0"/>
-                </a:rPr>
-                <a:t>  </a:t>
-              </a:r>
-              <a:r>
-                <a:rPr lang="en-US" sz="600" b="1" dirty="0" smtClean="0">
-                  <a:solidFill>
-                    <a:schemeClr val="accent2">
-                      <a:lumMod val="50000"/>
-                    </a:schemeClr>
-                  </a:solidFill>
-                  <a:latin typeface="Courier New" panose="02070309020205020404" pitchFamily="49" charset="0"/>
-                  <a:cs typeface="Courier New" panose="02070309020205020404" pitchFamily="49" charset="0"/>
-                </a:rPr>
-                <a:t>  </a:t>
-              </a:r>
-              <a:r>
-                <a:rPr lang="en-US" sz="600" b="1" dirty="0" err="1" smtClean="0">
-                  <a:solidFill>
-                    <a:schemeClr val="accent2">
-                      <a:lumMod val="50000"/>
-                    </a:schemeClr>
-                  </a:solidFill>
-                  <a:latin typeface="Courier New" panose="02070309020205020404" pitchFamily="49" charset="0"/>
-                  <a:cs typeface="Courier New" panose="02070309020205020404" pitchFamily="49" charset="0"/>
-                </a:rPr>
-                <a:t>theme_NCStats</a:t>
-              </a:r>
-              <a:r>
-                <a:rPr lang="en-US" sz="600" b="1" dirty="0" smtClean="0">
-                  <a:solidFill>
-                    <a:schemeClr val="accent2">
-                      <a:lumMod val="50000"/>
-                    </a:schemeClr>
-                  </a:solidFill>
-                  <a:latin typeface="Courier New" panose="02070309020205020404" pitchFamily="49" charset="0"/>
-                  <a:cs typeface="Courier New" panose="02070309020205020404" pitchFamily="49" charset="0"/>
-                </a:rPr>
-                <a:t>()</a:t>
-              </a:r>
+              <a:endParaRPr lang="en-US" sz="600" b="1" dirty="0" smtClean="0">
+                <a:solidFill>
+                  <a:schemeClr val="accent2">
+                    <a:lumMod val="50000"/>
+                  </a:schemeClr>
+                </a:solidFill>
+                <a:latin typeface="Courier New" panose="02070309020205020404" pitchFamily="49" charset="0"/>
+                <a:cs typeface="Courier New" panose="02070309020205020404" pitchFamily="49" charset="0"/>
+              </a:endParaRPr>
             </a:p>
           </p:txBody>
         </p:sp>
@@ -19263,8 +19524,8 @@
           </p:nvSpPr>
           <p:spPr>
             <a:xfrm>
-              <a:off x="6045145" y="232606"/>
-              <a:ext cx="2926080" cy="884994"/>
+              <a:off x="6102295" y="232605"/>
+              <a:ext cx="2926080" cy="970029"/>
             </a:xfrm>
             <a:prstGeom prst="roundRect">
               <a:avLst>
@@ -19389,8 +19650,8 @@
           </p:nvSpPr>
           <p:spPr>
             <a:xfrm>
-              <a:off x="6098186" y="413843"/>
-              <a:ext cx="2834640" cy="670953"/>
+              <a:off x="6155336" y="396970"/>
+              <a:ext cx="2834640" cy="732508"/>
             </a:xfrm>
             <a:prstGeom prst="rect">
               <a:avLst/>
@@ -19438,6 +19699,464 @@
                   </a:solidFill>
                   <a:latin typeface="Calibri" panose="020F0502020204030204" pitchFamily="34" charset="0"/>
                 </a:rPr>
+                <a:t>ggplot</a:t>
+              </a:r>
+              <a:r>
+                <a:rPr lang="en-US" sz="800" dirty="0" smtClean="0">
+                  <a:solidFill>
+                    <a:schemeClr val="accent2">
+                      <a:lumMod val="50000"/>
+                    </a:schemeClr>
+                  </a:solidFill>
+                  <a:latin typeface="Calibri" panose="020F0502020204030204" pitchFamily="34" charset="0"/>
+                </a:rPr>
+                <a:t>(data=</a:t>
+              </a:r>
+              <a:r>
+                <a:rPr lang="en-US" sz="800" dirty="0" err="1" smtClean="0">
+                  <a:solidFill>
+                    <a:srgbClr val="C00000"/>
+                  </a:solidFill>
+                  <a:latin typeface="Calibri" panose="020F0502020204030204" pitchFamily="34" charset="0"/>
+                </a:rPr>
+                <a:t>dfobj</a:t>
+              </a:r>
+              <a:r>
+                <a:rPr lang="en-US" sz="800" dirty="0" err="1" smtClean="0">
+                  <a:solidFill>
+                    <a:schemeClr val="accent2">
+                      <a:lumMod val="50000"/>
+                    </a:schemeClr>
+                  </a:solidFill>
+                  <a:latin typeface="Calibri" panose="020F0502020204030204" pitchFamily="34" charset="0"/>
+                </a:rPr>
+                <a:t>,mapping</a:t>
+              </a:r>
+              <a:r>
+                <a:rPr lang="en-US" sz="800" dirty="0" smtClean="0">
+                  <a:solidFill>
+                    <a:schemeClr val="accent2">
+                      <a:lumMod val="50000"/>
+                    </a:schemeClr>
+                  </a:solidFill>
+                  <a:latin typeface="Calibri" panose="020F0502020204030204" pitchFamily="34" charset="0"/>
+                </a:rPr>
+                <a:t>=</a:t>
+              </a:r>
+              <a:r>
+                <a:rPr lang="en-US" sz="800" dirty="0" err="1" smtClean="0">
+                  <a:solidFill>
+                    <a:schemeClr val="accent2">
+                      <a:lumMod val="50000"/>
+                    </a:schemeClr>
+                  </a:solidFill>
+                  <a:latin typeface="Calibri" panose="020F0502020204030204" pitchFamily="34" charset="0"/>
+                </a:rPr>
+                <a:t>aes</a:t>
+              </a:r>
+              <a:r>
+                <a:rPr lang="en-US" sz="800" dirty="0" smtClean="0">
+                  <a:solidFill>
+                    <a:schemeClr val="accent2">
+                      <a:lumMod val="50000"/>
+                    </a:schemeClr>
+                  </a:solidFill>
+                  <a:latin typeface="Calibri" panose="020F0502020204030204" pitchFamily="34" charset="0"/>
+                </a:rPr>
+                <a:t>(x=</a:t>
+              </a:r>
+              <a:r>
+                <a:rPr lang="en-US" sz="800" dirty="0" smtClean="0">
+                  <a:solidFill>
+                    <a:srgbClr val="C00000"/>
+                  </a:solidFill>
+                  <a:latin typeface="Calibri" panose="020F0502020204030204" pitchFamily="34" charset="0"/>
+                </a:rPr>
+                <a:t>qvar1</a:t>
+              </a:r>
+              <a:r>
+                <a:rPr lang="en-US" sz="800" dirty="0" smtClean="0">
+                  <a:solidFill>
+                    <a:schemeClr val="accent2">
+                      <a:lumMod val="50000"/>
+                    </a:schemeClr>
+                  </a:solidFill>
+                  <a:latin typeface="Calibri" panose="020F0502020204030204" pitchFamily="34" charset="0"/>
+                </a:rPr>
+                <a:t>,y=</a:t>
+              </a:r>
+              <a:r>
+                <a:rPr lang="en-US" sz="800" dirty="0" smtClean="0">
+                  <a:solidFill>
+                    <a:srgbClr val="C00000"/>
+                  </a:solidFill>
+                  <a:latin typeface="Calibri" panose="020F0502020204030204" pitchFamily="34" charset="0"/>
+                </a:rPr>
+                <a:t>qvar2</a:t>
+              </a:r>
+              <a:r>
+                <a:rPr lang="en-US" sz="800" dirty="0" smtClean="0">
+                  <a:solidFill>
+                    <a:schemeClr val="accent2">
+                      <a:lumMod val="50000"/>
+                    </a:schemeClr>
+                  </a:solidFill>
+                  <a:latin typeface="Calibri" panose="020F0502020204030204" pitchFamily="34" charset="0"/>
+                </a:rPr>
+                <a:t>)) </a:t>
+              </a:r>
+              <a:r>
+                <a:rPr lang="en-US" sz="800" dirty="0">
+                  <a:solidFill>
+                    <a:schemeClr val="accent2">
+                      <a:lumMod val="50000"/>
+                    </a:schemeClr>
+                  </a:solidFill>
+                  <a:latin typeface="Calibri" panose="020F0502020204030204" pitchFamily="34" charset="0"/>
+                </a:rPr>
+                <a:t>+</a:t>
+              </a:r>
+            </a:p>
+            <a:p>
+              <a:pPr algn="l" defTabSz="320174" rtl="0" latinLnBrk="1" hangingPunct="0"/>
+              <a:r>
+                <a:rPr lang="en-US" sz="800" dirty="0">
+                  <a:solidFill>
+                    <a:schemeClr val="accent2">
+                      <a:lumMod val="50000"/>
+                    </a:schemeClr>
+                  </a:solidFill>
+                  <a:latin typeface="Calibri" panose="020F0502020204030204" pitchFamily="34" charset="0"/>
+                </a:rPr>
+                <a:t>  </a:t>
+              </a:r>
+              <a:r>
+                <a:rPr lang="en-US" sz="800" dirty="0" err="1" smtClean="0">
+                  <a:solidFill>
+                    <a:schemeClr val="accent2">
+                      <a:lumMod val="50000"/>
+                    </a:schemeClr>
+                  </a:solidFill>
+                  <a:latin typeface="Calibri" panose="020F0502020204030204" pitchFamily="34" charset="0"/>
+                </a:rPr>
+                <a:t>geom_point</a:t>
+              </a:r>
+              <a:r>
+                <a:rPr lang="en-US" sz="800" dirty="0" smtClean="0">
+                  <a:solidFill>
+                    <a:schemeClr val="accent2">
+                      <a:lumMod val="50000"/>
+                    </a:schemeClr>
+                  </a:solidFill>
+                  <a:latin typeface="Calibri" panose="020F0502020204030204" pitchFamily="34" charset="0"/>
+                </a:rPr>
+                <a:t>(</a:t>
+              </a:r>
+              <a:r>
+                <a:rPr lang="en-US" sz="800" dirty="0" err="1" smtClean="0">
+                  <a:solidFill>
+                    <a:schemeClr val="accent2">
+                      <a:lumMod val="50000"/>
+                    </a:schemeClr>
+                  </a:solidFill>
+                  <a:latin typeface="Calibri" panose="020F0502020204030204" pitchFamily="34" charset="0"/>
+                </a:rPr>
+                <a:t>pch</a:t>
+              </a:r>
+              <a:r>
+                <a:rPr lang="en-US" sz="800" dirty="0" smtClean="0">
+                  <a:solidFill>
+                    <a:schemeClr val="accent2">
+                      <a:lumMod val="50000"/>
+                    </a:schemeClr>
+                  </a:solidFill>
+                  <a:latin typeface="Calibri" panose="020F0502020204030204" pitchFamily="34" charset="0"/>
+                </a:rPr>
+                <a:t>=21,color</a:t>
+              </a:r>
+              <a:r>
+                <a:rPr lang="en-US" sz="800" dirty="0">
+                  <a:solidFill>
+                    <a:schemeClr val="accent2">
+                      <a:lumMod val="50000"/>
+                    </a:schemeClr>
+                  </a:solidFill>
+                  <a:latin typeface="Calibri" panose="020F0502020204030204" pitchFamily="34" charset="0"/>
+                </a:rPr>
+                <a:t>=</a:t>
+              </a:r>
+              <a:r>
+                <a:rPr lang="en-US" sz="800" b="1" dirty="0">
+                  <a:solidFill>
+                    <a:schemeClr val="accent2">
+                      <a:lumMod val="50000"/>
+                    </a:schemeClr>
+                  </a:solidFill>
+                  <a:latin typeface="Calibri" panose="020F0502020204030204" pitchFamily="34" charset="0"/>
+                  <a:cs typeface="Courier New" panose="02070309020205020404" pitchFamily="49" charset="0"/>
+                </a:rPr>
+                <a:t>"</a:t>
+              </a:r>
+              <a:r>
+                <a:rPr lang="en-US" sz="800" dirty="0" err="1">
+                  <a:solidFill>
+                    <a:schemeClr val="accent2">
+                      <a:lumMod val="50000"/>
+                    </a:schemeClr>
+                  </a:solidFill>
+                  <a:latin typeface="Calibri" panose="020F0502020204030204" pitchFamily="34" charset="0"/>
+                </a:rPr>
+                <a:t>black</a:t>
+              </a:r>
+              <a:r>
+                <a:rPr lang="en-US" sz="800" b="1" dirty="0" err="1">
+                  <a:solidFill>
+                    <a:schemeClr val="accent2">
+                      <a:lumMod val="50000"/>
+                    </a:schemeClr>
+                  </a:solidFill>
+                  <a:latin typeface="Calibri" panose="020F0502020204030204" pitchFamily="34" charset="0"/>
+                  <a:cs typeface="Courier New" panose="02070309020205020404" pitchFamily="49" charset="0"/>
+                </a:rPr>
+                <a:t>"</a:t>
+              </a:r>
+              <a:r>
+                <a:rPr lang="en-US" sz="800" dirty="0" err="1">
+                  <a:solidFill>
+                    <a:schemeClr val="accent2">
+                      <a:lumMod val="50000"/>
+                    </a:schemeClr>
+                  </a:solidFill>
+                  <a:latin typeface="Calibri" panose="020F0502020204030204" pitchFamily="34" charset="0"/>
+                </a:rPr>
+                <a:t>,fill</a:t>
+              </a:r>
+              <a:r>
+                <a:rPr lang="en-US" sz="800" dirty="0">
+                  <a:solidFill>
+                    <a:schemeClr val="accent2">
+                      <a:lumMod val="50000"/>
+                    </a:schemeClr>
+                  </a:solidFill>
+                  <a:latin typeface="Calibri" panose="020F0502020204030204" pitchFamily="34" charset="0"/>
+                </a:rPr>
+                <a:t>=</a:t>
+              </a:r>
+              <a:r>
+                <a:rPr lang="en-US" sz="800" b="1" dirty="0">
+                  <a:solidFill>
+                    <a:schemeClr val="accent2">
+                      <a:lumMod val="50000"/>
+                    </a:schemeClr>
+                  </a:solidFill>
+                  <a:latin typeface="Calibri" panose="020F0502020204030204" pitchFamily="34" charset="0"/>
+                  <a:cs typeface="Courier New" panose="02070309020205020404" pitchFamily="49" charset="0"/>
+                </a:rPr>
+                <a:t>"</a:t>
+              </a:r>
+              <a:r>
+                <a:rPr lang="en-US" sz="800" dirty="0" err="1">
+                  <a:solidFill>
+                    <a:schemeClr val="accent2">
+                      <a:lumMod val="50000"/>
+                    </a:schemeClr>
+                  </a:solidFill>
+                  <a:latin typeface="Calibri" panose="020F0502020204030204" pitchFamily="34" charset="0"/>
+                </a:rPr>
+                <a:t>lightgray</a:t>
+              </a:r>
+              <a:r>
+                <a:rPr lang="en-US" sz="800" b="1" dirty="0">
+                  <a:solidFill>
+                    <a:schemeClr val="accent2">
+                      <a:lumMod val="50000"/>
+                    </a:schemeClr>
+                  </a:solidFill>
+                  <a:latin typeface="Calibri" panose="020F0502020204030204" pitchFamily="34" charset="0"/>
+                  <a:cs typeface="Courier New" panose="02070309020205020404" pitchFamily="49" charset="0"/>
+                </a:rPr>
+                <a:t>"</a:t>
+              </a:r>
+              <a:r>
+                <a:rPr lang="en-US" sz="800" dirty="0">
+                  <a:solidFill>
+                    <a:schemeClr val="accent2">
+                      <a:lumMod val="50000"/>
+                    </a:schemeClr>
+                  </a:solidFill>
+                  <a:latin typeface="Calibri" panose="020F0502020204030204" pitchFamily="34" charset="0"/>
+                </a:rPr>
+                <a:t>) +</a:t>
+              </a:r>
+            </a:p>
+            <a:p>
+              <a:pPr algn="l" defTabSz="320174" rtl="0" latinLnBrk="1" hangingPunct="0"/>
+              <a:r>
+                <a:rPr lang="en-US" sz="800" dirty="0">
+                  <a:solidFill>
+                    <a:schemeClr val="accent2">
+                      <a:lumMod val="50000"/>
+                    </a:schemeClr>
+                  </a:solidFill>
+                  <a:latin typeface="Calibri" panose="020F0502020204030204" pitchFamily="34" charset="0"/>
+                </a:rPr>
+                <a:t>  labs(x=</a:t>
+              </a:r>
+              <a:r>
+                <a:rPr lang="en-US" sz="800" b="1" dirty="0">
+                  <a:solidFill>
+                    <a:schemeClr val="accent2">
+                      <a:lumMod val="50000"/>
+                    </a:schemeClr>
+                  </a:solidFill>
+                  <a:latin typeface="Calibri" panose="020F0502020204030204" pitchFamily="34" charset="0"/>
+                  <a:cs typeface="Courier New" panose="02070309020205020404" pitchFamily="49" charset="0"/>
+                </a:rPr>
+                <a:t>"</a:t>
+              </a:r>
+              <a:r>
+                <a:rPr lang="en-US" sz="800" dirty="0">
+                  <a:solidFill>
+                    <a:srgbClr val="C00000"/>
+                  </a:solidFill>
+                  <a:latin typeface="Calibri" panose="020F0502020204030204" pitchFamily="34" charset="0"/>
+                </a:rPr>
+                <a:t>better </a:t>
+              </a:r>
+              <a:r>
+                <a:rPr lang="en-US" sz="800" dirty="0" smtClean="0">
+                  <a:solidFill>
+                    <a:srgbClr val="C00000"/>
+                  </a:solidFill>
+                  <a:latin typeface="Calibri" panose="020F0502020204030204" pitchFamily="34" charset="0"/>
+                </a:rPr>
+                <a:t>qvar1 </a:t>
+              </a:r>
+              <a:r>
+                <a:rPr lang="en-US" sz="800" dirty="0" err="1">
+                  <a:solidFill>
+                    <a:srgbClr val="C00000"/>
+                  </a:solidFill>
+                  <a:latin typeface="Calibri" panose="020F0502020204030204" pitchFamily="34" charset="0"/>
+                </a:rPr>
+                <a:t>label</a:t>
+              </a:r>
+              <a:r>
+                <a:rPr lang="en-US" sz="800" dirty="0" err="1">
+                  <a:solidFill>
+                    <a:schemeClr val="accent2">
+                      <a:lumMod val="50000"/>
+                    </a:schemeClr>
+                  </a:solidFill>
+                  <a:latin typeface="Calibri" panose="020F0502020204030204" pitchFamily="34" charset="0"/>
+                  <a:cs typeface="Courier New" panose="02070309020205020404" pitchFamily="49" charset="0"/>
+                </a:rPr>
+                <a:t>",y</a:t>
+              </a:r>
+              <a:r>
+                <a:rPr lang="en-US" sz="800" dirty="0" smtClean="0">
+                  <a:solidFill>
+                    <a:schemeClr val="accent2">
+                      <a:lumMod val="50000"/>
+                    </a:schemeClr>
+                  </a:solidFill>
+                  <a:latin typeface="Calibri" panose="020F0502020204030204" pitchFamily="34" charset="0"/>
+                  <a:cs typeface="Courier New" panose="02070309020205020404" pitchFamily="49" charset="0"/>
+                </a:rPr>
+                <a:t>=“</a:t>
+              </a:r>
+              <a:r>
+                <a:rPr lang="en-US" sz="800" dirty="0" smtClean="0">
+                  <a:solidFill>
+                    <a:srgbClr val="C00000"/>
+                  </a:solidFill>
+                  <a:latin typeface="Calibri" panose="020F0502020204030204" pitchFamily="34" charset="0"/>
+                  <a:cs typeface="Courier New" panose="02070309020205020404" pitchFamily="49" charset="0"/>
+                </a:rPr>
+                <a:t>better qvar2 label</a:t>
+              </a:r>
+              <a:r>
+                <a:rPr lang="en-US" sz="800" dirty="0" smtClean="0">
+                  <a:solidFill>
+                    <a:schemeClr val="accent2">
+                      <a:lumMod val="50000"/>
+                    </a:schemeClr>
+                  </a:solidFill>
+                  <a:latin typeface="Calibri" panose="020F0502020204030204" pitchFamily="34" charset="0"/>
+                  <a:cs typeface="Courier New" panose="02070309020205020404" pitchFamily="49" charset="0"/>
+                </a:rPr>
+                <a:t>"</a:t>
+              </a:r>
+              <a:r>
+                <a:rPr lang="en-US" sz="800" dirty="0" smtClean="0">
+                  <a:solidFill>
+                    <a:schemeClr val="accent2">
+                      <a:lumMod val="50000"/>
+                    </a:schemeClr>
+                  </a:solidFill>
+                  <a:latin typeface="Calibri" panose="020F0502020204030204" pitchFamily="34" charset="0"/>
+                </a:rPr>
+                <a:t>) +</a:t>
+              </a:r>
+            </a:p>
+            <a:p>
+              <a:pPr algn="l" defTabSz="320174" rtl="0" latinLnBrk="1" hangingPunct="0"/>
+              <a:r>
+                <a:rPr lang="en-US" sz="800" dirty="0" smtClean="0">
+                  <a:solidFill>
+                    <a:schemeClr val="accent2">
+                      <a:lumMod val="50000"/>
+                    </a:schemeClr>
+                  </a:solidFill>
+                  <a:latin typeface="Calibri" panose="020F0502020204030204" pitchFamily="34" charset="0"/>
+                </a:rPr>
+                <a:t>  </a:t>
+              </a:r>
+              <a:r>
+                <a:rPr lang="en-US" sz="800" dirty="0" err="1">
+                  <a:solidFill>
+                    <a:schemeClr val="accent2">
+                      <a:lumMod val="50000"/>
+                    </a:schemeClr>
+                  </a:solidFill>
+                  <a:latin typeface="Calibri" panose="020F0502020204030204" pitchFamily="34" charset="0"/>
+                </a:rPr>
+                <a:t>theme_NCStats</a:t>
+              </a:r>
+              <a:r>
+                <a:rPr lang="en-US" sz="800" dirty="0" smtClean="0">
+                  <a:solidFill>
+                    <a:schemeClr val="accent2">
+                      <a:lumMod val="50000"/>
+                    </a:schemeClr>
+                  </a:solidFill>
+                  <a:latin typeface="Calibri" panose="020F0502020204030204" pitchFamily="34" charset="0"/>
+                </a:rPr>
+                <a:t>()</a:t>
+              </a:r>
+            </a:p>
+            <a:p>
+              <a:pPr algn="l" defTabSz="320174" rtl="0" latinLnBrk="1" hangingPunct="0"/>
+              <a:endParaRPr lang="en-US" sz="300" dirty="0" smtClean="0">
+                <a:solidFill>
+                  <a:schemeClr val="accent2">
+                    <a:lumMod val="50000"/>
+                  </a:schemeClr>
+                </a:solidFill>
+                <a:latin typeface="Calibri" panose="020F0502020204030204" pitchFamily="34" charset="0"/>
+              </a:endParaRPr>
+            </a:p>
+            <a:p>
+              <a:pPr algn="l" defTabSz="320174" rtl="0" latinLnBrk="1" hangingPunct="0"/>
+              <a:r>
+                <a:rPr lang="en-US" sz="800" dirty="0" err="1">
+                  <a:solidFill>
+                    <a:schemeClr val="accent2">
+                      <a:lumMod val="50000"/>
+                    </a:schemeClr>
+                  </a:solidFill>
+                  <a:latin typeface="Calibri" panose="020F0502020204030204" pitchFamily="34" charset="0"/>
+                </a:rPr>
                 <a:t>corr</a:t>
               </a:r>
               <a:r>
@@ -19452,7 +20171,7 @@
                 <a:t>(~</a:t>
               </a:r>
               <a:r>
-                <a:rPr lang="en-US" sz="800" dirty="0" smtClean="0">
+                <a:rPr lang="en-US" sz="800" dirty="0">
                   <a:solidFill>
                     <a:srgbClr val="C00000"/>
                   </a:solidFill>
@@ -19461,7 +20180,7 @@
                 <a:t>qvar1</a:t>
               </a:r>
               <a:r>
-                <a:rPr lang="en-US" sz="800" dirty="0" smtClean="0">
+                <a:rPr lang="en-US" sz="800" dirty="0">
                   <a:solidFill>
                     <a:schemeClr val="accent2">
                       <a:lumMod val="50000"/>
@@ -19472,7 +20191,7 @@
                 <a:t>+</a:t>
               </a:r>
               <a:r>
-                <a:rPr lang="en-US" sz="800" dirty="0" smtClean="0">
+                <a:rPr lang="en-US" sz="800" dirty="0">
                   <a:solidFill>
                     <a:srgbClr val="C00000"/>
                   </a:solidFill>
@@ -19481,7 +20200,7 @@
                 <a:t>qvar2</a:t>
               </a:r>
               <a:r>
-                <a:rPr lang="en-US" sz="800" dirty="0" smtClean="0">
+                <a:rPr lang="en-US" sz="800" dirty="0">
                   <a:solidFill>
                     <a:schemeClr val="accent2">
                       <a:lumMod val="50000"/>
@@ -19492,7 +20211,7 @@
                 <a:t>,data=</a:t>
               </a:r>
               <a:r>
-                <a:rPr lang="en-US" sz="800" dirty="0" err="1" smtClean="0">
+                <a:rPr lang="en-US" sz="800" dirty="0" err="1">
                   <a:solidFill>
                     <a:srgbClr val="C00000"/>
                   </a:solidFill>
@@ -19501,7 +20220,7 @@
                 <a:t>dfobj</a:t>
               </a:r>
               <a:r>
-                <a:rPr lang="en-US" sz="800" dirty="0" err="1" smtClean="0">
+                <a:rPr lang="en-US" sz="800" dirty="0" err="1">
                   <a:solidFill>
                     <a:schemeClr val="accent2">
                       <a:lumMod val="50000"/>
@@ -19512,135 +20231,6 @@
                 <a:t>,digits</a:t>
               </a:r>
               <a:r>
-                <a:rPr lang="en-US" sz="800" dirty="0" smtClean="0">
-                  <a:solidFill>
-                    <a:schemeClr val="accent2">
-                      <a:lumMod val="50000"/>
-                    </a:schemeClr>
-                  </a:solidFill>
-                  <a:latin typeface="Calibri" panose="020F0502020204030204" pitchFamily="34" charset="0"/>
-                </a:rPr>
-                <a:t>=3)</a:t>
-              </a:r>
-            </a:p>
-            <a:p>
-              <a:pPr algn="l" defTabSz="320174" rtl="0" latinLnBrk="1" hangingPunct="0"/>
-              <a:r>
-                <a:rPr lang="en-US" sz="800" dirty="0" err="1" smtClean="0">
-                  <a:solidFill>
-                    <a:schemeClr val="accent2">
-                      <a:lumMod val="50000"/>
-                    </a:schemeClr>
-                  </a:solidFill>
-                  <a:latin typeface="Calibri" panose="020F0502020204030204" pitchFamily="34" charset="0"/>
-                </a:rPr>
-                <a:t>ggplot</a:t>
-              </a:r>
-              <a:r>
-                <a:rPr lang="en-US" sz="800" dirty="0" smtClean="0">
-                  <a:solidFill>
-                    <a:schemeClr val="accent2">
-                      <a:lumMod val="50000"/>
-                    </a:schemeClr>
-                  </a:solidFill>
-                  <a:latin typeface="Calibri" panose="020F0502020204030204" pitchFamily="34" charset="0"/>
-                </a:rPr>
-                <a:t>(data=</a:t>
-              </a:r>
-              <a:r>
-                <a:rPr lang="en-US" sz="800" dirty="0" err="1" smtClean="0">
-                  <a:solidFill>
-                    <a:srgbClr val="C00000"/>
-                  </a:solidFill>
-                  <a:latin typeface="Calibri" panose="020F0502020204030204" pitchFamily="34" charset="0"/>
-                </a:rPr>
-                <a:t>dfobj</a:t>
-              </a:r>
-              <a:r>
-                <a:rPr lang="en-US" sz="800" dirty="0" err="1" smtClean="0">
-                  <a:solidFill>
-                    <a:schemeClr val="accent2">
-                      <a:lumMod val="50000"/>
-                    </a:schemeClr>
-                  </a:solidFill>
-                  <a:latin typeface="Calibri" panose="020F0502020204030204" pitchFamily="34" charset="0"/>
-                </a:rPr>
-                <a:t>,mapping</a:t>
-              </a:r>
-              <a:r>
-                <a:rPr lang="en-US" sz="800" dirty="0" smtClean="0">
-                  <a:solidFill>
-                    <a:schemeClr val="accent2">
-                      <a:lumMod val="50000"/>
-                    </a:schemeClr>
-                  </a:solidFill>
-                  <a:latin typeface="Calibri" panose="020F0502020204030204" pitchFamily="34" charset="0"/>
-                </a:rPr>
-                <a:t>=</a:t>
-              </a:r>
-              <a:r>
-                <a:rPr lang="en-US" sz="800" dirty="0" err="1" smtClean="0">
-                  <a:solidFill>
-                    <a:schemeClr val="accent2">
-                      <a:lumMod val="50000"/>
-                    </a:schemeClr>
-                  </a:solidFill>
-                  <a:latin typeface="Calibri" panose="020F0502020204030204" pitchFamily="34" charset="0"/>
-                </a:rPr>
-                <a:t>aes</a:t>
-              </a:r>
-              <a:r>
-                <a:rPr lang="en-US" sz="800" dirty="0" smtClean="0">
-                  <a:solidFill>
-                    <a:schemeClr val="accent2">
-                      <a:lumMod val="50000"/>
-                    </a:schemeClr>
-                  </a:solidFill>
-                  <a:latin typeface="Calibri" panose="020F0502020204030204" pitchFamily="34" charset="0"/>
-                </a:rPr>
-                <a:t>(x=</a:t>
-              </a:r>
-              <a:r>
-                <a:rPr lang="en-US" sz="800" dirty="0" smtClean="0">
-                  <a:solidFill>
-                    <a:srgbClr val="C00000"/>
-                  </a:solidFill>
-                  <a:latin typeface="Calibri" panose="020F0502020204030204" pitchFamily="34" charset="0"/>
-                </a:rPr>
-                <a:t>qvar1</a:t>
-              </a:r>
-              <a:r>
-                <a:rPr lang="en-US" sz="800" dirty="0" smtClean="0">
-                  <a:solidFill>
-                    <a:schemeClr val="accent2">
-                      <a:lumMod val="50000"/>
-                    </a:schemeClr>
-                  </a:solidFill>
-                  <a:latin typeface="Calibri" panose="020F0502020204030204" pitchFamily="34" charset="0"/>
-                </a:rPr>
-                <a:t>,y=</a:t>
-              </a:r>
-              <a:r>
-                <a:rPr lang="en-US" sz="800" dirty="0" smtClean="0">
-                  <a:solidFill>
-                    <a:srgbClr val="C00000"/>
-                  </a:solidFill>
-                  <a:latin typeface="Calibri" panose="020F0502020204030204" pitchFamily="34" charset="0"/>
-                </a:rPr>
-                <a:t>qvar2</a:t>
-              </a:r>
-              <a:r>
-                <a:rPr lang="en-US" sz="800" dirty="0" smtClean="0">
-                  <a:solidFill>
-                    <a:schemeClr val="accent2">
-                      <a:lumMod val="50000"/>
-                    </a:schemeClr>
-                  </a:solidFill>
-                  <a:latin typeface="Calibri" panose="020F0502020204030204" pitchFamily="34" charset="0"/>
-                </a:rPr>
-                <a:t>)) </a:t>
-              </a:r>
-              <a:r>
                 <a:rPr lang="en-US" sz="800" dirty="0">
                   <a:solidFill>
                     <a:schemeClr val="accent2">
@@ -19649,325 +20239,18 @@
                   </a:solidFill>
                   <a:latin typeface="Calibri" panose="020F0502020204030204" pitchFamily="34" charset="0"/>
                 </a:rPr>
-                <a:t>+</a:t>
-              </a:r>
-            </a:p>
-            <a:p>
-              <a:pPr algn="l" defTabSz="320174" rtl="0" latinLnBrk="1" hangingPunct="0"/>
-              <a:r>
-                <a:rPr lang="en-US" sz="800" dirty="0">
-                  <a:solidFill>
-                    <a:schemeClr val="accent2">
-                      <a:lumMod val="50000"/>
-                    </a:schemeClr>
-                  </a:solidFill>
-                  <a:latin typeface="Calibri" panose="020F0502020204030204" pitchFamily="34" charset="0"/>
-                </a:rPr>
-                <a:t>  </a:t>
-              </a:r>
-              <a:r>
-                <a:rPr lang="en-US" sz="800" dirty="0" err="1" smtClean="0">
-                  <a:solidFill>
-                    <a:schemeClr val="accent2">
-                      <a:lumMod val="50000"/>
-                    </a:schemeClr>
-                  </a:solidFill>
-                  <a:latin typeface="Calibri" panose="020F0502020204030204" pitchFamily="34" charset="0"/>
-                </a:rPr>
-                <a:t>geom_point</a:t>
-              </a:r>
-              <a:r>
-                <a:rPr lang="en-US" sz="800" dirty="0" smtClean="0">
-                  <a:solidFill>
-                    <a:schemeClr val="accent2">
-                      <a:lumMod val="50000"/>
-                    </a:schemeClr>
-                  </a:solidFill>
-                  <a:latin typeface="Calibri" panose="020F0502020204030204" pitchFamily="34" charset="0"/>
-                </a:rPr>
-                <a:t>(</a:t>
-              </a:r>
-              <a:r>
-                <a:rPr lang="en-US" sz="800" dirty="0" err="1" smtClean="0">
-                  <a:solidFill>
-                    <a:schemeClr val="accent2">
-                      <a:lumMod val="50000"/>
-                    </a:schemeClr>
-                  </a:solidFill>
-                  <a:latin typeface="Calibri" panose="020F0502020204030204" pitchFamily="34" charset="0"/>
-                </a:rPr>
-                <a:t>pch</a:t>
-              </a:r>
-              <a:r>
-                <a:rPr lang="en-US" sz="800" dirty="0" smtClean="0">
-                  <a:solidFill>
-                    <a:schemeClr val="accent2">
-                      <a:lumMod val="50000"/>
-                    </a:schemeClr>
-                  </a:solidFill>
-                  <a:latin typeface="Calibri" panose="020F0502020204030204" pitchFamily="34" charset="0"/>
-                </a:rPr>
-                <a:t>=21,color</a:t>
-              </a:r>
-              <a:r>
-                <a:rPr lang="en-US" sz="800" dirty="0">
-                  <a:solidFill>
-                    <a:schemeClr val="accent2">
-                      <a:lumMod val="50000"/>
-                    </a:schemeClr>
-                  </a:solidFill>
-                  <a:latin typeface="Calibri" panose="020F0502020204030204" pitchFamily="34" charset="0"/>
-                </a:rPr>
-                <a:t>=</a:t>
-              </a:r>
-              <a:r>
-                <a:rPr lang="en-US" sz="800" b="1" dirty="0">
-                  <a:solidFill>
-                    <a:schemeClr val="accent2">
-                      <a:lumMod val="50000"/>
-                    </a:schemeClr>
-                  </a:solidFill>
-                  <a:latin typeface="Calibri" panose="020F0502020204030204" pitchFamily="34" charset="0"/>
-                  <a:cs typeface="Courier New" panose="02070309020205020404" pitchFamily="49" charset="0"/>
-                </a:rPr>
-                <a:t>"</a:t>
-              </a:r>
-              <a:r>
-                <a:rPr lang="en-US" sz="800" dirty="0" err="1">
-                  <a:solidFill>
-                    <a:schemeClr val="accent2">
-                      <a:lumMod val="50000"/>
-                    </a:schemeClr>
-                  </a:solidFill>
-                  <a:latin typeface="Calibri" panose="020F0502020204030204" pitchFamily="34" charset="0"/>
-                </a:rPr>
-                <a:t>black</a:t>
-              </a:r>
-              <a:r>
-                <a:rPr lang="en-US" sz="800" b="1" dirty="0" err="1">
-                  <a:solidFill>
-                    <a:schemeClr val="accent2">
-                      <a:lumMod val="50000"/>
-                    </a:schemeClr>
-                  </a:solidFill>
-                  <a:latin typeface="Calibri" panose="020F0502020204030204" pitchFamily="34" charset="0"/>
-                  <a:cs typeface="Courier New" panose="02070309020205020404" pitchFamily="49" charset="0"/>
-                </a:rPr>
-                <a:t>"</a:t>
-              </a:r>
-              <a:r>
-                <a:rPr lang="en-US" sz="800" dirty="0" err="1">
-                  <a:solidFill>
-                    <a:schemeClr val="accent2">
-                      <a:lumMod val="50000"/>
-                    </a:schemeClr>
-                  </a:solidFill>
-                  <a:latin typeface="Calibri" panose="020F0502020204030204" pitchFamily="34" charset="0"/>
-                </a:rPr>
-                <a:t>,fill</a:t>
-              </a:r>
-              <a:r>
-                <a:rPr lang="en-US" sz="800" dirty="0">
-                  <a:solidFill>
-                    <a:schemeClr val="accent2">
-                      <a:lumMod val="50000"/>
-                    </a:schemeClr>
-                  </a:solidFill>
-                  <a:latin typeface="Calibri" panose="020F0502020204030204" pitchFamily="34" charset="0"/>
-                </a:rPr>
-                <a:t>=</a:t>
-              </a:r>
-              <a:r>
-                <a:rPr lang="en-US" sz="800" b="1" dirty="0">
-                  <a:solidFill>
-                    <a:schemeClr val="accent2">
-                      <a:lumMod val="50000"/>
-                    </a:schemeClr>
-                  </a:solidFill>
-                  <a:latin typeface="Calibri" panose="020F0502020204030204" pitchFamily="34" charset="0"/>
-                  <a:cs typeface="Courier New" panose="02070309020205020404" pitchFamily="49" charset="0"/>
-                </a:rPr>
-                <a:t>"</a:t>
-              </a:r>
-              <a:r>
-                <a:rPr lang="en-US" sz="800" dirty="0" err="1">
-                  <a:solidFill>
-                    <a:schemeClr val="accent2">
-                      <a:lumMod val="50000"/>
-                    </a:schemeClr>
-                  </a:solidFill>
-                  <a:latin typeface="Calibri" panose="020F0502020204030204" pitchFamily="34" charset="0"/>
-                </a:rPr>
-                <a:t>lightgray</a:t>
-              </a:r>
-              <a:r>
-                <a:rPr lang="en-US" sz="800" b="1" dirty="0">
-                  <a:solidFill>
-                    <a:schemeClr val="accent2">
-                      <a:lumMod val="50000"/>
-                    </a:schemeClr>
-                  </a:solidFill>
-                  <a:latin typeface="Calibri" panose="020F0502020204030204" pitchFamily="34" charset="0"/>
-                  <a:cs typeface="Courier New" panose="02070309020205020404" pitchFamily="49" charset="0"/>
-                </a:rPr>
-                <a:t>"</a:t>
-              </a:r>
-              <a:r>
-                <a:rPr lang="en-US" sz="800" dirty="0">
-                  <a:solidFill>
-                    <a:schemeClr val="accent2">
-                      <a:lumMod val="50000"/>
-                    </a:schemeClr>
-                  </a:solidFill>
-                  <a:latin typeface="Calibri" panose="020F0502020204030204" pitchFamily="34" charset="0"/>
-                </a:rPr>
-                <a:t>) +</a:t>
-              </a:r>
-            </a:p>
-            <a:p>
-              <a:pPr algn="l" defTabSz="320174" rtl="0" latinLnBrk="1" hangingPunct="0"/>
-              <a:r>
-                <a:rPr lang="en-US" sz="800" dirty="0">
-                  <a:solidFill>
-                    <a:schemeClr val="accent2">
-                      <a:lumMod val="50000"/>
-                    </a:schemeClr>
-                  </a:solidFill>
-                  <a:latin typeface="Calibri" panose="020F0502020204030204" pitchFamily="34" charset="0"/>
-                </a:rPr>
-                <a:t>  labs(x=</a:t>
-              </a:r>
-              <a:r>
-                <a:rPr lang="en-US" sz="800" b="1" dirty="0">
-                  <a:solidFill>
-                    <a:schemeClr val="accent2">
-                      <a:lumMod val="50000"/>
-                    </a:schemeClr>
-                  </a:solidFill>
-                  <a:latin typeface="Calibri" panose="020F0502020204030204" pitchFamily="34" charset="0"/>
-                  <a:cs typeface="Courier New" panose="02070309020205020404" pitchFamily="49" charset="0"/>
-                </a:rPr>
-                <a:t>"</a:t>
-              </a:r>
-              <a:r>
-                <a:rPr lang="en-US" sz="800" dirty="0">
-                  <a:solidFill>
-                    <a:srgbClr val="C00000"/>
-                  </a:solidFill>
-                  <a:latin typeface="Calibri" panose="020F0502020204030204" pitchFamily="34" charset="0"/>
-                </a:rPr>
-                <a:t>better </a:t>
-              </a:r>
-              <a:r>
-                <a:rPr lang="en-US" sz="800" dirty="0" smtClean="0">
-                  <a:solidFill>
-                    <a:srgbClr val="C00000"/>
-                  </a:solidFill>
-                  <a:latin typeface="Calibri" panose="020F0502020204030204" pitchFamily="34" charset="0"/>
-                </a:rPr>
-                <a:t>qvar1 </a:t>
-              </a:r>
-              <a:r>
-                <a:rPr lang="en-US" sz="800" dirty="0" err="1">
-                  <a:solidFill>
-                    <a:srgbClr val="C00000"/>
-                  </a:solidFill>
-                  <a:latin typeface="Calibri" panose="020F0502020204030204" pitchFamily="34" charset="0"/>
-                </a:rPr>
-                <a:t>label</a:t>
-              </a:r>
-              <a:r>
-                <a:rPr lang="en-US" sz="800" dirty="0" err="1">
-                  <a:solidFill>
-                    <a:schemeClr val="accent2">
-                      <a:lumMod val="50000"/>
-                    </a:schemeClr>
-                  </a:solidFill>
-                  <a:latin typeface="Calibri" panose="020F0502020204030204" pitchFamily="34" charset="0"/>
-                  <a:cs typeface="Courier New" panose="02070309020205020404" pitchFamily="49" charset="0"/>
-                </a:rPr>
-                <a:t>",y</a:t>
-              </a:r>
-              <a:r>
-                <a:rPr lang="en-US" sz="800" dirty="0" smtClean="0">
-                  <a:solidFill>
-                    <a:schemeClr val="accent2">
-                      <a:lumMod val="50000"/>
-                    </a:schemeClr>
-                  </a:solidFill>
-                  <a:latin typeface="Calibri" panose="020F0502020204030204" pitchFamily="34" charset="0"/>
-                  <a:cs typeface="Courier New" panose="02070309020205020404" pitchFamily="49" charset="0"/>
-                </a:rPr>
-                <a:t>=“</a:t>
-              </a:r>
-              <a:r>
-                <a:rPr lang="en-US" sz="800" dirty="0" smtClean="0">
-                  <a:solidFill>
-                    <a:srgbClr val="C00000"/>
-                  </a:solidFill>
-                  <a:latin typeface="Calibri" panose="020F0502020204030204" pitchFamily="34" charset="0"/>
-                  <a:cs typeface="Courier New" panose="02070309020205020404" pitchFamily="49" charset="0"/>
-                </a:rPr>
-                <a:t>better qvar2 label</a:t>
-              </a:r>
-              <a:r>
-                <a:rPr lang="en-US" sz="800" dirty="0" smtClean="0">
-                  <a:solidFill>
-                    <a:schemeClr val="accent2">
-                      <a:lumMod val="50000"/>
-                    </a:schemeClr>
-                  </a:solidFill>
-                  <a:latin typeface="Calibri" panose="020F0502020204030204" pitchFamily="34" charset="0"/>
-                  <a:cs typeface="Courier New" panose="02070309020205020404" pitchFamily="49" charset="0"/>
-                </a:rPr>
-                <a:t>"</a:t>
-              </a:r>
-              <a:r>
-                <a:rPr lang="en-US" sz="800" dirty="0" smtClean="0">
-                  <a:solidFill>
-                    <a:schemeClr val="accent2">
-                      <a:lumMod val="50000"/>
-                    </a:schemeClr>
-                  </a:solidFill>
-                  <a:latin typeface="Calibri" panose="020F0502020204030204" pitchFamily="34" charset="0"/>
-                </a:rPr>
-                <a:t>) +</a:t>
-              </a:r>
-            </a:p>
-            <a:p>
-              <a:pPr algn="l" defTabSz="320174" rtl="0" latinLnBrk="1" hangingPunct="0"/>
-              <a:r>
-                <a:rPr lang="en-US" sz="800" dirty="0" smtClean="0">
-                  <a:solidFill>
-                    <a:schemeClr val="accent2">
-                      <a:lumMod val="50000"/>
-                    </a:schemeClr>
-                  </a:solidFill>
-                  <a:latin typeface="Calibri" panose="020F0502020204030204" pitchFamily="34" charset="0"/>
-                </a:rPr>
-                <a:t>  </a:t>
-              </a:r>
-              <a:r>
-                <a:rPr lang="en-US" sz="800" dirty="0" err="1">
-                  <a:solidFill>
-                    <a:schemeClr val="accent2">
-                      <a:lumMod val="50000"/>
-                    </a:schemeClr>
-                  </a:solidFill>
-                  <a:latin typeface="Calibri" panose="020F0502020204030204" pitchFamily="34" charset="0"/>
-                </a:rPr>
-                <a:t>theme_NCStats</a:t>
-              </a:r>
-              <a:r>
-                <a:rPr lang="en-US" sz="800" dirty="0" smtClean="0">
-                  <a:solidFill>
-                    <a:schemeClr val="accent2">
-                      <a:lumMod val="50000"/>
-                    </a:schemeClr>
-                  </a:solidFill>
-                  <a:latin typeface="Calibri" panose="020F0502020204030204" pitchFamily="34" charset="0"/>
-                </a:rPr>
-                <a:t>()</a:t>
+                <a:t>=3</a:t>
+              </a:r>
+              <a:r>
+                <a:rPr lang="en-US" sz="800" dirty="0" smtClean="0">
+                  <a:solidFill>
+                    <a:schemeClr val="accent2">
+                      <a:lumMod val="50000"/>
+                    </a:schemeClr>
+                  </a:solidFill>
+                  <a:latin typeface="Calibri" panose="020F0502020204030204" pitchFamily="34" charset="0"/>
+                </a:rPr>
+                <a:t>)</a:t>
               </a:r>
               <a:endParaRPr lang="en-US" sz="800" dirty="0">
                 <a:solidFill>
@@ -19988,7 +20271,7 @@
           </p:nvSpPr>
           <p:spPr>
             <a:xfrm>
-              <a:off x="6045145" y="36413"/>
+              <a:off x="6102295" y="36413"/>
               <a:ext cx="2926080" cy="228600"/>
             </a:xfrm>
             <a:prstGeom prst="roundRect">
@@ -20006,7 +20289,7 @@
             </a:ln>
             <a:extLst>
               <a:ext uri="{C572A759-6A51-4108-AA02-DFA0A04FC94B}">
-                <ma14:wrappingTextBoxFlag xmlns="" xmlns:ma14="http://schemas.microsoft.com/office/mac/drawingml/2011/main" val="1"/>
+                <ma14:wrappingTextBoxFlag xmlns:ma14="http://schemas.microsoft.com/office/mac/drawingml/2011/main" xmlns="" val="1"/>
               </a:ext>
             </a:extLst>
           </p:spPr>
@@ -20057,7 +20340,7 @@
           </p:blipFill>
           <p:spPr>
             <a:xfrm>
-              <a:off x="7035446" y="1836970"/>
+              <a:off x="7016395" y="1590715"/>
               <a:ext cx="914400" cy="914400"/>
             </a:xfrm>
             <a:prstGeom prst="rect">
@@ -21333,7 +21616,7 @@
             </a:ln>
             <a:extLst>
               <a:ext uri="{C572A759-6A51-4108-AA02-DFA0A04FC94B}">
-                <ma14:wrappingTextBoxFlag xmlns="" xmlns:ma14="http://schemas.microsoft.com/office/mac/drawingml/2011/main" val="1"/>
+                <ma14:wrappingTextBoxFlag xmlns:ma14="http://schemas.microsoft.com/office/mac/drawingml/2011/main" xmlns="" val="1"/>
               </a:ext>
             </a:extLst>
           </p:spPr>
@@ -23505,7 +23788,7 @@
             </a:ln>
             <a:extLst>
               <a:ext uri="{C572A759-6A51-4108-AA02-DFA0A04FC94B}">
-                <ma14:wrappingTextBoxFlag xmlns="" xmlns:ma14="http://schemas.microsoft.com/office/mac/drawingml/2011/main" val="1"/>
+                <ma14:wrappingTextBoxFlag xmlns:ma14="http://schemas.microsoft.com/office/mac/drawingml/2011/main" xmlns="" val="1"/>
               </a:ext>
             </a:extLst>
           </p:spPr>
@@ -25385,7 +25668,7 @@
             </a:ln>
             <a:extLst>
               <a:ext uri="{C572A759-6A51-4108-AA02-DFA0A04FC94B}">
-                <ma14:wrappingTextBoxFlag xmlns="" xmlns:ma14="http://schemas.microsoft.com/office/mac/drawingml/2011/main" val="1"/>
+                <ma14:wrappingTextBoxFlag xmlns:ma14="http://schemas.microsoft.com/office/mac/drawingml/2011/main" xmlns="" val="1"/>
               </a:ext>
             </a:extLst>
           </p:spPr>
@@ -27000,7 +27283,7 @@
             </a:ln>
             <a:extLst>
               <a:ext uri="{C572A759-6A51-4108-AA02-DFA0A04FC94B}">
-                <ma14:wrappingTextBoxFlag xmlns="" xmlns:ma14="http://schemas.microsoft.com/office/mac/drawingml/2011/main" val="1"/>
+                <ma14:wrappingTextBoxFlag xmlns:ma14="http://schemas.microsoft.com/office/mac/drawingml/2011/main" xmlns="" val="1"/>
               </a:ext>
             </a:extLst>
           </p:spPr>
@@ -30765,7 +31048,7 @@
             </a:ln>
             <a:extLst>
               <a:ext uri="{C572A759-6A51-4108-AA02-DFA0A04FC94B}">
-                <ma14:wrappingTextBoxFlag xmlns="" xmlns:ma14="http://schemas.microsoft.com/office/mac/drawingml/2011/main" val="1"/>
+                <ma14:wrappingTextBoxFlag xmlns:ma14="http://schemas.microsoft.com/office/mac/drawingml/2011/main" xmlns="" val="1"/>
               </a:ext>
             </a:extLst>
           </p:spPr>

--- a/resources/MTH107-RGuide.pptx
+++ b/resources/MTH107-RGuide.pptx
@@ -1144,7 +1144,7 @@
           </a:ln>
           <a:extLst>
             <a:ext uri="{C572A759-6A51-4108-AA02-DFA0A04FC94B}">
-              <ma14:wrappingTextBoxFlag xmlns:ma14="http://schemas.microsoft.com/office/mac/drawingml/2011/main" xmlns="" val="1"/>
+              <ma14:wrappingTextBoxFlag xmlns="" xmlns:ma14="http://schemas.microsoft.com/office/mac/drawingml/2011/main" val="1"/>
             </a:ext>
           </a:extLst>
         </p:spPr>
@@ -1187,7 +1187,7 @@
           </a:ln>
           <a:extLst>
             <a:ext uri="{C572A759-6A51-4108-AA02-DFA0A04FC94B}">
-              <ma14:wrappingTextBoxFlag xmlns:ma14="http://schemas.microsoft.com/office/mac/drawingml/2011/main" xmlns="" val="1"/>
+              <ma14:wrappingTextBoxFlag xmlns="" xmlns:ma14="http://schemas.microsoft.com/office/mac/drawingml/2011/main" val="1"/>
             </a:ext>
           </a:extLst>
         </p:spPr>
@@ -1871,7 +1871,7 @@
             </a:ln>
             <a:extLst>
               <a:ext uri="{C572A759-6A51-4108-AA02-DFA0A04FC94B}">
-                <ma14:wrappingTextBoxFlag xmlns:ma14="http://schemas.microsoft.com/office/mac/drawingml/2011/main" xmlns="" val="1"/>
+                <ma14:wrappingTextBoxFlag xmlns="" xmlns:ma14="http://schemas.microsoft.com/office/mac/drawingml/2011/main" val="1"/>
               </a:ext>
             </a:extLst>
           </p:spPr>
@@ -2457,7 +2457,7 @@
             </a:ln>
             <a:extLst>
               <a:ext uri="{C572A759-6A51-4108-AA02-DFA0A04FC94B}">
-                <ma14:wrappingTextBoxFlag xmlns:ma14="http://schemas.microsoft.com/office/mac/drawingml/2011/main" xmlns="" val="1"/>
+                <ma14:wrappingTextBoxFlag xmlns="" xmlns:ma14="http://schemas.microsoft.com/office/mac/drawingml/2011/main" val="1"/>
               </a:ext>
             </a:extLst>
           </p:spPr>
@@ -3204,7 +3204,7 @@
             </a:ln>
             <a:extLst>
               <a:ext uri="{C572A759-6A51-4108-AA02-DFA0A04FC94B}">
-                <ma14:wrappingTextBoxFlag xmlns:ma14="http://schemas.microsoft.com/office/mac/drawingml/2011/main" xmlns="" val="1"/>
+                <ma14:wrappingTextBoxFlag xmlns="" xmlns:ma14="http://schemas.microsoft.com/office/mac/drawingml/2011/main" val="1"/>
               </a:ext>
             </a:extLst>
           </p:spPr>
@@ -3462,36 +3462,18 @@
                   </a:solidFill>
                   <a:latin typeface="Calibri" panose="020F0502020204030204" pitchFamily="34" charset="0"/>
                 </a:rPr>
-                <a:t>,</a:t>
-              </a:r>
-              <a:r>
-                <a:rPr lang="en-US" sz="800" dirty="0" err="1" smtClean="0">
-                  <a:solidFill>
-                    <a:srgbClr val="C00000"/>
-                  </a:solidFill>
-                  <a:latin typeface="Calibri" panose="020F0502020204030204" pitchFamily="34" charset="0"/>
-                </a:rPr>
-                <a:t>lower.tail</a:t>
-              </a:r>
-              <a:r>
-                <a:rPr lang="en-US" sz="800" dirty="0" smtClean="0">
-                  <a:solidFill>
-                    <a:srgbClr val="C00000"/>
-                  </a:solidFill>
-                  <a:latin typeface="Calibri" panose="020F0502020204030204" pitchFamily="34" charset="0"/>
-                </a:rPr>
-                <a:t>=FALSE</a:t>
-              </a:r>
-              <a:r>
-                <a:rPr lang="en-US" sz="800" dirty="0" smtClean="0">
-                  <a:solidFill>
-                    <a:schemeClr val="accent2">
-                      <a:lumMod val="50000"/>
-                    </a:schemeClr>
-                  </a:solidFill>
-                  <a:latin typeface="Calibri" panose="020F0502020204030204" pitchFamily="34" charset="0"/>
-                </a:rPr>
-                <a:t>)</a:t>
+                <a:t>,lower.tail</a:t>
+              </a:r>
+              <a:r>
+                <a:rPr lang="en-US" sz="800" dirty="0" smtClean="0">
+                  <a:solidFill>
+                    <a:schemeClr val="accent2">
+                      <a:lumMod val="50000"/>
+                    </a:schemeClr>
+                  </a:solidFill>
+                  <a:latin typeface="Calibri" panose="020F0502020204030204" pitchFamily="34" charset="0"/>
+                </a:rPr>
+                <a:t>=FALSE)</a:t>
               </a:r>
               <a:endParaRPr lang="en-US" sz="800" dirty="0">
                 <a:solidFill>
@@ -4300,7 +4282,7 @@
             </a:ln>
             <a:extLst>
               <a:ext uri="{C572A759-6A51-4108-AA02-DFA0A04FC94B}">
-                <ma14:wrappingTextBoxFlag xmlns:ma14="http://schemas.microsoft.com/office/mac/drawingml/2011/main" xmlns="" val="1"/>
+                <ma14:wrappingTextBoxFlag xmlns="" xmlns:ma14="http://schemas.microsoft.com/office/mac/drawingml/2011/main" val="1"/>
               </a:ext>
             </a:extLst>
           </p:spPr>
@@ -6499,7 +6481,7 @@
             </a:ln>
             <a:extLst>
               <a:ext uri="{C572A759-6A51-4108-AA02-DFA0A04FC94B}">
-                <ma14:wrappingTextBoxFlag xmlns:ma14="http://schemas.microsoft.com/office/mac/drawingml/2011/main" xmlns="" val="1"/>
+                <ma14:wrappingTextBoxFlag xmlns="" xmlns:ma14="http://schemas.microsoft.com/office/mac/drawingml/2011/main" val="1"/>
               </a:ext>
             </a:extLst>
           </p:spPr>
@@ -8219,7 +8201,7 @@
               <a:r>
                 <a:rPr lang="en-US" sz="800" dirty="0" err="1">
                   <a:solidFill>
-                    <a:schemeClr val="tx1"/>
+                    <a:srgbClr val="C00000"/>
                   </a:solidFill>
                   <a:latin typeface="Calibri Light" panose="020F0302020204030204" pitchFamily="34" charset="0"/>
                   <a:ea typeface="Microsoft Yi Baiti" panose="03000500000000000000" pitchFamily="66" charset="0"/>
@@ -8236,7 +8218,53 @@
                   <a:ea typeface="Microsoft Yi Baiti" panose="03000500000000000000" pitchFamily="66" charset="0"/>
                   <a:cs typeface="Arabic Typesetting" panose="03020402040406030203" pitchFamily="66" charset="-78"/>
                 </a:rPr>
-                <a:t> == value	</a:t>
+                <a:t> </a:t>
+              </a:r>
+              <a:r>
+                <a:rPr lang="en-US" sz="800" dirty="0">
+                  <a:solidFill>
+                    <a:schemeClr val="accent2">
+                      <a:lumMod val="50000"/>
+                    </a:schemeClr>
+                  </a:solidFill>
+                  <a:latin typeface="Calibri Light" panose="020F0302020204030204" pitchFamily="34" charset="0"/>
+                  <a:ea typeface="Microsoft Yi Baiti" panose="03000500000000000000" pitchFamily="66" charset="0"/>
+                  <a:cs typeface="Arabic Typesetting" panose="03020402040406030203" pitchFamily="66" charset="-78"/>
+                </a:rPr>
+                <a:t>==</a:t>
+              </a:r>
+              <a:r>
+                <a:rPr lang="en-US" sz="800" dirty="0">
+                  <a:solidFill>
+                    <a:schemeClr val="tx1"/>
+                  </a:solidFill>
+                  <a:latin typeface="Calibri Light" panose="020F0302020204030204" pitchFamily="34" charset="0"/>
+                  <a:ea typeface="Microsoft Yi Baiti" panose="03000500000000000000" pitchFamily="66" charset="0"/>
+                  <a:cs typeface="Arabic Typesetting" panose="03020402040406030203" pitchFamily="66" charset="-78"/>
+                </a:rPr>
+                <a:t> </a:t>
+              </a:r>
+              <a:r>
+                <a:rPr lang="en-US" sz="800" dirty="0">
+                  <a:solidFill>
+                    <a:srgbClr val="C00000"/>
+                  </a:solidFill>
+                  <a:latin typeface="Calibri Light" panose="020F0302020204030204" pitchFamily="34" charset="0"/>
+                  <a:ea typeface="Microsoft Yi Baiti" panose="03000500000000000000" pitchFamily="66" charset="0"/>
+                  <a:cs typeface="Arabic Typesetting" panose="03020402040406030203" pitchFamily="66" charset="-78"/>
+                </a:rPr>
+                <a:t>value</a:t>
+              </a:r>
+              <a:r>
+                <a:rPr lang="en-US" sz="800" dirty="0">
+                  <a:solidFill>
+                    <a:schemeClr val="tx1"/>
+                  </a:solidFill>
+                  <a:latin typeface="Calibri Light" panose="020F0302020204030204" pitchFamily="34" charset="0"/>
+                  <a:ea typeface="Microsoft Yi Baiti" panose="03000500000000000000" pitchFamily="66" charset="0"/>
+                  <a:cs typeface="Arabic Typesetting" panose="03020402040406030203" pitchFamily="66" charset="-78"/>
+                </a:rPr>
+                <a:t>	</a:t>
               </a:r>
               <a:r>
                 <a:rPr lang="en-US" sz="800" dirty="0" smtClean="0">
@@ -8276,7 +8304,7 @@
               <a:r>
                 <a:rPr lang="en-US" sz="800" dirty="0" err="1">
                   <a:solidFill>
-                    <a:schemeClr val="tx1"/>
+                    <a:srgbClr val="C00000"/>
                   </a:solidFill>
                   <a:latin typeface="Calibri Light" panose="020F0302020204030204" pitchFamily="34" charset="0"/>
                   <a:ea typeface="Microsoft Yi Baiti" panose="03000500000000000000" pitchFamily="66" charset="0"/>
@@ -8293,7 +8321,64 @@
                   <a:ea typeface="Microsoft Yi Baiti" panose="03000500000000000000" pitchFamily="66" charset="0"/>
                   <a:cs typeface="Arabic Typesetting" panose="03020402040406030203" pitchFamily="66" charset="-78"/>
                 </a:rPr>
-                <a:t> != value 	</a:t>
+                <a:t> </a:t>
+              </a:r>
+              <a:r>
+                <a:rPr lang="en-US" sz="800" dirty="0">
+                  <a:solidFill>
+                    <a:schemeClr val="accent2">
+                      <a:lumMod val="50000"/>
+                    </a:schemeClr>
+                  </a:solidFill>
+                  <a:latin typeface="Calibri Light" panose="020F0302020204030204" pitchFamily="34" charset="0"/>
+                  <a:ea typeface="Microsoft Yi Baiti" panose="03000500000000000000" pitchFamily="66" charset="0"/>
+                  <a:cs typeface="Arabic Typesetting" panose="03020402040406030203" pitchFamily="66" charset="-78"/>
+                </a:rPr>
+                <a:t>!=</a:t>
+              </a:r>
+              <a:r>
+                <a:rPr lang="en-US" sz="800" dirty="0">
+                  <a:solidFill>
+                    <a:schemeClr val="tx1"/>
+                  </a:solidFill>
+                  <a:latin typeface="Calibri Light" panose="020F0302020204030204" pitchFamily="34" charset="0"/>
+                  <a:ea typeface="Microsoft Yi Baiti" panose="03000500000000000000" pitchFamily="66" charset="0"/>
+                  <a:cs typeface="Arabic Typesetting" panose="03020402040406030203" pitchFamily="66" charset="-78"/>
+                </a:rPr>
+                <a:t> </a:t>
+              </a:r>
+              <a:r>
+                <a:rPr lang="en-US" sz="800" dirty="0">
+                  <a:solidFill>
+                    <a:srgbClr val="C00000"/>
+                  </a:solidFill>
+                  <a:latin typeface="Calibri Light" panose="020F0302020204030204" pitchFamily="34" charset="0"/>
+                  <a:ea typeface="Microsoft Yi Baiti" panose="03000500000000000000" pitchFamily="66" charset="0"/>
+                  <a:cs typeface="Arabic Typesetting" panose="03020402040406030203" pitchFamily="66" charset="-78"/>
+                </a:rPr>
+                <a:t>value</a:t>
+              </a:r>
+              <a:r>
+                <a:rPr lang="en-US" sz="800" dirty="0" smtClean="0">
+                  <a:solidFill>
+                    <a:schemeClr val="tx1"/>
+                  </a:solidFill>
+                  <a:latin typeface="Calibri Light" panose="020F0302020204030204" pitchFamily="34" charset="0"/>
+                  <a:ea typeface="Microsoft Yi Baiti" panose="03000500000000000000" pitchFamily="66" charset="0"/>
+                  <a:cs typeface="Arabic Typesetting" panose="03020402040406030203" pitchFamily="66" charset="-78"/>
+                </a:rPr>
+                <a:t> </a:t>
+              </a:r>
+              <a:r>
+                <a:rPr lang="en-US" sz="800" dirty="0">
+                  <a:solidFill>
+                    <a:schemeClr val="tx1"/>
+                  </a:solidFill>
+                  <a:latin typeface="Calibri Light" panose="020F0302020204030204" pitchFamily="34" charset="0"/>
+                  <a:ea typeface="Microsoft Yi Baiti" panose="03000500000000000000" pitchFamily="66" charset="0"/>
+                  <a:cs typeface="Arabic Typesetting" panose="03020402040406030203" pitchFamily="66" charset="-78"/>
+                </a:rPr>
+                <a:t>	</a:t>
               </a:r>
               <a:r>
                 <a:rPr lang="en-US" sz="800" dirty="0" smtClean="0">
@@ -8333,7 +8418,7 @@
               <a:r>
                 <a:rPr lang="en-US" sz="800" dirty="0" err="1">
                   <a:solidFill>
-                    <a:schemeClr val="tx1"/>
+                    <a:srgbClr val="C00000"/>
                   </a:solidFill>
                   <a:latin typeface="Calibri Light" panose="020F0302020204030204" pitchFamily="34" charset="0"/>
                   <a:ea typeface="Microsoft Yi Baiti" panose="03000500000000000000" pitchFamily="66" charset="0"/>
@@ -8350,7 +8435,53 @@
                   <a:ea typeface="Microsoft Yi Baiti" panose="03000500000000000000" pitchFamily="66" charset="0"/>
                   <a:cs typeface="Arabic Typesetting" panose="03020402040406030203" pitchFamily="66" charset="-78"/>
                 </a:rPr>
-                <a:t> &gt; value	</a:t>
+                <a:t> </a:t>
+              </a:r>
+              <a:r>
+                <a:rPr lang="en-US" sz="800" dirty="0">
+                  <a:solidFill>
+                    <a:schemeClr val="accent2">
+                      <a:lumMod val="50000"/>
+                    </a:schemeClr>
+                  </a:solidFill>
+                  <a:latin typeface="Calibri Light" panose="020F0302020204030204" pitchFamily="34" charset="0"/>
+                  <a:ea typeface="Microsoft Yi Baiti" panose="03000500000000000000" pitchFamily="66" charset="0"/>
+                  <a:cs typeface="Arabic Typesetting" panose="03020402040406030203" pitchFamily="66" charset="-78"/>
+                </a:rPr>
+                <a:t>&gt;</a:t>
+              </a:r>
+              <a:r>
+                <a:rPr lang="en-US" sz="800" dirty="0">
+                  <a:solidFill>
+                    <a:schemeClr val="tx1"/>
+                  </a:solidFill>
+                  <a:latin typeface="Calibri Light" panose="020F0302020204030204" pitchFamily="34" charset="0"/>
+                  <a:ea typeface="Microsoft Yi Baiti" panose="03000500000000000000" pitchFamily="66" charset="0"/>
+                  <a:cs typeface="Arabic Typesetting" panose="03020402040406030203" pitchFamily="66" charset="-78"/>
+                </a:rPr>
+                <a:t> </a:t>
+              </a:r>
+              <a:r>
+                <a:rPr lang="en-US" sz="800" dirty="0">
+                  <a:solidFill>
+                    <a:srgbClr val="C00000"/>
+                  </a:solidFill>
+                  <a:latin typeface="Calibri Light" panose="020F0302020204030204" pitchFamily="34" charset="0"/>
+                  <a:ea typeface="Microsoft Yi Baiti" panose="03000500000000000000" pitchFamily="66" charset="0"/>
+                  <a:cs typeface="Arabic Typesetting" panose="03020402040406030203" pitchFamily="66" charset="-78"/>
+                </a:rPr>
+                <a:t>value </a:t>
+              </a:r>
+              <a:r>
+                <a:rPr lang="en-US" sz="800" dirty="0">
+                  <a:solidFill>
+                    <a:schemeClr val="tx1"/>
+                  </a:solidFill>
+                  <a:latin typeface="Calibri Light" panose="020F0302020204030204" pitchFamily="34" charset="0"/>
+                  <a:ea typeface="Microsoft Yi Baiti" panose="03000500000000000000" pitchFamily="66" charset="0"/>
+                  <a:cs typeface="Arabic Typesetting" panose="03020402040406030203" pitchFamily="66" charset="-78"/>
+                </a:rPr>
+                <a:t>	</a:t>
               </a:r>
               <a:r>
                 <a:rPr lang="en-US" sz="800" dirty="0" smtClean="0">
@@ -8390,7 +8521,7 @@
               <a:r>
                 <a:rPr lang="en-US" sz="800" dirty="0" err="1">
                   <a:solidFill>
-                    <a:schemeClr val="tx1"/>
+                    <a:srgbClr val="C00000"/>
                   </a:solidFill>
                   <a:latin typeface="Calibri Light" panose="020F0302020204030204" pitchFamily="34" charset="0"/>
                   <a:ea typeface="Microsoft Yi Baiti" panose="03000500000000000000" pitchFamily="66" charset="0"/>
@@ -8407,7 +8538,64 @@
                   <a:ea typeface="Microsoft Yi Baiti" panose="03000500000000000000" pitchFamily="66" charset="0"/>
                   <a:cs typeface="Arabic Typesetting" panose="03020402040406030203" pitchFamily="66" charset="-78"/>
                 </a:rPr>
-                <a:t> &gt;= value 	</a:t>
+                <a:t> </a:t>
+              </a:r>
+              <a:r>
+                <a:rPr lang="en-US" sz="800" dirty="0">
+                  <a:solidFill>
+                    <a:schemeClr val="accent2">
+                      <a:lumMod val="50000"/>
+                    </a:schemeClr>
+                  </a:solidFill>
+                  <a:latin typeface="Calibri Light" panose="020F0302020204030204" pitchFamily="34" charset="0"/>
+                  <a:ea typeface="Microsoft Yi Baiti" panose="03000500000000000000" pitchFamily="66" charset="0"/>
+                  <a:cs typeface="Arabic Typesetting" panose="03020402040406030203" pitchFamily="66" charset="-78"/>
+                </a:rPr>
+                <a:t>&gt;=</a:t>
+              </a:r>
+              <a:r>
+                <a:rPr lang="en-US" sz="800" dirty="0">
+                  <a:solidFill>
+                    <a:schemeClr val="tx1"/>
+                  </a:solidFill>
+                  <a:latin typeface="Calibri Light" panose="020F0302020204030204" pitchFamily="34" charset="0"/>
+                  <a:ea typeface="Microsoft Yi Baiti" panose="03000500000000000000" pitchFamily="66" charset="0"/>
+                  <a:cs typeface="Arabic Typesetting" panose="03020402040406030203" pitchFamily="66" charset="-78"/>
+                </a:rPr>
+                <a:t> </a:t>
+              </a:r>
+              <a:r>
+                <a:rPr lang="en-US" sz="800" dirty="0">
+                  <a:solidFill>
+                    <a:srgbClr val="C00000"/>
+                  </a:solidFill>
+                  <a:latin typeface="Calibri Light" panose="020F0302020204030204" pitchFamily="34" charset="0"/>
+                  <a:ea typeface="Microsoft Yi Baiti" panose="03000500000000000000" pitchFamily="66" charset="0"/>
+                  <a:cs typeface="Arabic Typesetting" panose="03020402040406030203" pitchFamily="66" charset="-78"/>
+                </a:rPr>
+                <a:t>value</a:t>
+              </a:r>
+              <a:r>
+                <a:rPr lang="en-US" sz="800" dirty="0" smtClean="0">
+                  <a:solidFill>
+                    <a:schemeClr val="tx1"/>
+                  </a:solidFill>
+                  <a:latin typeface="Calibri Light" panose="020F0302020204030204" pitchFamily="34" charset="0"/>
+                  <a:ea typeface="Microsoft Yi Baiti" panose="03000500000000000000" pitchFamily="66" charset="0"/>
+                  <a:cs typeface="Arabic Typesetting" panose="03020402040406030203" pitchFamily="66" charset="-78"/>
+                </a:rPr>
+                <a:t> </a:t>
+              </a:r>
+              <a:r>
+                <a:rPr lang="en-US" sz="800" dirty="0">
+                  <a:solidFill>
+                    <a:schemeClr val="tx1"/>
+                  </a:solidFill>
+                  <a:latin typeface="Calibri Light" panose="020F0302020204030204" pitchFamily="34" charset="0"/>
+                  <a:ea typeface="Microsoft Yi Baiti" panose="03000500000000000000" pitchFamily="66" charset="0"/>
+                  <a:cs typeface="Arabic Typesetting" panose="03020402040406030203" pitchFamily="66" charset="-78"/>
+                </a:rPr>
+                <a:t>	</a:t>
               </a:r>
               <a:r>
                 <a:rPr lang="en-US" sz="800" dirty="0" smtClean="0">
@@ -8447,7 +8635,7 @@
               <a:r>
                 <a:rPr lang="en-US" sz="800" dirty="0" err="1" smtClean="0">
                   <a:solidFill>
-                    <a:schemeClr val="tx1"/>
+                    <a:srgbClr val="C00000"/>
                   </a:solidFill>
                   <a:latin typeface="Calibri Light" panose="020F0302020204030204" pitchFamily="34" charset="0"/>
                   <a:ea typeface="Microsoft Yi Baiti" panose="03000500000000000000" pitchFamily="66" charset="0"/>
@@ -8469,50 +8657,48 @@
               <a:r>
                 <a:rPr lang="en-US" sz="800" dirty="0">
                   <a:solidFill>
-                    <a:schemeClr val="tx1"/>
+                    <a:schemeClr val="accent2">
+                      <a:lumMod val="50000"/>
+                    </a:schemeClr>
                   </a:solidFill>
                   <a:latin typeface="Calibri Light" panose="020F0302020204030204" pitchFamily="34" charset="0"/>
                   <a:ea typeface="Microsoft Yi Baiti" panose="03000500000000000000" pitchFamily="66" charset="0"/>
                   <a:cs typeface="Arabic Typesetting" panose="03020402040406030203" pitchFamily="66" charset="-78"/>
                 </a:rPr>
-                <a:t>%in% c</a:t>
-              </a:r>
-              <a:r>
-                <a:rPr lang="en-US" sz="800" dirty="0" smtClean="0">
-                  <a:solidFill>
-                    <a:schemeClr val="tx1"/>
+                <a:t>%in% </a:t>
+              </a:r>
+              <a:r>
+                <a:rPr lang="en-US" sz="800">
+                  <a:solidFill>
+                    <a:schemeClr val="accent2">
+                      <a:lumMod val="50000"/>
+                    </a:schemeClr>
                   </a:solidFill>
                   <a:latin typeface="Calibri Light" panose="020F0302020204030204" pitchFamily="34" charset="0"/>
                   <a:ea typeface="Microsoft Yi Baiti" panose="03000500000000000000" pitchFamily="66" charset="0"/>
                   <a:cs typeface="Arabic Typesetting" panose="03020402040406030203" pitchFamily="66" charset="-78"/>
                 </a:rPr>
-                <a:t>(</a:t>
-              </a:r>
-              <a:r>
-                <a:rPr lang="en-US" sz="800" b="1" dirty="0">
-                  <a:solidFill>
-                    <a:schemeClr val="tx1"/>
-                  </a:solidFill>
-                  <a:latin typeface="Calibri" panose="020F0502020204030204" pitchFamily="34" charset="0"/>
-                  <a:cs typeface="Courier New" panose="02070309020205020404" pitchFamily="49" charset="0"/>
-                </a:rPr>
-                <a:t>"</a:t>
-              </a:r>
-              <a:r>
-                <a:rPr lang="en-US" sz="800" dirty="0" smtClean="0">
-                  <a:solidFill>
-                    <a:schemeClr val="tx1"/>
+                <a:t>c</a:t>
+              </a:r>
+              <a:r>
+                <a:rPr lang="en-US" sz="800" smtClean="0">
+                  <a:solidFill>
+                    <a:schemeClr val="accent2">
+                      <a:lumMod val="50000"/>
+                    </a:schemeClr>
                   </a:solidFill>
                   <a:latin typeface="Calibri Light" panose="020F0302020204030204" pitchFamily="34" charset="0"/>
                   <a:ea typeface="Microsoft Yi Baiti" panose="03000500000000000000" pitchFamily="66" charset="0"/>
                   <a:cs typeface="Arabic Typesetting" panose="03020402040406030203" pitchFamily="66" charset="-78"/>
                 </a:rPr>
-                <a:t>value</a:t>
-              </a:r>
-              <a:r>
-                <a:rPr lang="en-US" sz="800" b="1" dirty="0" smtClean="0">
-                  <a:solidFill>
-                    <a:schemeClr val="tx1"/>
+                <a:t>(</a:t>
+              </a:r>
+              <a:r>
+                <a:rPr lang="en-US" sz="800" b="1" smtClean="0">
+                  <a:solidFill>
+                    <a:schemeClr val="accent2">
+                      <a:lumMod val="50000"/>
+                    </a:schemeClr>
                   </a:solidFill>
                   <a:latin typeface="Calibri" panose="020F0502020204030204" pitchFamily="34" charset="0"/>
                   <a:cs typeface="Courier New" panose="02070309020205020404" pitchFamily="49" charset="0"/>
@@ -8520,30 +8706,22 @@
                 <a:t>"</a:t>
               </a:r>
               <a:r>
-                <a:rPr lang="en-US" sz="800" dirty="0" smtClean="0">
-                  <a:solidFill>
-                    <a:schemeClr val="tx1"/>
+                <a:rPr lang="en-US" sz="800" smtClean="0">
+                  <a:solidFill>
+                    <a:srgbClr val="C00000"/>
                   </a:solidFill>
                   <a:latin typeface="Calibri Light" panose="020F0302020204030204" pitchFamily="34" charset="0"/>
                   <a:ea typeface="Microsoft Yi Baiti" panose="03000500000000000000" pitchFamily="66" charset="0"/>
                   <a:cs typeface="Arabic Typesetting" panose="03020402040406030203" pitchFamily="66" charset="-78"/>
                 </a:rPr>
-                <a:t>,</a:t>
-              </a:r>
-              <a:r>
-                <a:rPr lang="en-US" sz="800" b="1" dirty="0" smtClean="0">
-                  <a:solidFill>
-                    <a:schemeClr val="tx1"/>
-                  </a:solidFill>
-                  <a:latin typeface="Calibri" panose="020F0502020204030204" pitchFamily="34" charset="0"/>
-                  <a:cs typeface="Courier New" panose="02070309020205020404" pitchFamily="49" charset="0"/>
-                </a:rPr>
-                <a:t> </a:t>
-              </a:r>
-              <a:r>
-                <a:rPr lang="en-US" sz="800" b="1" dirty="0">
-                  <a:solidFill>
-                    <a:schemeClr val="tx1"/>
+                <a:t>value</a:t>
+              </a:r>
+              <a:r>
+                <a:rPr lang="en-US" sz="800" b="1" smtClean="0">
+                  <a:solidFill>
+                    <a:schemeClr val="accent2">
+                      <a:lumMod val="50000"/>
+                    </a:schemeClr>
                   </a:solidFill>
                   <a:latin typeface="Calibri" panose="020F0502020204030204" pitchFamily="34" charset="0"/>
                   <a:cs typeface="Courier New" panose="02070309020205020404" pitchFamily="49" charset="0"/>
@@ -8551,51 +8729,47 @@
                 <a:t>"</a:t>
               </a:r>
               <a:r>
-                <a:rPr lang="en-US" sz="800" dirty="0" smtClean="0">
-                  <a:solidFill>
-                    <a:schemeClr val="tx1"/>
+                <a:rPr lang="en-US" sz="800" smtClean="0">
+                  <a:solidFill>
+                    <a:schemeClr val="accent2">
+                      <a:lumMod val="50000"/>
+                    </a:schemeClr>
                   </a:solidFill>
                   <a:latin typeface="Calibri Light" panose="020F0302020204030204" pitchFamily="34" charset="0"/>
                   <a:ea typeface="Microsoft Yi Baiti" panose="03000500000000000000" pitchFamily="66" charset="0"/>
                   <a:cs typeface="Arabic Typesetting" panose="03020402040406030203" pitchFamily="66" charset="-78"/>
                 </a:rPr>
-                <a:t>value</a:t>
-              </a:r>
-              <a:r>
-                <a:rPr lang="en-US" sz="800" b="1" dirty="0" smtClean="0">
-                  <a:solidFill>
-                    <a:schemeClr val="tx1"/>
-                  </a:solidFill>
-                  <a:latin typeface="Calibri" panose="020F0502020204030204" pitchFamily="34" charset="0"/>
-                  <a:cs typeface="Courier New" panose="02070309020205020404" pitchFamily="49" charset="0"/>
-                </a:rPr>
-                <a:t>"</a:t>
-              </a:r>
-              <a:r>
-                <a:rPr lang="en-US" sz="800" dirty="0" smtClean="0">
-                  <a:solidFill>
-                    <a:schemeClr val="tx1"/>
+                <a:t>,</a:t>
+              </a:r>
+              <a:r>
+                <a:rPr lang="en-US" sz="800" b="1" smtClean="0">
+                  <a:solidFill>
+                    <a:schemeClr val="accent2">
+                      <a:lumMod val="50000"/>
+                    </a:schemeClr>
+                  </a:solidFill>
+                  <a:latin typeface="Calibri" panose="020F0502020204030204" pitchFamily="34" charset="0"/>
+                  <a:cs typeface="Courier New" panose="02070309020205020404" pitchFamily="49" charset="0"/>
+                </a:rPr>
+                <a:t> "</a:t>
+              </a:r>
+              <a:r>
+                <a:rPr lang="en-US" sz="800" smtClean="0">
+                  <a:solidFill>
+                    <a:srgbClr val="C00000"/>
                   </a:solidFill>
                   <a:latin typeface="Calibri Light" panose="020F0302020204030204" pitchFamily="34" charset="0"/>
                   <a:ea typeface="Microsoft Yi Baiti" panose="03000500000000000000" pitchFamily="66" charset="0"/>
                   <a:cs typeface="Arabic Typesetting" panose="03020402040406030203" pitchFamily="66" charset="-78"/>
                 </a:rPr>
-                <a:t>,</a:t>
-              </a:r>
-              <a:r>
-                <a:rPr lang="en-US" sz="800" b="1" dirty="0" smtClean="0">
-                  <a:solidFill>
-                    <a:schemeClr val="tx1"/>
-                  </a:solidFill>
-                  <a:latin typeface="Calibri" panose="020F0502020204030204" pitchFamily="34" charset="0"/>
-                  <a:cs typeface="Courier New" panose="02070309020205020404" pitchFamily="49" charset="0"/>
-                </a:rPr>
-                <a:t> </a:t>
-              </a:r>
-              <a:r>
-                <a:rPr lang="en-US" sz="800" b="1" dirty="0">
-                  <a:solidFill>
-                    <a:schemeClr val="tx1"/>
+                <a:t>value</a:t>
+              </a:r>
+              <a:r>
+                <a:rPr lang="en-US" sz="800" b="1" smtClean="0">
+                  <a:solidFill>
+                    <a:schemeClr val="accent2">
+                      <a:lumMod val="50000"/>
+                    </a:schemeClr>
                   </a:solidFill>
                   <a:latin typeface="Calibri" panose="020F0502020204030204" pitchFamily="34" charset="0"/>
                   <a:cs typeface="Courier New" panose="02070309020205020404" pitchFamily="49" charset="0"/>
@@ -8603,36 +8777,87 @@
                 <a:t>"</a:t>
               </a:r>
               <a:r>
-                <a:rPr lang="en-US" sz="800" dirty="0" smtClean="0">
-                  <a:solidFill>
-                    <a:schemeClr val="tx1"/>
+                <a:rPr lang="en-US" sz="800" smtClean="0">
+                  <a:solidFill>
+                    <a:schemeClr val="accent2">
+                      <a:lumMod val="50000"/>
+                    </a:schemeClr>
                   </a:solidFill>
                   <a:latin typeface="Calibri Light" panose="020F0302020204030204" pitchFamily="34" charset="0"/>
                   <a:ea typeface="Microsoft Yi Baiti" panose="03000500000000000000" pitchFamily="66" charset="0"/>
                   <a:cs typeface="Arabic Typesetting" panose="03020402040406030203" pitchFamily="66" charset="-78"/>
                 </a:rPr>
-                <a:t>value</a:t>
-              </a:r>
-              <a:r>
-                <a:rPr lang="en-US" sz="800" b="1" dirty="0" smtClean="0">
-                  <a:solidFill>
-                    <a:schemeClr val="tx1"/>
-                  </a:solidFill>
-                  <a:latin typeface="Calibri" panose="020F0502020204030204" pitchFamily="34" charset="0"/>
-                  <a:cs typeface="Courier New" panose="02070309020205020404" pitchFamily="49" charset="0"/>
-                </a:rPr>
-                <a:t>"</a:t>
-              </a:r>
-              <a:r>
-                <a:rPr lang="en-US" sz="800" dirty="0" smtClean="0">
-                  <a:solidFill>
-                    <a:schemeClr val="tx1"/>
+                <a:t>,</a:t>
+              </a:r>
+              <a:r>
+                <a:rPr lang="en-US" sz="800" b="1" smtClean="0">
+                  <a:solidFill>
+                    <a:schemeClr val="accent2">
+                      <a:lumMod val="50000"/>
+                    </a:schemeClr>
+                  </a:solidFill>
+                  <a:latin typeface="Calibri" panose="020F0502020204030204" pitchFamily="34" charset="0"/>
+                  <a:cs typeface="Courier New" panose="02070309020205020404" pitchFamily="49" charset="0"/>
+                </a:rPr>
+                <a:t> "</a:t>
+              </a:r>
+              <a:r>
+                <a:rPr lang="en-US" sz="800" smtClean="0">
+                  <a:solidFill>
+                    <a:srgbClr val="C00000"/>
                   </a:solidFill>
                   <a:latin typeface="Calibri Light" panose="020F0302020204030204" pitchFamily="34" charset="0"/>
                   <a:ea typeface="Microsoft Yi Baiti" panose="03000500000000000000" pitchFamily="66" charset="0"/>
                   <a:cs typeface="Arabic Typesetting" panose="03020402040406030203" pitchFamily="66" charset="-78"/>
                 </a:rPr>
-                <a:t>)        # </a:t>
+                <a:t>value</a:t>
+              </a:r>
+              <a:r>
+                <a:rPr lang="en-US" sz="800" b="1" smtClean="0">
+                  <a:solidFill>
+                    <a:schemeClr val="accent2">
+                      <a:lumMod val="50000"/>
+                    </a:schemeClr>
+                  </a:solidFill>
+                  <a:latin typeface="Calibri" panose="020F0502020204030204" pitchFamily="34" charset="0"/>
+                  <a:cs typeface="Courier New" panose="02070309020205020404" pitchFamily="49" charset="0"/>
+                </a:rPr>
+                <a:t>"</a:t>
+              </a:r>
+              <a:r>
+                <a:rPr lang="en-US" sz="800" smtClean="0">
+                  <a:solidFill>
+                    <a:schemeClr val="accent2">
+                      <a:lumMod val="50000"/>
+                    </a:schemeClr>
+                  </a:solidFill>
+                  <a:latin typeface="Calibri Light" panose="020F0302020204030204" pitchFamily="34" charset="0"/>
+                  <a:ea typeface="Microsoft Yi Baiti" panose="03000500000000000000" pitchFamily="66" charset="0"/>
+                  <a:cs typeface="Arabic Typesetting" panose="03020402040406030203" pitchFamily="66" charset="-78"/>
+                </a:rPr>
+                <a:t>)</a:t>
+              </a:r>
+              <a:r>
+                <a:rPr lang="en-US" sz="800" smtClean="0">
+                  <a:solidFill>
+                    <a:schemeClr val="tx1"/>
+                  </a:solidFill>
+                  <a:latin typeface="Calibri Light" panose="020F0302020204030204" pitchFamily="34" charset="0"/>
+                  <a:ea typeface="Microsoft Yi Baiti" panose="03000500000000000000" pitchFamily="66" charset="0"/>
+                  <a:cs typeface="Arabic Typesetting" panose="03020402040406030203" pitchFamily="66" charset="-78"/>
+                </a:rPr>
+                <a:t>        </a:t>
+              </a:r>
+              <a:r>
+                <a:rPr lang="en-US" sz="800" dirty="0" smtClean="0">
+                  <a:solidFill>
+                    <a:schemeClr val="tx1"/>
+                  </a:solidFill>
+                  <a:latin typeface="Calibri Light" panose="020F0302020204030204" pitchFamily="34" charset="0"/>
+                  <a:ea typeface="Microsoft Yi Baiti" panose="03000500000000000000" pitchFamily="66" charset="0"/>
+                  <a:cs typeface="Arabic Typesetting" panose="03020402040406030203" pitchFamily="66" charset="-78"/>
+                </a:rPr>
+                <a:t># </a:t>
               </a:r>
               <a:r>
                 <a:rPr lang="en-US" sz="800" dirty="0">
@@ -8661,7 +8886,7 @@
               <a:r>
                 <a:rPr lang="en-US" sz="800" dirty="0" err="1" smtClean="0">
                   <a:solidFill>
-                    <a:schemeClr val="tx1"/>
+                    <a:srgbClr val="C00000"/>
                   </a:solidFill>
                   <a:latin typeface="Calibri Light" panose="020F0302020204030204" pitchFamily="34" charset="0"/>
                   <a:ea typeface="Microsoft Yi Baiti" panose="03000500000000000000" pitchFamily="66" charset="0"/>
@@ -8672,18 +8897,31 @@
               <a:r>
                 <a:rPr lang="en-US" sz="800" dirty="0">
                   <a:solidFill>
-                    <a:schemeClr val="tx1"/>
+                    <a:schemeClr val="accent2">
+                      <a:lumMod val="50000"/>
+                    </a:schemeClr>
                   </a:solidFill>
                   <a:latin typeface="Calibri Light" panose="020F0302020204030204" pitchFamily="34" charset="0"/>
                   <a:ea typeface="Microsoft Yi Baiti" panose="03000500000000000000" pitchFamily="66" charset="0"/>
                   <a:cs typeface="Arabic Typesetting" panose="03020402040406030203" pitchFamily="66" charset="-78"/>
                 </a:rPr>
-                <a:t>, </a:t>
+                <a:t>,</a:t>
+              </a:r>
+              <a:r>
+                <a:rPr lang="en-US" sz="800" dirty="0">
+                  <a:solidFill>
+                    <a:schemeClr val="tx1"/>
+                  </a:solidFill>
+                  <a:latin typeface="Calibri Light" panose="020F0302020204030204" pitchFamily="34" charset="0"/>
+                  <a:ea typeface="Microsoft Yi Baiti" panose="03000500000000000000" pitchFamily="66" charset="0"/>
+                  <a:cs typeface="Arabic Typesetting" panose="03020402040406030203" pitchFamily="66" charset="-78"/>
+                </a:rPr>
+                <a:t> </a:t>
               </a:r>
               <a:r>
                 <a:rPr lang="en-US" sz="800" dirty="0" err="1">
                   <a:solidFill>
-                    <a:schemeClr val="tx1"/>
+                    <a:srgbClr val="C00000"/>
                   </a:solidFill>
                   <a:latin typeface="Calibri Light" panose="020F0302020204030204" pitchFamily="34" charset="0"/>
                   <a:ea typeface="Microsoft Yi Baiti" panose="03000500000000000000" pitchFamily="66" charset="0"/>
@@ -8846,7 +9084,7 @@
             </a:ln>
             <a:extLst>
               <a:ext uri="{C572A759-6A51-4108-AA02-DFA0A04FC94B}">
-                <ma14:wrappingTextBoxFlag xmlns:ma14="http://schemas.microsoft.com/office/mac/drawingml/2011/main" xmlns="" val="1"/>
+                <ma14:wrappingTextBoxFlag xmlns="" xmlns:ma14="http://schemas.microsoft.com/office/mac/drawingml/2011/main" val="1"/>
               </a:ext>
             </a:extLst>
           </p:spPr>
@@ -10501,7 +10739,7 @@
             </a:ln>
             <a:extLst>
               <a:ext uri="{C572A759-6A51-4108-AA02-DFA0A04FC94B}">
-                <ma14:wrappingTextBoxFlag xmlns:ma14="http://schemas.microsoft.com/office/mac/drawingml/2011/main" xmlns="" val="1"/>
+                <ma14:wrappingTextBoxFlag xmlns="" xmlns:ma14="http://schemas.microsoft.com/office/mac/drawingml/2011/main" val="1"/>
               </a:ext>
             </a:extLst>
           </p:spPr>
@@ -11125,7 +11363,7 @@
           </a:ln>
           <a:extLst>
             <a:ext uri="{C572A759-6A51-4108-AA02-DFA0A04FC94B}">
-              <ma14:wrappingTextBoxFlag xmlns:ma14="http://schemas.microsoft.com/office/mac/drawingml/2011/main" xmlns="" val="1"/>
+              <ma14:wrappingTextBoxFlag xmlns="" xmlns:ma14="http://schemas.microsoft.com/office/mac/drawingml/2011/main" val="1"/>
             </a:ext>
           </a:extLst>
         </p:spPr>
@@ -13777,7 +14015,7 @@
             </a:ln>
             <a:extLst>
               <a:ext uri="{C572A759-6A51-4108-AA02-DFA0A04FC94B}">
-                <ma14:wrappingTextBoxFlag xmlns:ma14="http://schemas.microsoft.com/office/mac/drawingml/2011/main" xmlns="" val="1"/>
+                <ma14:wrappingTextBoxFlag xmlns="" xmlns:ma14="http://schemas.microsoft.com/office/mac/drawingml/2011/main" val="1"/>
               </a:ext>
             </a:extLst>
           </p:spPr>
@@ -14805,7 +15043,7 @@
             </a:ln>
             <a:extLst>
               <a:ext uri="{C572A759-6A51-4108-AA02-DFA0A04FC94B}">
-                <ma14:wrappingTextBoxFlag xmlns:ma14="http://schemas.microsoft.com/office/mac/drawingml/2011/main" xmlns="" val="1"/>
+                <ma14:wrappingTextBoxFlag xmlns="" xmlns:ma14="http://schemas.microsoft.com/office/mac/drawingml/2011/main" val="1"/>
               </a:ext>
             </a:extLst>
           </p:spPr>
@@ -15740,16 +15978,7 @@
                 <a:cs typeface="Calibri Light" panose="020F0302020204030204" pitchFamily="34" charset="0"/>
                 <a:sym typeface="Source Sans Pro Light"/>
               </a:rPr>
-              <a:t>Separate </a:t>
-            </a:r>
-            <a:r>
-              <a:rPr lang="en-US" sz="800" dirty="0" smtClean="0">
-                <a:latin typeface="Calibri Light" panose="020F0302020204030204" pitchFamily="34" charset="0"/>
-                <a:ea typeface="Source Sans Pro Light"/>
-                <a:cs typeface="Calibri Light" panose="020F0302020204030204" pitchFamily="34" charset="0"/>
-                <a:sym typeface="Source Sans Pro Light"/>
-              </a:rPr>
-              <a:t>summary statistics of </a:t>
+              <a:t>Separate summary statistics of </a:t>
             </a:r>
             <a:r>
               <a:rPr lang="en-US" sz="800" b="1" dirty="0" err="1">
@@ -16060,7 +16289,7 @@
           </a:ln>
           <a:extLst>
             <a:ext uri="{C572A759-6A51-4108-AA02-DFA0A04FC94B}">
-              <ma14:wrappingTextBoxFlag xmlns:ma14="http://schemas.microsoft.com/office/mac/drawingml/2011/main" xmlns="" val="1"/>
+              <ma14:wrappingTextBoxFlag xmlns="" xmlns:ma14="http://schemas.microsoft.com/office/mac/drawingml/2011/main" val="1"/>
             </a:ext>
           </a:extLst>
         </p:spPr>
@@ -18251,7 +18480,7 @@
             </a:ln>
             <a:extLst>
               <a:ext uri="{C572A759-6A51-4108-AA02-DFA0A04FC94B}">
-                <ma14:wrappingTextBoxFlag xmlns:ma14="http://schemas.microsoft.com/office/mac/drawingml/2011/main" xmlns="" val="1"/>
+                <ma14:wrappingTextBoxFlag xmlns="" xmlns:ma14="http://schemas.microsoft.com/office/mac/drawingml/2011/main" val="1"/>
               </a:ext>
             </a:extLst>
           </p:spPr>
@@ -18436,14 +18665,6 @@
                 </a:rPr>
                 <a:t>)</a:t>
               </a:r>
-              <a:endParaRPr lang="en-US" sz="800" dirty="0" smtClean="0">
-                <a:solidFill>
-                  <a:schemeClr val="accent2">
-                    <a:lumMod val="50000"/>
-                  </a:schemeClr>
-                </a:solidFill>
-                <a:latin typeface="Calibri" panose="020F0502020204030204" pitchFamily="34" charset="0"/>
-              </a:endParaRPr>
             </a:p>
             <a:p>
               <a:pPr algn="l" defTabSz="320174" rtl="0" latinLnBrk="1" hangingPunct="0"/>
@@ -20289,7 +20510,7 @@
             </a:ln>
             <a:extLst>
               <a:ext uri="{C572A759-6A51-4108-AA02-DFA0A04FC94B}">
-                <ma14:wrappingTextBoxFlag xmlns:ma14="http://schemas.microsoft.com/office/mac/drawingml/2011/main" xmlns="" val="1"/>
+                <ma14:wrappingTextBoxFlag xmlns="" xmlns:ma14="http://schemas.microsoft.com/office/mac/drawingml/2011/main" val="1"/>
               </a:ext>
             </a:extLst>
           </p:spPr>
@@ -21616,7 +21837,7 @@
             </a:ln>
             <a:extLst>
               <a:ext uri="{C572A759-6A51-4108-AA02-DFA0A04FC94B}">
-                <ma14:wrappingTextBoxFlag xmlns:ma14="http://schemas.microsoft.com/office/mac/drawingml/2011/main" xmlns="" val="1"/>
+                <ma14:wrappingTextBoxFlag xmlns="" xmlns:ma14="http://schemas.microsoft.com/office/mac/drawingml/2011/main" val="1"/>
               </a:ext>
             </a:extLst>
           </p:spPr>
@@ -23788,7 +24009,7 @@
             </a:ln>
             <a:extLst>
               <a:ext uri="{C572A759-6A51-4108-AA02-DFA0A04FC94B}">
-                <ma14:wrappingTextBoxFlag xmlns:ma14="http://schemas.microsoft.com/office/mac/drawingml/2011/main" xmlns="" val="1"/>
+                <ma14:wrappingTextBoxFlag xmlns="" xmlns:ma14="http://schemas.microsoft.com/office/mac/drawingml/2011/main" val="1"/>
               </a:ext>
             </a:extLst>
           </p:spPr>
@@ -25668,7 +25889,7 @@
             </a:ln>
             <a:extLst>
               <a:ext uri="{C572A759-6A51-4108-AA02-DFA0A04FC94B}">
-                <ma14:wrappingTextBoxFlag xmlns:ma14="http://schemas.microsoft.com/office/mac/drawingml/2011/main" xmlns="" val="1"/>
+                <ma14:wrappingTextBoxFlag xmlns="" xmlns:ma14="http://schemas.microsoft.com/office/mac/drawingml/2011/main" val="1"/>
               </a:ext>
             </a:extLst>
           </p:spPr>
@@ -27283,7 +27504,7 @@
             </a:ln>
             <a:extLst>
               <a:ext uri="{C572A759-6A51-4108-AA02-DFA0A04FC94B}">
-                <ma14:wrappingTextBoxFlag xmlns:ma14="http://schemas.microsoft.com/office/mac/drawingml/2011/main" xmlns="" val="1"/>
+                <ma14:wrappingTextBoxFlag xmlns="" xmlns:ma14="http://schemas.microsoft.com/office/mac/drawingml/2011/main" val="1"/>
               </a:ext>
             </a:extLst>
           </p:spPr>
@@ -31048,7 +31269,7 @@
             </a:ln>
             <a:extLst>
               <a:ext uri="{C572A759-6A51-4108-AA02-DFA0A04FC94B}">
-                <ma14:wrappingTextBoxFlag xmlns:ma14="http://schemas.microsoft.com/office/mac/drawingml/2011/main" xmlns="" val="1"/>
+                <ma14:wrappingTextBoxFlag xmlns="" xmlns:ma14="http://schemas.microsoft.com/office/mac/drawingml/2011/main" val="1"/>
               </a:ext>
             </a:extLst>
           </p:spPr>

--- a/resources/MTH107-RGuide.pptx
+++ b/resources/MTH107-RGuide.pptx
@@ -1144,7 +1144,7 @@
           </a:ln>
           <a:extLst>
             <a:ext uri="{C572A759-6A51-4108-AA02-DFA0A04FC94B}">
-              <ma14:wrappingTextBoxFlag xmlns="" xmlns:ma14="http://schemas.microsoft.com/office/mac/drawingml/2011/main" val="1"/>
+              <ma14:wrappingTextBoxFlag xmlns:ma14="http://schemas.microsoft.com/office/mac/drawingml/2011/main" xmlns="" val="1"/>
             </a:ext>
           </a:extLst>
         </p:spPr>
@@ -1187,7 +1187,7 @@
           </a:ln>
           <a:extLst>
             <a:ext uri="{C572A759-6A51-4108-AA02-DFA0A04FC94B}">
-              <ma14:wrappingTextBoxFlag xmlns="" xmlns:ma14="http://schemas.microsoft.com/office/mac/drawingml/2011/main" val="1"/>
+              <ma14:wrappingTextBoxFlag xmlns:ma14="http://schemas.microsoft.com/office/mac/drawingml/2011/main" xmlns="" val="1"/>
             </a:ext>
           </a:extLst>
         </p:spPr>
@@ -1871,7 +1871,7 @@
             </a:ln>
             <a:extLst>
               <a:ext uri="{C572A759-6A51-4108-AA02-DFA0A04FC94B}">
-                <ma14:wrappingTextBoxFlag xmlns="" xmlns:ma14="http://schemas.microsoft.com/office/mac/drawingml/2011/main" val="1"/>
+                <ma14:wrappingTextBoxFlag xmlns:ma14="http://schemas.microsoft.com/office/mac/drawingml/2011/main" xmlns="" val="1"/>
               </a:ext>
             </a:extLst>
           </p:spPr>
@@ -2457,7 +2457,7 @@
             </a:ln>
             <a:extLst>
               <a:ext uri="{C572A759-6A51-4108-AA02-DFA0A04FC94B}">
-                <ma14:wrappingTextBoxFlag xmlns="" xmlns:ma14="http://schemas.microsoft.com/office/mac/drawingml/2011/main" val="1"/>
+                <ma14:wrappingTextBoxFlag xmlns:ma14="http://schemas.microsoft.com/office/mac/drawingml/2011/main" xmlns="" val="1"/>
               </a:ext>
             </a:extLst>
           </p:spPr>
@@ -3204,7 +3204,7 @@
             </a:ln>
             <a:extLst>
               <a:ext uri="{C572A759-6A51-4108-AA02-DFA0A04FC94B}">
-                <ma14:wrappingTextBoxFlag xmlns="" xmlns:ma14="http://schemas.microsoft.com/office/mac/drawingml/2011/main" val="1"/>
+                <ma14:wrappingTextBoxFlag xmlns:ma14="http://schemas.microsoft.com/office/mac/drawingml/2011/main" xmlns="" val="1"/>
               </a:ext>
             </a:extLst>
           </p:spPr>
@@ -4282,7 +4282,7 @@
             </a:ln>
             <a:extLst>
               <a:ext uri="{C572A759-6A51-4108-AA02-DFA0A04FC94B}">
-                <ma14:wrappingTextBoxFlag xmlns="" xmlns:ma14="http://schemas.microsoft.com/office/mac/drawingml/2011/main" val="1"/>
+                <ma14:wrappingTextBoxFlag xmlns:ma14="http://schemas.microsoft.com/office/mac/drawingml/2011/main" xmlns="" val="1"/>
               </a:ext>
             </a:extLst>
           </p:spPr>
@@ -6481,7 +6481,7 @@
             </a:ln>
             <a:extLst>
               <a:ext uri="{C572A759-6A51-4108-AA02-DFA0A04FC94B}">
-                <ma14:wrappingTextBoxFlag xmlns="" xmlns:ma14="http://schemas.microsoft.com/office/mac/drawingml/2011/main" val="1"/>
+                <ma14:wrappingTextBoxFlag xmlns:ma14="http://schemas.microsoft.com/office/mac/drawingml/2011/main" xmlns="" val="1"/>
               </a:ext>
             </a:extLst>
           </p:spPr>
@@ -9084,7 +9084,7 @@
             </a:ln>
             <a:extLst>
               <a:ext uri="{C572A759-6A51-4108-AA02-DFA0A04FC94B}">
-                <ma14:wrappingTextBoxFlag xmlns="" xmlns:ma14="http://schemas.microsoft.com/office/mac/drawingml/2011/main" val="1"/>
+                <ma14:wrappingTextBoxFlag xmlns:ma14="http://schemas.microsoft.com/office/mac/drawingml/2011/main" xmlns="" val="1"/>
               </a:ext>
             </a:extLst>
           </p:spPr>
@@ -9293,552 +9293,11 @@
         <p:grpSpPr>
           <a:xfrm>
             <a:off x="6138475" y="164088"/>
-            <a:ext cx="2931800" cy="3614101"/>
+            <a:ext cx="2931800" cy="3643732"/>
             <a:chOff x="6151175" y="62488"/>
-            <a:chExt cx="2931800" cy="3614101"/>
+            <a:chExt cx="2931800" cy="3643732"/>
           </a:xfrm>
         </p:grpSpPr>
-        <p:sp>
-          <p:nvSpPr>
-            <p:cNvPr id="105" name="Shape 34"/>
-            <p:cNvSpPr/>
-            <p:nvPr/>
-          </p:nvSpPr>
-          <p:spPr>
-            <a:xfrm>
-              <a:off x="6156895" y="2780697"/>
-              <a:ext cx="2926080" cy="895892"/>
-            </a:xfrm>
-            <a:prstGeom prst="rect">
-              <a:avLst/>
-            </a:prstGeom>
-            <a:solidFill>
-              <a:srgbClr val="FCFAEE"/>
-            </a:solidFill>
-            <a:ln w="12700">
-              <a:miter lim="400000"/>
-            </a:ln>
-          </p:spPr>
-          <p:txBody>
-            <a:bodyPr lIns="18288" tIns="45720" rIns="0" bIns="0" anchor="t">
-              <a:noAutofit/>
-            </a:bodyPr>
-            <a:lstStyle/>
-            <a:p>
-              <a:pPr algn="l" latinLnBrk="1"/>
-              <a:r>
-                <a:rPr lang="en-US" sz="600" dirty="0" smtClean="0">
-                  <a:latin typeface="Courier New" panose="02070309020205020404" pitchFamily="49" charset="0"/>
-                  <a:cs typeface="Courier New" panose="02070309020205020404" pitchFamily="49" charset="0"/>
-                </a:rPr>
-                <a:t>&gt; </a:t>
-              </a:r>
-              <a:r>
-                <a:rPr lang="en-US" sz="600" b="1" dirty="0" err="1" smtClean="0">
-                  <a:solidFill>
-                    <a:schemeClr val="accent2">
-                      <a:lumMod val="50000"/>
-                    </a:schemeClr>
-                  </a:solidFill>
-                  <a:latin typeface="Courier New" panose="02070309020205020404" pitchFamily="49" charset="0"/>
-                  <a:cs typeface="Courier New" panose="02070309020205020404" pitchFamily="49" charset="0"/>
-                </a:rPr>
-                <a:t>setwd</a:t>
-              </a:r>
-              <a:r>
-                <a:rPr lang="en-US" sz="600" b="1" dirty="0">
-                  <a:solidFill>
-                    <a:schemeClr val="accent2">
-                      <a:lumMod val="50000"/>
-                    </a:schemeClr>
-                  </a:solidFill>
-                  <a:latin typeface="Courier New" panose="02070309020205020404" pitchFamily="49" charset="0"/>
-                  <a:cs typeface="Courier New" panose="02070309020205020404" pitchFamily="49" charset="0"/>
-                </a:rPr>
-                <a:t>("</a:t>
-              </a:r>
-              <a:r>
-                <a:rPr lang="en-US" sz="600" b="1" dirty="0">
-                  <a:solidFill>
-                    <a:srgbClr val="C00000"/>
-                  </a:solidFill>
-                  <a:latin typeface="Courier New" panose="02070309020205020404" pitchFamily="49" charset="0"/>
-                  <a:cs typeface="Courier New" panose="02070309020205020404" pitchFamily="49" charset="0"/>
-                </a:rPr>
-                <a:t>C:/aaaWork/Web/GitHub/NCMTH107</a:t>
-              </a:r>
-              <a:r>
-                <a:rPr lang="en-US" sz="600" b="1" dirty="0">
-                  <a:solidFill>
-                    <a:schemeClr val="accent2">
-                      <a:lumMod val="50000"/>
-                    </a:schemeClr>
-                  </a:solidFill>
-                  <a:latin typeface="Courier New" panose="02070309020205020404" pitchFamily="49" charset="0"/>
-                  <a:cs typeface="Courier New" panose="02070309020205020404" pitchFamily="49" charset="0"/>
-                </a:rPr>
-                <a:t>")</a:t>
-              </a:r>
-              <a:r>
-                <a:rPr lang="en-US" sz="600" dirty="0">
-                  <a:latin typeface="Courier New" panose="02070309020205020404" pitchFamily="49" charset="0"/>
-                  <a:cs typeface="Courier New" panose="02070309020205020404" pitchFamily="49" charset="0"/>
-                </a:rPr>
-                <a:t/>
-              </a:r>
-              <a:br>
-                <a:rPr lang="en-US" sz="600" dirty="0">
-                  <a:latin typeface="Courier New" panose="02070309020205020404" pitchFamily="49" charset="0"/>
-                  <a:cs typeface="Courier New" panose="02070309020205020404" pitchFamily="49" charset="0"/>
-                </a:rPr>
-              </a:br>
-              <a:r>
-                <a:rPr lang="en-US" sz="600" dirty="0" smtClean="0">
-                  <a:latin typeface="Courier New" panose="02070309020205020404" pitchFamily="49" charset="0"/>
-                  <a:cs typeface="Courier New" panose="02070309020205020404" pitchFamily="49" charset="0"/>
-                </a:rPr>
-                <a:t>&gt; </a:t>
-              </a:r>
-              <a:r>
-                <a:rPr lang="en-US" sz="600" b="1" dirty="0" err="1" smtClean="0">
-                  <a:solidFill>
-                    <a:srgbClr val="C00000"/>
-                  </a:solidFill>
-                  <a:latin typeface="Courier New" panose="02070309020205020404" pitchFamily="49" charset="0"/>
-                  <a:cs typeface="Courier New" panose="02070309020205020404" pitchFamily="49" charset="0"/>
-                </a:rPr>
-                <a:t>dfcar</a:t>
-              </a:r>
-              <a:r>
-                <a:rPr lang="en-US" sz="600" b="1" dirty="0" smtClean="0">
-                  <a:solidFill>
-                    <a:srgbClr val="C00000"/>
-                  </a:solidFill>
-                  <a:latin typeface="Courier New" panose="02070309020205020404" pitchFamily="49" charset="0"/>
-                  <a:cs typeface="Courier New" panose="02070309020205020404" pitchFamily="49" charset="0"/>
-                </a:rPr>
-                <a:t> </a:t>
-              </a:r>
-              <a:r>
-                <a:rPr lang="en-US" sz="600" b="1" dirty="0">
-                  <a:solidFill>
-                    <a:schemeClr val="accent2">
-                      <a:lumMod val="50000"/>
-                    </a:schemeClr>
-                  </a:solidFill>
-                  <a:latin typeface="Courier New" panose="02070309020205020404" pitchFamily="49" charset="0"/>
-                  <a:cs typeface="Courier New" panose="02070309020205020404" pitchFamily="49" charset="0"/>
-                </a:rPr>
-                <a:t>&lt;- read.csv</a:t>
-              </a:r>
-              <a:r>
-                <a:rPr lang="en-US" sz="600" b="1" dirty="0" smtClean="0">
-                  <a:solidFill>
-                    <a:schemeClr val="accent2">
-                      <a:lumMod val="50000"/>
-                    </a:schemeClr>
-                  </a:solidFill>
-                  <a:latin typeface="Courier New" panose="02070309020205020404" pitchFamily="49" charset="0"/>
-                  <a:cs typeface="Courier New" panose="02070309020205020404" pitchFamily="49" charset="0"/>
-                </a:rPr>
-                <a:t>("</a:t>
-              </a:r>
-              <a:r>
-                <a:rPr lang="en-US" sz="600" b="1" dirty="0" smtClean="0">
-                  <a:solidFill>
-                    <a:srgbClr val="C00000"/>
-                  </a:solidFill>
-                  <a:latin typeface="Courier New" panose="02070309020205020404" pitchFamily="49" charset="0"/>
-                  <a:cs typeface="Courier New" panose="02070309020205020404" pitchFamily="49" charset="0"/>
-                </a:rPr>
-                <a:t>93cars.csv</a:t>
-              </a:r>
-              <a:r>
-                <a:rPr lang="en-US" sz="600" b="1" dirty="0">
-                  <a:solidFill>
-                    <a:schemeClr val="accent2">
-                      <a:lumMod val="50000"/>
-                    </a:schemeClr>
-                  </a:solidFill>
-                  <a:latin typeface="Courier New" panose="02070309020205020404" pitchFamily="49" charset="0"/>
-                  <a:cs typeface="Courier New" panose="02070309020205020404" pitchFamily="49" charset="0"/>
-                </a:rPr>
-                <a:t>")</a:t>
-              </a:r>
-              <a:r>
-                <a:rPr lang="en-US" sz="600" dirty="0">
-                  <a:latin typeface="Courier New" panose="02070309020205020404" pitchFamily="49" charset="0"/>
-                  <a:cs typeface="Courier New" panose="02070309020205020404" pitchFamily="49" charset="0"/>
-                </a:rPr>
-                <a:t/>
-              </a:r>
-              <a:br>
-                <a:rPr lang="en-US" sz="600" dirty="0">
-                  <a:latin typeface="Courier New" panose="02070309020205020404" pitchFamily="49" charset="0"/>
-                  <a:cs typeface="Courier New" panose="02070309020205020404" pitchFamily="49" charset="0"/>
-                </a:rPr>
-              </a:br>
-              <a:r>
-                <a:rPr lang="en-US" sz="600" dirty="0" smtClean="0">
-                  <a:latin typeface="Courier New" panose="02070309020205020404" pitchFamily="49" charset="0"/>
-                  <a:cs typeface="Courier New" panose="02070309020205020404" pitchFamily="49" charset="0"/>
-                </a:rPr>
-                <a:t>&gt; </a:t>
-              </a:r>
-              <a:r>
-                <a:rPr lang="en-US" sz="600" b="1" dirty="0" err="1" smtClean="0">
-                  <a:solidFill>
-                    <a:schemeClr val="accent2">
-                      <a:lumMod val="50000"/>
-                    </a:schemeClr>
-                  </a:solidFill>
-                  <a:latin typeface="Courier New" panose="02070309020205020404" pitchFamily="49" charset="0"/>
-                  <a:cs typeface="Courier New" panose="02070309020205020404" pitchFamily="49" charset="0"/>
-                </a:rPr>
-                <a:t>str</a:t>
-              </a:r>
-              <a:r>
-                <a:rPr lang="en-US" sz="600" b="1" dirty="0" smtClean="0">
-                  <a:solidFill>
-                    <a:schemeClr val="accent2">
-                      <a:lumMod val="50000"/>
-                    </a:schemeClr>
-                  </a:solidFill>
-                  <a:latin typeface="Courier New" panose="02070309020205020404" pitchFamily="49" charset="0"/>
-                  <a:cs typeface="Courier New" panose="02070309020205020404" pitchFamily="49" charset="0"/>
-                </a:rPr>
-                <a:t>(</a:t>
-              </a:r>
-              <a:r>
-                <a:rPr lang="en-US" sz="600" b="1" dirty="0" err="1" smtClean="0">
-                  <a:solidFill>
-                    <a:srgbClr val="C00000"/>
-                  </a:solidFill>
-                  <a:latin typeface="Courier New" panose="02070309020205020404" pitchFamily="49" charset="0"/>
-                  <a:cs typeface="Courier New" panose="02070309020205020404" pitchFamily="49" charset="0"/>
-                </a:rPr>
-                <a:t>dfcar</a:t>
-              </a:r>
-              <a:r>
-                <a:rPr lang="en-US" sz="600" b="1" dirty="0" smtClean="0">
-                  <a:solidFill>
-                    <a:schemeClr val="accent2">
-                      <a:lumMod val="50000"/>
-                    </a:schemeClr>
-                  </a:solidFill>
-                  <a:latin typeface="Courier New" panose="02070309020205020404" pitchFamily="49" charset="0"/>
-                  <a:cs typeface="Courier New" panose="02070309020205020404" pitchFamily="49" charset="0"/>
-                </a:rPr>
-                <a:t>)</a:t>
-              </a:r>
-              <a:endParaRPr lang="en-US" sz="600" b="1" dirty="0">
-                <a:solidFill>
-                  <a:schemeClr val="accent2">
-                    <a:lumMod val="50000"/>
-                  </a:schemeClr>
-                </a:solidFill>
-                <a:latin typeface="Courier New" panose="02070309020205020404" pitchFamily="49" charset="0"/>
-                <a:cs typeface="Courier New" panose="02070309020205020404" pitchFamily="49" charset="0"/>
-              </a:endParaRPr>
-            </a:p>
-            <a:p>
-              <a:pPr algn="l"/>
-              <a:r>
-                <a:rPr lang="en-US" sz="600" dirty="0">
-                  <a:latin typeface="Courier New" panose="02070309020205020404" pitchFamily="49" charset="0"/>
-                  <a:cs typeface="Courier New" panose="02070309020205020404" pitchFamily="49" charset="0"/>
-                </a:rPr>
-                <a:t>'</a:t>
-              </a:r>
-              <a:r>
-                <a:rPr lang="en-US" sz="600" dirty="0" err="1">
-                  <a:latin typeface="Courier New" panose="02070309020205020404" pitchFamily="49" charset="0"/>
-                  <a:cs typeface="Courier New" panose="02070309020205020404" pitchFamily="49" charset="0"/>
-                </a:rPr>
-                <a:t>data.frame</a:t>
-              </a:r>
-              <a:r>
-                <a:rPr lang="en-US" sz="600" dirty="0">
-                  <a:latin typeface="Courier New" panose="02070309020205020404" pitchFamily="49" charset="0"/>
-                  <a:cs typeface="Courier New" panose="02070309020205020404" pitchFamily="49" charset="0"/>
-                </a:rPr>
-                <a:t>':    93 obs. of  26 variables:</a:t>
-              </a:r>
-              <a:br>
-                <a:rPr lang="en-US" sz="600" dirty="0">
-                  <a:latin typeface="Courier New" panose="02070309020205020404" pitchFamily="49" charset="0"/>
-                  <a:cs typeface="Courier New" panose="02070309020205020404" pitchFamily="49" charset="0"/>
-                </a:rPr>
-              </a:br>
-              <a:r>
-                <a:rPr lang="en-US" sz="600" dirty="0">
-                  <a:latin typeface="Courier New" panose="02070309020205020404" pitchFamily="49" charset="0"/>
-                  <a:cs typeface="Courier New" panose="02070309020205020404" pitchFamily="49" charset="0"/>
-                </a:rPr>
-                <a:t>  $ Type    </a:t>
-              </a:r>
-              <a:r>
-                <a:rPr lang="en-US" sz="600" dirty="0" smtClean="0">
-                  <a:latin typeface="Courier New" panose="02070309020205020404" pitchFamily="49" charset="0"/>
-                  <a:cs typeface="Courier New" panose="02070309020205020404" pitchFamily="49" charset="0"/>
-                </a:rPr>
-                <a:t>: </a:t>
-              </a:r>
-              <a:r>
-                <a:rPr lang="en-US" sz="600" dirty="0">
-                  <a:latin typeface="Courier New" panose="02070309020205020404" pitchFamily="49" charset="0"/>
-                  <a:cs typeface="Courier New" panose="02070309020205020404" pitchFamily="49" charset="0"/>
-                </a:rPr>
-                <a:t>Factor w/ 6 levels "</a:t>
-              </a:r>
-              <a:r>
-                <a:rPr lang="en-US" sz="600" dirty="0" err="1" smtClean="0">
-                  <a:latin typeface="Courier New" panose="02070309020205020404" pitchFamily="49" charset="0"/>
-                  <a:cs typeface="Courier New" panose="02070309020205020404" pitchFamily="49" charset="0"/>
-                </a:rPr>
-                <a:t>Compact","Large</a:t>
-              </a:r>
-              <a:r>
-                <a:rPr lang="en-US" sz="600" dirty="0" smtClean="0">
-                  <a:latin typeface="Courier New" panose="02070309020205020404" pitchFamily="49" charset="0"/>
-                  <a:cs typeface="Courier New" panose="02070309020205020404" pitchFamily="49" charset="0"/>
-                </a:rPr>
-                <a:t>": </a:t>
-              </a:r>
-              <a:r>
-                <a:rPr lang="en-US" sz="600" dirty="0">
-                  <a:latin typeface="Courier New" panose="02070309020205020404" pitchFamily="49" charset="0"/>
-                  <a:cs typeface="Courier New" panose="02070309020205020404" pitchFamily="49" charset="0"/>
-                </a:rPr>
-                <a:t>4 </a:t>
-              </a:r>
-              <a:r>
-                <a:rPr lang="en-US" sz="600" dirty="0" smtClean="0">
-                  <a:latin typeface="Courier New" panose="02070309020205020404" pitchFamily="49" charset="0"/>
-                  <a:cs typeface="Courier New" panose="02070309020205020404" pitchFamily="49" charset="0"/>
-                </a:rPr>
-                <a:t>3 3 ...</a:t>
-              </a:r>
-              <a:r>
-                <a:rPr lang="en-US" sz="600" dirty="0">
-                  <a:latin typeface="Courier New" panose="02070309020205020404" pitchFamily="49" charset="0"/>
-                  <a:cs typeface="Courier New" panose="02070309020205020404" pitchFamily="49" charset="0"/>
-                </a:rPr>
-                <a:t/>
-              </a:r>
-              <a:br>
-                <a:rPr lang="en-US" sz="600" dirty="0">
-                  <a:latin typeface="Courier New" panose="02070309020205020404" pitchFamily="49" charset="0"/>
-                  <a:cs typeface="Courier New" panose="02070309020205020404" pitchFamily="49" charset="0"/>
-                </a:rPr>
-              </a:br>
-              <a:r>
-                <a:rPr lang="en-US" sz="600" dirty="0">
-                  <a:latin typeface="Courier New" panose="02070309020205020404" pitchFamily="49" charset="0"/>
-                  <a:cs typeface="Courier New" panose="02070309020205020404" pitchFamily="49" charset="0"/>
-                </a:rPr>
-                <a:t>  $ HMPG    </a:t>
-              </a:r>
-              <a:r>
-                <a:rPr lang="en-US" sz="600" dirty="0" smtClean="0">
-                  <a:latin typeface="Courier New" panose="02070309020205020404" pitchFamily="49" charset="0"/>
-                  <a:cs typeface="Courier New" panose="02070309020205020404" pitchFamily="49" charset="0"/>
-                </a:rPr>
-                <a:t>: </a:t>
-              </a:r>
-              <a:r>
-                <a:rPr lang="en-US" sz="600" dirty="0" err="1">
-                  <a:latin typeface="Courier New" panose="02070309020205020404" pitchFamily="49" charset="0"/>
-                  <a:cs typeface="Courier New" panose="02070309020205020404" pitchFamily="49" charset="0"/>
-                </a:rPr>
-                <a:t>int</a:t>
-              </a:r>
-              <a:r>
-                <a:rPr lang="en-US" sz="600" dirty="0">
-                  <a:latin typeface="Courier New" panose="02070309020205020404" pitchFamily="49" charset="0"/>
-                  <a:cs typeface="Courier New" panose="02070309020205020404" pitchFamily="49" charset="0"/>
-                </a:rPr>
-                <a:t>  31 25 26 26 30 </a:t>
-              </a:r>
-              <a:r>
-                <a:rPr lang="en-US" sz="600" dirty="0" smtClean="0">
-                  <a:latin typeface="Courier New" panose="02070309020205020404" pitchFamily="49" charset="0"/>
-                  <a:cs typeface="Courier New" panose="02070309020205020404" pitchFamily="49" charset="0"/>
-                </a:rPr>
-                <a:t>31 28 25 27 25...</a:t>
-              </a:r>
-              <a:r>
-                <a:rPr lang="en-US" sz="600" dirty="0">
-                  <a:latin typeface="Courier New" panose="02070309020205020404" pitchFamily="49" charset="0"/>
-                  <a:cs typeface="Courier New" panose="02070309020205020404" pitchFamily="49" charset="0"/>
-                </a:rPr>
-                <a:t/>
-              </a:r>
-              <a:br>
-                <a:rPr lang="en-US" sz="600" dirty="0">
-                  <a:latin typeface="Courier New" panose="02070309020205020404" pitchFamily="49" charset="0"/>
-                  <a:cs typeface="Courier New" panose="02070309020205020404" pitchFamily="49" charset="0"/>
-                </a:rPr>
-              </a:br>
-              <a:r>
-                <a:rPr lang="en-US" sz="600" dirty="0">
-                  <a:latin typeface="Courier New" panose="02070309020205020404" pitchFamily="49" charset="0"/>
-                  <a:cs typeface="Courier New" panose="02070309020205020404" pitchFamily="49" charset="0"/>
-                </a:rPr>
-                <a:t>  $ Manual  </a:t>
-              </a:r>
-              <a:r>
-                <a:rPr lang="en-US" sz="600" dirty="0" smtClean="0">
-                  <a:latin typeface="Courier New" panose="02070309020205020404" pitchFamily="49" charset="0"/>
-                  <a:cs typeface="Courier New" panose="02070309020205020404" pitchFamily="49" charset="0"/>
-                </a:rPr>
-                <a:t>: </a:t>
-              </a:r>
-              <a:r>
-                <a:rPr lang="en-US" sz="600" dirty="0">
-                  <a:latin typeface="Courier New" panose="02070309020205020404" pitchFamily="49" charset="0"/>
-                  <a:cs typeface="Courier New" panose="02070309020205020404" pitchFamily="49" charset="0"/>
-                </a:rPr>
-                <a:t>Factor w/ 2 levels "</a:t>
-              </a:r>
-              <a:r>
-                <a:rPr lang="en-US" sz="600" dirty="0" err="1" smtClean="0">
-                  <a:latin typeface="Courier New" panose="02070309020205020404" pitchFamily="49" charset="0"/>
-                  <a:cs typeface="Courier New" panose="02070309020205020404" pitchFamily="49" charset="0"/>
-                </a:rPr>
-                <a:t>No","Yes</a:t>
-              </a:r>
-              <a:r>
-                <a:rPr lang="en-US" sz="600" dirty="0" smtClean="0">
-                  <a:latin typeface="Courier New" panose="02070309020205020404" pitchFamily="49" charset="0"/>
-                  <a:cs typeface="Courier New" panose="02070309020205020404" pitchFamily="49" charset="0"/>
-                </a:rPr>
-                <a:t>": </a:t>
-              </a:r>
-              <a:r>
-                <a:rPr lang="en-US" sz="600" dirty="0">
-                  <a:latin typeface="Courier New" panose="02070309020205020404" pitchFamily="49" charset="0"/>
-                  <a:cs typeface="Courier New" panose="02070309020205020404" pitchFamily="49" charset="0"/>
-                </a:rPr>
-                <a:t>2 </a:t>
-              </a:r>
-              <a:r>
-                <a:rPr lang="en-US" sz="600" dirty="0" smtClean="0">
-                  <a:latin typeface="Courier New" panose="02070309020205020404" pitchFamily="49" charset="0"/>
-                  <a:cs typeface="Courier New" panose="02070309020205020404" pitchFamily="49" charset="0"/>
-                </a:rPr>
-                <a:t>2 2 2 2 1 1 ...</a:t>
-              </a:r>
-              <a:r>
-                <a:rPr lang="en-US" sz="600" dirty="0">
-                  <a:latin typeface="Courier New" panose="02070309020205020404" pitchFamily="49" charset="0"/>
-                  <a:cs typeface="Courier New" panose="02070309020205020404" pitchFamily="49" charset="0"/>
-                </a:rPr>
-                <a:t/>
-              </a:r>
-              <a:br>
-                <a:rPr lang="en-US" sz="600" dirty="0">
-                  <a:latin typeface="Courier New" panose="02070309020205020404" pitchFamily="49" charset="0"/>
-                  <a:cs typeface="Courier New" panose="02070309020205020404" pitchFamily="49" charset="0"/>
-                </a:rPr>
-              </a:br>
-              <a:r>
-                <a:rPr lang="en-US" sz="600" dirty="0">
-                  <a:latin typeface="Courier New" panose="02070309020205020404" pitchFamily="49" charset="0"/>
-                  <a:cs typeface="Courier New" panose="02070309020205020404" pitchFamily="49" charset="0"/>
-                </a:rPr>
-                <a:t>  $ Weight  </a:t>
-              </a:r>
-              <a:r>
-                <a:rPr lang="en-US" sz="600" dirty="0" smtClean="0">
-                  <a:latin typeface="Courier New" panose="02070309020205020404" pitchFamily="49" charset="0"/>
-                  <a:cs typeface="Courier New" panose="02070309020205020404" pitchFamily="49" charset="0"/>
-                </a:rPr>
-                <a:t>: </a:t>
-              </a:r>
-              <a:r>
-                <a:rPr lang="en-US" sz="600" dirty="0" err="1">
-                  <a:latin typeface="Courier New" panose="02070309020205020404" pitchFamily="49" charset="0"/>
-                  <a:cs typeface="Courier New" panose="02070309020205020404" pitchFamily="49" charset="0"/>
-                </a:rPr>
-                <a:t>int</a:t>
-              </a:r>
-              <a:r>
-                <a:rPr lang="en-US" sz="600" dirty="0">
-                  <a:latin typeface="Courier New" panose="02070309020205020404" pitchFamily="49" charset="0"/>
-                  <a:cs typeface="Courier New" panose="02070309020205020404" pitchFamily="49" charset="0"/>
-                </a:rPr>
-                <a:t>  2705 3560 3375 3</a:t>
-              </a:r>
-              <a:r>
-                <a:rPr lang="en-US" sz="600" dirty="0" smtClean="0">
-                  <a:latin typeface="Courier New" panose="02070309020205020404" pitchFamily="49" charset="0"/>
-                  <a:cs typeface="Courier New" panose="02070309020205020404" pitchFamily="49" charset="0"/>
-                </a:rPr>
-                <a:t>405 3640 2880 3470 </a:t>
-              </a:r>
-              <a:r>
-                <a:rPr lang="en-US" sz="600" dirty="0">
-                  <a:latin typeface="Courier New" panose="02070309020205020404" pitchFamily="49" charset="0"/>
-                  <a:cs typeface="Courier New" panose="02070309020205020404" pitchFamily="49" charset="0"/>
-                </a:rPr>
-                <a:t>...</a:t>
-              </a:r>
-              <a:br>
-                <a:rPr lang="en-US" sz="600" dirty="0">
-                  <a:latin typeface="Courier New" panose="02070309020205020404" pitchFamily="49" charset="0"/>
-                  <a:cs typeface="Courier New" panose="02070309020205020404" pitchFamily="49" charset="0"/>
-                </a:rPr>
-              </a:br>
-              <a:r>
-                <a:rPr lang="en-US" sz="600" dirty="0">
-                  <a:latin typeface="Courier New" panose="02070309020205020404" pitchFamily="49" charset="0"/>
-                  <a:cs typeface="Courier New" panose="02070309020205020404" pitchFamily="49" charset="0"/>
-                </a:rPr>
-                <a:t>  $ </a:t>
-              </a:r>
-              <a:r>
-                <a:rPr lang="en-US" sz="600" dirty="0" smtClean="0">
-                  <a:latin typeface="Courier New" panose="02070309020205020404" pitchFamily="49" charset="0"/>
-                  <a:cs typeface="Courier New" panose="02070309020205020404" pitchFamily="49" charset="0"/>
-                </a:rPr>
-                <a:t>Domestic: </a:t>
-              </a:r>
-              <a:r>
-                <a:rPr lang="en-US" sz="600" dirty="0">
-                  <a:latin typeface="Courier New" panose="02070309020205020404" pitchFamily="49" charset="0"/>
-                  <a:cs typeface="Courier New" panose="02070309020205020404" pitchFamily="49" charset="0"/>
-                </a:rPr>
-                <a:t>Factor w/ 2 levels "</a:t>
-              </a:r>
-              <a:r>
-                <a:rPr lang="en-US" sz="600" dirty="0" err="1">
-                  <a:latin typeface="Courier New" panose="02070309020205020404" pitchFamily="49" charset="0"/>
-                  <a:cs typeface="Courier New" panose="02070309020205020404" pitchFamily="49" charset="0"/>
-                </a:rPr>
-                <a:t>No","Yes</a:t>
-              </a:r>
-              <a:r>
-                <a:rPr lang="en-US" sz="600" dirty="0">
-                  <a:latin typeface="Courier New" panose="02070309020205020404" pitchFamily="49" charset="0"/>
-                  <a:cs typeface="Courier New" panose="02070309020205020404" pitchFamily="49" charset="0"/>
-                </a:rPr>
-                <a:t>": 1 </a:t>
-              </a:r>
-              <a:r>
-                <a:rPr lang="en-US" sz="600" dirty="0" smtClean="0">
-                  <a:latin typeface="Courier New" panose="02070309020205020404" pitchFamily="49" charset="0"/>
-                  <a:cs typeface="Courier New" panose="02070309020205020404" pitchFamily="49" charset="0"/>
-                </a:rPr>
-                <a:t>1 1 1 1 2 2 ...</a:t>
-              </a:r>
-              <a:endParaRPr lang="en-US" sz="600" dirty="0">
-                <a:latin typeface="Courier New" panose="02070309020205020404" pitchFamily="49" charset="0"/>
-                <a:cs typeface="Courier New" panose="02070309020205020404" pitchFamily="49" charset="0"/>
-              </a:endParaRPr>
-            </a:p>
-          </p:txBody>
-        </p:sp>
         <p:sp>
           <p:nvSpPr>
             <p:cNvPr id="106" name="Shape 34"/>
@@ -9848,7 +9307,7 @@
           <p:spPr>
             <a:xfrm>
               <a:off x="6151285" y="200952"/>
-              <a:ext cx="2926080" cy="2598891"/>
+              <a:ext cx="2926080" cy="2663978"/>
             </a:xfrm>
             <a:prstGeom prst="roundRect">
               <a:avLst>
@@ -10288,31 +9747,31 @@
                 <a:defRPr sz="1800"/>
               </a:pPr>
               <a:r>
-                <a:rPr lang="en-US" sz="800" dirty="0">
+                <a:rPr lang="en-US" sz="800" dirty="0" smtClean="0">
                   <a:latin typeface="Calibri Light" panose="020F0302020204030204" pitchFamily="34" charset="0"/>
                   <a:ea typeface="Source Sans Pro Light"/>
                   <a:cs typeface="Calibri Light" panose="020F0302020204030204" pitchFamily="34" charset="0"/>
                   <a:sym typeface="Source Sans Pro Light"/>
                 </a:rPr>
-                <a:t>Start script and save it in the same folder </a:t>
-              </a:r>
-              <a:r>
-                <a:rPr lang="en-US" sz="800" dirty="0" smtClean="0">
+                <a:t>Open “R Assignment </a:t>
+              </a:r>
+              <a:r>
+                <a:rPr lang="en-US" sz="800" dirty="0" err="1" smtClean="0">
                   <a:latin typeface="Calibri Light" panose="020F0302020204030204" pitchFamily="34" charset="0"/>
                   <a:ea typeface="Source Sans Pro Light"/>
                   <a:cs typeface="Calibri Light" panose="020F0302020204030204" pitchFamily="34" charset="0"/>
                   <a:sym typeface="Source Sans Pro Light"/>
                 </a:rPr>
-                <a:t>with </a:t>
-              </a:r>
-              <a:r>
-                <a:rPr lang="en-US" sz="800" dirty="0">
+                <a:t>Template.Rmd</a:t>
+              </a:r>
+              <a:r>
+                <a:rPr lang="en-US" sz="800" dirty="0" smtClean="0">
                   <a:latin typeface="Calibri Light" panose="020F0302020204030204" pitchFamily="34" charset="0"/>
                   <a:ea typeface="Source Sans Pro Light"/>
                   <a:cs typeface="Calibri Light" panose="020F0302020204030204" pitchFamily="34" charset="0"/>
                   <a:sym typeface="Source Sans Pro Light"/>
                 </a:rPr>
-                <a:t>the CSV file.</a:t>
+                <a:t>” file.</a:t>
               </a:r>
             </a:p>
             <a:p>
@@ -10334,34 +9793,34 @@
                   <a:cs typeface="Calibri Light" panose="020F0302020204030204" pitchFamily="34" charset="0"/>
                   <a:sym typeface="Source Sans Pro Light"/>
                 </a:rPr>
-                <a:t>Select </a:t>
-              </a:r>
-              <a:r>
-                <a:rPr lang="en-US" sz="800" i="1" dirty="0" smtClean="0">
+                <a:t>Change title on line 2 (keep the </a:t>
+              </a:r>
+              <a:r>
+                <a:rPr lang="en-US" sz="800" dirty="0">
                   <a:latin typeface="Calibri Light" panose="020F0302020204030204" pitchFamily="34" charset="0"/>
                   <a:ea typeface="Source Sans Pro Light"/>
                   <a:cs typeface="Calibri Light" panose="020F0302020204030204" pitchFamily="34" charset="0"/>
                   <a:sym typeface="Source Sans Pro Light"/>
                 </a:rPr>
-                <a:t>Session</a:t>
-              </a:r>
-              <a:r>
-                <a:rPr lang="en-US" sz="800" i="1" dirty="0">
+                <a:t>quotes). Save file </a:t>
+              </a:r>
+              <a:r>
+                <a:rPr lang="en-US" sz="800" dirty="0" smtClean="0">
                   <a:latin typeface="Calibri Light" panose="020F0302020204030204" pitchFamily="34" charset="0"/>
                   <a:ea typeface="Source Sans Pro Light"/>
                   <a:cs typeface="Calibri Light" panose="020F0302020204030204" pitchFamily="34" charset="0"/>
                   <a:sym typeface="Source Sans Pro Light"/>
                 </a:rPr>
-                <a:t>, Set Working Directory, To Source File </a:t>
-              </a:r>
-              <a:r>
-                <a:rPr lang="en-US" sz="800" i="1" dirty="0" smtClean="0">
+                <a:t>with </a:t>
+              </a:r>
+              <a:r>
+                <a:rPr lang="en-US" sz="800" dirty="0">
                   <a:latin typeface="Calibri Light" panose="020F0302020204030204" pitchFamily="34" charset="0"/>
                   <a:ea typeface="Source Sans Pro Light"/>
                   <a:cs typeface="Calibri Light" panose="020F0302020204030204" pitchFamily="34" charset="0"/>
                   <a:sym typeface="Source Sans Pro Light"/>
                 </a:rPr>
-                <a:t>…</a:t>
+                <a:t>new </a:t>
               </a:r>
               <a:r>
                 <a:rPr lang="en-US" sz="800" dirty="0" smtClean="0">
@@ -10370,9 +9829,9 @@
                   <a:cs typeface="Calibri Light" panose="020F0302020204030204" pitchFamily="34" charset="0"/>
                   <a:sym typeface="Source Sans Pro Light"/>
                 </a:rPr>
-                <a:t> menus</a:t>
-              </a:r>
-              <a:endParaRPr lang="en-US" sz="800" dirty="0">
+                <a:t>name.</a:t>
+              </a:r>
+              <a:endParaRPr lang="en-US" sz="800" dirty="0" smtClean="0">
                 <a:latin typeface="Calibri Light" panose="020F0302020204030204" pitchFamily="34" charset="0"/>
                 <a:ea typeface="Source Sans Pro Light"/>
                 <a:cs typeface="Calibri Light" panose="020F0302020204030204" pitchFamily="34" charset="0"/>
@@ -10392,86 +9851,71 @@
                 <a:defRPr sz="1800"/>
               </a:pPr>
               <a:r>
-                <a:rPr lang="en-US" sz="800" dirty="0">
+                <a:rPr lang="en-US" sz="800" dirty="0" smtClean="0">
                   <a:latin typeface="Calibri Light" panose="020F0302020204030204" pitchFamily="34" charset="0"/>
                   <a:ea typeface="Source Sans Pro Light"/>
                   <a:cs typeface="Calibri Light" panose="020F0302020204030204" pitchFamily="34" charset="0"/>
                   <a:sym typeface="Source Sans Pro Light"/>
                 </a:rPr>
-                <a:t>Copy </a:t>
-              </a:r>
-              <a:r>
-                <a:rPr lang="en-US" sz="800" dirty="0">
-                  <a:solidFill>
-                    <a:schemeClr val="tx1"/>
-                  </a:solidFill>
+                <a:t>In an R code chunk (between </a:t>
+              </a:r>
+              <a:r>
+                <a:rPr lang="en-US" sz="700" dirty="0" smtClean="0">
+                  <a:latin typeface="Courier New" panose="02070309020205020404" pitchFamily="49" charset="0"/>
+                  <a:ea typeface="Source Sans Pro Light"/>
+                  <a:cs typeface="Courier New" panose="02070309020205020404" pitchFamily="49" charset="0"/>
+                  <a:sym typeface="Source Sans Pro Light"/>
+                </a:rPr>
+                <a:t>```{R}</a:t>
+              </a:r>
+              <a:r>
+                <a:rPr lang="en-US" sz="800" dirty="0" smtClean="0">
                   <a:latin typeface="Calibri Light" panose="020F0302020204030204" pitchFamily="34" charset="0"/>
                   <a:ea typeface="Source Sans Pro Light"/>
                   <a:cs typeface="Calibri Light" panose="020F0302020204030204" pitchFamily="34" charset="0"/>
                   <a:sym typeface="Source Sans Pro Light"/>
                 </a:rPr>
-                <a:t>resulting </a:t>
-              </a:r>
-              <a:r>
-                <a:rPr lang="en-US" sz="700" b="1" dirty="0" err="1">
-                  <a:solidFill>
-                    <a:schemeClr val="tx1"/>
-                  </a:solidFill>
-                  <a:latin typeface="Lucida Console" panose="020B0609040504020204" pitchFamily="49" charset="0"/>
+                <a:t> and </a:t>
+              </a:r>
+              <a:r>
+                <a:rPr lang="en-US" sz="700" dirty="0">
+                  <a:latin typeface="Courier New" panose="02070309020205020404" pitchFamily="49" charset="0"/>
+                  <a:ea typeface="Source Sans Pro Light"/>
+                  <a:cs typeface="Courier New" panose="02070309020205020404" pitchFamily="49" charset="0"/>
+                  <a:sym typeface="Source Sans Pro Light"/>
+                </a:rPr>
+                <a:t>```</a:t>
+              </a:r>
+              <a:r>
+                <a:rPr lang="en-US" sz="800" dirty="0" smtClean="0">
+                  <a:latin typeface="Calibri Light" panose="020F0302020204030204" pitchFamily="34" charset="0"/>
                   <a:ea typeface="Source Sans Pro Light"/>
                   <a:cs typeface="Calibri Light" panose="020F0302020204030204" pitchFamily="34" charset="0"/>
                   <a:sym typeface="Source Sans Pro Light"/>
                 </a:rPr>
-                <a:t>setwd</a:t>
-              </a:r>
-              <a:r>
-                <a:rPr lang="en-US" sz="700" b="1" dirty="0">
-                  <a:solidFill>
-                    <a:schemeClr val="tx1"/>
-                  </a:solidFill>
-                  <a:latin typeface="Lucida Console" panose="020B0609040504020204" pitchFamily="49" charset="0"/>
+                <a:t>), do the following ..</a:t>
+              </a:r>
+              <a:r>
+                <a:rPr lang="en-US" sz="800" dirty="0" smtClean="0">
+                  <a:solidFill>
+                    <a:schemeClr val="tx1"/>
+                  </a:solidFill>
+                  <a:latin typeface="Calibri Light" panose="020F0302020204030204" pitchFamily="34" charset="0"/>
                   <a:ea typeface="Source Sans Pro Light"/>
                   <a:cs typeface="Calibri Light" panose="020F0302020204030204" pitchFamily="34" charset="0"/>
                   <a:sym typeface="Source Sans Pro Light"/>
                 </a:rPr>
-                <a:t>() </a:t>
-              </a:r>
-              <a:r>
-                <a:rPr lang="en-US" sz="800" dirty="0">
-                  <a:solidFill>
-                    <a:schemeClr val="tx1"/>
-                  </a:solidFill>
-                  <a:latin typeface="Calibri Light" panose="020F0302020204030204" pitchFamily="34" charset="0"/>
-                  <a:ea typeface="Source Sans Pro Light"/>
-                  <a:cs typeface="Calibri Light" panose="020F0302020204030204" pitchFamily="34" charset="0"/>
-                  <a:sym typeface="Source Sans Pro Light"/>
-                </a:rPr>
-                <a:t>code to </a:t>
-              </a:r>
-              <a:r>
-                <a:rPr lang="en-US" sz="800" dirty="0" smtClean="0">
-                  <a:solidFill>
-                    <a:schemeClr val="tx1"/>
-                  </a:solidFill>
-                  <a:latin typeface="Calibri Light" panose="020F0302020204030204" pitchFamily="34" charset="0"/>
-                  <a:ea typeface="Source Sans Pro Light"/>
-                  <a:cs typeface="Calibri Light" panose="020F0302020204030204" pitchFamily="34" charset="0"/>
-                  <a:sym typeface="Source Sans Pro Light"/>
-                </a:rPr>
-                <a:t>your script</a:t>
-              </a:r>
-              <a:r>
-                <a:rPr lang="en-US" sz="800" dirty="0">
-                  <a:solidFill>
-                    <a:schemeClr val="tx1"/>
-                  </a:solidFill>
-                  <a:latin typeface="Calibri Light" panose="020F0302020204030204" pitchFamily="34" charset="0"/>
-                  <a:ea typeface="Source Sans Pro Light"/>
-                  <a:cs typeface="Calibri Light" panose="020F0302020204030204" pitchFamily="34" charset="0"/>
-                  <a:sym typeface="Source Sans Pro Light"/>
-                </a:rPr>
                 <a:t>.</a:t>
               </a:r>
+              <a:endParaRPr lang="en-US" sz="800" dirty="0">
+                <a:solidFill>
+                  <a:schemeClr val="tx1"/>
+                </a:solidFill>
+                <a:latin typeface="Calibri Light" panose="020F0302020204030204" pitchFamily="34" charset="0"/>
+                <a:ea typeface="Source Sans Pro Light"/>
+                <a:cs typeface="Calibri Light" panose="020F0302020204030204" pitchFamily="34" charset="0"/>
+                <a:sym typeface="Source Sans Pro Light"/>
+              </a:endParaRPr>
             </a:p>
             <a:p>
               <a:pPr marL="95704" indent="-95704" algn="l">
@@ -10739,7 +10183,7 @@
             </a:ln>
             <a:extLst>
               <a:ext uri="{C572A759-6A51-4108-AA02-DFA0A04FC94B}">
-                <ma14:wrappingTextBoxFlag xmlns="" xmlns:ma14="http://schemas.microsoft.com/office/mac/drawingml/2011/main" val="1"/>
+                <ma14:wrappingTextBoxFlag xmlns:ma14="http://schemas.microsoft.com/office/mac/drawingml/2011/main" xmlns="" val="1"/>
               </a:ext>
             </a:extLst>
           </p:spPr>
@@ -11043,6 +10487,481 @@
                 </a:rPr>
                 <a:t>)</a:t>
               </a:r>
+            </a:p>
+          </p:txBody>
+        </p:sp>
+        <p:sp>
+          <p:nvSpPr>
+            <p:cNvPr id="105" name="Shape 34"/>
+            <p:cNvSpPr/>
+            <p:nvPr/>
+          </p:nvSpPr>
+          <p:spPr>
+            <a:xfrm>
+              <a:off x="6156895" y="2810328"/>
+              <a:ext cx="2926080" cy="895892"/>
+            </a:xfrm>
+            <a:prstGeom prst="rect">
+              <a:avLst/>
+            </a:prstGeom>
+            <a:solidFill>
+              <a:srgbClr val="FCFAEE"/>
+            </a:solidFill>
+            <a:ln w="12700">
+              <a:miter lim="400000"/>
+            </a:ln>
+          </p:spPr>
+          <p:txBody>
+            <a:bodyPr lIns="18288" tIns="45720" rIns="0" bIns="0" anchor="t">
+              <a:noAutofit/>
+            </a:bodyPr>
+            <a:lstStyle/>
+            <a:p>
+              <a:pPr algn="l" latinLnBrk="1"/>
+              <a:r>
+                <a:rPr lang="en-US" sz="600" dirty="0" smtClean="0">
+                  <a:latin typeface="Courier New" panose="02070309020205020404" pitchFamily="49" charset="0"/>
+                  <a:cs typeface="Courier New" panose="02070309020205020404" pitchFamily="49" charset="0"/>
+                </a:rPr>
+                <a:t>&gt; </a:t>
+              </a:r>
+              <a:r>
+                <a:rPr lang="en-US" sz="600" b="1" dirty="0" err="1" smtClean="0">
+                  <a:solidFill>
+                    <a:srgbClr val="C00000"/>
+                  </a:solidFill>
+                  <a:latin typeface="Courier New" panose="02070309020205020404" pitchFamily="49" charset="0"/>
+                  <a:cs typeface="Courier New" panose="02070309020205020404" pitchFamily="49" charset="0"/>
+                </a:rPr>
+                <a:t>dfcar</a:t>
+              </a:r>
+              <a:r>
+                <a:rPr lang="en-US" sz="600" b="1" dirty="0" smtClean="0">
+                  <a:solidFill>
+                    <a:srgbClr val="C00000"/>
+                  </a:solidFill>
+                  <a:latin typeface="Courier New" panose="02070309020205020404" pitchFamily="49" charset="0"/>
+                  <a:cs typeface="Courier New" panose="02070309020205020404" pitchFamily="49" charset="0"/>
+                </a:rPr>
+                <a:t> </a:t>
+              </a:r>
+              <a:r>
+                <a:rPr lang="en-US" sz="600" b="1" dirty="0">
+                  <a:solidFill>
+                    <a:schemeClr val="accent2">
+                      <a:lumMod val="50000"/>
+                    </a:schemeClr>
+                  </a:solidFill>
+                  <a:latin typeface="Courier New" panose="02070309020205020404" pitchFamily="49" charset="0"/>
+                  <a:cs typeface="Courier New" panose="02070309020205020404" pitchFamily="49" charset="0"/>
+                </a:rPr>
+                <a:t>&lt;- read.csv</a:t>
+              </a:r>
+              <a:r>
+                <a:rPr lang="en-US" sz="600" b="1" dirty="0" smtClean="0">
+                  <a:solidFill>
+                    <a:schemeClr val="accent2">
+                      <a:lumMod val="50000"/>
+                    </a:schemeClr>
+                  </a:solidFill>
+                  <a:latin typeface="Courier New" panose="02070309020205020404" pitchFamily="49" charset="0"/>
+                  <a:cs typeface="Courier New" panose="02070309020205020404" pitchFamily="49" charset="0"/>
+                </a:rPr>
+                <a:t>("</a:t>
+              </a:r>
+              <a:r>
+                <a:rPr lang="en-US" sz="600" b="1" dirty="0" smtClean="0">
+                  <a:solidFill>
+                    <a:srgbClr val="C00000"/>
+                  </a:solidFill>
+                  <a:latin typeface="Courier New" panose="02070309020205020404" pitchFamily="49" charset="0"/>
+                  <a:cs typeface="Courier New" panose="02070309020205020404" pitchFamily="49" charset="0"/>
+                </a:rPr>
+                <a:t>93cars.csv</a:t>
+              </a:r>
+              <a:r>
+                <a:rPr lang="en-US" sz="600" b="1" dirty="0">
+                  <a:solidFill>
+                    <a:schemeClr val="accent2">
+                      <a:lumMod val="50000"/>
+                    </a:schemeClr>
+                  </a:solidFill>
+                  <a:latin typeface="Courier New" panose="02070309020205020404" pitchFamily="49" charset="0"/>
+                  <a:cs typeface="Courier New" panose="02070309020205020404" pitchFamily="49" charset="0"/>
+                </a:rPr>
+                <a:t>")</a:t>
+              </a:r>
+              <a:r>
+                <a:rPr lang="en-US" sz="600" dirty="0">
+                  <a:latin typeface="Courier New" panose="02070309020205020404" pitchFamily="49" charset="0"/>
+                  <a:cs typeface="Courier New" panose="02070309020205020404" pitchFamily="49" charset="0"/>
+                </a:rPr>
+                <a:t/>
+              </a:r>
+              <a:br>
+                <a:rPr lang="en-US" sz="600" dirty="0">
+                  <a:latin typeface="Courier New" panose="02070309020205020404" pitchFamily="49" charset="0"/>
+                  <a:cs typeface="Courier New" panose="02070309020205020404" pitchFamily="49" charset="0"/>
+                </a:rPr>
+              </a:br>
+              <a:r>
+                <a:rPr lang="en-US" sz="600" dirty="0" smtClean="0">
+                  <a:latin typeface="Courier New" panose="02070309020205020404" pitchFamily="49" charset="0"/>
+                  <a:cs typeface="Courier New" panose="02070309020205020404" pitchFamily="49" charset="0"/>
+                </a:rPr>
+                <a:t>&gt; </a:t>
+              </a:r>
+              <a:r>
+                <a:rPr lang="en-US" sz="600" b="1" dirty="0" err="1" smtClean="0">
+                  <a:solidFill>
+                    <a:schemeClr val="accent2">
+                      <a:lumMod val="50000"/>
+                    </a:schemeClr>
+                  </a:solidFill>
+                  <a:latin typeface="Courier New" panose="02070309020205020404" pitchFamily="49" charset="0"/>
+                  <a:cs typeface="Courier New" panose="02070309020205020404" pitchFamily="49" charset="0"/>
+                </a:rPr>
+                <a:t>str</a:t>
+              </a:r>
+              <a:r>
+                <a:rPr lang="en-US" sz="600" b="1" dirty="0" smtClean="0">
+                  <a:solidFill>
+                    <a:schemeClr val="accent2">
+                      <a:lumMod val="50000"/>
+                    </a:schemeClr>
+                  </a:solidFill>
+                  <a:latin typeface="Courier New" panose="02070309020205020404" pitchFamily="49" charset="0"/>
+                  <a:cs typeface="Courier New" panose="02070309020205020404" pitchFamily="49" charset="0"/>
+                </a:rPr>
+                <a:t>(</a:t>
+              </a:r>
+              <a:r>
+                <a:rPr lang="en-US" sz="600" b="1" dirty="0" err="1" smtClean="0">
+                  <a:solidFill>
+                    <a:srgbClr val="C00000"/>
+                  </a:solidFill>
+                  <a:latin typeface="Courier New" panose="02070309020205020404" pitchFamily="49" charset="0"/>
+                  <a:cs typeface="Courier New" panose="02070309020205020404" pitchFamily="49" charset="0"/>
+                </a:rPr>
+                <a:t>dfcar</a:t>
+              </a:r>
+              <a:r>
+                <a:rPr lang="en-US" sz="600" b="1" dirty="0" smtClean="0">
+                  <a:solidFill>
+                    <a:schemeClr val="accent2">
+                      <a:lumMod val="50000"/>
+                    </a:schemeClr>
+                  </a:solidFill>
+                  <a:latin typeface="Courier New" panose="02070309020205020404" pitchFamily="49" charset="0"/>
+                  <a:cs typeface="Courier New" panose="02070309020205020404" pitchFamily="49" charset="0"/>
+                </a:rPr>
+                <a:t>)</a:t>
+              </a:r>
+              <a:endParaRPr lang="en-US" sz="600" b="1" dirty="0">
+                <a:solidFill>
+                  <a:schemeClr val="accent2">
+                    <a:lumMod val="50000"/>
+                  </a:schemeClr>
+                </a:solidFill>
+                <a:latin typeface="Courier New" panose="02070309020205020404" pitchFamily="49" charset="0"/>
+                <a:cs typeface="Courier New" panose="02070309020205020404" pitchFamily="49" charset="0"/>
+              </a:endParaRPr>
+            </a:p>
+            <a:p>
+              <a:pPr algn="l"/>
+              <a:r>
+                <a:rPr lang="en-US" sz="600" dirty="0">
+                  <a:latin typeface="Courier New" panose="02070309020205020404" pitchFamily="49" charset="0"/>
+                  <a:cs typeface="Courier New" panose="02070309020205020404" pitchFamily="49" charset="0"/>
+                </a:rPr>
+                <a:t>'</a:t>
+              </a:r>
+              <a:r>
+                <a:rPr lang="en-US" sz="600" dirty="0" err="1">
+                  <a:latin typeface="Courier New" panose="02070309020205020404" pitchFamily="49" charset="0"/>
+                  <a:cs typeface="Courier New" panose="02070309020205020404" pitchFamily="49" charset="0"/>
+                </a:rPr>
+                <a:t>data.frame</a:t>
+              </a:r>
+              <a:r>
+                <a:rPr lang="en-US" sz="600" dirty="0">
+                  <a:latin typeface="Courier New" panose="02070309020205020404" pitchFamily="49" charset="0"/>
+                  <a:cs typeface="Courier New" panose="02070309020205020404" pitchFamily="49" charset="0"/>
+                </a:rPr>
+                <a:t>':    93 obs. of  26 variables:</a:t>
+              </a:r>
+              <a:br>
+                <a:rPr lang="en-US" sz="600" dirty="0">
+                  <a:latin typeface="Courier New" panose="02070309020205020404" pitchFamily="49" charset="0"/>
+                  <a:cs typeface="Courier New" panose="02070309020205020404" pitchFamily="49" charset="0"/>
+                </a:rPr>
+              </a:br>
+              <a:r>
+                <a:rPr lang="en-US" sz="600" dirty="0">
+                  <a:latin typeface="Courier New" panose="02070309020205020404" pitchFamily="49" charset="0"/>
+                  <a:cs typeface="Courier New" panose="02070309020205020404" pitchFamily="49" charset="0"/>
+                </a:rPr>
+                <a:t>  $ Type    </a:t>
+              </a:r>
+              <a:r>
+                <a:rPr lang="en-US" sz="600" dirty="0" smtClean="0">
+                  <a:latin typeface="Courier New" panose="02070309020205020404" pitchFamily="49" charset="0"/>
+                  <a:cs typeface="Courier New" panose="02070309020205020404" pitchFamily="49" charset="0"/>
+                </a:rPr>
+                <a:t>: </a:t>
+              </a:r>
+              <a:r>
+                <a:rPr lang="en-US" sz="600" dirty="0">
+                  <a:latin typeface="Courier New" panose="02070309020205020404" pitchFamily="49" charset="0"/>
+                  <a:cs typeface="Courier New" panose="02070309020205020404" pitchFamily="49" charset="0"/>
+                </a:rPr>
+                <a:t>Factor w/ 6 levels "</a:t>
+              </a:r>
+              <a:r>
+                <a:rPr lang="en-US" sz="600" dirty="0" err="1" smtClean="0">
+                  <a:latin typeface="Courier New" panose="02070309020205020404" pitchFamily="49" charset="0"/>
+                  <a:cs typeface="Courier New" panose="02070309020205020404" pitchFamily="49" charset="0"/>
+                </a:rPr>
+                <a:t>Compact","Large</a:t>
+              </a:r>
+              <a:r>
+                <a:rPr lang="en-US" sz="600" dirty="0" smtClean="0">
+                  <a:latin typeface="Courier New" panose="02070309020205020404" pitchFamily="49" charset="0"/>
+                  <a:cs typeface="Courier New" panose="02070309020205020404" pitchFamily="49" charset="0"/>
+                </a:rPr>
+                <a:t>": </a:t>
+              </a:r>
+              <a:r>
+                <a:rPr lang="en-US" sz="600" dirty="0">
+                  <a:latin typeface="Courier New" panose="02070309020205020404" pitchFamily="49" charset="0"/>
+                  <a:cs typeface="Courier New" panose="02070309020205020404" pitchFamily="49" charset="0"/>
+                </a:rPr>
+                <a:t>4 </a:t>
+              </a:r>
+              <a:r>
+                <a:rPr lang="en-US" sz="600" dirty="0" smtClean="0">
+                  <a:latin typeface="Courier New" panose="02070309020205020404" pitchFamily="49" charset="0"/>
+                  <a:cs typeface="Courier New" panose="02070309020205020404" pitchFamily="49" charset="0"/>
+                </a:rPr>
+                <a:t>3 3 ...</a:t>
+              </a:r>
+              <a:r>
+                <a:rPr lang="en-US" sz="600" dirty="0">
+                  <a:latin typeface="Courier New" panose="02070309020205020404" pitchFamily="49" charset="0"/>
+                  <a:cs typeface="Courier New" panose="02070309020205020404" pitchFamily="49" charset="0"/>
+                </a:rPr>
+                <a:t/>
+              </a:r>
+              <a:br>
+                <a:rPr lang="en-US" sz="600" dirty="0">
+                  <a:latin typeface="Courier New" panose="02070309020205020404" pitchFamily="49" charset="0"/>
+                  <a:cs typeface="Courier New" panose="02070309020205020404" pitchFamily="49" charset="0"/>
+                </a:rPr>
+              </a:br>
+              <a:r>
+                <a:rPr lang="en-US" sz="600" dirty="0">
+                  <a:latin typeface="Courier New" panose="02070309020205020404" pitchFamily="49" charset="0"/>
+                  <a:cs typeface="Courier New" panose="02070309020205020404" pitchFamily="49" charset="0"/>
+                </a:rPr>
+                <a:t>  $ HMPG    </a:t>
+              </a:r>
+              <a:r>
+                <a:rPr lang="en-US" sz="600" dirty="0" smtClean="0">
+                  <a:latin typeface="Courier New" panose="02070309020205020404" pitchFamily="49" charset="0"/>
+                  <a:cs typeface="Courier New" panose="02070309020205020404" pitchFamily="49" charset="0"/>
+                </a:rPr>
+                <a:t>: </a:t>
+              </a:r>
+              <a:r>
+                <a:rPr lang="en-US" sz="600" dirty="0" err="1">
+                  <a:latin typeface="Courier New" panose="02070309020205020404" pitchFamily="49" charset="0"/>
+                  <a:cs typeface="Courier New" panose="02070309020205020404" pitchFamily="49" charset="0"/>
+                </a:rPr>
+                <a:t>int</a:t>
+              </a:r>
+              <a:r>
+                <a:rPr lang="en-US" sz="600" dirty="0">
+                  <a:latin typeface="Courier New" panose="02070309020205020404" pitchFamily="49" charset="0"/>
+                  <a:cs typeface="Courier New" panose="02070309020205020404" pitchFamily="49" charset="0"/>
+                </a:rPr>
+                <a:t>  31 25 26 26 30 </a:t>
+              </a:r>
+              <a:r>
+                <a:rPr lang="en-US" sz="600" dirty="0" smtClean="0">
+                  <a:latin typeface="Courier New" panose="02070309020205020404" pitchFamily="49" charset="0"/>
+                  <a:cs typeface="Courier New" panose="02070309020205020404" pitchFamily="49" charset="0"/>
+                </a:rPr>
+                <a:t>31 28 25 27 25...</a:t>
+              </a:r>
+              <a:r>
+                <a:rPr lang="en-US" sz="600" dirty="0">
+                  <a:latin typeface="Courier New" panose="02070309020205020404" pitchFamily="49" charset="0"/>
+                  <a:cs typeface="Courier New" panose="02070309020205020404" pitchFamily="49" charset="0"/>
+                </a:rPr>
+                <a:t/>
+              </a:r>
+              <a:br>
+                <a:rPr lang="en-US" sz="600" dirty="0">
+                  <a:latin typeface="Courier New" panose="02070309020205020404" pitchFamily="49" charset="0"/>
+                  <a:cs typeface="Courier New" panose="02070309020205020404" pitchFamily="49" charset="0"/>
+                </a:rPr>
+              </a:br>
+              <a:r>
+                <a:rPr lang="en-US" sz="600" dirty="0">
+                  <a:latin typeface="Courier New" panose="02070309020205020404" pitchFamily="49" charset="0"/>
+                  <a:cs typeface="Courier New" panose="02070309020205020404" pitchFamily="49" charset="0"/>
+                </a:rPr>
+                <a:t>  $ Manual  </a:t>
+              </a:r>
+              <a:r>
+                <a:rPr lang="en-US" sz="600" dirty="0" smtClean="0">
+                  <a:latin typeface="Courier New" panose="02070309020205020404" pitchFamily="49" charset="0"/>
+                  <a:cs typeface="Courier New" panose="02070309020205020404" pitchFamily="49" charset="0"/>
+                </a:rPr>
+                <a:t>: </a:t>
+              </a:r>
+              <a:r>
+                <a:rPr lang="en-US" sz="600" dirty="0">
+                  <a:latin typeface="Courier New" panose="02070309020205020404" pitchFamily="49" charset="0"/>
+                  <a:cs typeface="Courier New" panose="02070309020205020404" pitchFamily="49" charset="0"/>
+                </a:rPr>
+                <a:t>Factor w/ 2 levels "</a:t>
+              </a:r>
+              <a:r>
+                <a:rPr lang="en-US" sz="600" dirty="0" err="1" smtClean="0">
+                  <a:latin typeface="Courier New" panose="02070309020205020404" pitchFamily="49" charset="0"/>
+                  <a:cs typeface="Courier New" panose="02070309020205020404" pitchFamily="49" charset="0"/>
+                </a:rPr>
+                <a:t>No","Yes</a:t>
+              </a:r>
+              <a:r>
+                <a:rPr lang="en-US" sz="600" dirty="0" smtClean="0">
+                  <a:latin typeface="Courier New" panose="02070309020205020404" pitchFamily="49" charset="0"/>
+                  <a:cs typeface="Courier New" panose="02070309020205020404" pitchFamily="49" charset="0"/>
+                </a:rPr>
+                <a:t>": </a:t>
+              </a:r>
+              <a:r>
+                <a:rPr lang="en-US" sz="600" dirty="0">
+                  <a:latin typeface="Courier New" panose="02070309020205020404" pitchFamily="49" charset="0"/>
+                  <a:cs typeface="Courier New" panose="02070309020205020404" pitchFamily="49" charset="0"/>
+                </a:rPr>
+                <a:t>2 </a:t>
+              </a:r>
+              <a:r>
+                <a:rPr lang="en-US" sz="600" dirty="0" smtClean="0">
+                  <a:latin typeface="Courier New" panose="02070309020205020404" pitchFamily="49" charset="0"/>
+                  <a:cs typeface="Courier New" panose="02070309020205020404" pitchFamily="49" charset="0"/>
+                </a:rPr>
+                <a:t>2 2 2 2 1 1 ...</a:t>
+              </a:r>
+              <a:r>
+                <a:rPr lang="en-US" sz="600" dirty="0">
+                  <a:latin typeface="Courier New" panose="02070309020205020404" pitchFamily="49" charset="0"/>
+                  <a:cs typeface="Courier New" panose="02070309020205020404" pitchFamily="49" charset="0"/>
+                </a:rPr>
+                <a:t/>
+              </a:r>
+              <a:br>
+                <a:rPr lang="en-US" sz="600" dirty="0">
+                  <a:latin typeface="Courier New" panose="02070309020205020404" pitchFamily="49" charset="0"/>
+                  <a:cs typeface="Courier New" panose="02070309020205020404" pitchFamily="49" charset="0"/>
+                </a:rPr>
+              </a:br>
+              <a:r>
+                <a:rPr lang="en-US" sz="600" dirty="0">
+                  <a:latin typeface="Courier New" panose="02070309020205020404" pitchFamily="49" charset="0"/>
+                  <a:cs typeface="Courier New" panose="02070309020205020404" pitchFamily="49" charset="0"/>
+                </a:rPr>
+                <a:t>  $ Weight  </a:t>
+              </a:r>
+              <a:r>
+                <a:rPr lang="en-US" sz="600" dirty="0" smtClean="0">
+                  <a:latin typeface="Courier New" panose="02070309020205020404" pitchFamily="49" charset="0"/>
+                  <a:cs typeface="Courier New" panose="02070309020205020404" pitchFamily="49" charset="0"/>
+                </a:rPr>
+                <a:t>: </a:t>
+              </a:r>
+              <a:r>
+                <a:rPr lang="en-US" sz="600" dirty="0" err="1">
+                  <a:latin typeface="Courier New" panose="02070309020205020404" pitchFamily="49" charset="0"/>
+                  <a:cs typeface="Courier New" panose="02070309020205020404" pitchFamily="49" charset="0"/>
+                </a:rPr>
+                <a:t>int</a:t>
+              </a:r>
+              <a:r>
+                <a:rPr lang="en-US" sz="600" dirty="0">
+                  <a:latin typeface="Courier New" panose="02070309020205020404" pitchFamily="49" charset="0"/>
+                  <a:cs typeface="Courier New" panose="02070309020205020404" pitchFamily="49" charset="0"/>
+                </a:rPr>
+                <a:t>  2705 3560 3375 3</a:t>
+              </a:r>
+              <a:r>
+                <a:rPr lang="en-US" sz="600" dirty="0" smtClean="0">
+                  <a:latin typeface="Courier New" panose="02070309020205020404" pitchFamily="49" charset="0"/>
+                  <a:cs typeface="Courier New" panose="02070309020205020404" pitchFamily="49" charset="0"/>
+                </a:rPr>
+                <a:t>405 3640 2880 3470 </a:t>
+              </a:r>
+              <a:r>
+                <a:rPr lang="en-US" sz="600" dirty="0">
+                  <a:latin typeface="Courier New" panose="02070309020205020404" pitchFamily="49" charset="0"/>
+                  <a:cs typeface="Courier New" panose="02070309020205020404" pitchFamily="49" charset="0"/>
+                </a:rPr>
+                <a:t>...</a:t>
+              </a:r>
+              <a:br>
+                <a:rPr lang="en-US" sz="600" dirty="0">
+                  <a:latin typeface="Courier New" panose="02070309020205020404" pitchFamily="49" charset="0"/>
+                  <a:cs typeface="Courier New" panose="02070309020205020404" pitchFamily="49" charset="0"/>
+                </a:rPr>
+              </a:br>
+              <a:r>
+                <a:rPr lang="en-US" sz="600" dirty="0">
+                  <a:latin typeface="Courier New" panose="02070309020205020404" pitchFamily="49" charset="0"/>
+                  <a:cs typeface="Courier New" panose="02070309020205020404" pitchFamily="49" charset="0"/>
+                </a:rPr>
+                <a:t>  $ </a:t>
+              </a:r>
+              <a:r>
+                <a:rPr lang="en-US" sz="600" dirty="0" smtClean="0">
+                  <a:latin typeface="Courier New" panose="02070309020205020404" pitchFamily="49" charset="0"/>
+                  <a:cs typeface="Courier New" panose="02070309020205020404" pitchFamily="49" charset="0"/>
+                </a:rPr>
+                <a:t>Domestic: </a:t>
+              </a:r>
+              <a:r>
+                <a:rPr lang="en-US" sz="600" dirty="0">
+                  <a:latin typeface="Courier New" panose="02070309020205020404" pitchFamily="49" charset="0"/>
+                  <a:cs typeface="Courier New" panose="02070309020205020404" pitchFamily="49" charset="0"/>
+                </a:rPr>
+                <a:t>Factor w/ 2 levels "</a:t>
+              </a:r>
+              <a:r>
+                <a:rPr lang="en-US" sz="600" dirty="0" err="1">
+                  <a:latin typeface="Courier New" panose="02070309020205020404" pitchFamily="49" charset="0"/>
+                  <a:cs typeface="Courier New" panose="02070309020205020404" pitchFamily="49" charset="0"/>
+                </a:rPr>
+                <a:t>No","Yes</a:t>
+              </a:r>
+              <a:r>
+                <a:rPr lang="en-US" sz="600" dirty="0">
+                  <a:latin typeface="Courier New" panose="02070309020205020404" pitchFamily="49" charset="0"/>
+                  <a:cs typeface="Courier New" panose="02070309020205020404" pitchFamily="49" charset="0"/>
+                </a:rPr>
+                <a:t>": 1 </a:t>
+              </a:r>
+              <a:r>
+                <a:rPr lang="en-US" sz="600" dirty="0" smtClean="0">
+                  <a:latin typeface="Courier New" panose="02070309020205020404" pitchFamily="49" charset="0"/>
+                  <a:cs typeface="Courier New" panose="02070309020205020404" pitchFamily="49" charset="0"/>
+                </a:rPr>
+                <a:t>1 1 1 1 2 2 ...</a:t>
+              </a:r>
+              <a:endParaRPr lang="en-US" sz="600" dirty="0">
+                <a:latin typeface="Courier New" panose="02070309020205020404" pitchFamily="49" charset="0"/>
+                <a:cs typeface="Courier New" panose="02070309020205020404" pitchFamily="49" charset="0"/>
+              </a:endParaRPr>
             </a:p>
           </p:txBody>
         </p:sp>
@@ -11144,8 +11063,8 @@
         </p:nvSpPr>
         <p:spPr>
           <a:xfrm>
-            <a:off x="8230129" y="6639280"/>
-            <a:ext cx="813925" cy="248705"/>
+            <a:off x="8223717" y="6639280"/>
+            <a:ext cx="826749" cy="248705"/>
           </a:xfrm>
           <a:prstGeom prst="rect">
             <a:avLst/>
@@ -11192,7 +11111,7 @@
               <a:tabLst/>
             </a:pPr>
             <a:r>
-              <a:rPr kumimoji="0" lang="en-US" sz="900" b="0" i="0" u="none" strike="noStrike" cap="none" spc="0" normalizeH="0" baseline="0" dirty="0" smtClean="0">
+              <a:rPr kumimoji="0" lang="en-US" sz="900" b="0" i="0" u="none" strike="noStrike" cap="none" spc="0" normalizeH="0" baseline="0" smtClean="0">
                 <a:ln>
                   <a:noFill/>
                 </a:ln>
@@ -11209,7 +11128,7 @@
               <a:t>Revised </a:t>
             </a:r>
             <a:r>
-              <a:rPr lang="en-US" sz="900" dirty="0" smtClean="0">
+              <a:rPr lang="en-US" sz="900" smtClean="0">
                 <a:solidFill>
                   <a:schemeClr val="bg1">
                     <a:lumMod val="50000"/>
@@ -11217,10 +11136,10 @@
                 </a:solidFill>
                 <a:latin typeface="Calibri" panose="020F0502020204030204" pitchFamily="34" charset="0"/>
               </a:rPr>
-              <a:t>Oct</a:t>
+              <a:t>Dec</a:t>
             </a:r>
             <a:r>
-              <a:rPr kumimoji="0" lang="en-US" sz="900" b="0" i="0" u="none" strike="noStrike" cap="none" spc="0" normalizeH="0" baseline="0" dirty="0" smtClean="0">
+              <a:rPr kumimoji="0" lang="en-US" sz="900" b="0" i="0" u="none" strike="noStrike" cap="none" spc="0" normalizeH="0" baseline="0" smtClean="0">
                 <a:ln>
                   <a:noFill/>
                 </a:ln>
@@ -11363,7 +11282,7 @@
           </a:ln>
           <a:extLst>
             <a:ext uri="{C572A759-6A51-4108-AA02-DFA0A04FC94B}">
-              <ma14:wrappingTextBoxFlag xmlns="" xmlns:ma14="http://schemas.microsoft.com/office/mac/drawingml/2011/main" val="1"/>
+              <ma14:wrappingTextBoxFlag xmlns:ma14="http://schemas.microsoft.com/office/mac/drawingml/2011/main" xmlns="" val="1"/>
             </a:ext>
           </a:extLst>
         </p:spPr>
@@ -12287,7 +12206,7 @@
                   <a:latin typeface="Courier New" panose="02070309020205020404" pitchFamily="49" charset="0"/>
                   <a:cs typeface="Courier New" panose="02070309020205020404" pitchFamily="49" charset="0"/>
                 </a:rPr>
-                <a:t>  labs(x</a:t>
+                <a:t>  </a:t>
               </a:r>
               <a:r>
                 <a:rPr lang="en-US" sz="600" b="1" dirty="0">
@@ -12299,6 +12218,52 @@
                   <a:latin typeface="Courier New" panose="02070309020205020404" pitchFamily="49" charset="0"/>
                   <a:cs typeface="Courier New" panose="02070309020205020404" pitchFamily="49" charset="0"/>
                 </a:rPr>
+                <a:t>labs(y="Frequency of </a:t>
+              </a:r>
+              <a:r>
+                <a:rPr lang="en-US" sz="600" b="1" dirty="0" err="1" smtClean="0">
+                  <a:solidFill>
+                    <a:srgbClr val="C00000"/>
+                  </a:solidFill>
+                  <a:latin typeface="Courier New" panose="02070309020205020404" pitchFamily="49" charset="0"/>
+                  <a:cs typeface="Courier New" panose="02070309020205020404" pitchFamily="49" charset="0"/>
+                </a:rPr>
+                <a:t>Cars</a:t>
+              </a:r>
+              <a:r>
+                <a:rPr lang="en-US" sz="600" b="1" dirty="0" err="1">
+                  <a:solidFill>
+                    <a:schemeClr val="accent2">
+                      <a:lumMod val="50000"/>
+                    </a:schemeClr>
+                  </a:solidFill>
+                  <a:latin typeface="Courier New" panose="02070309020205020404" pitchFamily="49" charset="0"/>
+                  <a:cs typeface="Courier New" panose="02070309020205020404" pitchFamily="49" charset="0"/>
+                </a:rPr>
+                <a:t>"</a:t>
+              </a:r>
+              <a:r>
+                <a:rPr lang="en-US" sz="600" b="1" dirty="0" err="1" smtClean="0">
+                  <a:solidFill>
+                    <a:schemeClr val="accent2">
+                      <a:lumMod val="50000"/>
+                    </a:schemeClr>
+                  </a:solidFill>
+                  <a:latin typeface="Courier New" panose="02070309020205020404" pitchFamily="49" charset="0"/>
+                  <a:cs typeface="Courier New" panose="02070309020205020404" pitchFamily="49" charset="0"/>
+                </a:rPr>
+                <a:t>,x</a:t>
+              </a:r>
+              <a:r>
+                <a:rPr lang="en-US" sz="600" b="1" dirty="0">
+                  <a:solidFill>
+                    <a:schemeClr val="accent2">
+                      <a:lumMod val="50000"/>
+                    </a:schemeClr>
+                  </a:solidFill>
+                  <a:latin typeface="Courier New" panose="02070309020205020404" pitchFamily="49" charset="0"/>
+                  <a:cs typeface="Courier New" panose="02070309020205020404" pitchFamily="49" charset="0"/>
+                </a:rPr>
                 <a:t>="</a:t>
               </a:r>
               <a:r>
@@ -12309,29 +12274,19 @@
                   <a:latin typeface="Courier New" panose="02070309020205020404" pitchFamily="49" charset="0"/>
                   <a:cs typeface="Courier New" panose="02070309020205020404" pitchFamily="49" charset="0"/>
                 </a:rPr>
-                <a:t>Highway </a:t>
-              </a:r>
-              <a:r>
-                <a:rPr lang="en-US" sz="600" b="1" dirty="0" err="1">
-                  <a:solidFill>
-                    <a:srgbClr val="C00000"/>
-                  </a:solidFill>
-                  <a:latin typeface="Courier New" panose="02070309020205020404" pitchFamily="49" charset="0"/>
-                  <a:cs typeface="Courier New" panose="02070309020205020404" pitchFamily="49" charset="0"/>
-                </a:rPr>
-                <a:t>MPG</a:t>
-              </a:r>
-              <a:r>
-                <a:rPr lang="en-US" sz="600" b="1" dirty="0" err="1">
-                  <a:solidFill>
-                    <a:schemeClr val="accent2">
-                      <a:lumMod val="50000"/>
-                    </a:schemeClr>
-                  </a:solidFill>
-                  <a:latin typeface="Courier New" panose="02070309020205020404" pitchFamily="49" charset="0"/>
-                  <a:cs typeface="Courier New" panose="02070309020205020404" pitchFamily="49" charset="0"/>
-                </a:rPr>
-                <a:t>",y</a:t>
+                <a:t>Highway MPG</a:t>
+              </a:r>
+              <a:r>
+                <a:rPr lang="en-US" sz="600" b="1" dirty="0" smtClean="0">
+                  <a:solidFill>
+                    <a:schemeClr val="accent2">
+                      <a:lumMod val="50000"/>
+                    </a:schemeClr>
+                  </a:solidFill>
+                  <a:latin typeface="Courier New" panose="02070309020205020404" pitchFamily="49" charset="0"/>
+                  <a:cs typeface="Courier New" panose="02070309020205020404" pitchFamily="49" charset="0"/>
+                </a:rPr>
+                <a:t>") </a:t>
               </a:r>
               <a:r>
                 <a:rPr lang="en-US" sz="600" b="1" dirty="0">
@@ -12343,29 +12298,7 @@
                   <a:latin typeface="Courier New" panose="02070309020205020404" pitchFamily="49" charset="0"/>
                   <a:cs typeface="Courier New" panose="02070309020205020404" pitchFamily="49" charset="0"/>
                 </a:rPr>
-                <a:t>="Frequency of </a:t>
-              </a:r>
-              <a:r>
-                <a:rPr lang="en-US" sz="600" b="1" dirty="0">
-                  <a:solidFill>
-                    <a:srgbClr val="C00000"/>
-                  </a:solidFill>
-                  <a:latin typeface="Courier New" panose="02070309020205020404" pitchFamily="49" charset="0"/>
-                  <a:cs typeface="Courier New" panose="02070309020205020404" pitchFamily="49" charset="0"/>
-                </a:rPr>
-                <a:t>Cars</a:t>
-              </a:r>
-              <a:r>
-                <a:rPr lang="en-US" sz="600" b="1" dirty="0">
-                  <a:solidFill>
-                    <a:schemeClr val="accent2">
-                      <a:lumMod val="50000"/>
-                    </a:schemeClr>
-                  </a:solidFill>
-                  <a:latin typeface="Courier New" panose="02070309020205020404" pitchFamily="49" charset="0"/>
-                  <a:cs typeface="Courier New" panose="02070309020205020404" pitchFamily="49" charset="0"/>
-                </a:rPr>
-                <a:t>") +</a:t>
+                <a:t>+</a:t>
               </a:r>
             </a:p>
             <a:p>
@@ -13637,7 +13570,74 @@
                   </a:solidFill>
                   <a:latin typeface="Calibri" panose="020F0502020204030204" pitchFamily="34" charset="0"/>
                 </a:rPr>
-                <a:t> labs(x=</a:t>
+                <a:t> </a:t>
+              </a:r>
+              <a:r>
+                <a:rPr lang="en-US" sz="800" dirty="0" smtClean="0">
+                  <a:solidFill>
+                    <a:schemeClr val="accent2">
+                      <a:lumMod val="50000"/>
+                    </a:schemeClr>
+                  </a:solidFill>
+                  <a:latin typeface="Calibri" panose="020F0502020204030204" pitchFamily="34" charset="0"/>
+                </a:rPr>
+                <a:t>labs(</a:t>
+              </a:r>
+              <a:r>
+                <a:rPr lang="en-US" sz="800" dirty="0">
+                  <a:solidFill>
+                    <a:schemeClr val="accent2">
+                      <a:lumMod val="50000"/>
+                    </a:schemeClr>
+                  </a:solidFill>
+                  <a:latin typeface="Calibri" panose="020F0502020204030204" pitchFamily="34" charset="0"/>
+                  <a:cs typeface="Courier New" panose="02070309020205020404" pitchFamily="49" charset="0"/>
+                </a:rPr>
+                <a:t>y="Frequency of </a:t>
+              </a:r>
+              <a:r>
+                <a:rPr lang="en-US" sz="800" dirty="0" err="1" smtClean="0">
+                  <a:solidFill>
+                    <a:srgbClr val="C00000"/>
+                  </a:solidFill>
+                  <a:latin typeface="Calibri" panose="020F0502020204030204" pitchFamily="34" charset="0"/>
+                  <a:cs typeface="Courier New" panose="02070309020205020404" pitchFamily="49" charset="0"/>
+                </a:rPr>
+                <a:t>XXX</a:t>
+              </a:r>
+              <a:r>
+                <a:rPr lang="en-US" sz="800" dirty="0" err="1" smtClean="0">
+                  <a:solidFill>
+                    <a:schemeClr val="accent2">
+                      <a:lumMod val="50000"/>
+                    </a:schemeClr>
+                  </a:solidFill>
+                  <a:latin typeface="Calibri" panose="020F0502020204030204" pitchFamily="34" charset="0"/>
+                  <a:cs typeface="Courier New" panose="02070309020205020404" pitchFamily="49" charset="0"/>
+                </a:rPr>
+                <a:t>“,</a:t>
+              </a:r>
+              <a:r>
+                <a:rPr lang="en-US" sz="800" dirty="0" err="1" smtClean="0">
+                  <a:solidFill>
+                    <a:schemeClr val="accent2">
+                      <a:lumMod val="50000"/>
+                    </a:schemeClr>
+                  </a:solidFill>
+                  <a:latin typeface="Calibri" panose="020F0502020204030204" pitchFamily="34" charset="0"/>
+                </a:rPr>
+                <a:t>x</a:t>
+              </a:r>
+              <a:r>
+                <a:rPr lang="en-US" sz="800" dirty="0" smtClean="0">
+                  <a:solidFill>
+                    <a:schemeClr val="accent2">
+                      <a:lumMod val="50000"/>
+                    </a:schemeClr>
+                  </a:solidFill>
+                  <a:latin typeface="Calibri" panose="020F0502020204030204" pitchFamily="34" charset="0"/>
+                </a:rPr>
+                <a:t>=</a:t>
               </a:r>
               <a:r>
                 <a:rPr lang="en-US" sz="800" b="1" dirty="0" smtClean="0">
@@ -13676,74 +13676,7 @@
                   </a:solidFill>
                   <a:latin typeface="Calibri" panose="020F0502020204030204" pitchFamily="34" charset="0"/>
                 </a:rPr>
-                <a:t> </a:t>
-              </a:r>
-              <a:r>
-                <a:rPr lang="en-US" sz="800" dirty="0" err="1" smtClean="0">
-                  <a:solidFill>
-                    <a:srgbClr val="C00000"/>
-                  </a:solidFill>
-                  <a:latin typeface="Calibri" panose="020F0502020204030204" pitchFamily="34" charset="0"/>
-                </a:rPr>
-                <a:t>label</a:t>
-              </a:r>
-              <a:r>
-                <a:rPr lang="en-US" sz="800" dirty="0" err="1">
-                  <a:solidFill>
-                    <a:schemeClr val="accent2">
-                      <a:lumMod val="50000"/>
-                    </a:schemeClr>
-                  </a:solidFill>
-                  <a:latin typeface="Calibri" panose="020F0502020204030204" pitchFamily="34" charset="0"/>
-                  <a:cs typeface="Courier New" panose="02070309020205020404" pitchFamily="49" charset="0"/>
-                </a:rPr>
-                <a:t>",</a:t>
-              </a:r>
-              <a:r>
-                <a:rPr lang="en-US" sz="800" dirty="0" err="1" smtClean="0">
-                  <a:solidFill>
-                    <a:schemeClr val="accent2">
-                      <a:lumMod val="50000"/>
-                    </a:schemeClr>
-                  </a:solidFill>
-                  <a:latin typeface="Calibri" panose="020F0502020204030204" pitchFamily="34" charset="0"/>
-                  <a:cs typeface="Courier New" panose="02070309020205020404" pitchFamily="49" charset="0"/>
-                </a:rPr>
-                <a:t>y</a:t>
-              </a:r>
-              <a:r>
-                <a:rPr lang="en-US" sz="800" dirty="0">
-                  <a:solidFill>
-                    <a:schemeClr val="accent2">
-                      <a:lumMod val="50000"/>
-                    </a:schemeClr>
-                  </a:solidFill>
-                  <a:latin typeface="Calibri" panose="020F0502020204030204" pitchFamily="34" charset="0"/>
-                  <a:cs typeface="Courier New" panose="02070309020205020404" pitchFamily="49" charset="0"/>
-                </a:rPr>
-                <a:t>="</a:t>
-              </a:r>
-              <a:r>
-                <a:rPr lang="en-US" sz="800" dirty="0" smtClean="0">
-                  <a:solidFill>
-                    <a:schemeClr val="accent2">
-                      <a:lumMod val="50000"/>
-                    </a:schemeClr>
-                  </a:solidFill>
-                  <a:latin typeface="Calibri" panose="020F0502020204030204" pitchFamily="34" charset="0"/>
-                  <a:cs typeface="Courier New" panose="02070309020205020404" pitchFamily="49" charset="0"/>
-                </a:rPr>
-                <a:t>Frequency of </a:t>
-              </a:r>
-              <a:r>
-                <a:rPr lang="en-US" sz="800" dirty="0" smtClean="0">
-                  <a:solidFill>
-                    <a:srgbClr val="C00000"/>
-                  </a:solidFill>
-                  <a:latin typeface="Calibri" panose="020F0502020204030204" pitchFamily="34" charset="0"/>
-                  <a:cs typeface="Courier New" panose="02070309020205020404" pitchFamily="49" charset="0"/>
-                </a:rPr>
-                <a:t>XXX</a:t>
+                <a:t> label</a:t>
               </a:r>
               <a:r>
                 <a:rPr lang="en-US" sz="800" dirty="0" smtClean="0">
@@ -13766,7 +13699,18 @@
                   </a:solidFill>
                   <a:latin typeface="Calibri" panose="020F0502020204030204" pitchFamily="34" charset="0"/>
                 </a:rPr>
-                <a:t>) +</a:t>
+                <a:t>) </a:t>
+              </a:r>
+              <a:r>
+                <a:rPr lang="en-US" sz="800" dirty="0" smtClean="0">
+                  <a:solidFill>
+                    <a:schemeClr val="accent2">
+                      <a:lumMod val="50000"/>
+                    </a:schemeClr>
+                  </a:solidFill>
+                  <a:latin typeface="Calibri" panose="020F0502020204030204" pitchFamily="34" charset="0"/>
+                </a:rPr>
+                <a:t>+</a:t>
               </a:r>
             </a:p>
             <a:p>
@@ -14015,7 +13959,7 @@
             </a:ln>
             <a:extLst>
               <a:ext uri="{C572A759-6A51-4108-AA02-DFA0A04FC94B}">
-                <ma14:wrappingTextBoxFlag xmlns="" xmlns:ma14="http://schemas.microsoft.com/office/mac/drawingml/2011/main" val="1"/>
+                <ma14:wrappingTextBoxFlag xmlns:ma14="http://schemas.microsoft.com/office/mac/drawingml/2011/main" xmlns="" val="1"/>
               </a:ext>
             </a:extLst>
           </p:spPr>
@@ -14677,7 +14621,7 @@
                   <a:latin typeface="Courier New" panose="02070309020205020404" pitchFamily="49" charset="0"/>
                   <a:cs typeface="Courier New" panose="02070309020205020404" pitchFamily="49" charset="0"/>
                 </a:rPr>
-                <a:t>  labs(x</a:t>
+                <a:t>  </a:t>
               </a:r>
               <a:r>
                 <a:rPr lang="en-US" sz="600" b="1" dirty="0">
@@ -14689,6 +14633,52 @@
                   <a:latin typeface="Courier New" panose="02070309020205020404" pitchFamily="49" charset="0"/>
                   <a:cs typeface="Courier New" panose="02070309020205020404" pitchFamily="49" charset="0"/>
                 </a:rPr>
+                <a:t>labs(y="Frequency of </a:t>
+              </a:r>
+              <a:r>
+                <a:rPr lang="en-US" sz="600" b="1" dirty="0" err="1" smtClean="0">
+                  <a:solidFill>
+                    <a:srgbClr val="C00000"/>
+                  </a:solidFill>
+                  <a:latin typeface="Courier New" panose="02070309020205020404" pitchFamily="49" charset="0"/>
+                  <a:cs typeface="Courier New" panose="02070309020205020404" pitchFamily="49" charset="0"/>
+                </a:rPr>
+                <a:t>Cars</a:t>
+              </a:r>
+              <a:r>
+                <a:rPr lang="en-US" sz="600" b="1" dirty="0" err="1">
+                  <a:solidFill>
+                    <a:schemeClr val="accent2">
+                      <a:lumMod val="50000"/>
+                    </a:schemeClr>
+                  </a:solidFill>
+                  <a:latin typeface="Courier New" panose="02070309020205020404" pitchFamily="49" charset="0"/>
+                  <a:cs typeface="Courier New" panose="02070309020205020404" pitchFamily="49" charset="0"/>
+                </a:rPr>
+                <a:t>"</a:t>
+              </a:r>
+              <a:r>
+                <a:rPr lang="en-US" sz="600" b="1" dirty="0" err="1" smtClean="0">
+                  <a:solidFill>
+                    <a:schemeClr val="accent2">
+                      <a:lumMod val="50000"/>
+                    </a:schemeClr>
+                  </a:solidFill>
+                  <a:latin typeface="Courier New" panose="02070309020205020404" pitchFamily="49" charset="0"/>
+                  <a:cs typeface="Courier New" panose="02070309020205020404" pitchFamily="49" charset="0"/>
+                </a:rPr>
+                <a:t>,x</a:t>
+              </a:r>
+              <a:r>
+                <a:rPr lang="en-US" sz="600" b="1" dirty="0">
+                  <a:solidFill>
+                    <a:schemeClr val="accent2">
+                      <a:lumMod val="50000"/>
+                    </a:schemeClr>
+                  </a:solidFill>
+                  <a:latin typeface="Courier New" panose="02070309020205020404" pitchFamily="49" charset="0"/>
+                  <a:cs typeface="Courier New" panose="02070309020205020404" pitchFamily="49" charset="0"/>
+                </a:rPr>
                 <a:t>="</a:t>
               </a:r>
               <a:r>
@@ -14699,29 +14689,19 @@
                   <a:latin typeface="Courier New" panose="02070309020205020404" pitchFamily="49" charset="0"/>
                   <a:cs typeface="Courier New" panose="02070309020205020404" pitchFamily="49" charset="0"/>
                 </a:rPr>
-                <a:t>Type of </a:t>
-              </a:r>
-              <a:r>
-                <a:rPr lang="en-US" sz="600" b="1" dirty="0" err="1">
-                  <a:solidFill>
-                    <a:srgbClr val="C00000"/>
-                  </a:solidFill>
-                  <a:latin typeface="Courier New" panose="02070309020205020404" pitchFamily="49" charset="0"/>
-                  <a:cs typeface="Courier New" panose="02070309020205020404" pitchFamily="49" charset="0"/>
-                </a:rPr>
-                <a:t>Car</a:t>
-              </a:r>
-              <a:r>
-                <a:rPr lang="en-US" sz="600" b="1" dirty="0" err="1">
-                  <a:solidFill>
-                    <a:schemeClr val="accent2">
-                      <a:lumMod val="50000"/>
-                    </a:schemeClr>
-                  </a:solidFill>
-                  <a:latin typeface="Courier New" panose="02070309020205020404" pitchFamily="49" charset="0"/>
-                  <a:cs typeface="Courier New" panose="02070309020205020404" pitchFamily="49" charset="0"/>
-                </a:rPr>
-                <a:t>",y</a:t>
+                <a:t>Type of Car</a:t>
+              </a:r>
+              <a:r>
+                <a:rPr lang="en-US" sz="600" b="1" dirty="0" smtClean="0">
+                  <a:solidFill>
+                    <a:schemeClr val="accent2">
+                      <a:lumMod val="50000"/>
+                    </a:schemeClr>
+                  </a:solidFill>
+                  <a:latin typeface="Courier New" panose="02070309020205020404" pitchFamily="49" charset="0"/>
+                  <a:cs typeface="Courier New" panose="02070309020205020404" pitchFamily="49" charset="0"/>
+                </a:rPr>
+                <a:t>") </a:t>
               </a:r>
               <a:r>
                 <a:rPr lang="en-US" sz="600" b="1" dirty="0">
@@ -14733,29 +14713,7 @@
                   <a:latin typeface="Courier New" panose="02070309020205020404" pitchFamily="49" charset="0"/>
                   <a:cs typeface="Courier New" panose="02070309020205020404" pitchFamily="49" charset="0"/>
                 </a:rPr>
-                <a:t>="Frequency of </a:t>
-              </a:r>
-              <a:r>
-                <a:rPr lang="en-US" sz="600" b="1" dirty="0">
-                  <a:solidFill>
-                    <a:srgbClr val="C00000"/>
-                  </a:solidFill>
-                  <a:latin typeface="Courier New" panose="02070309020205020404" pitchFamily="49" charset="0"/>
-                  <a:cs typeface="Courier New" panose="02070309020205020404" pitchFamily="49" charset="0"/>
-                </a:rPr>
-                <a:t>Cars</a:t>
-              </a:r>
-              <a:r>
-                <a:rPr lang="en-US" sz="600" b="1" dirty="0">
-                  <a:solidFill>
-                    <a:schemeClr val="accent2">
-                      <a:lumMod val="50000"/>
-                    </a:schemeClr>
-                  </a:solidFill>
-                  <a:latin typeface="Courier New" panose="02070309020205020404" pitchFamily="49" charset="0"/>
-                  <a:cs typeface="Courier New" panose="02070309020205020404" pitchFamily="49" charset="0"/>
-                </a:rPr>
-                <a:t>") +</a:t>
+                <a:t>+</a:t>
               </a:r>
             </a:p>
             <a:p>
@@ -15043,7 +15001,7 @@
             </a:ln>
             <a:extLst>
               <a:ext uri="{C572A759-6A51-4108-AA02-DFA0A04FC94B}">
-                <ma14:wrappingTextBoxFlag xmlns="" xmlns:ma14="http://schemas.microsoft.com/office/mac/drawingml/2011/main" val="1"/>
+                <ma14:wrappingTextBoxFlag xmlns:ma14="http://schemas.microsoft.com/office/mac/drawingml/2011/main" xmlns="" val="1"/>
               </a:ext>
             </a:extLst>
           </p:spPr>
@@ -15571,7 +15529,74 @@
                   </a:solidFill>
                   <a:latin typeface="Calibri" panose="020F0502020204030204" pitchFamily="34" charset="0"/>
                 </a:rPr>
-                <a:t>  labs(x=</a:t>
+                <a:t>  </a:t>
+              </a:r>
+              <a:r>
+                <a:rPr lang="en-US" sz="800" dirty="0" smtClean="0">
+                  <a:solidFill>
+                    <a:schemeClr val="accent2">
+                      <a:lumMod val="50000"/>
+                    </a:schemeClr>
+                  </a:solidFill>
+                  <a:latin typeface="Calibri" panose="020F0502020204030204" pitchFamily="34" charset="0"/>
+                </a:rPr>
+                <a:t>labs(</a:t>
+              </a:r>
+              <a:r>
+                <a:rPr lang="en-US" sz="800" dirty="0">
+                  <a:solidFill>
+                    <a:schemeClr val="accent2">
+                      <a:lumMod val="50000"/>
+                    </a:schemeClr>
+                  </a:solidFill>
+                  <a:latin typeface="Calibri" panose="020F0502020204030204" pitchFamily="34" charset="0"/>
+                  <a:cs typeface="Courier New" panose="02070309020205020404" pitchFamily="49" charset="0"/>
+                </a:rPr>
+                <a:t>y="Frequency of </a:t>
+              </a:r>
+              <a:r>
+                <a:rPr lang="en-US" sz="800" dirty="0" err="1" smtClean="0">
+                  <a:solidFill>
+                    <a:srgbClr val="C00000"/>
+                  </a:solidFill>
+                  <a:latin typeface="Calibri" panose="020F0502020204030204" pitchFamily="34" charset="0"/>
+                  <a:cs typeface="Courier New" panose="02070309020205020404" pitchFamily="49" charset="0"/>
+                </a:rPr>
+                <a:t>XXX</a:t>
+              </a:r>
+              <a:r>
+                <a:rPr lang="en-US" sz="800" dirty="0" err="1" smtClean="0">
+                  <a:solidFill>
+                    <a:schemeClr val="accent2">
+                      <a:lumMod val="50000"/>
+                    </a:schemeClr>
+                  </a:solidFill>
+                  <a:latin typeface="Calibri" panose="020F0502020204030204" pitchFamily="34" charset="0"/>
+                  <a:cs typeface="Courier New" panose="02070309020205020404" pitchFamily="49" charset="0"/>
+                </a:rPr>
+                <a:t>“,</a:t>
+              </a:r>
+              <a:r>
+                <a:rPr lang="en-US" sz="800" dirty="0" err="1" smtClean="0">
+                  <a:solidFill>
+                    <a:schemeClr val="accent2">
+                      <a:lumMod val="50000"/>
+                    </a:schemeClr>
+                  </a:solidFill>
+                  <a:latin typeface="Calibri" panose="020F0502020204030204" pitchFamily="34" charset="0"/>
+                </a:rPr>
+                <a:t>x</a:t>
+              </a:r>
+              <a:r>
+                <a:rPr lang="en-US" sz="800" dirty="0">
+                  <a:solidFill>
+                    <a:schemeClr val="accent2">
+                      <a:lumMod val="50000"/>
+                    </a:schemeClr>
+                  </a:solidFill>
+                  <a:latin typeface="Calibri" panose="020F0502020204030204" pitchFamily="34" charset="0"/>
+                </a:rPr>
+                <a:t>=</a:t>
               </a:r>
               <a:r>
                 <a:rPr lang="en-US" sz="800" b="1" dirty="0">
@@ -15613,59 +15638,13 @@
                 <a:t> </a:t>
               </a:r>
               <a:r>
-                <a:rPr lang="en-US" sz="800" dirty="0" err="1">
+                <a:rPr lang="en-US" sz="800" dirty="0">
                   <a:solidFill>
                     <a:srgbClr val="C00000"/>
                   </a:solidFill>
                   <a:latin typeface="Calibri" panose="020F0502020204030204" pitchFamily="34" charset="0"/>
                 </a:rPr>
                 <a:t>label</a:t>
-              </a:r>
-              <a:r>
-                <a:rPr lang="en-US" sz="800" dirty="0" err="1">
-                  <a:solidFill>
-                    <a:schemeClr val="accent2">
-                      <a:lumMod val="50000"/>
-                    </a:schemeClr>
-                  </a:solidFill>
-                  <a:latin typeface="Calibri" panose="020F0502020204030204" pitchFamily="34" charset="0"/>
-                  <a:cs typeface="Courier New" panose="02070309020205020404" pitchFamily="49" charset="0"/>
-                </a:rPr>
-                <a:t>",y</a:t>
-              </a:r>
-              <a:r>
-                <a:rPr lang="en-US" sz="800" dirty="0">
-                  <a:solidFill>
-                    <a:schemeClr val="accent2">
-                      <a:lumMod val="50000"/>
-                    </a:schemeClr>
-                  </a:solidFill>
-                  <a:latin typeface="Calibri" panose="020F0502020204030204" pitchFamily="34" charset="0"/>
-                  <a:cs typeface="Courier New" panose="02070309020205020404" pitchFamily="49" charset="0"/>
-                </a:rPr>
-                <a:t>="</a:t>
-              </a:r>
-              <a:r>
-                <a:rPr lang="en-US" sz="800" dirty="0" smtClean="0">
-                  <a:solidFill>
-                    <a:schemeClr val="accent2">
-                      <a:lumMod val="50000"/>
-                    </a:schemeClr>
-                  </a:solidFill>
-                  <a:latin typeface="Calibri" panose="020F0502020204030204" pitchFamily="34" charset="0"/>
-                  <a:cs typeface="Courier New" panose="02070309020205020404" pitchFamily="49" charset="0"/>
-                </a:rPr>
-                <a:t>Frequency of </a:t>
-              </a:r>
-              <a:r>
-                <a:rPr lang="en-US" sz="800" dirty="0" smtClean="0">
-                  <a:solidFill>
-                    <a:srgbClr val="C00000"/>
-                  </a:solidFill>
-                  <a:latin typeface="Calibri" panose="020F0502020204030204" pitchFamily="34" charset="0"/>
-                  <a:cs typeface="Courier New" panose="02070309020205020404" pitchFamily="49" charset="0"/>
-                </a:rPr>
-                <a:t>XXX</a:t>
               </a:r>
               <a:r>
                 <a:rPr lang="en-US" sz="800" dirty="0" smtClean="0">
@@ -16289,7 +16268,7 @@
           </a:ln>
           <a:extLst>
             <a:ext uri="{C572A759-6A51-4108-AA02-DFA0A04FC94B}">
-              <ma14:wrappingTextBoxFlag xmlns="" xmlns:ma14="http://schemas.microsoft.com/office/mac/drawingml/2011/main" val="1"/>
+              <ma14:wrappingTextBoxFlag xmlns:ma14="http://schemas.microsoft.com/office/mac/drawingml/2011/main" xmlns="" val="1"/>
             </a:ext>
           </a:extLst>
         </p:spPr>
@@ -16823,7 +16802,7 @@
                   <a:latin typeface="Courier New" panose="02070309020205020404" pitchFamily="49" charset="0"/>
                   <a:cs typeface="Courier New" panose="02070309020205020404" pitchFamily="49" charset="0"/>
                 </a:rPr>
-                <a:t>  labs(x</a:t>
+                <a:t>  </a:t>
               </a:r>
               <a:r>
                 <a:rPr lang="en-US" sz="600" b="1" dirty="0">
@@ -16835,6 +16814,52 @@
                   <a:latin typeface="Courier New" panose="02070309020205020404" pitchFamily="49" charset="0"/>
                   <a:cs typeface="Courier New" panose="02070309020205020404" pitchFamily="49" charset="0"/>
                 </a:rPr>
+                <a:t>labs(y="Frequency of </a:t>
+              </a:r>
+              <a:r>
+                <a:rPr lang="en-US" sz="600" b="1" dirty="0" err="1" smtClean="0">
+                  <a:solidFill>
+                    <a:srgbClr val="C00000"/>
+                  </a:solidFill>
+                  <a:latin typeface="Courier New" panose="02070309020205020404" pitchFamily="49" charset="0"/>
+                  <a:cs typeface="Courier New" panose="02070309020205020404" pitchFamily="49" charset="0"/>
+                </a:rPr>
+                <a:t>Cars</a:t>
+              </a:r>
+              <a:r>
+                <a:rPr lang="en-US" sz="600" b="1" dirty="0" err="1">
+                  <a:solidFill>
+                    <a:schemeClr val="accent2">
+                      <a:lumMod val="50000"/>
+                    </a:schemeClr>
+                  </a:solidFill>
+                  <a:latin typeface="Courier New" panose="02070309020205020404" pitchFamily="49" charset="0"/>
+                  <a:cs typeface="Courier New" panose="02070309020205020404" pitchFamily="49" charset="0"/>
+                </a:rPr>
+                <a:t>"</a:t>
+              </a:r>
+              <a:r>
+                <a:rPr lang="en-US" sz="600" b="1" dirty="0" err="1" smtClean="0">
+                  <a:solidFill>
+                    <a:schemeClr val="accent2">
+                      <a:lumMod val="50000"/>
+                    </a:schemeClr>
+                  </a:solidFill>
+                  <a:latin typeface="Courier New" panose="02070309020205020404" pitchFamily="49" charset="0"/>
+                  <a:cs typeface="Courier New" panose="02070309020205020404" pitchFamily="49" charset="0"/>
+                </a:rPr>
+                <a:t>,x</a:t>
+              </a:r>
+              <a:r>
+                <a:rPr lang="en-US" sz="600" b="1" dirty="0">
+                  <a:solidFill>
+                    <a:schemeClr val="accent2">
+                      <a:lumMod val="50000"/>
+                    </a:schemeClr>
+                  </a:solidFill>
+                  <a:latin typeface="Courier New" panose="02070309020205020404" pitchFamily="49" charset="0"/>
+                  <a:cs typeface="Courier New" panose="02070309020205020404" pitchFamily="49" charset="0"/>
+                </a:rPr>
                 <a:t>="</a:t>
               </a:r>
               <a:r>
@@ -16845,29 +16870,19 @@
                   <a:latin typeface="Courier New" panose="02070309020205020404" pitchFamily="49" charset="0"/>
                   <a:cs typeface="Courier New" panose="02070309020205020404" pitchFamily="49" charset="0"/>
                 </a:rPr>
-                <a:t>Highway </a:t>
-              </a:r>
-              <a:r>
-                <a:rPr lang="en-US" sz="600" b="1" dirty="0" err="1">
-                  <a:solidFill>
-                    <a:srgbClr val="C00000"/>
-                  </a:solidFill>
-                  <a:latin typeface="Courier New" panose="02070309020205020404" pitchFamily="49" charset="0"/>
-                  <a:cs typeface="Courier New" panose="02070309020205020404" pitchFamily="49" charset="0"/>
-                </a:rPr>
-                <a:t>MPG</a:t>
-              </a:r>
-              <a:r>
-                <a:rPr lang="en-US" sz="600" b="1" dirty="0" err="1">
-                  <a:solidFill>
-                    <a:schemeClr val="accent2">
-                      <a:lumMod val="50000"/>
-                    </a:schemeClr>
-                  </a:solidFill>
-                  <a:latin typeface="Courier New" panose="02070309020205020404" pitchFamily="49" charset="0"/>
-                  <a:cs typeface="Courier New" panose="02070309020205020404" pitchFamily="49" charset="0"/>
-                </a:rPr>
-                <a:t>",y</a:t>
+                <a:t>Highway MPG</a:t>
+              </a:r>
+              <a:r>
+                <a:rPr lang="en-US" sz="600" b="1" dirty="0" smtClean="0">
+                  <a:solidFill>
+                    <a:schemeClr val="accent2">
+                      <a:lumMod val="50000"/>
+                    </a:schemeClr>
+                  </a:solidFill>
+                  <a:latin typeface="Courier New" panose="02070309020205020404" pitchFamily="49" charset="0"/>
+                  <a:cs typeface="Courier New" panose="02070309020205020404" pitchFamily="49" charset="0"/>
+                </a:rPr>
+                <a:t>") </a:t>
               </a:r>
               <a:r>
                 <a:rPr lang="en-US" sz="600" b="1" dirty="0">
@@ -16879,29 +16894,7 @@
                   <a:latin typeface="Courier New" panose="02070309020205020404" pitchFamily="49" charset="0"/>
                   <a:cs typeface="Courier New" panose="02070309020205020404" pitchFamily="49" charset="0"/>
                 </a:rPr>
-                <a:t>="Frequency of </a:t>
-              </a:r>
-              <a:r>
-                <a:rPr lang="en-US" sz="600" b="1" dirty="0">
-                  <a:solidFill>
-                    <a:srgbClr val="C00000"/>
-                  </a:solidFill>
-                  <a:latin typeface="Courier New" panose="02070309020205020404" pitchFamily="49" charset="0"/>
-                  <a:cs typeface="Courier New" panose="02070309020205020404" pitchFamily="49" charset="0"/>
-                </a:rPr>
-                <a:t>Cars</a:t>
-              </a:r>
-              <a:r>
-                <a:rPr lang="en-US" sz="600" b="1" dirty="0">
-                  <a:solidFill>
-                    <a:schemeClr val="accent2">
-                      <a:lumMod val="50000"/>
-                    </a:schemeClr>
-                  </a:solidFill>
-                  <a:latin typeface="Courier New" panose="02070309020205020404" pitchFamily="49" charset="0"/>
-                  <a:cs typeface="Courier New" panose="02070309020205020404" pitchFamily="49" charset="0"/>
-                </a:rPr>
-                <a:t>") +</a:t>
+                <a:t>+</a:t>
               </a:r>
             </a:p>
             <a:p>
@@ -18480,7 +18473,7 @@
             </a:ln>
             <a:extLst>
               <a:ext uri="{C572A759-6A51-4108-AA02-DFA0A04FC94B}">
-                <ma14:wrappingTextBoxFlag xmlns="" xmlns:ma14="http://schemas.microsoft.com/office/mac/drawingml/2011/main" val="1"/>
+                <ma14:wrappingTextBoxFlag xmlns:ma14="http://schemas.microsoft.com/office/mac/drawingml/2011/main" xmlns="" val="1"/>
               </a:ext>
             </a:extLst>
           </p:spPr>
@@ -18990,6 +18983,98 @@
                 <a:t>&gt; </a:t>
               </a:r>
               <a:r>
+                <a:rPr lang="en-US" sz="600" b="1" dirty="0" err="1" smtClean="0">
+                  <a:solidFill>
+                    <a:schemeClr val="accent2">
+                      <a:lumMod val="50000"/>
+                    </a:schemeClr>
+                  </a:solidFill>
+                  <a:latin typeface="Courier New" panose="02070309020205020404" pitchFamily="49" charset="0"/>
+                  <a:cs typeface="Courier New" panose="02070309020205020404" pitchFamily="49" charset="0"/>
+                </a:rPr>
+                <a:t>ggplot</a:t>
+              </a:r>
+              <a:r>
+                <a:rPr lang="en-US" sz="600" b="1" dirty="0" smtClean="0">
+                  <a:solidFill>
+                    <a:schemeClr val="accent2">
+                      <a:lumMod val="50000"/>
+                    </a:schemeClr>
+                  </a:solidFill>
+                  <a:latin typeface="Courier New" panose="02070309020205020404" pitchFamily="49" charset="0"/>
+                  <a:cs typeface="Courier New" panose="02070309020205020404" pitchFamily="49" charset="0"/>
+                </a:rPr>
+                <a:t>(data=</a:t>
+              </a:r>
+              <a:r>
+                <a:rPr lang="en-US" sz="600" b="1" dirty="0" err="1" smtClean="0">
+                  <a:solidFill>
+                    <a:srgbClr val="C00000"/>
+                  </a:solidFill>
+                  <a:latin typeface="Courier New" panose="02070309020205020404" pitchFamily="49" charset="0"/>
+                  <a:cs typeface="Courier New" panose="02070309020205020404" pitchFamily="49" charset="0"/>
+                </a:rPr>
+                <a:t>dfcar</a:t>
+              </a:r>
+              <a:r>
+                <a:rPr lang="en-US" sz="600" b="1" dirty="0" err="1" smtClean="0">
+                  <a:solidFill>
+                    <a:schemeClr val="accent2">
+                      <a:lumMod val="50000"/>
+                    </a:schemeClr>
+                  </a:solidFill>
+                  <a:latin typeface="Courier New" panose="02070309020205020404" pitchFamily="49" charset="0"/>
+                  <a:cs typeface="Courier New" panose="02070309020205020404" pitchFamily="49" charset="0"/>
+                </a:rPr>
+                <a:t>,mapping</a:t>
+              </a:r>
+              <a:r>
+                <a:rPr lang="en-US" sz="600" b="1" dirty="0" smtClean="0">
+                  <a:solidFill>
+                    <a:schemeClr val="accent2">
+                      <a:lumMod val="50000"/>
+                    </a:schemeClr>
+                  </a:solidFill>
+                  <a:latin typeface="Courier New" panose="02070309020205020404" pitchFamily="49" charset="0"/>
+                  <a:cs typeface="Courier New" panose="02070309020205020404" pitchFamily="49" charset="0"/>
+                </a:rPr>
+                <a:t>=</a:t>
+              </a:r>
+              <a:r>
+                <a:rPr lang="en-US" sz="600" b="1" dirty="0" err="1" smtClean="0">
+                  <a:solidFill>
+                    <a:schemeClr val="accent2">
+                      <a:lumMod val="50000"/>
+                    </a:schemeClr>
+                  </a:solidFill>
+                  <a:latin typeface="Courier New" panose="02070309020205020404" pitchFamily="49" charset="0"/>
+                  <a:cs typeface="Courier New" panose="02070309020205020404" pitchFamily="49" charset="0"/>
+                </a:rPr>
+                <a:t>aes</a:t>
+              </a:r>
+              <a:r>
+                <a:rPr lang="en-US" sz="600" b="1" dirty="0" smtClean="0">
+                  <a:solidFill>
+                    <a:schemeClr val="accent2">
+                      <a:lumMod val="50000"/>
+                    </a:schemeClr>
+                  </a:solidFill>
+                  <a:latin typeface="Courier New" panose="02070309020205020404" pitchFamily="49" charset="0"/>
+                  <a:cs typeface="Courier New" panose="02070309020205020404" pitchFamily="49" charset="0"/>
+                </a:rPr>
+                <a:t>(y=</a:t>
+              </a:r>
+              <a:r>
+                <a:rPr lang="en-US" sz="600" b="1" dirty="0" err="1" smtClean="0">
+                  <a:solidFill>
+                    <a:srgbClr val="C00000"/>
+                  </a:solidFill>
+                  <a:latin typeface="Courier New" panose="02070309020205020404" pitchFamily="49" charset="0"/>
+                  <a:cs typeface="Courier New" panose="02070309020205020404" pitchFamily="49" charset="0"/>
+                </a:rPr>
+                <a:t>HMPG</a:t>
+              </a:r>
+              <a:r>
                 <a:rPr lang="en-US" sz="600" b="1" dirty="0" err="1">
                   <a:solidFill>
                     <a:schemeClr val="accent2">
@@ -18999,7 +19084,53 @@
                   <a:latin typeface="Courier New" panose="02070309020205020404" pitchFamily="49" charset="0"/>
                   <a:cs typeface="Courier New" panose="02070309020205020404" pitchFamily="49" charset="0"/>
                 </a:rPr>
-                <a:t>ggplot</a:t>
+                <a:t>,</a:t>
+              </a:r>
+              <a:r>
+                <a:rPr lang="en-US" sz="600" b="1" dirty="0" err="1" smtClean="0">
+                  <a:solidFill>
+                    <a:schemeClr val="accent2">
+                      <a:lumMod val="50000"/>
+                    </a:schemeClr>
+                  </a:solidFill>
+                  <a:latin typeface="Courier New" panose="02070309020205020404" pitchFamily="49" charset="0"/>
+                  <a:cs typeface="Courier New" panose="02070309020205020404" pitchFamily="49" charset="0"/>
+                </a:rPr>
+                <a:t>x</a:t>
+              </a:r>
+              <a:r>
+                <a:rPr lang="en-US" sz="600" b="1" dirty="0" smtClean="0">
+                  <a:solidFill>
+                    <a:schemeClr val="accent2">
+                      <a:lumMod val="50000"/>
+                    </a:schemeClr>
+                  </a:solidFill>
+                  <a:latin typeface="Courier New" panose="02070309020205020404" pitchFamily="49" charset="0"/>
+                  <a:cs typeface="Courier New" panose="02070309020205020404" pitchFamily="49" charset="0"/>
+                </a:rPr>
+                <a:t>=</a:t>
+              </a:r>
+              <a:r>
+                <a:rPr lang="en-US" sz="600" b="1" dirty="0" smtClean="0">
+                  <a:solidFill>
+                    <a:srgbClr val="C00000"/>
+                  </a:solidFill>
+                  <a:latin typeface="Courier New" panose="02070309020205020404" pitchFamily="49" charset="0"/>
+                  <a:cs typeface="Courier New" panose="02070309020205020404" pitchFamily="49" charset="0"/>
+                </a:rPr>
+                <a:t>Weight</a:t>
+              </a:r>
+              <a:r>
+                <a:rPr lang="en-US" sz="600" b="1" dirty="0" smtClean="0">
+                  <a:solidFill>
+                    <a:schemeClr val="accent2">
+                      <a:lumMod val="50000"/>
+                    </a:schemeClr>
+                  </a:solidFill>
+                  <a:latin typeface="Courier New" panose="02070309020205020404" pitchFamily="49" charset="0"/>
+                  <a:cs typeface="Courier New" panose="02070309020205020404" pitchFamily="49" charset="0"/>
+                </a:rPr>
+                <a:t>)) </a:t>
               </a:r>
               <a:r>
                 <a:rPr lang="en-US" sz="600" b="1" dirty="0">
@@ -19011,17 +19142,118 @@
                   <a:latin typeface="Courier New" panose="02070309020205020404" pitchFamily="49" charset="0"/>
                   <a:cs typeface="Courier New" panose="02070309020205020404" pitchFamily="49" charset="0"/>
                 </a:rPr>
-                <a:t>(data=</a:t>
+                <a:t>+</a:t>
+              </a:r>
+            </a:p>
+            <a:p>
+              <a:pPr algn="l" latinLnBrk="1"/>
+              <a:r>
+                <a:rPr lang="en-US" sz="600" b="1" dirty="0">
+                  <a:solidFill>
+                    <a:schemeClr val="accent2">
+                      <a:lumMod val="50000"/>
+                    </a:schemeClr>
+                  </a:solidFill>
+                  <a:latin typeface="Courier New" panose="02070309020205020404" pitchFamily="49" charset="0"/>
+                  <a:cs typeface="Courier New" panose="02070309020205020404" pitchFamily="49" charset="0"/>
+                </a:rPr>
+                <a:t>  </a:t>
+              </a:r>
+              <a:r>
+                <a:rPr lang="en-US" sz="600" b="1" dirty="0" smtClean="0">
+                  <a:solidFill>
+                    <a:schemeClr val="accent2">
+                      <a:lumMod val="50000"/>
+                    </a:schemeClr>
+                  </a:solidFill>
+                  <a:latin typeface="Courier New" panose="02070309020205020404" pitchFamily="49" charset="0"/>
+                  <a:cs typeface="Courier New" panose="02070309020205020404" pitchFamily="49" charset="0"/>
+                </a:rPr>
+                <a:t>  </a:t>
+              </a:r>
+              <a:r>
+                <a:rPr lang="en-US" sz="600" b="1" dirty="0" err="1" smtClean="0">
+                  <a:solidFill>
+                    <a:schemeClr val="accent2">
+                      <a:lumMod val="50000"/>
+                    </a:schemeClr>
+                  </a:solidFill>
+                  <a:latin typeface="Courier New" panose="02070309020205020404" pitchFamily="49" charset="0"/>
+                  <a:cs typeface="Courier New" panose="02070309020205020404" pitchFamily="49" charset="0"/>
+                </a:rPr>
+                <a:t>geom_point</a:t>
+              </a:r>
+              <a:r>
+                <a:rPr lang="en-US" sz="600" b="1" dirty="0" smtClean="0">
+                  <a:solidFill>
+                    <a:schemeClr val="accent2">
+                      <a:lumMod val="50000"/>
+                    </a:schemeClr>
+                  </a:solidFill>
+                  <a:latin typeface="Courier New" panose="02070309020205020404" pitchFamily="49" charset="0"/>
+                  <a:cs typeface="Courier New" panose="02070309020205020404" pitchFamily="49" charset="0"/>
+                </a:rPr>
+                <a:t>(</a:t>
+              </a:r>
+              <a:r>
+                <a:rPr lang="en-US" sz="600" b="1" dirty="0" err="1" smtClean="0">
+                  <a:solidFill>
+                    <a:schemeClr val="accent2">
+                      <a:lumMod val="50000"/>
+                    </a:schemeClr>
+                  </a:solidFill>
+                  <a:latin typeface="Courier New" panose="02070309020205020404" pitchFamily="49" charset="0"/>
+                  <a:cs typeface="Courier New" panose="02070309020205020404" pitchFamily="49" charset="0"/>
+                </a:rPr>
+                <a:t>pch</a:t>
+              </a:r>
+              <a:r>
+                <a:rPr lang="en-US" sz="600" b="1" dirty="0" smtClean="0">
+                  <a:solidFill>
+                    <a:schemeClr val="accent2">
+                      <a:lumMod val="50000"/>
+                    </a:schemeClr>
+                  </a:solidFill>
+                  <a:latin typeface="Courier New" panose="02070309020205020404" pitchFamily="49" charset="0"/>
+                  <a:cs typeface="Courier New" panose="02070309020205020404" pitchFamily="49" charset="0"/>
+                </a:rPr>
+                <a:t>=21,color</a:t>
+              </a:r>
+              <a:r>
+                <a:rPr lang="en-US" sz="600" b="1" dirty="0">
+                  <a:solidFill>
+                    <a:schemeClr val="accent2">
+                      <a:lumMod val="50000"/>
+                    </a:schemeClr>
+                  </a:solidFill>
+                  <a:latin typeface="Courier New" panose="02070309020205020404" pitchFamily="49" charset="0"/>
+                  <a:cs typeface="Courier New" panose="02070309020205020404" pitchFamily="49" charset="0"/>
+                </a:rPr>
+                <a:t>="</a:t>
               </a:r>
               <a:r>
                 <a:rPr lang="en-US" sz="600" b="1" dirty="0" err="1">
                   <a:solidFill>
-                    <a:srgbClr val="C00000"/>
-                  </a:solidFill>
-                  <a:latin typeface="Courier New" panose="02070309020205020404" pitchFamily="49" charset="0"/>
-                  <a:cs typeface="Courier New" panose="02070309020205020404" pitchFamily="49" charset="0"/>
-                </a:rPr>
-                <a:t>dfcar</a:t>
+                    <a:schemeClr val="accent2">
+                      <a:lumMod val="50000"/>
+                    </a:schemeClr>
+                  </a:solidFill>
+                  <a:latin typeface="Courier New" panose="02070309020205020404" pitchFamily="49" charset="0"/>
+                  <a:cs typeface="Courier New" panose="02070309020205020404" pitchFamily="49" charset="0"/>
+                </a:rPr>
+                <a:t>black",fill</a:t>
+              </a:r>
+              <a:r>
+                <a:rPr lang="en-US" sz="600" b="1" dirty="0">
+                  <a:solidFill>
+                    <a:schemeClr val="accent2">
+                      <a:lumMod val="50000"/>
+                    </a:schemeClr>
+                  </a:solidFill>
+                  <a:latin typeface="Courier New" panose="02070309020205020404" pitchFamily="49" charset="0"/>
+                  <a:cs typeface="Courier New" panose="02070309020205020404" pitchFamily="49" charset="0"/>
+                </a:rPr>
+                <a:t>="</a:t>
               </a:r>
               <a:r>
                 <a:rPr lang="en-US" sz="600" b="1" dirty="0" err="1">
@@ -19033,7 +19265,19 @@
                   <a:latin typeface="Courier New" panose="02070309020205020404" pitchFamily="49" charset="0"/>
                   <a:cs typeface="Courier New" panose="02070309020205020404" pitchFamily="49" charset="0"/>
                 </a:rPr>
-                <a:t>,mapping</a:t>
+                <a:t>lightgray</a:t>
+              </a:r>
+              <a:r>
+                <a:rPr lang="en-US" sz="600" b="1" dirty="0" smtClean="0">
+                  <a:solidFill>
+                    <a:schemeClr val="accent2">
+                      <a:lumMod val="50000"/>
+                    </a:schemeClr>
+                  </a:solidFill>
+                  <a:latin typeface="Courier New" panose="02070309020205020404" pitchFamily="49" charset="0"/>
+                  <a:cs typeface="Courier New" panose="02070309020205020404" pitchFamily="49" charset="0"/>
+                </a:rPr>
+                <a:t>") </a:t>
               </a:r>
               <a:r>
                 <a:rPr lang="en-US" sz="600" b="1" dirty="0">
@@ -19045,7 +19289,90 @@
                   <a:latin typeface="Courier New" panose="02070309020205020404" pitchFamily="49" charset="0"/>
                   <a:cs typeface="Courier New" panose="02070309020205020404" pitchFamily="49" charset="0"/>
                 </a:rPr>
-                <a:t>=</a:t>
+                <a:t>+</a:t>
+              </a:r>
+            </a:p>
+            <a:p>
+              <a:pPr algn="l" latinLnBrk="1"/>
+              <a:r>
+                <a:rPr lang="en-US" sz="600" b="1" dirty="0">
+                  <a:solidFill>
+                    <a:schemeClr val="accent2">
+                      <a:lumMod val="50000"/>
+                    </a:schemeClr>
+                  </a:solidFill>
+                  <a:latin typeface="Courier New" panose="02070309020205020404" pitchFamily="49" charset="0"/>
+                  <a:cs typeface="Courier New" panose="02070309020205020404" pitchFamily="49" charset="0"/>
+                </a:rPr>
+                <a:t>  </a:t>
+              </a:r>
+              <a:r>
+                <a:rPr lang="en-US" sz="600" b="1" dirty="0" smtClean="0">
+                  <a:solidFill>
+                    <a:schemeClr val="accent2">
+                      <a:lumMod val="50000"/>
+                    </a:schemeClr>
+                  </a:solidFill>
+                  <a:latin typeface="Courier New" panose="02070309020205020404" pitchFamily="49" charset="0"/>
+                  <a:cs typeface="Courier New" panose="02070309020205020404" pitchFamily="49" charset="0"/>
+                </a:rPr>
+                <a:t>  </a:t>
+              </a:r>
+              <a:r>
+                <a:rPr lang="en-US" sz="600" b="1" dirty="0" smtClean="0">
+                  <a:solidFill>
+                    <a:schemeClr val="accent2">
+                      <a:lumMod val="50000"/>
+                    </a:schemeClr>
+                  </a:solidFill>
+                  <a:latin typeface="Courier New" panose="02070309020205020404" pitchFamily="49" charset="0"/>
+                  <a:cs typeface="Courier New" panose="02070309020205020404" pitchFamily="49" charset="0"/>
+                </a:rPr>
+                <a:t>labs(y</a:t>
+              </a:r>
+              <a:r>
+                <a:rPr lang="en-US" sz="600" b="1" dirty="0">
+                  <a:solidFill>
+                    <a:schemeClr val="accent2">
+                      <a:lumMod val="50000"/>
+                    </a:schemeClr>
+                  </a:solidFill>
+                  <a:latin typeface="Courier New" panose="02070309020205020404" pitchFamily="49" charset="0"/>
+                  <a:cs typeface="Courier New" panose="02070309020205020404" pitchFamily="49" charset="0"/>
+                </a:rPr>
+                <a:t>="</a:t>
+              </a:r>
+              <a:r>
+                <a:rPr lang="en-US" sz="600" b="1" dirty="0">
+                  <a:solidFill>
+                    <a:srgbClr val="C00000"/>
+                  </a:solidFill>
+                  <a:latin typeface="Courier New" panose="02070309020205020404" pitchFamily="49" charset="0"/>
+                  <a:cs typeface="Courier New" panose="02070309020205020404" pitchFamily="49" charset="0"/>
+                </a:rPr>
+                <a:t>Highway </a:t>
+              </a:r>
+              <a:r>
+                <a:rPr lang="en-US" sz="600" b="1" dirty="0" err="1" smtClean="0">
+                  <a:solidFill>
+                    <a:srgbClr val="C00000"/>
+                  </a:solidFill>
+                  <a:latin typeface="Courier New" panose="02070309020205020404" pitchFamily="49" charset="0"/>
+                  <a:cs typeface="Courier New" panose="02070309020205020404" pitchFamily="49" charset="0"/>
+                </a:rPr>
+                <a:t>MPG</a:t>
+              </a:r>
+              <a:r>
+                <a:rPr lang="en-US" sz="600" b="1" dirty="0" err="1" smtClean="0">
+                  <a:solidFill>
+                    <a:schemeClr val="accent2">
+                      <a:lumMod val="50000"/>
+                    </a:schemeClr>
+                  </a:solidFill>
+                  <a:latin typeface="Courier New" panose="02070309020205020404" pitchFamily="49" charset="0"/>
+                  <a:cs typeface="Courier New" panose="02070309020205020404" pitchFamily="49" charset="0"/>
+                </a:rPr>
+                <a:t>"</a:t>
               </a:r>
               <a:r>
                 <a:rPr lang="en-US" sz="600" b="1" dirty="0" err="1">
@@ -19057,7 +19384,19 @@
                   <a:latin typeface="Courier New" panose="02070309020205020404" pitchFamily="49" charset="0"/>
                   <a:cs typeface="Courier New" panose="02070309020205020404" pitchFamily="49" charset="0"/>
                 </a:rPr>
-                <a:t>aes</a:t>
+                <a:t>,</a:t>
+              </a:r>
+              <a:r>
+                <a:rPr lang="en-US" sz="600" b="1" dirty="0" err="1" smtClean="0">
+                  <a:solidFill>
+                    <a:schemeClr val="accent2">
+                      <a:lumMod val="50000"/>
+                    </a:schemeClr>
+                  </a:solidFill>
+                  <a:latin typeface="Courier New" panose="02070309020205020404" pitchFamily="49" charset="0"/>
+                  <a:cs typeface="Courier New" panose="02070309020205020404" pitchFamily="49" charset="0"/>
+                </a:rPr>
+                <a:t>x</a:t>
               </a:r>
               <a:r>
                 <a:rPr lang="en-US" sz="600" b="1" dirty="0">
@@ -19069,7 +19408,17 @@
                   <a:latin typeface="Courier New" panose="02070309020205020404" pitchFamily="49" charset="0"/>
                   <a:cs typeface="Courier New" panose="02070309020205020404" pitchFamily="49" charset="0"/>
                 </a:rPr>
-                <a:t>(x=</a:t>
+                <a:t>="</a:t>
+              </a:r>
+              <a:r>
+                <a:rPr lang="en-US" sz="600" b="1" dirty="0">
+                  <a:solidFill>
+                    <a:srgbClr val="C00000"/>
+                  </a:solidFill>
+                  <a:latin typeface="Courier New" panose="02070309020205020404" pitchFamily="49" charset="0"/>
+                  <a:cs typeface="Courier New" panose="02070309020205020404" pitchFamily="49" charset="0"/>
+                </a:rPr>
+                <a:t>Weight (</a:t>
               </a:r>
               <a:r>
                 <a:rPr lang="en-US" sz="600" b="1" dirty="0" err="1">
@@ -19079,41 +19428,29 @@
                   <a:latin typeface="Courier New" panose="02070309020205020404" pitchFamily="49" charset="0"/>
                   <a:cs typeface="Courier New" panose="02070309020205020404" pitchFamily="49" charset="0"/>
                 </a:rPr>
-                <a:t>Weight</a:t>
-              </a:r>
-              <a:r>
-                <a:rPr lang="en-US" sz="600" b="1" dirty="0" err="1">
-                  <a:solidFill>
-                    <a:schemeClr val="accent2">
-                      <a:lumMod val="50000"/>
-                    </a:schemeClr>
-                  </a:solidFill>
-                  <a:latin typeface="Courier New" panose="02070309020205020404" pitchFamily="49" charset="0"/>
-                  <a:cs typeface="Courier New" panose="02070309020205020404" pitchFamily="49" charset="0"/>
-                </a:rPr>
-                <a:t>,y</a:t>
+                <a:t>lbs</a:t>
               </a:r>
               <a:r>
                 <a:rPr lang="en-US" sz="600" b="1" dirty="0">
                   <a:solidFill>
-                    <a:schemeClr val="accent2">
-                      <a:lumMod val="50000"/>
-                    </a:schemeClr>
-                  </a:solidFill>
-                  <a:latin typeface="Courier New" panose="02070309020205020404" pitchFamily="49" charset="0"/>
-                  <a:cs typeface="Courier New" panose="02070309020205020404" pitchFamily="49" charset="0"/>
-                </a:rPr>
-                <a:t>=</a:t>
+                    <a:srgbClr val="C00000"/>
+                  </a:solidFill>
+                  <a:latin typeface="Courier New" panose="02070309020205020404" pitchFamily="49" charset="0"/>
+                  <a:cs typeface="Courier New" panose="02070309020205020404" pitchFamily="49" charset="0"/>
+                </a:rPr>
+                <a:t>)</a:t>
               </a:r>
               <a:r>
                 <a:rPr lang="en-US" sz="600" b="1" dirty="0">
                   <a:solidFill>
-                    <a:srgbClr val="C00000"/>
-                  </a:solidFill>
-                  <a:latin typeface="Courier New" panose="02070309020205020404" pitchFamily="49" charset="0"/>
-                  <a:cs typeface="Courier New" panose="02070309020205020404" pitchFamily="49" charset="0"/>
-                </a:rPr>
-                <a:t>HMPG</a:t>
+                    <a:schemeClr val="accent2">
+                      <a:lumMod val="50000"/>
+                    </a:schemeClr>
+                  </a:solidFill>
+                  <a:latin typeface="Courier New" panose="02070309020205020404" pitchFamily="49" charset="0"/>
+                  <a:cs typeface="Courier New" panose="02070309020205020404" pitchFamily="49" charset="0"/>
+                </a:rPr>
+                <a:t>") </a:t>
               </a:r>
               <a:r>
                 <a:rPr lang="en-US" sz="600" b="1" dirty="0">
@@ -19125,257 +19462,7 @@
                   <a:latin typeface="Courier New" panose="02070309020205020404" pitchFamily="49" charset="0"/>
                   <a:cs typeface="Courier New" panose="02070309020205020404" pitchFamily="49" charset="0"/>
                 </a:rPr>
-                <a:t>)) +</a:t>
-              </a:r>
-            </a:p>
-            <a:p>
-              <a:pPr algn="l" latinLnBrk="1"/>
-              <a:r>
-                <a:rPr lang="en-US" sz="600" b="1" dirty="0">
-                  <a:solidFill>
-                    <a:schemeClr val="accent2">
-                      <a:lumMod val="50000"/>
-                    </a:schemeClr>
-                  </a:solidFill>
-                  <a:latin typeface="Courier New" panose="02070309020205020404" pitchFamily="49" charset="0"/>
-                  <a:cs typeface="Courier New" panose="02070309020205020404" pitchFamily="49" charset="0"/>
-                </a:rPr>
-                <a:t>  </a:t>
-              </a:r>
-              <a:r>
-                <a:rPr lang="en-US" sz="600" b="1" dirty="0" smtClean="0">
-                  <a:solidFill>
-                    <a:schemeClr val="accent2">
-                      <a:lumMod val="50000"/>
-                    </a:schemeClr>
-                  </a:solidFill>
-                  <a:latin typeface="Courier New" panose="02070309020205020404" pitchFamily="49" charset="0"/>
-                  <a:cs typeface="Courier New" panose="02070309020205020404" pitchFamily="49" charset="0"/>
-                </a:rPr>
-                <a:t>  </a:t>
-              </a:r>
-              <a:r>
-                <a:rPr lang="en-US" sz="600" b="1" dirty="0" err="1" smtClean="0">
-                  <a:solidFill>
-                    <a:schemeClr val="accent2">
-                      <a:lumMod val="50000"/>
-                    </a:schemeClr>
-                  </a:solidFill>
-                  <a:latin typeface="Courier New" panose="02070309020205020404" pitchFamily="49" charset="0"/>
-                  <a:cs typeface="Courier New" panose="02070309020205020404" pitchFamily="49" charset="0"/>
-                </a:rPr>
-                <a:t>geom_point</a:t>
-              </a:r>
-              <a:r>
-                <a:rPr lang="en-US" sz="600" b="1" dirty="0" smtClean="0">
-                  <a:solidFill>
-                    <a:schemeClr val="accent2">
-                      <a:lumMod val="50000"/>
-                    </a:schemeClr>
-                  </a:solidFill>
-                  <a:latin typeface="Courier New" panose="02070309020205020404" pitchFamily="49" charset="0"/>
-                  <a:cs typeface="Courier New" panose="02070309020205020404" pitchFamily="49" charset="0"/>
-                </a:rPr>
-                <a:t>(</a:t>
-              </a:r>
-              <a:r>
-                <a:rPr lang="en-US" sz="600" b="1" dirty="0" err="1" smtClean="0">
-                  <a:solidFill>
-                    <a:schemeClr val="accent2">
-                      <a:lumMod val="50000"/>
-                    </a:schemeClr>
-                  </a:solidFill>
-                  <a:latin typeface="Courier New" panose="02070309020205020404" pitchFamily="49" charset="0"/>
-                  <a:cs typeface="Courier New" panose="02070309020205020404" pitchFamily="49" charset="0"/>
-                </a:rPr>
-                <a:t>pch</a:t>
-              </a:r>
-              <a:r>
-                <a:rPr lang="en-US" sz="600" b="1" dirty="0" smtClean="0">
-                  <a:solidFill>
-                    <a:schemeClr val="accent2">
-                      <a:lumMod val="50000"/>
-                    </a:schemeClr>
-                  </a:solidFill>
-                  <a:latin typeface="Courier New" panose="02070309020205020404" pitchFamily="49" charset="0"/>
-                  <a:cs typeface="Courier New" panose="02070309020205020404" pitchFamily="49" charset="0"/>
-                </a:rPr>
-                <a:t>=21,color</a:t>
-              </a:r>
-              <a:r>
-                <a:rPr lang="en-US" sz="600" b="1" dirty="0">
-                  <a:solidFill>
-                    <a:schemeClr val="accent2">
-                      <a:lumMod val="50000"/>
-                    </a:schemeClr>
-                  </a:solidFill>
-                  <a:latin typeface="Courier New" panose="02070309020205020404" pitchFamily="49" charset="0"/>
-                  <a:cs typeface="Courier New" panose="02070309020205020404" pitchFamily="49" charset="0"/>
-                </a:rPr>
-                <a:t>="</a:t>
-              </a:r>
-              <a:r>
-                <a:rPr lang="en-US" sz="600" b="1" dirty="0" err="1">
-                  <a:solidFill>
-                    <a:schemeClr val="accent2">
-                      <a:lumMod val="50000"/>
-                    </a:schemeClr>
-                  </a:solidFill>
-                  <a:latin typeface="Courier New" panose="02070309020205020404" pitchFamily="49" charset="0"/>
-                  <a:cs typeface="Courier New" panose="02070309020205020404" pitchFamily="49" charset="0"/>
-                </a:rPr>
-                <a:t>black",fill</a:t>
-              </a:r>
-              <a:r>
-                <a:rPr lang="en-US" sz="600" b="1" dirty="0">
-                  <a:solidFill>
-                    <a:schemeClr val="accent2">
-                      <a:lumMod val="50000"/>
-                    </a:schemeClr>
-                  </a:solidFill>
-                  <a:latin typeface="Courier New" panose="02070309020205020404" pitchFamily="49" charset="0"/>
-                  <a:cs typeface="Courier New" panose="02070309020205020404" pitchFamily="49" charset="0"/>
-                </a:rPr>
-                <a:t>="</a:t>
-              </a:r>
-              <a:r>
-                <a:rPr lang="en-US" sz="600" b="1" dirty="0" err="1">
-                  <a:solidFill>
-                    <a:schemeClr val="accent2">
-                      <a:lumMod val="50000"/>
-                    </a:schemeClr>
-                  </a:solidFill>
-                  <a:latin typeface="Courier New" panose="02070309020205020404" pitchFamily="49" charset="0"/>
-                  <a:cs typeface="Courier New" panose="02070309020205020404" pitchFamily="49" charset="0"/>
-                </a:rPr>
-                <a:t>lightgray</a:t>
-              </a:r>
-              <a:r>
-                <a:rPr lang="en-US" sz="600" b="1" dirty="0" smtClean="0">
-                  <a:solidFill>
-                    <a:schemeClr val="accent2">
-                      <a:lumMod val="50000"/>
-                    </a:schemeClr>
-                  </a:solidFill>
-                  <a:latin typeface="Courier New" panose="02070309020205020404" pitchFamily="49" charset="0"/>
-                  <a:cs typeface="Courier New" panose="02070309020205020404" pitchFamily="49" charset="0"/>
-                </a:rPr>
-                <a:t>") </a:t>
-              </a:r>
-              <a:r>
-                <a:rPr lang="en-US" sz="600" b="1" dirty="0">
-                  <a:solidFill>
-                    <a:schemeClr val="accent2">
-                      <a:lumMod val="50000"/>
-                    </a:schemeClr>
-                  </a:solidFill>
-                  <a:latin typeface="Courier New" panose="02070309020205020404" pitchFamily="49" charset="0"/>
-                  <a:cs typeface="Courier New" panose="02070309020205020404" pitchFamily="49" charset="0"/>
-                </a:rPr>
                 <a:t>+</a:t>
-              </a:r>
-            </a:p>
-            <a:p>
-              <a:pPr algn="l" latinLnBrk="1"/>
-              <a:r>
-                <a:rPr lang="en-US" sz="600" b="1" dirty="0">
-                  <a:solidFill>
-                    <a:schemeClr val="accent2">
-                      <a:lumMod val="50000"/>
-                    </a:schemeClr>
-                  </a:solidFill>
-                  <a:latin typeface="Courier New" panose="02070309020205020404" pitchFamily="49" charset="0"/>
-                  <a:cs typeface="Courier New" panose="02070309020205020404" pitchFamily="49" charset="0"/>
-                </a:rPr>
-                <a:t>  </a:t>
-              </a:r>
-              <a:r>
-                <a:rPr lang="en-US" sz="600" b="1" dirty="0" smtClean="0">
-                  <a:solidFill>
-                    <a:schemeClr val="accent2">
-                      <a:lumMod val="50000"/>
-                    </a:schemeClr>
-                  </a:solidFill>
-                  <a:latin typeface="Courier New" panose="02070309020205020404" pitchFamily="49" charset="0"/>
-                  <a:cs typeface="Courier New" panose="02070309020205020404" pitchFamily="49" charset="0"/>
-                </a:rPr>
-                <a:t>  labs(x</a:t>
-              </a:r>
-              <a:r>
-                <a:rPr lang="en-US" sz="600" b="1" dirty="0">
-                  <a:solidFill>
-                    <a:schemeClr val="accent2">
-                      <a:lumMod val="50000"/>
-                    </a:schemeClr>
-                  </a:solidFill>
-                  <a:latin typeface="Courier New" panose="02070309020205020404" pitchFamily="49" charset="0"/>
-                  <a:cs typeface="Courier New" panose="02070309020205020404" pitchFamily="49" charset="0"/>
-                </a:rPr>
-                <a:t>="</a:t>
-              </a:r>
-              <a:r>
-                <a:rPr lang="en-US" sz="600" b="1" dirty="0">
-                  <a:solidFill>
-                    <a:srgbClr val="C00000"/>
-                  </a:solidFill>
-                  <a:latin typeface="Courier New" panose="02070309020205020404" pitchFamily="49" charset="0"/>
-                  <a:cs typeface="Courier New" panose="02070309020205020404" pitchFamily="49" charset="0"/>
-                </a:rPr>
-                <a:t>Weight (</a:t>
-              </a:r>
-              <a:r>
-                <a:rPr lang="en-US" sz="600" b="1" dirty="0" err="1">
-                  <a:solidFill>
-                    <a:srgbClr val="C00000"/>
-                  </a:solidFill>
-                  <a:latin typeface="Courier New" panose="02070309020205020404" pitchFamily="49" charset="0"/>
-                  <a:cs typeface="Courier New" panose="02070309020205020404" pitchFamily="49" charset="0"/>
-                </a:rPr>
-                <a:t>lbs</a:t>
-              </a:r>
-              <a:r>
-                <a:rPr lang="en-US" sz="600" b="1" dirty="0">
-                  <a:solidFill>
-                    <a:srgbClr val="C00000"/>
-                  </a:solidFill>
-                  <a:latin typeface="Courier New" panose="02070309020205020404" pitchFamily="49" charset="0"/>
-                  <a:cs typeface="Courier New" panose="02070309020205020404" pitchFamily="49" charset="0"/>
-                </a:rPr>
-                <a:t>)</a:t>
-              </a:r>
-              <a:r>
-                <a:rPr lang="en-US" sz="600" b="1" dirty="0">
-                  <a:solidFill>
-                    <a:schemeClr val="accent2">
-                      <a:lumMod val="50000"/>
-                    </a:schemeClr>
-                  </a:solidFill>
-                  <a:latin typeface="Courier New" panose="02070309020205020404" pitchFamily="49" charset="0"/>
-                  <a:cs typeface="Courier New" panose="02070309020205020404" pitchFamily="49" charset="0"/>
-                </a:rPr>
-                <a:t>",y="</a:t>
-              </a:r>
-              <a:r>
-                <a:rPr lang="en-US" sz="600" b="1" dirty="0">
-                  <a:solidFill>
-                    <a:srgbClr val="C00000"/>
-                  </a:solidFill>
-                  <a:latin typeface="Courier New" panose="02070309020205020404" pitchFamily="49" charset="0"/>
-                  <a:cs typeface="Courier New" panose="02070309020205020404" pitchFamily="49" charset="0"/>
-                </a:rPr>
-                <a:t>Highway MPG</a:t>
-              </a:r>
-              <a:r>
-                <a:rPr lang="en-US" sz="600" b="1" dirty="0">
-                  <a:solidFill>
-                    <a:schemeClr val="accent2">
-                      <a:lumMod val="50000"/>
-                    </a:schemeClr>
-                  </a:solidFill>
-                  <a:latin typeface="Courier New" panose="02070309020205020404" pitchFamily="49" charset="0"/>
-                  <a:cs typeface="Courier New" panose="02070309020205020404" pitchFamily="49" charset="0"/>
-                </a:rPr>
-                <a:t>") +</a:t>
               </a:r>
             </a:p>
             <a:p>
@@ -19694,7 +19781,19 @@
                   <a:latin typeface="Courier New" panose="02070309020205020404" pitchFamily="49" charset="0"/>
                   <a:cs typeface="Courier New" panose="02070309020205020404" pitchFamily="49" charset="0"/>
                 </a:rPr>
-                <a:t>=3)</a:t>
+                <a:t>=3</a:t>
+              </a:r>
+              <a:r>
+                <a:rPr lang="en-US" sz="600" b="1" dirty="0" smtClean="0">
+                  <a:solidFill>
+                    <a:schemeClr val="accent2">
+                      <a:lumMod val="50000"/>
+                    </a:schemeClr>
+                  </a:solidFill>
+                  <a:latin typeface="Courier New" panose="02070309020205020404" pitchFamily="49" charset="0"/>
+                  <a:cs typeface="Courier New" panose="02070309020205020404" pitchFamily="49" charset="0"/>
+                </a:rPr>
+                <a:t>)</a:t>
               </a:r>
               <a:endParaRPr lang="en-US" sz="600" b="1" dirty="0">
                 <a:solidFill>
@@ -19984,7 +20083,7 @@
                   </a:solidFill>
                   <a:latin typeface="Calibri" panose="020F0502020204030204" pitchFamily="34" charset="0"/>
                 </a:rPr>
-                <a:t>(x=</a:t>
+                <a:t>(y=</a:t>
               </a:r>
               <a:r>
                 <a:rPr lang="en-US" sz="800" dirty="0" smtClean="0">
@@ -20004,7 +20103,7 @@
                   </a:solidFill>
                   <a:latin typeface="Calibri" panose="020F0502020204030204" pitchFamily="34" charset="0"/>
                 </a:rPr>
-                <a:t>,y=</a:t>
+                <a:t>,x=</a:t>
               </a:r>
               <a:r>
                 <a:rPr lang="en-US" sz="800" dirty="0" smtClean="0">
@@ -20510,7 +20609,7 @@
             </a:ln>
             <a:extLst>
               <a:ext uri="{C572A759-6A51-4108-AA02-DFA0A04FC94B}">
-                <ma14:wrappingTextBoxFlag xmlns="" xmlns:ma14="http://schemas.microsoft.com/office/mac/drawingml/2011/main" val="1"/>
+                <ma14:wrappingTextBoxFlag xmlns:ma14="http://schemas.microsoft.com/office/mac/drawingml/2011/main" xmlns="" val="1"/>
               </a:ext>
             </a:extLst>
           </p:spPr>
@@ -20943,7 +21042,7 @@
                   <a:t>&gt; </a:t>
                 </a:r>
                 <a:r>
-                  <a:rPr lang="en-US" sz="600" b="1" dirty="0" err="1">
+                  <a:rPr lang="en-US" sz="600" b="1" dirty="0" err="1" smtClean="0">
                     <a:solidFill>
                       <a:schemeClr val="accent2">
                         <a:lumMod val="50000"/>
@@ -20955,7 +21054,7 @@
                   <a:t>ggplot</a:t>
                 </a:r>
                 <a:r>
-                  <a:rPr lang="en-US" sz="600" b="1" dirty="0">
+                  <a:rPr lang="en-US" sz="600" b="1" dirty="0" smtClean="0">
                     <a:solidFill>
                       <a:schemeClr val="accent2">
                         <a:lumMod val="50000"/>
@@ -20967,7 +21066,7 @@
                   <a:t>(data=</a:t>
                 </a:r>
                 <a:r>
-                  <a:rPr lang="en-US" sz="600" b="1" dirty="0" err="1">
+                  <a:rPr lang="en-US" sz="600" b="1" dirty="0" err="1" smtClean="0">
                     <a:solidFill>
                       <a:srgbClr val="C00000"/>
                     </a:solidFill>
@@ -20975,6 +21074,64 @@
                     <a:cs typeface="Courier New" panose="02070309020205020404" pitchFamily="49" charset="0"/>
                   </a:rPr>
                   <a:t>dfcar</a:t>
+                </a:r>
+                <a:r>
+                  <a:rPr lang="en-US" sz="600" b="1" dirty="0" err="1" smtClean="0">
+                    <a:solidFill>
+                      <a:schemeClr val="accent2">
+                        <a:lumMod val="50000"/>
+                      </a:schemeClr>
+                    </a:solidFill>
+                    <a:latin typeface="Courier New" panose="02070309020205020404" pitchFamily="49" charset="0"/>
+                    <a:cs typeface="Courier New" panose="02070309020205020404" pitchFamily="49" charset="0"/>
+                  </a:rPr>
+                  <a:t>,mapping</a:t>
+                </a:r>
+                <a:r>
+                  <a:rPr lang="en-US" sz="600" b="1" dirty="0" smtClean="0">
+                    <a:solidFill>
+                      <a:schemeClr val="accent2">
+                        <a:lumMod val="50000"/>
+                      </a:schemeClr>
+                    </a:solidFill>
+                    <a:latin typeface="Courier New" panose="02070309020205020404" pitchFamily="49" charset="0"/>
+                    <a:cs typeface="Courier New" panose="02070309020205020404" pitchFamily="49" charset="0"/>
+                  </a:rPr>
+                  <a:t>=</a:t>
+                </a:r>
+                <a:r>
+                  <a:rPr lang="en-US" sz="600" b="1" dirty="0" err="1" smtClean="0">
+                    <a:solidFill>
+                      <a:schemeClr val="accent2">
+                        <a:lumMod val="50000"/>
+                      </a:schemeClr>
+                    </a:solidFill>
+                    <a:latin typeface="Courier New" panose="02070309020205020404" pitchFamily="49" charset="0"/>
+                    <a:cs typeface="Courier New" panose="02070309020205020404" pitchFamily="49" charset="0"/>
+                  </a:rPr>
+                  <a:t>aes</a:t>
+                </a:r>
+                <a:r>
+                  <a:rPr lang="en-US" sz="600" b="1" dirty="0" smtClean="0">
+                    <a:solidFill>
+                      <a:schemeClr val="accent2">
+                        <a:lumMod val="50000"/>
+                      </a:schemeClr>
+                    </a:solidFill>
+                    <a:latin typeface="Courier New" panose="02070309020205020404" pitchFamily="49" charset="0"/>
+                    <a:cs typeface="Courier New" panose="02070309020205020404" pitchFamily="49" charset="0"/>
+                  </a:rPr>
+                  <a:t>(y=</a:t>
+                </a:r>
+                <a:r>
+                  <a:rPr lang="en-US" sz="600" b="1" dirty="0" err="1" smtClean="0">
+                    <a:solidFill>
+                      <a:srgbClr val="C00000"/>
+                    </a:solidFill>
+                    <a:latin typeface="Courier New" panose="02070309020205020404" pitchFamily="49" charset="0"/>
+                    <a:cs typeface="Courier New" panose="02070309020205020404" pitchFamily="49" charset="0"/>
+                  </a:rPr>
+                  <a:t>HMPG</a:t>
                 </a:r>
                 <a:r>
                   <a:rPr lang="en-US" sz="600" b="1" dirty="0" err="1">
@@ -20986,7 +21143,7 @@
                     <a:latin typeface="Courier New" panose="02070309020205020404" pitchFamily="49" charset="0"/>
                     <a:cs typeface="Courier New" panose="02070309020205020404" pitchFamily="49" charset="0"/>
                   </a:rPr>
-                  <a:t>,mapping</a:t>
+                  <a:t>,x</a:t>
                 </a:r>
                 <a:r>
                   <a:rPr lang="en-US" sz="600" b="1" dirty="0">
@@ -21001,7 +21158,17 @@
                   <a:t>=</a:t>
                 </a:r>
                 <a:r>
-                  <a:rPr lang="en-US" sz="600" b="1" dirty="0" err="1">
+                  <a:rPr lang="en-US" sz="600" b="1" dirty="0" smtClean="0">
+                    <a:solidFill>
+                      <a:srgbClr val="C00000"/>
+                    </a:solidFill>
+                    <a:latin typeface="Courier New" panose="02070309020205020404" pitchFamily="49" charset="0"/>
+                    <a:cs typeface="Courier New" panose="02070309020205020404" pitchFamily="49" charset="0"/>
+                  </a:rPr>
+                  <a:t>Weight</a:t>
+                </a:r>
+                <a:r>
+                  <a:rPr lang="en-US" sz="600" b="1" dirty="0" smtClean="0">
                     <a:solidFill>
                       <a:schemeClr val="accent2">
                         <a:lumMod val="50000"/>
@@ -21010,7 +21177,7 @@
                     <a:latin typeface="Courier New" panose="02070309020205020404" pitchFamily="49" charset="0"/>
                     <a:cs typeface="Courier New" panose="02070309020205020404" pitchFamily="49" charset="0"/>
                   </a:rPr>
-                  <a:t>aes</a:t>
+                  <a:t>)) </a:t>
                 </a:r>
                 <a:r>
                   <a:rPr lang="en-US" sz="600" b="1" dirty="0">
@@ -21022,63 +21189,7 @@
                     <a:latin typeface="Courier New" panose="02070309020205020404" pitchFamily="49" charset="0"/>
                     <a:cs typeface="Courier New" panose="02070309020205020404" pitchFamily="49" charset="0"/>
                   </a:rPr>
-                  <a:t>(x=</a:t>
-                </a:r>
-                <a:r>
-                  <a:rPr lang="en-US" sz="600" b="1" dirty="0" err="1">
-                    <a:solidFill>
-                      <a:srgbClr val="C00000"/>
-                    </a:solidFill>
-                    <a:latin typeface="Courier New" panose="02070309020205020404" pitchFamily="49" charset="0"/>
-                    <a:cs typeface="Courier New" panose="02070309020205020404" pitchFamily="49" charset="0"/>
-                  </a:rPr>
-                  <a:t>Weight</a:t>
-                </a:r>
-                <a:r>
-                  <a:rPr lang="en-US" sz="600" b="1" dirty="0" err="1">
-                    <a:solidFill>
-                      <a:schemeClr val="accent2">
-                        <a:lumMod val="50000"/>
-                      </a:schemeClr>
-                    </a:solidFill>
-                    <a:latin typeface="Courier New" panose="02070309020205020404" pitchFamily="49" charset="0"/>
-                    <a:cs typeface="Courier New" panose="02070309020205020404" pitchFamily="49" charset="0"/>
-                  </a:rPr>
-                  <a:t>,y</a:t>
-                </a:r>
-                <a:r>
-                  <a:rPr lang="en-US" sz="600" b="1" dirty="0">
-                    <a:solidFill>
-                      <a:schemeClr val="accent2">
-                        <a:lumMod val="50000"/>
-                      </a:schemeClr>
-                    </a:solidFill>
-                    <a:latin typeface="Courier New" panose="02070309020205020404" pitchFamily="49" charset="0"/>
-                    <a:cs typeface="Courier New" panose="02070309020205020404" pitchFamily="49" charset="0"/>
-                  </a:rPr>
-                  <a:t>=</a:t>
-                </a:r>
-                <a:r>
-                  <a:rPr lang="en-US" sz="600" b="1" dirty="0">
-                    <a:solidFill>
-                      <a:srgbClr val="C00000"/>
-                    </a:solidFill>
-                    <a:latin typeface="Courier New" panose="02070309020205020404" pitchFamily="49" charset="0"/>
-                    <a:cs typeface="Courier New" panose="02070309020205020404" pitchFamily="49" charset="0"/>
-                  </a:rPr>
-                  <a:t>HMPG</a:t>
-                </a:r>
-                <a:r>
-                  <a:rPr lang="en-US" sz="600" b="1" dirty="0">
-                    <a:solidFill>
-                      <a:schemeClr val="accent2">
-                        <a:lumMod val="50000"/>
-                      </a:schemeClr>
-                    </a:solidFill>
-                    <a:latin typeface="Courier New" panose="02070309020205020404" pitchFamily="49" charset="0"/>
-                    <a:cs typeface="Courier New" panose="02070309020205020404" pitchFamily="49" charset="0"/>
-                  </a:rPr>
-                  <a:t>)) +</a:t>
+                  <a:t>+</a:t>
                 </a:r>
               </a:p>
               <a:p>
@@ -21204,7 +21315,75 @@
                     <a:latin typeface="Courier New" panose="02070309020205020404" pitchFamily="49" charset="0"/>
                     <a:cs typeface="Courier New" panose="02070309020205020404" pitchFamily="49" charset="0"/>
                   </a:rPr>
-                  <a:t>    labs(x="</a:t>
+                  <a:t>    </a:t>
+                </a:r>
+                <a:r>
+                  <a:rPr lang="en-US" sz="600" b="1" dirty="0">
+                    <a:solidFill>
+                      <a:schemeClr val="accent2">
+                        <a:lumMod val="50000"/>
+                      </a:schemeClr>
+                    </a:solidFill>
+                    <a:latin typeface="Courier New" panose="02070309020205020404" pitchFamily="49" charset="0"/>
+                    <a:cs typeface="Courier New" panose="02070309020205020404" pitchFamily="49" charset="0"/>
+                  </a:rPr>
+                  <a:t>labs(y="</a:t>
+                </a:r>
+                <a:r>
+                  <a:rPr lang="en-US" sz="600" b="1" dirty="0">
+                    <a:solidFill>
+                      <a:srgbClr val="C00000"/>
+                    </a:solidFill>
+                    <a:latin typeface="Courier New" panose="02070309020205020404" pitchFamily="49" charset="0"/>
+                    <a:cs typeface="Courier New" panose="02070309020205020404" pitchFamily="49" charset="0"/>
+                  </a:rPr>
+                  <a:t>Highway </a:t>
+                </a:r>
+                <a:r>
+                  <a:rPr lang="en-US" sz="600" b="1" dirty="0" err="1" smtClean="0">
+                    <a:solidFill>
+                      <a:srgbClr val="C00000"/>
+                    </a:solidFill>
+                    <a:latin typeface="Courier New" panose="02070309020205020404" pitchFamily="49" charset="0"/>
+                    <a:cs typeface="Courier New" panose="02070309020205020404" pitchFamily="49" charset="0"/>
+                  </a:rPr>
+                  <a:t>MPG</a:t>
+                </a:r>
+                <a:r>
+                  <a:rPr lang="en-US" sz="600" b="1" dirty="0" err="1">
+                    <a:solidFill>
+                      <a:schemeClr val="accent2">
+                        <a:lumMod val="50000"/>
+                      </a:schemeClr>
+                    </a:solidFill>
+                    <a:latin typeface="Courier New" panose="02070309020205020404" pitchFamily="49" charset="0"/>
+                    <a:cs typeface="Courier New" panose="02070309020205020404" pitchFamily="49" charset="0"/>
+                  </a:rPr>
+                  <a:t>"</a:t>
+                </a:r>
+                <a:r>
+                  <a:rPr lang="en-US" sz="600" b="1" dirty="0" err="1" smtClean="0">
+                    <a:solidFill>
+                      <a:schemeClr val="accent2">
+                        <a:lumMod val="50000"/>
+                      </a:schemeClr>
+                    </a:solidFill>
+                    <a:latin typeface="Courier New" panose="02070309020205020404" pitchFamily="49" charset="0"/>
+                    <a:cs typeface="Courier New" panose="02070309020205020404" pitchFamily="49" charset="0"/>
+                  </a:rPr>
+                  <a:t>,x</a:t>
+                </a:r>
+                <a:r>
+                  <a:rPr lang="en-US" sz="600" b="1" dirty="0">
+                    <a:solidFill>
+                      <a:schemeClr val="accent2">
+                        <a:lumMod val="50000"/>
+                      </a:schemeClr>
+                    </a:solidFill>
+                    <a:latin typeface="Courier New" panose="02070309020205020404" pitchFamily="49" charset="0"/>
+                    <a:cs typeface="Courier New" panose="02070309020205020404" pitchFamily="49" charset="0"/>
+                  </a:rPr>
+                  <a:t>="</a:t>
                 </a:r>
                 <a:r>
                   <a:rPr lang="en-US" sz="600" b="1" dirty="0">
@@ -21227,7 +21406,7 @@
                   <a:t>lbs</a:t>
                 </a:r>
                 <a:r>
-                  <a:rPr lang="en-US" sz="600" b="1" dirty="0">
+                  <a:rPr lang="en-US" sz="600" b="1" dirty="0" smtClean="0">
                     <a:solidFill>
                       <a:srgbClr val="C00000"/>
                     </a:solidFill>
@@ -21235,6 +21414,18 @@
                     <a:cs typeface="Courier New" panose="02070309020205020404" pitchFamily="49" charset="0"/>
                   </a:rPr>
                   <a:t>)</a:t>
+                </a:r>
+                <a:r>
+                  <a:rPr lang="en-US" sz="600" b="1" dirty="0" smtClean="0">
+                    <a:solidFill>
+                      <a:schemeClr val="accent2">
+                        <a:lumMod val="50000"/>
+                      </a:schemeClr>
+                    </a:solidFill>
+                    <a:latin typeface="Courier New" panose="02070309020205020404" pitchFamily="49" charset="0"/>
+                    <a:cs typeface="Courier New" panose="02070309020205020404" pitchFamily="49" charset="0"/>
+                  </a:rPr>
+                  <a:t>") </a:t>
                 </a:r>
                 <a:r>
                   <a:rPr lang="en-US" sz="600" b="1" dirty="0">
@@ -21246,29 +21437,7 @@
                     <a:latin typeface="Courier New" panose="02070309020205020404" pitchFamily="49" charset="0"/>
                     <a:cs typeface="Courier New" panose="02070309020205020404" pitchFamily="49" charset="0"/>
                   </a:rPr>
-                  <a:t>",y="</a:t>
-                </a:r>
-                <a:r>
-                  <a:rPr lang="en-US" sz="600" b="1" dirty="0">
-                    <a:solidFill>
-                      <a:srgbClr val="C00000"/>
-                    </a:solidFill>
-                    <a:latin typeface="Courier New" panose="02070309020205020404" pitchFamily="49" charset="0"/>
-                    <a:cs typeface="Courier New" panose="02070309020205020404" pitchFamily="49" charset="0"/>
-                  </a:rPr>
-                  <a:t>Highway MPG</a:t>
-                </a:r>
-                <a:r>
-                  <a:rPr lang="en-US" sz="600" b="1" dirty="0">
-                    <a:solidFill>
-                      <a:schemeClr val="accent2">
-                        <a:lumMod val="50000"/>
-                      </a:schemeClr>
-                    </a:solidFill>
-                    <a:latin typeface="Courier New" panose="02070309020205020404" pitchFamily="49" charset="0"/>
-                    <a:cs typeface="Courier New" panose="02070309020205020404" pitchFamily="49" charset="0"/>
-                  </a:rPr>
-                  <a:t>") +</a:t>
+                  <a:t>+</a:t>
                 </a:r>
               </a:p>
               <a:p>
@@ -21385,7 +21554,7 @@
                   <a:t>="</a:t>
                 </a:r>
                 <a:r>
-                  <a:rPr lang="en-US" sz="600" b="1" dirty="0" err="1">
+                  <a:rPr lang="en-US" sz="600" b="1" dirty="0" err="1" smtClean="0">
                     <a:solidFill>
                       <a:schemeClr val="accent2">
                         <a:lumMod val="50000"/>
@@ -21397,7 +21566,7 @@
                   <a:t>lm",se</a:t>
                 </a:r>
                 <a:r>
-                  <a:rPr lang="en-US" sz="600" b="1" dirty="0">
+                  <a:rPr lang="en-US" sz="600" b="1" dirty="0" smtClean="0">
                     <a:solidFill>
                       <a:schemeClr val="accent2">
                         <a:lumMod val="50000"/>
@@ -21837,7 +22006,7 @@
             </a:ln>
             <a:extLst>
               <a:ext uri="{C572A759-6A51-4108-AA02-DFA0A04FC94B}">
-                <ma14:wrappingTextBoxFlag xmlns="" xmlns:ma14="http://schemas.microsoft.com/office/mac/drawingml/2011/main" val="1"/>
+                <ma14:wrappingTextBoxFlag xmlns:ma14="http://schemas.microsoft.com/office/mac/drawingml/2011/main" xmlns="" val="1"/>
               </a:ext>
             </a:extLst>
           </p:spPr>
@@ -22376,8 +22545,8 @@
         </p:nvSpPr>
         <p:spPr>
           <a:xfrm>
-            <a:off x="8230130" y="6639280"/>
-            <a:ext cx="813924" cy="248705"/>
+            <a:off x="8223717" y="6639280"/>
+            <a:ext cx="826749" cy="248705"/>
           </a:xfrm>
           <a:prstGeom prst="rect">
             <a:avLst/>
@@ -22449,7 +22618,7 @@
                 </a:solidFill>
                 <a:latin typeface="Calibri" panose="020F0502020204030204" pitchFamily="34" charset="0"/>
               </a:rPr>
-              <a:t>Oct</a:t>
+              <a:t>Dec</a:t>
             </a:r>
             <a:r>
               <a:rPr kumimoji="0" lang="en-US" sz="900" b="0" i="0" u="none" strike="noStrike" cap="none" spc="0" normalizeH="0" baseline="0" dirty="0" smtClean="0">
@@ -22873,7 +23042,29 @@
                   <a:latin typeface="Courier New" panose="02070309020205020404" pitchFamily="49" charset="0"/>
                   <a:cs typeface="Courier New" panose="02070309020205020404" pitchFamily="49" charset="0"/>
                 </a:rPr>
-                <a:t>=3,boundary=0,</a:t>
+                <a:t>=</a:t>
+              </a:r>
+              <a:r>
+                <a:rPr lang="en-US" sz="600" b="1" dirty="0">
+                  <a:solidFill>
+                    <a:srgbClr val="C00000"/>
+                  </a:solidFill>
+                  <a:latin typeface="Courier New" panose="02070309020205020404" pitchFamily="49" charset="0"/>
+                  <a:cs typeface="Courier New" panose="02070309020205020404" pitchFamily="49" charset="0"/>
+                </a:rPr>
+                <a:t>3</a:t>
+              </a:r>
+              <a:r>
+                <a:rPr lang="en-US" sz="600" b="1" dirty="0">
+                  <a:solidFill>
+                    <a:schemeClr val="accent2">
+                      <a:lumMod val="50000"/>
+                    </a:schemeClr>
+                  </a:solidFill>
+                  <a:latin typeface="Courier New" panose="02070309020205020404" pitchFamily="49" charset="0"/>
+                  <a:cs typeface="Courier New" panose="02070309020205020404" pitchFamily="49" charset="0"/>
+                </a:rPr>
+                <a:t>,boundary=0,</a:t>
               </a:r>
             </a:p>
             <a:p>
@@ -22951,17 +23142,19 @@
                   <a:latin typeface="Courier New" panose="02070309020205020404" pitchFamily="49" charset="0"/>
                   <a:cs typeface="Courier New" panose="02070309020205020404" pitchFamily="49" charset="0"/>
                 </a:rPr>
-                <a:t>    labs(x="</a:t>
+                <a:t>    </a:t>
               </a:r>
               <a:r>
                 <a:rPr lang="en-US" sz="600" b="1" dirty="0">
                   <a:solidFill>
-                    <a:srgbClr val="C00000"/>
-                  </a:solidFill>
-                  <a:latin typeface="Courier New" panose="02070309020205020404" pitchFamily="49" charset="0"/>
-                  <a:cs typeface="Courier New" panose="02070309020205020404" pitchFamily="49" charset="0"/>
-                </a:rPr>
-                <a:t>Highway </a:t>
+                    <a:schemeClr val="accent2">
+                      <a:lumMod val="50000"/>
+                    </a:schemeClr>
+                  </a:solidFill>
+                  <a:latin typeface="Courier New" panose="02070309020205020404" pitchFamily="49" charset="0"/>
+                  <a:cs typeface="Courier New" panose="02070309020205020404" pitchFamily="49" charset="0"/>
+                </a:rPr>
+                <a:t>labs(y="Frequency of </a:t>
               </a:r>
               <a:r>
                 <a:rPr lang="en-US" sz="600" b="1" dirty="0" err="1">
@@ -22971,7 +23164,19 @@
                   <a:latin typeface="Courier New" panose="02070309020205020404" pitchFamily="49" charset="0"/>
                   <a:cs typeface="Courier New" panose="02070309020205020404" pitchFamily="49" charset="0"/>
                 </a:rPr>
-                <a:t>MPG</a:t>
+                <a:t>Cars</a:t>
+              </a:r>
+              <a:r>
+                <a:rPr lang="en-US" sz="600" b="1" dirty="0" err="1" smtClean="0">
+                  <a:solidFill>
+                    <a:schemeClr val="accent2">
+                      <a:lumMod val="50000"/>
+                    </a:schemeClr>
+                  </a:solidFill>
+                  <a:latin typeface="Courier New" panose="02070309020205020404" pitchFamily="49" charset="0"/>
+                  <a:cs typeface="Courier New" panose="02070309020205020404" pitchFamily="49" charset="0"/>
+                </a:rPr>
+                <a:t>"</a:t>
               </a:r>
               <a:r>
                 <a:rPr lang="en-US" sz="600" b="1" dirty="0" err="1">
@@ -22983,7 +23188,19 @@
                   <a:latin typeface="Courier New" panose="02070309020205020404" pitchFamily="49" charset="0"/>
                   <a:cs typeface="Courier New" panose="02070309020205020404" pitchFamily="49" charset="0"/>
                 </a:rPr>
-                <a:t>",y</a:t>
+                <a:t>,</a:t>
+              </a:r>
+              <a:r>
+                <a:rPr lang="en-US" sz="600" b="1" dirty="0" err="1" smtClean="0">
+                  <a:solidFill>
+                    <a:schemeClr val="accent2">
+                      <a:lumMod val="50000"/>
+                    </a:schemeClr>
+                  </a:solidFill>
+                  <a:latin typeface="Courier New" panose="02070309020205020404" pitchFamily="49" charset="0"/>
+                  <a:cs typeface="Courier New" panose="02070309020205020404" pitchFamily="49" charset="0"/>
+                </a:rPr>
+                <a:t>x</a:t>
               </a:r>
               <a:r>
                 <a:rPr lang="en-US" sz="600" b="1" dirty="0">
@@ -23005,7 +23222,19 @@
                   <a:latin typeface="Courier New" panose="02070309020205020404" pitchFamily="49" charset="0"/>
                   <a:cs typeface="Courier New" panose="02070309020205020404" pitchFamily="49" charset="0"/>
                 </a:rPr>
-                <a:t>Frequency of Cars</a:t>
+                <a:t>Highway MPG</a:t>
+              </a:r>
+              <a:r>
+                <a:rPr lang="en-US" sz="600" b="1" dirty="0" smtClean="0">
+                  <a:solidFill>
+                    <a:schemeClr val="accent2">
+                      <a:lumMod val="50000"/>
+                    </a:schemeClr>
+                  </a:solidFill>
+                  <a:latin typeface="Courier New" panose="02070309020205020404" pitchFamily="49" charset="0"/>
+                  <a:cs typeface="Courier New" panose="02070309020205020404" pitchFamily="49" charset="0"/>
+                </a:rPr>
+                <a:t>") </a:t>
               </a:r>
               <a:r>
                 <a:rPr lang="en-US" sz="600" b="1" dirty="0">
@@ -23017,7 +23246,7 @@
                   <a:latin typeface="Courier New" panose="02070309020205020404" pitchFamily="49" charset="0"/>
                   <a:cs typeface="Courier New" panose="02070309020205020404" pitchFamily="49" charset="0"/>
                 </a:rPr>
-                <a:t>") +</a:t>
+                <a:t>+</a:t>
               </a:r>
             </a:p>
             <a:p>
@@ -24009,7 +24238,7 @@
             </a:ln>
             <a:extLst>
               <a:ext uri="{C572A759-6A51-4108-AA02-DFA0A04FC94B}">
-                <ma14:wrappingTextBoxFlag xmlns="" xmlns:ma14="http://schemas.microsoft.com/office/mac/drawingml/2011/main" val="1"/>
+                <ma14:wrappingTextBoxFlag xmlns:ma14="http://schemas.microsoft.com/office/mac/drawingml/2011/main" xmlns="" val="1"/>
               </a:ext>
             </a:extLst>
           </p:spPr>
@@ -24208,7 +24437,7 @@
                 <a:t>,alt=</a:t>
               </a:r>
               <a:r>
-                <a:rPr lang="en-US" sz="800" dirty="0" smtClean="0">
+                <a:rPr lang="en-US" sz="800" dirty="0" err="1" smtClean="0">
                   <a:solidFill>
                     <a:srgbClr val="C00000"/>
                   </a:solidFill>
@@ -24217,17 +24446,6 @@
                 <a:t>HA</a:t>
               </a:r>
               <a:r>
-                <a:rPr lang="en-US" sz="800" dirty="0" smtClean="0">
-                  <a:solidFill>
-                    <a:schemeClr val="accent2">
-                      <a:lumMod val="50000"/>
-                    </a:schemeClr>
-                  </a:solidFill>
-                  <a:latin typeface="Calibri" panose="020F0502020204030204" pitchFamily="34" charset="0"/>
-                </a:rPr>
-                <a:t>, </a:t>
-              </a:r>
-              <a:r>
                 <a:rPr lang="en-US" sz="800" dirty="0" err="1" smtClean="0">
                   <a:solidFill>
                     <a:schemeClr val="accent2">
@@ -24236,7 +24454,7 @@
                   </a:solidFill>
                   <a:latin typeface="Calibri" panose="020F0502020204030204" pitchFamily="34" charset="0"/>
                 </a:rPr>
-                <a:t>conf.level</a:t>
+                <a:t>,conf.level</a:t>
               </a:r>
               <a:r>
                 <a:rPr lang="en-US" sz="800" dirty="0" smtClean="0">
@@ -25889,7 +26107,7 @@
             </a:ln>
             <a:extLst>
               <a:ext uri="{C572A759-6A51-4108-AA02-DFA0A04FC94B}">
-                <ma14:wrappingTextBoxFlag xmlns="" xmlns:ma14="http://schemas.microsoft.com/office/mac/drawingml/2011/main" val="1"/>
+                <ma14:wrappingTextBoxFlag xmlns:ma14="http://schemas.microsoft.com/office/mac/drawingml/2011/main" xmlns="" val="1"/>
               </a:ext>
             </a:extLst>
           </p:spPr>
@@ -26203,7 +26421,29 @@
                   <a:latin typeface="Courier New" panose="02070309020205020404" pitchFamily="49" charset="0"/>
                   <a:cs typeface="Courier New" panose="02070309020205020404" pitchFamily="49" charset="0"/>
                 </a:rPr>
-                <a:t>=3,boundary=0,</a:t>
+                <a:t>=</a:t>
+              </a:r>
+              <a:r>
+                <a:rPr lang="en-US" sz="600" b="1" dirty="0">
+                  <a:solidFill>
+                    <a:srgbClr val="C00000"/>
+                  </a:solidFill>
+                  <a:latin typeface="Courier New" panose="02070309020205020404" pitchFamily="49" charset="0"/>
+                  <a:cs typeface="Courier New" panose="02070309020205020404" pitchFamily="49" charset="0"/>
+                </a:rPr>
+                <a:t>3</a:t>
+              </a:r>
+              <a:r>
+                <a:rPr lang="en-US" sz="600" b="1" dirty="0">
+                  <a:solidFill>
+                    <a:schemeClr val="accent2">
+                      <a:lumMod val="50000"/>
+                    </a:schemeClr>
+                  </a:solidFill>
+                  <a:latin typeface="Courier New" panose="02070309020205020404" pitchFamily="49" charset="0"/>
+                  <a:cs typeface="Courier New" panose="02070309020205020404" pitchFamily="49" charset="0"/>
+                </a:rPr>
+                <a:t>,boundary=0,</a:t>
               </a:r>
             </a:p>
             <a:p>
@@ -26281,17 +26521,19 @@
                   <a:latin typeface="Courier New" panose="02070309020205020404" pitchFamily="49" charset="0"/>
                   <a:cs typeface="Courier New" panose="02070309020205020404" pitchFamily="49" charset="0"/>
                 </a:rPr>
-                <a:t>    labs(x="</a:t>
+                <a:t>    </a:t>
               </a:r>
               <a:r>
                 <a:rPr lang="en-US" sz="600" b="1" dirty="0">
                   <a:solidFill>
-                    <a:srgbClr val="C00000"/>
-                  </a:solidFill>
-                  <a:latin typeface="Courier New" panose="02070309020205020404" pitchFamily="49" charset="0"/>
-                  <a:cs typeface="Courier New" panose="02070309020205020404" pitchFamily="49" charset="0"/>
-                </a:rPr>
-                <a:t>Highway </a:t>
+                    <a:schemeClr val="accent2">
+                      <a:lumMod val="50000"/>
+                    </a:schemeClr>
+                  </a:solidFill>
+                  <a:latin typeface="Courier New" panose="02070309020205020404" pitchFamily="49" charset="0"/>
+                  <a:cs typeface="Courier New" panose="02070309020205020404" pitchFamily="49" charset="0"/>
+                </a:rPr>
+                <a:t>labs(y="Frequency of </a:t>
               </a:r>
               <a:r>
                 <a:rPr lang="en-US" sz="600" b="1" dirty="0" err="1">
@@ -26301,7 +26543,19 @@
                   <a:latin typeface="Courier New" panose="02070309020205020404" pitchFamily="49" charset="0"/>
                   <a:cs typeface="Courier New" panose="02070309020205020404" pitchFamily="49" charset="0"/>
                 </a:rPr>
-                <a:t>MPG</a:t>
+                <a:t>Cars</a:t>
+              </a:r>
+              <a:r>
+                <a:rPr lang="en-US" sz="600" b="1" dirty="0" err="1" smtClean="0">
+                  <a:solidFill>
+                    <a:schemeClr val="accent2">
+                      <a:lumMod val="50000"/>
+                    </a:schemeClr>
+                  </a:solidFill>
+                  <a:latin typeface="Courier New" panose="02070309020205020404" pitchFamily="49" charset="0"/>
+                  <a:cs typeface="Courier New" panose="02070309020205020404" pitchFamily="49" charset="0"/>
+                </a:rPr>
+                <a:t>"</a:t>
               </a:r>
               <a:r>
                 <a:rPr lang="en-US" sz="600" b="1" dirty="0" err="1">
@@ -26313,7 +26567,19 @@
                   <a:latin typeface="Courier New" panose="02070309020205020404" pitchFamily="49" charset="0"/>
                   <a:cs typeface="Courier New" panose="02070309020205020404" pitchFamily="49" charset="0"/>
                 </a:rPr>
-                <a:t>",y</a:t>
+                <a:t>,</a:t>
+              </a:r>
+              <a:r>
+                <a:rPr lang="en-US" sz="600" b="1" dirty="0" err="1" smtClean="0">
+                  <a:solidFill>
+                    <a:schemeClr val="accent2">
+                      <a:lumMod val="50000"/>
+                    </a:schemeClr>
+                  </a:solidFill>
+                  <a:latin typeface="Courier New" panose="02070309020205020404" pitchFamily="49" charset="0"/>
+                  <a:cs typeface="Courier New" panose="02070309020205020404" pitchFamily="49" charset="0"/>
+                </a:rPr>
+                <a:t>x</a:t>
               </a:r>
               <a:r>
                 <a:rPr lang="en-US" sz="600" b="1" dirty="0">
@@ -26335,7 +26601,19 @@
                   <a:latin typeface="Courier New" panose="02070309020205020404" pitchFamily="49" charset="0"/>
                   <a:cs typeface="Courier New" panose="02070309020205020404" pitchFamily="49" charset="0"/>
                 </a:rPr>
-                <a:t>Frequency of Cars</a:t>
+                <a:t>Highway MPG</a:t>
+              </a:r>
+              <a:r>
+                <a:rPr lang="en-US" sz="600" b="1" dirty="0" smtClean="0">
+                  <a:solidFill>
+                    <a:schemeClr val="accent2">
+                      <a:lumMod val="50000"/>
+                    </a:schemeClr>
+                  </a:solidFill>
+                  <a:latin typeface="Courier New" panose="02070309020205020404" pitchFamily="49" charset="0"/>
+                  <a:cs typeface="Courier New" panose="02070309020205020404" pitchFamily="49" charset="0"/>
+                </a:rPr>
+                <a:t>") </a:t>
               </a:r>
               <a:r>
                 <a:rPr lang="en-US" sz="600" b="1" dirty="0">
@@ -26347,7 +26625,7 @@
                   <a:latin typeface="Courier New" panose="02070309020205020404" pitchFamily="49" charset="0"/>
                   <a:cs typeface="Courier New" panose="02070309020205020404" pitchFamily="49" charset="0"/>
                 </a:rPr>
-                <a:t>") +</a:t>
+                <a:t>+</a:t>
               </a:r>
             </a:p>
             <a:p>
@@ -27504,7 +27782,7 @@
             </a:ln>
             <a:extLst>
               <a:ext uri="{C572A759-6A51-4108-AA02-DFA0A04FC94B}">
-                <ma14:wrappingTextBoxFlag xmlns="" xmlns:ma14="http://schemas.microsoft.com/office/mac/drawingml/2011/main" val="1"/>
+                <ma14:wrappingTextBoxFlag xmlns:ma14="http://schemas.microsoft.com/office/mac/drawingml/2011/main" xmlns="" val="1"/>
               </a:ext>
             </a:extLst>
           </p:spPr>
@@ -31269,7 +31547,7 @@
             </a:ln>
             <a:extLst>
               <a:ext uri="{C572A759-6A51-4108-AA02-DFA0A04FC94B}">
-                <ma14:wrappingTextBoxFlag xmlns="" xmlns:ma14="http://schemas.microsoft.com/office/mac/drawingml/2011/main" val="1"/>
+                <ma14:wrappingTextBoxFlag xmlns:ma14="http://schemas.microsoft.com/office/mac/drawingml/2011/main" xmlns="" val="1"/>
               </a:ext>
             </a:extLst>
           </p:spPr>
@@ -33007,8 +33285,8 @@
         </p:nvSpPr>
         <p:spPr>
           <a:xfrm>
-            <a:off x="8230129" y="6639280"/>
-            <a:ext cx="813925" cy="248705"/>
+            <a:off x="8223717" y="6639280"/>
+            <a:ext cx="826749" cy="248705"/>
           </a:xfrm>
           <a:prstGeom prst="rect">
             <a:avLst/>
@@ -33080,7 +33358,7 @@
                 </a:solidFill>
                 <a:latin typeface="Calibri" panose="020F0502020204030204" pitchFamily="34" charset="0"/>
               </a:rPr>
-              <a:t>Oct</a:t>
+              <a:t>Dec</a:t>
             </a:r>
             <a:r>
               <a:rPr kumimoji="0" lang="en-US" sz="900" b="0" i="0" u="none" strike="noStrike" cap="none" spc="0" normalizeH="0" baseline="0" dirty="0" smtClean="0">

--- a/resources/MTH107-RGuide.pptx
+++ b/resources/MTH107-RGuide.pptx
@@ -1144,7 +1144,7 @@
           </a:ln>
           <a:extLst>
             <a:ext uri="{C572A759-6A51-4108-AA02-DFA0A04FC94B}">
-              <ma14:wrappingTextBoxFlag xmlns:ma14="http://schemas.microsoft.com/office/mac/drawingml/2011/main" xmlns="" val="1"/>
+              <ma14:wrappingTextBoxFlag xmlns="" xmlns:ma14="http://schemas.microsoft.com/office/mac/drawingml/2011/main" val="1"/>
             </a:ext>
           </a:extLst>
         </p:spPr>
@@ -1187,7 +1187,7 @@
           </a:ln>
           <a:extLst>
             <a:ext uri="{C572A759-6A51-4108-AA02-DFA0A04FC94B}">
-              <ma14:wrappingTextBoxFlag xmlns:ma14="http://schemas.microsoft.com/office/mac/drawingml/2011/main" xmlns="" val="1"/>
+              <ma14:wrappingTextBoxFlag xmlns="" xmlns:ma14="http://schemas.microsoft.com/office/mac/drawingml/2011/main" val="1"/>
             </a:ext>
           </a:extLst>
         </p:spPr>
@@ -1871,7 +1871,7 @@
             </a:ln>
             <a:extLst>
               <a:ext uri="{C572A759-6A51-4108-AA02-DFA0A04FC94B}">
-                <ma14:wrappingTextBoxFlag xmlns:ma14="http://schemas.microsoft.com/office/mac/drawingml/2011/main" xmlns="" val="1"/>
+                <ma14:wrappingTextBoxFlag xmlns="" xmlns:ma14="http://schemas.microsoft.com/office/mac/drawingml/2011/main" val="1"/>
               </a:ext>
             </a:extLst>
           </p:spPr>
@@ -2457,7 +2457,7 @@
             </a:ln>
             <a:extLst>
               <a:ext uri="{C572A759-6A51-4108-AA02-DFA0A04FC94B}">
-                <ma14:wrappingTextBoxFlag xmlns:ma14="http://schemas.microsoft.com/office/mac/drawingml/2011/main" xmlns="" val="1"/>
+                <ma14:wrappingTextBoxFlag xmlns="" xmlns:ma14="http://schemas.microsoft.com/office/mac/drawingml/2011/main" val="1"/>
               </a:ext>
             </a:extLst>
           </p:spPr>
@@ -3204,7 +3204,7 @@
             </a:ln>
             <a:extLst>
               <a:ext uri="{C572A759-6A51-4108-AA02-DFA0A04FC94B}">
-                <ma14:wrappingTextBoxFlag xmlns:ma14="http://schemas.microsoft.com/office/mac/drawingml/2011/main" xmlns="" val="1"/>
+                <ma14:wrappingTextBoxFlag xmlns="" xmlns:ma14="http://schemas.microsoft.com/office/mac/drawingml/2011/main" val="1"/>
               </a:ext>
             </a:extLst>
           </p:spPr>
@@ -4282,7 +4282,7 @@
             </a:ln>
             <a:extLst>
               <a:ext uri="{C572A759-6A51-4108-AA02-DFA0A04FC94B}">
-                <ma14:wrappingTextBoxFlag xmlns:ma14="http://schemas.microsoft.com/office/mac/drawingml/2011/main" xmlns="" val="1"/>
+                <ma14:wrappingTextBoxFlag xmlns="" xmlns:ma14="http://schemas.microsoft.com/office/mac/drawingml/2011/main" val="1"/>
               </a:ext>
             </a:extLst>
           </p:spPr>
@@ -6481,7 +6481,7 @@
             </a:ln>
             <a:extLst>
               <a:ext uri="{C572A759-6A51-4108-AA02-DFA0A04FC94B}">
-                <ma14:wrappingTextBoxFlag xmlns:ma14="http://schemas.microsoft.com/office/mac/drawingml/2011/main" xmlns="" val="1"/>
+                <ma14:wrappingTextBoxFlag xmlns="" xmlns:ma14="http://schemas.microsoft.com/office/mac/drawingml/2011/main" val="1"/>
               </a:ext>
             </a:extLst>
           </p:spPr>
@@ -9084,7 +9084,7 @@
             </a:ln>
             <a:extLst>
               <a:ext uri="{C572A759-6A51-4108-AA02-DFA0A04FC94B}">
-                <ma14:wrappingTextBoxFlag xmlns:ma14="http://schemas.microsoft.com/office/mac/drawingml/2011/main" xmlns="" val="1"/>
+                <ma14:wrappingTextBoxFlag xmlns="" xmlns:ma14="http://schemas.microsoft.com/office/mac/drawingml/2011/main" val="1"/>
               </a:ext>
             </a:extLst>
           </p:spPr>
@@ -9831,12 +9831,6 @@
                 </a:rPr>
                 <a:t>name.</a:t>
               </a:r>
-              <a:endParaRPr lang="en-US" sz="800" dirty="0" smtClean="0">
-                <a:latin typeface="Calibri Light" panose="020F0302020204030204" pitchFamily="34" charset="0"/>
-                <a:ea typeface="Source Sans Pro Light"/>
-                <a:cs typeface="Calibri Light" panose="020F0302020204030204" pitchFamily="34" charset="0"/>
-                <a:sym typeface="Source Sans Pro Light"/>
-              </a:endParaRPr>
             </a:p>
             <a:p>
               <a:pPr marL="95704" indent="-95704" algn="l">
@@ -10183,7 +10177,7 @@
             </a:ln>
             <a:extLst>
               <a:ext uri="{C572A759-6A51-4108-AA02-DFA0A04FC94B}">
-                <ma14:wrappingTextBoxFlag xmlns:ma14="http://schemas.microsoft.com/office/mac/drawingml/2011/main" xmlns="" val="1"/>
+                <ma14:wrappingTextBoxFlag xmlns="" xmlns:ma14="http://schemas.microsoft.com/office/mac/drawingml/2011/main" val="1"/>
               </a:ext>
             </a:extLst>
           </p:spPr>
@@ -11282,7 +11276,7 @@
           </a:ln>
           <a:extLst>
             <a:ext uri="{C572A759-6A51-4108-AA02-DFA0A04FC94B}">
-              <ma14:wrappingTextBoxFlag xmlns:ma14="http://schemas.microsoft.com/office/mac/drawingml/2011/main" xmlns="" val="1"/>
+              <ma14:wrappingTextBoxFlag xmlns="" xmlns:ma14="http://schemas.microsoft.com/office/mac/drawingml/2011/main" val="1"/>
             </a:ext>
           </a:extLst>
         </p:spPr>
@@ -13570,18 +13564,7 @@
                   </a:solidFill>
                   <a:latin typeface="Calibri" panose="020F0502020204030204" pitchFamily="34" charset="0"/>
                 </a:rPr>
-                <a:t> </a:t>
-              </a:r>
-              <a:r>
-                <a:rPr lang="en-US" sz="800" dirty="0" smtClean="0">
-                  <a:solidFill>
-                    <a:schemeClr val="accent2">
-                      <a:lumMod val="50000"/>
-                    </a:schemeClr>
-                  </a:solidFill>
-                  <a:latin typeface="Calibri" panose="020F0502020204030204" pitchFamily="34" charset="0"/>
-                </a:rPr>
-                <a:t>labs(</a:t>
+                <a:t> labs(</a:t>
               </a:r>
               <a:r>
                 <a:rPr lang="en-US" sz="800" dirty="0">
@@ -13606,6 +13589,18 @@
                 <a:t>XXX</a:t>
               </a:r>
               <a:r>
+                <a:rPr lang="en-US" sz="800" b="1" dirty="0" err="1">
+                  <a:solidFill>
+                    <a:schemeClr val="accent2">
+                      <a:lumMod val="50000"/>
+                    </a:schemeClr>
+                  </a:solidFill>
+                  <a:latin typeface="Calibri" panose="020F0502020204030204" pitchFamily="34" charset="0"/>
+                  <a:cs typeface="Courier New" panose="02070309020205020404" pitchFamily="49" charset="0"/>
+                </a:rPr>
+                <a:t>"</a:t>
+              </a:r>
+              <a:r>
                 <a:rPr lang="en-US" sz="800" dirty="0" err="1" smtClean="0">
                   <a:solidFill>
                     <a:schemeClr val="accent2">
@@ -13615,7 +13610,7 @@
                   <a:latin typeface="Calibri" panose="020F0502020204030204" pitchFamily="34" charset="0"/>
                   <a:cs typeface="Courier New" panose="02070309020205020404" pitchFamily="49" charset="0"/>
                 </a:rPr>
-                <a:t>“,</a:t>
+                <a:t>,</a:t>
               </a:r>
               <a:r>
                 <a:rPr lang="en-US" sz="800" dirty="0" err="1" smtClean="0">
@@ -13699,18 +13694,7 @@
                   </a:solidFill>
                   <a:latin typeface="Calibri" panose="020F0502020204030204" pitchFamily="34" charset="0"/>
                 </a:rPr>
-                <a:t>) </a:t>
-              </a:r>
-              <a:r>
-                <a:rPr lang="en-US" sz="800" dirty="0" smtClean="0">
-                  <a:solidFill>
-                    <a:schemeClr val="accent2">
-                      <a:lumMod val="50000"/>
-                    </a:schemeClr>
-                  </a:solidFill>
-                  <a:latin typeface="Calibri" panose="020F0502020204030204" pitchFamily="34" charset="0"/>
-                </a:rPr>
-                <a:t>+</a:t>
+                <a:t>) +</a:t>
               </a:r>
             </a:p>
             <a:p>
@@ -13959,7 +13943,7 @@
             </a:ln>
             <a:extLst>
               <a:ext uri="{C572A759-6A51-4108-AA02-DFA0A04FC94B}">
-                <ma14:wrappingTextBoxFlag xmlns:ma14="http://schemas.microsoft.com/office/mac/drawingml/2011/main" xmlns="" val="1"/>
+                <ma14:wrappingTextBoxFlag xmlns="" xmlns:ma14="http://schemas.microsoft.com/office/mac/drawingml/2011/main" val="1"/>
               </a:ext>
             </a:extLst>
           </p:spPr>
@@ -15001,7 +14985,7 @@
             </a:ln>
             <a:extLst>
               <a:ext uri="{C572A759-6A51-4108-AA02-DFA0A04FC94B}">
-                <ma14:wrappingTextBoxFlag xmlns:ma14="http://schemas.microsoft.com/office/mac/drawingml/2011/main" xmlns="" val="1"/>
+                <ma14:wrappingTextBoxFlag xmlns="" xmlns:ma14="http://schemas.microsoft.com/office/mac/drawingml/2011/main" val="1"/>
               </a:ext>
             </a:extLst>
           </p:spPr>
@@ -15565,16 +15549,16 @@
                 <a:t>XXX</a:t>
               </a:r>
               <a:r>
-                <a:rPr lang="en-US" sz="800" dirty="0" err="1" smtClean="0">
-                  <a:solidFill>
-                    <a:schemeClr val="accent2">
-                      <a:lumMod val="50000"/>
-                    </a:schemeClr>
-                  </a:solidFill>
-                  <a:latin typeface="Calibri" panose="020F0502020204030204" pitchFamily="34" charset="0"/>
-                  <a:cs typeface="Courier New" panose="02070309020205020404" pitchFamily="49" charset="0"/>
-                </a:rPr>
-                <a:t>“,</a:t>
+                <a:rPr lang="en-US" sz="800" dirty="0" err="1">
+                  <a:solidFill>
+                    <a:schemeClr val="accent2">
+                      <a:lumMod val="50000"/>
+                    </a:schemeClr>
+                  </a:solidFill>
+                  <a:latin typeface="Calibri" panose="020F0502020204030204" pitchFamily="34" charset="0"/>
+                  <a:cs typeface="Courier New" panose="02070309020205020404" pitchFamily="49" charset="0"/>
+                </a:rPr>
+                <a:t>",</a:t>
               </a:r>
               <a:r>
                 <a:rPr lang="en-US" sz="800" dirty="0" err="1" smtClean="0">
@@ -16268,7 +16252,7 @@
           </a:ln>
           <a:extLst>
             <a:ext uri="{C572A759-6A51-4108-AA02-DFA0A04FC94B}">
-              <ma14:wrappingTextBoxFlag xmlns:ma14="http://schemas.microsoft.com/office/mac/drawingml/2011/main" xmlns="" val="1"/>
+              <ma14:wrappingTextBoxFlag xmlns="" xmlns:ma14="http://schemas.microsoft.com/office/mac/drawingml/2011/main" val="1"/>
             </a:ext>
           </a:extLst>
         </p:spPr>
@@ -18473,7 +18457,7 @@
             </a:ln>
             <a:extLst>
               <a:ext uri="{C572A759-6A51-4108-AA02-DFA0A04FC94B}">
-                <ma14:wrappingTextBoxFlag xmlns:ma14="http://schemas.microsoft.com/office/mac/drawingml/2011/main" xmlns="" val="1"/>
+                <ma14:wrappingTextBoxFlag xmlns="" xmlns:ma14="http://schemas.microsoft.com/office/mac/drawingml/2011/main" val="1"/>
               </a:ext>
             </a:extLst>
           </p:spPr>
@@ -19316,19 +19300,7 @@
                   <a:latin typeface="Courier New" panose="02070309020205020404" pitchFamily="49" charset="0"/>
                   <a:cs typeface="Courier New" panose="02070309020205020404" pitchFamily="49" charset="0"/>
                 </a:rPr>
-                <a:t>  </a:t>
-              </a:r>
-              <a:r>
-                <a:rPr lang="en-US" sz="600" b="1" dirty="0" smtClean="0">
-                  <a:solidFill>
-                    <a:schemeClr val="accent2">
-                      <a:lumMod val="50000"/>
-                    </a:schemeClr>
-                  </a:solidFill>
-                  <a:latin typeface="Courier New" panose="02070309020205020404" pitchFamily="49" charset="0"/>
-                  <a:cs typeface="Courier New" panose="02070309020205020404" pitchFamily="49" charset="0"/>
-                </a:rPr>
-                <a:t>labs(y</a:t>
+                <a:t>  labs(y</a:t>
               </a:r>
               <a:r>
                 <a:rPr lang="en-US" sz="600" b="1" dirty="0">
@@ -19450,19 +19422,7 @@
                   <a:latin typeface="Courier New" panose="02070309020205020404" pitchFamily="49" charset="0"/>
                   <a:cs typeface="Courier New" panose="02070309020205020404" pitchFamily="49" charset="0"/>
                 </a:rPr>
-                <a:t>") </a:t>
-              </a:r>
-              <a:r>
-                <a:rPr lang="en-US" sz="600" b="1" dirty="0">
-                  <a:solidFill>
-                    <a:schemeClr val="accent2">
-                      <a:lumMod val="50000"/>
-                    </a:schemeClr>
-                  </a:solidFill>
-                  <a:latin typeface="Courier New" panose="02070309020205020404" pitchFamily="49" charset="0"/>
-                  <a:cs typeface="Courier New" panose="02070309020205020404" pitchFamily="49" charset="0"/>
-                </a:rPr>
-                <a:t>+</a:t>
+                <a:t>") +</a:t>
               </a:r>
             </a:p>
             <a:p>
@@ -19781,19 +19741,7 @@
                   <a:latin typeface="Courier New" panose="02070309020205020404" pitchFamily="49" charset="0"/>
                   <a:cs typeface="Courier New" panose="02070309020205020404" pitchFamily="49" charset="0"/>
                 </a:rPr>
-                <a:t>=3</a:t>
-              </a:r>
-              <a:r>
-                <a:rPr lang="en-US" sz="600" b="1" dirty="0" smtClean="0">
-                  <a:solidFill>
-                    <a:schemeClr val="accent2">
-                      <a:lumMod val="50000"/>
-                    </a:schemeClr>
-                  </a:solidFill>
-                  <a:latin typeface="Courier New" panose="02070309020205020404" pitchFamily="49" charset="0"/>
-                  <a:cs typeface="Courier New" panose="02070309020205020404" pitchFamily="49" charset="0"/>
-                </a:rPr>
-                <a:t>)</a:t>
+                <a:t>=3)</a:t>
               </a:r>
               <a:endParaRPr lang="en-US" sz="600" b="1" dirty="0">
                 <a:solidFill>
@@ -20374,26 +20322,36 @@
                 <a:t>",y</a:t>
               </a:r>
               <a:r>
-                <a:rPr lang="en-US" sz="800" dirty="0" smtClean="0">
-                  <a:solidFill>
-                    <a:schemeClr val="accent2">
-                      <a:lumMod val="50000"/>
-                    </a:schemeClr>
-                  </a:solidFill>
-                  <a:latin typeface="Calibri" panose="020F0502020204030204" pitchFamily="34" charset="0"/>
-                  <a:cs typeface="Courier New" panose="02070309020205020404" pitchFamily="49" charset="0"/>
-                </a:rPr>
-                <a:t>=“</a:t>
-              </a:r>
-              <a:r>
-                <a:rPr lang="en-US" sz="800" dirty="0" smtClean="0">
-                  <a:solidFill>
-                    <a:srgbClr val="C00000"/>
-                  </a:solidFill>
-                  <a:latin typeface="Calibri" panose="020F0502020204030204" pitchFamily="34" charset="0"/>
-                  <a:cs typeface="Courier New" panose="02070309020205020404" pitchFamily="49" charset="0"/>
-                </a:rPr>
-                <a:t>better qvar2 label</a:t>
+                <a:rPr lang="en-US" sz="800" dirty="0">
+                  <a:solidFill>
+                    <a:schemeClr val="accent2">
+                      <a:lumMod val="50000"/>
+                    </a:schemeClr>
+                  </a:solidFill>
+                  <a:latin typeface="Calibri" panose="020F0502020204030204" pitchFamily="34" charset="0"/>
+                  <a:cs typeface="Courier New" panose="02070309020205020404" pitchFamily="49" charset="0"/>
+                </a:rPr>
+                <a:t>="</a:t>
+              </a:r>
+              <a:r>
+                <a:rPr lang="en-US" sz="800" dirty="0" smtClean="0">
+                  <a:solidFill>
+                    <a:srgbClr val="C00000"/>
+                  </a:solidFill>
+                  <a:latin typeface="Calibri" panose="020F0502020204030204" pitchFamily="34" charset="0"/>
+                  <a:cs typeface="Courier New" panose="02070309020205020404" pitchFamily="49" charset="0"/>
+                </a:rPr>
+                <a:t>better </a:t>
+              </a:r>
+              <a:r>
+                <a:rPr lang="en-US" sz="800" dirty="0" smtClean="0">
+                  <a:solidFill>
+                    <a:srgbClr val="C00000"/>
+                  </a:solidFill>
+                  <a:latin typeface="Calibri" panose="020F0502020204030204" pitchFamily="34" charset="0"/>
+                  <a:cs typeface="Courier New" panose="02070309020205020404" pitchFamily="49" charset="0"/>
+                </a:rPr>
+                <a:t>qvar2 label</a:t>
               </a:r>
               <a:r>
                 <a:rPr lang="en-US" sz="800" dirty="0" smtClean="0">
@@ -20609,7 +20567,7 @@
             </a:ln>
             <a:extLst>
               <a:ext uri="{C572A759-6A51-4108-AA02-DFA0A04FC94B}">
-                <ma14:wrappingTextBoxFlag xmlns:ma14="http://schemas.microsoft.com/office/mac/drawingml/2011/main" xmlns="" val="1"/>
+                <ma14:wrappingTextBoxFlag xmlns="" xmlns:ma14="http://schemas.microsoft.com/office/mac/drawingml/2011/main" val="1"/>
               </a:ext>
             </a:extLst>
           </p:spPr>
@@ -21315,19 +21273,7 @@
                     <a:latin typeface="Courier New" panose="02070309020205020404" pitchFamily="49" charset="0"/>
                     <a:cs typeface="Courier New" panose="02070309020205020404" pitchFamily="49" charset="0"/>
                   </a:rPr>
-                  <a:t>    </a:t>
-                </a:r>
-                <a:r>
-                  <a:rPr lang="en-US" sz="600" b="1" dirty="0">
-                    <a:solidFill>
-                      <a:schemeClr val="accent2">
-                        <a:lumMod val="50000"/>
-                      </a:schemeClr>
-                    </a:solidFill>
-                    <a:latin typeface="Courier New" panose="02070309020205020404" pitchFamily="49" charset="0"/>
-                    <a:cs typeface="Courier New" panose="02070309020205020404" pitchFamily="49" charset="0"/>
-                  </a:rPr>
-                  <a:t>labs(y="</a:t>
+                  <a:t>    labs(y="</a:t>
                 </a:r>
                 <a:r>
                   <a:rPr lang="en-US" sz="600" b="1" dirty="0">
@@ -21575,19 +21521,7 @@
                     <a:latin typeface="Courier New" panose="02070309020205020404" pitchFamily="49" charset="0"/>
                     <a:cs typeface="Courier New" panose="02070309020205020404" pitchFamily="49" charset="0"/>
                   </a:rPr>
-                  <a:t>=FALSE</a:t>
-                </a:r>
-                <a:r>
-                  <a:rPr lang="en-US" sz="600" b="1" dirty="0" smtClean="0">
-                    <a:solidFill>
-                      <a:schemeClr val="accent2">
-                        <a:lumMod val="50000"/>
-                      </a:schemeClr>
-                    </a:solidFill>
-                    <a:latin typeface="Courier New" panose="02070309020205020404" pitchFamily="49" charset="0"/>
-                    <a:cs typeface="Courier New" panose="02070309020205020404" pitchFamily="49" charset="0"/>
-                  </a:rPr>
-                  <a:t>)</a:t>
+                  <a:t>=FALSE)</a:t>
                 </a:r>
                 <a:r>
                   <a:rPr lang="en-US" sz="600" b="1" dirty="0">
@@ -22006,7 +21940,7 @@
             </a:ln>
             <a:extLst>
               <a:ext uri="{C572A759-6A51-4108-AA02-DFA0A04FC94B}">
-                <ma14:wrappingTextBoxFlag xmlns:ma14="http://schemas.microsoft.com/office/mac/drawingml/2011/main" xmlns="" val="1"/>
+                <ma14:wrappingTextBoxFlag xmlns="" xmlns:ma14="http://schemas.microsoft.com/office/mac/drawingml/2011/main" val="1"/>
               </a:ext>
             </a:extLst>
           </p:spPr>
@@ -23142,19 +23076,7 @@
                   <a:latin typeface="Courier New" panose="02070309020205020404" pitchFamily="49" charset="0"/>
                   <a:cs typeface="Courier New" panose="02070309020205020404" pitchFamily="49" charset="0"/>
                 </a:rPr>
-                <a:t>    </a:t>
-              </a:r>
-              <a:r>
-                <a:rPr lang="en-US" sz="600" b="1" dirty="0">
-                  <a:solidFill>
-                    <a:schemeClr val="accent2">
-                      <a:lumMod val="50000"/>
-                    </a:schemeClr>
-                  </a:solidFill>
-                  <a:latin typeface="Courier New" panose="02070309020205020404" pitchFamily="49" charset="0"/>
-                  <a:cs typeface="Courier New" panose="02070309020205020404" pitchFamily="49" charset="0"/>
-                </a:rPr>
-                <a:t>labs(y="Frequency of </a:t>
+                <a:t>    labs(y="Frequency of </a:t>
               </a:r>
               <a:r>
                 <a:rPr lang="en-US" sz="600" b="1" dirty="0" err="1">
@@ -24238,7 +24160,7 @@
             </a:ln>
             <a:extLst>
               <a:ext uri="{C572A759-6A51-4108-AA02-DFA0A04FC94B}">
-                <ma14:wrappingTextBoxFlag xmlns:ma14="http://schemas.microsoft.com/office/mac/drawingml/2011/main" xmlns="" val="1"/>
+                <ma14:wrappingTextBoxFlag xmlns="" xmlns:ma14="http://schemas.microsoft.com/office/mac/drawingml/2011/main" val="1"/>
               </a:ext>
             </a:extLst>
           </p:spPr>
@@ -26107,7 +26029,7 @@
             </a:ln>
             <a:extLst>
               <a:ext uri="{C572A759-6A51-4108-AA02-DFA0A04FC94B}">
-                <ma14:wrappingTextBoxFlag xmlns:ma14="http://schemas.microsoft.com/office/mac/drawingml/2011/main" xmlns="" val="1"/>
+                <ma14:wrappingTextBoxFlag xmlns="" xmlns:ma14="http://schemas.microsoft.com/office/mac/drawingml/2011/main" val="1"/>
               </a:ext>
             </a:extLst>
           </p:spPr>
@@ -26521,19 +26443,7 @@
                   <a:latin typeface="Courier New" panose="02070309020205020404" pitchFamily="49" charset="0"/>
                   <a:cs typeface="Courier New" panose="02070309020205020404" pitchFamily="49" charset="0"/>
                 </a:rPr>
-                <a:t>    </a:t>
-              </a:r>
-              <a:r>
-                <a:rPr lang="en-US" sz="600" b="1" dirty="0">
-                  <a:solidFill>
-                    <a:schemeClr val="accent2">
-                      <a:lumMod val="50000"/>
-                    </a:schemeClr>
-                  </a:solidFill>
-                  <a:latin typeface="Courier New" panose="02070309020205020404" pitchFamily="49" charset="0"/>
-                  <a:cs typeface="Courier New" panose="02070309020205020404" pitchFamily="49" charset="0"/>
-                </a:rPr>
-                <a:t>labs(y="Frequency of </a:t>
+                <a:t>    labs(y="Frequency of </a:t>
               </a:r>
               <a:r>
                 <a:rPr lang="en-US" sz="600" b="1" dirty="0" err="1">
@@ -27782,7 +27692,7 @@
             </a:ln>
             <a:extLst>
               <a:ext uri="{C572A759-6A51-4108-AA02-DFA0A04FC94B}">
-                <ma14:wrappingTextBoxFlag xmlns:ma14="http://schemas.microsoft.com/office/mac/drawingml/2011/main" xmlns="" val="1"/>
+                <ma14:wrappingTextBoxFlag xmlns="" xmlns:ma14="http://schemas.microsoft.com/office/mac/drawingml/2011/main" val="1"/>
               </a:ext>
             </a:extLst>
           </p:spPr>
@@ -31547,7 +31457,7 @@
             </a:ln>
             <a:extLst>
               <a:ext uri="{C572A759-6A51-4108-AA02-DFA0A04FC94B}">
-                <ma14:wrappingTextBoxFlag xmlns:ma14="http://schemas.microsoft.com/office/mac/drawingml/2011/main" xmlns="" val="1"/>
+                <ma14:wrappingTextBoxFlag xmlns="" xmlns:ma14="http://schemas.microsoft.com/office/mac/drawingml/2011/main" val="1"/>
               </a:ext>
             </a:extLst>
           </p:spPr>

--- a/resources/MTH107-RGuide.pptx
+++ b/resources/MTH107-RGuide.pptx
@@ -1144,7 +1144,7 @@
           </a:ln>
           <a:extLst>
             <a:ext uri="{C572A759-6A51-4108-AA02-DFA0A04FC94B}">
-              <ma14:wrappingTextBoxFlag xmlns="" xmlns:ma14="http://schemas.microsoft.com/office/mac/drawingml/2011/main" val="1"/>
+              <ma14:wrappingTextBoxFlag xmlns:ma14="http://schemas.microsoft.com/office/mac/drawingml/2011/main" xmlns="" val="1"/>
             </a:ext>
           </a:extLst>
         </p:spPr>
@@ -1187,7 +1187,7 @@
           </a:ln>
           <a:extLst>
             <a:ext uri="{C572A759-6A51-4108-AA02-DFA0A04FC94B}">
-              <ma14:wrappingTextBoxFlag xmlns="" xmlns:ma14="http://schemas.microsoft.com/office/mac/drawingml/2011/main" val="1"/>
+              <ma14:wrappingTextBoxFlag xmlns:ma14="http://schemas.microsoft.com/office/mac/drawingml/2011/main" xmlns="" val="1"/>
             </a:ext>
           </a:extLst>
         </p:spPr>
@@ -1871,7 +1871,7 @@
             </a:ln>
             <a:extLst>
               <a:ext uri="{C572A759-6A51-4108-AA02-DFA0A04FC94B}">
-                <ma14:wrappingTextBoxFlag xmlns="" xmlns:ma14="http://schemas.microsoft.com/office/mac/drawingml/2011/main" val="1"/>
+                <ma14:wrappingTextBoxFlag xmlns:ma14="http://schemas.microsoft.com/office/mac/drawingml/2011/main" xmlns="" val="1"/>
               </a:ext>
             </a:extLst>
           </p:spPr>
@@ -2457,7 +2457,7 @@
             </a:ln>
             <a:extLst>
               <a:ext uri="{C572A759-6A51-4108-AA02-DFA0A04FC94B}">
-                <ma14:wrappingTextBoxFlag xmlns="" xmlns:ma14="http://schemas.microsoft.com/office/mac/drawingml/2011/main" val="1"/>
+                <ma14:wrappingTextBoxFlag xmlns:ma14="http://schemas.microsoft.com/office/mac/drawingml/2011/main" xmlns="" val="1"/>
               </a:ext>
             </a:extLst>
           </p:spPr>
@@ -3204,7 +3204,7 @@
             </a:ln>
             <a:extLst>
               <a:ext uri="{C572A759-6A51-4108-AA02-DFA0A04FC94B}">
-                <ma14:wrappingTextBoxFlag xmlns="" xmlns:ma14="http://schemas.microsoft.com/office/mac/drawingml/2011/main" val="1"/>
+                <ma14:wrappingTextBoxFlag xmlns:ma14="http://schemas.microsoft.com/office/mac/drawingml/2011/main" xmlns="" val="1"/>
               </a:ext>
             </a:extLst>
           </p:spPr>
@@ -4282,7 +4282,7 @@
             </a:ln>
             <a:extLst>
               <a:ext uri="{C572A759-6A51-4108-AA02-DFA0A04FC94B}">
-                <ma14:wrappingTextBoxFlag xmlns="" xmlns:ma14="http://schemas.microsoft.com/office/mac/drawingml/2011/main" val="1"/>
+                <ma14:wrappingTextBoxFlag xmlns:ma14="http://schemas.microsoft.com/office/mac/drawingml/2011/main" xmlns="" val="1"/>
               </a:ext>
             </a:extLst>
           </p:spPr>
@@ -6481,7 +6481,7 @@
             </a:ln>
             <a:extLst>
               <a:ext uri="{C572A759-6A51-4108-AA02-DFA0A04FC94B}">
-                <ma14:wrappingTextBoxFlag xmlns="" xmlns:ma14="http://schemas.microsoft.com/office/mac/drawingml/2011/main" val="1"/>
+                <ma14:wrappingTextBoxFlag xmlns:ma14="http://schemas.microsoft.com/office/mac/drawingml/2011/main" xmlns="" val="1"/>
               </a:ext>
             </a:extLst>
           </p:spPr>
@@ -9084,7 +9084,7 @@
             </a:ln>
             <a:extLst>
               <a:ext uri="{C572A759-6A51-4108-AA02-DFA0A04FC94B}">
-                <ma14:wrappingTextBoxFlag xmlns="" xmlns:ma14="http://schemas.microsoft.com/office/mac/drawingml/2011/main" val="1"/>
+                <ma14:wrappingTextBoxFlag xmlns:ma14="http://schemas.microsoft.com/office/mac/drawingml/2011/main" xmlns="" val="1"/>
               </a:ext>
             </a:extLst>
           </p:spPr>
@@ -10177,7 +10177,7 @@
             </a:ln>
             <a:extLst>
               <a:ext uri="{C572A759-6A51-4108-AA02-DFA0A04FC94B}">
-                <ma14:wrappingTextBoxFlag xmlns="" xmlns:ma14="http://schemas.microsoft.com/office/mac/drawingml/2011/main" val="1"/>
+                <ma14:wrappingTextBoxFlag xmlns:ma14="http://schemas.microsoft.com/office/mac/drawingml/2011/main" xmlns="" val="1"/>
               </a:ext>
             </a:extLst>
           </p:spPr>
@@ -11276,7 +11276,7 @@
           </a:ln>
           <a:extLst>
             <a:ext uri="{C572A759-6A51-4108-AA02-DFA0A04FC94B}">
-              <ma14:wrappingTextBoxFlag xmlns="" xmlns:ma14="http://schemas.microsoft.com/office/mac/drawingml/2011/main" val="1"/>
+              <ma14:wrappingTextBoxFlag xmlns:ma14="http://schemas.microsoft.com/office/mac/drawingml/2011/main" xmlns="" val="1"/>
             </a:ext>
           </a:extLst>
         </p:spPr>
@@ -13943,7 +13943,7 @@
             </a:ln>
             <a:extLst>
               <a:ext uri="{C572A759-6A51-4108-AA02-DFA0A04FC94B}">
-                <ma14:wrappingTextBoxFlag xmlns="" xmlns:ma14="http://schemas.microsoft.com/office/mac/drawingml/2011/main" val="1"/>
+                <ma14:wrappingTextBoxFlag xmlns:ma14="http://schemas.microsoft.com/office/mac/drawingml/2011/main" xmlns="" val="1"/>
               </a:ext>
             </a:extLst>
           </p:spPr>
@@ -14985,7 +14985,7 @@
             </a:ln>
             <a:extLst>
               <a:ext uri="{C572A759-6A51-4108-AA02-DFA0A04FC94B}">
-                <ma14:wrappingTextBoxFlag xmlns="" xmlns:ma14="http://schemas.microsoft.com/office/mac/drawingml/2011/main" val="1"/>
+                <ma14:wrappingTextBoxFlag xmlns:ma14="http://schemas.microsoft.com/office/mac/drawingml/2011/main" xmlns="" val="1"/>
               </a:ext>
             </a:extLst>
           </p:spPr>
@@ -16252,7 +16252,7 @@
           </a:ln>
           <a:extLst>
             <a:ext uri="{C572A759-6A51-4108-AA02-DFA0A04FC94B}">
-              <ma14:wrappingTextBoxFlag xmlns="" xmlns:ma14="http://schemas.microsoft.com/office/mac/drawingml/2011/main" val="1"/>
+              <ma14:wrappingTextBoxFlag xmlns:ma14="http://schemas.microsoft.com/office/mac/drawingml/2011/main" xmlns="" val="1"/>
             </a:ext>
           </a:extLst>
         </p:spPr>
@@ -18457,7 +18457,7 @@
             </a:ln>
             <a:extLst>
               <a:ext uri="{C572A759-6A51-4108-AA02-DFA0A04FC94B}">
-                <ma14:wrappingTextBoxFlag xmlns="" xmlns:ma14="http://schemas.microsoft.com/office/mac/drawingml/2011/main" val="1"/>
+                <ma14:wrappingTextBoxFlag xmlns:ma14="http://schemas.microsoft.com/office/mac/drawingml/2011/main" xmlns="" val="1"/>
               </a:ext>
             </a:extLst>
           </p:spPr>
@@ -20268,10 +20268,21 @@
                   </a:solidFill>
                   <a:latin typeface="Calibri" panose="020F0502020204030204" pitchFamily="34" charset="0"/>
                 </a:rPr>
-                <a:t>  labs(x=</a:t>
-              </a:r>
-              <a:r>
-                <a:rPr lang="en-US" sz="800" b="1" dirty="0">
+                <a:t>  </a:t>
+              </a:r>
+              <a:r>
+                <a:rPr lang="en-US" sz="800" dirty="0" smtClean="0">
+                  <a:solidFill>
+                    <a:schemeClr val="accent2">
+                      <a:lumMod val="50000"/>
+                    </a:schemeClr>
+                  </a:solidFill>
+                  <a:latin typeface="Calibri" panose="020F0502020204030204" pitchFamily="34" charset="0"/>
+                </a:rPr>
+                <a:t>labs(y=</a:t>
+              </a:r>
+              <a:r>
+                <a:rPr lang="en-US" sz="800" b="1" dirty="0" smtClean="0">
                   <a:solidFill>
                     <a:schemeClr val="accent2">
                       <a:lumMod val="50000"/>
@@ -20310,19 +20321,19 @@
                 <a:t>label</a:t>
               </a:r>
               <a:r>
-                <a:rPr lang="en-US" sz="800" dirty="0" err="1">
-                  <a:solidFill>
-                    <a:schemeClr val="accent2">
-                      <a:lumMod val="50000"/>
-                    </a:schemeClr>
-                  </a:solidFill>
-                  <a:latin typeface="Calibri" panose="020F0502020204030204" pitchFamily="34" charset="0"/>
-                  <a:cs typeface="Courier New" panose="02070309020205020404" pitchFamily="49" charset="0"/>
-                </a:rPr>
-                <a:t>",y</a:t>
-              </a:r>
-              <a:r>
-                <a:rPr lang="en-US" sz="800" dirty="0">
+                <a:rPr lang="en-US" sz="800" dirty="0" err="1" smtClean="0">
+                  <a:solidFill>
+                    <a:schemeClr val="accent2">
+                      <a:lumMod val="50000"/>
+                    </a:schemeClr>
+                  </a:solidFill>
+                  <a:latin typeface="Calibri" panose="020F0502020204030204" pitchFamily="34" charset="0"/>
+                  <a:cs typeface="Courier New" panose="02070309020205020404" pitchFamily="49" charset="0"/>
+                </a:rPr>
+                <a:t>",x</a:t>
+              </a:r>
+              <a:r>
+                <a:rPr lang="en-US" sz="800" dirty="0" smtClean="0">
                   <a:solidFill>
                     <a:schemeClr val="accent2">
                       <a:lumMod val="50000"/>
@@ -20341,17 +20352,7 @@
                   <a:latin typeface="Calibri" panose="020F0502020204030204" pitchFamily="34" charset="0"/>
                   <a:cs typeface="Courier New" panose="02070309020205020404" pitchFamily="49" charset="0"/>
                 </a:rPr>
-                <a:t>better </a:t>
-              </a:r>
-              <a:r>
-                <a:rPr lang="en-US" sz="800" dirty="0" smtClean="0">
-                  <a:solidFill>
-                    <a:srgbClr val="C00000"/>
-                  </a:solidFill>
-                  <a:latin typeface="Calibri" panose="020F0502020204030204" pitchFamily="34" charset="0"/>
-                  <a:cs typeface="Courier New" panose="02070309020205020404" pitchFamily="49" charset="0"/>
-                </a:rPr>
-                <a:t>qvar2 label</a:t>
+                <a:t>better qvar2 label</a:t>
               </a:r>
               <a:r>
                 <a:rPr lang="en-US" sz="800" dirty="0" smtClean="0">
@@ -20567,7 +20568,7 @@
             </a:ln>
             <a:extLst>
               <a:ext uri="{C572A759-6A51-4108-AA02-DFA0A04FC94B}">
-                <ma14:wrappingTextBoxFlag xmlns="" xmlns:ma14="http://schemas.microsoft.com/office/mac/drawingml/2011/main" val="1"/>
+                <ma14:wrappingTextBoxFlag xmlns:ma14="http://schemas.microsoft.com/office/mac/drawingml/2011/main" xmlns="" val="1"/>
               </a:ext>
             </a:extLst>
           </p:spPr>
@@ -21940,7 +21941,7 @@
             </a:ln>
             <a:extLst>
               <a:ext uri="{C572A759-6A51-4108-AA02-DFA0A04FC94B}">
-                <ma14:wrappingTextBoxFlag xmlns="" xmlns:ma14="http://schemas.microsoft.com/office/mac/drawingml/2011/main" val="1"/>
+                <ma14:wrappingTextBoxFlag xmlns:ma14="http://schemas.microsoft.com/office/mac/drawingml/2011/main" xmlns="" val="1"/>
               </a:ext>
             </a:extLst>
           </p:spPr>
@@ -24160,7 +24161,7 @@
             </a:ln>
             <a:extLst>
               <a:ext uri="{C572A759-6A51-4108-AA02-DFA0A04FC94B}">
-                <ma14:wrappingTextBoxFlag xmlns="" xmlns:ma14="http://schemas.microsoft.com/office/mac/drawingml/2011/main" val="1"/>
+                <ma14:wrappingTextBoxFlag xmlns:ma14="http://schemas.microsoft.com/office/mac/drawingml/2011/main" xmlns="" val="1"/>
               </a:ext>
             </a:extLst>
           </p:spPr>
@@ -26029,7 +26030,7 @@
             </a:ln>
             <a:extLst>
               <a:ext uri="{C572A759-6A51-4108-AA02-DFA0A04FC94B}">
-                <ma14:wrappingTextBoxFlag xmlns="" xmlns:ma14="http://schemas.microsoft.com/office/mac/drawingml/2011/main" val="1"/>
+                <ma14:wrappingTextBoxFlag xmlns:ma14="http://schemas.microsoft.com/office/mac/drawingml/2011/main" xmlns="" val="1"/>
               </a:ext>
             </a:extLst>
           </p:spPr>
@@ -27692,7 +27693,7 @@
             </a:ln>
             <a:extLst>
               <a:ext uri="{C572A759-6A51-4108-AA02-DFA0A04FC94B}">
-                <ma14:wrappingTextBoxFlag xmlns="" xmlns:ma14="http://schemas.microsoft.com/office/mac/drawingml/2011/main" val="1"/>
+                <ma14:wrappingTextBoxFlag xmlns:ma14="http://schemas.microsoft.com/office/mac/drawingml/2011/main" xmlns="" val="1"/>
               </a:ext>
             </a:extLst>
           </p:spPr>
@@ -31457,7 +31458,7 @@
             </a:ln>
             <a:extLst>
               <a:ext uri="{C572A759-6A51-4108-AA02-DFA0A04FC94B}">
-                <ma14:wrappingTextBoxFlag xmlns="" xmlns:ma14="http://schemas.microsoft.com/office/mac/drawingml/2011/main" val="1"/>
+                <ma14:wrappingTextBoxFlag xmlns:ma14="http://schemas.microsoft.com/office/mac/drawingml/2011/main" xmlns="" val="1"/>
               </a:ext>
             </a:extLst>
           </p:spPr>
